--- a/docs/GUI-Design.pptx
+++ b/docs/GUI-Design.pptx
@@ -133,12 +133,12 @@
   <pc:docChgLst>
     <pc:chgData name="Michael Neuhaus" userId="c40c4f6d-4879-45f0-ab21-9527e4a3c0bd" providerId="ADAL" clId="{21F8B5DC-EEBF-4057-AF5A-A6A231887572}"/>
     <pc:docChg chg="undo custSel addSld delSld modSld sldOrd modMainMaster">
-      <pc:chgData name="Michael Neuhaus" userId="c40c4f6d-4879-45f0-ab21-9527e4a3c0bd" providerId="ADAL" clId="{21F8B5DC-EEBF-4057-AF5A-A6A231887572}" dt="2022-03-30T20:23:13.072" v="1692" actId="20577"/>
+      <pc:chgData name="Michael Neuhaus" userId="c40c4f6d-4879-45f0-ab21-9527e4a3c0bd" providerId="ADAL" clId="{21F8B5DC-EEBF-4057-AF5A-A6A231887572}" dt="2022-04-12T08:19:55.425" v="2037" actId="6549"/>
       <pc:docMkLst>
         <pc:docMk/>
       </pc:docMkLst>
       <pc:sldChg chg="addSp delSp modSp mod">
-        <pc:chgData name="Michael Neuhaus" userId="c40c4f6d-4879-45f0-ab21-9527e4a3c0bd" providerId="ADAL" clId="{21F8B5DC-EEBF-4057-AF5A-A6A231887572}" dt="2022-03-30T19:41:37.232" v="1268" actId="14100"/>
+        <pc:chgData name="Michael Neuhaus" userId="c40c4f6d-4879-45f0-ab21-9527e4a3c0bd" providerId="ADAL" clId="{21F8B5DC-EEBF-4057-AF5A-A6A231887572}" dt="2022-04-11T17:53:45.462" v="2030" actId="1038"/>
         <pc:sldMkLst>
           <pc:docMk/>
           <pc:sldMk cId="2892530923" sldId="258"/>
@@ -215,8 +215,8 @@
             <ac:spMk id="24" creationId="{9E7A3423-CAB3-49BB-BE44-8ED7F49E6B12}"/>
           </ac:spMkLst>
         </pc:spChg>
-        <pc:spChg chg="add mod">
-          <ac:chgData name="Michael Neuhaus" userId="c40c4f6d-4879-45f0-ab21-9527e4a3c0bd" providerId="ADAL" clId="{21F8B5DC-EEBF-4057-AF5A-A6A231887572}" dt="2022-03-30T19:28:26.217" v="1050" actId="207"/>
+        <pc:spChg chg="add del mod">
+          <ac:chgData name="Michael Neuhaus" userId="c40c4f6d-4879-45f0-ab21-9527e4a3c0bd" providerId="ADAL" clId="{21F8B5DC-EEBF-4057-AF5A-A6A231887572}" dt="2022-04-11T17:53:40.471" v="1995" actId="478"/>
           <ac:spMkLst>
             <pc:docMk/>
             <pc:sldMk cId="2892530923" sldId="258"/>
@@ -224,7 +224,7 @@
           </ac:spMkLst>
         </pc:spChg>
         <pc:spChg chg="add mod">
-          <ac:chgData name="Michael Neuhaus" userId="c40c4f6d-4879-45f0-ab21-9527e4a3c0bd" providerId="ADAL" clId="{21F8B5DC-EEBF-4057-AF5A-A6A231887572}" dt="2022-03-30T19:28:26.217" v="1050" actId="207"/>
+          <ac:chgData name="Michael Neuhaus" userId="c40c4f6d-4879-45f0-ab21-9527e4a3c0bd" providerId="ADAL" clId="{21F8B5DC-EEBF-4057-AF5A-A6A231887572}" dt="2022-04-11T17:53:45.462" v="2030" actId="1038"/>
           <ac:spMkLst>
             <pc:docMk/>
             <pc:sldMk cId="2892530923" sldId="258"/>
@@ -232,7 +232,7 @@
           </ac:spMkLst>
         </pc:spChg>
         <pc:spChg chg="add mod">
-          <ac:chgData name="Michael Neuhaus" userId="c40c4f6d-4879-45f0-ab21-9527e4a3c0bd" providerId="ADAL" clId="{21F8B5DC-EEBF-4057-AF5A-A6A231887572}" dt="2022-03-30T19:28:26.217" v="1050" actId="207"/>
+          <ac:chgData name="Michael Neuhaus" userId="c40c4f6d-4879-45f0-ab21-9527e4a3c0bd" providerId="ADAL" clId="{21F8B5DC-EEBF-4057-AF5A-A6A231887572}" dt="2022-04-11T17:53:45.462" v="2030" actId="1038"/>
           <ac:spMkLst>
             <pc:docMk/>
             <pc:sldMk cId="2892530923" sldId="258"/>
@@ -240,7 +240,7 @@
           </ac:spMkLst>
         </pc:spChg>
         <pc:spChg chg="add mod">
-          <ac:chgData name="Michael Neuhaus" userId="c40c4f6d-4879-45f0-ab21-9527e4a3c0bd" providerId="ADAL" clId="{21F8B5DC-EEBF-4057-AF5A-A6A231887572}" dt="2022-03-30T19:28:26.217" v="1050" actId="207"/>
+          <ac:chgData name="Michael Neuhaus" userId="c40c4f6d-4879-45f0-ab21-9527e4a3c0bd" providerId="ADAL" clId="{21F8B5DC-EEBF-4057-AF5A-A6A231887572}" dt="2022-04-11T17:53:45.462" v="2030" actId="1038"/>
           <ac:spMkLst>
             <pc:docMk/>
             <pc:sldMk cId="2892530923" sldId="258"/>
@@ -248,7 +248,7 @@
           </ac:spMkLst>
         </pc:spChg>
         <pc:spChg chg="add mod">
-          <ac:chgData name="Michael Neuhaus" userId="c40c4f6d-4879-45f0-ab21-9527e4a3c0bd" providerId="ADAL" clId="{21F8B5DC-EEBF-4057-AF5A-A6A231887572}" dt="2022-03-30T19:28:26.217" v="1050" actId="207"/>
+          <ac:chgData name="Michael Neuhaus" userId="c40c4f6d-4879-45f0-ab21-9527e4a3c0bd" providerId="ADAL" clId="{21F8B5DC-EEBF-4057-AF5A-A6A231887572}" dt="2022-04-11T17:53:45.462" v="2030" actId="1038"/>
           <ac:spMkLst>
             <pc:docMk/>
             <pc:sldMk cId="2892530923" sldId="258"/>
@@ -272,7 +272,7 @@
           </ac:spMkLst>
         </pc:spChg>
         <pc:spChg chg="add mod">
-          <ac:chgData name="Michael Neuhaus" userId="c40c4f6d-4879-45f0-ab21-9527e4a3c0bd" providerId="ADAL" clId="{21F8B5DC-EEBF-4057-AF5A-A6A231887572}" dt="2022-03-30T19:28:26.217" v="1050" actId="207"/>
+          <ac:chgData name="Michael Neuhaus" userId="c40c4f6d-4879-45f0-ab21-9527e4a3c0bd" providerId="ADAL" clId="{21F8B5DC-EEBF-4057-AF5A-A6A231887572}" dt="2022-04-11T17:53:45.462" v="2030" actId="1038"/>
           <ac:spMkLst>
             <pc:docMk/>
             <pc:sldMk cId="2892530923" sldId="258"/>
@@ -391,8 +391,8 @@
             <ac:picMk id="22" creationId="{BAF420DF-6CB5-44D5-9DAE-63814BD0972B}"/>
           </ac:picMkLst>
         </pc:picChg>
-        <pc:picChg chg="add mod">
-          <ac:chgData name="Michael Neuhaus" userId="c40c4f6d-4879-45f0-ab21-9527e4a3c0bd" providerId="ADAL" clId="{21F8B5DC-EEBF-4057-AF5A-A6A231887572}" dt="2022-03-30T19:28:15.564" v="1049" actId="207"/>
+        <pc:picChg chg="add del mod">
+          <ac:chgData name="Michael Neuhaus" userId="c40c4f6d-4879-45f0-ab21-9527e4a3c0bd" providerId="ADAL" clId="{21F8B5DC-EEBF-4057-AF5A-A6A231887572}" dt="2022-04-11T17:53:40.471" v="1995" actId="478"/>
           <ac:picMkLst>
             <pc:docMk/>
             <pc:sldMk cId="2892530923" sldId="258"/>
@@ -400,7 +400,7 @@
           </ac:picMkLst>
         </pc:picChg>
         <pc:picChg chg="add mod">
-          <ac:chgData name="Michael Neuhaus" userId="c40c4f6d-4879-45f0-ab21-9527e4a3c0bd" providerId="ADAL" clId="{21F8B5DC-EEBF-4057-AF5A-A6A231887572}" dt="2022-03-30T19:28:15.564" v="1049" actId="207"/>
+          <ac:chgData name="Michael Neuhaus" userId="c40c4f6d-4879-45f0-ab21-9527e4a3c0bd" providerId="ADAL" clId="{21F8B5DC-EEBF-4057-AF5A-A6A231887572}" dt="2022-04-11T17:53:45.462" v="2030" actId="1038"/>
           <ac:picMkLst>
             <pc:docMk/>
             <pc:sldMk cId="2892530923" sldId="258"/>
@@ -408,7 +408,7 @@
           </ac:picMkLst>
         </pc:picChg>
         <pc:picChg chg="add mod">
-          <ac:chgData name="Michael Neuhaus" userId="c40c4f6d-4879-45f0-ab21-9527e4a3c0bd" providerId="ADAL" clId="{21F8B5DC-EEBF-4057-AF5A-A6A231887572}" dt="2022-03-30T19:28:15.564" v="1049" actId="207"/>
+          <ac:chgData name="Michael Neuhaus" userId="c40c4f6d-4879-45f0-ab21-9527e4a3c0bd" providerId="ADAL" clId="{21F8B5DC-EEBF-4057-AF5A-A6A231887572}" dt="2022-04-11T17:53:45.462" v="2030" actId="1038"/>
           <ac:picMkLst>
             <pc:docMk/>
             <pc:sldMk cId="2892530923" sldId="258"/>
@@ -416,7 +416,7 @@
           </ac:picMkLst>
         </pc:picChg>
         <pc:picChg chg="add mod">
-          <ac:chgData name="Michael Neuhaus" userId="c40c4f6d-4879-45f0-ab21-9527e4a3c0bd" providerId="ADAL" clId="{21F8B5DC-EEBF-4057-AF5A-A6A231887572}" dt="2022-03-30T19:28:15.564" v="1049" actId="207"/>
+          <ac:chgData name="Michael Neuhaus" userId="c40c4f6d-4879-45f0-ab21-9527e4a3c0bd" providerId="ADAL" clId="{21F8B5DC-EEBF-4057-AF5A-A6A231887572}" dt="2022-04-11T17:53:45.462" v="2030" actId="1038"/>
           <ac:picMkLst>
             <pc:docMk/>
             <pc:sldMk cId="2892530923" sldId="258"/>
@@ -424,7 +424,7 @@
           </ac:picMkLst>
         </pc:picChg>
         <pc:picChg chg="add mod">
-          <ac:chgData name="Michael Neuhaus" userId="c40c4f6d-4879-45f0-ab21-9527e4a3c0bd" providerId="ADAL" clId="{21F8B5DC-EEBF-4057-AF5A-A6A231887572}" dt="2022-03-30T19:28:15.564" v="1049" actId="207"/>
+          <ac:chgData name="Michael Neuhaus" userId="c40c4f6d-4879-45f0-ab21-9527e4a3c0bd" providerId="ADAL" clId="{21F8B5DC-EEBF-4057-AF5A-A6A231887572}" dt="2022-04-11T17:53:45.462" v="2030" actId="1038"/>
           <ac:picMkLst>
             <pc:docMk/>
             <pc:sldMk cId="2892530923" sldId="258"/>
@@ -440,7 +440,7 @@
           </ac:picMkLst>
         </pc:picChg>
         <pc:picChg chg="add mod">
-          <ac:chgData name="Michael Neuhaus" userId="c40c4f6d-4879-45f0-ab21-9527e4a3c0bd" providerId="ADAL" clId="{21F8B5DC-EEBF-4057-AF5A-A6A231887572}" dt="2022-03-30T19:28:15.564" v="1049" actId="207"/>
+          <ac:chgData name="Michael Neuhaus" userId="c40c4f6d-4879-45f0-ab21-9527e4a3c0bd" providerId="ADAL" clId="{21F8B5DC-EEBF-4057-AF5A-A6A231887572}" dt="2022-04-11T17:53:45.462" v="2030" actId="1038"/>
           <ac:picMkLst>
             <pc:docMk/>
             <pc:sldMk cId="2892530923" sldId="258"/>
@@ -489,7 +489,7 @@
         </pc:picChg>
       </pc:sldChg>
       <pc:sldChg chg="addSp delSp modSp add mod">
-        <pc:chgData name="Michael Neuhaus" userId="c40c4f6d-4879-45f0-ab21-9527e4a3c0bd" providerId="ADAL" clId="{21F8B5DC-EEBF-4057-AF5A-A6A231887572}" dt="2022-03-30T19:41:00.383" v="1255" actId="14861"/>
+        <pc:chgData name="Michael Neuhaus" userId="c40c4f6d-4879-45f0-ab21-9527e4a3c0bd" providerId="ADAL" clId="{21F8B5DC-EEBF-4057-AF5A-A6A231887572}" dt="2022-04-11T17:52:35.243" v="1739" actId="1038"/>
         <pc:sldMkLst>
           <pc:docMk/>
           <pc:sldMk cId="3390002917" sldId="259"/>
@@ -734,8 +734,8 @@
             <ac:spMk id="51" creationId="{A8819EBF-2703-4E6C-B9B6-149DA5E3E6C4}"/>
           </ac:spMkLst>
         </pc:spChg>
-        <pc:spChg chg="add mod">
-          <ac:chgData name="Michael Neuhaus" userId="c40c4f6d-4879-45f0-ab21-9527e4a3c0bd" providerId="ADAL" clId="{21F8B5DC-EEBF-4057-AF5A-A6A231887572}" dt="2022-03-30T19:28:00.319" v="1046"/>
+        <pc:spChg chg="add del mod">
+          <ac:chgData name="Michael Neuhaus" userId="c40c4f6d-4879-45f0-ab21-9527e4a3c0bd" providerId="ADAL" clId="{21F8B5DC-EEBF-4057-AF5A-A6A231887572}" dt="2022-04-11T17:51:18.938" v="1693" actId="478"/>
           <ac:spMkLst>
             <pc:docMk/>
             <pc:sldMk cId="3390002917" sldId="259"/>
@@ -743,7 +743,7 @@
           </ac:spMkLst>
         </pc:spChg>
         <pc:spChg chg="add mod">
-          <ac:chgData name="Michael Neuhaus" userId="c40c4f6d-4879-45f0-ab21-9527e4a3c0bd" providerId="ADAL" clId="{21F8B5DC-EEBF-4057-AF5A-A6A231887572}" dt="2022-03-30T19:28:00.319" v="1046"/>
+          <ac:chgData name="Michael Neuhaus" userId="c40c4f6d-4879-45f0-ab21-9527e4a3c0bd" providerId="ADAL" clId="{21F8B5DC-EEBF-4057-AF5A-A6A231887572}" dt="2022-04-11T17:52:35.243" v="1739" actId="1038"/>
           <ac:spMkLst>
             <pc:docMk/>
             <pc:sldMk cId="3390002917" sldId="259"/>
@@ -767,7 +767,7 @@
           </ac:spMkLst>
         </pc:spChg>
         <pc:spChg chg="add mod">
-          <ac:chgData name="Michael Neuhaus" userId="c40c4f6d-4879-45f0-ab21-9527e4a3c0bd" providerId="ADAL" clId="{21F8B5DC-EEBF-4057-AF5A-A6A231887572}" dt="2022-03-30T19:28:00.319" v="1046"/>
+          <ac:chgData name="Michael Neuhaus" userId="c40c4f6d-4879-45f0-ab21-9527e4a3c0bd" providerId="ADAL" clId="{21F8B5DC-EEBF-4057-AF5A-A6A231887572}" dt="2022-04-11T17:52:35.243" v="1739" actId="1038"/>
           <ac:spMkLst>
             <pc:docMk/>
             <pc:sldMk cId="3390002917" sldId="259"/>
@@ -775,7 +775,7 @@
           </ac:spMkLst>
         </pc:spChg>
         <pc:spChg chg="add mod">
-          <ac:chgData name="Michael Neuhaus" userId="c40c4f6d-4879-45f0-ab21-9527e4a3c0bd" providerId="ADAL" clId="{21F8B5DC-EEBF-4057-AF5A-A6A231887572}" dt="2022-03-30T19:28:00.319" v="1046"/>
+          <ac:chgData name="Michael Neuhaus" userId="c40c4f6d-4879-45f0-ab21-9527e4a3c0bd" providerId="ADAL" clId="{21F8B5DC-EEBF-4057-AF5A-A6A231887572}" dt="2022-04-11T17:52:35.243" v="1739" actId="1038"/>
           <ac:spMkLst>
             <pc:docMk/>
             <pc:sldMk cId="3390002917" sldId="259"/>
@@ -799,7 +799,7 @@
           </ac:spMkLst>
         </pc:spChg>
         <pc:spChg chg="add mod">
-          <ac:chgData name="Michael Neuhaus" userId="c40c4f6d-4879-45f0-ab21-9527e4a3c0bd" providerId="ADAL" clId="{21F8B5DC-EEBF-4057-AF5A-A6A231887572}" dt="2022-03-30T19:28:00.319" v="1046"/>
+          <ac:chgData name="Michael Neuhaus" userId="c40c4f6d-4879-45f0-ab21-9527e4a3c0bd" providerId="ADAL" clId="{21F8B5DC-EEBF-4057-AF5A-A6A231887572}" dt="2022-04-11T17:52:35.243" v="1739" actId="1038"/>
           <ac:spMkLst>
             <pc:docMk/>
             <pc:sldMk cId="3390002917" sldId="259"/>
@@ -807,7 +807,7 @@
           </ac:spMkLst>
         </pc:spChg>
         <pc:spChg chg="add mod">
-          <ac:chgData name="Michael Neuhaus" userId="c40c4f6d-4879-45f0-ab21-9527e4a3c0bd" providerId="ADAL" clId="{21F8B5DC-EEBF-4057-AF5A-A6A231887572}" dt="2022-03-30T19:28:00.319" v="1046"/>
+          <ac:chgData name="Michael Neuhaus" userId="c40c4f6d-4879-45f0-ab21-9527e4a3c0bd" providerId="ADAL" clId="{21F8B5DC-EEBF-4057-AF5A-A6A231887572}" dt="2022-04-11T17:52:35.243" v="1739" actId="1038"/>
           <ac:spMkLst>
             <pc:docMk/>
             <pc:sldMk cId="3390002917" sldId="259"/>
@@ -958,8 +958,8 @@
             <ac:picMk id="49" creationId="{06903062-E196-4A98-ABDD-32335667D053}"/>
           </ac:picMkLst>
         </pc:picChg>
-        <pc:picChg chg="add mod">
-          <ac:chgData name="Michael Neuhaus" userId="c40c4f6d-4879-45f0-ab21-9527e4a3c0bd" providerId="ADAL" clId="{21F8B5DC-EEBF-4057-AF5A-A6A231887572}" dt="2022-03-30T19:28:00.319" v="1046"/>
+        <pc:picChg chg="add del mod">
+          <ac:chgData name="Michael Neuhaus" userId="c40c4f6d-4879-45f0-ab21-9527e4a3c0bd" providerId="ADAL" clId="{21F8B5DC-EEBF-4057-AF5A-A6A231887572}" dt="2022-04-11T17:51:18.938" v="1693" actId="478"/>
           <ac:picMkLst>
             <pc:docMk/>
             <pc:sldMk cId="3390002917" sldId="259"/>
@@ -967,7 +967,7 @@
           </ac:picMkLst>
         </pc:picChg>
         <pc:picChg chg="add mod">
-          <ac:chgData name="Michael Neuhaus" userId="c40c4f6d-4879-45f0-ab21-9527e4a3c0bd" providerId="ADAL" clId="{21F8B5DC-EEBF-4057-AF5A-A6A231887572}" dt="2022-03-30T19:28:00.319" v="1046"/>
+          <ac:chgData name="Michael Neuhaus" userId="c40c4f6d-4879-45f0-ab21-9527e4a3c0bd" providerId="ADAL" clId="{21F8B5DC-EEBF-4057-AF5A-A6A231887572}" dt="2022-04-11T17:52:35.243" v="1739" actId="1038"/>
           <ac:picMkLst>
             <pc:docMk/>
             <pc:sldMk cId="3390002917" sldId="259"/>
@@ -975,7 +975,7 @@
           </ac:picMkLst>
         </pc:picChg>
         <pc:picChg chg="add mod">
-          <ac:chgData name="Michael Neuhaus" userId="c40c4f6d-4879-45f0-ab21-9527e4a3c0bd" providerId="ADAL" clId="{21F8B5DC-EEBF-4057-AF5A-A6A231887572}" dt="2022-03-30T19:28:00.319" v="1046"/>
+          <ac:chgData name="Michael Neuhaus" userId="c40c4f6d-4879-45f0-ab21-9527e4a3c0bd" providerId="ADAL" clId="{21F8B5DC-EEBF-4057-AF5A-A6A231887572}" dt="2022-04-11T17:52:35.243" v="1739" actId="1038"/>
           <ac:picMkLst>
             <pc:docMk/>
             <pc:sldMk cId="3390002917" sldId="259"/>
@@ -999,7 +999,7 @@
           </ac:picMkLst>
         </pc:picChg>
         <pc:picChg chg="add mod">
-          <ac:chgData name="Michael Neuhaus" userId="c40c4f6d-4879-45f0-ab21-9527e4a3c0bd" providerId="ADAL" clId="{21F8B5DC-EEBF-4057-AF5A-A6A231887572}" dt="2022-03-30T19:28:00.319" v="1046"/>
+          <ac:chgData name="Michael Neuhaus" userId="c40c4f6d-4879-45f0-ab21-9527e4a3c0bd" providerId="ADAL" clId="{21F8B5DC-EEBF-4057-AF5A-A6A231887572}" dt="2022-04-11T17:52:35.243" v="1739" actId="1038"/>
           <ac:picMkLst>
             <pc:docMk/>
             <pc:sldMk cId="3390002917" sldId="259"/>
@@ -1015,7 +1015,7 @@
           </ac:picMkLst>
         </pc:picChg>
         <pc:picChg chg="add mod">
-          <ac:chgData name="Michael Neuhaus" userId="c40c4f6d-4879-45f0-ab21-9527e4a3c0bd" providerId="ADAL" clId="{21F8B5DC-EEBF-4057-AF5A-A6A231887572}" dt="2022-03-30T19:28:00.319" v="1046"/>
+          <ac:chgData name="Michael Neuhaus" userId="c40c4f6d-4879-45f0-ab21-9527e4a3c0bd" providerId="ADAL" clId="{21F8B5DC-EEBF-4057-AF5A-A6A231887572}" dt="2022-04-11T17:52:35.243" v="1739" actId="1038"/>
           <ac:picMkLst>
             <pc:docMk/>
             <pc:sldMk cId="3390002917" sldId="259"/>
@@ -1039,7 +1039,7 @@
           </ac:picMkLst>
         </pc:picChg>
         <pc:picChg chg="add mod">
-          <ac:chgData name="Michael Neuhaus" userId="c40c4f6d-4879-45f0-ab21-9527e4a3c0bd" providerId="ADAL" clId="{21F8B5DC-EEBF-4057-AF5A-A6A231887572}" dt="2022-03-30T19:29:15.160" v="1058"/>
+          <ac:chgData name="Michael Neuhaus" userId="c40c4f6d-4879-45f0-ab21-9527e4a3c0bd" providerId="ADAL" clId="{21F8B5DC-EEBF-4057-AF5A-A6A231887572}" dt="2022-04-11T17:52:35.243" v="1739" actId="1038"/>
           <ac:picMkLst>
             <pc:docMk/>
             <pc:sldMk cId="3390002917" sldId="259"/>
@@ -1231,7 +1231,7 @@
         </pc:picChg>
       </pc:sldChg>
       <pc:sldChg chg="addSp delSp modSp add mod">
-        <pc:chgData name="Michael Neuhaus" userId="c40c4f6d-4879-45f0-ab21-9527e4a3c0bd" providerId="ADAL" clId="{21F8B5DC-EEBF-4057-AF5A-A6A231887572}" dt="2022-03-30T20:23:13.072" v="1692" actId="20577"/>
+        <pc:chgData name="Michael Neuhaus" userId="c40c4f6d-4879-45f0-ab21-9527e4a3c0bd" providerId="ADAL" clId="{21F8B5DC-EEBF-4057-AF5A-A6A231887572}" dt="2022-04-12T08:19:55.425" v="2037" actId="6549"/>
         <pc:sldMkLst>
           <pc:docMk/>
           <pc:sldMk cId="3011076255" sldId="260"/>
@@ -1253,7 +1253,7 @@
           </ac:spMkLst>
         </pc:spChg>
         <pc:spChg chg="add mod">
-          <ac:chgData name="Michael Neuhaus" userId="c40c4f6d-4879-45f0-ab21-9527e4a3c0bd" providerId="ADAL" clId="{21F8B5DC-EEBF-4057-AF5A-A6A231887572}" dt="2022-03-30T19:38:50.322" v="1185" actId="1076"/>
+          <ac:chgData name="Michael Neuhaus" userId="c40c4f6d-4879-45f0-ab21-9527e4a3c0bd" providerId="ADAL" clId="{21F8B5DC-EEBF-4057-AF5A-A6A231887572}" dt="2022-04-12T08:19:54.625" v="2036" actId="6549"/>
           <ac:spMkLst>
             <pc:docMk/>
             <pc:sldMk cId="3011076255" sldId="260"/>
@@ -1349,7 +1349,7 @@
           </ac:spMkLst>
         </pc:spChg>
         <pc:spChg chg="add mod">
-          <ac:chgData name="Michael Neuhaus" userId="c40c4f6d-4879-45f0-ab21-9527e4a3c0bd" providerId="ADAL" clId="{21F8B5DC-EEBF-4057-AF5A-A6A231887572}" dt="2022-03-30T19:38:50.322" v="1185" actId="1076"/>
+          <ac:chgData name="Michael Neuhaus" userId="c40c4f6d-4879-45f0-ab21-9527e4a3c0bd" providerId="ADAL" clId="{21F8B5DC-EEBF-4057-AF5A-A6A231887572}" dt="2022-04-12T08:19:53.314" v="2035" actId="6549"/>
           <ac:spMkLst>
             <pc:docMk/>
             <pc:sldMk cId="3011076255" sldId="260"/>
@@ -1357,7 +1357,7 @@
           </ac:spMkLst>
         </pc:spChg>
         <pc:spChg chg="add mod">
-          <ac:chgData name="Michael Neuhaus" userId="c40c4f6d-4879-45f0-ab21-9527e4a3c0bd" providerId="ADAL" clId="{21F8B5DC-EEBF-4057-AF5A-A6A231887572}" dt="2022-03-30T19:38:50.322" v="1185" actId="1076"/>
+          <ac:chgData name="Michael Neuhaus" userId="c40c4f6d-4879-45f0-ab21-9527e4a3c0bd" providerId="ADAL" clId="{21F8B5DC-EEBF-4057-AF5A-A6A231887572}" dt="2022-04-12T08:19:55.425" v="2037" actId="6549"/>
           <ac:spMkLst>
             <pc:docMk/>
             <pc:sldMk cId="3011076255" sldId="260"/>
@@ -1365,7 +1365,7 @@
           </ac:spMkLst>
         </pc:spChg>
         <pc:spChg chg="add mod">
-          <ac:chgData name="Michael Neuhaus" userId="c40c4f6d-4879-45f0-ab21-9527e4a3c0bd" providerId="ADAL" clId="{21F8B5DC-EEBF-4057-AF5A-A6A231887572}" dt="2022-03-30T19:38:50.322" v="1185" actId="1076"/>
+          <ac:chgData name="Michael Neuhaus" userId="c40c4f6d-4879-45f0-ab21-9527e4a3c0bd" providerId="ADAL" clId="{21F8B5DC-EEBF-4057-AF5A-A6A231887572}" dt="2022-04-12T08:19:52.393" v="2034" actId="6549"/>
           <ac:spMkLst>
             <pc:docMk/>
             <pc:sldMk cId="3011076255" sldId="260"/>
@@ -1373,7 +1373,7 @@
           </ac:spMkLst>
         </pc:spChg>
         <pc:spChg chg="add mod">
-          <ac:chgData name="Michael Neuhaus" userId="c40c4f6d-4879-45f0-ab21-9527e4a3c0bd" providerId="ADAL" clId="{21F8B5DC-EEBF-4057-AF5A-A6A231887572}" dt="2022-03-30T19:38:50.322" v="1185" actId="1076"/>
+          <ac:chgData name="Michael Neuhaus" userId="c40c4f6d-4879-45f0-ab21-9527e4a3c0bd" providerId="ADAL" clId="{21F8B5DC-EEBF-4057-AF5A-A6A231887572}" dt="2022-04-12T08:19:50.197" v="2032" actId="6549"/>
           <ac:spMkLst>
             <pc:docMk/>
             <pc:sldMk cId="3011076255" sldId="260"/>
@@ -1381,7 +1381,7 @@
           </ac:spMkLst>
         </pc:spChg>
         <pc:spChg chg="add mod">
-          <ac:chgData name="Michael Neuhaus" userId="c40c4f6d-4879-45f0-ab21-9527e4a3c0bd" providerId="ADAL" clId="{21F8B5DC-EEBF-4057-AF5A-A6A231887572}" dt="2022-03-30T19:38:50.322" v="1185" actId="1076"/>
+          <ac:chgData name="Michael Neuhaus" userId="c40c4f6d-4879-45f0-ab21-9527e4a3c0bd" providerId="ADAL" clId="{21F8B5DC-EEBF-4057-AF5A-A6A231887572}" dt="2022-04-12T08:19:51.174" v="2033" actId="6549"/>
           <ac:spMkLst>
             <pc:docMk/>
             <pc:sldMk cId="3011076255" sldId="260"/>
@@ -1389,7 +1389,7 @@
           </ac:spMkLst>
         </pc:spChg>
         <pc:spChg chg="add mod">
-          <ac:chgData name="Michael Neuhaus" userId="c40c4f6d-4879-45f0-ab21-9527e4a3c0bd" providerId="ADAL" clId="{21F8B5DC-EEBF-4057-AF5A-A6A231887572}" dt="2022-03-30T19:38:50.322" v="1185" actId="1076"/>
+          <ac:chgData name="Michael Neuhaus" userId="c40c4f6d-4879-45f0-ab21-9527e4a3c0bd" providerId="ADAL" clId="{21F8B5DC-EEBF-4057-AF5A-A6A231887572}" dt="2022-04-12T08:19:49.322" v="2031" actId="6549"/>
           <ac:spMkLst>
             <pc:docMk/>
             <pc:sldMk cId="3011076255" sldId="260"/>
@@ -1404,8 +1404,8 @@
             <ac:spMk id="49" creationId="{9A619729-E896-4AEF-9963-C7611D83F8C2}"/>
           </ac:spMkLst>
         </pc:spChg>
-        <pc:spChg chg="add mod">
-          <ac:chgData name="Michael Neuhaus" userId="c40c4f6d-4879-45f0-ab21-9527e4a3c0bd" providerId="ADAL" clId="{21F8B5DC-EEBF-4057-AF5A-A6A231887572}" dt="2022-03-30T19:27:52.588" v="1042"/>
+        <pc:spChg chg="add del mod">
+          <ac:chgData name="Michael Neuhaus" userId="c40c4f6d-4879-45f0-ab21-9527e4a3c0bd" providerId="ADAL" clId="{21F8B5DC-EEBF-4057-AF5A-A6A231887572}" dt="2022-04-11T17:51:55.252" v="1694" actId="478"/>
           <ac:spMkLst>
             <pc:docMk/>
             <pc:sldMk cId="3011076255" sldId="260"/>
@@ -1413,7 +1413,7 @@
           </ac:spMkLst>
         </pc:spChg>
         <pc:spChg chg="add mod">
-          <ac:chgData name="Michael Neuhaus" userId="c40c4f6d-4879-45f0-ab21-9527e4a3c0bd" providerId="ADAL" clId="{21F8B5DC-EEBF-4057-AF5A-A6A231887572}" dt="2022-03-30T19:27:52.588" v="1042"/>
+          <ac:chgData name="Michael Neuhaus" userId="c40c4f6d-4879-45f0-ab21-9527e4a3c0bd" providerId="ADAL" clId="{21F8B5DC-EEBF-4057-AF5A-A6A231887572}" dt="2022-04-11T17:52:44.347" v="1778" actId="1037"/>
           <ac:spMkLst>
             <pc:docMk/>
             <pc:sldMk cId="3011076255" sldId="260"/>
@@ -1421,7 +1421,7 @@
           </ac:spMkLst>
         </pc:spChg>
         <pc:spChg chg="add mod">
-          <ac:chgData name="Michael Neuhaus" userId="c40c4f6d-4879-45f0-ab21-9527e4a3c0bd" providerId="ADAL" clId="{21F8B5DC-EEBF-4057-AF5A-A6A231887572}" dt="2022-03-30T19:27:52.588" v="1042"/>
+          <ac:chgData name="Michael Neuhaus" userId="c40c4f6d-4879-45f0-ab21-9527e4a3c0bd" providerId="ADAL" clId="{21F8B5DC-EEBF-4057-AF5A-A6A231887572}" dt="2022-04-11T17:52:44.347" v="1778" actId="1037"/>
           <ac:spMkLst>
             <pc:docMk/>
             <pc:sldMk cId="3011076255" sldId="260"/>
@@ -1445,7 +1445,7 @@
           </ac:spMkLst>
         </pc:spChg>
         <pc:spChg chg="add mod">
-          <ac:chgData name="Michael Neuhaus" userId="c40c4f6d-4879-45f0-ab21-9527e4a3c0bd" providerId="ADAL" clId="{21F8B5DC-EEBF-4057-AF5A-A6A231887572}" dt="2022-03-30T19:27:52.588" v="1042"/>
+          <ac:chgData name="Michael Neuhaus" userId="c40c4f6d-4879-45f0-ab21-9527e4a3c0bd" providerId="ADAL" clId="{21F8B5DC-EEBF-4057-AF5A-A6A231887572}" dt="2022-04-11T17:52:44.347" v="1778" actId="1037"/>
           <ac:spMkLst>
             <pc:docMk/>
             <pc:sldMk cId="3011076255" sldId="260"/>
@@ -1453,7 +1453,7 @@
           </ac:spMkLst>
         </pc:spChg>
         <pc:spChg chg="add mod">
-          <ac:chgData name="Michael Neuhaus" userId="c40c4f6d-4879-45f0-ab21-9527e4a3c0bd" providerId="ADAL" clId="{21F8B5DC-EEBF-4057-AF5A-A6A231887572}" dt="2022-03-30T19:27:52.588" v="1042"/>
+          <ac:chgData name="Michael Neuhaus" userId="c40c4f6d-4879-45f0-ab21-9527e4a3c0bd" providerId="ADAL" clId="{21F8B5DC-EEBF-4057-AF5A-A6A231887572}" dt="2022-04-11T17:52:44.347" v="1778" actId="1037"/>
           <ac:spMkLst>
             <pc:docMk/>
             <pc:sldMk cId="3011076255" sldId="260"/>
@@ -1477,7 +1477,7 @@
           </ac:spMkLst>
         </pc:spChg>
         <pc:spChg chg="add mod">
-          <ac:chgData name="Michael Neuhaus" userId="c40c4f6d-4879-45f0-ab21-9527e4a3c0bd" providerId="ADAL" clId="{21F8B5DC-EEBF-4057-AF5A-A6A231887572}" dt="2022-03-30T19:27:52.588" v="1042"/>
+          <ac:chgData name="Michael Neuhaus" userId="c40c4f6d-4879-45f0-ab21-9527e4a3c0bd" providerId="ADAL" clId="{21F8B5DC-EEBF-4057-AF5A-A6A231887572}" dt="2022-04-11T17:52:44.347" v="1778" actId="1037"/>
           <ac:spMkLst>
             <pc:docMk/>
             <pc:sldMk cId="3011076255" sldId="260"/>
@@ -1548,8 +1548,8 @@
             <ac:picMk id="47" creationId="{ADA2240E-2066-4445-8851-F8BA816261C8}"/>
           </ac:picMkLst>
         </pc:picChg>
-        <pc:picChg chg="add mod">
-          <ac:chgData name="Michael Neuhaus" userId="c40c4f6d-4879-45f0-ab21-9527e4a3c0bd" providerId="ADAL" clId="{21F8B5DC-EEBF-4057-AF5A-A6A231887572}" dt="2022-03-30T19:30:51.775" v="1081" actId="207"/>
+        <pc:picChg chg="add del mod">
+          <ac:chgData name="Michael Neuhaus" userId="c40c4f6d-4879-45f0-ab21-9527e4a3c0bd" providerId="ADAL" clId="{21F8B5DC-EEBF-4057-AF5A-A6A231887572}" dt="2022-04-11T17:51:55.252" v="1694" actId="478"/>
           <ac:picMkLst>
             <pc:docMk/>
             <pc:sldMk cId="3011076255" sldId="260"/>
@@ -1557,7 +1557,7 @@
           </ac:picMkLst>
         </pc:picChg>
         <pc:picChg chg="add mod">
-          <ac:chgData name="Michael Neuhaus" userId="c40c4f6d-4879-45f0-ab21-9527e4a3c0bd" providerId="ADAL" clId="{21F8B5DC-EEBF-4057-AF5A-A6A231887572}" dt="2022-03-30T19:27:52.588" v="1042"/>
+          <ac:chgData name="Michael Neuhaus" userId="c40c4f6d-4879-45f0-ab21-9527e4a3c0bd" providerId="ADAL" clId="{21F8B5DC-EEBF-4057-AF5A-A6A231887572}" dt="2022-04-11T17:52:44.347" v="1778" actId="1037"/>
           <ac:picMkLst>
             <pc:docMk/>
             <pc:sldMk cId="3011076255" sldId="260"/>
@@ -1565,7 +1565,7 @@
           </ac:picMkLst>
         </pc:picChg>
         <pc:picChg chg="add mod">
-          <ac:chgData name="Michael Neuhaus" userId="c40c4f6d-4879-45f0-ab21-9527e4a3c0bd" providerId="ADAL" clId="{21F8B5DC-EEBF-4057-AF5A-A6A231887572}" dt="2022-03-30T19:30:46.134" v="1080" actId="207"/>
+          <ac:chgData name="Michael Neuhaus" userId="c40c4f6d-4879-45f0-ab21-9527e4a3c0bd" providerId="ADAL" clId="{21F8B5DC-EEBF-4057-AF5A-A6A231887572}" dt="2022-04-11T17:52:44.347" v="1778" actId="1037"/>
           <ac:picMkLst>
             <pc:docMk/>
             <pc:sldMk cId="3011076255" sldId="260"/>
@@ -1573,7 +1573,7 @@
           </ac:picMkLst>
         </pc:picChg>
         <pc:picChg chg="add mod">
-          <ac:chgData name="Michael Neuhaus" userId="c40c4f6d-4879-45f0-ab21-9527e4a3c0bd" providerId="ADAL" clId="{21F8B5DC-EEBF-4057-AF5A-A6A231887572}" dt="2022-03-30T19:27:52.588" v="1042"/>
+          <ac:chgData name="Michael Neuhaus" userId="c40c4f6d-4879-45f0-ab21-9527e4a3c0bd" providerId="ADAL" clId="{21F8B5DC-EEBF-4057-AF5A-A6A231887572}" dt="2022-04-11T17:52:44.347" v="1778" actId="1037"/>
           <ac:picMkLst>
             <pc:docMk/>
             <pc:sldMk cId="3011076255" sldId="260"/>
@@ -1597,7 +1597,7 @@
           </ac:picMkLst>
         </pc:picChg>
         <pc:picChg chg="add mod">
-          <ac:chgData name="Michael Neuhaus" userId="c40c4f6d-4879-45f0-ab21-9527e4a3c0bd" providerId="ADAL" clId="{21F8B5DC-EEBF-4057-AF5A-A6A231887572}" dt="2022-03-30T19:27:52.588" v="1042"/>
+          <ac:chgData name="Michael Neuhaus" userId="c40c4f6d-4879-45f0-ab21-9527e4a3c0bd" providerId="ADAL" clId="{21F8B5DC-EEBF-4057-AF5A-A6A231887572}" dt="2022-04-11T17:52:44.347" v="1778" actId="1037"/>
           <ac:picMkLst>
             <pc:docMk/>
             <pc:sldMk cId="3011076255" sldId="260"/>
@@ -1629,7 +1629,7 @@
           </ac:picMkLst>
         </pc:picChg>
         <pc:picChg chg="add mod">
-          <ac:chgData name="Michael Neuhaus" userId="c40c4f6d-4879-45f0-ab21-9527e4a3c0bd" providerId="ADAL" clId="{21F8B5DC-EEBF-4057-AF5A-A6A231887572}" dt="2022-03-30T19:29:11.329" v="1056"/>
+          <ac:chgData name="Michael Neuhaus" userId="c40c4f6d-4879-45f0-ab21-9527e4a3c0bd" providerId="ADAL" clId="{21F8B5DC-EEBF-4057-AF5A-A6A231887572}" dt="2022-04-11T17:52:44.347" v="1778" actId="1037"/>
           <ac:picMkLst>
             <pc:docMk/>
             <pc:sldMk cId="3011076255" sldId="260"/>
@@ -1654,7 +1654,7 @@
         </pc:picChg>
       </pc:sldChg>
       <pc:sldChg chg="addSp delSp modSp add mod">
-        <pc:chgData name="Michael Neuhaus" userId="c40c4f6d-4879-45f0-ab21-9527e4a3c0bd" providerId="ADAL" clId="{21F8B5DC-EEBF-4057-AF5A-A6A231887572}" dt="2022-03-30T19:45:02.207" v="1397"/>
+        <pc:chgData name="Michael Neuhaus" userId="c40c4f6d-4879-45f0-ab21-9527e4a3c0bd" providerId="ADAL" clId="{21F8B5DC-EEBF-4057-AF5A-A6A231887572}" dt="2022-04-11T17:52:52.708" v="1825" actId="1037"/>
         <pc:sldMkLst>
           <pc:docMk/>
           <pc:sldMk cId="3971751406" sldId="261"/>
@@ -1724,7 +1724,7 @@
           </ac:spMkLst>
         </pc:spChg>
         <pc:spChg chg="add mod">
-          <ac:chgData name="Michael Neuhaus" userId="c40c4f6d-4879-45f0-ab21-9527e4a3c0bd" providerId="ADAL" clId="{21F8B5DC-EEBF-4057-AF5A-A6A231887572}" dt="2022-03-30T19:28:52.393" v="1052" actId="1076"/>
+          <ac:chgData name="Michael Neuhaus" userId="c40c4f6d-4879-45f0-ab21-9527e4a3c0bd" providerId="ADAL" clId="{21F8B5DC-EEBF-4057-AF5A-A6A231887572}" dt="2022-04-11T17:52:52.708" v="1825" actId="1037"/>
           <ac:spMkLst>
             <pc:docMk/>
             <pc:sldMk cId="3971751406" sldId="261"/>
@@ -1835,8 +1835,48 @@
             <ac:spMk id="51" creationId="{D37FD960-4EA6-4FB4-8F15-B3D13CCD0D10}"/>
           </ac:spMkLst>
         </pc:spChg>
+        <pc:spChg chg="del">
+          <ac:chgData name="Michael Neuhaus" userId="c40c4f6d-4879-45f0-ab21-9527e4a3c0bd" providerId="ADAL" clId="{21F8B5DC-EEBF-4057-AF5A-A6A231887572}" dt="2022-04-11T17:52:02.685" v="1696" actId="478"/>
+          <ac:spMkLst>
+            <pc:docMk/>
+            <pc:sldMk cId="3971751406" sldId="261"/>
+            <ac:spMk id="58" creationId="{929C59B8-FC97-4D9D-9AFD-57525B08CDE0}"/>
+          </ac:spMkLst>
+        </pc:spChg>
+        <pc:spChg chg="mod">
+          <ac:chgData name="Michael Neuhaus" userId="c40c4f6d-4879-45f0-ab21-9527e4a3c0bd" providerId="ADAL" clId="{21F8B5DC-EEBF-4057-AF5A-A6A231887572}" dt="2022-04-11T17:52:52.708" v="1825" actId="1037"/>
+          <ac:spMkLst>
+            <pc:docMk/>
+            <pc:sldMk cId="3971751406" sldId="261"/>
+            <ac:spMk id="65" creationId="{ECCF88BE-1316-4D2F-A6DB-2C9FE9040A62}"/>
+          </ac:spMkLst>
+        </pc:spChg>
+        <pc:spChg chg="mod">
+          <ac:chgData name="Michael Neuhaus" userId="c40c4f6d-4879-45f0-ab21-9527e4a3c0bd" providerId="ADAL" clId="{21F8B5DC-EEBF-4057-AF5A-A6A231887572}" dt="2022-04-11T17:52:52.708" v="1825" actId="1037"/>
+          <ac:spMkLst>
+            <pc:docMk/>
+            <pc:sldMk cId="3971751406" sldId="261"/>
+            <ac:spMk id="66" creationId="{7C2A1224-9653-4FEB-B039-573344A3E401}"/>
+          </ac:spMkLst>
+        </pc:spChg>
+        <pc:spChg chg="mod">
+          <ac:chgData name="Michael Neuhaus" userId="c40c4f6d-4879-45f0-ab21-9527e4a3c0bd" providerId="ADAL" clId="{21F8B5DC-EEBF-4057-AF5A-A6A231887572}" dt="2022-04-11T17:52:52.708" v="1825" actId="1037"/>
+          <ac:spMkLst>
+            <pc:docMk/>
+            <pc:sldMk cId="3971751406" sldId="261"/>
+            <ac:spMk id="71" creationId="{E63EA9B3-19F9-4DAD-AF96-08B93901E074}"/>
+          </ac:spMkLst>
+        </pc:spChg>
+        <pc:spChg chg="mod">
+          <ac:chgData name="Michael Neuhaus" userId="c40c4f6d-4879-45f0-ab21-9527e4a3c0bd" providerId="ADAL" clId="{21F8B5DC-EEBF-4057-AF5A-A6A231887572}" dt="2022-04-11T17:52:52.708" v="1825" actId="1037"/>
+          <ac:spMkLst>
+            <pc:docMk/>
+            <pc:sldMk cId="3971751406" sldId="261"/>
+            <ac:spMk id="74" creationId="{A3F1D1A0-E7A9-4890-B450-D8145EA558CD}"/>
+          </ac:spMkLst>
+        </pc:spChg>
         <pc:picChg chg="add mod">
-          <ac:chgData name="Michael Neuhaus" userId="c40c4f6d-4879-45f0-ab21-9527e4a3c0bd" providerId="ADAL" clId="{21F8B5DC-EEBF-4057-AF5A-A6A231887572}" dt="2022-03-30T19:28:48.964" v="1051" actId="14100"/>
+          <ac:chgData name="Michael Neuhaus" userId="c40c4f6d-4879-45f0-ab21-9527e4a3c0bd" providerId="ADAL" clId="{21F8B5DC-EEBF-4057-AF5A-A6A231887572}" dt="2022-04-11T17:52:52.708" v="1825" actId="1037"/>
           <ac:picMkLst>
             <pc:docMk/>
             <pc:sldMk cId="3971751406" sldId="261"/>
@@ -1859,12 +1899,44 @@
             <ac:picMk id="16" creationId="{BC4D453C-7DC2-43D7-B59D-A1E9C1C79273}"/>
           </ac:picMkLst>
         </pc:picChg>
+        <pc:picChg chg="del">
+          <ac:chgData name="Michael Neuhaus" userId="c40c4f6d-4879-45f0-ab21-9527e4a3c0bd" providerId="ADAL" clId="{21F8B5DC-EEBF-4057-AF5A-A6A231887572}" dt="2022-04-11T17:51:59.337" v="1695" actId="478"/>
+          <ac:picMkLst>
+            <pc:docMk/>
+            <pc:sldMk cId="3971751406" sldId="261"/>
+            <ac:picMk id="56" creationId="{EF1D948D-7334-4D62-A912-3CBCC5F7FE1B}"/>
+          </ac:picMkLst>
+        </pc:picChg>
         <pc:picChg chg="mod">
-          <ac:chgData name="Michael Neuhaus" userId="c40c4f6d-4879-45f0-ab21-9527e4a3c0bd" providerId="ADAL" clId="{21F8B5DC-EEBF-4057-AF5A-A6A231887572}" dt="2022-03-30T19:30:29.051" v="1078" actId="207"/>
+          <ac:chgData name="Michael Neuhaus" userId="c40c4f6d-4879-45f0-ab21-9527e4a3c0bd" providerId="ADAL" clId="{21F8B5DC-EEBF-4057-AF5A-A6A231887572}" dt="2022-04-11T17:52:52.708" v="1825" actId="1037"/>
+          <ac:picMkLst>
+            <pc:docMk/>
+            <pc:sldMk cId="3971751406" sldId="261"/>
+            <ac:picMk id="60" creationId="{DF053CFD-830D-482C-9C41-3DABBFC37B46}"/>
+          </ac:picMkLst>
+        </pc:picChg>
+        <pc:picChg chg="mod">
+          <ac:chgData name="Michael Neuhaus" userId="c40c4f6d-4879-45f0-ab21-9527e4a3c0bd" providerId="ADAL" clId="{21F8B5DC-EEBF-4057-AF5A-A6A231887572}" dt="2022-04-11T17:52:52.708" v="1825" actId="1037"/>
           <ac:picMkLst>
             <pc:docMk/>
             <pc:sldMk cId="3971751406" sldId="261"/>
             <ac:picMk id="62" creationId="{F0D201B8-943D-4A47-ABB1-4BF39B067E8D}"/>
+          </ac:picMkLst>
+        </pc:picChg>
+        <pc:picChg chg="mod">
+          <ac:chgData name="Michael Neuhaus" userId="c40c4f6d-4879-45f0-ab21-9527e4a3c0bd" providerId="ADAL" clId="{21F8B5DC-EEBF-4057-AF5A-A6A231887572}" dt="2022-04-11T17:52:52.708" v="1825" actId="1037"/>
+          <ac:picMkLst>
+            <pc:docMk/>
+            <pc:sldMk cId="3971751406" sldId="261"/>
+            <ac:picMk id="70" creationId="{C796C772-CFBF-4DD2-ADC2-9C1E2F552336}"/>
+          </ac:picMkLst>
+        </pc:picChg>
+        <pc:picChg chg="mod">
+          <ac:chgData name="Michael Neuhaus" userId="c40c4f6d-4879-45f0-ab21-9527e4a3c0bd" providerId="ADAL" clId="{21F8B5DC-EEBF-4057-AF5A-A6A231887572}" dt="2022-04-11T17:52:52.708" v="1825" actId="1037"/>
+          <ac:picMkLst>
+            <pc:docMk/>
+            <pc:sldMk cId="3971751406" sldId="261"/>
+            <ac:picMk id="73" creationId="{4D4542A2-F0A8-455F-901C-B19369D1F973}"/>
           </ac:picMkLst>
         </pc:picChg>
       </pc:sldChg>
@@ -1876,7 +1948,7 @@
         </pc:sldMkLst>
       </pc:sldChg>
       <pc:sldChg chg="addSp delSp modSp add mod">
-        <pc:chgData name="Michael Neuhaus" userId="c40c4f6d-4879-45f0-ab21-9527e4a3c0bd" providerId="ADAL" clId="{21F8B5DC-EEBF-4057-AF5A-A6A231887572}" dt="2022-03-30T19:47:51.329" v="1456" actId="1076"/>
+        <pc:chgData name="Michael Neuhaus" userId="c40c4f6d-4879-45f0-ab21-9527e4a3c0bd" providerId="ADAL" clId="{21F8B5DC-EEBF-4057-AF5A-A6A231887572}" dt="2022-04-11T17:53:01.844" v="1859" actId="1037"/>
         <pc:sldMkLst>
           <pc:docMk/>
           <pc:sldMk cId="1679045900" sldId="263"/>
@@ -1945,6 +2017,14 @@
             <ac:spMk id="32" creationId="{F44D1926-7244-45A3-9497-840423FE7659}"/>
           </ac:spMkLst>
         </pc:spChg>
+        <pc:spChg chg="mod">
+          <ac:chgData name="Michael Neuhaus" userId="c40c4f6d-4879-45f0-ab21-9527e4a3c0bd" providerId="ADAL" clId="{21F8B5DC-EEBF-4057-AF5A-A6A231887572}" dt="2022-04-11T17:53:01.844" v="1859" actId="1037"/>
+          <ac:spMkLst>
+            <pc:docMk/>
+            <pc:sldMk cId="1679045900" sldId="263"/>
+            <ac:spMk id="35" creationId="{1998E68F-D869-43FF-9BBA-1A741FC9CC62}"/>
+          </ac:spMkLst>
+        </pc:spChg>
         <pc:spChg chg="del mod">
           <ac:chgData name="Michael Neuhaus" userId="c40c4f6d-4879-45f0-ab21-9527e4a3c0bd" providerId="ADAL" clId="{21F8B5DC-EEBF-4057-AF5A-A6A231887572}" dt="2022-03-30T19:44:18.495" v="1355" actId="478"/>
           <ac:spMkLst>
@@ -1953,6 +2033,54 @@
             <ac:spMk id="38" creationId="{C38C8A94-4A18-4B67-8324-0BCFC2E6C49C}"/>
           </ac:spMkLst>
         </pc:spChg>
+        <pc:spChg chg="del">
+          <ac:chgData name="Michael Neuhaus" userId="c40c4f6d-4879-45f0-ab21-9527e4a3c0bd" providerId="ADAL" clId="{21F8B5DC-EEBF-4057-AF5A-A6A231887572}" dt="2022-04-11T17:52:06.885" v="1697" actId="478"/>
+          <ac:spMkLst>
+            <pc:docMk/>
+            <pc:sldMk cId="1679045900" sldId="263"/>
+            <ac:spMk id="58" creationId="{929C59B8-FC97-4D9D-9AFD-57525B08CDE0}"/>
+          </ac:spMkLst>
+        </pc:spChg>
+        <pc:spChg chg="mod">
+          <ac:chgData name="Michael Neuhaus" userId="c40c4f6d-4879-45f0-ab21-9527e4a3c0bd" providerId="ADAL" clId="{21F8B5DC-EEBF-4057-AF5A-A6A231887572}" dt="2022-04-11T17:53:01.844" v="1859" actId="1037"/>
+          <ac:spMkLst>
+            <pc:docMk/>
+            <pc:sldMk cId="1679045900" sldId="263"/>
+            <ac:spMk id="65" creationId="{ECCF88BE-1316-4D2F-A6DB-2C9FE9040A62}"/>
+          </ac:spMkLst>
+        </pc:spChg>
+        <pc:spChg chg="mod">
+          <ac:chgData name="Michael Neuhaus" userId="c40c4f6d-4879-45f0-ab21-9527e4a3c0bd" providerId="ADAL" clId="{21F8B5DC-EEBF-4057-AF5A-A6A231887572}" dt="2022-04-11T17:53:01.844" v="1859" actId="1037"/>
+          <ac:spMkLst>
+            <pc:docMk/>
+            <pc:sldMk cId="1679045900" sldId="263"/>
+            <ac:spMk id="66" creationId="{7C2A1224-9653-4FEB-B039-573344A3E401}"/>
+          </ac:spMkLst>
+        </pc:spChg>
+        <pc:spChg chg="mod">
+          <ac:chgData name="Michael Neuhaus" userId="c40c4f6d-4879-45f0-ab21-9527e4a3c0bd" providerId="ADAL" clId="{21F8B5DC-EEBF-4057-AF5A-A6A231887572}" dt="2022-04-11T17:53:01.844" v="1859" actId="1037"/>
+          <ac:spMkLst>
+            <pc:docMk/>
+            <pc:sldMk cId="1679045900" sldId="263"/>
+            <ac:spMk id="71" creationId="{E63EA9B3-19F9-4DAD-AF96-08B93901E074}"/>
+          </ac:spMkLst>
+        </pc:spChg>
+        <pc:spChg chg="mod">
+          <ac:chgData name="Michael Neuhaus" userId="c40c4f6d-4879-45f0-ab21-9527e4a3c0bd" providerId="ADAL" clId="{21F8B5DC-EEBF-4057-AF5A-A6A231887572}" dt="2022-04-11T17:53:01.844" v="1859" actId="1037"/>
+          <ac:spMkLst>
+            <pc:docMk/>
+            <pc:sldMk cId="1679045900" sldId="263"/>
+            <ac:spMk id="74" creationId="{A3F1D1A0-E7A9-4890-B450-D8145EA558CD}"/>
+          </ac:spMkLst>
+        </pc:spChg>
+        <pc:picChg chg="mod">
+          <ac:chgData name="Michael Neuhaus" userId="c40c4f6d-4879-45f0-ab21-9527e4a3c0bd" providerId="ADAL" clId="{21F8B5DC-EEBF-4057-AF5A-A6A231887572}" dt="2022-04-11T17:53:01.844" v="1859" actId="1037"/>
+          <ac:picMkLst>
+            <pc:docMk/>
+            <pc:sldMk cId="1679045900" sldId="263"/>
+            <ac:picMk id="9" creationId="{4A1AB0C7-8F83-489F-83B8-C68A854A2BDC}"/>
+          </ac:picMkLst>
+        </pc:picChg>
         <pc:picChg chg="add mod">
           <ac:chgData name="Michael Neuhaus" userId="c40c4f6d-4879-45f0-ab21-9527e4a3c0bd" providerId="ADAL" clId="{21F8B5DC-EEBF-4057-AF5A-A6A231887572}" dt="2022-03-30T19:46:26.576" v="1406" actId="1076"/>
           <ac:picMkLst>
@@ -1961,8 +2089,24 @@
             <ac:picMk id="24" creationId="{13458F70-B950-465F-AA13-D7F28DBBF027}"/>
           </ac:picMkLst>
         </pc:picChg>
+        <pc:picChg chg="del">
+          <ac:chgData name="Michael Neuhaus" userId="c40c4f6d-4879-45f0-ab21-9527e4a3c0bd" providerId="ADAL" clId="{21F8B5DC-EEBF-4057-AF5A-A6A231887572}" dt="2022-04-11T17:52:06.885" v="1697" actId="478"/>
+          <ac:picMkLst>
+            <pc:docMk/>
+            <pc:sldMk cId="1679045900" sldId="263"/>
+            <ac:picMk id="56" creationId="{EF1D948D-7334-4D62-A912-3CBCC5F7FE1B}"/>
+          </ac:picMkLst>
+        </pc:picChg>
         <pc:picChg chg="mod">
-          <ac:chgData name="Michael Neuhaus" userId="c40c4f6d-4879-45f0-ab21-9527e4a3c0bd" providerId="ADAL" clId="{21F8B5DC-EEBF-4057-AF5A-A6A231887572}" dt="2022-03-30T19:31:20.550" v="1088" actId="207"/>
+          <ac:chgData name="Michael Neuhaus" userId="c40c4f6d-4879-45f0-ab21-9527e4a3c0bd" providerId="ADAL" clId="{21F8B5DC-EEBF-4057-AF5A-A6A231887572}" dt="2022-04-11T17:53:01.844" v="1859" actId="1037"/>
+          <ac:picMkLst>
+            <pc:docMk/>
+            <pc:sldMk cId="1679045900" sldId="263"/>
+            <ac:picMk id="60" creationId="{DF053CFD-830D-482C-9C41-3DABBFC37B46}"/>
+          </ac:picMkLst>
+        </pc:picChg>
+        <pc:picChg chg="mod">
+          <ac:chgData name="Michael Neuhaus" userId="c40c4f6d-4879-45f0-ab21-9527e4a3c0bd" providerId="ADAL" clId="{21F8B5DC-EEBF-4057-AF5A-A6A231887572}" dt="2022-04-11T17:53:01.844" v="1859" actId="1037"/>
           <ac:picMkLst>
             <pc:docMk/>
             <pc:sldMk cId="1679045900" sldId="263"/>
@@ -1970,7 +2114,15 @@
           </ac:picMkLst>
         </pc:picChg>
         <pc:picChg chg="mod">
-          <ac:chgData name="Michael Neuhaus" userId="c40c4f6d-4879-45f0-ab21-9527e4a3c0bd" providerId="ADAL" clId="{21F8B5DC-EEBF-4057-AF5A-A6A231887572}" dt="2022-03-30T19:31:23.230" v="1089" actId="207"/>
+          <ac:chgData name="Michael Neuhaus" userId="c40c4f6d-4879-45f0-ab21-9527e4a3c0bd" providerId="ADAL" clId="{21F8B5DC-EEBF-4057-AF5A-A6A231887572}" dt="2022-04-11T17:53:01.844" v="1859" actId="1037"/>
+          <ac:picMkLst>
+            <pc:docMk/>
+            <pc:sldMk cId="1679045900" sldId="263"/>
+            <ac:picMk id="70" creationId="{C796C772-CFBF-4DD2-ADC2-9C1E2F552336}"/>
+          </ac:picMkLst>
+        </pc:picChg>
+        <pc:picChg chg="mod">
+          <ac:chgData name="Michael Neuhaus" userId="c40c4f6d-4879-45f0-ab21-9527e4a3c0bd" providerId="ADAL" clId="{21F8B5DC-EEBF-4057-AF5A-A6A231887572}" dt="2022-04-11T17:53:01.844" v="1859" actId="1037"/>
           <ac:picMkLst>
             <pc:docMk/>
             <pc:sldMk cId="1679045900" sldId="263"/>
@@ -2002,7 +2154,7 @@
         </pc:picChg>
       </pc:sldChg>
       <pc:sldChg chg="addSp delSp modSp add mod">
-        <pc:chgData name="Michael Neuhaus" userId="c40c4f6d-4879-45f0-ab21-9527e4a3c0bd" providerId="ADAL" clId="{21F8B5DC-EEBF-4057-AF5A-A6A231887572}" dt="2022-03-30T19:47:31.470" v="1454" actId="1076"/>
+        <pc:chgData name="Michael Neuhaus" userId="c40c4f6d-4879-45f0-ab21-9527e4a3c0bd" providerId="ADAL" clId="{21F8B5DC-EEBF-4057-AF5A-A6A231887572}" dt="2022-04-11T17:53:06.562" v="1888" actId="1037"/>
         <pc:sldMkLst>
           <pc:docMk/>
           <pc:sldMk cId="380938355" sldId="265"/>
@@ -2047,12 +2199,60 @@
             <ac:spMk id="33" creationId="{A8CEBBC0-5FE9-4F0F-B4A3-6A97A76BFE50}"/>
           </ac:spMkLst>
         </pc:spChg>
+        <pc:spChg chg="mod">
+          <ac:chgData name="Michael Neuhaus" userId="c40c4f6d-4879-45f0-ab21-9527e4a3c0bd" providerId="ADAL" clId="{21F8B5DC-EEBF-4057-AF5A-A6A231887572}" dt="2022-04-11T17:53:06.562" v="1888" actId="1037"/>
+          <ac:spMkLst>
+            <pc:docMk/>
+            <pc:sldMk cId="380938355" sldId="265"/>
+            <ac:spMk id="35" creationId="{1998E68F-D869-43FF-9BBA-1A741FC9CC62}"/>
+          </ac:spMkLst>
+        </pc:spChg>
         <pc:spChg chg="del">
           <ac:chgData name="Michael Neuhaus" userId="c40c4f6d-4879-45f0-ab21-9527e4a3c0bd" providerId="ADAL" clId="{21F8B5DC-EEBF-4057-AF5A-A6A231887572}" dt="2022-03-30T19:47:07.195" v="1449" actId="478"/>
           <ac:spMkLst>
             <pc:docMk/>
             <pc:sldMk cId="380938355" sldId="265"/>
             <ac:spMk id="38" creationId="{C38C8A94-4A18-4B67-8324-0BCFC2E6C49C}"/>
+          </ac:spMkLst>
+        </pc:spChg>
+        <pc:spChg chg="del">
+          <ac:chgData name="Michael Neuhaus" userId="c40c4f6d-4879-45f0-ab21-9527e4a3c0bd" providerId="ADAL" clId="{21F8B5DC-EEBF-4057-AF5A-A6A231887572}" dt="2022-04-11T17:52:13.395" v="1699" actId="478"/>
+          <ac:spMkLst>
+            <pc:docMk/>
+            <pc:sldMk cId="380938355" sldId="265"/>
+            <ac:spMk id="58" creationId="{929C59B8-FC97-4D9D-9AFD-57525B08CDE0}"/>
+          </ac:spMkLst>
+        </pc:spChg>
+        <pc:spChg chg="mod">
+          <ac:chgData name="Michael Neuhaus" userId="c40c4f6d-4879-45f0-ab21-9527e4a3c0bd" providerId="ADAL" clId="{21F8B5DC-EEBF-4057-AF5A-A6A231887572}" dt="2022-04-11T17:53:06.562" v="1888" actId="1037"/>
+          <ac:spMkLst>
+            <pc:docMk/>
+            <pc:sldMk cId="380938355" sldId="265"/>
+            <ac:spMk id="65" creationId="{ECCF88BE-1316-4D2F-A6DB-2C9FE9040A62}"/>
+          </ac:spMkLst>
+        </pc:spChg>
+        <pc:spChg chg="mod">
+          <ac:chgData name="Michael Neuhaus" userId="c40c4f6d-4879-45f0-ab21-9527e4a3c0bd" providerId="ADAL" clId="{21F8B5DC-EEBF-4057-AF5A-A6A231887572}" dt="2022-04-11T17:53:06.562" v="1888" actId="1037"/>
+          <ac:spMkLst>
+            <pc:docMk/>
+            <pc:sldMk cId="380938355" sldId="265"/>
+            <ac:spMk id="66" creationId="{7C2A1224-9653-4FEB-B039-573344A3E401}"/>
+          </ac:spMkLst>
+        </pc:spChg>
+        <pc:spChg chg="mod">
+          <ac:chgData name="Michael Neuhaus" userId="c40c4f6d-4879-45f0-ab21-9527e4a3c0bd" providerId="ADAL" clId="{21F8B5DC-EEBF-4057-AF5A-A6A231887572}" dt="2022-04-11T17:53:06.562" v="1888" actId="1037"/>
+          <ac:spMkLst>
+            <pc:docMk/>
+            <pc:sldMk cId="380938355" sldId="265"/>
+            <ac:spMk id="71" creationId="{E63EA9B3-19F9-4DAD-AF96-08B93901E074}"/>
+          </ac:spMkLst>
+        </pc:spChg>
+        <pc:spChg chg="mod">
+          <ac:chgData name="Michael Neuhaus" userId="c40c4f6d-4879-45f0-ab21-9527e4a3c0bd" providerId="ADAL" clId="{21F8B5DC-EEBF-4057-AF5A-A6A231887572}" dt="2022-04-11T17:53:06.562" v="1888" actId="1037"/>
+          <ac:spMkLst>
+            <pc:docMk/>
+            <pc:sldMk cId="380938355" sldId="265"/>
+            <ac:spMk id="74" creationId="{A3F1D1A0-E7A9-4890-B450-D8145EA558CD}"/>
           </ac:spMkLst>
         </pc:spChg>
         <pc:picChg chg="add del">
@@ -2061,6 +2261,14 @@
             <pc:docMk/>
             <pc:sldMk cId="380938355" sldId="265"/>
             <ac:picMk id="6" creationId="{E4A8C975-D9AA-4EC6-8ACB-93CE083AC8AE}"/>
+          </ac:picMkLst>
+        </pc:picChg>
+        <pc:picChg chg="mod">
+          <ac:chgData name="Michael Neuhaus" userId="c40c4f6d-4879-45f0-ab21-9527e4a3c0bd" providerId="ADAL" clId="{21F8B5DC-EEBF-4057-AF5A-A6A231887572}" dt="2022-04-11T17:53:06.562" v="1888" actId="1037"/>
+          <ac:picMkLst>
+            <pc:docMk/>
+            <pc:sldMk cId="380938355" sldId="265"/>
+            <ac:picMk id="9" creationId="{4A1AB0C7-8F83-489F-83B8-C68A854A2BDC}"/>
           </ac:picMkLst>
         </pc:picChg>
         <pc:picChg chg="add del mod">
@@ -2079,8 +2287,16 @@
             <ac:picMk id="29" creationId="{E7058714-5A9D-40C4-9F43-FEC6392446DB}"/>
           </ac:picMkLst>
         </pc:picChg>
+        <pc:picChg chg="del">
+          <ac:chgData name="Michael Neuhaus" userId="c40c4f6d-4879-45f0-ab21-9527e4a3c0bd" providerId="ADAL" clId="{21F8B5DC-EEBF-4057-AF5A-A6A231887572}" dt="2022-04-11T17:52:13.395" v="1699" actId="478"/>
+          <ac:picMkLst>
+            <pc:docMk/>
+            <pc:sldMk cId="380938355" sldId="265"/>
+            <ac:picMk id="56" creationId="{EF1D948D-7334-4D62-A912-3CBCC5F7FE1B}"/>
+          </ac:picMkLst>
+        </pc:picChg>
         <pc:picChg chg="mod">
-          <ac:chgData name="Michael Neuhaus" userId="c40c4f6d-4879-45f0-ab21-9527e4a3c0bd" providerId="ADAL" clId="{21F8B5DC-EEBF-4057-AF5A-A6A231887572}" dt="2022-03-30T19:31:47.263" v="1093" actId="207"/>
+          <ac:chgData name="Michael Neuhaus" userId="c40c4f6d-4879-45f0-ab21-9527e4a3c0bd" providerId="ADAL" clId="{21F8B5DC-EEBF-4057-AF5A-A6A231887572}" dt="2022-04-11T17:53:06.562" v="1888" actId="1037"/>
           <ac:picMkLst>
             <pc:docMk/>
             <pc:sldMk cId="380938355" sldId="265"/>
@@ -2088,16 +2304,32 @@
           </ac:picMkLst>
         </pc:picChg>
         <pc:picChg chg="mod">
-          <ac:chgData name="Michael Neuhaus" userId="c40c4f6d-4879-45f0-ab21-9527e4a3c0bd" providerId="ADAL" clId="{21F8B5DC-EEBF-4057-AF5A-A6A231887572}" dt="2022-03-30T19:31:42.082" v="1092" actId="207"/>
+          <ac:chgData name="Michael Neuhaus" userId="c40c4f6d-4879-45f0-ab21-9527e4a3c0bd" providerId="ADAL" clId="{21F8B5DC-EEBF-4057-AF5A-A6A231887572}" dt="2022-04-11T17:53:06.562" v="1888" actId="1037"/>
           <ac:picMkLst>
             <pc:docMk/>
             <pc:sldMk cId="380938355" sldId="265"/>
             <ac:picMk id="62" creationId="{F0D201B8-943D-4A47-ABB1-4BF39B067E8D}"/>
           </ac:picMkLst>
         </pc:picChg>
+        <pc:picChg chg="mod">
+          <ac:chgData name="Michael Neuhaus" userId="c40c4f6d-4879-45f0-ab21-9527e4a3c0bd" providerId="ADAL" clId="{21F8B5DC-EEBF-4057-AF5A-A6A231887572}" dt="2022-04-11T17:53:06.562" v="1888" actId="1037"/>
+          <ac:picMkLst>
+            <pc:docMk/>
+            <pc:sldMk cId="380938355" sldId="265"/>
+            <ac:picMk id="70" creationId="{C796C772-CFBF-4DD2-ADC2-9C1E2F552336}"/>
+          </ac:picMkLst>
+        </pc:picChg>
+        <pc:picChg chg="mod">
+          <ac:chgData name="Michael Neuhaus" userId="c40c4f6d-4879-45f0-ab21-9527e4a3c0bd" providerId="ADAL" clId="{21F8B5DC-EEBF-4057-AF5A-A6A231887572}" dt="2022-04-11T17:53:06.562" v="1888" actId="1037"/>
+          <ac:picMkLst>
+            <pc:docMk/>
+            <pc:sldMk cId="380938355" sldId="265"/>
+            <ac:picMk id="73" creationId="{4D4542A2-F0A8-455F-901C-B19369D1F973}"/>
+          </ac:picMkLst>
+        </pc:picChg>
       </pc:sldChg>
       <pc:sldChg chg="addSp delSp modSp add mod">
-        <pc:chgData name="Michael Neuhaus" userId="c40c4f6d-4879-45f0-ab21-9527e4a3c0bd" providerId="ADAL" clId="{21F8B5DC-EEBF-4057-AF5A-A6A231887572}" dt="2022-03-30T19:48:44.702" v="1475" actId="478"/>
+        <pc:chgData name="Michael Neuhaus" userId="c40c4f6d-4879-45f0-ab21-9527e4a3c0bd" providerId="ADAL" clId="{21F8B5DC-EEBF-4057-AF5A-A6A231887572}" dt="2022-04-11T17:53:15.851" v="1926" actId="1038"/>
         <pc:sldMkLst>
           <pc:docMk/>
           <pc:sldMk cId="1015326068" sldId="266"/>
@@ -2134,6 +2366,14 @@
             <ac:spMk id="30" creationId="{0B5B28E4-0027-41B1-A093-9ADDFE5393C4}"/>
           </ac:spMkLst>
         </pc:spChg>
+        <pc:spChg chg="mod">
+          <ac:chgData name="Michael Neuhaus" userId="c40c4f6d-4879-45f0-ab21-9527e4a3c0bd" providerId="ADAL" clId="{21F8B5DC-EEBF-4057-AF5A-A6A231887572}" dt="2022-04-11T17:53:15.851" v="1926" actId="1038"/>
+          <ac:spMkLst>
+            <pc:docMk/>
+            <pc:sldMk cId="1015326068" sldId="266"/>
+            <ac:spMk id="35" creationId="{1998E68F-D869-43FF-9BBA-1A741FC9CC62}"/>
+          </ac:spMkLst>
+        </pc:spChg>
         <pc:spChg chg="del">
           <ac:chgData name="Michael Neuhaus" userId="c40c4f6d-4879-45f0-ab21-9527e4a3c0bd" providerId="ADAL" clId="{21F8B5DC-EEBF-4057-AF5A-A6A231887572}" dt="2022-03-30T19:33:10.360" v="1145" actId="478"/>
           <ac:spMkLst>
@@ -2142,6 +2382,54 @@
             <ac:spMk id="38" creationId="{C38C8A94-4A18-4B67-8324-0BCFC2E6C49C}"/>
           </ac:spMkLst>
         </pc:spChg>
+        <pc:spChg chg="del">
+          <ac:chgData name="Michael Neuhaus" userId="c40c4f6d-4879-45f0-ab21-9527e4a3c0bd" providerId="ADAL" clId="{21F8B5DC-EEBF-4057-AF5A-A6A231887572}" dt="2022-04-11T17:52:10.720" v="1698" actId="478"/>
+          <ac:spMkLst>
+            <pc:docMk/>
+            <pc:sldMk cId="1015326068" sldId="266"/>
+            <ac:spMk id="58" creationId="{929C59B8-FC97-4D9D-9AFD-57525B08CDE0}"/>
+          </ac:spMkLst>
+        </pc:spChg>
+        <pc:spChg chg="mod">
+          <ac:chgData name="Michael Neuhaus" userId="c40c4f6d-4879-45f0-ab21-9527e4a3c0bd" providerId="ADAL" clId="{21F8B5DC-EEBF-4057-AF5A-A6A231887572}" dt="2022-04-11T17:53:15.851" v="1926" actId="1038"/>
+          <ac:spMkLst>
+            <pc:docMk/>
+            <pc:sldMk cId="1015326068" sldId="266"/>
+            <ac:spMk id="65" creationId="{ECCF88BE-1316-4D2F-A6DB-2C9FE9040A62}"/>
+          </ac:spMkLst>
+        </pc:spChg>
+        <pc:spChg chg="mod">
+          <ac:chgData name="Michael Neuhaus" userId="c40c4f6d-4879-45f0-ab21-9527e4a3c0bd" providerId="ADAL" clId="{21F8B5DC-EEBF-4057-AF5A-A6A231887572}" dt="2022-04-11T17:53:15.851" v="1926" actId="1038"/>
+          <ac:spMkLst>
+            <pc:docMk/>
+            <pc:sldMk cId="1015326068" sldId="266"/>
+            <ac:spMk id="66" creationId="{7C2A1224-9653-4FEB-B039-573344A3E401}"/>
+          </ac:spMkLst>
+        </pc:spChg>
+        <pc:spChg chg="mod">
+          <ac:chgData name="Michael Neuhaus" userId="c40c4f6d-4879-45f0-ab21-9527e4a3c0bd" providerId="ADAL" clId="{21F8B5DC-EEBF-4057-AF5A-A6A231887572}" dt="2022-04-11T17:53:15.851" v="1926" actId="1038"/>
+          <ac:spMkLst>
+            <pc:docMk/>
+            <pc:sldMk cId="1015326068" sldId="266"/>
+            <ac:spMk id="71" creationId="{E63EA9B3-19F9-4DAD-AF96-08B93901E074}"/>
+          </ac:spMkLst>
+        </pc:spChg>
+        <pc:spChg chg="mod">
+          <ac:chgData name="Michael Neuhaus" userId="c40c4f6d-4879-45f0-ab21-9527e4a3c0bd" providerId="ADAL" clId="{21F8B5DC-EEBF-4057-AF5A-A6A231887572}" dt="2022-04-11T17:53:15.851" v="1926" actId="1038"/>
+          <ac:spMkLst>
+            <pc:docMk/>
+            <pc:sldMk cId="1015326068" sldId="266"/>
+            <ac:spMk id="74" creationId="{A3F1D1A0-E7A9-4890-B450-D8145EA558CD}"/>
+          </ac:spMkLst>
+        </pc:spChg>
+        <pc:picChg chg="mod">
+          <ac:chgData name="Michael Neuhaus" userId="c40c4f6d-4879-45f0-ab21-9527e4a3c0bd" providerId="ADAL" clId="{21F8B5DC-EEBF-4057-AF5A-A6A231887572}" dt="2022-04-11T17:53:15.851" v="1926" actId="1038"/>
+          <ac:picMkLst>
+            <pc:docMk/>
+            <pc:sldMk cId="1015326068" sldId="266"/>
+            <ac:picMk id="9" creationId="{4A1AB0C7-8F83-489F-83B8-C68A854A2BDC}"/>
+          </ac:picMkLst>
+        </pc:picChg>
         <pc:picChg chg="add mod">
           <ac:chgData name="Michael Neuhaus" userId="c40c4f6d-4879-45f0-ab21-9527e4a3c0bd" providerId="ADAL" clId="{21F8B5DC-EEBF-4057-AF5A-A6A231887572}" dt="2022-03-30T19:48:14.054" v="1458"/>
           <ac:picMkLst>
@@ -2150,8 +2438,24 @@
             <ac:picMk id="24" creationId="{73C1D568-3DAD-47E6-ABA2-CE4CEBAC9EEA}"/>
           </ac:picMkLst>
         </pc:picChg>
+        <pc:picChg chg="del">
+          <ac:chgData name="Michael Neuhaus" userId="c40c4f6d-4879-45f0-ab21-9527e4a3c0bd" providerId="ADAL" clId="{21F8B5DC-EEBF-4057-AF5A-A6A231887572}" dt="2022-04-11T17:52:10.720" v="1698" actId="478"/>
+          <ac:picMkLst>
+            <pc:docMk/>
+            <pc:sldMk cId="1015326068" sldId="266"/>
+            <ac:picMk id="56" creationId="{EF1D948D-7334-4D62-A912-3CBCC5F7FE1B}"/>
+          </ac:picMkLst>
+        </pc:picChg>
         <pc:picChg chg="mod">
-          <ac:chgData name="Michael Neuhaus" userId="c40c4f6d-4879-45f0-ab21-9527e4a3c0bd" providerId="ADAL" clId="{21F8B5DC-EEBF-4057-AF5A-A6A231887572}" dt="2022-03-30T19:31:53.503" v="1094" actId="207"/>
+          <ac:chgData name="Michael Neuhaus" userId="c40c4f6d-4879-45f0-ab21-9527e4a3c0bd" providerId="ADAL" clId="{21F8B5DC-EEBF-4057-AF5A-A6A231887572}" dt="2022-04-11T17:53:15.851" v="1926" actId="1038"/>
+          <ac:picMkLst>
+            <pc:docMk/>
+            <pc:sldMk cId="1015326068" sldId="266"/>
+            <ac:picMk id="60" creationId="{DF053CFD-830D-482C-9C41-3DABBFC37B46}"/>
+          </ac:picMkLst>
+        </pc:picChg>
+        <pc:picChg chg="mod">
+          <ac:chgData name="Michael Neuhaus" userId="c40c4f6d-4879-45f0-ab21-9527e4a3c0bd" providerId="ADAL" clId="{21F8B5DC-EEBF-4057-AF5A-A6A231887572}" dt="2022-04-11T17:53:15.851" v="1926" actId="1038"/>
           <ac:picMkLst>
             <pc:docMk/>
             <pc:sldMk cId="1015326068" sldId="266"/>
@@ -2159,16 +2463,24 @@
           </ac:picMkLst>
         </pc:picChg>
         <pc:picChg chg="mod">
-          <ac:chgData name="Michael Neuhaus" userId="c40c4f6d-4879-45f0-ab21-9527e4a3c0bd" providerId="ADAL" clId="{21F8B5DC-EEBF-4057-AF5A-A6A231887572}" dt="2022-03-30T19:32:05.391" v="1095" actId="207"/>
+          <ac:chgData name="Michael Neuhaus" userId="c40c4f6d-4879-45f0-ab21-9527e4a3c0bd" providerId="ADAL" clId="{21F8B5DC-EEBF-4057-AF5A-A6A231887572}" dt="2022-04-11T17:53:15.851" v="1926" actId="1038"/>
           <ac:picMkLst>
             <pc:docMk/>
             <pc:sldMk cId="1015326068" sldId="266"/>
             <ac:picMk id="70" creationId="{C796C772-CFBF-4DD2-ADC2-9C1E2F552336}"/>
           </ac:picMkLst>
         </pc:picChg>
+        <pc:picChg chg="mod">
+          <ac:chgData name="Michael Neuhaus" userId="c40c4f6d-4879-45f0-ab21-9527e4a3c0bd" providerId="ADAL" clId="{21F8B5DC-EEBF-4057-AF5A-A6A231887572}" dt="2022-04-11T17:53:15.851" v="1926" actId="1038"/>
+          <ac:picMkLst>
+            <pc:docMk/>
+            <pc:sldMk cId="1015326068" sldId="266"/>
+            <ac:picMk id="73" creationId="{4D4542A2-F0A8-455F-901C-B19369D1F973}"/>
+          </ac:picMkLst>
+        </pc:picChg>
       </pc:sldChg>
       <pc:sldChg chg="addSp delSp modSp add mod">
-        <pc:chgData name="Michael Neuhaus" userId="c40c4f6d-4879-45f0-ab21-9527e4a3c0bd" providerId="ADAL" clId="{21F8B5DC-EEBF-4057-AF5A-A6A231887572}" dt="2022-03-30T19:51:16.624" v="1609" actId="478"/>
+        <pc:chgData name="Michael Neuhaus" userId="c40c4f6d-4879-45f0-ab21-9527e4a3c0bd" providerId="ADAL" clId="{21F8B5DC-EEBF-4057-AF5A-A6A231887572}" dt="2022-04-11T17:53:22.915" v="1960" actId="1037"/>
         <pc:sldMkLst>
           <pc:docMk/>
           <pc:sldMk cId="1457593655" sldId="267"/>
@@ -2230,7 +2542,7 @@
           </ac:spMkLst>
         </pc:spChg>
         <pc:spChg chg="mod">
-          <ac:chgData name="Michael Neuhaus" userId="c40c4f6d-4879-45f0-ab21-9527e4a3c0bd" providerId="ADAL" clId="{21F8B5DC-EEBF-4057-AF5A-A6A231887572}" dt="2022-03-30T19:49:40.157" v="1515" actId="20577"/>
+          <ac:chgData name="Michael Neuhaus" userId="c40c4f6d-4879-45f0-ab21-9527e4a3c0bd" providerId="ADAL" clId="{21F8B5DC-EEBF-4057-AF5A-A6A231887572}" dt="2022-04-11T17:53:22.915" v="1960" actId="1037"/>
           <ac:spMkLst>
             <pc:docMk/>
             <pc:sldMk cId="1457593655" sldId="267"/>
@@ -2245,8 +2557,48 @@
             <ac:spMk id="38" creationId="{C38C8A94-4A18-4B67-8324-0BCFC2E6C49C}"/>
           </ac:spMkLst>
         </pc:spChg>
+        <pc:spChg chg="del">
+          <ac:chgData name="Michael Neuhaus" userId="c40c4f6d-4879-45f0-ab21-9527e4a3c0bd" providerId="ADAL" clId="{21F8B5DC-EEBF-4057-AF5A-A6A231887572}" dt="2022-04-11T17:52:17.555" v="1700" actId="478"/>
+          <ac:spMkLst>
+            <pc:docMk/>
+            <pc:sldMk cId="1457593655" sldId="267"/>
+            <ac:spMk id="58" creationId="{929C59B8-FC97-4D9D-9AFD-57525B08CDE0}"/>
+          </ac:spMkLst>
+        </pc:spChg>
+        <pc:spChg chg="mod">
+          <ac:chgData name="Michael Neuhaus" userId="c40c4f6d-4879-45f0-ab21-9527e4a3c0bd" providerId="ADAL" clId="{21F8B5DC-EEBF-4057-AF5A-A6A231887572}" dt="2022-04-11T17:53:22.915" v="1960" actId="1037"/>
+          <ac:spMkLst>
+            <pc:docMk/>
+            <pc:sldMk cId="1457593655" sldId="267"/>
+            <ac:spMk id="65" creationId="{ECCF88BE-1316-4D2F-A6DB-2C9FE9040A62}"/>
+          </ac:spMkLst>
+        </pc:spChg>
+        <pc:spChg chg="mod">
+          <ac:chgData name="Michael Neuhaus" userId="c40c4f6d-4879-45f0-ab21-9527e4a3c0bd" providerId="ADAL" clId="{21F8B5DC-EEBF-4057-AF5A-A6A231887572}" dt="2022-04-11T17:53:22.915" v="1960" actId="1037"/>
+          <ac:spMkLst>
+            <pc:docMk/>
+            <pc:sldMk cId="1457593655" sldId="267"/>
+            <ac:spMk id="66" creationId="{7C2A1224-9653-4FEB-B039-573344A3E401}"/>
+          </ac:spMkLst>
+        </pc:spChg>
+        <pc:spChg chg="mod">
+          <ac:chgData name="Michael Neuhaus" userId="c40c4f6d-4879-45f0-ab21-9527e4a3c0bd" providerId="ADAL" clId="{21F8B5DC-EEBF-4057-AF5A-A6A231887572}" dt="2022-04-11T17:53:22.915" v="1960" actId="1037"/>
+          <ac:spMkLst>
+            <pc:docMk/>
+            <pc:sldMk cId="1457593655" sldId="267"/>
+            <ac:spMk id="71" creationId="{E63EA9B3-19F9-4DAD-AF96-08B93901E074}"/>
+          </ac:spMkLst>
+        </pc:spChg>
+        <pc:spChg chg="mod">
+          <ac:chgData name="Michael Neuhaus" userId="c40c4f6d-4879-45f0-ab21-9527e4a3c0bd" providerId="ADAL" clId="{21F8B5DC-EEBF-4057-AF5A-A6A231887572}" dt="2022-04-11T17:53:22.915" v="1960" actId="1037"/>
+          <ac:spMkLst>
+            <pc:docMk/>
+            <pc:sldMk cId="1457593655" sldId="267"/>
+            <ac:spMk id="74" creationId="{A3F1D1A0-E7A9-4890-B450-D8145EA558CD}"/>
+          </ac:spMkLst>
+        </pc:spChg>
         <pc:picChg chg="mod">
-          <ac:chgData name="Michael Neuhaus" userId="c40c4f6d-4879-45f0-ab21-9527e4a3c0bd" providerId="ADAL" clId="{21F8B5DC-EEBF-4057-AF5A-A6A231887572}" dt="2022-03-30T19:32:26.036" v="1098" actId="207"/>
+          <ac:chgData name="Michael Neuhaus" userId="c40c4f6d-4879-45f0-ab21-9527e4a3c0bd" providerId="ADAL" clId="{21F8B5DC-EEBF-4057-AF5A-A6A231887572}" dt="2022-04-11T17:53:22.915" v="1960" actId="1037"/>
           <ac:picMkLst>
             <pc:docMk/>
             <pc:sldMk cId="1457593655" sldId="267"/>
@@ -2261,17 +2613,49 @@
             <ac:picMk id="24" creationId="{F121B337-66DC-4371-97F3-6EC68E01B491}"/>
           </ac:picMkLst>
         </pc:picChg>
+        <pc:picChg chg="del">
+          <ac:chgData name="Michael Neuhaus" userId="c40c4f6d-4879-45f0-ab21-9527e4a3c0bd" providerId="ADAL" clId="{21F8B5DC-EEBF-4057-AF5A-A6A231887572}" dt="2022-04-11T17:52:17.555" v="1700" actId="478"/>
+          <ac:picMkLst>
+            <pc:docMk/>
+            <pc:sldMk cId="1457593655" sldId="267"/>
+            <ac:picMk id="56" creationId="{EF1D948D-7334-4D62-A912-3CBCC5F7FE1B}"/>
+          </ac:picMkLst>
+        </pc:picChg>
         <pc:picChg chg="mod">
-          <ac:chgData name="Michael Neuhaus" userId="c40c4f6d-4879-45f0-ab21-9527e4a3c0bd" providerId="ADAL" clId="{21F8B5DC-EEBF-4057-AF5A-A6A231887572}" dt="2022-03-30T19:32:21.440" v="1097" actId="207"/>
+          <ac:chgData name="Michael Neuhaus" userId="c40c4f6d-4879-45f0-ab21-9527e4a3c0bd" providerId="ADAL" clId="{21F8B5DC-EEBF-4057-AF5A-A6A231887572}" dt="2022-04-11T17:53:22.915" v="1960" actId="1037"/>
+          <ac:picMkLst>
+            <pc:docMk/>
+            <pc:sldMk cId="1457593655" sldId="267"/>
+            <ac:picMk id="60" creationId="{DF053CFD-830D-482C-9C41-3DABBFC37B46}"/>
+          </ac:picMkLst>
+        </pc:picChg>
+        <pc:picChg chg="mod">
+          <ac:chgData name="Michael Neuhaus" userId="c40c4f6d-4879-45f0-ab21-9527e4a3c0bd" providerId="ADAL" clId="{21F8B5DC-EEBF-4057-AF5A-A6A231887572}" dt="2022-04-11T17:53:22.915" v="1960" actId="1037"/>
+          <ac:picMkLst>
+            <pc:docMk/>
+            <pc:sldMk cId="1457593655" sldId="267"/>
+            <ac:picMk id="62" creationId="{F0D201B8-943D-4A47-ABB1-4BF39B067E8D}"/>
+          </ac:picMkLst>
+        </pc:picChg>
+        <pc:picChg chg="mod">
+          <ac:chgData name="Michael Neuhaus" userId="c40c4f6d-4879-45f0-ab21-9527e4a3c0bd" providerId="ADAL" clId="{21F8B5DC-EEBF-4057-AF5A-A6A231887572}" dt="2022-04-11T17:53:22.915" v="1960" actId="1037"/>
           <ac:picMkLst>
             <pc:docMk/>
             <pc:sldMk cId="1457593655" sldId="267"/>
             <ac:picMk id="70" creationId="{C796C772-CFBF-4DD2-ADC2-9C1E2F552336}"/>
           </ac:picMkLst>
         </pc:picChg>
+        <pc:picChg chg="mod">
+          <ac:chgData name="Michael Neuhaus" userId="c40c4f6d-4879-45f0-ab21-9527e4a3c0bd" providerId="ADAL" clId="{21F8B5DC-EEBF-4057-AF5A-A6A231887572}" dt="2022-04-11T17:53:22.915" v="1960" actId="1037"/>
+          <ac:picMkLst>
+            <pc:docMk/>
+            <pc:sldMk cId="1457593655" sldId="267"/>
+            <ac:picMk id="73" creationId="{4D4542A2-F0A8-455F-901C-B19369D1F973}"/>
+          </ac:picMkLst>
+        </pc:picChg>
       </pc:sldChg>
       <pc:sldChg chg="addSp delSp modSp add mod">
-        <pc:chgData name="Michael Neuhaus" userId="c40c4f6d-4879-45f0-ab21-9527e4a3c0bd" providerId="ADAL" clId="{21F8B5DC-EEBF-4057-AF5A-A6A231887572}" dt="2022-03-30T19:51:55.036" v="1672"/>
+        <pc:chgData name="Michael Neuhaus" userId="c40c4f6d-4879-45f0-ab21-9527e4a3c0bd" providerId="ADAL" clId="{21F8B5DC-EEBF-4057-AF5A-A6A231887572}" dt="2022-04-11T17:53:29.947" v="1994" actId="1037"/>
         <pc:sldMkLst>
           <pc:docMk/>
           <pc:sldMk cId="3948979849" sldId="268"/>
@@ -2324,6 +2708,102 @@
             <ac:spMk id="32" creationId="{B4BBD773-5F44-4746-A1A2-59237F7C21AE}"/>
           </ac:spMkLst>
         </pc:spChg>
+        <pc:spChg chg="mod">
+          <ac:chgData name="Michael Neuhaus" userId="c40c4f6d-4879-45f0-ab21-9527e4a3c0bd" providerId="ADAL" clId="{21F8B5DC-EEBF-4057-AF5A-A6A231887572}" dt="2022-04-11T17:53:29.947" v="1994" actId="1037"/>
+          <ac:spMkLst>
+            <pc:docMk/>
+            <pc:sldMk cId="3948979849" sldId="268"/>
+            <ac:spMk id="35" creationId="{1998E68F-D869-43FF-9BBA-1A741FC9CC62}"/>
+          </ac:spMkLst>
+        </pc:spChg>
+        <pc:spChg chg="del">
+          <ac:chgData name="Michael Neuhaus" userId="c40c4f6d-4879-45f0-ab21-9527e4a3c0bd" providerId="ADAL" clId="{21F8B5DC-EEBF-4057-AF5A-A6A231887572}" dt="2022-04-11T17:52:21.027" v="1701" actId="478"/>
+          <ac:spMkLst>
+            <pc:docMk/>
+            <pc:sldMk cId="3948979849" sldId="268"/>
+            <ac:spMk id="58" creationId="{929C59B8-FC97-4D9D-9AFD-57525B08CDE0}"/>
+          </ac:spMkLst>
+        </pc:spChg>
+        <pc:spChg chg="mod">
+          <ac:chgData name="Michael Neuhaus" userId="c40c4f6d-4879-45f0-ab21-9527e4a3c0bd" providerId="ADAL" clId="{21F8B5DC-EEBF-4057-AF5A-A6A231887572}" dt="2022-04-11T17:53:29.947" v="1994" actId="1037"/>
+          <ac:spMkLst>
+            <pc:docMk/>
+            <pc:sldMk cId="3948979849" sldId="268"/>
+            <ac:spMk id="65" creationId="{ECCF88BE-1316-4D2F-A6DB-2C9FE9040A62}"/>
+          </ac:spMkLst>
+        </pc:spChg>
+        <pc:spChg chg="mod">
+          <ac:chgData name="Michael Neuhaus" userId="c40c4f6d-4879-45f0-ab21-9527e4a3c0bd" providerId="ADAL" clId="{21F8B5DC-EEBF-4057-AF5A-A6A231887572}" dt="2022-04-11T17:53:29.947" v="1994" actId="1037"/>
+          <ac:spMkLst>
+            <pc:docMk/>
+            <pc:sldMk cId="3948979849" sldId="268"/>
+            <ac:spMk id="66" creationId="{7C2A1224-9653-4FEB-B039-573344A3E401}"/>
+          </ac:spMkLst>
+        </pc:spChg>
+        <pc:spChg chg="mod">
+          <ac:chgData name="Michael Neuhaus" userId="c40c4f6d-4879-45f0-ab21-9527e4a3c0bd" providerId="ADAL" clId="{21F8B5DC-EEBF-4057-AF5A-A6A231887572}" dt="2022-04-11T17:53:29.947" v="1994" actId="1037"/>
+          <ac:spMkLst>
+            <pc:docMk/>
+            <pc:sldMk cId="3948979849" sldId="268"/>
+            <ac:spMk id="71" creationId="{E63EA9B3-19F9-4DAD-AF96-08B93901E074}"/>
+          </ac:spMkLst>
+        </pc:spChg>
+        <pc:spChg chg="mod">
+          <ac:chgData name="Michael Neuhaus" userId="c40c4f6d-4879-45f0-ab21-9527e4a3c0bd" providerId="ADAL" clId="{21F8B5DC-EEBF-4057-AF5A-A6A231887572}" dt="2022-04-11T17:53:29.947" v="1994" actId="1037"/>
+          <ac:spMkLst>
+            <pc:docMk/>
+            <pc:sldMk cId="3948979849" sldId="268"/>
+            <ac:spMk id="74" creationId="{A3F1D1A0-E7A9-4890-B450-D8145EA558CD}"/>
+          </ac:spMkLst>
+        </pc:spChg>
+        <pc:picChg chg="mod">
+          <ac:chgData name="Michael Neuhaus" userId="c40c4f6d-4879-45f0-ab21-9527e4a3c0bd" providerId="ADAL" clId="{21F8B5DC-EEBF-4057-AF5A-A6A231887572}" dt="2022-04-11T17:53:29.947" v="1994" actId="1037"/>
+          <ac:picMkLst>
+            <pc:docMk/>
+            <pc:sldMk cId="3948979849" sldId="268"/>
+            <ac:picMk id="9" creationId="{4A1AB0C7-8F83-489F-83B8-C68A854A2BDC}"/>
+          </ac:picMkLst>
+        </pc:picChg>
+        <pc:picChg chg="del">
+          <ac:chgData name="Michael Neuhaus" userId="c40c4f6d-4879-45f0-ab21-9527e4a3c0bd" providerId="ADAL" clId="{21F8B5DC-EEBF-4057-AF5A-A6A231887572}" dt="2022-04-11T17:52:21.027" v="1701" actId="478"/>
+          <ac:picMkLst>
+            <pc:docMk/>
+            <pc:sldMk cId="3948979849" sldId="268"/>
+            <ac:picMk id="56" creationId="{EF1D948D-7334-4D62-A912-3CBCC5F7FE1B}"/>
+          </ac:picMkLst>
+        </pc:picChg>
+        <pc:picChg chg="mod">
+          <ac:chgData name="Michael Neuhaus" userId="c40c4f6d-4879-45f0-ab21-9527e4a3c0bd" providerId="ADAL" clId="{21F8B5DC-EEBF-4057-AF5A-A6A231887572}" dt="2022-04-11T17:53:29.947" v="1994" actId="1037"/>
+          <ac:picMkLst>
+            <pc:docMk/>
+            <pc:sldMk cId="3948979849" sldId="268"/>
+            <ac:picMk id="60" creationId="{DF053CFD-830D-482C-9C41-3DABBFC37B46}"/>
+          </ac:picMkLst>
+        </pc:picChg>
+        <pc:picChg chg="mod">
+          <ac:chgData name="Michael Neuhaus" userId="c40c4f6d-4879-45f0-ab21-9527e4a3c0bd" providerId="ADAL" clId="{21F8B5DC-EEBF-4057-AF5A-A6A231887572}" dt="2022-04-11T17:53:29.947" v="1994" actId="1037"/>
+          <ac:picMkLst>
+            <pc:docMk/>
+            <pc:sldMk cId="3948979849" sldId="268"/>
+            <ac:picMk id="62" creationId="{F0D201B8-943D-4A47-ABB1-4BF39B067E8D}"/>
+          </ac:picMkLst>
+        </pc:picChg>
+        <pc:picChg chg="mod">
+          <ac:chgData name="Michael Neuhaus" userId="c40c4f6d-4879-45f0-ab21-9527e4a3c0bd" providerId="ADAL" clId="{21F8B5DC-EEBF-4057-AF5A-A6A231887572}" dt="2022-04-11T17:53:29.947" v="1994" actId="1037"/>
+          <ac:picMkLst>
+            <pc:docMk/>
+            <pc:sldMk cId="3948979849" sldId="268"/>
+            <ac:picMk id="70" creationId="{C796C772-CFBF-4DD2-ADC2-9C1E2F552336}"/>
+          </ac:picMkLst>
+        </pc:picChg>
+        <pc:picChg chg="mod">
+          <ac:chgData name="Michael Neuhaus" userId="c40c4f6d-4879-45f0-ab21-9527e4a3c0bd" providerId="ADAL" clId="{21F8B5DC-EEBF-4057-AF5A-A6A231887572}" dt="2022-04-11T17:53:29.947" v="1994" actId="1037"/>
+          <ac:picMkLst>
+            <pc:docMk/>
+            <pc:sldMk cId="3948979849" sldId="268"/>
+            <ac:picMk id="73" creationId="{4D4542A2-F0A8-455F-901C-B19369D1F973}"/>
+          </ac:picMkLst>
+        </pc:picChg>
       </pc:sldChg>
       <pc:sldMasterChg chg="modSp modSldLayout">
         <pc:chgData name="Michael Neuhaus" userId="c40c4f6d-4879-45f0-ab21-9527e4a3c0bd" providerId="ADAL" clId="{21F8B5DC-EEBF-4057-AF5A-A6A231887572}" dt="2022-03-29T20:21:45.363" v="679"/>
@@ -2735,7 +3215,7 @@
           <a:p>
             <a:fld id="{CA891704-1070-4DA0-AF41-BAD92E35CE8D}" type="datetimeFigureOut">
               <a:rPr lang="de-CH" smtClean="0"/>
-              <a:t>30.03.2022</a:t>
+              <a:t>12.04.2022</a:t>
             </a:fld>
             <a:endParaRPr lang="de-CH"/>
           </a:p>
@@ -2905,7 +3385,7 @@
           <a:p>
             <a:fld id="{CA891704-1070-4DA0-AF41-BAD92E35CE8D}" type="datetimeFigureOut">
               <a:rPr lang="de-CH" smtClean="0"/>
-              <a:t>30.03.2022</a:t>
+              <a:t>12.04.2022</a:t>
             </a:fld>
             <a:endParaRPr lang="de-CH"/>
           </a:p>
@@ -3085,7 +3565,7 @@
           <a:p>
             <a:fld id="{CA891704-1070-4DA0-AF41-BAD92E35CE8D}" type="datetimeFigureOut">
               <a:rPr lang="de-CH" smtClean="0"/>
-              <a:t>30.03.2022</a:t>
+              <a:t>12.04.2022</a:t>
             </a:fld>
             <a:endParaRPr lang="de-CH"/>
           </a:p>
@@ -3255,7 +3735,7 @@
           <a:p>
             <a:fld id="{CA891704-1070-4DA0-AF41-BAD92E35CE8D}" type="datetimeFigureOut">
               <a:rPr lang="de-CH" smtClean="0"/>
-              <a:t>30.03.2022</a:t>
+              <a:t>12.04.2022</a:t>
             </a:fld>
             <a:endParaRPr lang="de-CH"/>
           </a:p>
@@ -3499,7 +3979,7 @@
           <a:p>
             <a:fld id="{CA891704-1070-4DA0-AF41-BAD92E35CE8D}" type="datetimeFigureOut">
               <a:rPr lang="de-CH" smtClean="0"/>
-              <a:t>30.03.2022</a:t>
+              <a:t>12.04.2022</a:t>
             </a:fld>
             <a:endParaRPr lang="de-CH"/>
           </a:p>
@@ -3731,7 +4211,7 @@
           <a:p>
             <a:fld id="{CA891704-1070-4DA0-AF41-BAD92E35CE8D}" type="datetimeFigureOut">
               <a:rPr lang="de-CH" smtClean="0"/>
-              <a:t>30.03.2022</a:t>
+              <a:t>12.04.2022</a:t>
             </a:fld>
             <a:endParaRPr lang="de-CH"/>
           </a:p>
@@ -4098,7 +4578,7 @@
           <a:p>
             <a:fld id="{CA891704-1070-4DA0-AF41-BAD92E35CE8D}" type="datetimeFigureOut">
               <a:rPr lang="de-CH" smtClean="0"/>
-              <a:t>30.03.2022</a:t>
+              <a:t>12.04.2022</a:t>
             </a:fld>
             <a:endParaRPr lang="de-CH"/>
           </a:p>
@@ -4216,7 +4696,7 @@
           <a:p>
             <a:fld id="{CA891704-1070-4DA0-AF41-BAD92E35CE8D}" type="datetimeFigureOut">
               <a:rPr lang="de-CH" smtClean="0"/>
-              <a:t>30.03.2022</a:t>
+              <a:t>12.04.2022</a:t>
             </a:fld>
             <a:endParaRPr lang="de-CH"/>
           </a:p>
@@ -4311,7 +4791,7 @@
           <a:p>
             <a:fld id="{CA891704-1070-4DA0-AF41-BAD92E35CE8D}" type="datetimeFigureOut">
               <a:rPr lang="de-CH" smtClean="0"/>
-              <a:t>30.03.2022</a:t>
+              <a:t>12.04.2022</a:t>
             </a:fld>
             <a:endParaRPr lang="de-CH"/>
           </a:p>
@@ -4588,7 +5068,7 @@
           <a:p>
             <a:fld id="{CA891704-1070-4DA0-AF41-BAD92E35CE8D}" type="datetimeFigureOut">
               <a:rPr lang="de-CH" smtClean="0"/>
-              <a:t>30.03.2022</a:t>
+              <a:t>12.04.2022</a:t>
             </a:fld>
             <a:endParaRPr lang="de-CH"/>
           </a:p>
@@ -4845,7 +5325,7 @@
           <a:p>
             <a:fld id="{CA891704-1070-4DA0-AF41-BAD92E35CE8D}" type="datetimeFigureOut">
               <a:rPr lang="de-CH" smtClean="0"/>
-              <a:t>30.03.2022</a:t>
+              <a:t>12.04.2022</a:t>
             </a:fld>
             <a:endParaRPr lang="de-CH"/>
           </a:p>
@@ -5058,7 +5538,7 @@
           <a:p>
             <a:fld id="{CA891704-1070-4DA0-AF41-BAD92E35CE8D}" type="datetimeFigureOut">
               <a:rPr lang="de-CH" smtClean="0"/>
-              <a:t>30.03.2022</a:t>
+              <a:t>12.04.2022</a:t>
             </a:fld>
             <a:endParaRPr lang="de-CH"/>
           </a:p>
@@ -5773,45 +6253,6 @@
           </a:prstGeom>
         </p:spPr>
       </p:pic>
-      <p:pic>
-        <p:nvPicPr>
-          <p:cNvPr id="23" name="Grafik 22">
-            <a:extLst>
-              <a:ext uri="{FF2B5EF4-FFF2-40B4-BE49-F238E27FC236}">
-                <a16:creationId xmlns:a16="http://schemas.microsoft.com/office/drawing/2014/main" id="{F4EF995C-856A-45A0-82F4-F053A8B82E2C}"/>
-              </a:ext>
-            </a:extLst>
-          </p:cNvPr>
-          <p:cNvPicPr>
-            <a:picLocks noChangeAspect="1"/>
-          </p:cNvPicPr>
-          <p:nvPr/>
-        </p:nvPicPr>
-        <p:blipFill>
-          <a:blip r:embed="rId4">
-            <a:extLst>
-              <a:ext uri="{28A0092B-C50C-407E-A947-70E740481C1C}">
-                <a14:useLocalDpi xmlns:a14="http://schemas.microsoft.com/office/drawing/2010/main" val="0"/>
-              </a:ext>
-              <a:ext uri="{96DAC541-7B7A-43D3-8B79-37D633B846F1}">
-                <asvg:svgBlip xmlns:asvg="http://schemas.microsoft.com/office/drawing/2016/SVG/main" r:embed="rId5"/>
-              </a:ext>
-            </a:extLst>
-          </a:blip>
-          <a:stretch>
-            <a:fillRect/>
-          </a:stretch>
-        </p:blipFill>
-        <p:spPr>
-          <a:xfrm>
-            <a:off x="880379" y="94992"/>
-            <a:ext cx="471031" cy="376825"/>
-          </a:xfrm>
-          <a:prstGeom prst="rect">
-            <a:avLst/>
-          </a:prstGeom>
-        </p:spPr>
-      </p:pic>
       <p:sp>
         <p:nvSpPr>
           <p:cNvPr id="24" name="Textfeld 23">
@@ -5889,59 +6330,6 @@
           </a:p>
         </p:txBody>
       </p:sp>
-      <p:sp>
-        <p:nvSpPr>
-          <p:cNvPr id="25" name="Textfeld 24">
-            <a:extLst>
-              <a:ext uri="{FF2B5EF4-FFF2-40B4-BE49-F238E27FC236}">
-                <a16:creationId xmlns:a16="http://schemas.microsoft.com/office/drawing/2014/main" id="{763B65FB-4A2B-406C-BE72-A50B33959C06}"/>
-              </a:ext>
-            </a:extLst>
-          </p:cNvPr>
-          <p:cNvSpPr txBox="1"/>
-          <p:nvPr/>
-        </p:nvSpPr>
-        <p:spPr>
-          <a:xfrm>
-            <a:off x="853080" y="484959"/>
-            <a:ext cx="551747" cy="265457"/>
-          </a:xfrm>
-          <a:prstGeom prst="rect">
-            <a:avLst/>
-          </a:prstGeom>
-          <a:noFill/>
-        </p:spPr>
-        <p:txBody>
-          <a:bodyPr wrap="square" rtlCol="0">
-            <a:spAutoFit/>
-          </a:bodyPr>
-          <a:lstStyle/>
-          <a:p>
-            <a:r>
-              <a:rPr lang="de-CH" sz="750" dirty="0">
-                <a:solidFill>
-                  <a:schemeClr val="bg2">
-                    <a:lumMod val="90000"/>
-                  </a:schemeClr>
-                </a:solidFill>
-              </a:rPr>
-              <a:t>Objekte</a:t>
-            </a:r>
-          </a:p>
-          <a:p>
-            <a:r>
-              <a:rPr lang="de-CH" sz="375" dirty="0">
-                <a:solidFill>
-                  <a:schemeClr val="bg2">
-                    <a:lumMod val="90000"/>
-                  </a:schemeClr>
-                </a:solidFill>
-              </a:rPr>
-              <a:t>Building-user (fa6)</a:t>
-            </a:r>
-          </a:p>
-        </p:txBody>
-      </p:sp>
       <p:pic>
         <p:nvPicPr>
           <p:cNvPr id="26" name="Grafik 25">
@@ -5957,13 +6345,13 @@
           <p:nvPr/>
         </p:nvPicPr>
         <p:blipFill>
-          <a:blip r:embed="rId6">
+          <a:blip r:embed="rId4">
             <a:extLst>
               <a:ext uri="{28A0092B-C50C-407E-A947-70E740481C1C}">
                 <a14:useLocalDpi xmlns:a14="http://schemas.microsoft.com/office/drawing/2010/main" val="0"/>
               </a:ext>
               <a:ext uri="{96DAC541-7B7A-43D3-8B79-37D633B846F1}">
-                <asvg:svgBlip xmlns:asvg="http://schemas.microsoft.com/office/drawing/2016/SVG/main" r:embed="rId7"/>
+                <asvg:svgBlip xmlns:asvg="http://schemas.microsoft.com/office/drawing/2016/SVG/main" r:embed="rId5"/>
               </a:ext>
             </a:extLst>
           </a:blip>
@@ -5973,7 +6361,7 @@
         </p:blipFill>
         <p:spPr>
           <a:xfrm>
-            <a:off x="2982500" y="94993"/>
+            <a:off x="2168391" y="94993"/>
             <a:ext cx="281939" cy="375918"/>
           </a:xfrm>
           <a:prstGeom prst="rect">
@@ -5996,13 +6384,13 @@
           <p:nvPr/>
         </p:nvPicPr>
         <p:blipFill>
-          <a:blip r:embed="rId8">
+          <a:blip r:embed="rId6">
             <a:extLst>
               <a:ext uri="{28A0092B-C50C-407E-A947-70E740481C1C}">
                 <a14:useLocalDpi xmlns:a14="http://schemas.microsoft.com/office/drawing/2010/main" val="0"/>
               </a:ext>
               <a:ext uri="{96DAC541-7B7A-43D3-8B79-37D633B846F1}">
-                <asvg:svgBlip xmlns:asvg="http://schemas.microsoft.com/office/drawing/2016/SVG/main" r:embed="rId9"/>
+                <asvg:svgBlip xmlns:asvg="http://schemas.microsoft.com/office/drawing/2016/SVG/main" r:embed="rId7"/>
               </a:ext>
             </a:extLst>
           </a:blip>
@@ -6012,7 +6400,7 @@
         </p:blipFill>
         <p:spPr>
           <a:xfrm>
-            <a:off x="1572188" y="94993"/>
+            <a:off x="758079" y="94993"/>
             <a:ext cx="469898" cy="375918"/>
           </a:xfrm>
           <a:prstGeom prst="rect">
@@ -6034,7 +6422,7 @@
         </p:nvSpPr>
         <p:spPr>
           <a:xfrm>
-            <a:off x="1543663" y="498781"/>
+            <a:off x="729554" y="498781"/>
             <a:ext cx="671884" cy="253916"/>
           </a:xfrm>
           <a:prstGeom prst="rect">
@@ -6101,7 +6489,7 @@
         </p:nvSpPr>
         <p:spPr>
           <a:xfrm>
-            <a:off x="2802066" y="484959"/>
+            <a:off x="1987957" y="484959"/>
             <a:ext cx="728821" cy="265457"/>
           </a:xfrm>
           <a:prstGeom prst="rect">
@@ -6179,13 +6567,13 @@
           <p:nvPr/>
         </p:nvPicPr>
         <p:blipFill>
-          <a:blip r:embed="rId10">
+          <a:blip r:embed="rId8">
             <a:extLst>
               <a:ext uri="{28A0092B-C50C-407E-A947-70E740481C1C}">
                 <a14:useLocalDpi xmlns:a14="http://schemas.microsoft.com/office/drawing/2010/main" val="0"/>
               </a:ext>
               <a:ext uri="{96DAC541-7B7A-43D3-8B79-37D633B846F1}">
-                <asvg:svgBlip xmlns:asvg="http://schemas.microsoft.com/office/drawing/2016/SVG/main" r:embed="rId11"/>
+                <asvg:svgBlip xmlns:asvg="http://schemas.microsoft.com/office/drawing/2016/SVG/main" r:embed="rId9"/>
               </a:ext>
             </a:extLst>
           </a:blip>
@@ -6195,7 +6583,7 @@
         </p:blipFill>
         <p:spPr>
           <a:xfrm>
-            <a:off x="3633350" y="94992"/>
+            <a:off x="2819241" y="94992"/>
             <a:ext cx="281939" cy="375918"/>
           </a:xfrm>
           <a:prstGeom prst="rect">
@@ -6217,7 +6605,7 @@
         </p:nvSpPr>
         <p:spPr>
           <a:xfrm>
-            <a:off x="3502860" y="484958"/>
+            <a:off x="2688751" y="484958"/>
             <a:ext cx="728821" cy="253916"/>
           </a:xfrm>
           <a:prstGeom prst="rect">
@@ -6305,13 +6693,13 @@
           <p:nvPr/>
         </p:nvPicPr>
         <p:blipFill>
-          <a:blip r:embed="rId12">
+          <a:blip r:embed="rId10">
             <a:extLst>
               <a:ext uri="{28A0092B-C50C-407E-A947-70E740481C1C}">
                 <a14:useLocalDpi xmlns:a14="http://schemas.microsoft.com/office/drawing/2010/main" val="0"/>
               </a:ext>
               <a:ext uri="{96DAC541-7B7A-43D3-8B79-37D633B846F1}">
-                <asvg:svgBlip xmlns:asvg="http://schemas.microsoft.com/office/drawing/2016/SVG/main" r:embed="rId13"/>
+                <asvg:svgBlip xmlns:asvg="http://schemas.microsoft.com/office/drawing/2016/SVG/main" r:embed="rId11"/>
               </a:ext>
             </a:extLst>
           </a:blip>
@@ -6321,7 +6709,7 @@
         </p:blipFill>
         <p:spPr>
           <a:xfrm>
-            <a:off x="2298326" y="67926"/>
+            <a:off x="1484217" y="67926"/>
             <a:ext cx="364904" cy="417032"/>
           </a:xfrm>
           <a:prstGeom prst="rect">
@@ -6343,7 +6731,7 @@
         </p:nvSpPr>
         <p:spPr>
           <a:xfrm>
-            <a:off x="2116368" y="484275"/>
+            <a:off x="1302259" y="484275"/>
             <a:ext cx="728821" cy="265457"/>
           </a:xfrm>
           <a:prstGeom prst="rect">
@@ -6421,13 +6809,13 @@
           <p:nvPr/>
         </p:nvPicPr>
         <p:blipFill>
-          <a:blip r:embed="rId14">
+          <a:blip r:embed="rId12">
             <a:extLst>
               <a:ext uri="{28A0092B-C50C-407E-A947-70E740481C1C}">
                 <a14:useLocalDpi xmlns:a14="http://schemas.microsoft.com/office/drawing/2010/main" val="0"/>
               </a:ext>
               <a:ext uri="{96DAC541-7B7A-43D3-8B79-37D633B846F1}">
-                <asvg:svgBlip xmlns:asvg="http://schemas.microsoft.com/office/drawing/2016/SVG/main" r:embed="rId15"/>
+                <asvg:svgBlip xmlns:asvg="http://schemas.microsoft.com/office/drawing/2016/SVG/main" r:embed="rId13"/>
               </a:ext>
             </a:extLst>
           </a:blip>
@@ -6437,7 +6825,7 @@
         </p:blipFill>
         <p:spPr>
           <a:xfrm>
-            <a:off x="4340412" y="94992"/>
+            <a:off x="3526303" y="94992"/>
             <a:ext cx="524429" cy="419543"/>
           </a:xfrm>
           <a:prstGeom prst="rect">
@@ -6459,7 +6847,7 @@
         </p:nvSpPr>
         <p:spPr>
           <a:xfrm>
-            <a:off x="4263504" y="484957"/>
+            <a:off x="3449395" y="484957"/>
             <a:ext cx="601337" cy="253916"/>
           </a:xfrm>
           <a:prstGeom prst="rect">
@@ -7544,12 +7932,59 @@
           </a:prstGeom>
         </p:spPr>
       </p:pic>
+      <p:sp>
+        <p:nvSpPr>
+          <p:cNvPr id="51" name="Textfeld 50">
+            <a:extLst>
+              <a:ext uri="{FF2B5EF4-FFF2-40B4-BE49-F238E27FC236}">
+                <a16:creationId xmlns:a16="http://schemas.microsoft.com/office/drawing/2014/main" id="{A8819EBF-2703-4E6C-B9B6-149DA5E3E6C4}"/>
+              </a:ext>
+            </a:extLst>
+          </p:cNvPr>
+          <p:cNvSpPr txBox="1"/>
+          <p:nvPr/>
+        </p:nvSpPr>
+        <p:spPr>
+          <a:xfrm>
+            <a:off x="102713" y="484959"/>
+            <a:ext cx="740156" cy="265457"/>
+          </a:xfrm>
+          <a:prstGeom prst="rect">
+            <a:avLst/>
+          </a:prstGeom>
+          <a:noFill/>
+        </p:spPr>
+        <p:txBody>
+          <a:bodyPr wrap="square" rtlCol="0">
+            <a:spAutoFit/>
+          </a:bodyPr>
+          <a:lstStyle/>
+          <a:p>
+            <a:r>
+              <a:rPr lang="de-CH" sz="750" dirty="0"/>
+              <a:t>Liegenschaft</a:t>
+            </a:r>
+            <a:br>
+              <a:rPr lang="de-CH" sz="750" dirty="0"/>
+            </a:br>
+            <a:r>
+              <a:rPr lang="de-CH" sz="375" dirty="0" err="1"/>
+              <a:t>building</a:t>
+            </a:r>
+            <a:r>
+              <a:rPr lang="de-CH" sz="375" dirty="0"/>
+              <a:t> (fa6)</a:t>
+            </a:r>
+            <a:endParaRPr lang="de-CH" sz="750" dirty="0"/>
+          </a:p>
+        </p:txBody>
+      </p:sp>
       <p:pic>
         <p:nvPicPr>
-          <p:cNvPr id="50" name="Grafik 49">
-            <a:extLst>
-              <a:ext uri="{FF2B5EF4-FFF2-40B4-BE49-F238E27FC236}">
-                <a16:creationId xmlns:a16="http://schemas.microsoft.com/office/drawing/2014/main" id="{09F7FBCE-3C62-405A-93E6-90D0E459D758}"/>
+          <p:cNvPr id="53" name="Grafik 52">
+            <a:extLst>
+              <a:ext uri="{FF2B5EF4-FFF2-40B4-BE49-F238E27FC236}">
+                <a16:creationId xmlns:a16="http://schemas.microsoft.com/office/drawing/2014/main" id="{0C8B3EE7-D651-47A8-9717-0FBA2276F306}"/>
               </a:ext>
             </a:extLst>
           </p:cNvPr>
@@ -7575,108 +8010,20 @@
         </p:blipFill>
         <p:spPr>
           <a:xfrm>
-            <a:off x="880379" y="94992"/>
-            <a:ext cx="471031" cy="376825"/>
+            <a:off x="2174288" y="94993"/>
+            <a:ext cx="281939" cy="375918"/>
           </a:xfrm>
           <a:prstGeom prst="rect">
             <a:avLst/>
           </a:prstGeom>
         </p:spPr>
       </p:pic>
-      <p:sp>
-        <p:nvSpPr>
-          <p:cNvPr id="51" name="Textfeld 50">
-            <a:extLst>
-              <a:ext uri="{FF2B5EF4-FFF2-40B4-BE49-F238E27FC236}">
-                <a16:creationId xmlns:a16="http://schemas.microsoft.com/office/drawing/2014/main" id="{A8819EBF-2703-4E6C-B9B6-149DA5E3E6C4}"/>
-              </a:ext>
-            </a:extLst>
-          </p:cNvPr>
-          <p:cNvSpPr txBox="1"/>
-          <p:nvPr/>
-        </p:nvSpPr>
-        <p:spPr>
-          <a:xfrm>
-            <a:off x="102713" y="484959"/>
-            <a:ext cx="740156" cy="265457"/>
-          </a:xfrm>
-          <a:prstGeom prst="rect">
-            <a:avLst/>
-          </a:prstGeom>
-          <a:noFill/>
-        </p:spPr>
-        <p:txBody>
-          <a:bodyPr wrap="square" rtlCol="0">
-            <a:spAutoFit/>
-          </a:bodyPr>
-          <a:lstStyle/>
-          <a:p>
-            <a:r>
-              <a:rPr lang="de-CH" sz="750" dirty="0"/>
-              <a:t>Liegenschaft</a:t>
-            </a:r>
-            <a:br>
-              <a:rPr lang="de-CH" sz="750" dirty="0"/>
-            </a:br>
-            <a:r>
-              <a:rPr lang="de-CH" sz="375" dirty="0" err="1"/>
-              <a:t>building</a:t>
-            </a:r>
-            <a:r>
-              <a:rPr lang="de-CH" sz="375" dirty="0"/>
-              <a:t> (fa6)</a:t>
-            </a:r>
-            <a:endParaRPr lang="de-CH" sz="750" dirty="0"/>
-          </a:p>
-        </p:txBody>
-      </p:sp>
-      <p:sp>
-        <p:nvSpPr>
-          <p:cNvPr id="52" name="Textfeld 51">
-            <a:extLst>
-              <a:ext uri="{FF2B5EF4-FFF2-40B4-BE49-F238E27FC236}">
-                <a16:creationId xmlns:a16="http://schemas.microsoft.com/office/drawing/2014/main" id="{D87AB89E-F823-4FC6-BF79-3CFE206A35A7}"/>
-              </a:ext>
-            </a:extLst>
-          </p:cNvPr>
-          <p:cNvSpPr txBox="1"/>
-          <p:nvPr/>
-        </p:nvSpPr>
-        <p:spPr>
-          <a:xfrm>
-            <a:off x="853080" y="484959"/>
-            <a:ext cx="551747" cy="265457"/>
-          </a:xfrm>
-          <a:prstGeom prst="rect">
-            <a:avLst/>
-          </a:prstGeom>
-          <a:noFill/>
-        </p:spPr>
-        <p:txBody>
-          <a:bodyPr wrap="square" rtlCol="0">
-            <a:spAutoFit/>
-          </a:bodyPr>
-          <a:lstStyle/>
-          <a:p>
-            <a:r>
-              <a:rPr lang="de-CH" sz="750" dirty="0"/>
-              <a:t>Objekte</a:t>
-            </a:r>
-          </a:p>
-          <a:p>
-            <a:r>
-              <a:rPr lang="de-CH" sz="375" dirty="0"/>
-              <a:t>Building-user (fa6)</a:t>
-            </a:r>
-          </a:p>
-        </p:txBody>
-      </p:sp>
       <p:pic>
         <p:nvPicPr>
-          <p:cNvPr id="53" name="Grafik 52">
-            <a:extLst>
-              <a:ext uri="{FF2B5EF4-FFF2-40B4-BE49-F238E27FC236}">
-                <a16:creationId xmlns:a16="http://schemas.microsoft.com/office/drawing/2014/main" id="{0C8B3EE7-D651-47A8-9717-0FBA2276F306}"/>
+          <p:cNvPr id="54" name="Grafik 53">
+            <a:extLst>
+              <a:ext uri="{FF2B5EF4-FFF2-40B4-BE49-F238E27FC236}">
+                <a16:creationId xmlns:a16="http://schemas.microsoft.com/office/drawing/2014/main" id="{289E41D8-D3E3-4E9D-A797-761377178B0E}"/>
               </a:ext>
             </a:extLst>
           </p:cNvPr>
@@ -7702,20 +8049,110 @@
         </p:blipFill>
         <p:spPr>
           <a:xfrm>
-            <a:off x="2982500" y="94993"/>
-            <a:ext cx="281939" cy="375918"/>
+            <a:off x="763976" y="94993"/>
+            <a:ext cx="469898" cy="375918"/>
           </a:xfrm>
           <a:prstGeom prst="rect">
             <a:avLst/>
           </a:prstGeom>
         </p:spPr>
       </p:pic>
+      <p:sp>
+        <p:nvSpPr>
+          <p:cNvPr id="55" name="Textfeld 54">
+            <a:extLst>
+              <a:ext uri="{FF2B5EF4-FFF2-40B4-BE49-F238E27FC236}">
+                <a16:creationId xmlns:a16="http://schemas.microsoft.com/office/drawing/2014/main" id="{2317A55D-D9DD-4830-8A09-37CAD1EDA61B}"/>
+              </a:ext>
+            </a:extLst>
+          </p:cNvPr>
+          <p:cNvSpPr txBox="1"/>
+          <p:nvPr/>
+        </p:nvSpPr>
+        <p:spPr>
+          <a:xfrm>
+            <a:off x="735451" y="498781"/>
+            <a:ext cx="671884" cy="253916"/>
+          </a:xfrm>
+          <a:prstGeom prst="rect">
+            <a:avLst/>
+          </a:prstGeom>
+          <a:noFill/>
+        </p:spPr>
+        <p:txBody>
+          <a:bodyPr wrap="square" rtlCol="0">
+            <a:spAutoFit/>
+          </a:bodyPr>
+          <a:lstStyle/>
+          <a:p>
+            <a:r>
+              <a:rPr lang="de-CH" sz="750" dirty="0"/>
+              <a:t>Mieter</a:t>
+            </a:r>
+            <a:br>
+              <a:rPr lang="de-CH" sz="750" dirty="0"/>
+            </a:br>
+            <a:r>
+              <a:rPr lang="de-CH" sz="300" dirty="0"/>
+              <a:t>user-tag</a:t>
+            </a:r>
+            <a:endParaRPr lang="de-CH" sz="750" dirty="0"/>
+          </a:p>
+        </p:txBody>
+      </p:sp>
+      <p:sp>
+        <p:nvSpPr>
+          <p:cNvPr id="59" name="Textfeld 58">
+            <a:extLst>
+              <a:ext uri="{FF2B5EF4-FFF2-40B4-BE49-F238E27FC236}">
+                <a16:creationId xmlns:a16="http://schemas.microsoft.com/office/drawing/2014/main" id="{92793BA4-155D-4539-875A-1E95B14D39B4}"/>
+              </a:ext>
+            </a:extLst>
+          </p:cNvPr>
+          <p:cNvSpPr txBox="1"/>
+          <p:nvPr/>
+        </p:nvSpPr>
+        <p:spPr>
+          <a:xfrm>
+            <a:off x="1993854" y="484959"/>
+            <a:ext cx="728821" cy="265457"/>
+          </a:xfrm>
+          <a:prstGeom prst="rect">
+            <a:avLst/>
+          </a:prstGeom>
+          <a:noFill/>
+        </p:spPr>
+        <p:txBody>
+          <a:bodyPr wrap="square" rtlCol="0">
+            <a:spAutoFit/>
+          </a:bodyPr>
+          <a:lstStyle/>
+          <a:p>
+            <a:r>
+              <a:rPr lang="de-CH" sz="750" dirty="0"/>
+              <a:t>Mietverträge</a:t>
+            </a:r>
+            <a:br>
+              <a:rPr lang="de-CH" sz="750" dirty="0"/>
+            </a:br>
+            <a:r>
+              <a:rPr lang="de-CH" sz="375" dirty="0"/>
+              <a:t>file-</a:t>
+            </a:r>
+            <a:r>
+              <a:rPr lang="de-CH" sz="375" dirty="0" err="1"/>
+              <a:t>contract</a:t>
+            </a:r>
+            <a:endParaRPr lang="de-CH" sz="750" dirty="0"/>
+          </a:p>
+        </p:txBody>
+      </p:sp>
       <p:pic>
         <p:nvPicPr>
-          <p:cNvPr id="54" name="Grafik 53">
-            <a:extLst>
-              <a:ext uri="{FF2B5EF4-FFF2-40B4-BE49-F238E27FC236}">
-                <a16:creationId xmlns:a16="http://schemas.microsoft.com/office/drawing/2014/main" id="{289E41D8-D3E3-4E9D-A797-761377178B0E}"/>
+          <p:cNvPr id="61" name="Grafik 60">
+            <a:extLst>
+              <a:ext uri="{FF2B5EF4-FFF2-40B4-BE49-F238E27FC236}">
+                <a16:creationId xmlns:a16="http://schemas.microsoft.com/office/drawing/2014/main" id="{79FC4E71-F5CD-485A-B30C-A4540D88E3D9}"/>
               </a:ext>
             </a:extLst>
           </p:cNvPr>
@@ -7741,8 +8178,8 @@
         </p:blipFill>
         <p:spPr>
           <a:xfrm>
-            <a:off x="1572188" y="94993"/>
-            <a:ext cx="469898" cy="375918"/>
+            <a:off x="2825138" y="94992"/>
+            <a:ext cx="281939" cy="375918"/>
           </a:xfrm>
           <a:prstGeom prst="rect">
             <a:avLst/>
@@ -7751,10 +8188,10 @@
       </p:pic>
       <p:sp>
         <p:nvSpPr>
-          <p:cNvPr id="55" name="Textfeld 54">
-            <a:extLst>
-              <a:ext uri="{FF2B5EF4-FFF2-40B4-BE49-F238E27FC236}">
-                <a16:creationId xmlns:a16="http://schemas.microsoft.com/office/drawing/2014/main" id="{2317A55D-D9DD-4830-8A09-37CAD1EDA61B}"/>
+          <p:cNvPr id="63" name="Textfeld 62">
+            <a:extLst>
+              <a:ext uri="{FF2B5EF4-FFF2-40B4-BE49-F238E27FC236}">
+                <a16:creationId xmlns:a16="http://schemas.microsoft.com/office/drawing/2014/main" id="{B26E0123-A8CC-449C-9D3F-517E78E51C1B}"/>
               </a:ext>
             </a:extLst>
           </p:cNvPr>
@@ -7763,8 +8200,8 @@
         </p:nvSpPr>
         <p:spPr>
           <a:xfrm>
-            <a:off x="1543663" y="498781"/>
-            <a:ext cx="671884" cy="253916"/>
+            <a:off x="2694648" y="484958"/>
+            <a:ext cx="728821" cy="253916"/>
           </a:xfrm>
           <a:prstGeom prst="rect">
             <a:avLst/>
@@ -7779,61 +8216,22 @@
           <a:p>
             <a:r>
               <a:rPr lang="de-CH" sz="750" dirty="0"/>
-              <a:t>Mieter</a:t>
+              <a:t>Rechnungen</a:t>
             </a:r>
             <a:br>
               <a:rPr lang="de-CH" sz="750" dirty="0"/>
             </a:br>
             <a:r>
               <a:rPr lang="de-CH" sz="300" dirty="0"/>
-              <a:t>user-tag</a:t>
-            </a:r>
-            <a:endParaRPr lang="de-CH" sz="750" dirty="0"/>
-          </a:p>
-        </p:txBody>
-      </p:sp>
-      <p:sp>
-        <p:nvSpPr>
-          <p:cNvPr id="59" name="Textfeld 58">
-            <a:extLst>
-              <a:ext uri="{FF2B5EF4-FFF2-40B4-BE49-F238E27FC236}">
-                <a16:creationId xmlns:a16="http://schemas.microsoft.com/office/drawing/2014/main" id="{92793BA4-155D-4539-875A-1E95B14D39B4}"/>
-              </a:ext>
-            </a:extLst>
-          </p:cNvPr>
-          <p:cNvSpPr txBox="1"/>
-          <p:nvPr/>
-        </p:nvSpPr>
-        <p:spPr>
-          <a:xfrm>
-            <a:off x="2802066" y="484959"/>
-            <a:ext cx="728821" cy="265457"/>
-          </a:xfrm>
-          <a:prstGeom prst="rect">
-            <a:avLst/>
-          </a:prstGeom>
-          <a:noFill/>
-        </p:spPr>
-        <p:txBody>
-          <a:bodyPr wrap="square" rtlCol="0">
-            <a:spAutoFit/>
-          </a:bodyPr>
-          <a:lstStyle/>
-          <a:p>
-            <a:r>
-              <a:rPr lang="de-CH" sz="750" dirty="0"/>
-              <a:t>Mietverträge</a:t>
-            </a:r>
-            <a:br>
-              <a:rPr lang="de-CH" sz="750" dirty="0"/>
-            </a:br>
-            <a:r>
-              <a:rPr lang="de-CH" sz="375" dirty="0"/>
               <a:t>file-</a:t>
             </a:r>
             <a:r>
-              <a:rPr lang="de-CH" sz="375" dirty="0" err="1"/>
-              <a:t>contract</a:t>
+              <a:rPr lang="de-CH" sz="300" dirty="0" err="1"/>
+              <a:t>invoice</a:t>
+            </a:r>
+            <a:r>
+              <a:rPr lang="de-CH" sz="300" dirty="0"/>
+              <a:t>-dollar</a:t>
             </a:r>
             <a:endParaRPr lang="de-CH" sz="750" dirty="0"/>
           </a:p>
@@ -7841,10 +8239,10 @@
       </p:sp>
       <p:pic>
         <p:nvPicPr>
-          <p:cNvPr id="61" name="Grafik 60">
-            <a:extLst>
-              <a:ext uri="{FF2B5EF4-FFF2-40B4-BE49-F238E27FC236}">
-                <a16:creationId xmlns:a16="http://schemas.microsoft.com/office/drawing/2014/main" id="{79FC4E71-F5CD-485A-B30C-A4540D88E3D9}"/>
+          <p:cNvPr id="64" name="Grafik 63">
+            <a:extLst>
+              <a:ext uri="{FF2B5EF4-FFF2-40B4-BE49-F238E27FC236}">
+                <a16:creationId xmlns:a16="http://schemas.microsoft.com/office/drawing/2014/main" id="{AA13D996-4153-4BCE-9835-D6DD9F6B1CF8}"/>
               </a:ext>
             </a:extLst>
           </p:cNvPr>
@@ -7870,8 +8268,8 @@
         </p:blipFill>
         <p:spPr>
           <a:xfrm>
-            <a:off x="3633350" y="94992"/>
-            <a:ext cx="281939" cy="375918"/>
+            <a:off x="1490114" y="67926"/>
+            <a:ext cx="364904" cy="417032"/>
           </a:xfrm>
           <a:prstGeom prst="rect">
             <a:avLst/>
@@ -7880,10 +8278,10 @@
       </p:pic>
       <p:sp>
         <p:nvSpPr>
-          <p:cNvPr id="63" name="Textfeld 62">
-            <a:extLst>
-              <a:ext uri="{FF2B5EF4-FFF2-40B4-BE49-F238E27FC236}">
-                <a16:creationId xmlns:a16="http://schemas.microsoft.com/office/drawing/2014/main" id="{B26E0123-A8CC-449C-9D3F-517E78E51C1B}"/>
+          <p:cNvPr id="67" name="Textfeld 66">
+            <a:extLst>
+              <a:ext uri="{FF2B5EF4-FFF2-40B4-BE49-F238E27FC236}">
+                <a16:creationId xmlns:a16="http://schemas.microsoft.com/office/drawing/2014/main" id="{1646446C-DA17-4834-9095-EEAA27F86A8E}"/>
               </a:ext>
             </a:extLst>
           </p:cNvPr>
@@ -7892,8 +8290,8 @@
         </p:nvSpPr>
         <p:spPr>
           <a:xfrm>
-            <a:off x="3502860" y="484958"/>
-            <a:ext cx="728821" cy="253916"/>
+            <a:off x="1308156" y="484275"/>
+            <a:ext cx="728821" cy="265457"/>
           </a:xfrm>
           <a:prstGeom prst="rect">
             <a:avLst/>
@@ -7908,22 +8306,69 @@
           <a:p>
             <a:r>
               <a:rPr lang="de-CH" sz="750" dirty="0"/>
-              <a:t>Rechnungen</a:t>
+              <a:t>Kreditoren</a:t>
             </a:r>
             <a:br>
               <a:rPr lang="de-CH" sz="750" dirty="0"/>
             </a:br>
             <a:r>
+              <a:rPr lang="de-CH" sz="375" dirty="0"/>
+              <a:t>user-</a:t>
+            </a:r>
+            <a:r>
+              <a:rPr lang="de-CH" sz="375" dirty="0" err="1"/>
+              <a:t>tie</a:t>
+            </a:r>
+            <a:endParaRPr lang="de-CH" sz="750" dirty="0"/>
+          </a:p>
+        </p:txBody>
+      </p:sp>
+      <p:sp>
+        <p:nvSpPr>
+          <p:cNvPr id="69" name="Textfeld 68">
+            <a:extLst>
+              <a:ext uri="{FF2B5EF4-FFF2-40B4-BE49-F238E27FC236}">
+                <a16:creationId xmlns:a16="http://schemas.microsoft.com/office/drawing/2014/main" id="{2546AF14-8444-406F-8A27-35646FAF939B}"/>
+              </a:ext>
+            </a:extLst>
+          </p:cNvPr>
+          <p:cNvSpPr txBox="1"/>
+          <p:nvPr/>
+        </p:nvSpPr>
+        <p:spPr>
+          <a:xfrm>
+            <a:off x="3455292" y="484957"/>
+            <a:ext cx="601337" cy="253916"/>
+          </a:xfrm>
+          <a:prstGeom prst="rect">
+            <a:avLst/>
+          </a:prstGeom>
+          <a:noFill/>
+        </p:spPr>
+        <p:txBody>
+          <a:bodyPr wrap="square" rtlCol="0">
+            <a:spAutoFit/>
+          </a:bodyPr>
+          <a:lstStyle/>
+          <a:p>
+            <a:r>
+              <a:rPr lang="de-CH" sz="750" dirty="0"/>
+              <a:t>Konten</a:t>
+            </a:r>
+            <a:br>
+              <a:rPr lang="de-CH" sz="750" dirty="0"/>
+            </a:br>
+            <a:r>
               <a:rPr lang="de-CH" sz="300" dirty="0"/>
-              <a:t>file-</a:t>
+              <a:t> </a:t>
             </a:r>
             <a:r>
               <a:rPr lang="de-CH" sz="300" dirty="0" err="1"/>
-              <a:t>invoice</a:t>
+              <a:t>money</a:t>
             </a:r>
             <a:r>
               <a:rPr lang="de-CH" sz="300" dirty="0"/>
-              <a:t>-dollar</a:t>
+              <a:t>-check-alt</a:t>
             </a:r>
             <a:endParaRPr lang="de-CH" sz="750" dirty="0"/>
           </a:p>
@@ -7931,10 +8376,10 @@
       </p:sp>
       <p:pic>
         <p:nvPicPr>
-          <p:cNvPr id="64" name="Grafik 63">
-            <a:extLst>
-              <a:ext uri="{FF2B5EF4-FFF2-40B4-BE49-F238E27FC236}">
-                <a16:creationId xmlns:a16="http://schemas.microsoft.com/office/drawing/2014/main" id="{AA13D996-4153-4BCE-9835-D6DD9F6B1CF8}"/>
+          <p:cNvPr id="72" name="Grafik 71">
+            <a:extLst>
+              <a:ext uri="{FF2B5EF4-FFF2-40B4-BE49-F238E27FC236}">
+                <a16:creationId xmlns:a16="http://schemas.microsoft.com/office/drawing/2014/main" id="{A3112009-E04C-4C6F-B0EA-10F2522089AB}"/>
               </a:ext>
             </a:extLst>
           </p:cNvPr>
@@ -7960,144 +8405,7 @@
         </p:blipFill>
         <p:spPr>
           <a:xfrm>
-            <a:off x="2298326" y="67926"/>
-            <a:ext cx="364904" cy="417032"/>
-          </a:xfrm>
-          <a:prstGeom prst="rect">
-            <a:avLst/>
-          </a:prstGeom>
-        </p:spPr>
-      </p:pic>
-      <p:sp>
-        <p:nvSpPr>
-          <p:cNvPr id="67" name="Textfeld 66">
-            <a:extLst>
-              <a:ext uri="{FF2B5EF4-FFF2-40B4-BE49-F238E27FC236}">
-                <a16:creationId xmlns:a16="http://schemas.microsoft.com/office/drawing/2014/main" id="{1646446C-DA17-4834-9095-EEAA27F86A8E}"/>
-              </a:ext>
-            </a:extLst>
-          </p:cNvPr>
-          <p:cNvSpPr txBox="1"/>
-          <p:nvPr/>
-        </p:nvSpPr>
-        <p:spPr>
-          <a:xfrm>
-            <a:off x="2116368" y="484275"/>
-            <a:ext cx="728821" cy="265457"/>
-          </a:xfrm>
-          <a:prstGeom prst="rect">
-            <a:avLst/>
-          </a:prstGeom>
-          <a:noFill/>
-        </p:spPr>
-        <p:txBody>
-          <a:bodyPr wrap="square" rtlCol="0">
-            <a:spAutoFit/>
-          </a:bodyPr>
-          <a:lstStyle/>
-          <a:p>
-            <a:r>
-              <a:rPr lang="de-CH" sz="750" dirty="0"/>
-              <a:t>Kreditoren</a:t>
-            </a:r>
-            <a:br>
-              <a:rPr lang="de-CH" sz="750" dirty="0"/>
-            </a:br>
-            <a:r>
-              <a:rPr lang="de-CH" sz="375" dirty="0"/>
-              <a:t>user-</a:t>
-            </a:r>
-            <a:r>
-              <a:rPr lang="de-CH" sz="375" dirty="0" err="1"/>
-              <a:t>tie</a:t>
-            </a:r>
-            <a:endParaRPr lang="de-CH" sz="750" dirty="0"/>
-          </a:p>
-        </p:txBody>
-      </p:sp>
-      <p:sp>
-        <p:nvSpPr>
-          <p:cNvPr id="69" name="Textfeld 68">
-            <a:extLst>
-              <a:ext uri="{FF2B5EF4-FFF2-40B4-BE49-F238E27FC236}">
-                <a16:creationId xmlns:a16="http://schemas.microsoft.com/office/drawing/2014/main" id="{2546AF14-8444-406F-8A27-35646FAF939B}"/>
-              </a:ext>
-            </a:extLst>
-          </p:cNvPr>
-          <p:cNvSpPr txBox="1"/>
-          <p:nvPr/>
-        </p:nvSpPr>
-        <p:spPr>
-          <a:xfrm>
-            <a:off x="4263504" y="484957"/>
-            <a:ext cx="601337" cy="253916"/>
-          </a:xfrm>
-          <a:prstGeom prst="rect">
-            <a:avLst/>
-          </a:prstGeom>
-          <a:noFill/>
-        </p:spPr>
-        <p:txBody>
-          <a:bodyPr wrap="square" rtlCol="0">
-            <a:spAutoFit/>
-          </a:bodyPr>
-          <a:lstStyle/>
-          <a:p>
-            <a:r>
-              <a:rPr lang="de-CH" sz="750" dirty="0"/>
-              <a:t>Konten</a:t>
-            </a:r>
-            <a:br>
-              <a:rPr lang="de-CH" sz="750" dirty="0"/>
-            </a:br>
-            <a:r>
-              <a:rPr lang="de-CH" sz="300" dirty="0"/>
-              <a:t> </a:t>
-            </a:r>
-            <a:r>
-              <a:rPr lang="de-CH" sz="300" dirty="0" err="1"/>
-              <a:t>money</a:t>
-            </a:r>
-            <a:r>
-              <a:rPr lang="de-CH" sz="300" dirty="0"/>
-              <a:t>-check-alt</a:t>
-            </a:r>
-            <a:endParaRPr lang="de-CH" sz="750" dirty="0"/>
-          </a:p>
-        </p:txBody>
-      </p:sp>
-      <p:pic>
-        <p:nvPicPr>
-          <p:cNvPr id="72" name="Grafik 71">
-            <a:extLst>
-              <a:ext uri="{FF2B5EF4-FFF2-40B4-BE49-F238E27FC236}">
-                <a16:creationId xmlns:a16="http://schemas.microsoft.com/office/drawing/2014/main" id="{A3112009-E04C-4C6F-B0EA-10F2522089AB}"/>
-              </a:ext>
-            </a:extLst>
-          </p:cNvPr>
-          <p:cNvPicPr>
-            <a:picLocks noChangeAspect="1"/>
-          </p:cNvPicPr>
-          <p:nvPr/>
-        </p:nvPicPr>
-        <p:blipFill>
-          <a:blip r:embed="rId16">
-            <a:extLst>
-              <a:ext uri="{28A0092B-C50C-407E-A947-70E740481C1C}">
-                <a14:useLocalDpi xmlns:a14="http://schemas.microsoft.com/office/drawing/2010/main" val="0"/>
-              </a:ext>
-              <a:ext uri="{96DAC541-7B7A-43D3-8B79-37D633B846F1}">
-                <asvg:svgBlip xmlns:asvg="http://schemas.microsoft.com/office/drawing/2016/SVG/main" r:embed="rId17"/>
-              </a:ext>
-            </a:extLst>
-          </a:blip>
-          <a:stretch>
-            <a:fillRect/>
-          </a:stretch>
-        </p:blipFill>
-        <p:spPr>
-          <a:xfrm>
-            <a:off x="4340413" y="94993"/>
+            <a:off x="3532201" y="94993"/>
             <a:ext cx="430010" cy="344008"/>
           </a:xfrm>
           <a:prstGeom prst="rect">
@@ -8542,11 +8850,6 @@
               <a:rPr lang="de-DE" sz="1350" dirty="0"/>
               <a:t> </a:t>
             </a:r>
-            <a:r>
-              <a:rPr lang="de-DE" sz="1350" dirty="0" err="1"/>
-              <a:t>mietverträge</a:t>
-            </a:r>
-            <a:endParaRPr lang="de-DE" sz="1350" dirty="0"/>
           </a:p>
         </p:txBody>
       </p:sp>
@@ -8770,10 +9073,6 @@
           <a:p>
             <a:pPr algn="ctr"/>
             <a:r>
-              <a:rPr lang="de-DE" sz="1350" dirty="0" err="1"/>
-              <a:t>mietverträge</a:t>
-            </a:r>
-            <a:r>
               <a:rPr lang="de-DE" sz="1350" dirty="0"/>
               <a:t> </a:t>
             </a:r>
@@ -9000,10 +9299,6 @@
           <a:p>
             <a:pPr algn="ctr"/>
             <a:r>
-              <a:rPr lang="de-DE" sz="1350" dirty="0" err="1"/>
-              <a:t>mietverträge</a:t>
-            </a:r>
-            <a:r>
               <a:rPr lang="de-DE" sz="1350" dirty="0"/>
               <a:t> </a:t>
             </a:r>
@@ -9230,10 +9525,6 @@
           <a:p>
             <a:pPr algn="ctr"/>
             <a:r>
-              <a:rPr lang="de-DE" sz="1350" dirty="0" err="1"/>
-              <a:t>mietverträge</a:t>
-            </a:r>
-            <a:r>
               <a:rPr lang="de-DE" sz="1350" dirty="0"/>
               <a:t> </a:t>
             </a:r>
@@ -9463,11 +9754,6 @@
               <a:rPr lang="de-DE" sz="1350" dirty="0"/>
               <a:t> </a:t>
             </a:r>
-            <a:r>
-              <a:rPr lang="de-DE" sz="1350" dirty="0" err="1"/>
-              <a:t>mietverträge</a:t>
-            </a:r>
-            <a:endParaRPr lang="de-DE" sz="1350" dirty="0"/>
           </a:p>
         </p:txBody>
       </p:sp>
@@ -9691,10 +9977,6 @@
           <a:p>
             <a:pPr algn="ctr"/>
             <a:r>
-              <a:rPr lang="de-DE" sz="1350" dirty="0" err="1"/>
-              <a:t>mietverträge</a:t>
-            </a:r>
-            <a:r>
               <a:rPr lang="de-DE" sz="1350" dirty="0"/>
               <a:t> </a:t>
             </a:r>
@@ -9921,10 +10203,6 @@
           <a:p>
             <a:pPr algn="ctr"/>
             <a:r>
-              <a:rPr lang="de-DE" sz="1350" dirty="0" err="1"/>
-              <a:t>mietverträge</a:t>
-            </a:r>
-            <a:r>
               <a:rPr lang="de-DE" sz="1350" dirty="0"/>
               <a:t> </a:t>
             </a:r>
@@ -9970,12 +10248,59 @@
           </a:prstGeom>
         </p:spPr>
       </p:pic>
+      <p:sp>
+        <p:nvSpPr>
+          <p:cNvPr id="49" name="Textfeld 48">
+            <a:extLst>
+              <a:ext uri="{FF2B5EF4-FFF2-40B4-BE49-F238E27FC236}">
+                <a16:creationId xmlns:a16="http://schemas.microsoft.com/office/drawing/2014/main" id="{9A619729-E896-4AEF-9963-C7611D83F8C2}"/>
+              </a:ext>
+            </a:extLst>
+          </p:cNvPr>
+          <p:cNvSpPr txBox="1"/>
+          <p:nvPr/>
+        </p:nvSpPr>
+        <p:spPr>
+          <a:xfrm>
+            <a:off x="102713" y="484959"/>
+            <a:ext cx="740156" cy="265457"/>
+          </a:xfrm>
+          <a:prstGeom prst="rect">
+            <a:avLst/>
+          </a:prstGeom>
+          <a:noFill/>
+        </p:spPr>
+        <p:txBody>
+          <a:bodyPr wrap="square" rtlCol="0">
+            <a:spAutoFit/>
+          </a:bodyPr>
+          <a:lstStyle/>
+          <a:p>
+            <a:r>
+              <a:rPr lang="de-CH" sz="750" dirty="0"/>
+              <a:t>Liegenschaft</a:t>
+            </a:r>
+            <a:br>
+              <a:rPr lang="de-CH" sz="750" dirty="0"/>
+            </a:br>
+            <a:r>
+              <a:rPr lang="de-CH" sz="375" dirty="0" err="1"/>
+              <a:t>building</a:t>
+            </a:r>
+            <a:r>
+              <a:rPr lang="de-CH" sz="375" dirty="0"/>
+              <a:t> (fa6)</a:t>
+            </a:r>
+            <a:endParaRPr lang="de-CH" sz="750" dirty="0"/>
+          </a:p>
+        </p:txBody>
+      </p:sp>
       <p:pic>
         <p:nvPicPr>
-          <p:cNvPr id="48" name="Grafik 47">
-            <a:extLst>
-              <a:ext uri="{FF2B5EF4-FFF2-40B4-BE49-F238E27FC236}">
-                <a16:creationId xmlns:a16="http://schemas.microsoft.com/office/drawing/2014/main" id="{9EADBC9C-2B00-4A63-B274-F2876A250301}"/>
+          <p:cNvPr id="51" name="Grafik 50">
+            <a:extLst>
+              <a:ext uri="{FF2B5EF4-FFF2-40B4-BE49-F238E27FC236}">
+                <a16:creationId xmlns:a16="http://schemas.microsoft.com/office/drawing/2014/main" id="{70756D5D-7571-44DC-B81B-FD8158FC7F6C}"/>
               </a:ext>
             </a:extLst>
           </p:cNvPr>
@@ -10001,108 +10326,20 @@
         </p:blipFill>
         <p:spPr>
           <a:xfrm>
-            <a:off x="880379" y="94992"/>
-            <a:ext cx="471031" cy="376825"/>
+            <a:off x="2150697" y="94993"/>
+            <a:ext cx="281939" cy="375918"/>
           </a:xfrm>
           <a:prstGeom prst="rect">
             <a:avLst/>
           </a:prstGeom>
         </p:spPr>
       </p:pic>
-      <p:sp>
-        <p:nvSpPr>
-          <p:cNvPr id="49" name="Textfeld 48">
-            <a:extLst>
-              <a:ext uri="{FF2B5EF4-FFF2-40B4-BE49-F238E27FC236}">
-                <a16:creationId xmlns:a16="http://schemas.microsoft.com/office/drawing/2014/main" id="{9A619729-E896-4AEF-9963-C7611D83F8C2}"/>
-              </a:ext>
-            </a:extLst>
-          </p:cNvPr>
-          <p:cNvSpPr txBox="1"/>
-          <p:nvPr/>
-        </p:nvSpPr>
-        <p:spPr>
-          <a:xfrm>
-            <a:off x="102713" y="484959"/>
-            <a:ext cx="740156" cy="265457"/>
-          </a:xfrm>
-          <a:prstGeom prst="rect">
-            <a:avLst/>
-          </a:prstGeom>
-          <a:noFill/>
-        </p:spPr>
-        <p:txBody>
-          <a:bodyPr wrap="square" rtlCol="0">
-            <a:spAutoFit/>
-          </a:bodyPr>
-          <a:lstStyle/>
-          <a:p>
-            <a:r>
-              <a:rPr lang="de-CH" sz="750" dirty="0"/>
-              <a:t>Liegenschaft</a:t>
-            </a:r>
-            <a:br>
-              <a:rPr lang="de-CH" sz="750" dirty="0"/>
-            </a:br>
-            <a:r>
-              <a:rPr lang="de-CH" sz="375" dirty="0" err="1"/>
-              <a:t>building</a:t>
-            </a:r>
-            <a:r>
-              <a:rPr lang="de-CH" sz="375" dirty="0"/>
-              <a:t> (fa6)</a:t>
-            </a:r>
-            <a:endParaRPr lang="de-CH" sz="750" dirty="0"/>
-          </a:p>
-        </p:txBody>
-      </p:sp>
-      <p:sp>
-        <p:nvSpPr>
-          <p:cNvPr id="50" name="Textfeld 49">
-            <a:extLst>
-              <a:ext uri="{FF2B5EF4-FFF2-40B4-BE49-F238E27FC236}">
-                <a16:creationId xmlns:a16="http://schemas.microsoft.com/office/drawing/2014/main" id="{C4D7CDDD-7F2C-4D86-A48A-DE5DD1675196}"/>
-              </a:ext>
-            </a:extLst>
-          </p:cNvPr>
-          <p:cNvSpPr txBox="1"/>
-          <p:nvPr/>
-        </p:nvSpPr>
-        <p:spPr>
-          <a:xfrm>
-            <a:off x="853080" y="484959"/>
-            <a:ext cx="551747" cy="265457"/>
-          </a:xfrm>
-          <a:prstGeom prst="rect">
-            <a:avLst/>
-          </a:prstGeom>
-          <a:noFill/>
-        </p:spPr>
-        <p:txBody>
-          <a:bodyPr wrap="square" rtlCol="0">
-            <a:spAutoFit/>
-          </a:bodyPr>
-          <a:lstStyle/>
-          <a:p>
-            <a:r>
-              <a:rPr lang="de-CH" sz="750" dirty="0"/>
-              <a:t>Objekte</a:t>
-            </a:r>
-          </a:p>
-          <a:p>
-            <a:r>
-              <a:rPr lang="de-CH" sz="375" dirty="0"/>
-              <a:t>Building-user (fa6)</a:t>
-            </a:r>
-          </a:p>
-        </p:txBody>
-      </p:sp>
       <p:pic>
         <p:nvPicPr>
-          <p:cNvPr id="51" name="Grafik 50">
-            <a:extLst>
-              <a:ext uri="{FF2B5EF4-FFF2-40B4-BE49-F238E27FC236}">
-                <a16:creationId xmlns:a16="http://schemas.microsoft.com/office/drawing/2014/main" id="{70756D5D-7571-44DC-B81B-FD8158FC7F6C}"/>
+          <p:cNvPr id="52" name="Grafik 51">
+            <a:extLst>
+              <a:ext uri="{FF2B5EF4-FFF2-40B4-BE49-F238E27FC236}">
+                <a16:creationId xmlns:a16="http://schemas.microsoft.com/office/drawing/2014/main" id="{4CA5BF02-3014-4567-98A3-72AC9FE17010}"/>
               </a:ext>
             </a:extLst>
           </p:cNvPr>
@@ -10128,20 +10365,110 @@
         </p:blipFill>
         <p:spPr>
           <a:xfrm>
-            <a:off x="2982500" y="94993"/>
-            <a:ext cx="281939" cy="375918"/>
+            <a:off x="740385" y="94993"/>
+            <a:ext cx="469898" cy="375918"/>
           </a:xfrm>
           <a:prstGeom prst="rect">
             <a:avLst/>
           </a:prstGeom>
         </p:spPr>
       </p:pic>
+      <p:sp>
+        <p:nvSpPr>
+          <p:cNvPr id="53" name="Textfeld 52">
+            <a:extLst>
+              <a:ext uri="{FF2B5EF4-FFF2-40B4-BE49-F238E27FC236}">
+                <a16:creationId xmlns:a16="http://schemas.microsoft.com/office/drawing/2014/main" id="{47421006-A801-43A7-9AA9-98728412D9FD}"/>
+              </a:ext>
+            </a:extLst>
+          </p:cNvPr>
+          <p:cNvSpPr txBox="1"/>
+          <p:nvPr/>
+        </p:nvSpPr>
+        <p:spPr>
+          <a:xfrm>
+            <a:off x="711860" y="498781"/>
+            <a:ext cx="671884" cy="253916"/>
+          </a:xfrm>
+          <a:prstGeom prst="rect">
+            <a:avLst/>
+          </a:prstGeom>
+          <a:noFill/>
+        </p:spPr>
+        <p:txBody>
+          <a:bodyPr wrap="square" rtlCol="0">
+            <a:spAutoFit/>
+          </a:bodyPr>
+          <a:lstStyle/>
+          <a:p>
+            <a:r>
+              <a:rPr lang="de-CH" sz="750" dirty="0"/>
+              <a:t>Mieter</a:t>
+            </a:r>
+            <a:br>
+              <a:rPr lang="de-CH" sz="750" dirty="0"/>
+            </a:br>
+            <a:r>
+              <a:rPr lang="de-CH" sz="300" dirty="0"/>
+              <a:t>user-tag</a:t>
+            </a:r>
+            <a:endParaRPr lang="de-CH" sz="750" dirty="0"/>
+          </a:p>
+        </p:txBody>
+      </p:sp>
+      <p:sp>
+        <p:nvSpPr>
+          <p:cNvPr id="54" name="Textfeld 53">
+            <a:extLst>
+              <a:ext uri="{FF2B5EF4-FFF2-40B4-BE49-F238E27FC236}">
+                <a16:creationId xmlns:a16="http://schemas.microsoft.com/office/drawing/2014/main" id="{5DA829F4-A905-4935-8F85-5610E2275AD5}"/>
+              </a:ext>
+            </a:extLst>
+          </p:cNvPr>
+          <p:cNvSpPr txBox="1"/>
+          <p:nvPr/>
+        </p:nvSpPr>
+        <p:spPr>
+          <a:xfrm>
+            <a:off x="1970263" y="484959"/>
+            <a:ext cx="728821" cy="265457"/>
+          </a:xfrm>
+          <a:prstGeom prst="rect">
+            <a:avLst/>
+          </a:prstGeom>
+          <a:noFill/>
+        </p:spPr>
+        <p:txBody>
+          <a:bodyPr wrap="square" rtlCol="0">
+            <a:spAutoFit/>
+          </a:bodyPr>
+          <a:lstStyle/>
+          <a:p>
+            <a:r>
+              <a:rPr lang="de-CH" sz="750" dirty="0"/>
+              <a:t>Mietverträge</a:t>
+            </a:r>
+            <a:br>
+              <a:rPr lang="de-CH" sz="750" dirty="0"/>
+            </a:br>
+            <a:r>
+              <a:rPr lang="de-CH" sz="375" dirty="0"/>
+              <a:t>file-</a:t>
+            </a:r>
+            <a:r>
+              <a:rPr lang="de-CH" sz="375" dirty="0" err="1"/>
+              <a:t>contract</a:t>
+            </a:r>
+            <a:endParaRPr lang="de-CH" sz="750" dirty="0"/>
+          </a:p>
+        </p:txBody>
+      </p:sp>
       <p:pic>
         <p:nvPicPr>
-          <p:cNvPr id="52" name="Grafik 51">
-            <a:extLst>
-              <a:ext uri="{FF2B5EF4-FFF2-40B4-BE49-F238E27FC236}">
-                <a16:creationId xmlns:a16="http://schemas.microsoft.com/office/drawing/2014/main" id="{4CA5BF02-3014-4567-98A3-72AC9FE17010}"/>
+          <p:cNvPr id="55" name="Grafik 54">
+            <a:extLst>
+              <a:ext uri="{FF2B5EF4-FFF2-40B4-BE49-F238E27FC236}">
+                <a16:creationId xmlns:a16="http://schemas.microsoft.com/office/drawing/2014/main" id="{31BE9391-06BA-4379-A2BF-C77CCCB47200}"/>
               </a:ext>
             </a:extLst>
           </p:cNvPr>
@@ -10167,8 +10494,8 @@
         </p:blipFill>
         <p:spPr>
           <a:xfrm>
-            <a:off x="1572188" y="94993"/>
-            <a:ext cx="469898" cy="375918"/>
+            <a:off x="2801547" y="94992"/>
+            <a:ext cx="281939" cy="375918"/>
           </a:xfrm>
           <a:prstGeom prst="rect">
             <a:avLst/>
@@ -10177,10 +10504,10 @@
       </p:pic>
       <p:sp>
         <p:nvSpPr>
-          <p:cNvPr id="53" name="Textfeld 52">
-            <a:extLst>
-              <a:ext uri="{FF2B5EF4-FFF2-40B4-BE49-F238E27FC236}">
-                <a16:creationId xmlns:a16="http://schemas.microsoft.com/office/drawing/2014/main" id="{47421006-A801-43A7-9AA9-98728412D9FD}"/>
+          <p:cNvPr id="59" name="Textfeld 58">
+            <a:extLst>
+              <a:ext uri="{FF2B5EF4-FFF2-40B4-BE49-F238E27FC236}">
+                <a16:creationId xmlns:a16="http://schemas.microsoft.com/office/drawing/2014/main" id="{DF08F27E-1BC4-44B0-9D9A-8896DCBA22C4}"/>
               </a:ext>
             </a:extLst>
           </p:cNvPr>
@@ -10189,8 +10516,8 @@
         </p:nvSpPr>
         <p:spPr>
           <a:xfrm>
-            <a:off x="1543663" y="498781"/>
-            <a:ext cx="671884" cy="253916"/>
+            <a:off x="2671057" y="484958"/>
+            <a:ext cx="728821" cy="253916"/>
           </a:xfrm>
           <a:prstGeom prst="rect">
             <a:avLst/>
@@ -10205,61 +10532,22 @@
           <a:p>
             <a:r>
               <a:rPr lang="de-CH" sz="750" dirty="0"/>
-              <a:t>Mieter</a:t>
+              <a:t>Rechnungen</a:t>
             </a:r>
             <a:br>
               <a:rPr lang="de-CH" sz="750" dirty="0"/>
             </a:br>
             <a:r>
               <a:rPr lang="de-CH" sz="300" dirty="0"/>
-              <a:t>user-tag</a:t>
-            </a:r>
-            <a:endParaRPr lang="de-CH" sz="750" dirty="0"/>
-          </a:p>
-        </p:txBody>
-      </p:sp>
-      <p:sp>
-        <p:nvSpPr>
-          <p:cNvPr id="54" name="Textfeld 53">
-            <a:extLst>
-              <a:ext uri="{FF2B5EF4-FFF2-40B4-BE49-F238E27FC236}">
-                <a16:creationId xmlns:a16="http://schemas.microsoft.com/office/drawing/2014/main" id="{5DA829F4-A905-4935-8F85-5610E2275AD5}"/>
-              </a:ext>
-            </a:extLst>
-          </p:cNvPr>
-          <p:cNvSpPr txBox="1"/>
-          <p:nvPr/>
-        </p:nvSpPr>
-        <p:spPr>
-          <a:xfrm>
-            <a:off x="2802066" y="484959"/>
-            <a:ext cx="728821" cy="265457"/>
-          </a:xfrm>
-          <a:prstGeom prst="rect">
-            <a:avLst/>
-          </a:prstGeom>
-          <a:noFill/>
-        </p:spPr>
-        <p:txBody>
-          <a:bodyPr wrap="square" rtlCol="0">
-            <a:spAutoFit/>
-          </a:bodyPr>
-          <a:lstStyle/>
-          <a:p>
-            <a:r>
-              <a:rPr lang="de-CH" sz="750" dirty="0"/>
-              <a:t>Mietverträge</a:t>
-            </a:r>
-            <a:br>
-              <a:rPr lang="de-CH" sz="750" dirty="0"/>
-            </a:br>
-            <a:r>
-              <a:rPr lang="de-CH" sz="375" dirty="0"/>
               <a:t>file-</a:t>
             </a:r>
             <a:r>
-              <a:rPr lang="de-CH" sz="375" dirty="0" err="1"/>
-              <a:t>contract</a:t>
+              <a:rPr lang="de-CH" sz="300" dirty="0" err="1"/>
+              <a:t>invoice</a:t>
+            </a:r>
+            <a:r>
+              <a:rPr lang="de-CH" sz="300" dirty="0"/>
+              <a:t>-dollar</a:t>
             </a:r>
             <a:endParaRPr lang="de-CH" sz="750" dirty="0"/>
           </a:p>
@@ -10267,10 +10555,10 @@
       </p:sp>
       <p:pic>
         <p:nvPicPr>
-          <p:cNvPr id="55" name="Grafik 54">
-            <a:extLst>
-              <a:ext uri="{FF2B5EF4-FFF2-40B4-BE49-F238E27FC236}">
-                <a16:creationId xmlns:a16="http://schemas.microsoft.com/office/drawing/2014/main" id="{31BE9391-06BA-4379-A2BF-C77CCCB47200}"/>
+          <p:cNvPr id="61" name="Grafik 60">
+            <a:extLst>
+              <a:ext uri="{FF2B5EF4-FFF2-40B4-BE49-F238E27FC236}">
+                <a16:creationId xmlns:a16="http://schemas.microsoft.com/office/drawing/2014/main" id="{109E75F7-6A2E-4D79-96E6-0173A98CB36B}"/>
               </a:ext>
             </a:extLst>
           </p:cNvPr>
@@ -10296,8 +10584,8 @@
         </p:blipFill>
         <p:spPr>
           <a:xfrm>
-            <a:off x="3633350" y="94992"/>
-            <a:ext cx="281939" cy="375918"/>
+            <a:off x="1466523" y="67926"/>
+            <a:ext cx="364904" cy="417032"/>
           </a:xfrm>
           <a:prstGeom prst="rect">
             <a:avLst/>
@@ -10306,10 +10594,10 @@
       </p:pic>
       <p:sp>
         <p:nvSpPr>
-          <p:cNvPr id="59" name="Textfeld 58">
-            <a:extLst>
-              <a:ext uri="{FF2B5EF4-FFF2-40B4-BE49-F238E27FC236}">
-                <a16:creationId xmlns:a16="http://schemas.microsoft.com/office/drawing/2014/main" id="{DF08F27E-1BC4-44B0-9D9A-8896DCBA22C4}"/>
+          <p:cNvPr id="63" name="Textfeld 62">
+            <a:extLst>
+              <a:ext uri="{FF2B5EF4-FFF2-40B4-BE49-F238E27FC236}">
+                <a16:creationId xmlns:a16="http://schemas.microsoft.com/office/drawing/2014/main" id="{9E5D18D5-B763-4F0B-BB29-27E78AB1EC71}"/>
               </a:ext>
             </a:extLst>
           </p:cNvPr>
@@ -10318,8 +10606,8 @@
         </p:nvSpPr>
         <p:spPr>
           <a:xfrm>
-            <a:off x="3502860" y="484958"/>
-            <a:ext cx="728821" cy="253916"/>
+            <a:off x="1284565" y="484275"/>
+            <a:ext cx="728821" cy="265457"/>
           </a:xfrm>
           <a:prstGeom prst="rect">
             <a:avLst/>
@@ -10334,22 +10622,69 @@
           <a:p>
             <a:r>
               <a:rPr lang="de-CH" sz="750" dirty="0"/>
-              <a:t>Rechnungen</a:t>
+              <a:t>Kreditoren</a:t>
             </a:r>
             <a:br>
               <a:rPr lang="de-CH" sz="750" dirty="0"/>
             </a:br>
             <a:r>
+              <a:rPr lang="de-CH" sz="375" dirty="0"/>
+              <a:t>user-</a:t>
+            </a:r>
+            <a:r>
+              <a:rPr lang="de-CH" sz="375" dirty="0" err="1"/>
+              <a:t>tie</a:t>
+            </a:r>
+            <a:endParaRPr lang="de-CH" sz="750" dirty="0"/>
+          </a:p>
+        </p:txBody>
+      </p:sp>
+      <p:sp>
+        <p:nvSpPr>
+          <p:cNvPr id="67" name="Textfeld 66">
+            <a:extLst>
+              <a:ext uri="{FF2B5EF4-FFF2-40B4-BE49-F238E27FC236}">
+                <a16:creationId xmlns:a16="http://schemas.microsoft.com/office/drawing/2014/main" id="{587CA191-A260-452C-8A88-60190034BD61}"/>
+              </a:ext>
+            </a:extLst>
+          </p:cNvPr>
+          <p:cNvSpPr txBox="1"/>
+          <p:nvPr/>
+        </p:nvSpPr>
+        <p:spPr>
+          <a:xfrm>
+            <a:off x="3431701" y="484957"/>
+            <a:ext cx="601337" cy="253916"/>
+          </a:xfrm>
+          <a:prstGeom prst="rect">
+            <a:avLst/>
+          </a:prstGeom>
+          <a:noFill/>
+        </p:spPr>
+        <p:txBody>
+          <a:bodyPr wrap="square" rtlCol="0">
+            <a:spAutoFit/>
+          </a:bodyPr>
+          <a:lstStyle/>
+          <a:p>
+            <a:r>
+              <a:rPr lang="de-CH" sz="750" dirty="0"/>
+              <a:t>Konten</a:t>
+            </a:r>
+            <a:br>
+              <a:rPr lang="de-CH" sz="750" dirty="0"/>
+            </a:br>
+            <a:r>
               <a:rPr lang="de-CH" sz="300" dirty="0"/>
-              <a:t>file-</a:t>
+              <a:t> </a:t>
             </a:r>
             <a:r>
               <a:rPr lang="de-CH" sz="300" dirty="0" err="1"/>
-              <a:t>invoice</a:t>
+              <a:t>money</a:t>
             </a:r>
             <a:r>
               <a:rPr lang="de-CH" sz="300" dirty="0"/>
-              <a:t>-dollar</a:t>
+              <a:t>-check-alt</a:t>
             </a:r>
             <a:endParaRPr lang="de-CH" sz="750" dirty="0"/>
           </a:p>
@@ -10357,10 +10692,10 @@
       </p:sp>
       <p:pic>
         <p:nvPicPr>
-          <p:cNvPr id="61" name="Grafik 60">
-            <a:extLst>
-              <a:ext uri="{FF2B5EF4-FFF2-40B4-BE49-F238E27FC236}">
-                <a16:creationId xmlns:a16="http://schemas.microsoft.com/office/drawing/2014/main" id="{109E75F7-6A2E-4D79-96E6-0173A98CB36B}"/>
+          <p:cNvPr id="69" name="Grafik 68">
+            <a:extLst>
+              <a:ext uri="{FF2B5EF4-FFF2-40B4-BE49-F238E27FC236}">
+                <a16:creationId xmlns:a16="http://schemas.microsoft.com/office/drawing/2014/main" id="{A0B26C23-207D-4AAD-8EF1-3718B09C3D8B}"/>
               </a:ext>
             </a:extLst>
           </p:cNvPr>
@@ -10386,144 +10721,7 @@
         </p:blipFill>
         <p:spPr>
           <a:xfrm>
-            <a:off x="2298326" y="67926"/>
-            <a:ext cx="364904" cy="417032"/>
-          </a:xfrm>
-          <a:prstGeom prst="rect">
-            <a:avLst/>
-          </a:prstGeom>
-        </p:spPr>
-      </p:pic>
-      <p:sp>
-        <p:nvSpPr>
-          <p:cNvPr id="63" name="Textfeld 62">
-            <a:extLst>
-              <a:ext uri="{FF2B5EF4-FFF2-40B4-BE49-F238E27FC236}">
-                <a16:creationId xmlns:a16="http://schemas.microsoft.com/office/drawing/2014/main" id="{9E5D18D5-B763-4F0B-BB29-27E78AB1EC71}"/>
-              </a:ext>
-            </a:extLst>
-          </p:cNvPr>
-          <p:cNvSpPr txBox="1"/>
-          <p:nvPr/>
-        </p:nvSpPr>
-        <p:spPr>
-          <a:xfrm>
-            <a:off x="2116368" y="484275"/>
-            <a:ext cx="728821" cy="265457"/>
-          </a:xfrm>
-          <a:prstGeom prst="rect">
-            <a:avLst/>
-          </a:prstGeom>
-          <a:noFill/>
-        </p:spPr>
-        <p:txBody>
-          <a:bodyPr wrap="square" rtlCol="0">
-            <a:spAutoFit/>
-          </a:bodyPr>
-          <a:lstStyle/>
-          <a:p>
-            <a:r>
-              <a:rPr lang="de-CH" sz="750" dirty="0"/>
-              <a:t>Kreditoren</a:t>
-            </a:r>
-            <a:br>
-              <a:rPr lang="de-CH" sz="750" dirty="0"/>
-            </a:br>
-            <a:r>
-              <a:rPr lang="de-CH" sz="375" dirty="0"/>
-              <a:t>user-</a:t>
-            </a:r>
-            <a:r>
-              <a:rPr lang="de-CH" sz="375" dirty="0" err="1"/>
-              <a:t>tie</a:t>
-            </a:r>
-            <a:endParaRPr lang="de-CH" sz="750" dirty="0"/>
-          </a:p>
-        </p:txBody>
-      </p:sp>
-      <p:sp>
-        <p:nvSpPr>
-          <p:cNvPr id="67" name="Textfeld 66">
-            <a:extLst>
-              <a:ext uri="{FF2B5EF4-FFF2-40B4-BE49-F238E27FC236}">
-                <a16:creationId xmlns:a16="http://schemas.microsoft.com/office/drawing/2014/main" id="{587CA191-A260-452C-8A88-60190034BD61}"/>
-              </a:ext>
-            </a:extLst>
-          </p:cNvPr>
-          <p:cNvSpPr txBox="1"/>
-          <p:nvPr/>
-        </p:nvSpPr>
-        <p:spPr>
-          <a:xfrm>
-            <a:off x="4263504" y="484957"/>
-            <a:ext cx="601337" cy="253916"/>
-          </a:xfrm>
-          <a:prstGeom prst="rect">
-            <a:avLst/>
-          </a:prstGeom>
-          <a:noFill/>
-        </p:spPr>
-        <p:txBody>
-          <a:bodyPr wrap="square" rtlCol="0">
-            <a:spAutoFit/>
-          </a:bodyPr>
-          <a:lstStyle/>
-          <a:p>
-            <a:r>
-              <a:rPr lang="de-CH" sz="750" dirty="0"/>
-              <a:t>Konten</a:t>
-            </a:r>
-            <a:br>
-              <a:rPr lang="de-CH" sz="750" dirty="0"/>
-            </a:br>
-            <a:r>
-              <a:rPr lang="de-CH" sz="300" dirty="0"/>
-              <a:t> </a:t>
-            </a:r>
-            <a:r>
-              <a:rPr lang="de-CH" sz="300" dirty="0" err="1"/>
-              <a:t>money</a:t>
-            </a:r>
-            <a:r>
-              <a:rPr lang="de-CH" sz="300" dirty="0"/>
-              <a:t>-check-alt</a:t>
-            </a:r>
-            <a:endParaRPr lang="de-CH" sz="750" dirty="0"/>
-          </a:p>
-        </p:txBody>
-      </p:sp>
-      <p:pic>
-        <p:nvPicPr>
-          <p:cNvPr id="69" name="Grafik 68">
-            <a:extLst>
-              <a:ext uri="{FF2B5EF4-FFF2-40B4-BE49-F238E27FC236}">
-                <a16:creationId xmlns:a16="http://schemas.microsoft.com/office/drawing/2014/main" id="{A0B26C23-207D-4AAD-8EF1-3718B09C3D8B}"/>
-              </a:ext>
-            </a:extLst>
-          </p:cNvPr>
-          <p:cNvPicPr>
-            <a:picLocks noChangeAspect="1"/>
-          </p:cNvPicPr>
-          <p:nvPr/>
-        </p:nvPicPr>
-        <p:blipFill>
-          <a:blip r:embed="rId16">
-            <a:extLst>
-              <a:ext uri="{28A0092B-C50C-407E-A947-70E740481C1C}">
-                <a14:useLocalDpi xmlns:a14="http://schemas.microsoft.com/office/drawing/2010/main" val="0"/>
-              </a:ext>
-              <a:ext uri="{96DAC541-7B7A-43D3-8B79-37D633B846F1}">
-                <asvg:svgBlip xmlns:asvg="http://schemas.microsoft.com/office/drawing/2016/SVG/main" r:embed="rId17"/>
-              </a:ext>
-            </a:extLst>
-          </a:blip>
-          <a:stretch>
-            <a:fillRect/>
-          </a:stretch>
-        </p:blipFill>
-        <p:spPr>
-          <a:xfrm>
-            <a:off x="4340413" y="94993"/>
+            <a:off x="3508610" y="94993"/>
             <a:ext cx="430010" cy="344008"/>
           </a:xfrm>
           <a:prstGeom prst="rect">
@@ -10845,12 +11043,59 @@
           </a:prstGeom>
         </p:spPr>
       </p:pic>
+      <p:sp>
+        <p:nvSpPr>
+          <p:cNvPr id="57" name="Textfeld 56">
+            <a:extLst>
+              <a:ext uri="{FF2B5EF4-FFF2-40B4-BE49-F238E27FC236}">
+                <a16:creationId xmlns:a16="http://schemas.microsoft.com/office/drawing/2014/main" id="{4B2952E7-70FC-44FE-A94C-81EF62FF2DFC}"/>
+              </a:ext>
+            </a:extLst>
+          </p:cNvPr>
+          <p:cNvSpPr txBox="1"/>
+          <p:nvPr/>
+        </p:nvSpPr>
+        <p:spPr>
+          <a:xfrm>
+            <a:off x="102713" y="484959"/>
+            <a:ext cx="740156" cy="265457"/>
+          </a:xfrm>
+          <a:prstGeom prst="rect">
+            <a:avLst/>
+          </a:prstGeom>
+          <a:noFill/>
+        </p:spPr>
+        <p:txBody>
+          <a:bodyPr wrap="square" rtlCol="0">
+            <a:spAutoFit/>
+          </a:bodyPr>
+          <a:lstStyle/>
+          <a:p>
+            <a:r>
+              <a:rPr lang="de-CH" sz="750" dirty="0"/>
+              <a:t>Liegenschaft</a:t>
+            </a:r>
+            <a:br>
+              <a:rPr lang="de-CH" sz="750" dirty="0"/>
+            </a:br>
+            <a:r>
+              <a:rPr lang="de-CH" sz="375" dirty="0" err="1"/>
+              <a:t>building</a:t>
+            </a:r>
+            <a:r>
+              <a:rPr lang="de-CH" sz="375" dirty="0"/>
+              <a:t> (fa6)</a:t>
+            </a:r>
+            <a:endParaRPr lang="de-CH" sz="750" dirty="0"/>
+          </a:p>
+        </p:txBody>
+      </p:sp>
       <p:pic>
         <p:nvPicPr>
-          <p:cNvPr id="56" name="Grafik 55">
-            <a:extLst>
-              <a:ext uri="{FF2B5EF4-FFF2-40B4-BE49-F238E27FC236}">
-                <a16:creationId xmlns:a16="http://schemas.microsoft.com/office/drawing/2014/main" id="{EF1D948D-7334-4D62-A912-3CBCC5F7FE1B}"/>
+          <p:cNvPr id="60" name="Grafik 59">
+            <a:extLst>
+              <a:ext uri="{FF2B5EF4-FFF2-40B4-BE49-F238E27FC236}">
+                <a16:creationId xmlns:a16="http://schemas.microsoft.com/office/drawing/2014/main" id="{DF053CFD-830D-482C-9C41-3DABBFC37B46}"/>
               </a:ext>
             </a:extLst>
           </p:cNvPr>
@@ -10876,108 +11121,20 @@
         </p:blipFill>
         <p:spPr>
           <a:xfrm>
-            <a:off x="880379" y="94992"/>
-            <a:ext cx="471031" cy="376825"/>
+            <a:off x="2103502" y="94993"/>
+            <a:ext cx="281939" cy="375918"/>
           </a:xfrm>
           <a:prstGeom prst="rect">
             <a:avLst/>
           </a:prstGeom>
         </p:spPr>
       </p:pic>
-      <p:sp>
-        <p:nvSpPr>
-          <p:cNvPr id="57" name="Textfeld 56">
-            <a:extLst>
-              <a:ext uri="{FF2B5EF4-FFF2-40B4-BE49-F238E27FC236}">
-                <a16:creationId xmlns:a16="http://schemas.microsoft.com/office/drawing/2014/main" id="{4B2952E7-70FC-44FE-A94C-81EF62FF2DFC}"/>
-              </a:ext>
-            </a:extLst>
-          </p:cNvPr>
-          <p:cNvSpPr txBox="1"/>
-          <p:nvPr/>
-        </p:nvSpPr>
-        <p:spPr>
-          <a:xfrm>
-            <a:off x="102713" y="484959"/>
-            <a:ext cx="740156" cy="265457"/>
-          </a:xfrm>
-          <a:prstGeom prst="rect">
-            <a:avLst/>
-          </a:prstGeom>
-          <a:noFill/>
-        </p:spPr>
-        <p:txBody>
-          <a:bodyPr wrap="square" rtlCol="0">
-            <a:spAutoFit/>
-          </a:bodyPr>
-          <a:lstStyle/>
-          <a:p>
-            <a:r>
-              <a:rPr lang="de-CH" sz="750" dirty="0"/>
-              <a:t>Liegenschaft</a:t>
-            </a:r>
-            <a:br>
-              <a:rPr lang="de-CH" sz="750" dirty="0"/>
-            </a:br>
-            <a:r>
-              <a:rPr lang="de-CH" sz="375" dirty="0" err="1"/>
-              <a:t>building</a:t>
-            </a:r>
-            <a:r>
-              <a:rPr lang="de-CH" sz="375" dirty="0"/>
-              <a:t> (fa6)</a:t>
-            </a:r>
-            <a:endParaRPr lang="de-CH" sz="750" dirty="0"/>
-          </a:p>
-        </p:txBody>
-      </p:sp>
-      <p:sp>
-        <p:nvSpPr>
-          <p:cNvPr id="58" name="Textfeld 57">
-            <a:extLst>
-              <a:ext uri="{FF2B5EF4-FFF2-40B4-BE49-F238E27FC236}">
-                <a16:creationId xmlns:a16="http://schemas.microsoft.com/office/drawing/2014/main" id="{929C59B8-FC97-4D9D-9AFD-57525B08CDE0}"/>
-              </a:ext>
-            </a:extLst>
-          </p:cNvPr>
-          <p:cNvSpPr txBox="1"/>
-          <p:nvPr/>
-        </p:nvSpPr>
-        <p:spPr>
-          <a:xfrm>
-            <a:off x="853080" y="484959"/>
-            <a:ext cx="551747" cy="265457"/>
-          </a:xfrm>
-          <a:prstGeom prst="rect">
-            <a:avLst/>
-          </a:prstGeom>
-          <a:noFill/>
-        </p:spPr>
-        <p:txBody>
-          <a:bodyPr wrap="square" rtlCol="0">
-            <a:spAutoFit/>
-          </a:bodyPr>
-          <a:lstStyle/>
-          <a:p>
-            <a:r>
-              <a:rPr lang="de-CH" sz="750" dirty="0"/>
-              <a:t>Objekte</a:t>
-            </a:r>
-          </a:p>
-          <a:p>
-            <a:r>
-              <a:rPr lang="de-CH" sz="375" dirty="0"/>
-              <a:t>Building-user (fa6)</a:t>
-            </a:r>
-          </a:p>
-        </p:txBody>
-      </p:sp>
       <p:pic>
         <p:nvPicPr>
-          <p:cNvPr id="60" name="Grafik 59">
-            <a:extLst>
-              <a:ext uri="{FF2B5EF4-FFF2-40B4-BE49-F238E27FC236}">
-                <a16:creationId xmlns:a16="http://schemas.microsoft.com/office/drawing/2014/main" id="{DF053CFD-830D-482C-9C41-3DABBFC37B46}"/>
+          <p:cNvPr id="62" name="Grafik 61">
+            <a:extLst>
+              <a:ext uri="{FF2B5EF4-FFF2-40B4-BE49-F238E27FC236}">
+                <a16:creationId xmlns:a16="http://schemas.microsoft.com/office/drawing/2014/main" id="{F0D201B8-943D-4A47-ABB1-4BF39B067E8D}"/>
               </a:ext>
             </a:extLst>
           </p:cNvPr>
@@ -11003,20 +11160,110 @@
         </p:blipFill>
         <p:spPr>
           <a:xfrm>
-            <a:off x="2982500" y="94993"/>
-            <a:ext cx="281939" cy="375918"/>
+            <a:off x="693190" y="94993"/>
+            <a:ext cx="469898" cy="375918"/>
           </a:xfrm>
           <a:prstGeom prst="rect">
             <a:avLst/>
           </a:prstGeom>
         </p:spPr>
       </p:pic>
+      <p:sp>
+        <p:nvSpPr>
+          <p:cNvPr id="65" name="Textfeld 64">
+            <a:extLst>
+              <a:ext uri="{FF2B5EF4-FFF2-40B4-BE49-F238E27FC236}">
+                <a16:creationId xmlns:a16="http://schemas.microsoft.com/office/drawing/2014/main" id="{ECCF88BE-1316-4D2F-A6DB-2C9FE9040A62}"/>
+              </a:ext>
+            </a:extLst>
+          </p:cNvPr>
+          <p:cNvSpPr txBox="1"/>
+          <p:nvPr/>
+        </p:nvSpPr>
+        <p:spPr>
+          <a:xfrm>
+            <a:off x="664665" y="498781"/>
+            <a:ext cx="671884" cy="253916"/>
+          </a:xfrm>
+          <a:prstGeom prst="rect">
+            <a:avLst/>
+          </a:prstGeom>
+          <a:noFill/>
+        </p:spPr>
+        <p:txBody>
+          <a:bodyPr wrap="square" rtlCol="0">
+            <a:spAutoFit/>
+          </a:bodyPr>
+          <a:lstStyle/>
+          <a:p>
+            <a:r>
+              <a:rPr lang="de-CH" sz="750" dirty="0"/>
+              <a:t>Mieter</a:t>
+            </a:r>
+            <a:br>
+              <a:rPr lang="de-CH" sz="750" dirty="0"/>
+            </a:br>
+            <a:r>
+              <a:rPr lang="de-CH" sz="300" dirty="0"/>
+              <a:t>user-tag</a:t>
+            </a:r>
+            <a:endParaRPr lang="de-CH" sz="750" dirty="0"/>
+          </a:p>
+        </p:txBody>
+      </p:sp>
+      <p:sp>
+        <p:nvSpPr>
+          <p:cNvPr id="66" name="Textfeld 65">
+            <a:extLst>
+              <a:ext uri="{FF2B5EF4-FFF2-40B4-BE49-F238E27FC236}">
+                <a16:creationId xmlns:a16="http://schemas.microsoft.com/office/drawing/2014/main" id="{7C2A1224-9653-4FEB-B039-573344A3E401}"/>
+              </a:ext>
+            </a:extLst>
+          </p:cNvPr>
+          <p:cNvSpPr txBox="1"/>
+          <p:nvPr/>
+        </p:nvSpPr>
+        <p:spPr>
+          <a:xfrm>
+            <a:off x="1923068" y="484959"/>
+            <a:ext cx="728821" cy="265457"/>
+          </a:xfrm>
+          <a:prstGeom prst="rect">
+            <a:avLst/>
+          </a:prstGeom>
+          <a:noFill/>
+        </p:spPr>
+        <p:txBody>
+          <a:bodyPr wrap="square" rtlCol="0">
+            <a:spAutoFit/>
+          </a:bodyPr>
+          <a:lstStyle/>
+          <a:p>
+            <a:r>
+              <a:rPr lang="de-CH" sz="750" dirty="0"/>
+              <a:t>Mietverträge</a:t>
+            </a:r>
+            <a:br>
+              <a:rPr lang="de-CH" sz="750" dirty="0"/>
+            </a:br>
+            <a:r>
+              <a:rPr lang="de-CH" sz="375" dirty="0"/>
+              <a:t>file-</a:t>
+            </a:r>
+            <a:r>
+              <a:rPr lang="de-CH" sz="375" dirty="0" err="1"/>
+              <a:t>contract</a:t>
+            </a:r>
+            <a:endParaRPr lang="de-CH" sz="750" dirty="0"/>
+          </a:p>
+        </p:txBody>
+      </p:sp>
       <p:pic>
         <p:nvPicPr>
-          <p:cNvPr id="62" name="Grafik 61">
-            <a:extLst>
-              <a:ext uri="{FF2B5EF4-FFF2-40B4-BE49-F238E27FC236}">
-                <a16:creationId xmlns:a16="http://schemas.microsoft.com/office/drawing/2014/main" id="{F0D201B8-943D-4A47-ABB1-4BF39B067E8D}"/>
+          <p:cNvPr id="70" name="Grafik 69">
+            <a:extLst>
+              <a:ext uri="{FF2B5EF4-FFF2-40B4-BE49-F238E27FC236}">
+                <a16:creationId xmlns:a16="http://schemas.microsoft.com/office/drawing/2014/main" id="{C796C772-CFBF-4DD2-ADC2-9C1E2F552336}"/>
               </a:ext>
             </a:extLst>
           </p:cNvPr>
@@ -11042,8 +11289,8 @@
         </p:blipFill>
         <p:spPr>
           <a:xfrm>
-            <a:off x="1572188" y="94993"/>
-            <a:ext cx="469898" cy="375918"/>
+            <a:off x="2754352" y="94992"/>
+            <a:ext cx="281939" cy="375918"/>
           </a:xfrm>
           <a:prstGeom prst="rect">
             <a:avLst/>
@@ -11052,10 +11299,10 @@
       </p:pic>
       <p:sp>
         <p:nvSpPr>
-          <p:cNvPr id="65" name="Textfeld 64">
-            <a:extLst>
-              <a:ext uri="{FF2B5EF4-FFF2-40B4-BE49-F238E27FC236}">
-                <a16:creationId xmlns:a16="http://schemas.microsoft.com/office/drawing/2014/main" id="{ECCF88BE-1316-4D2F-A6DB-2C9FE9040A62}"/>
+          <p:cNvPr id="71" name="Textfeld 70">
+            <a:extLst>
+              <a:ext uri="{FF2B5EF4-FFF2-40B4-BE49-F238E27FC236}">
+                <a16:creationId xmlns:a16="http://schemas.microsoft.com/office/drawing/2014/main" id="{E63EA9B3-19F9-4DAD-AF96-08B93901E074}"/>
               </a:ext>
             </a:extLst>
           </p:cNvPr>
@@ -11064,8 +11311,8 @@
         </p:nvSpPr>
         <p:spPr>
           <a:xfrm>
-            <a:off x="1543663" y="498781"/>
-            <a:ext cx="671884" cy="253916"/>
+            <a:off x="2623862" y="484958"/>
+            <a:ext cx="728821" cy="253916"/>
           </a:xfrm>
           <a:prstGeom prst="rect">
             <a:avLst/>
@@ -11080,61 +11327,22 @@
           <a:p>
             <a:r>
               <a:rPr lang="de-CH" sz="750" dirty="0"/>
-              <a:t>Mieter</a:t>
+              <a:t>Rechnungen</a:t>
             </a:r>
             <a:br>
               <a:rPr lang="de-CH" sz="750" dirty="0"/>
             </a:br>
             <a:r>
               <a:rPr lang="de-CH" sz="300" dirty="0"/>
-              <a:t>user-tag</a:t>
-            </a:r>
-            <a:endParaRPr lang="de-CH" sz="750" dirty="0"/>
-          </a:p>
-        </p:txBody>
-      </p:sp>
-      <p:sp>
-        <p:nvSpPr>
-          <p:cNvPr id="66" name="Textfeld 65">
-            <a:extLst>
-              <a:ext uri="{FF2B5EF4-FFF2-40B4-BE49-F238E27FC236}">
-                <a16:creationId xmlns:a16="http://schemas.microsoft.com/office/drawing/2014/main" id="{7C2A1224-9653-4FEB-B039-573344A3E401}"/>
-              </a:ext>
-            </a:extLst>
-          </p:cNvPr>
-          <p:cNvSpPr txBox="1"/>
-          <p:nvPr/>
-        </p:nvSpPr>
-        <p:spPr>
-          <a:xfrm>
-            <a:off x="2802066" y="484959"/>
-            <a:ext cx="728821" cy="265457"/>
-          </a:xfrm>
-          <a:prstGeom prst="rect">
-            <a:avLst/>
-          </a:prstGeom>
-          <a:noFill/>
-        </p:spPr>
-        <p:txBody>
-          <a:bodyPr wrap="square" rtlCol="0">
-            <a:spAutoFit/>
-          </a:bodyPr>
-          <a:lstStyle/>
-          <a:p>
-            <a:r>
-              <a:rPr lang="de-CH" sz="750" dirty="0"/>
-              <a:t>Mietverträge</a:t>
-            </a:r>
-            <a:br>
-              <a:rPr lang="de-CH" sz="750" dirty="0"/>
-            </a:br>
-            <a:r>
-              <a:rPr lang="de-CH" sz="375" dirty="0"/>
               <a:t>file-</a:t>
             </a:r>
             <a:r>
-              <a:rPr lang="de-CH" sz="375" dirty="0" err="1"/>
-              <a:t>contract</a:t>
+              <a:rPr lang="de-CH" sz="300" dirty="0" err="1"/>
+              <a:t>invoice</a:t>
+            </a:r>
+            <a:r>
+              <a:rPr lang="de-CH" sz="300" dirty="0"/>
+              <a:t>-dollar</a:t>
             </a:r>
             <a:endParaRPr lang="de-CH" sz="750" dirty="0"/>
           </a:p>
@@ -11142,10 +11350,10 @@
       </p:sp>
       <p:pic>
         <p:nvPicPr>
-          <p:cNvPr id="70" name="Grafik 69">
-            <a:extLst>
-              <a:ext uri="{FF2B5EF4-FFF2-40B4-BE49-F238E27FC236}">
-                <a16:creationId xmlns:a16="http://schemas.microsoft.com/office/drawing/2014/main" id="{C796C772-CFBF-4DD2-ADC2-9C1E2F552336}"/>
+          <p:cNvPr id="73" name="Grafik 72">
+            <a:extLst>
+              <a:ext uri="{FF2B5EF4-FFF2-40B4-BE49-F238E27FC236}">
+                <a16:creationId xmlns:a16="http://schemas.microsoft.com/office/drawing/2014/main" id="{4D4542A2-F0A8-455F-901C-B19369D1F973}"/>
               </a:ext>
             </a:extLst>
           </p:cNvPr>
@@ -11171,8 +11379,8 @@
         </p:blipFill>
         <p:spPr>
           <a:xfrm>
-            <a:off x="3633350" y="94992"/>
-            <a:ext cx="281939" cy="375918"/>
+            <a:off x="1419328" y="67926"/>
+            <a:ext cx="364904" cy="417032"/>
           </a:xfrm>
           <a:prstGeom prst="rect">
             <a:avLst/>
@@ -11181,10 +11389,10 @@
       </p:pic>
       <p:sp>
         <p:nvSpPr>
-          <p:cNvPr id="71" name="Textfeld 70">
-            <a:extLst>
-              <a:ext uri="{FF2B5EF4-FFF2-40B4-BE49-F238E27FC236}">
-                <a16:creationId xmlns:a16="http://schemas.microsoft.com/office/drawing/2014/main" id="{E63EA9B3-19F9-4DAD-AF96-08B93901E074}"/>
+          <p:cNvPr id="74" name="Textfeld 73">
+            <a:extLst>
+              <a:ext uri="{FF2B5EF4-FFF2-40B4-BE49-F238E27FC236}">
+                <a16:creationId xmlns:a16="http://schemas.microsoft.com/office/drawing/2014/main" id="{A3F1D1A0-E7A9-4890-B450-D8145EA558CD}"/>
               </a:ext>
             </a:extLst>
           </p:cNvPr>
@@ -11193,8 +11401,8 @@
         </p:nvSpPr>
         <p:spPr>
           <a:xfrm>
-            <a:off x="3502860" y="484958"/>
-            <a:ext cx="728821" cy="253916"/>
+            <a:off x="1237370" y="484275"/>
+            <a:ext cx="728821" cy="265457"/>
           </a:xfrm>
           <a:prstGeom prst="rect">
             <a:avLst/>
@@ -11209,22 +11417,18 @@
           <a:p>
             <a:r>
               <a:rPr lang="de-CH" sz="750" dirty="0"/>
-              <a:t>Rechnungen</a:t>
+              <a:t>Kreditoren</a:t>
             </a:r>
             <a:br>
               <a:rPr lang="de-CH" sz="750" dirty="0"/>
             </a:br>
             <a:r>
-              <a:rPr lang="de-CH" sz="300" dirty="0"/>
-              <a:t>file-</a:t>
-            </a:r>
-            <a:r>
-              <a:rPr lang="de-CH" sz="300" dirty="0" err="1"/>
-              <a:t>invoice</a:t>
-            </a:r>
-            <a:r>
-              <a:rPr lang="de-CH" sz="300" dirty="0"/>
-              <a:t>-dollar</a:t>
+              <a:rPr lang="de-CH" sz="375" dirty="0"/>
+              <a:t>user-</a:t>
+            </a:r>
+            <a:r>
+              <a:rPr lang="de-CH" sz="375" dirty="0" err="1"/>
+              <a:t>tie</a:t>
             </a:r>
             <a:endParaRPr lang="de-CH" sz="750" dirty="0"/>
           </a:p>
@@ -11232,10 +11436,10 @@
       </p:sp>
       <p:pic>
         <p:nvPicPr>
-          <p:cNvPr id="73" name="Grafik 72">
-            <a:extLst>
-              <a:ext uri="{FF2B5EF4-FFF2-40B4-BE49-F238E27FC236}">
-                <a16:creationId xmlns:a16="http://schemas.microsoft.com/office/drawing/2014/main" id="{4D4542A2-F0A8-455F-901C-B19369D1F973}"/>
+          <p:cNvPr id="4" name="Grafik 3">
+            <a:extLst>
+              <a:ext uri="{FF2B5EF4-FFF2-40B4-BE49-F238E27FC236}">
+                <a16:creationId xmlns:a16="http://schemas.microsoft.com/office/drawing/2014/main" id="{9406529B-509B-42B7-A142-FAE3A1F66B7D}"/>
               </a:ext>
             </a:extLst>
           </p:cNvPr>
@@ -11261,8 +11465,8 @@
         </p:blipFill>
         <p:spPr>
           <a:xfrm>
-            <a:off x="2298326" y="67926"/>
-            <a:ext cx="364904" cy="417032"/>
+            <a:off x="8452339" y="383783"/>
+            <a:ext cx="232311" cy="232311"/>
           </a:xfrm>
           <a:prstGeom prst="rect">
             <a:avLst/>
@@ -11271,10 +11475,10 @@
       </p:pic>
       <p:sp>
         <p:nvSpPr>
-          <p:cNvPr id="74" name="Textfeld 73">
-            <a:extLst>
-              <a:ext uri="{FF2B5EF4-FFF2-40B4-BE49-F238E27FC236}">
-                <a16:creationId xmlns:a16="http://schemas.microsoft.com/office/drawing/2014/main" id="{A3F1D1A0-E7A9-4890-B450-D8145EA558CD}"/>
+          <p:cNvPr id="23" name="Textfeld 22">
+            <a:extLst>
+              <a:ext uri="{FF2B5EF4-FFF2-40B4-BE49-F238E27FC236}">
+                <a16:creationId xmlns:a16="http://schemas.microsoft.com/office/drawing/2014/main" id="{78E7674F-AC57-4480-BF2D-706CEBDBE8BC}"/>
               </a:ext>
             </a:extLst>
           </p:cNvPr>
@@ -11283,8 +11487,8 @@
         </p:nvSpPr>
         <p:spPr>
           <a:xfrm>
-            <a:off x="2116368" y="484275"/>
-            <a:ext cx="728821" cy="265457"/>
+            <a:off x="8368317" y="584435"/>
+            <a:ext cx="523846" cy="138499"/>
           </a:xfrm>
           <a:prstGeom prst="rect">
             <a:avLst/>
@@ -11298,30 +11502,63 @@
           <a:lstStyle/>
           <a:p>
             <a:r>
-              <a:rPr lang="de-CH" sz="750" dirty="0"/>
-              <a:t>Kreditoren</a:t>
-            </a:r>
-            <a:br>
-              <a:rPr lang="de-CH" sz="750" dirty="0"/>
-            </a:br>
-            <a:r>
-              <a:rPr lang="de-CH" sz="375" dirty="0"/>
-              <a:t>user-</a:t>
-            </a:r>
-            <a:r>
-              <a:rPr lang="de-CH" sz="375" dirty="0" err="1"/>
-              <a:t>tie</a:t>
-            </a:r>
-            <a:endParaRPr lang="de-CH" sz="750" dirty="0"/>
+              <a:rPr lang="de-CH" sz="300" dirty="0" err="1"/>
+              <a:t>Sign</a:t>
+            </a:r>
+            <a:r>
+              <a:rPr lang="de-CH" sz="300" dirty="0"/>
+              <a:t>-out-alt</a:t>
+            </a:r>
+          </a:p>
+        </p:txBody>
+      </p:sp>
+      <p:sp>
+        <p:nvSpPr>
+          <p:cNvPr id="30" name="Textfeld 29">
+            <a:extLst>
+              <a:ext uri="{FF2B5EF4-FFF2-40B4-BE49-F238E27FC236}">
+                <a16:creationId xmlns:a16="http://schemas.microsoft.com/office/drawing/2014/main" id="{0B5B28E4-0027-41B1-A093-9ADDFE5393C4}"/>
+              </a:ext>
+            </a:extLst>
+          </p:cNvPr>
+          <p:cNvSpPr txBox="1"/>
+          <p:nvPr/>
+        </p:nvSpPr>
+        <p:spPr>
+          <a:xfrm>
+            <a:off x="4231681" y="942225"/>
+            <a:ext cx="2041736" cy="715581"/>
+          </a:xfrm>
+          <a:prstGeom prst="rect">
+            <a:avLst/>
+          </a:prstGeom>
+          <a:noFill/>
+        </p:spPr>
+        <p:txBody>
+          <a:bodyPr wrap="square" rtlCol="0">
+            <a:spAutoFit/>
+          </a:bodyPr>
+          <a:lstStyle/>
+          <a:p>
+            <a:r>
+              <a:rPr lang="de-CH" sz="1350" dirty="0"/>
+              <a:t>Mieter</a:t>
+            </a:r>
+          </a:p>
+          <a:p>
+            <a:r>
+              <a:rPr lang="de-CH" sz="1350" dirty="0"/>
+              <a:t>(Daten zum Mieter werden angezeigt)</a:t>
+            </a:r>
           </a:p>
         </p:txBody>
       </p:sp>
       <p:pic>
         <p:nvPicPr>
-          <p:cNvPr id="4" name="Grafik 3">
-            <a:extLst>
-              <a:ext uri="{FF2B5EF4-FFF2-40B4-BE49-F238E27FC236}">
-                <a16:creationId xmlns:a16="http://schemas.microsoft.com/office/drawing/2014/main" id="{9406529B-509B-42B7-A142-FAE3A1F66B7D}"/>
+          <p:cNvPr id="9" name="Grafik 8">
+            <a:extLst>
+              <a:ext uri="{FF2B5EF4-FFF2-40B4-BE49-F238E27FC236}">
+                <a16:creationId xmlns:a16="http://schemas.microsoft.com/office/drawing/2014/main" id="{4A1AB0C7-8F83-489F-83B8-C68A854A2BDC}"/>
               </a:ext>
             </a:extLst>
           </p:cNvPr>
@@ -11347,8 +11584,8 @@
         </p:blipFill>
         <p:spPr>
           <a:xfrm>
-            <a:off x="8452339" y="383783"/>
-            <a:ext cx="232311" cy="232311"/>
+            <a:off x="3461415" y="94993"/>
+            <a:ext cx="430010" cy="344008"/>
           </a:xfrm>
           <a:prstGeom prst="rect">
             <a:avLst/>
@@ -11357,10 +11594,10 @@
       </p:pic>
       <p:sp>
         <p:nvSpPr>
-          <p:cNvPr id="23" name="Textfeld 22">
-            <a:extLst>
-              <a:ext uri="{FF2B5EF4-FFF2-40B4-BE49-F238E27FC236}">
-                <a16:creationId xmlns:a16="http://schemas.microsoft.com/office/drawing/2014/main" id="{78E7674F-AC57-4480-BF2D-706CEBDBE8BC}"/>
+          <p:cNvPr id="35" name="Textfeld 34">
+            <a:extLst>
+              <a:ext uri="{FF2B5EF4-FFF2-40B4-BE49-F238E27FC236}">
+                <a16:creationId xmlns:a16="http://schemas.microsoft.com/office/drawing/2014/main" id="{1998E68F-D869-43FF-9BBA-1A741FC9CC62}"/>
               </a:ext>
             </a:extLst>
           </p:cNvPr>
@@ -11369,8 +11606,8 @@
         </p:nvSpPr>
         <p:spPr>
           <a:xfrm>
-            <a:off x="8368317" y="584435"/>
-            <a:ext cx="523846" cy="138499"/>
+            <a:off x="3456369" y="457477"/>
+            <a:ext cx="601337" cy="253916"/>
           </a:xfrm>
           <a:prstGeom prst="rect">
             <a:avLst/>
@@ -11384,63 +11621,34 @@
           <a:lstStyle/>
           <a:p>
             <a:r>
+              <a:rPr lang="de-CH" sz="750" dirty="0"/>
+              <a:t>Konten</a:t>
+            </a:r>
+            <a:br>
+              <a:rPr lang="de-CH" sz="750" dirty="0"/>
+            </a:br>
+            <a:r>
+              <a:rPr lang="de-CH" sz="300" dirty="0"/>
+              <a:t> </a:t>
+            </a:r>
+            <a:r>
               <a:rPr lang="de-CH" sz="300" dirty="0" err="1"/>
-              <a:t>Sign</a:t>
+              <a:t>money</a:t>
             </a:r>
             <a:r>
               <a:rPr lang="de-CH" sz="300" dirty="0"/>
-              <a:t>-out-alt</a:t>
-            </a:r>
-          </a:p>
-        </p:txBody>
-      </p:sp>
-      <p:sp>
-        <p:nvSpPr>
-          <p:cNvPr id="30" name="Textfeld 29">
-            <a:extLst>
-              <a:ext uri="{FF2B5EF4-FFF2-40B4-BE49-F238E27FC236}">
-                <a16:creationId xmlns:a16="http://schemas.microsoft.com/office/drawing/2014/main" id="{0B5B28E4-0027-41B1-A093-9ADDFE5393C4}"/>
-              </a:ext>
-            </a:extLst>
-          </p:cNvPr>
-          <p:cNvSpPr txBox="1"/>
-          <p:nvPr/>
-        </p:nvSpPr>
-        <p:spPr>
-          <a:xfrm>
-            <a:off x="4231681" y="942225"/>
-            <a:ext cx="2041736" cy="715581"/>
-          </a:xfrm>
-          <a:prstGeom prst="rect">
-            <a:avLst/>
-          </a:prstGeom>
-          <a:noFill/>
-        </p:spPr>
-        <p:txBody>
-          <a:bodyPr wrap="square" rtlCol="0">
-            <a:spAutoFit/>
-          </a:bodyPr>
-          <a:lstStyle/>
-          <a:p>
-            <a:r>
-              <a:rPr lang="de-CH" sz="1350" dirty="0"/>
-              <a:t>Mieter</a:t>
-            </a:r>
-          </a:p>
-          <a:p>
-            <a:r>
-              <a:rPr lang="de-CH" sz="1350" dirty="0"/>
-              <a:t>(Daten zum Mieter werden angezeigt)</a:t>
-            </a:r>
+              <a:t>-check-alt</a:t>
+            </a:r>
+            <a:endParaRPr lang="de-CH" sz="750" dirty="0"/>
           </a:p>
         </p:txBody>
       </p:sp>
       <p:pic>
         <p:nvPicPr>
-          <p:cNvPr id="9" name="Grafik 8">
-            <a:extLst>
-              <a:ext uri="{FF2B5EF4-FFF2-40B4-BE49-F238E27FC236}">
-                <a16:creationId xmlns:a16="http://schemas.microsoft.com/office/drawing/2014/main" id="{4A1AB0C7-8F83-489F-83B8-C68A854A2BDC}"/>
+          <p:cNvPr id="16" name="Grafik 15">
+            <a:extLst>
+              <a:ext uri="{FF2B5EF4-FFF2-40B4-BE49-F238E27FC236}">
+                <a16:creationId xmlns:a16="http://schemas.microsoft.com/office/drawing/2014/main" id="{BC4D453C-7DC2-43D7-B59D-A1E9C1C79273}"/>
               </a:ext>
             </a:extLst>
           </p:cNvPr>
@@ -11450,97 +11658,7 @@
           <p:nvPr/>
         </p:nvPicPr>
         <p:blipFill>
-          <a:blip r:embed="rId16">
-            <a:extLst>
-              <a:ext uri="{28A0092B-C50C-407E-A947-70E740481C1C}">
-                <a14:useLocalDpi xmlns:a14="http://schemas.microsoft.com/office/drawing/2010/main" val="0"/>
-              </a:ext>
-              <a:ext uri="{96DAC541-7B7A-43D3-8B79-37D633B846F1}">
-                <asvg:svgBlip xmlns:asvg="http://schemas.microsoft.com/office/drawing/2016/SVG/main" r:embed="rId17"/>
-              </a:ext>
-            </a:extLst>
-          </a:blip>
-          <a:stretch>
-            <a:fillRect/>
-          </a:stretch>
-        </p:blipFill>
-        <p:spPr>
-          <a:xfrm>
-            <a:off x="4340413" y="94993"/>
-            <a:ext cx="430010" cy="344008"/>
-          </a:xfrm>
-          <a:prstGeom prst="rect">
-            <a:avLst/>
-          </a:prstGeom>
-        </p:spPr>
-      </p:pic>
-      <p:sp>
-        <p:nvSpPr>
-          <p:cNvPr id="35" name="Textfeld 34">
-            <a:extLst>
-              <a:ext uri="{FF2B5EF4-FFF2-40B4-BE49-F238E27FC236}">
-                <a16:creationId xmlns:a16="http://schemas.microsoft.com/office/drawing/2014/main" id="{1998E68F-D869-43FF-9BBA-1A741FC9CC62}"/>
-              </a:ext>
-            </a:extLst>
-          </p:cNvPr>
-          <p:cNvSpPr txBox="1"/>
-          <p:nvPr/>
-        </p:nvSpPr>
-        <p:spPr>
-          <a:xfrm>
-            <a:off x="4335367" y="457477"/>
-            <a:ext cx="601337" cy="253916"/>
-          </a:xfrm>
-          <a:prstGeom prst="rect">
-            <a:avLst/>
-          </a:prstGeom>
-          <a:noFill/>
-        </p:spPr>
-        <p:txBody>
-          <a:bodyPr wrap="square" rtlCol="0">
-            <a:spAutoFit/>
-          </a:bodyPr>
-          <a:lstStyle/>
-          <a:p>
-            <a:r>
-              <a:rPr lang="de-CH" sz="750" dirty="0"/>
-              <a:t>Konten</a:t>
-            </a:r>
-            <a:br>
-              <a:rPr lang="de-CH" sz="750" dirty="0"/>
-            </a:br>
-            <a:r>
-              <a:rPr lang="de-CH" sz="300" dirty="0"/>
-              <a:t> </a:t>
-            </a:r>
-            <a:r>
-              <a:rPr lang="de-CH" sz="300" dirty="0" err="1"/>
-              <a:t>money</a:t>
-            </a:r>
-            <a:r>
-              <a:rPr lang="de-CH" sz="300" dirty="0"/>
-              <a:t>-check-alt</a:t>
-            </a:r>
-            <a:endParaRPr lang="de-CH" sz="750" dirty="0"/>
-          </a:p>
-        </p:txBody>
-      </p:sp>
-      <p:pic>
-        <p:nvPicPr>
-          <p:cNvPr id="16" name="Grafik 15">
-            <a:extLst>
-              <a:ext uri="{FF2B5EF4-FFF2-40B4-BE49-F238E27FC236}">
-                <a16:creationId xmlns:a16="http://schemas.microsoft.com/office/drawing/2014/main" id="{BC4D453C-7DC2-43D7-B59D-A1E9C1C79273}"/>
-              </a:ext>
-            </a:extLst>
-          </p:cNvPr>
-          <p:cNvPicPr>
-            <a:picLocks noChangeAspect="1"/>
-          </p:cNvPicPr>
-          <p:nvPr/>
-        </p:nvPicPr>
-        <p:blipFill>
-          <a:blip r:embed="rId18"/>
+          <a:blip r:embed="rId16"/>
           <a:stretch>
             <a:fillRect/>
           </a:stretch>
@@ -12010,12 +12128,59 @@
           </a:prstGeom>
         </p:spPr>
       </p:pic>
+      <p:sp>
+        <p:nvSpPr>
+          <p:cNvPr id="57" name="Textfeld 56">
+            <a:extLst>
+              <a:ext uri="{FF2B5EF4-FFF2-40B4-BE49-F238E27FC236}">
+                <a16:creationId xmlns:a16="http://schemas.microsoft.com/office/drawing/2014/main" id="{4B2952E7-70FC-44FE-A94C-81EF62FF2DFC}"/>
+              </a:ext>
+            </a:extLst>
+          </p:cNvPr>
+          <p:cNvSpPr txBox="1"/>
+          <p:nvPr/>
+        </p:nvSpPr>
+        <p:spPr>
+          <a:xfrm>
+            <a:off x="102713" y="484959"/>
+            <a:ext cx="740156" cy="265457"/>
+          </a:xfrm>
+          <a:prstGeom prst="rect">
+            <a:avLst/>
+          </a:prstGeom>
+          <a:noFill/>
+        </p:spPr>
+        <p:txBody>
+          <a:bodyPr wrap="square" rtlCol="0">
+            <a:spAutoFit/>
+          </a:bodyPr>
+          <a:lstStyle/>
+          <a:p>
+            <a:r>
+              <a:rPr lang="de-CH" sz="750" dirty="0"/>
+              <a:t>Liegenschaft</a:t>
+            </a:r>
+            <a:br>
+              <a:rPr lang="de-CH" sz="750" dirty="0"/>
+            </a:br>
+            <a:r>
+              <a:rPr lang="de-CH" sz="375" dirty="0" err="1"/>
+              <a:t>building</a:t>
+            </a:r>
+            <a:r>
+              <a:rPr lang="de-CH" sz="375" dirty="0"/>
+              <a:t> (fa6)</a:t>
+            </a:r>
+            <a:endParaRPr lang="de-CH" sz="750" dirty="0"/>
+          </a:p>
+        </p:txBody>
+      </p:sp>
       <p:pic>
         <p:nvPicPr>
-          <p:cNvPr id="56" name="Grafik 55">
-            <a:extLst>
-              <a:ext uri="{FF2B5EF4-FFF2-40B4-BE49-F238E27FC236}">
-                <a16:creationId xmlns:a16="http://schemas.microsoft.com/office/drawing/2014/main" id="{EF1D948D-7334-4D62-A912-3CBCC5F7FE1B}"/>
+          <p:cNvPr id="60" name="Grafik 59">
+            <a:extLst>
+              <a:ext uri="{FF2B5EF4-FFF2-40B4-BE49-F238E27FC236}">
+                <a16:creationId xmlns:a16="http://schemas.microsoft.com/office/drawing/2014/main" id="{DF053CFD-830D-482C-9C41-3DABBFC37B46}"/>
               </a:ext>
             </a:extLst>
           </p:cNvPr>
@@ -12041,108 +12206,20 @@
         </p:blipFill>
         <p:spPr>
           <a:xfrm>
-            <a:off x="880379" y="94992"/>
-            <a:ext cx="471031" cy="376825"/>
+            <a:off x="2138897" y="94993"/>
+            <a:ext cx="281939" cy="375918"/>
           </a:xfrm>
           <a:prstGeom prst="rect">
             <a:avLst/>
           </a:prstGeom>
         </p:spPr>
       </p:pic>
-      <p:sp>
-        <p:nvSpPr>
-          <p:cNvPr id="57" name="Textfeld 56">
-            <a:extLst>
-              <a:ext uri="{FF2B5EF4-FFF2-40B4-BE49-F238E27FC236}">
-                <a16:creationId xmlns:a16="http://schemas.microsoft.com/office/drawing/2014/main" id="{4B2952E7-70FC-44FE-A94C-81EF62FF2DFC}"/>
-              </a:ext>
-            </a:extLst>
-          </p:cNvPr>
-          <p:cNvSpPr txBox="1"/>
-          <p:nvPr/>
-        </p:nvSpPr>
-        <p:spPr>
-          <a:xfrm>
-            <a:off x="102713" y="484959"/>
-            <a:ext cx="740156" cy="265457"/>
-          </a:xfrm>
-          <a:prstGeom prst="rect">
-            <a:avLst/>
-          </a:prstGeom>
-          <a:noFill/>
-        </p:spPr>
-        <p:txBody>
-          <a:bodyPr wrap="square" rtlCol="0">
-            <a:spAutoFit/>
-          </a:bodyPr>
-          <a:lstStyle/>
-          <a:p>
-            <a:r>
-              <a:rPr lang="de-CH" sz="750" dirty="0"/>
-              <a:t>Liegenschaft</a:t>
-            </a:r>
-            <a:br>
-              <a:rPr lang="de-CH" sz="750" dirty="0"/>
-            </a:br>
-            <a:r>
-              <a:rPr lang="de-CH" sz="375" dirty="0" err="1"/>
-              <a:t>building</a:t>
-            </a:r>
-            <a:r>
-              <a:rPr lang="de-CH" sz="375" dirty="0"/>
-              <a:t> (fa6)</a:t>
-            </a:r>
-            <a:endParaRPr lang="de-CH" sz="750" dirty="0"/>
-          </a:p>
-        </p:txBody>
-      </p:sp>
-      <p:sp>
-        <p:nvSpPr>
-          <p:cNvPr id="58" name="Textfeld 57">
-            <a:extLst>
-              <a:ext uri="{FF2B5EF4-FFF2-40B4-BE49-F238E27FC236}">
-                <a16:creationId xmlns:a16="http://schemas.microsoft.com/office/drawing/2014/main" id="{929C59B8-FC97-4D9D-9AFD-57525B08CDE0}"/>
-              </a:ext>
-            </a:extLst>
-          </p:cNvPr>
-          <p:cNvSpPr txBox="1"/>
-          <p:nvPr/>
-        </p:nvSpPr>
-        <p:spPr>
-          <a:xfrm>
-            <a:off x="853080" y="484959"/>
-            <a:ext cx="551747" cy="265457"/>
-          </a:xfrm>
-          <a:prstGeom prst="rect">
-            <a:avLst/>
-          </a:prstGeom>
-          <a:noFill/>
-        </p:spPr>
-        <p:txBody>
-          <a:bodyPr wrap="square" rtlCol="0">
-            <a:spAutoFit/>
-          </a:bodyPr>
-          <a:lstStyle/>
-          <a:p>
-            <a:r>
-              <a:rPr lang="de-CH" sz="750" dirty="0"/>
-              <a:t>Objekte</a:t>
-            </a:r>
-          </a:p>
-          <a:p>
-            <a:r>
-              <a:rPr lang="de-CH" sz="375" dirty="0"/>
-              <a:t>Building-user (fa6)</a:t>
-            </a:r>
-          </a:p>
-        </p:txBody>
-      </p:sp>
       <p:pic>
         <p:nvPicPr>
-          <p:cNvPr id="60" name="Grafik 59">
-            <a:extLst>
-              <a:ext uri="{FF2B5EF4-FFF2-40B4-BE49-F238E27FC236}">
-                <a16:creationId xmlns:a16="http://schemas.microsoft.com/office/drawing/2014/main" id="{DF053CFD-830D-482C-9C41-3DABBFC37B46}"/>
+          <p:cNvPr id="62" name="Grafik 61">
+            <a:extLst>
+              <a:ext uri="{FF2B5EF4-FFF2-40B4-BE49-F238E27FC236}">
+                <a16:creationId xmlns:a16="http://schemas.microsoft.com/office/drawing/2014/main" id="{F0D201B8-943D-4A47-ABB1-4BF39B067E8D}"/>
               </a:ext>
             </a:extLst>
           </p:cNvPr>
@@ -12168,20 +12245,110 @@
         </p:blipFill>
         <p:spPr>
           <a:xfrm>
-            <a:off x="2982500" y="94993"/>
-            <a:ext cx="281939" cy="375918"/>
+            <a:off x="728585" y="94993"/>
+            <a:ext cx="469898" cy="375918"/>
           </a:xfrm>
           <a:prstGeom prst="rect">
             <a:avLst/>
           </a:prstGeom>
         </p:spPr>
       </p:pic>
+      <p:sp>
+        <p:nvSpPr>
+          <p:cNvPr id="65" name="Textfeld 64">
+            <a:extLst>
+              <a:ext uri="{FF2B5EF4-FFF2-40B4-BE49-F238E27FC236}">
+                <a16:creationId xmlns:a16="http://schemas.microsoft.com/office/drawing/2014/main" id="{ECCF88BE-1316-4D2F-A6DB-2C9FE9040A62}"/>
+              </a:ext>
+            </a:extLst>
+          </p:cNvPr>
+          <p:cNvSpPr txBox="1"/>
+          <p:nvPr/>
+        </p:nvSpPr>
+        <p:spPr>
+          <a:xfrm>
+            <a:off x="700060" y="498781"/>
+            <a:ext cx="671884" cy="253916"/>
+          </a:xfrm>
+          <a:prstGeom prst="rect">
+            <a:avLst/>
+          </a:prstGeom>
+          <a:noFill/>
+        </p:spPr>
+        <p:txBody>
+          <a:bodyPr wrap="square" rtlCol="0">
+            <a:spAutoFit/>
+          </a:bodyPr>
+          <a:lstStyle/>
+          <a:p>
+            <a:r>
+              <a:rPr lang="de-CH" sz="750" dirty="0"/>
+              <a:t>Mieter</a:t>
+            </a:r>
+            <a:br>
+              <a:rPr lang="de-CH" sz="750" dirty="0"/>
+            </a:br>
+            <a:r>
+              <a:rPr lang="de-CH" sz="300" dirty="0"/>
+              <a:t>user-tag</a:t>
+            </a:r>
+            <a:endParaRPr lang="de-CH" sz="750" dirty="0"/>
+          </a:p>
+        </p:txBody>
+      </p:sp>
+      <p:sp>
+        <p:nvSpPr>
+          <p:cNvPr id="66" name="Textfeld 65">
+            <a:extLst>
+              <a:ext uri="{FF2B5EF4-FFF2-40B4-BE49-F238E27FC236}">
+                <a16:creationId xmlns:a16="http://schemas.microsoft.com/office/drawing/2014/main" id="{7C2A1224-9653-4FEB-B039-573344A3E401}"/>
+              </a:ext>
+            </a:extLst>
+          </p:cNvPr>
+          <p:cNvSpPr txBox="1"/>
+          <p:nvPr/>
+        </p:nvSpPr>
+        <p:spPr>
+          <a:xfrm>
+            <a:off x="1958463" y="484959"/>
+            <a:ext cx="728821" cy="265457"/>
+          </a:xfrm>
+          <a:prstGeom prst="rect">
+            <a:avLst/>
+          </a:prstGeom>
+          <a:noFill/>
+        </p:spPr>
+        <p:txBody>
+          <a:bodyPr wrap="square" rtlCol="0">
+            <a:spAutoFit/>
+          </a:bodyPr>
+          <a:lstStyle/>
+          <a:p>
+            <a:r>
+              <a:rPr lang="de-CH" sz="750" dirty="0"/>
+              <a:t>Mietverträge</a:t>
+            </a:r>
+            <a:br>
+              <a:rPr lang="de-CH" sz="750" dirty="0"/>
+            </a:br>
+            <a:r>
+              <a:rPr lang="de-CH" sz="375" dirty="0"/>
+              <a:t>file-</a:t>
+            </a:r>
+            <a:r>
+              <a:rPr lang="de-CH" sz="375" dirty="0" err="1"/>
+              <a:t>contract</a:t>
+            </a:r>
+            <a:endParaRPr lang="de-CH" sz="750" dirty="0"/>
+          </a:p>
+        </p:txBody>
+      </p:sp>
       <p:pic>
         <p:nvPicPr>
-          <p:cNvPr id="62" name="Grafik 61">
-            <a:extLst>
-              <a:ext uri="{FF2B5EF4-FFF2-40B4-BE49-F238E27FC236}">
-                <a16:creationId xmlns:a16="http://schemas.microsoft.com/office/drawing/2014/main" id="{F0D201B8-943D-4A47-ABB1-4BF39B067E8D}"/>
+          <p:cNvPr id="70" name="Grafik 69">
+            <a:extLst>
+              <a:ext uri="{FF2B5EF4-FFF2-40B4-BE49-F238E27FC236}">
+                <a16:creationId xmlns:a16="http://schemas.microsoft.com/office/drawing/2014/main" id="{C796C772-CFBF-4DD2-ADC2-9C1E2F552336}"/>
               </a:ext>
             </a:extLst>
           </p:cNvPr>
@@ -12207,8 +12374,8 @@
         </p:blipFill>
         <p:spPr>
           <a:xfrm>
-            <a:off x="1572188" y="94993"/>
-            <a:ext cx="469898" cy="375918"/>
+            <a:off x="2789747" y="94992"/>
+            <a:ext cx="281939" cy="375918"/>
           </a:xfrm>
           <a:prstGeom prst="rect">
             <a:avLst/>
@@ -12217,10 +12384,10 @@
       </p:pic>
       <p:sp>
         <p:nvSpPr>
-          <p:cNvPr id="65" name="Textfeld 64">
-            <a:extLst>
-              <a:ext uri="{FF2B5EF4-FFF2-40B4-BE49-F238E27FC236}">
-                <a16:creationId xmlns:a16="http://schemas.microsoft.com/office/drawing/2014/main" id="{ECCF88BE-1316-4D2F-A6DB-2C9FE9040A62}"/>
+          <p:cNvPr id="71" name="Textfeld 70">
+            <a:extLst>
+              <a:ext uri="{FF2B5EF4-FFF2-40B4-BE49-F238E27FC236}">
+                <a16:creationId xmlns:a16="http://schemas.microsoft.com/office/drawing/2014/main" id="{E63EA9B3-19F9-4DAD-AF96-08B93901E074}"/>
               </a:ext>
             </a:extLst>
           </p:cNvPr>
@@ -12229,8 +12396,8 @@
         </p:nvSpPr>
         <p:spPr>
           <a:xfrm>
-            <a:off x="1543663" y="498781"/>
-            <a:ext cx="671884" cy="253916"/>
+            <a:off x="2659257" y="484958"/>
+            <a:ext cx="728821" cy="253916"/>
           </a:xfrm>
           <a:prstGeom prst="rect">
             <a:avLst/>
@@ -12245,61 +12412,22 @@
           <a:p>
             <a:r>
               <a:rPr lang="de-CH" sz="750" dirty="0"/>
-              <a:t>Mieter</a:t>
+              <a:t>Rechnungen</a:t>
             </a:r>
             <a:br>
               <a:rPr lang="de-CH" sz="750" dirty="0"/>
             </a:br>
             <a:r>
               <a:rPr lang="de-CH" sz="300" dirty="0"/>
-              <a:t>user-tag</a:t>
-            </a:r>
-            <a:endParaRPr lang="de-CH" sz="750" dirty="0"/>
-          </a:p>
-        </p:txBody>
-      </p:sp>
-      <p:sp>
-        <p:nvSpPr>
-          <p:cNvPr id="66" name="Textfeld 65">
-            <a:extLst>
-              <a:ext uri="{FF2B5EF4-FFF2-40B4-BE49-F238E27FC236}">
-                <a16:creationId xmlns:a16="http://schemas.microsoft.com/office/drawing/2014/main" id="{7C2A1224-9653-4FEB-B039-573344A3E401}"/>
-              </a:ext>
-            </a:extLst>
-          </p:cNvPr>
-          <p:cNvSpPr txBox="1"/>
-          <p:nvPr/>
-        </p:nvSpPr>
-        <p:spPr>
-          <a:xfrm>
-            <a:off x="2802066" y="484959"/>
-            <a:ext cx="728821" cy="265457"/>
-          </a:xfrm>
-          <a:prstGeom prst="rect">
-            <a:avLst/>
-          </a:prstGeom>
-          <a:noFill/>
-        </p:spPr>
-        <p:txBody>
-          <a:bodyPr wrap="square" rtlCol="0">
-            <a:spAutoFit/>
-          </a:bodyPr>
-          <a:lstStyle/>
-          <a:p>
-            <a:r>
-              <a:rPr lang="de-CH" sz="750" dirty="0"/>
-              <a:t>Mietverträge</a:t>
-            </a:r>
-            <a:br>
-              <a:rPr lang="de-CH" sz="750" dirty="0"/>
-            </a:br>
-            <a:r>
-              <a:rPr lang="de-CH" sz="375" dirty="0"/>
               <a:t>file-</a:t>
             </a:r>
             <a:r>
-              <a:rPr lang="de-CH" sz="375" dirty="0" err="1"/>
-              <a:t>contract</a:t>
+              <a:rPr lang="de-CH" sz="300" dirty="0" err="1"/>
+              <a:t>invoice</a:t>
+            </a:r>
+            <a:r>
+              <a:rPr lang="de-CH" sz="300" dirty="0"/>
+              <a:t>-dollar</a:t>
             </a:r>
             <a:endParaRPr lang="de-CH" sz="750" dirty="0"/>
           </a:p>
@@ -12307,10 +12435,10 @@
       </p:sp>
       <p:pic>
         <p:nvPicPr>
-          <p:cNvPr id="70" name="Grafik 69">
-            <a:extLst>
-              <a:ext uri="{FF2B5EF4-FFF2-40B4-BE49-F238E27FC236}">
-                <a16:creationId xmlns:a16="http://schemas.microsoft.com/office/drawing/2014/main" id="{C796C772-CFBF-4DD2-ADC2-9C1E2F552336}"/>
+          <p:cNvPr id="73" name="Grafik 72">
+            <a:extLst>
+              <a:ext uri="{FF2B5EF4-FFF2-40B4-BE49-F238E27FC236}">
+                <a16:creationId xmlns:a16="http://schemas.microsoft.com/office/drawing/2014/main" id="{4D4542A2-F0A8-455F-901C-B19369D1F973}"/>
               </a:ext>
             </a:extLst>
           </p:cNvPr>
@@ -12336,8 +12464,8 @@
         </p:blipFill>
         <p:spPr>
           <a:xfrm>
-            <a:off x="3633350" y="94992"/>
-            <a:ext cx="281939" cy="375918"/>
+            <a:off x="1454723" y="67926"/>
+            <a:ext cx="364904" cy="417032"/>
           </a:xfrm>
           <a:prstGeom prst="rect">
             <a:avLst/>
@@ -12346,10 +12474,10 @@
       </p:pic>
       <p:sp>
         <p:nvSpPr>
-          <p:cNvPr id="71" name="Textfeld 70">
-            <a:extLst>
-              <a:ext uri="{FF2B5EF4-FFF2-40B4-BE49-F238E27FC236}">
-                <a16:creationId xmlns:a16="http://schemas.microsoft.com/office/drawing/2014/main" id="{E63EA9B3-19F9-4DAD-AF96-08B93901E074}"/>
+          <p:cNvPr id="74" name="Textfeld 73">
+            <a:extLst>
+              <a:ext uri="{FF2B5EF4-FFF2-40B4-BE49-F238E27FC236}">
+                <a16:creationId xmlns:a16="http://schemas.microsoft.com/office/drawing/2014/main" id="{A3F1D1A0-E7A9-4890-B450-D8145EA558CD}"/>
               </a:ext>
             </a:extLst>
           </p:cNvPr>
@@ -12358,8 +12486,8 @@
         </p:nvSpPr>
         <p:spPr>
           <a:xfrm>
-            <a:off x="3502860" y="484958"/>
-            <a:ext cx="728821" cy="253916"/>
+            <a:off x="1272765" y="484275"/>
+            <a:ext cx="728821" cy="265457"/>
           </a:xfrm>
           <a:prstGeom prst="rect">
             <a:avLst/>
@@ -12374,22 +12502,18 @@
           <a:p>
             <a:r>
               <a:rPr lang="de-CH" sz="750" dirty="0"/>
-              <a:t>Rechnungen</a:t>
+              <a:t>Kreditoren</a:t>
             </a:r>
             <a:br>
               <a:rPr lang="de-CH" sz="750" dirty="0"/>
             </a:br>
             <a:r>
-              <a:rPr lang="de-CH" sz="300" dirty="0"/>
-              <a:t>file-</a:t>
-            </a:r>
-            <a:r>
-              <a:rPr lang="de-CH" sz="300" dirty="0" err="1"/>
-              <a:t>invoice</a:t>
-            </a:r>
-            <a:r>
-              <a:rPr lang="de-CH" sz="300" dirty="0"/>
-              <a:t>-dollar</a:t>
+              <a:rPr lang="de-CH" sz="375" dirty="0"/>
+              <a:t>user-</a:t>
+            </a:r>
+            <a:r>
+              <a:rPr lang="de-CH" sz="375" dirty="0" err="1"/>
+              <a:t>tie</a:t>
             </a:r>
             <a:endParaRPr lang="de-CH" sz="750" dirty="0"/>
           </a:p>
@@ -12397,10 +12521,10 @@
       </p:sp>
       <p:pic>
         <p:nvPicPr>
-          <p:cNvPr id="73" name="Grafik 72">
-            <a:extLst>
-              <a:ext uri="{FF2B5EF4-FFF2-40B4-BE49-F238E27FC236}">
-                <a16:creationId xmlns:a16="http://schemas.microsoft.com/office/drawing/2014/main" id="{4D4542A2-F0A8-455F-901C-B19369D1F973}"/>
+          <p:cNvPr id="4" name="Grafik 3">
+            <a:extLst>
+              <a:ext uri="{FF2B5EF4-FFF2-40B4-BE49-F238E27FC236}">
+                <a16:creationId xmlns:a16="http://schemas.microsoft.com/office/drawing/2014/main" id="{9406529B-509B-42B7-A142-FAE3A1F66B7D}"/>
               </a:ext>
             </a:extLst>
           </p:cNvPr>
@@ -12426,8 +12550,8 @@
         </p:blipFill>
         <p:spPr>
           <a:xfrm>
-            <a:off x="2298326" y="67926"/>
-            <a:ext cx="364904" cy="417032"/>
+            <a:off x="8452339" y="383783"/>
+            <a:ext cx="232311" cy="232311"/>
           </a:xfrm>
           <a:prstGeom prst="rect">
             <a:avLst/>
@@ -12436,10 +12560,10 @@
       </p:pic>
       <p:sp>
         <p:nvSpPr>
-          <p:cNvPr id="74" name="Textfeld 73">
-            <a:extLst>
-              <a:ext uri="{FF2B5EF4-FFF2-40B4-BE49-F238E27FC236}">
-                <a16:creationId xmlns:a16="http://schemas.microsoft.com/office/drawing/2014/main" id="{A3F1D1A0-E7A9-4890-B450-D8145EA558CD}"/>
+          <p:cNvPr id="23" name="Textfeld 22">
+            <a:extLst>
+              <a:ext uri="{FF2B5EF4-FFF2-40B4-BE49-F238E27FC236}">
+                <a16:creationId xmlns:a16="http://schemas.microsoft.com/office/drawing/2014/main" id="{78E7674F-AC57-4480-BF2D-706CEBDBE8BC}"/>
               </a:ext>
             </a:extLst>
           </p:cNvPr>
@@ -12448,8 +12572,8 @@
         </p:nvSpPr>
         <p:spPr>
           <a:xfrm>
-            <a:off x="2116368" y="484275"/>
-            <a:ext cx="728821" cy="265457"/>
+            <a:off x="8368317" y="584435"/>
+            <a:ext cx="523846" cy="138499"/>
           </a:xfrm>
           <a:prstGeom prst="rect">
             <a:avLst/>
@@ -12463,30 +12587,22 @@
           <a:lstStyle/>
           <a:p>
             <a:r>
-              <a:rPr lang="de-CH" sz="750" dirty="0"/>
-              <a:t>Kreditoren</a:t>
-            </a:r>
-            <a:br>
-              <a:rPr lang="de-CH" sz="750" dirty="0"/>
-            </a:br>
-            <a:r>
-              <a:rPr lang="de-CH" sz="375" dirty="0"/>
-              <a:t>user-</a:t>
-            </a:r>
-            <a:r>
-              <a:rPr lang="de-CH" sz="375" dirty="0" err="1"/>
-              <a:t>tie</a:t>
-            </a:r>
-            <a:endParaRPr lang="de-CH" sz="750" dirty="0"/>
+              <a:rPr lang="de-CH" sz="300" dirty="0" err="1"/>
+              <a:t>Sign</a:t>
+            </a:r>
+            <a:r>
+              <a:rPr lang="de-CH" sz="300" dirty="0"/>
+              <a:t>-out-alt</a:t>
+            </a:r>
           </a:p>
         </p:txBody>
       </p:sp>
       <p:pic>
         <p:nvPicPr>
-          <p:cNvPr id="4" name="Grafik 3">
-            <a:extLst>
-              <a:ext uri="{FF2B5EF4-FFF2-40B4-BE49-F238E27FC236}">
-                <a16:creationId xmlns:a16="http://schemas.microsoft.com/office/drawing/2014/main" id="{9406529B-509B-42B7-A142-FAE3A1F66B7D}"/>
+          <p:cNvPr id="9" name="Grafik 8">
+            <a:extLst>
+              <a:ext uri="{FF2B5EF4-FFF2-40B4-BE49-F238E27FC236}">
+                <a16:creationId xmlns:a16="http://schemas.microsoft.com/office/drawing/2014/main" id="{4A1AB0C7-8F83-489F-83B8-C68A854A2BDC}"/>
               </a:ext>
             </a:extLst>
           </p:cNvPr>
@@ -12512,8 +12628,8 @@
         </p:blipFill>
         <p:spPr>
           <a:xfrm>
-            <a:off x="8452339" y="383783"/>
-            <a:ext cx="232311" cy="232311"/>
+            <a:off x="3496810" y="94993"/>
+            <a:ext cx="430010" cy="344008"/>
           </a:xfrm>
           <a:prstGeom prst="rect">
             <a:avLst/>
@@ -12522,10 +12638,10 @@
       </p:pic>
       <p:sp>
         <p:nvSpPr>
-          <p:cNvPr id="23" name="Textfeld 22">
-            <a:extLst>
-              <a:ext uri="{FF2B5EF4-FFF2-40B4-BE49-F238E27FC236}">
-                <a16:creationId xmlns:a16="http://schemas.microsoft.com/office/drawing/2014/main" id="{78E7674F-AC57-4480-BF2D-706CEBDBE8BC}"/>
+          <p:cNvPr id="35" name="Textfeld 34">
+            <a:extLst>
+              <a:ext uri="{FF2B5EF4-FFF2-40B4-BE49-F238E27FC236}">
+                <a16:creationId xmlns:a16="http://schemas.microsoft.com/office/drawing/2014/main" id="{1998E68F-D869-43FF-9BBA-1A741FC9CC62}"/>
               </a:ext>
             </a:extLst>
           </p:cNvPr>
@@ -12534,8 +12650,8 @@
         </p:nvSpPr>
         <p:spPr>
           <a:xfrm>
-            <a:off x="8368317" y="584435"/>
-            <a:ext cx="523846" cy="138499"/>
+            <a:off x="3491764" y="457477"/>
+            <a:ext cx="601337" cy="253916"/>
           </a:xfrm>
           <a:prstGeom prst="rect">
             <a:avLst/>
@@ -12549,22 +12665,34 @@
           <a:lstStyle/>
           <a:p>
             <a:r>
+              <a:rPr lang="de-CH" sz="750" dirty="0"/>
+              <a:t>Konten</a:t>
+            </a:r>
+            <a:br>
+              <a:rPr lang="de-CH" sz="750" dirty="0"/>
+            </a:br>
+            <a:r>
+              <a:rPr lang="de-CH" sz="300" dirty="0"/>
+              <a:t> </a:t>
+            </a:r>
+            <a:r>
               <a:rPr lang="de-CH" sz="300" dirty="0" err="1"/>
-              <a:t>Sign</a:t>
+              <a:t>money</a:t>
             </a:r>
             <a:r>
               <a:rPr lang="de-CH" sz="300" dirty="0"/>
-              <a:t>-out-alt</a:t>
-            </a:r>
+              <a:t>-check-alt</a:t>
+            </a:r>
+            <a:endParaRPr lang="de-CH" sz="750" dirty="0"/>
           </a:p>
         </p:txBody>
       </p:sp>
       <p:pic>
         <p:nvPicPr>
-          <p:cNvPr id="9" name="Grafik 8">
-            <a:extLst>
-              <a:ext uri="{FF2B5EF4-FFF2-40B4-BE49-F238E27FC236}">
-                <a16:creationId xmlns:a16="http://schemas.microsoft.com/office/drawing/2014/main" id="{4A1AB0C7-8F83-489F-83B8-C68A854A2BDC}"/>
+          <p:cNvPr id="24" name="Grafik 23">
+            <a:extLst>
+              <a:ext uri="{FF2B5EF4-FFF2-40B4-BE49-F238E27FC236}">
+                <a16:creationId xmlns:a16="http://schemas.microsoft.com/office/drawing/2014/main" id="{13458F70-B950-465F-AA13-D7F28DBBF027}"/>
               </a:ext>
             </a:extLst>
           </p:cNvPr>
@@ -12574,97 +12702,7 @@
           <p:nvPr/>
         </p:nvPicPr>
         <p:blipFill>
-          <a:blip r:embed="rId16">
-            <a:extLst>
-              <a:ext uri="{28A0092B-C50C-407E-A947-70E740481C1C}">
-                <a14:useLocalDpi xmlns:a14="http://schemas.microsoft.com/office/drawing/2010/main" val="0"/>
-              </a:ext>
-              <a:ext uri="{96DAC541-7B7A-43D3-8B79-37D633B846F1}">
-                <asvg:svgBlip xmlns:asvg="http://schemas.microsoft.com/office/drawing/2016/SVG/main" r:embed="rId17"/>
-              </a:ext>
-            </a:extLst>
-          </a:blip>
-          <a:stretch>
-            <a:fillRect/>
-          </a:stretch>
-        </p:blipFill>
-        <p:spPr>
-          <a:xfrm>
-            <a:off x="4340413" y="94993"/>
-            <a:ext cx="430010" cy="344008"/>
-          </a:xfrm>
-          <a:prstGeom prst="rect">
-            <a:avLst/>
-          </a:prstGeom>
-        </p:spPr>
-      </p:pic>
-      <p:sp>
-        <p:nvSpPr>
-          <p:cNvPr id="35" name="Textfeld 34">
-            <a:extLst>
-              <a:ext uri="{FF2B5EF4-FFF2-40B4-BE49-F238E27FC236}">
-                <a16:creationId xmlns:a16="http://schemas.microsoft.com/office/drawing/2014/main" id="{1998E68F-D869-43FF-9BBA-1A741FC9CC62}"/>
-              </a:ext>
-            </a:extLst>
-          </p:cNvPr>
-          <p:cNvSpPr txBox="1"/>
-          <p:nvPr/>
-        </p:nvSpPr>
-        <p:spPr>
-          <a:xfrm>
-            <a:off x="4335367" y="457477"/>
-            <a:ext cx="601337" cy="253916"/>
-          </a:xfrm>
-          <a:prstGeom prst="rect">
-            <a:avLst/>
-          </a:prstGeom>
-          <a:noFill/>
-        </p:spPr>
-        <p:txBody>
-          <a:bodyPr wrap="square" rtlCol="0">
-            <a:spAutoFit/>
-          </a:bodyPr>
-          <a:lstStyle/>
-          <a:p>
-            <a:r>
-              <a:rPr lang="de-CH" sz="750" dirty="0"/>
-              <a:t>Konten</a:t>
-            </a:r>
-            <a:br>
-              <a:rPr lang="de-CH" sz="750" dirty="0"/>
-            </a:br>
-            <a:r>
-              <a:rPr lang="de-CH" sz="300" dirty="0"/>
-              <a:t> </a:t>
-            </a:r>
-            <a:r>
-              <a:rPr lang="de-CH" sz="300" dirty="0" err="1"/>
-              <a:t>money</a:t>
-            </a:r>
-            <a:r>
-              <a:rPr lang="de-CH" sz="300" dirty="0"/>
-              <a:t>-check-alt</a:t>
-            </a:r>
-            <a:endParaRPr lang="de-CH" sz="750" dirty="0"/>
-          </a:p>
-        </p:txBody>
-      </p:sp>
-      <p:pic>
-        <p:nvPicPr>
-          <p:cNvPr id="24" name="Grafik 23">
-            <a:extLst>
-              <a:ext uri="{FF2B5EF4-FFF2-40B4-BE49-F238E27FC236}">
-                <a16:creationId xmlns:a16="http://schemas.microsoft.com/office/drawing/2014/main" id="{13458F70-B950-465F-AA13-D7F28DBBF027}"/>
-              </a:ext>
-            </a:extLst>
-          </p:cNvPr>
-          <p:cNvPicPr>
-            <a:picLocks noChangeAspect="1"/>
-          </p:cNvPicPr>
-          <p:nvPr/>
-        </p:nvPicPr>
-        <p:blipFill>
-          <a:blip r:embed="rId18"/>
+          <a:blip r:embed="rId16"/>
           <a:stretch>
             <a:fillRect/>
           </a:stretch>
@@ -13131,12 +13169,59 @@
           </a:prstGeom>
         </p:spPr>
       </p:pic>
+      <p:sp>
+        <p:nvSpPr>
+          <p:cNvPr id="57" name="Textfeld 56">
+            <a:extLst>
+              <a:ext uri="{FF2B5EF4-FFF2-40B4-BE49-F238E27FC236}">
+                <a16:creationId xmlns:a16="http://schemas.microsoft.com/office/drawing/2014/main" id="{4B2952E7-70FC-44FE-A94C-81EF62FF2DFC}"/>
+              </a:ext>
+            </a:extLst>
+          </p:cNvPr>
+          <p:cNvSpPr txBox="1"/>
+          <p:nvPr/>
+        </p:nvSpPr>
+        <p:spPr>
+          <a:xfrm>
+            <a:off x="102713" y="484959"/>
+            <a:ext cx="740156" cy="265457"/>
+          </a:xfrm>
+          <a:prstGeom prst="rect">
+            <a:avLst/>
+          </a:prstGeom>
+          <a:noFill/>
+        </p:spPr>
+        <p:txBody>
+          <a:bodyPr wrap="square" rtlCol="0">
+            <a:spAutoFit/>
+          </a:bodyPr>
+          <a:lstStyle/>
+          <a:p>
+            <a:r>
+              <a:rPr lang="de-CH" sz="750" dirty="0"/>
+              <a:t>Liegenschaft</a:t>
+            </a:r>
+            <a:br>
+              <a:rPr lang="de-CH" sz="750" dirty="0"/>
+            </a:br>
+            <a:r>
+              <a:rPr lang="de-CH" sz="375" dirty="0" err="1"/>
+              <a:t>building</a:t>
+            </a:r>
+            <a:r>
+              <a:rPr lang="de-CH" sz="375" dirty="0"/>
+              <a:t> (fa6)</a:t>
+            </a:r>
+            <a:endParaRPr lang="de-CH" sz="750" dirty="0"/>
+          </a:p>
+        </p:txBody>
+      </p:sp>
       <p:pic>
         <p:nvPicPr>
-          <p:cNvPr id="56" name="Grafik 55">
-            <a:extLst>
-              <a:ext uri="{FF2B5EF4-FFF2-40B4-BE49-F238E27FC236}">
-                <a16:creationId xmlns:a16="http://schemas.microsoft.com/office/drawing/2014/main" id="{EF1D948D-7334-4D62-A912-3CBCC5F7FE1B}"/>
+          <p:cNvPr id="60" name="Grafik 59">
+            <a:extLst>
+              <a:ext uri="{FF2B5EF4-FFF2-40B4-BE49-F238E27FC236}">
+                <a16:creationId xmlns:a16="http://schemas.microsoft.com/office/drawing/2014/main" id="{DF053CFD-830D-482C-9C41-3DABBFC37B46}"/>
               </a:ext>
             </a:extLst>
           </p:cNvPr>
@@ -13162,108 +13247,20 @@
         </p:blipFill>
         <p:spPr>
           <a:xfrm>
-            <a:off x="880379" y="94992"/>
-            <a:ext cx="471031" cy="376825"/>
+            <a:off x="2121197" y="94993"/>
+            <a:ext cx="281939" cy="375918"/>
           </a:xfrm>
           <a:prstGeom prst="rect">
             <a:avLst/>
           </a:prstGeom>
         </p:spPr>
       </p:pic>
-      <p:sp>
-        <p:nvSpPr>
-          <p:cNvPr id="57" name="Textfeld 56">
-            <a:extLst>
-              <a:ext uri="{FF2B5EF4-FFF2-40B4-BE49-F238E27FC236}">
-                <a16:creationId xmlns:a16="http://schemas.microsoft.com/office/drawing/2014/main" id="{4B2952E7-70FC-44FE-A94C-81EF62FF2DFC}"/>
-              </a:ext>
-            </a:extLst>
-          </p:cNvPr>
-          <p:cNvSpPr txBox="1"/>
-          <p:nvPr/>
-        </p:nvSpPr>
-        <p:spPr>
-          <a:xfrm>
-            <a:off x="102713" y="484959"/>
-            <a:ext cx="740156" cy="265457"/>
-          </a:xfrm>
-          <a:prstGeom prst="rect">
-            <a:avLst/>
-          </a:prstGeom>
-          <a:noFill/>
-        </p:spPr>
-        <p:txBody>
-          <a:bodyPr wrap="square" rtlCol="0">
-            <a:spAutoFit/>
-          </a:bodyPr>
-          <a:lstStyle/>
-          <a:p>
-            <a:r>
-              <a:rPr lang="de-CH" sz="750" dirty="0"/>
-              <a:t>Liegenschaft</a:t>
-            </a:r>
-            <a:br>
-              <a:rPr lang="de-CH" sz="750" dirty="0"/>
-            </a:br>
-            <a:r>
-              <a:rPr lang="de-CH" sz="375" dirty="0" err="1"/>
-              <a:t>building</a:t>
-            </a:r>
-            <a:r>
-              <a:rPr lang="de-CH" sz="375" dirty="0"/>
-              <a:t> (fa6)</a:t>
-            </a:r>
-            <a:endParaRPr lang="de-CH" sz="750" dirty="0"/>
-          </a:p>
-        </p:txBody>
-      </p:sp>
-      <p:sp>
-        <p:nvSpPr>
-          <p:cNvPr id="58" name="Textfeld 57">
-            <a:extLst>
-              <a:ext uri="{FF2B5EF4-FFF2-40B4-BE49-F238E27FC236}">
-                <a16:creationId xmlns:a16="http://schemas.microsoft.com/office/drawing/2014/main" id="{929C59B8-FC97-4D9D-9AFD-57525B08CDE0}"/>
-              </a:ext>
-            </a:extLst>
-          </p:cNvPr>
-          <p:cNvSpPr txBox="1"/>
-          <p:nvPr/>
-        </p:nvSpPr>
-        <p:spPr>
-          <a:xfrm>
-            <a:off x="853080" y="484959"/>
-            <a:ext cx="551747" cy="265457"/>
-          </a:xfrm>
-          <a:prstGeom prst="rect">
-            <a:avLst/>
-          </a:prstGeom>
-          <a:noFill/>
-        </p:spPr>
-        <p:txBody>
-          <a:bodyPr wrap="square" rtlCol="0">
-            <a:spAutoFit/>
-          </a:bodyPr>
-          <a:lstStyle/>
-          <a:p>
-            <a:r>
-              <a:rPr lang="de-CH" sz="750" dirty="0"/>
-              <a:t>Objekte</a:t>
-            </a:r>
-          </a:p>
-          <a:p>
-            <a:r>
-              <a:rPr lang="de-CH" sz="375" dirty="0"/>
-              <a:t>Building-user (fa6)</a:t>
-            </a:r>
-          </a:p>
-        </p:txBody>
-      </p:sp>
       <p:pic>
         <p:nvPicPr>
-          <p:cNvPr id="60" name="Grafik 59">
-            <a:extLst>
-              <a:ext uri="{FF2B5EF4-FFF2-40B4-BE49-F238E27FC236}">
-                <a16:creationId xmlns:a16="http://schemas.microsoft.com/office/drawing/2014/main" id="{DF053CFD-830D-482C-9C41-3DABBFC37B46}"/>
+          <p:cNvPr id="62" name="Grafik 61">
+            <a:extLst>
+              <a:ext uri="{FF2B5EF4-FFF2-40B4-BE49-F238E27FC236}">
+                <a16:creationId xmlns:a16="http://schemas.microsoft.com/office/drawing/2014/main" id="{F0D201B8-943D-4A47-ABB1-4BF39B067E8D}"/>
               </a:ext>
             </a:extLst>
           </p:cNvPr>
@@ -13289,20 +13286,110 @@
         </p:blipFill>
         <p:spPr>
           <a:xfrm>
-            <a:off x="2982500" y="94993"/>
-            <a:ext cx="281939" cy="375918"/>
+            <a:off x="710885" y="94993"/>
+            <a:ext cx="469898" cy="375918"/>
           </a:xfrm>
           <a:prstGeom prst="rect">
             <a:avLst/>
           </a:prstGeom>
         </p:spPr>
       </p:pic>
+      <p:sp>
+        <p:nvSpPr>
+          <p:cNvPr id="65" name="Textfeld 64">
+            <a:extLst>
+              <a:ext uri="{FF2B5EF4-FFF2-40B4-BE49-F238E27FC236}">
+                <a16:creationId xmlns:a16="http://schemas.microsoft.com/office/drawing/2014/main" id="{ECCF88BE-1316-4D2F-A6DB-2C9FE9040A62}"/>
+              </a:ext>
+            </a:extLst>
+          </p:cNvPr>
+          <p:cNvSpPr txBox="1"/>
+          <p:nvPr/>
+        </p:nvSpPr>
+        <p:spPr>
+          <a:xfrm>
+            <a:off x="682360" y="498781"/>
+            <a:ext cx="671884" cy="253916"/>
+          </a:xfrm>
+          <a:prstGeom prst="rect">
+            <a:avLst/>
+          </a:prstGeom>
+          <a:noFill/>
+        </p:spPr>
+        <p:txBody>
+          <a:bodyPr wrap="square" rtlCol="0">
+            <a:spAutoFit/>
+          </a:bodyPr>
+          <a:lstStyle/>
+          <a:p>
+            <a:r>
+              <a:rPr lang="de-CH" sz="750" dirty="0"/>
+              <a:t>Mieter</a:t>
+            </a:r>
+            <a:br>
+              <a:rPr lang="de-CH" sz="750" dirty="0"/>
+            </a:br>
+            <a:r>
+              <a:rPr lang="de-CH" sz="300" dirty="0"/>
+              <a:t>user-tag</a:t>
+            </a:r>
+            <a:endParaRPr lang="de-CH" sz="750" dirty="0"/>
+          </a:p>
+        </p:txBody>
+      </p:sp>
+      <p:sp>
+        <p:nvSpPr>
+          <p:cNvPr id="66" name="Textfeld 65">
+            <a:extLst>
+              <a:ext uri="{FF2B5EF4-FFF2-40B4-BE49-F238E27FC236}">
+                <a16:creationId xmlns:a16="http://schemas.microsoft.com/office/drawing/2014/main" id="{7C2A1224-9653-4FEB-B039-573344A3E401}"/>
+              </a:ext>
+            </a:extLst>
+          </p:cNvPr>
+          <p:cNvSpPr txBox="1"/>
+          <p:nvPr/>
+        </p:nvSpPr>
+        <p:spPr>
+          <a:xfrm>
+            <a:off x="1940763" y="484959"/>
+            <a:ext cx="728821" cy="265457"/>
+          </a:xfrm>
+          <a:prstGeom prst="rect">
+            <a:avLst/>
+          </a:prstGeom>
+          <a:noFill/>
+        </p:spPr>
+        <p:txBody>
+          <a:bodyPr wrap="square" rtlCol="0">
+            <a:spAutoFit/>
+          </a:bodyPr>
+          <a:lstStyle/>
+          <a:p>
+            <a:r>
+              <a:rPr lang="de-CH" sz="750" dirty="0"/>
+              <a:t>Mietverträge</a:t>
+            </a:r>
+            <a:br>
+              <a:rPr lang="de-CH" sz="750" dirty="0"/>
+            </a:br>
+            <a:r>
+              <a:rPr lang="de-CH" sz="375" dirty="0"/>
+              <a:t>file-</a:t>
+            </a:r>
+            <a:r>
+              <a:rPr lang="de-CH" sz="375" dirty="0" err="1"/>
+              <a:t>contract</a:t>
+            </a:r>
+            <a:endParaRPr lang="de-CH" sz="750" dirty="0"/>
+          </a:p>
+        </p:txBody>
+      </p:sp>
       <p:pic>
         <p:nvPicPr>
-          <p:cNvPr id="62" name="Grafik 61">
-            <a:extLst>
-              <a:ext uri="{FF2B5EF4-FFF2-40B4-BE49-F238E27FC236}">
-                <a16:creationId xmlns:a16="http://schemas.microsoft.com/office/drawing/2014/main" id="{F0D201B8-943D-4A47-ABB1-4BF39B067E8D}"/>
+          <p:cNvPr id="70" name="Grafik 69">
+            <a:extLst>
+              <a:ext uri="{FF2B5EF4-FFF2-40B4-BE49-F238E27FC236}">
+                <a16:creationId xmlns:a16="http://schemas.microsoft.com/office/drawing/2014/main" id="{C796C772-CFBF-4DD2-ADC2-9C1E2F552336}"/>
               </a:ext>
             </a:extLst>
           </p:cNvPr>
@@ -13328,8 +13415,8 @@
         </p:blipFill>
         <p:spPr>
           <a:xfrm>
-            <a:off x="1572188" y="94993"/>
-            <a:ext cx="469898" cy="375918"/>
+            <a:off x="2772047" y="94992"/>
+            <a:ext cx="281939" cy="375918"/>
           </a:xfrm>
           <a:prstGeom prst="rect">
             <a:avLst/>
@@ -13338,10 +13425,10 @@
       </p:pic>
       <p:sp>
         <p:nvSpPr>
-          <p:cNvPr id="65" name="Textfeld 64">
-            <a:extLst>
-              <a:ext uri="{FF2B5EF4-FFF2-40B4-BE49-F238E27FC236}">
-                <a16:creationId xmlns:a16="http://schemas.microsoft.com/office/drawing/2014/main" id="{ECCF88BE-1316-4D2F-A6DB-2C9FE9040A62}"/>
+          <p:cNvPr id="71" name="Textfeld 70">
+            <a:extLst>
+              <a:ext uri="{FF2B5EF4-FFF2-40B4-BE49-F238E27FC236}">
+                <a16:creationId xmlns:a16="http://schemas.microsoft.com/office/drawing/2014/main" id="{E63EA9B3-19F9-4DAD-AF96-08B93901E074}"/>
               </a:ext>
             </a:extLst>
           </p:cNvPr>
@@ -13350,8 +13437,8 @@
         </p:nvSpPr>
         <p:spPr>
           <a:xfrm>
-            <a:off x="1543663" y="498781"/>
-            <a:ext cx="671884" cy="253916"/>
+            <a:off x="2641557" y="484958"/>
+            <a:ext cx="728821" cy="253916"/>
           </a:xfrm>
           <a:prstGeom prst="rect">
             <a:avLst/>
@@ -13366,61 +13453,22 @@
           <a:p>
             <a:r>
               <a:rPr lang="de-CH" sz="750" dirty="0"/>
-              <a:t>Mieter</a:t>
+              <a:t>Rechnungen</a:t>
             </a:r>
             <a:br>
               <a:rPr lang="de-CH" sz="750" dirty="0"/>
             </a:br>
             <a:r>
               <a:rPr lang="de-CH" sz="300" dirty="0"/>
-              <a:t>user-tag</a:t>
-            </a:r>
-            <a:endParaRPr lang="de-CH" sz="750" dirty="0"/>
-          </a:p>
-        </p:txBody>
-      </p:sp>
-      <p:sp>
-        <p:nvSpPr>
-          <p:cNvPr id="66" name="Textfeld 65">
-            <a:extLst>
-              <a:ext uri="{FF2B5EF4-FFF2-40B4-BE49-F238E27FC236}">
-                <a16:creationId xmlns:a16="http://schemas.microsoft.com/office/drawing/2014/main" id="{7C2A1224-9653-4FEB-B039-573344A3E401}"/>
-              </a:ext>
-            </a:extLst>
-          </p:cNvPr>
-          <p:cNvSpPr txBox="1"/>
-          <p:nvPr/>
-        </p:nvSpPr>
-        <p:spPr>
-          <a:xfrm>
-            <a:off x="2802066" y="484959"/>
-            <a:ext cx="728821" cy="265457"/>
-          </a:xfrm>
-          <a:prstGeom prst="rect">
-            <a:avLst/>
-          </a:prstGeom>
-          <a:noFill/>
-        </p:spPr>
-        <p:txBody>
-          <a:bodyPr wrap="square" rtlCol="0">
-            <a:spAutoFit/>
-          </a:bodyPr>
-          <a:lstStyle/>
-          <a:p>
-            <a:r>
-              <a:rPr lang="de-CH" sz="750" dirty="0"/>
-              <a:t>Mietverträge</a:t>
-            </a:r>
-            <a:br>
-              <a:rPr lang="de-CH" sz="750" dirty="0"/>
-            </a:br>
-            <a:r>
-              <a:rPr lang="de-CH" sz="375" dirty="0"/>
               <a:t>file-</a:t>
             </a:r>
             <a:r>
-              <a:rPr lang="de-CH" sz="375" dirty="0" err="1"/>
-              <a:t>contract</a:t>
+              <a:rPr lang="de-CH" sz="300" dirty="0" err="1"/>
+              <a:t>invoice</a:t>
+            </a:r>
+            <a:r>
+              <a:rPr lang="de-CH" sz="300" dirty="0"/>
+              <a:t>-dollar</a:t>
             </a:r>
             <a:endParaRPr lang="de-CH" sz="750" dirty="0"/>
           </a:p>
@@ -13428,10 +13476,10 @@
       </p:sp>
       <p:pic>
         <p:nvPicPr>
-          <p:cNvPr id="70" name="Grafik 69">
-            <a:extLst>
-              <a:ext uri="{FF2B5EF4-FFF2-40B4-BE49-F238E27FC236}">
-                <a16:creationId xmlns:a16="http://schemas.microsoft.com/office/drawing/2014/main" id="{C796C772-CFBF-4DD2-ADC2-9C1E2F552336}"/>
+          <p:cNvPr id="73" name="Grafik 72">
+            <a:extLst>
+              <a:ext uri="{FF2B5EF4-FFF2-40B4-BE49-F238E27FC236}">
+                <a16:creationId xmlns:a16="http://schemas.microsoft.com/office/drawing/2014/main" id="{4D4542A2-F0A8-455F-901C-B19369D1F973}"/>
               </a:ext>
             </a:extLst>
           </p:cNvPr>
@@ -13457,8 +13505,8 @@
         </p:blipFill>
         <p:spPr>
           <a:xfrm>
-            <a:off x="3633350" y="94992"/>
-            <a:ext cx="281939" cy="375918"/>
+            <a:off x="1437023" y="67926"/>
+            <a:ext cx="364904" cy="417032"/>
           </a:xfrm>
           <a:prstGeom prst="rect">
             <a:avLst/>
@@ -13467,10 +13515,10 @@
       </p:pic>
       <p:sp>
         <p:nvSpPr>
-          <p:cNvPr id="71" name="Textfeld 70">
-            <a:extLst>
-              <a:ext uri="{FF2B5EF4-FFF2-40B4-BE49-F238E27FC236}">
-                <a16:creationId xmlns:a16="http://schemas.microsoft.com/office/drawing/2014/main" id="{E63EA9B3-19F9-4DAD-AF96-08B93901E074}"/>
+          <p:cNvPr id="74" name="Textfeld 73">
+            <a:extLst>
+              <a:ext uri="{FF2B5EF4-FFF2-40B4-BE49-F238E27FC236}">
+                <a16:creationId xmlns:a16="http://schemas.microsoft.com/office/drawing/2014/main" id="{A3F1D1A0-E7A9-4890-B450-D8145EA558CD}"/>
               </a:ext>
             </a:extLst>
           </p:cNvPr>
@@ -13479,8 +13527,8 @@
         </p:nvSpPr>
         <p:spPr>
           <a:xfrm>
-            <a:off x="3502860" y="484958"/>
-            <a:ext cx="728821" cy="253916"/>
+            <a:off x="1255065" y="484275"/>
+            <a:ext cx="728821" cy="265457"/>
           </a:xfrm>
           <a:prstGeom prst="rect">
             <a:avLst/>
@@ -13495,22 +13543,18 @@
           <a:p>
             <a:r>
               <a:rPr lang="de-CH" sz="750" dirty="0"/>
-              <a:t>Rechnungen</a:t>
+              <a:t>Kreditoren</a:t>
             </a:r>
             <a:br>
               <a:rPr lang="de-CH" sz="750" dirty="0"/>
             </a:br>
             <a:r>
-              <a:rPr lang="de-CH" sz="300" dirty="0"/>
-              <a:t>file-</a:t>
-            </a:r>
-            <a:r>
-              <a:rPr lang="de-CH" sz="300" dirty="0" err="1"/>
-              <a:t>invoice</a:t>
-            </a:r>
-            <a:r>
-              <a:rPr lang="de-CH" sz="300" dirty="0"/>
-              <a:t>-dollar</a:t>
+              <a:rPr lang="de-CH" sz="375" dirty="0"/>
+              <a:t>user-</a:t>
+            </a:r>
+            <a:r>
+              <a:rPr lang="de-CH" sz="375" dirty="0" err="1"/>
+              <a:t>tie</a:t>
             </a:r>
             <a:endParaRPr lang="de-CH" sz="750" dirty="0"/>
           </a:p>
@@ -13518,10 +13562,10 @@
       </p:sp>
       <p:pic>
         <p:nvPicPr>
-          <p:cNvPr id="73" name="Grafik 72">
-            <a:extLst>
-              <a:ext uri="{FF2B5EF4-FFF2-40B4-BE49-F238E27FC236}">
-                <a16:creationId xmlns:a16="http://schemas.microsoft.com/office/drawing/2014/main" id="{4D4542A2-F0A8-455F-901C-B19369D1F973}"/>
+          <p:cNvPr id="4" name="Grafik 3">
+            <a:extLst>
+              <a:ext uri="{FF2B5EF4-FFF2-40B4-BE49-F238E27FC236}">
+                <a16:creationId xmlns:a16="http://schemas.microsoft.com/office/drawing/2014/main" id="{9406529B-509B-42B7-A142-FAE3A1F66B7D}"/>
               </a:ext>
             </a:extLst>
           </p:cNvPr>
@@ -13547,8 +13591,8 @@
         </p:blipFill>
         <p:spPr>
           <a:xfrm>
-            <a:off x="2298326" y="67926"/>
-            <a:ext cx="364904" cy="417032"/>
+            <a:off x="8452339" y="383783"/>
+            <a:ext cx="232311" cy="232311"/>
           </a:xfrm>
           <a:prstGeom prst="rect">
             <a:avLst/>
@@ -13557,10 +13601,10 @@
       </p:pic>
       <p:sp>
         <p:nvSpPr>
-          <p:cNvPr id="74" name="Textfeld 73">
-            <a:extLst>
-              <a:ext uri="{FF2B5EF4-FFF2-40B4-BE49-F238E27FC236}">
-                <a16:creationId xmlns:a16="http://schemas.microsoft.com/office/drawing/2014/main" id="{A3F1D1A0-E7A9-4890-B450-D8145EA558CD}"/>
+          <p:cNvPr id="23" name="Textfeld 22">
+            <a:extLst>
+              <a:ext uri="{FF2B5EF4-FFF2-40B4-BE49-F238E27FC236}">
+                <a16:creationId xmlns:a16="http://schemas.microsoft.com/office/drawing/2014/main" id="{78E7674F-AC57-4480-BF2D-706CEBDBE8BC}"/>
               </a:ext>
             </a:extLst>
           </p:cNvPr>
@@ -13569,8 +13613,8 @@
         </p:nvSpPr>
         <p:spPr>
           <a:xfrm>
-            <a:off x="2116368" y="484275"/>
-            <a:ext cx="728821" cy="265457"/>
+            <a:off x="8368317" y="584435"/>
+            <a:ext cx="523846" cy="138499"/>
           </a:xfrm>
           <a:prstGeom prst="rect">
             <a:avLst/>
@@ -13584,30 +13628,57 @@
           <a:lstStyle/>
           <a:p>
             <a:r>
-              <a:rPr lang="de-CH" sz="750" dirty="0"/>
-              <a:t>Kreditoren</a:t>
-            </a:r>
-            <a:br>
-              <a:rPr lang="de-CH" sz="750" dirty="0"/>
-            </a:br>
-            <a:r>
-              <a:rPr lang="de-CH" sz="375" dirty="0"/>
-              <a:t>user-</a:t>
-            </a:r>
-            <a:r>
-              <a:rPr lang="de-CH" sz="375" dirty="0" err="1"/>
-              <a:t>tie</a:t>
-            </a:r>
-            <a:endParaRPr lang="de-CH" sz="750" dirty="0"/>
+              <a:rPr lang="de-CH" sz="300" dirty="0" err="1"/>
+              <a:t>Sign</a:t>
+            </a:r>
+            <a:r>
+              <a:rPr lang="de-CH" sz="300" dirty="0"/>
+              <a:t>-out-alt</a:t>
+            </a:r>
+          </a:p>
+        </p:txBody>
+      </p:sp>
+      <p:sp>
+        <p:nvSpPr>
+          <p:cNvPr id="30" name="Textfeld 29">
+            <a:extLst>
+              <a:ext uri="{FF2B5EF4-FFF2-40B4-BE49-F238E27FC236}">
+                <a16:creationId xmlns:a16="http://schemas.microsoft.com/office/drawing/2014/main" id="{0B5B28E4-0027-41B1-A093-9ADDFE5393C4}"/>
+              </a:ext>
+            </a:extLst>
+          </p:cNvPr>
+          <p:cNvSpPr txBox="1"/>
+          <p:nvPr/>
+        </p:nvSpPr>
+        <p:spPr>
+          <a:xfrm>
+            <a:off x="4409360" y="1018829"/>
+            <a:ext cx="2041736" cy="300082"/>
+          </a:xfrm>
+          <a:prstGeom prst="rect">
+            <a:avLst/>
+          </a:prstGeom>
+          <a:noFill/>
+        </p:spPr>
+        <p:txBody>
+          <a:bodyPr wrap="square" rtlCol="0">
+            <a:spAutoFit/>
+          </a:bodyPr>
+          <a:lstStyle/>
+          <a:p>
+            <a:r>
+              <a:rPr lang="de-CH" sz="1350" dirty="0"/>
+              <a:t>Mietverträge</a:t>
+            </a:r>
           </a:p>
         </p:txBody>
       </p:sp>
       <p:pic>
         <p:nvPicPr>
-          <p:cNvPr id="4" name="Grafik 3">
-            <a:extLst>
-              <a:ext uri="{FF2B5EF4-FFF2-40B4-BE49-F238E27FC236}">
-                <a16:creationId xmlns:a16="http://schemas.microsoft.com/office/drawing/2014/main" id="{9406529B-509B-42B7-A142-FAE3A1F66B7D}"/>
+          <p:cNvPr id="9" name="Grafik 8">
+            <a:extLst>
+              <a:ext uri="{FF2B5EF4-FFF2-40B4-BE49-F238E27FC236}">
+                <a16:creationId xmlns:a16="http://schemas.microsoft.com/office/drawing/2014/main" id="{4A1AB0C7-8F83-489F-83B8-C68A854A2BDC}"/>
               </a:ext>
             </a:extLst>
           </p:cNvPr>
@@ -13633,8 +13704,8 @@
         </p:blipFill>
         <p:spPr>
           <a:xfrm>
-            <a:off x="8452339" y="383783"/>
-            <a:ext cx="232311" cy="232311"/>
+            <a:off x="3479110" y="94993"/>
+            <a:ext cx="430010" cy="344008"/>
           </a:xfrm>
           <a:prstGeom prst="rect">
             <a:avLst/>
@@ -13643,10 +13714,10 @@
       </p:pic>
       <p:sp>
         <p:nvSpPr>
-          <p:cNvPr id="23" name="Textfeld 22">
-            <a:extLst>
-              <a:ext uri="{FF2B5EF4-FFF2-40B4-BE49-F238E27FC236}">
-                <a16:creationId xmlns:a16="http://schemas.microsoft.com/office/drawing/2014/main" id="{78E7674F-AC57-4480-BF2D-706CEBDBE8BC}"/>
+          <p:cNvPr id="35" name="Textfeld 34">
+            <a:extLst>
+              <a:ext uri="{FF2B5EF4-FFF2-40B4-BE49-F238E27FC236}">
+                <a16:creationId xmlns:a16="http://schemas.microsoft.com/office/drawing/2014/main" id="{1998E68F-D869-43FF-9BBA-1A741FC9CC62}"/>
               </a:ext>
             </a:extLst>
           </p:cNvPr>
@@ -13655,8 +13726,8 @@
         </p:nvSpPr>
         <p:spPr>
           <a:xfrm>
-            <a:off x="8368317" y="584435"/>
-            <a:ext cx="523846" cy="138499"/>
+            <a:off x="3474064" y="457477"/>
+            <a:ext cx="601337" cy="253916"/>
           </a:xfrm>
           <a:prstGeom prst="rect">
             <a:avLst/>
@@ -13670,57 +13741,34 @@
           <a:lstStyle/>
           <a:p>
             <a:r>
+              <a:rPr lang="de-CH" sz="750" dirty="0"/>
+              <a:t>Konten</a:t>
+            </a:r>
+            <a:br>
+              <a:rPr lang="de-CH" sz="750" dirty="0"/>
+            </a:br>
+            <a:r>
+              <a:rPr lang="de-CH" sz="300" dirty="0"/>
+              <a:t> </a:t>
+            </a:r>
+            <a:r>
               <a:rPr lang="de-CH" sz="300" dirty="0" err="1"/>
-              <a:t>Sign</a:t>
+              <a:t>money</a:t>
             </a:r>
             <a:r>
               <a:rPr lang="de-CH" sz="300" dirty="0"/>
-              <a:t>-out-alt</a:t>
-            </a:r>
-          </a:p>
-        </p:txBody>
-      </p:sp>
-      <p:sp>
-        <p:nvSpPr>
-          <p:cNvPr id="30" name="Textfeld 29">
-            <a:extLst>
-              <a:ext uri="{FF2B5EF4-FFF2-40B4-BE49-F238E27FC236}">
-                <a16:creationId xmlns:a16="http://schemas.microsoft.com/office/drawing/2014/main" id="{0B5B28E4-0027-41B1-A093-9ADDFE5393C4}"/>
-              </a:ext>
-            </a:extLst>
-          </p:cNvPr>
-          <p:cNvSpPr txBox="1"/>
-          <p:nvPr/>
-        </p:nvSpPr>
-        <p:spPr>
-          <a:xfrm>
-            <a:off x="4409360" y="1018829"/>
-            <a:ext cx="2041736" cy="300082"/>
-          </a:xfrm>
-          <a:prstGeom prst="rect">
-            <a:avLst/>
-          </a:prstGeom>
-          <a:noFill/>
-        </p:spPr>
-        <p:txBody>
-          <a:bodyPr wrap="square" rtlCol="0">
-            <a:spAutoFit/>
-          </a:bodyPr>
-          <a:lstStyle/>
-          <a:p>
-            <a:r>
-              <a:rPr lang="de-CH" sz="1350" dirty="0"/>
-              <a:t>Mietverträge</a:t>
-            </a:r>
+              <a:t>-check-alt</a:t>
+            </a:r>
+            <a:endParaRPr lang="de-CH" sz="750" dirty="0"/>
           </a:p>
         </p:txBody>
       </p:sp>
       <p:pic>
         <p:nvPicPr>
-          <p:cNvPr id="9" name="Grafik 8">
-            <a:extLst>
-              <a:ext uri="{FF2B5EF4-FFF2-40B4-BE49-F238E27FC236}">
-                <a16:creationId xmlns:a16="http://schemas.microsoft.com/office/drawing/2014/main" id="{4A1AB0C7-8F83-489F-83B8-C68A854A2BDC}"/>
+          <p:cNvPr id="29" name="Grafik 28">
+            <a:extLst>
+              <a:ext uri="{FF2B5EF4-FFF2-40B4-BE49-F238E27FC236}">
+                <a16:creationId xmlns:a16="http://schemas.microsoft.com/office/drawing/2014/main" id="{E7058714-5A9D-40C4-9F43-FEC6392446DB}"/>
               </a:ext>
             </a:extLst>
           </p:cNvPr>
@@ -13730,97 +13778,7 @@
           <p:nvPr/>
         </p:nvPicPr>
         <p:blipFill>
-          <a:blip r:embed="rId16">
-            <a:extLst>
-              <a:ext uri="{28A0092B-C50C-407E-A947-70E740481C1C}">
-                <a14:useLocalDpi xmlns:a14="http://schemas.microsoft.com/office/drawing/2010/main" val="0"/>
-              </a:ext>
-              <a:ext uri="{96DAC541-7B7A-43D3-8B79-37D633B846F1}">
-                <asvg:svgBlip xmlns:asvg="http://schemas.microsoft.com/office/drawing/2016/SVG/main" r:embed="rId17"/>
-              </a:ext>
-            </a:extLst>
-          </a:blip>
-          <a:stretch>
-            <a:fillRect/>
-          </a:stretch>
-        </p:blipFill>
-        <p:spPr>
-          <a:xfrm>
-            <a:off x="4340413" y="94993"/>
-            <a:ext cx="430010" cy="344008"/>
-          </a:xfrm>
-          <a:prstGeom prst="rect">
-            <a:avLst/>
-          </a:prstGeom>
-        </p:spPr>
-      </p:pic>
-      <p:sp>
-        <p:nvSpPr>
-          <p:cNvPr id="35" name="Textfeld 34">
-            <a:extLst>
-              <a:ext uri="{FF2B5EF4-FFF2-40B4-BE49-F238E27FC236}">
-                <a16:creationId xmlns:a16="http://schemas.microsoft.com/office/drawing/2014/main" id="{1998E68F-D869-43FF-9BBA-1A741FC9CC62}"/>
-              </a:ext>
-            </a:extLst>
-          </p:cNvPr>
-          <p:cNvSpPr txBox="1"/>
-          <p:nvPr/>
-        </p:nvSpPr>
-        <p:spPr>
-          <a:xfrm>
-            <a:off x="4335367" y="457477"/>
-            <a:ext cx="601337" cy="253916"/>
-          </a:xfrm>
-          <a:prstGeom prst="rect">
-            <a:avLst/>
-          </a:prstGeom>
-          <a:noFill/>
-        </p:spPr>
-        <p:txBody>
-          <a:bodyPr wrap="square" rtlCol="0">
-            <a:spAutoFit/>
-          </a:bodyPr>
-          <a:lstStyle/>
-          <a:p>
-            <a:r>
-              <a:rPr lang="de-CH" sz="750" dirty="0"/>
-              <a:t>Konten</a:t>
-            </a:r>
-            <a:br>
-              <a:rPr lang="de-CH" sz="750" dirty="0"/>
-            </a:br>
-            <a:r>
-              <a:rPr lang="de-CH" sz="300" dirty="0"/>
-              <a:t> </a:t>
-            </a:r>
-            <a:r>
-              <a:rPr lang="de-CH" sz="300" dirty="0" err="1"/>
-              <a:t>money</a:t>
-            </a:r>
-            <a:r>
-              <a:rPr lang="de-CH" sz="300" dirty="0"/>
-              <a:t>-check-alt</a:t>
-            </a:r>
-            <a:endParaRPr lang="de-CH" sz="750" dirty="0"/>
-          </a:p>
-        </p:txBody>
-      </p:sp>
-      <p:pic>
-        <p:nvPicPr>
-          <p:cNvPr id="29" name="Grafik 28">
-            <a:extLst>
-              <a:ext uri="{FF2B5EF4-FFF2-40B4-BE49-F238E27FC236}">
-                <a16:creationId xmlns:a16="http://schemas.microsoft.com/office/drawing/2014/main" id="{E7058714-5A9D-40C4-9F43-FEC6392446DB}"/>
-              </a:ext>
-            </a:extLst>
-          </p:cNvPr>
-          <p:cNvPicPr>
-            <a:picLocks noChangeAspect="1"/>
-          </p:cNvPicPr>
-          <p:nvPr/>
-        </p:nvPicPr>
-        <p:blipFill>
-          <a:blip r:embed="rId18"/>
+          <a:blip r:embed="rId16"/>
           <a:stretch>
             <a:fillRect/>
           </a:stretch>
@@ -14246,12 +14204,59 @@
           </a:prstGeom>
         </p:spPr>
       </p:pic>
+      <p:sp>
+        <p:nvSpPr>
+          <p:cNvPr id="57" name="Textfeld 56">
+            <a:extLst>
+              <a:ext uri="{FF2B5EF4-FFF2-40B4-BE49-F238E27FC236}">
+                <a16:creationId xmlns:a16="http://schemas.microsoft.com/office/drawing/2014/main" id="{4B2952E7-70FC-44FE-A94C-81EF62FF2DFC}"/>
+              </a:ext>
+            </a:extLst>
+          </p:cNvPr>
+          <p:cNvSpPr txBox="1"/>
+          <p:nvPr/>
+        </p:nvSpPr>
+        <p:spPr>
+          <a:xfrm>
+            <a:off x="102713" y="484959"/>
+            <a:ext cx="740156" cy="265457"/>
+          </a:xfrm>
+          <a:prstGeom prst="rect">
+            <a:avLst/>
+          </a:prstGeom>
+          <a:noFill/>
+        </p:spPr>
+        <p:txBody>
+          <a:bodyPr wrap="square" rtlCol="0">
+            <a:spAutoFit/>
+          </a:bodyPr>
+          <a:lstStyle/>
+          <a:p>
+            <a:r>
+              <a:rPr lang="de-CH" sz="750" dirty="0"/>
+              <a:t>Liegenschaft</a:t>
+            </a:r>
+            <a:br>
+              <a:rPr lang="de-CH" sz="750" dirty="0"/>
+            </a:br>
+            <a:r>
+              <a:rPr lang="de-CH" sz="375" dirty="0" err="1"/>
+              <a:t>building</a:t>
+            </a:r>
+            <a:r>
+              <a:rPr lang="de-CH" sz="375" dirty="0"/>
+              <a:t> (fa6)</a:t>
+            </a:r>
+            <a:endParaRPr lang="de-CH" sz="750" dirty="0"/>
+          </a:p>
+        </p:txBody>
+      </p:sp>
       <p:pic>
         <p:nvPicPr>
-          <p:cNvPr id="56" name="Grafik 55">
-            <a:extLst>
-              <a:ext uri="{FF2B5EF4-FFF2-40B4-BE49-F238E27FC236}">
-                <a16:creationId xmlns:a16="http://schemas.microsoft.com/office/drawing/2014/main" id="{EF1D948D-7334-4D62-A912-3CBCC5F7FE1B}"/>
+          <p:cNvPr id="60" name="Grafik 59">
+            <a:extLst>
+              <a:ext uri="{FF2B5EF4-FFF2-40B4-BE49-F238E27FC236}">
+                <a16:creationId xmlns:a16="http://schemas.microsoft.com/office/drawing/2014/main" id="{DF053CFD-830D-482C-9C41-3DABBFC37B46}"/>
               </a:ext>
             </a:extLst>
           </p:cNvPr>
@@ -14277,108 +14282,20 @@
         </p:blipFill>
         <p:spPr>
           <a:xfrm>
-            <a:off x="880379" y="94992"/>
-            <a:ext cx="471031" cy="376825"/>
+            <a:off x="2121195" y="94993"/>
+            <a:ext cx="281939" cy="375918"/>
           </a:xfrm>
           <a:prstGeom prst="rect">
             <a:avLst/>
           </a:prstGeom>
         </p:spPr>
       </p:pic>
-      <p:sp>
-        <p:nvSpPr>
-          <p:cNvPr id="57" name="Textfeld 56">
-            <a:extLst>
-              <a:ext uri="{FF2B5EF4-FFF2-40B4-BE49-F238E27FC236}">
-                <a16:creationId xmlns:a16="http://schemas.microsoft.com/office/drawing/2014/main" id="{4B2952E7-70FC-44FE-A94C-81EF62FF2DFC}"/>
-              </a:ext>
-            </a:extLst>
-          </p:cNvPr>
-          <p:cNvSpPr txBox="1"/>
-          <p:nvPr/>
-        </p:nvSpPr>
-        <p:spPr>
-          <a:xfrm>
-            <a:off x="102713" y="484959"/>
-            <a:ext cx="740156" cy="265457"/>
-          </a:xfrm>
-          <a:prstGeom prst="rect">
-            <a:avLst/>
-          </a:prstGeom>
-          <a:noFill/>
-        </p:spPr>
-        <p:txBody>
-          <a:bodyPr wrap="square" rtlCol="0">
-            <a:spAutoFit/>
-          </a:bodyPr>
-          <a:lstStyle/>
-          <a:p>
-            <a:r>
-              <a:rPr lang="de-CH" sz="750" dirty="0"/>
-              <a:t>Liegenschaft</a:t>
-            </a:r>
-            <a:br>
-              <a:rPr lang="de-CH" sz="750" dirty="0"/>
-            </a:br>
-            <a:r>
-              <a:rPr lang="de-CH" sz="375" dirty="0" err="1"/>
-              <a:t>building</a:t>
-            </a:r>
-            <a:r>
-              <a:rPr lang="de-CH" sz="375" dirty="0"/>
-              <a:t> (fa6)</a:t>
-            </a:r>
-            <a:endParaRPr lang="de-CH" sz="750" dirty="0"/>
-          </a:p>
-        </p:txBody>
-      </p:sp>
-      <p:sp>
-        <p:nvSpPr>
-          <p:cNvPr id="58" name="Textfeld 57">
-            <a:extLst>
-              <a:ext uri="{FF2B5EF4-FFF2-40B4-BE49-F238E27FC236}">
-                <a16:creationId xmlns:a16="http://schemas.microsoft.com/office/drawing/2014/main" id="{929C59B8-FC97-4D9D-9AFD-57525B08CDE0}"/>
-              </a:ext>
-            </a:extLst>
-          </p:cNvPr>
-          <p:cNvSpPr txBox="1"/>
-          <p:nvPr/>
-        </p:nvSpPr>
-        <p:spPr>
-          <a:xfrm>
-            <a:off x="853080" y="484959"/>
-            <a:ext cx="551747" cy="265457"/>
-          </a:xfrm>
-          <a:prstGeom prst="rect">
-            <a:avLst/>
-          </a:prstGeom>
-          <a:noFill/>
-        </p:spPr>
-        <p:txBody>
-          <a:bodyPr wrap="square" rtlCol="0">
-            <a:spAutoFit/>
-          </a:bodyPr>
-          <a:lstStyle/>
-          <a:p>
-            <a:r>
-              <a:rPr lang="de-CH" sz="750" dirty="0"/>
-              <a:t>Objekte</a:t>
-            </a:r>
-          </a:p>
-          <a:p>
-            <a:r>
-              <a:rPr lang="de-CH" sz="375" dirty="0"/>
-              <a:t>Building-user (fa6)</a:t>
-            </a:r>
-          </a:p>
-        </p:txBody>
-      </p:sp>
       <p:pic>
         <p:nvPicPr>
-          <p:cNvPr id="60" name="Grafik 59">
-            <a:extLst>
-              <a:ext uri="{FF2B5EF4-FFF2-40B4-BE49-F238E27FC236}">
-                <a16:creationId xmlns:a16="http://schemas.microsoft.com/office/drawing/2014/main" id="{DF053CFD-830D-482C-9C41-3DABBFC37B46}"/>
+          <p:cNvPr id="62" name="Grafik 61">
+            <a:extLst>
+              <a:ext uri="{FF2B5EF4-FFF2-40B4-BE49-F238E27FC236}">
+                <a16:creationId xmlns:a16="http://schemas.microsoft.com/office/drawing/2014/main" id="{F0D201B8-943D-4A47-ABB1-4BF39B067E8D}"/>
               </a:ext>
             </a:extLst>
           </p:cNvPr>
@@ -14404,20 +14321,110 @@
         </p:blipFill>
         <p:spPr>
           <a:xfrm>
-            <a:off x="2982500" y="94993"/>
-            <a:ext cx="281939" cy="375918"/>
+            <a:off x="710883" y="94993"/>
+            <a:ext cx="469898" cy="375918"/>
           </a:xfrm>
           <a:prstGeom prst="rect">
             <a:avLst/>
           </a:prstGeom>
         </p:spPr>
       </p:pic>
+      <p:sp>
+        <p:nvSpPr>
+          <p:cNvPr id="65" name="Textfeld 64">
+            <a:extLst>
+              <a:ext uri="{FF2B5EF4-FFF2-40B4-BE49-F238E27FC236}">
+                <a16:creationId xmlns:a16="http://schemas.microsoft.com/office/drawing/2014/main" id="{ECCF88BE-1316-4D2F-A6DB-2C9FE9040A62}"/>
+              </a:ext>
+            </a:extLst>
+          </p:cNvPr>
+          <p:cNvSpPr txBox="1"/>
+          <p:nvPr/>
+        </p:nvSpPr>
+        <p:spPr>
+          <a:xfrm>
+            <a:off x="682358" y="498781"/>
+            <a:ext cx="671884" cy="253916"/>
+          </a:xfrm>
+          <a:prstGeom prst="rect">
+            <a:avLst/>
+          </a:prstGeom>
+          <a:noFill/>
+        </p:spPr>
+        <p:txBody>
+          <a:bodyPr wrap="square" rtlCol="0">
+            <a:spAutoFit/>
+          </a:bodyPr>
+          <a:lstStyle/>
+          <a:p>
+            <a:r>
+              <a:rPr lang="de-CH" sz="750" dirty="0"/>
+              <a:t>Mieter</a:t>
+            </a:r>
+            <a:br>
+              <a:rPr lang="de-CH" sz="750" dirty="0"/>
+            </a:br>
+            <a:r>
+              <a:rPr lang="de-CH" sz="300" dirty="0"/>
+              <a:t>user-tag</a:t>
+            </a:r>
+            <a:endParaRPr lang="de-CH" sz="750" dirty="0"/>
+          </a:p>
+        </p:txBody>
+      </p:sp>
+      <p:sp>
+        <p:nvSpPr>
+          <p:cNvPr id="66" name="Textfeld 65">
+            <a:extLst>
+              <a:ext uri="{FF2B5EF4-FFF2-40B4-BE49-F238E27FC236}">
+                <a16:creationId xmlns:a16="http://schemas.microsoft.com/office/drawing/2014/main" id="{7C2A1224-9653-4FEB-B039-573344A3E401}"/>
+              </a:ext>
+            </a:extLst>
+          </p:cNvPr>
+          <p:cNvSpPr txBox="1"/>
+          <p:nvPr/>
+        </p:nvSpPr>
+        <p:spPr>
+          <a:xfrm>
+            <a:off x="1940761" y="484959"/>
+            <a:ext cx="728821" cy="265457"/>
+          </a:xfrm>
+          <a:prstGeom prst="rect">
+            <a:avLst/>
+          </a:prstGeom>
+          <a:noFill/>
+        </p:spPr>
+        <p:txBody>
+          <a:bodyPr wrap="square" rtlCol="0">
+            <a:spAutoFit/>
+          </a:bodyPr>
+          <a:lstStyle/>
+          <a:p>
+            <a:r>
+              <a:rPr lang="de-CH" sz="750" dirty="0"/>
+              <a:t>Mietverträge</a:t>
+            </a:r>
+            <a:br>
+              <a:rPr lang="de-CH" sz="750" dirty="0"/>
+            </a:br>
+            <a:r>
+              <a:rPr lang="de-CH" sz="375" dirty="0"/>
+              <a:t>file-</a:t>
+            </a:r>
+            <a:r>
+              <a:rPr lang="de-CH" sz="375" dirty="0" err="1"/>
+              <a:t>contract</a:t>
+            </a:r>
+            <a:endParaRPr lang="de-CH" sz="750" dirty="0"/>
+          </a:p>
+        </p:txBody>
+      </p:sp>
       <p:pic>
         <p:nvPicPr>
-          <p:cNvPr id="62" name="Grafik 61">
-            <a:extLst>
-              <a:ext uri="{FF2B5EF4-FFF2-40B4-BE49-F238E27FC236}">
-                <a16:creationId xmlns:a16="http://schemas.microsoft.com/office/drawing/2014/main" id="{F0D201B8-943D-4A47-ABB1-4BF39B067E8D}"/>
+          <p:cNvPr id="70" name="Grafik 69">
+            <a:extLst>
+              <a:ext uri="{FF2B5EF4-FFF2-40B4-BE49-F238E27FC236}">
+                <a16:creationId xmlns:a16="http://schemas.microsoft.com/office/drawing/2014/main" id="{C796C772-CFBF-4DD2-ADC2-9C1E2F552336}"/>
               </a:ext>
             </a:extLst>
           </p:cNvPr>
@@ -14443,8 +14450,8 @@
         </p:blipFill>
         <p:spPr>
           <a:xfrm>
-            <a:off x="1572188" y="94993"/>
-            <a:ext cx="469898" cy="375918"/>
+            <a:off x="2772045" y="94992"/>
+            <a:ext cx="281939" cy="375918"/>
           </a:xfrm>
           <a:prstGeom prst="rect">
             <a:avLst/>
@@ -14453,10 +14460,10 @@
       </p:pic>
       <p:sp>
         <p:nvSpPr>
-          <p:cNvPr id="65" name="Textfeld 64">
-            <a:extLst>
-              <a:ext uri="{FF2B5EF4-FFF2-40B4-BE49-F238E27FC236}">
-                <a16:creationId xmlns:a16="http://schemas.microsoft.com/office/drawing/2014/main" id="{ECCF88BE-1316-4D2F-A6DB-2C9FE9040A62}"/>
+          <p:cNvPr id="71" name="Textfeld 70">
+            <a:extLst>
+              <a:ext uri="{FF2B5EF4-FFF2-40B4-BE49-F238E27FC236}">
+                <a16:creationId xmlns:a16="http://schemas.microsoft.com/office/drawing/2014/main" id="{E63EA9B3-19F9-4DAD-AF96-08B93901E074}"/>
               </a:ext>
             </a:extLst>
           </p:cNvPr>
@@ -14465,8 +14472,8 @@
         </p:nvSpPr>
         <p:spPr>
           <a:xfrm>
-            <a:off x="1543663" y="498781"/>
-            <a:ext cx="671884" cy="253916"/>
+            <a:off x="2641555" y="484958"/>
+            <a:ext cx="728821" cy="253916"/>
           </a:xfrm>
           <a:prstGeom prst="rect">
             <a:avLst/>
@@ -14481,61 +14488,22 @@
           <a:p>
             <a:r>
               <a:rPr lang="de-CH" sz="750" dirty="0"/>
-              <a:t>Mieter</a:t>
+              <a:t>Rechnungen</a:t>
             </a:r>
             <a:br>
               <a:rPr lang="de-CH" sz="750" dirty="0"/>
             </a:br>
             <a:r>
               <a:rPr lang="de-CH" sz="300" dirty="0"/>
-              <a:t>user-tag</a:t>
-            </a:r>
-            <a:endParaRPr lang="de-CH" sz="750" dirty="0"/>
-          </a:p>
-        </p:txBody>
-      </p:sp>
-      <p:sp>
-        <p:nvSpPr>
-          <p:cNvPr id="66" name="Textfeld 65">
-            <a:extLst>
-              <a:ext uri="{FF2B5EF4-FFF2-40B4-BE49-F238E27FC236}">
-                <a16:creationId xmlns:a16="http://schemas.microsoft.com/office/drawing/2014/main" id="{7C2A1224-9653-4FEB-B039-573344A3E401}"/>
-              </a:ext>
-            </a:extLst>
-          </p:cNvPr>
-          <p:cNvSpPr txBox="1"/>
-          <p:nvPr/>
-        </p:nvSpPr>
-        <p:spPr>
-          <a:xfrm>
-            <a:off x="2802066" y="484959"/>
-            <a:ext cx="728821" cy="265457"/>
-          </a:xfrm>
-          <a:prstGeom prst="rect">
-            <a:avLst/>
-          </a:prstGeom>
-          <a:noFill/>
-        </p:spPr>
-        <p:txBody>
-          <a:bodyPr wrap="square" rtlCol="0">
-            <a:spAutoFit/>
-          </a:bodyPr>
-          <a:lstStyle/>
-          <a:p>
-            <a:r>
-              <a:rPr lang="de-CH" sz="750" dirty="0"/>
-              <a:t>Mietverträge</a:t>
-            </a:r>
-            <a:br>
-              <a:rPr lang="de-CH" sz="750" dirty="0"/>
-            </a:br>
-            <a:r>
-              <a:rPr lang="de-CH" sz="375" dirty="0"/>
               <a:t>file-</a:t>
             </a:r>
             <a:r>
-              <a:rPr lang="de-CH" sz="375" dirty="0" err="1"/>
-              <a:t>contract</a:t>
+              <a:rPr lang="de-CH" sz="300" dirty="0" err="1"/>
+              <a:t>invoice</a:t>
+            </a:r>
+            <a:r>
+              <a:rPr lang="de-CH" sz="300" dirty="0"/>
+              <a:t>-dollar</a:t>
             </a:r>
             <a:endParaRPr lang="de-CH" sz="750" dirty="0"/>
           </a:p>
@@ -14543,10 +14511,10 @@
       </p:sp>
       <p:pic>
         <p:nvPicPr>
-          <p:cNvPr id="70" name="Grafik 69">
-            <a:extLst>
-              <a:ext uri="{FF2B5EF4-FFF2-40B4-BE49-F238E27FC236}">
-                <a16:creationId xmlns:a16="http://schemas.microsoft.com/office/drawing/2014/main" id="{C796C772-CFBF-4DD2-ADC2-9C1E2F552336}"/>
+          <p:cNvPr id="73" name="Grafik 72">
+            <a:extLst>
+              <a:ext uri="{FF2B5EF4-FFF2-40B4-BE49-F238E27FC236}">
+                <a16:creationId xmlns:a16="http://schemas.microsoft.com/office/drawing/2014/main" id="{4D4542A2-F0A8-455F-901C-B19369D1F973}"/>
               </a:ext>
             </a:extLst>
           </p:cNvPr>
@@ -14572,8 +14540,8 @@
         </p:blipFill>
         <p:spPr>
           <a:xfrm>
-            <a:off x="3633350" y="94992"/>
-            <a:ext cx="281939" cy="375918"/>
+            <a:off x="1437021" y="67926"/>
+            <a:ext cx="364904" cy="417032"/>
           </a:xfrm>
           <a:prstGeom prst="rect">
             <a:avLst/>
@@ -14582,10 +14550,10 @@
       </p:pic>
       <p:sp>
         <p:nvSpPr>
-          <p:cNvPr id="71" name="Textfeld 70">
-            <a:extLst>
-              <a:ext uri="{FF2B5EF4-FFF2-40B4-BE49-F238E27FC236}">
-                <a16:creationId xmlns:a16="http://schemas.microsoft.com/office/drawing/2014/main" id="{E63EA9B3-19F9-4DAD-AF96-08B93901E074}"/>
+          <p:cNvPr id="74" name="Textfeld 73">
+            <a:extLst>
+              <a:ext uri="{FF2B5EF4-FFF2-40B4-BE49-F238E27FC236}">
+                <a16:creationId xmlns:a16="http://schemas.microsoft.com/office/drawing/2014/main" id="{A3F1D1A0-E7A9-4890-B450-D8145EA558CD}"/>
               </a:ext>
             </a:extLst>
           </p:cNvPr>
@@ -14594,8 +14562,8 @@
         </p:nvSpPr>
         <p:spPr>
           <a:xfrm>
-            <a:off x="3502860" y="484958"/>
-            <a:ext cx="728821" cy="253916"/>
+            <a:off x="1255063" y="484275"/>
+            <a:ext cx="728821" cy="265457"/>
           </a:xfrm>
           <a:prstGeom prst="rect">
             <a:avLst/>
@@ -14610,22 +14578,18 @@
           <a:p>
             <a:r>
               <a:rPr lang="de-CH" sz="750" dirty="0"/>
-              <a:t>Rechnungen</a:t>
+              <a:t>Kreditoren</a:t>
             </a:r>
             <a:br>
               <a:rPr lang="de-CH" sz="750" dirty="0"/>
             </a:br>
             <a:r>
-              <a:rPr lang="de-CH" sz="300" dirty="0"/>
-              <a:t>file-</a:t>
-            </a:r>
-            <a:r>
-              <a:rPr lang="de-CH" sz="300" dirty="0" err="1"/>
-              <a:t>invoice</a:t>
-            </a:r>
-            <a:r>
-              <a:rPr lang="de-CH" sz="300" dirty="0"/>
-              <a:t>-dollar</a:t>
+              <a:rPr lang="de-CH" sz="375" dirty="0"/>
+              <a:t>user-</a:t>
+            </a:r>
+            <a:r>
+              <a:rPr lang="de-CH" sz="375" dirty="0" err="1"/>
+              <a:t>tie</a:t>
             </a:r>
             <a:endParaRPr lang="de-CH" sz="750" dirty="0"/>
           </a:p>
@@ -14633,10 +14597,10 @@
       </p:sp>
       <p:pic>
         <p:nvPicPr>
-          <p:cNvPr id="73" name="Grafik 72">
-            <a:extLst>
-              <a:ext uri="{FF2B5EF4-FFF2-40B4-BE49-F238E27FC236}">
-                <a16:creationId xmlns:a16="http://schemas.microsoft.com/office/drawing/2014/main" id="{4D4542A2-F0A8-455F-901C-B19369D1F973}"/>
+          <p:cNvPr id="4" name="Grafik 3">
+            <a:extLst>
+              <a:ext uri="{FF2B5EF4-FFF2-40B4-BE49-F238E27FC236}">
+                <a16:creationId xmlns:a16="http://schemas.microsoft.com/office/drawing/2014/main" id="{9406529B-509B-42B7-A142-FAE3A1F66B7D}"/>
               </a:ext>
             </a:extLst>
           </p:cNvPr>
@@ -14662,8 +14626,8 @@
         </p:blipFill>
         <p:spPr>
           <a:xfrm>
-            <a:off x="2298326" y="67926"/>
-            <a:ext cx="364904" cy="417032"/>
+            <a:off x="8452339" y="383783"/>
+            <a:ext cx="232311" cy="232311"/>
           </a:xfrm>
           <a:prstGeom prst="rect">
             <a:avLst/>
@@ -14672,10 +14636,10 @@
       </p:pic>
       <p:sp>
         <p:nvSpPr>
-          <p:cNvPr id="74" name="Textfeld 73">
-            <a:extLst>
-              <a:ext uri="{FF2B5EF4-FFF2-40B4-BE49-F238E27FC236}">
-                <a16:creationId xmlns:a16="http://schemas.microsoft.com/office/drawing/2014/main" id="{A3F1D1A0-E7A9-4890-B450-D8145EA558CD}"/>
+          <p:cNvPr id="23" name="Textfeld 22">
+            <a:extLst>
+              <a:ext uri="{FF2B5EF4-FFF2-40B4-BE49-F238E27FC236}">
+                <a16:creationId xmlns:a16="http://schemas.microsoft.com/office/drawing/2014/main" id="{78E7674F-AC57-4480-BF2D-706CEBDBE8BC}"/>
               </a:ext>
             </a:extLst>
           </p:cNvPr>
@@ -14684,8 +14648,8 @@
         </p:nvSpPr>
         <p:spPr>
           <a:xfrm>
-            <a:off x="2116368" y="484275"/>
-            <a:ext cx="728821" cy="265457"/>
+            <a:off x="8368317" y="584435"/>
+            <a:ext cx="523846" cy="138499"/>
           </a:xfrm>
           <a:prstGeom prst="rect">
             <a:avLst/>
@@ -14699,30 +14663,57 @@
           <a:lstStyle/>
           <a:p>
             <a:r>
-              <a:rPr lang="de-CH" sz="750" dirty="0"/>
-              <a:t>Kreditoren</a:t>
-            </a:r>
-            <a:br>
-              <a:rPr lang="de-CH" sz="750" dirty="0"/>
-            </a:br>
-            <a:r>
-              <a:rPr lang="de-CH" sz="375" dirty="0"/>
-              <a:t>user-</a:t>
-            </a:r>
-            <a:r>
-              <a:rPr lang="de-CH" sz="375" dirty="0" err="1"/>
-              <a:t>tie</a:t>
-            </a:r>
-            <a:endParaRPr lang="de-CH" sz="750" dirty="0"/>
+              <a:rPr lang="de-CH" sz="300" dirty="0" err="1"/>
+              <a:t>Sign</a:t>
+            </a:r>
+            <a:r>
+              <a:rPr lang="de-CH" sz="300" dirty="0"/>
+              <a:t>-out-alt</a:t>
+            </a:r>
+          </a:p>
+        </p:txBody>
+      </p:sp>
+      <p:sp>
+        <p:nvSpPr>
+          <p:cNvPr id="30" name="Textfeld 29">
+            <a:extLst>
+              <a:ext uri="{FF2B5EF4-FFF2-40B4-BE49-F238E27FC236}">
+                <a16:creationId xmlns:a16="http://schemas.microsoft.com/office/drawing/2014/main" id="{0B5B28E4-0027-41B1-A093-9ADDFE5393C4}"/>
+              </a:ext>
+            </a:extLst>
+          </p:cNvPr>
+          <p:cNvSpPr txBox="1"/>
+          <p:nvPr/>
+        </p:nvSpPr>
+        <p:spPr>
+          <a:xfrm>
+            <a:off x="4636035" y="1092266"/>
+            <a:ext cx="2041736" cy="300082"/>
+          </a:xfrm>
+          <a:prstGeom prst="rect">
+            <a:avLst/>
+          </a:prstGeom>
+          <a:noFill/>
+        </p:spPr>
+        <p:txBody>
+          <a:bodyPr wrap="square" rtlCol="0">
+            <a:spAutoFit/>
+          </a:bodyPr>
+          <a:lstStyle/>
+          <a:p>
+            <a:r>
+              <a:rPr lang="de-CH" sz="1350" dirty="0"/>
+              <a:t>Rechnungen</a:t>
+            </a:r>
           </a:p>
         </p:txBody>
       </p:sp>
       <p:pic>
         <p:nvPicPr>
-          <p:cNvPr id="4" name="Grafik 3">
-            <a:extLst>
-              <a:ext uri="{FF2B5EF4-FFF2-40B4-BE49-F238E27FC236}">
-                <a16:creationId xmlns:a16="http://schemas.microsoft.com/office/drawing/2014/main" id="{9406529B-509B-42B7-A142-FAE3A1F66B7D}"/>
+          <p:cNvPr id="9" name="Grafik 8">
+            <a:extLst>
+              <a:ext uri="{FF2B5EF4-FFF2-40B4-BE49-F238E27FC236}">
+                <a16:creationId xmlns:a16="http://schemas.microsoft.com/office/drawing/2014/main" id="{4A1AB0C7-8F83-489F-83B8-C68A854A2BDC}"/>
               </a:ext>
             </a:extLst>
           </p:cNvPr>
@@ -14748,8 +14739,8 @@
         </p:blipFill>
         <p:spPr>
           <a:xfrm>
-            <a:off x="8452339" y="383783"/>
-            <a:ext cx="232311" cy="232311"/>
+            <a:off x="3479108" y="94993"/>
+            <a:ext cx="430010" cy="344008"/>
           </a:xfrm>
           <a:prstGeom prst="rect">
             <a:avLst/>
@@ -14758,10 +14749,10 @@
       </p:pic>
       <p:sp>
         <p:nvSpPr>
-          <p:cNvPr id="23" name="Textfeld 22">
-            <a:extLst>
-              <a:ext uri="{FF2B5EF4-FFF2-40B4-BE49-F238E27FC236}">
-                <a16:creationId xmlns:a16="http://schemas.microsoft.com/office/drawing/2014/main" id="{78E7674F-AC57-4480-BF2D-706CEBDBE8BC}"/>
+          <p:cNvPr id="35" name="Textfeld 34">
+            <a:extLst>
+              <a:ext uri="{FF2B5EF4-FFF2-40B4-BE49-F238E27FC236}">
+                <a16:creationId xmlns:a16="http://schemas.microsoft.com/office/drawing/2014/main" id="{1998E68F-D869-43FF-9BBA-1A741FC9CC62}"/>
               </a:ext>
             </a:extLst>
           </p:cNvPr>
@@ -14770,8 +14761,8 @@
         </p:nvSpPr>
         <p:spPr>
           <a:xfrm>
-            <a:off x="8368317" y="584435"/>
-            <a:ext cx="523846" cy="138499"/>
+            <a:off x="3474062" y="457477"/>
+            <a:ext cx="601337" cy="253916"/>
           </a:xfrm>
           <a:prstGeom prst="rect">
             <a:avLst/>
@@ -14785,57 +14776,34 @@
           <a:lstStyle/>
           <a:p>
             <a:r>
+              <a:rPr lang="de-CH" sz="750" dirty="0"/>
+              <a:t>Konten</a:t>
+            </a:r>
+            <a:br>
+              <a:rPr lang="de-CH" sz="750" dirty="0"/>
+            </a:br>
+            <a:r>
+              <a:rPr lang="de-CH" sz="300" dirty="0"/>
+              <a:t> </a:t>
+            </a:r>
+            <a:r>
               <a:rPr lang="de-CH" sz="300" dirty="0" err="1"/>
-              <a:t>Sign</a:t>
+              <a:t>money</a:t>
             </a:r>
             <a:r>
               <a:rPr lang="de-CH" sz="300" dirty="0"/>
-              <a:t>-out-alt</a:t>
-            </a:r>
-          </a:p>
-        </p:txBody>
-      </p:sp>
-      <p:sp>
-        <p:nvSpPr>
-          <p:cNvPr id="30" name="Textfeld 29">
-            <a:extLst>
-              <a:ext uri="{FF2B5EF4-FFF2-40B4-BE49-F238E27FC236}">
-                <a16:creationId xmlns:a16="http://schemas.microsoft.com/office/drawing/2014/main" id="{0B5B28E4-0027-41B1-A093-9ADDFE5393C4}"/>
-              </a:ext>
-            </a:extLst>
-          </p:cNvPr>
-          <p:cNvSpPr txBox="1"/>
-          <p:nvPr/>
-        </p:nvSpPr>
-        <p:spPr>
-          <a:xfrm>
-            <a:off x="4636035" y="1092266"/>
-            <a:ext cx="2041736" cy="300082"/>
-          </a:xfrm>
-          <a:prstGeom prst="rect">
-            <a:avLst/>
-          </a:prstGeom>
-          <a:noFill/>
-        </p:spPr>
-        <p:txBody>
-          <a:bodyPr wrap="square" rtlCol="0">
-            <a:spAutoFit/>
-          </a:bodyPr>
-          <a:lstStyle/>
-          <a:p>
-            <a:r>
-              <a:rPr lang="de-CH" sz="1350" dirty="0"/>
-              <a:t>Rechnungen</a:t>
-            </a:r>
+              <a:t>-check-alt</a:t>
+            </a:r>
+            <a:endParaRPr lang="de-CH" sz="750" dirty="0"/>
           </a:p>
         </p:txBody>
       </p:sp>
       <p:pic>
         <p:nvPicPr>
-          <p:cNvPr id="9" name="Grafik 8">
-            <a:extLst>
-              <a:ext uri="{FF2B5EF4-FFF2-40B4-BE49-F238E27FC236}">
-                <a16:creationId xmlns:a16="http://schemas.microsoft.com/office/drawing/2014/main" id="{4A1AB0C7-8F83-489F-83B8-C68A854A2BDC}"/>
+          <p:cNvPr id="24" name="Grafik 23">
+            <a:extLst>
+              <a:ext uri="{FF2B5EF4-FFF2-40B4-BE49-F238E27FC236}">
+                <a16:creationId xmlns:a16="http://schemas.microsoft.com/office/drawing/2014/main" id="{73C1D568-3DAD-47E6-ABA2-CE4CEBAC9EEA}"/>
               </a:ext>
             </a:extLst>
           </p:cNvPr>
@@ -14845,97 +14813,7 @@
           <p:nvPr/>
         </p:nvPicPr>
         <p:blipFill>
-          <a:blip r:embed="rId16">
-            <a:extLst>
-              <a:ext uri="{28A0092B-C50C-407E-A947-70E740481C1C}">
-                <a14:useLocalDpi xmlns:a14="http://schemas.microsoft.com/office/drawing/2010/main" val="0"/>
-              </a:ext>
-              <a:ext uri="{96DAC541-7B7A-43D3-8B79-37D633B846F1}">
-                <asvg:svgBlip xmlns:asvg="http://schemas.microsoft.com/office/drawing/2016/SVG/main" r:embed="rId17"/>
-              </a:ext>
-            </a:extLst>
-          </a:blip>
-          <a:stretch>
-            <a:fillRect/>
-          </a:stretch>
-        </p:blipFill>
-        <p:spPr>
-          <a:xfrm>
-            <a:off x="4340413" y="94993"/>
-            <a:ext cx="430010" cy="344008"/>
-          </a:xfrm>
-          <a:prstGeom prst="rect">
-            <a:avLst/>
-          </a:prstGeom>
-        </p:spPr>
-      </p:pic>
-      <p:sp>
-        <p:nvSpPr>
-          <p:cNvPr id="35" name="Textfeld 34">
-            <a:extLst>
-              <a:ext uri="{FF2B5EF4-FFF2-40B4-BE49-F238E27FC236}">
-                <a16:creationId xmlns:a16="http://schemas.microsoft.com/office/drawing/2014/main" id="{1998E68F-D869-43FF-9BBA-1A741FC9CC62}"/>
-              </a:ext>
-            </a:extLst>
-          </p:cNvPr>
-          <p:cNvSpPr txBox="1"/>
-          <p:nvPr/>
-        </p:nvSpPr>
-        <p:spPr>
-          <a:xfrm>
-            <a:off x="4335367" y="457477"/>
-            <a:ext cx="601337" cy="253916"/>
-          </a:xfrm>
-          <a:prstGeom prst="rect">
-            <a:avLst/>
-          </a:prstGeom>
-          <a:noFill/>
-        </p:spPr>
-        <p:txBody>
-          <a:bodyPr wrap="square" rtlCol="0">
-            <a:spAutoFit/>
-          </a:bodyPr>
-          <a:lstStyle/>
-          <a:p>
-            <a:r>
-              <a:rPr lang="de-CH" sz="750" dirty="0"/>
-              <a:t>Konten</a:t>
-            </a:r>
-            <a:br>
-              <a:rPr lang="de-CH" sz="750" dirty="0"/>
-            </a:br>
-            <a:r>
-              <a:rPr lang="de-CH" sz="300" dirty="0"/>
-              <a:t> </a:t>
-            </a:r>
-            <a:r>
-              <a:rPr lang="de-CH" sz="300" dirty="0" err="1"/>
-              <a:t>money</a:t>
-            </a:r>
-            <a:r>
-              <a:rPr lang="de-CH" sz="300" dirty="0"/>
-              <a:t>-check-alt</a:t>
-            </a:r>
-            <a:endParaRPr lang="de-CH" sz="750" dirty="0"/>
-          </a:p>
-        </p:txBody>
-      </p:sp>
-      <p:pic>
-        <p:nvPicPr>
-          <p:cNvPr id="24" name="Grafik 23">
-            <a:extLst>
-              <a:ext uri="{FF2B5EF4-FFF2-40B4-BE49-F238E27FC236}">
-                <a16:creationId xmlns:a16="http://schemas.microsoft.com/office/drawing/2014/main" id="{73C1D568-3DAD-47E6-ABA2-CE4CEBAC9EEA}"/>
-              </a:ext>
-            </a:extLst>
-          </p:cNvPr>
-          <p:cNvPicPr>
-            <a:picLocks noChangeAspect="1"/>
-          </p:cNvPicPr>
-          <p:nvPr/>
-        </p:nvPicPr>
-        <p:blipFill>
-          <a:blip r:embed="rId18"/>
+          <a:blip r:embed="rId16"/>
           <a:stretch>
             <a:fillRect/>
           </a:stretch>
@@ -15273,12 +15151,59 @@
           </a:prstGeom>
         </p:spPr>
       </p:pic>
+      <p:sp>
+        <p:nvSpPr>
+          <p:cNvPr id="57" name="Textfeld 56">
+            <a:extLst>
+              <a:ext uri="{FF2B5EF4-FFF2-40B4-BE49-F238E27FC236}">
+                <a16:creationId xmlns:a16="http://schemas.microsoft.com/office/drawing/2014/main" id="{4B2952E7-70FC-44FE-A94C-81EF62FF2DFC}"/>
+              </a:ext>
+            </a:extLst>
+          </p:cNvPr>
+          <p:cNvSpPr txBox="1"/>
+          <p:nvPr/>
+        </p:nvSpPr>
+        <p:spPr>
+          <a:xfrm>
+            <a:off x="102713" y="484959"/>
+            <a:ext cx="740156" cy="265457"/>
+          </a:xfrm>
+          <a:prstGeom prst="rect">
+            <a:avLst/>
+          </a:prstGeom>
+          <a:noFill/>
+        </p:spPr>
+        <p:txBody>
+          <a:bodyPr wrap="square" rtlCol="0">
+            <a:spAutoFit/>
+          </a:bodyPr>
+          <a:lstStyle/>
+          <a:p>
+            <a:r>
+              <a:rPr lang="de-CH" sz="750" dirty="0"/>
+              <a:t>Liegenschaft</a:t>
+            </a:r>
+            <a:br>
+              <a:rPr lang="de-CH" sz="750" dirty="0"/>
+            </a:br>
+            <a:r>
+              <a:rPr lang="de-CH" sz="375" dirty="0" err="1"/>
+              <a:t>building</a:t>
+            </a:r>
+            <a:r>
+              <a:rPr lang="de-CH" sz="375" dirty="0"/>
+              <a:t> (fa6)</a:t>
+            </a:r>
+            <a:endParaRPr lang="de-CH" sz="750" dirty="0"/>
+          </a:p>
+        </p:txBody>
+      </p:sp>
       <p:pic>
         <p:nvPicPr>
-          <p:cNvPr id="56" name="Grafik 55">
-            <a:extLst>
-              <a:ext uri="{FF2B5EF4-FFF2-40B4-BE49-F238E27FC236}">
-                <a16:creationId xmlns:a16="http://schemas.microsoft.com/office/drawing/2014/main" id="{EF1D948D-7334-4D62-A912-3CBCC5F7FE1B}"/>
+          <p:cNvPr id="60" name="Grafik 59">
+            <a:extLst>
+              <a:ext uri="{FF2B5EF4-FFF2-40B4-BE49-F238E27FC236}">
+                <a16:creationId xmlns:a16="http://schemas.microsoft.com/office/drawing/2014/main" id="{DF053CFD-830D-482C-9C41-3DABBFC37B46}"/>
               </a:ext>
             </a:extLst>
           </p:cNvPr>
@@ -15304,108 +15229,20 @@
         </p:blipFill>
         <p:spPr>
           <a:xfrm>
-            <a:off x="880379" y="94992"/>
-            <a:ext cx="471031" cy="376825"/>
+            <a:off x="2144797" y="94993"/>
+            <a:ext cx="281939" cy="375918"/>
           </a:xfrm>
           <a:prstGeom prst="rect">
             <a:avLst/>
           </a:prstGeom>
         </p:spPr>
       </p:pic>
-      <p:sp>
-        <p:nvSpPr>
-          <p:cNvPr id="57" name="Textfeld 56">
-            <a:extLst>
-              <a:ext uri="{FF2B5EF4-FFF2-40B4-BE49-F238E27FC236}">
-                <a16:creationId xmlns:a16="http://schemas.microsoft.com/office/drawing/2014/main" id="{4B2952E7-70FC-44FE-A94C-81EF62FF2DFC}"/>
-              </a:ext>
-            </a:extLst>
-          </p:cNvPr>
-          <p:cNvSpPr txBox="1"/>
-          <p:nvPr/>
-        </p:nvSpPr>
-        <p:spPr>
-          <a:xfrm>
-            <a:off x="102713" y="484959"/>
-            <a:ext cx="740156" cy="265457"/>
-          </a:xfrm>
-          <a:prstGeom prst="rect">
-            <a:avLst/>
-          </a:prstGeom>
-          <a:noFill/>
-        </p:spPr>
-        <p:txBody>
-          <a:bodyPr wrap="square" rtlCol="0">
-            <a:spAutoFit/>
-          </a:bodyPr>
-          <a:lstStyle/>
-          <a:p>
-            <a:r>
-              <a:rPr lang="de-CH" sz="750" dirty="0"/>
-              <a:t>Liegenschaft</a:t>
-            </a:r>
-            <a:br>
-              <a:rPr lang="de-CH" sz="750" dirty="0"/>
-            </a:br>
-            <a:r>
-              <a:rPr lang="de-CH" sz="375" dirty="0" err="1"/>
-              <a:t>building</a:t>
-            </a:r>
-            <a:r>
-              <a:rPr lang="de-CH" sz="375" dirty="0"/>
-              <a:t> (fa6)</a:t>
-            </a:r>
-            <a:endParaRPr lang="de-CH" sz="750" dirty="0"/>
-          </a:p>
-        </p:txBody>
-      </p:sp>
-      <p:sp>
-        <p:nvSpPr>
-          <p:cNvPr id="58" name="Textfeld 57">
-            <a:extLst>
-              <a:ext uri="{FF2B5EF4-FFF2-40B4-BE49-F238E27FC236}">
-                <a16:creationId xmlns:a16="http://schemas.microsoft.com/office/drawing/2014/main" id="{929C59B8-FC97-4D9D-9AFD-57525B08CDE0}"/>
-              </a:ext>
-            </a:extLst>
-          </p:cNvPr>
-          <p:cNvSpPr txBox="1"/>
-          <p:nvPr/>
-        </p:nvSpPr>
-        <p:spPr>
-          <a:xfrm>
-            <a:off x="853080" y="484959"/>
-            <a:ext cx="551747" cy="265457"/>
-          </a:xfrm>
-          <a:prstGeom prst="rect">
-            <a:avLst/>
-          </a:prstGeom>
-          <a:noFill/>
-        </p:spPr>
-        <p:txBody>
-          <a:bodyPr wrap="square" rtlCol="0">
-            <a:spAutoFit/>
-          </a:bodyPr>
-          <a:lstStyle/>
-          <a:p>
-            <a:r>
-              <a:rPr lang="de-CH" sz="750" dirty="0"/>
-              <a:t>Objekte</a:t>
-            </a:r>
-          </a:p>
-          <a:p>
-            <a:r>
-              <a:rPr lang="de-CH" sz="375" dirty="0"/>
-              <a:t>Building-user (fa6)</a:t>
-            </a:r>
-          </a:p>
-        </p:txBody>
-      </p:sp>
       <p:pic>
         <p:nvPicPr>
-          <p:cNvPr id="60" name="Grafik 59">
-            <a:extLst>
-              <a:ext uri="{FF2B5EF4-FFF2-40B4-BE49-F238E27FC236}">
-                <a16:creationId xmlns:a16="http://schemas.microsoft.com/office/drawing/2014/main" id="{DF053CFD-830D-482C-9C41-3DABBFC37B46}"/>
+          <p:cNvPr id="62" name="Grafik 61">
+            <a:extLst>
+              <a:ext uri="{FF2B5EF4-FFF2-40B4-BE49-F238E27FC236}">
+                <a16:creationId xmlns:a16="http://schemas.microsoft.com/office/drawing/2014/main" id="{F0D201B8-943D-4A47-ABB1-4BF39B067E8D}"/>
               </a:ext>
             </a:extLst>
           </p:cNvPr>
@@ -15431,20 +15268,110 @@
         </p:blipFill>
         <p:spPr>
           <a:xfrm>
-            <a:off x="2982500" y="94993"/>
-            <a:ext cx="281939" cy="375918"/>
+            <a:off x="734485" y="94993"/>
+            <a:ext cx="469898" cy="375918"/>
           </a:xfrm>
           <a:prstGeom prst="rect">
             <a:avLst/>
           </a:prstGeom>
         </p:spPr>
       </p:pic>
+      <p:sp>
+        <p:nvSpPr>
+          <p:cNvPr id="65" name="Textfeld 64">
+            <a:extLst>
+              <a:ext uri="{FF2B5EF4-FFF2-40B4-BE49-F238E27FC236}">
+                <a16:creationId xmlns:a16="http://schemas.microsoft.com/office/drawing/2014/main" id="{ECCF88BE-1316-4D2F-A6DB-2C9FE9040A62}"/>
+              </a:ext>
+            </a:extLst>
+          </p:cNvPr>
+          <p:cNvSpPr txBox="1"/>
+          <p:nvPr/>
+        </p:nvSpPr>
+        <p:spPr>
+          <a:xfrm>
+            <a:off x="705960" y="498781"/>
+            <a:ext cx="671884" cy="253916"/>
+          </a:xfrm>
+          <a:prstGeom prst="rect">
+            <a:avLst/>
+          </a:prstGeom>
+          <a:noFill/>
+        </p:spPr>
+        <p:txBody>
+          <a:bodyPr wrap="square" rtlCol="0">
+            <a:spAutoFit/>
+          </a:bodyPr>
+          <a:lstStyle/>
+          <a:p>
+            <a:r>
+              <a:rPr lang="de-CH" sz="750" dirty="0"/>
+              <a:t>Mieter</a:t>
+            </a:r>
+            <a:br>
+              <a:rPr lang="de-CH" sz="750" dirty="0"/>
+            </a:br>
+            <a:r>
+              <a:rPr lang="de-CH" sz="300" dirty="0"/>
+              <a:t>user-tag</a:t>
+            </a:r>
+            <a:endParaRPr lang="de-CH" sz="750" dirty="0"/>
+          </a:p>
+        </p:txBody>
+      </p:sp>
+      <p:sp>
+        <p:nvSpPr>
+          <p:cNvPr id="66" name="Textfeld 65">
+            <a:extLst>
+              <a:ext uri="{FF2B5EF4-FFF2-40B4-BE49-F238E27FC236}">
+                <a16:creationId xmlns:a16="http://schemas.microsoft.com/office/drawing/2014/main" id="{7C2A1224-9653-4FEB-B039-573344A3E401}"/>
+              </a:ext>
+            </a:extLst>
+          </p:cNvPr>
+          <p:cNvSpPr txBox="1"/>
+          <p:nvPr/>
+        </p:nvSpPr>
+        <p:spPr>
+          <a:xfrm>
+            <a:off x="1964363" y="484959"/>
+            <a:ext cx="728821" cy="265457"/>
+          </a:xfrm>
+          <a:prstGeom prst="rect">
+            <a:avLst/>
+          </a:prstGeom>
+          <a:noFill/>
+        </p:spPr>
+        <p:txBody>
+          <a:bodyPr wrap="square" rtlCol="0">
+            <a:spAutoFit/>
+          </a:bodyPr>
+          <a:lstStyle/>
+          <a:p>
+            <a:r>
+              <a:rPr lang="de-CH" sz="750" dirty="0"/>
+              <a:t>Mietverträge</a:t>
+            </a:r>
+            <a:br>
+              <a:rPr lang="de-CH" sz="750" dirty="0"/>
+            </a:br>
+            <a:r>
+              <a:rPr lang="de-CH" sz="375" dirty="0"/>
+              <a:t>file-</a:t>
+            </a:r>
+            <a:r>
+              <a:rPr lang="de-CH" sz="375" dirty="0" err="1"/>
+              <a:t>contract</a:t>
+            </a:r>
+            <a:endParaRPr lang="de-CH" sz="750" dirty="0"/>
+          </a:p>
+        </p:txBody>
+      </p:sp>
       <p:pic>
         <p:nvPicPr>
-          <p:cNvPr id="62" name="Grafik 61">
-            <a:extLst>
-              <a:ext uri="{FF2B5EF4-FFF2-40B4-BE49-F238E27FC236}">
-                <a16:creationId xmlns:a16="http://schemas.microsoft.com/office/drawing/2014/main" id="{F0D201B8-943D-4A47-ABB1-4BF39B067E8D}"/>
+          <p:cNvPr id="70" name="Grafik 69">
+            <a:extLst>
+              <a:ext uri="{FF2B5EF4-FFF2-40B4-BE49-F238E27FC236}">
+                <a16:creationId xmlns:a16="http://schemas.microsoft.com/office/drawing/2014/main" id="{C796C772-CFBF-4DD2-ADC2-9C1E2F552336}"/>
               </a:ext>
             </a:extLst>
           </p:cNvPr>
@@ -15470,8 +15397,8 @@
         </p:blipFill>
         <p:spPr>
           <a:xfrm>
-            <a:off x="1572188" y="94993"/>
-            <a:ext cx="469898" cy="375918"/>
+            <a:off x="2795647" y="94992"/>
+            <a:ext cx="281939" cy="375918"/>
           </a:xfrm>
           <a:prstGeom prst="rect">
             <a:avLst/>
@@ -15480,10 +15407,10 @@
       </p:pic>
       <p:sp>
         <p:nvSpPr>
-          <p:cNvPr id="65" name="Textfeld 64">
-            <a:extLst>
-              <a:ext uri="{FF2B5EF4-FFF2-40B4-BE49-F238E27FC236}">
-                <a16:creationId xmlns:a16="http://schemas.microsoft.com/office/drawing/2014/main" id="{ECCF88BE-1316-4D2F-A6DB-2C9FE9040A62}"/>
+          <p:cNvPr id="71" name="Textfeld 70">
+            <a:extLst>
+              <a:ext uri="{FF2B5EF4-FFF2-40B4-BE49-F238E27FC236}">
+                <a16:creationId xmlns:a16="http://schemas.microsoft.com/office/drawing/2014/main" id="{E63EA9B3-19F9-4DAD-AF96-08B93901E074}"/>
               </a:ext>
             </a:extLst>
           </p:cNvPr>
@@ -15492,8 +15419,8 @@
         </p:nvSpPr>
         <p:spPr>
           <a:xfrm>
-            <a:off x="1543663" y="498781"/>
-            <a:ext cx="671884" cy="253916"/>
+            <a:off x="2665157" y="484958"/>
+            <a:ext cx="728821" cy="253916"/>
           </a:xfrm>
           <a:prstGeom prst="rect">
             <a:avLst/>
@@ -15508,61 +15435,22 @@
           <a:p>
             <a:r>
               <a:rPr lang="de-CH" sz="750" dirty="0"/>
-              <a:t>Mieter</a:t>
+              <a:t>Rechnungen</a:t>
             </a:r>
             <a:br>
               <a:rPr lang="de-CH" sz="750" dirty="0"/>
             </a:br>
             <a:r>
               <a:rPr lang="de-CH" sz="300" dirty="0"/>
-              <a:t>user-tag</a:t>
-            </a:r>
-            <a:endParaRPr lang="de-CH" sz="750" dirty="0"/>
-          </a:p>
-        </p:txBody>
-      </p:sp>
-      <p:sp>
-        <p:nvSpPr>
-          <p:cNvPr id="66" name="Textfeld 65">
-            <a:extLst>
-              <a:ext uri="{FF2B5EF4-FFF2-40B4-BE49-F238E27FC236}">
-                <a16:creationId xmlns:a16="http://schemas.microsoft.com/office/drawing/2014/main" id="{7C2A1224-9653-4FEB-B039-573344A3E401}"/>
-              </a:ext>
-            </a:extLst>
-          </p:cNvPr>
-          <p:cNvSpPr txBox="1"/>
-          <p:nvPr/>
-        </p:nvSpPr>
-        <p:spPr>
-          <a:xfrm>
-            <a:off x="2802066" y="484959"/>
-            <a:ext cx="728821" cy="265457"/>
-          </a:xfrm>
-          <a:prstGeom prst="rect">
-            <a:avLst/>
-          </a:prstGeom>
-          <a:noFill/>
-        </p:spPr>
-        <p:txBody>
-          <a:bodyPr wrap="square" rtlCol="0">
-            <a:spAutoFit/>
-          </a:bodyPr>
-          <a:lstStyle/>
-          <a:p>
-            <a:r>
-              <a:rPr lang="de-CH" sz="750" dirty="0"/>
-              <a:t>Mietverträge</a:t>
-            </a:r>
-            <a:br>
-              <a:rPr lang="de-CH" sz="750" dirty="0"/>
-            </a:br>
-            <a:r>
-              <a:rPr lang="de-CH" sz="375" dirty="0"/>
               <a:t>file-</a:t>
             </a:r>
             <a:r>
-              <a:rPr lang="de-CH" sz="375" dirty="0" err="1"/>
-              <a:t>contract</a:t>
+              <a:rPr lang="de-CH" sz="300" dirty="0" err="1"/>
+              <a:t>invoice</a:t>
+            </a:r>
+            <a:r>
+              <a:rPr lang="de-CH" sz="300" dirty="0"/>
+              <a:t>-dollar</a:t>
             </a:r>
             <a:endParaRPr lang="de-CH" sz="750" dirty="0"/>
           </a:p>
@@ -15570,10 +15458,10 @@
       </p:sp>
       <p:pic>
         <p:nvPicPr>
-          <p:cNvPr id="70" name="Grafik 69">
-            <a:extLst>
-              <a:ext uri="{FF2B5EF4-FFF2-40B4-BE49-F238E27FC236}">
-                <a16:creationId xmlns:a16="http://schemas.microsoft.com/office/drawing/2014/main" id="{C796C772-CFBF-4DD2-ADC2-9C1E2F552336}"/>
+          <p:cNvPr id="73" name="Grafik 72">
+            <a:extLst>
+              <a:ext uri="{FF2B5EF4-FFF2-40B4-BE49-F238E27FC236}">
+                <a16:creationId xmlns:a16="http://schemas.microsoft.com/office/drawing/2014/main" id="{4D4542A2-F0A8-455F-901C-B19369D1F973}"/>
               </a:ext>
             </a:extLst>
           </p:cNvPr>
@@ -15599,8 +15487,8 @@
         </p:blipFill>
         <p:spPr>
           <a:xfrm>
-            <a:off x="3633350" y="94992"/>
-            <a:ext cx="281939" cy="375918"/>
+            <a:off x="1460623" y="67926"/>
+            <a:ext cx="364904" cy="417032"/>
           </a:xfrm>
           <a:prstGeom prst="rect">
             <a:avLst/>
@@ -15609,10 +15497,10 @@
       </p:pic>
       <p:sp>
         <p:nvSpPr>
-          <p:cNvPr id="71" name="Textfeld 70">
-            <a:extLst>
-              <a:ext uri="{FF2B5EF4-FFF2-40B4-BE49-F238E27FC236}">
-                <a16:creationId xmlns:a16="http://schemas.microsoft.com/office/drawing/2014/main" id="{E63EA9B3-19F9-4DAD-AF96-08B93901E074}"/>
+          <p:cNvPr id="74" name="Textfeld 73">
+            <a:extLst>
+              <a:ext uri="{FF2B5EF4-FFF2-40B4-BE49-F238E27FC236}">
+                <a16:creationId xmlns:a16="http://schemas.microsoft.com/office/drawing/2014/main" id="{A3F1D1A0-E7A9-4890-B450-D8145EA558CD}"/>
               </a:ext>
             </a:extLst>
           </p:cNvPr>
@@ -15621,8 +15509,8 @@
         </p:nvSpPr>
         <p:spPr>
           <a:xfrm>
-            <a:off x="3502860" y="484958"/>
-            <a:ext cx="728821" cy="253916"/>
+            <a:off x="1278665" y="484275"/>
+            <a:ext cx="728821" cy="265457"/>
           </a:xfrm>
           <a:prstGeom prst="rect">
             <a:avLst/>
@@ -15637,22 +15525,18 @@
           <a:p>
             <a:r>
               <a:rPr lang="de-CH" sz="750" dirty="0"/>
-              <a:t>Rechnungen</a:t>
+              <a:t>Kreditoren</a:t>
             </a:r>
             <a:br>
               <a:rPr lang="de-CH" sz="750" dirty="0"/>
             </a:br>
             <a:r>
-              <a:rPr lang="de-CH" sz="300" dirty="0"/>
-              <a:t>file-</a:t>
-            </a:r>
-            <a:r>
-              <a:rPr lang="de-CH" sz="300" dirty="0" err="1"/>
-              <a:t>invoice</a:t>
-            </a:r>
-            <a:r>
-              <a:rPr lang="de-CH" sz="300" dirty="0"/>
-              <a:t>-dollar</a:t>
+              <a:rPr lang="de-CH" sz="375" dirty="0"/>
+              <a:t>user-</a:t>
+            </a:r>
+            <a:r>
+              <a:rPr lang="de-CH" sz="375" dirty="0" err="1"/>
+              <a:t>tie</a:t>
             </a:r>
             <a:endParaRPr lang="de-CH" sz="750" dirty="0"/>
           </a:p>
@@ -15660,10 +15544,10 @@
       </p:sp>
       <p:pic>
         <p:nvPicPr>
-          <p:cNvPr id="73" name="Grafik 72">
-            <a:extLst>
-              <a:ext uri="{FF2B5EF4-FFF2-40B4-BE49-F238E27FC236}">
-                <a16:creationId xmlns:a16="http://schemas.microsoft.com/office/drawing/2014/main" id="{4D4542A2-F0A8-455F-901C-B19369D1F973}"/>
+          <p:cNvPr id="4" name="Grafik 3">
+            <a:extLst>
+              <a:ext uri="{FF2B5EF4-FFF2-40B4-BE49-F238E27FC236}">
+                <a16:creationId xmlns:a16="http://schemas.microsoft.com/office/drawing/2014/main" id="{9406529B-509B-42B7-A142-FAE3A1F66B7D}"/>
               </a:ext>
             </a:extLst>
           </p:cNvPr>
@@ -15689,8 +15573,8 @@
         </p:blipFill>
         <p:spPr>
           <a:xfrm>
-            <a:off x="2298326" y="67926"/>
-            <a:ext cx="364904" cy="417032"/>
+            <a:off x="8452339" y="383783"/>
+            <a:ext cx="232311" cy="232311"/>
           </a:xfrm>
           <a:prstGeom prst="rect">
             <a:avLst/>
@@ -15699,10 +15583,10 @@
       </p:pic>
       <p:sp>
         <p:nvSpPr>
-          <p:cNvPr id="74" name="Textfeld 73">
-            <a:extLst>
-              <a:ext uri="{FF2B5EF4-FFF2-40B4-BE49-F238E27FC236}">
-                <a16:creationId xmlns:a16="http://schemas.microsoft.com/office/drawing/2014/main" id="{A3F1D1A0-E7A9-4890-B450-D8145EA558CD}"/>
+          <p:cNvPr id="23" name="Textfeld 22">
+            <a:extLst>
+              <a:ext uri="{FF2B5EF4-FFF2-40B4-BE49-F238E27FC236}">
+                <a16:creationId xmlns:a16="http://schemas.microsoft.com/office/drawing/2014/main" id="{78E7674F-AC57-4480-BF2D-706CEBDBE8BC}"/>
               </a:ext>
             </a:extLst>
           </p:cNvPr>
@@ -15711,8 +15595,8 @@
         </p:nvSpPr>
         <p:spPr>
           <a:xfrm>
-            <a:off x="2116368" y="484275"/>
-            <a:ext cx="728821" cy="265457"/>
+            <a:off x="8368317" y="584435"/>
+            <a:ext cx="523846" cy="138499"/>
           </a:xfrm>
           <a:prstGeom prst="rect">
             <a:avLst/>
@@ -15726,30 +15610,57 @@
           <a:lstStyle/>
           <a:p>
             <a:r>
-              <a:rPr lang="de-CH" sz="750" dirty="0"/>
-              <a:t>Kreditoren</a:t>
-            </a:r>
-            <a:br>
-              <a:rPr lang="de-CH" sz="750" dirty="0"/>
-            </a:br>
-            <a:r>
-              <a:rPr lang="de-CH" sz="375" dirty="0"/>
-              <a:t>user-</a:t>
-            </a:r>
-            <a:r>
-              <a:rPr lang="de-CH" sz="375" dirty="0" err="1"/>
-              <a:t>tie</a:t>
-            </a:r>
-            <a:endParaRPr lang="de-CH" sz="750" dirty="0"/>
+              <a:rPr lang="de-CH" sz="300" dirty="0" err="1"/>
+              <a:t>Sign</a:t>
+            </a:r>
+            <a:r>
+              <a:rPr lang="de-CH" sz="300" dirty="0"/>
+              <a:t>-out-alt</a:t>
+            </a:r>
+          </a:p>
+        </p:txBody>
+      </p:sp>
+      <p:sp>
+        <p:nvSpPr>
+          <p:cNvPr id="30" name="Textfeld 29">
+            <a:extLst>
+              <a:ext uri="{FF2B5EF4-FFF2-40B4-BE49-F238E27FC236}">
+                <a16:creationId xmlns:a16="http://schemas.microsoft.com/office/drawing/2014/main" id="{0B5B28E4-0027-41B1-A093-9ADDFE5393C4}"/>
+              </a:ext>
+            </a:extLst>
+          </p:cNvPr>
+          <p:cNvSpPr txBox="1"/>
+          <p:nvPr/>
+        </p:nvSpPr>
+        <p:spPr>
+          <a:xfrm>
+            <a:off x="4936704" y="1168870"/>
+            <a:ext cx="2041736" cy="300082"/>
+          </a:xfrm>
+          <a:prstGeom prst="rect">
+            <a:avLst/>
+          </a:prstGeom>
+          <a:noFill/>
+        </p:spPr>
+        <p:txBody>
+          <a:bodyPr wrap="square" rtlCol="0">
+            <a:spAutoFit/>
+          </a:bodyPr>
+          <a:lstStyle/>
+          <a:p>
+            <a:r>
+              <a:rPr lang="de-CH" sz="1350" dirty="0"/>
+              <a:t>Konten</a:t>
+            </a:r>
           </a:p>
         </p:txBody>
       </p:sp>
       <p:pic>
         <p:nvPicPr>
-          <p:cNvPr id="4" name="Grafik 3">
-            <a:extLst>
-              <a:ext uri="{FF2B5EF4-FFF2-40B4-BE49-F238E27FC236}">
-                <a16:creationId xmlns:a16="http://schemas.microsoft.com/office/drawing/2014/main" id="{9406529B-509B-42B7-A142-FAE3A1F66B7D}"/>
+          <p:cNvPr id="9" name="Grafik 8">
+            <a:extLst>
+              <a:ext uri="{FF2B5EF4-FFF2-40B4-BE49-F238E27FC236}">
+                <a16:creationId xmlns:a16="http://schemas.microsoft.com/office/drawing/2014/main" id="{4A1AB0C7-8F83-489F-83B8-C68A854A2BDC}"/>
               </a:ext>
             </a:extLst>
           </p:cNvPr>
@@ -15775,8 +15686,8 @@
         </p:blipFill>
         <p:spPr>
           <a:xfrm>
-            <a:off x="8452339" y="383783"/>
-            <a:ext cx="232311" cy="232311"/>
+            <a:off x="3502710" y="94993"/>
+            <a:ext cx="430010" cy="344008"/>
           </a:xfrm>
           <a:prstGeom prst="rect">
             <a:avLst/>
@@ -15785,10 +15696,10 @@
       </p:pic>
       <p:sp>
         <p:nvSpPr>
-          <p:cNvPr id="23" name="Textfeld 22">
-            <a:extLst>
-              <a:ext uri="{FF2B5EF4-FFF2-40B4-BE49-F238E27FC236}">
-                <a16:creationId xmlns:a16="http://schemas.microsoft.com/office/drawing/2014/main" id="{78E7674F-AC57-4480-BF2D-706CEBDBE8BC}"/>
+          <p:cNvPr id="35" name="Textfeld 34">
+            <a:extLst>
+              <a:ext uri="{FF2B5EF4-FFF2-40B4-BE49-F238E27FC236}">
+                <a16:creationId xmlns:a16="http://schemas.microsoft.com/office/drawing/2014/main" id="{1998E68F-D869-43FF-9BBA-1A741FC9CC62}"/>
               </a:ext>
             </a:extLst>
           </p:cNvPr>
@@ -15797,8 +15708,8 @@
         </p:nvSpPr>
         <p:spPr>
           <a:xfrm>
-            <a:off x="8368317" y="584435"/>
-            <a:ext cx="523846" cy="138499"/>
+            <a:off x="3497664" y="457477"/>
+            <a:ext cx="601337" cy="253916"/>
           </a:xfrm>
           <a:prstGeom prst="rect">
             <a:avLst/>
@@ -15812,57 +15723,34 @@
           <a:lstStyle/>
           <a:p>
             <a:r>
+              <a:rPr lang="de-CH" sz="750" dirty="0"/>
+              <a:t>Konten</a:t>
+            </a:r>
+            <a:br>
+              <a:rPr lang="de-CH" sz="750" dirty="0"/>
+            </a:br>
+            <a:r>
+              <a:rPr lang="de-CH" sz="300" dirty="0"/>
+              <a:t> </a:t>
+            </a:r>
+            <a:r>
               <a:rPr lang="de-CH" sz="300" dirty="0" err="1"/>
-              <a:t>Sign</a:t>
+              <a:t>money</a:t>
             </a:r>
             <a:r>
               <a:rPr lang="de-CH" sz="300" dirty="0"/>
-              <a:t>-out-alt</a:t>
-            </a:r>
-          </a:p>
-        </p:txBody>
-      </p:sp>
-      <p:sp>
-        <p:nvSpPr>
-          <p:cNvPr id="30" name="Textfeld 29">
-            <a:extLst>
-              <a:ext uri="{FF2B5EF4-FFF2-40B4-BE49-F238E27FC236}">
-                <a16:creationId xmlns:a16="http://schemas.microsoft.com/office/drawing/2014/main" id="{0B5B28E4-0027-41B1-A093-9ADDFE5393C4}"/>
-              </a:ext>
-            </a:extLst>
-          </p:cNvPr>
-          <p:cNvSpPr txBox="1"/>
-          <p:nvPr/>
-        </p:nvSpPr>
-        <p:spPr>
-          <a:xfrm>
-            <a:off x="4936704" y="1168870"/>
-            <a:ext cx="2041736" cy="300082"/>
-          </a:xfrm>
-          <a:prstGeom prst="rect">
-            <a:avLst/>
-          </a:prstGeom>
-          <a:noFill/>
-        </p:spPr>
-        <p:txBody>
-          <a:bodyPr wrap="square" rtlCol="0">
-            <a:spAutoFit/>
-          </a:bodyPr>
-          <a:lstStyle/>
-          <a:p>
-            <a:r>
-              <a:rPr lang="de-CH" sz="1350" dirty="0"/>
-              <a:t>Konten</a:t>
-            </a:r>
+              <a:t>-check-alt</a:t>
+            </a:r>
+            <a:endParaRPr lang="de-CH" sz="750" dirty="0"/>
           </a:p>
         </p:txBody>
       </p:sp>
       <p:pic>
         <p:nvPicPr>
-          <p:cNvPr id="9" name="Grafik 8">
-            <a:extLst>
-              <a:ext uri="{FF2B5EF4-FFF2-40B4-BE49-F238E27FC236}">
-                <a16:creationId xmlns:a16="http://schemas.microsoft.com/office/drawing/2014/main" id="{4A1AB0C7-8F83-489F-83B8-C68A854A2BDC}"/>
+          <p:cNvPr id="24" name="Grafik 23">
+            <a:extLst>
+              <a:ext uri="{FF2B5EF4-FFF2-40B4-BE49-F238E27FC236}">
+                <a16:creationId xmlns:a16="http://schemas.microsoft.com/office/drawing/2014/main" id="{F121B337-66DC-4371-97F3-6EC68E01B491}"/>
               </a:ext>
             </a:extLst>
           </p:cNvPr>
@@ -15872,97 +15760,7 @@
           <p:nvPr/>
         </p:nvPicPr>
         <p:blipFill>
-          <a:blip r:embed="rId16">
-            <a:extLst>
-              <a:ext uri="{28A0092B-C50C-407E-A947-70E740481C1C}">
-                <a14:useLocalDpi xmlns:a14="http://schemas.microsoft.com/office/drawing/2010/main" val="0"/>
-              </a:ext>
-              <a:ext uri="{96DAC541-7B7A-43D3-8B79-37D633B846F1}">
-                <asvg:svgBlip xmlns:asvg="http://schemas.microsoft.com/office/drawing/2016/SVG/main" r:embed="rId17"/>
-              </a:ext>
-            </a:extLst>
-          </a:blip>
-          <a:stretch>
-            <a:fillRect/>
-          </a:stretch>
-        </p:blipFill>
-        <p:spPr>
-          <a:xfrm>
-            <a:off x="4340413" y="94993"/>
-            <a:ext cx="430010" cy="344008"/>
-          </a:xfrm>
-          <a:prstGeom prst="rect">
-            <a:avLst/>
-          </a:prstGeom>
-        </p:spPr>
-      </p:pic>
-      <p:sp>
-        <p:nvSpPr>
-          <p:cNvPr id="35" name="Textfeld 34">
-            <a:extLst>
-              <a:ext uri="{FF2B5EF4-FFF2-40B4-BE49-F238E27FC236}">
-                <a16:creationId xmlns:a16="http://schemas.microsoft.com/office/drawing/2014/main" id="{1998E68F-D869-43FF-9BBA-1A741FC9CC62}"/>
-              </a:ext>
-            </a:extLst>
-          </p:cNvPr>
-          <p:cNvSpPr txBox="1"/>
-          <p:nvPr/>
-        </p:nvSpPr>
-        <p:spPr>
-          <a:xfrm>
-            <a:off x="4335367" y="457477"/>
-            <a:ext cx="601337" cy="253916"/>
-          </a:xfrm>
-          <a:prstGeom prst="rect">
-            <a:avLst/>
-          </a:prstGeom>
-          <a:noFill/>
-        </p:spPr>
-        <p:txBody>
-          <a:bodyPr wrap="square" rtlCol="0">
-            <a:spAutoFit/>
-          </a:bodyPr>
-          <a:lstStyle/>
-          <a:p>
-            <a:r>
-              <a:rPr lang="de-CH" sz="750" dirty="0"/>
-              <a:t>Konten</a:t>
-            </a:r>
-            <a:br>
-              <a:rPr lang="de-CH" sz="750" dirty="0"/>
-            </a:br>
-            <a:r>
-              <a:rPr lang="de-CH" sz="300" dirty="0"/>
-              <a:t> </a:t>
-            </a:r>
-            <a:r>
-              <a:rPr lang="de-CH" sz="300" dirty="0" err="1"/>
-              <a:t>money</a:t>
-            </a:r>
-            <a:r>
-              <a:rPr lang="de-CH" sz="300" dirty="0"/>
-              <a:t>-check-alt</a:t>
-            </a:r>
-            <a:endParaRPr lang="de-CH" sz="750" dirty="0"/>
-          </a:p>
-        </p:txBody>
-      </p:sp>
-      <p:pic>
-        <p:nvPicPr>
-          <p:cNvPr id="24" name="Grafik 23">
-            <a:extLst>
-              <a:ext uri="{FF2B5EF4-FFF2-40B4-BE49-F238E27FC236}">
-                <a16:creationId xmlns:a16="http://schemas.microsoft.com/office/drawing/2014/main" id="{F121B337-66DC-4371-97F3-6EC68E01B491}"/>
-              </a:ext>
-            </a:extLst>
-          </p:cNvPr>
-          <p:cNvPicPr>
-            <a:picLocks noChangeAspect="1"/>
-          </p:cNvPicPr>
-          <p:nvPr/>
-        </p:nvPicPr>
-        <p:blipFill>
-          <a:blip r:embed="rId18"/>
+          <a:blip r:embed="rId16"/>
           <a:stretch>
             <a:fillRect/>
           </a:stretch>
@@ -16374,12 +16172,59 @@
           </a:prstGeom>
         </p:spPr>
       </p:pic>
+      <p:sp>
+        <p:nvSpPr>
+          <p:cNvPr id="57" name="Textfeld 56">
+            <a:extLst>
+              <a:ext uri="{FF2B5EF4-FFF2-40B4-BE49-F238E27FC236}">
+                <a16:creationId xmlns:a16="http://schemas.microsoft.com/office/drawing/2014/main" id="{4B2952E7-70FC-44FE-A94C-81EF62FF2DFC}"/>
+              </a:ext>
+            </a:extLst>
+          </p:cNvPr>
+          <p:cNvSpPr txBox="1"/>
+          <p:nvPr/>
+        </p:nvSpPr>
+        <p:spPr>
+          <a:xfrm>
+            <a:off x="102713" y="484959"/>
+            <a:ext cx="740156" cy="265457"/>
+          </a:xfrm>
+          <a:prstGeom prst="rect">
+            <a:avLst/>
+          </a:prstGeom>
+          <a:noFill/>
+        </p:spPr>
+        <p:txBody>
+          <a:bodyPr wrap="square" rtlCol="0">
+            <a:spAutoFit/>
+          </a:bodyPr>
+          <a:lstStyle/>
+          <a:p>
+            <a:r>
+              <a:rPr lang="de-CH" sz="750" dirty="0"/>
+              <a:t>Liegenschaft</a:t>
+            </a:r>
+            <a:br>
+              <a:rPr lang="de-CH" sz="750" dirty="0"/>
+            </a:br>
+            <a:r>
+              <a:rPr lang="de-CH" sz="375" dirty="0" err="1"/>
+              <a:t>building</a:t>
+            </a:r>
+            <a:r>
+              <a:rPr lang="de-CH" sz="375" dirty="0"/>
+              <a:t> (fa6)</a:t>
+            </a:r>
+            <a:endParaRPr lang="de-CH" sz="750" dirty="0"/>
+          </a:p>
+        </p:txBody>
+      </p:sp>
       <p:pic>
         <p:nvPicPr>
-          <p:cNvPr id="56" name="Grafik 55">
-            <a:extLst>
-              <a:ext uri="{FF2B5EF4-FFF2-40B4-BE49-F238E27FC236}">
-                <a16:creationId xmlns:a16="http://schemas.microsoft.com/office/drawing/2014/main" id="{EF1D948D-7334-4D62-A912-3CBCC5F7FE1B}"/>
+          <p:cNvPr id="60" name="Grafik 59">
+            <a:extLst>
+              <a:ext uri="{FF2B5EF4-FFF2-40B4-BE49-F238E27FC236}">
+                <a16:creationId xmlns:a16="http://schemas.microsoft.com/office/drawing/2014/main" id="{DF053CFD-830D-482C-9C41-3DABBFC37B46}"/>
               </a:ext>
             </a:extLst>
           </p:cNvPr>
@@ -16405,108 +16250,20 @@
         </p:blipFill>
         <p:spPr>
           <a:xfrm>
-            <a:off x="880379" y="94992"/>
-            <a:ext cx="471031" cy="376825"/>
+            <a:off x="2138897" y="94993"/>
+            <a:ext cx="281939" cy="375918"/>
           </a:xfrm>
           <a:prstGeom prst="rect">
             <a:avLst/>
           </a:prstGeom>
         </p:spPr>
       </p:pic>
-      <p:sp>
-        <p:nvSpPr>
-          <p:cNvPr id="57" name="Textfeld 56">
-            <a:extLst>
-              <a:ext uri="{FF2B5EF4-FFF2-40B4-BE49-F238E27FC236}">
-                <a16:creationId xmlns:a16="http://schemas.microsoft.com/office/drawing/2014/main" id="{4B2952E7-70FC-44FE-A94C-81EF62FF2DFC}"/>
-              </a:ext>
-            </a:extLst>
-          </p:cNvPr>
-          <p:cNvSpPr txBox="1"/>
-          <p:nvPr/>
-        </p:nvSpPr>
-        <p:spPr>
-          <a:xfrm>
-            <a:off x="102713" y="484959"/>
-            <a:ext cx="740156" cy="265457"/>
-          </a:xfrm>
-          <a:prstGeom prst="rect">
-            <a:avLst/>
-          </a:prstGeom>
-          <a:noFill/>
-        </p:spPr>
-        <p:txBody>
-          <a:bodyPr wrap="square" rtlCol="0">
-            <a:spAutoFit/>
-          </a:bodyPr>
-          <a:lstStyle/>
-          <a:p>
-            <a:r>
-              <a:rPr lang="de-CH" sz="750" dirty="0"/>
-              <a:t>Liegenschaft</a:t>
-            </a:r>
-            <a:br>
-              <a:rPr lang="de-CH" sz="750" dirty="0"/>
-            </a:br>
-            <a:r>
-              <a:rPr lang="de-CH" sz="375" dirty="0" err="1"/>
-              <a:t>building</a:t>
-            </a:r>
-            <a:r>
-              <a:rPr lang="de-CH" sz="375" dirty="0"/>
-              <a:t> (fa6)</a:t>
-            </a:r>
-            <a:endParaRPr lang="de-CH" sz="750" dirty="0"/>
-          </a:p>
-        </p:txBody>
-      </p:sp>
-      <p:sp>
-        <p:nvSpPr>
-          <p:cNvPr id="58" name="Textfeld 57">
-            <a:extLst>
-              <a:ext uri="{FF2B5EF4-FFF2-40B4-BE49-F238E27FC236}">
-                <a16:creationId xmlns:a16="http://schemas.microsoft.com/office/drawing/2014/main" id="{929C59B8-FC97-4D9D-9AFD-57525B08CDE0}"/>
-              </a:ext>
-            </a:extLst>
-          </p:cNvPr>
-          <p:cNvSpPr txBox="1"/>
-          <p:nvPr/>
-        </p:nvSpPr>
-        <p:spPr>
-          <a:xfrm>
-            <a:off x="853080" y="484959"/>
-            <a:ext cx="551747" cy="265457"/>
-          </a:xfrm>
-          <a:prstGeom prst="rect">
-            <a:avLst/>
-          </a:prstGeom>
-          <a:noFill/>
-        </p:spPr>
-        <p:txBody>
-          <a:bodyPr wrap="square" rtlCol="0">
-            <a:spAutoFit/>
-          </a:bodyPr>
-          <a:lstStyle/>
-          <a:p>
-            <a:r>
-              <a:rPr lang="de-CH" sz="750" dirty="0"/>
-              <a:t>Objekte</a:t>
-            </a:r>
-          </a:p>
-          <a:p>
-            <a:r>
-              <a:rPr lang="de-CH" sz="375" dirty="0"/>
-              <a:t>Building-user (fa6)</a:t>
-            </a:r>
-          </a:p>
-        </p:txBody>
-      </p:sp>
       <p:pic>
         <p:nvPicPr>
-          <p:cNvPr id="60" name="Grafik 59">
-            <a:extLst>
-              <a:ext uri="{FF2B5EF4-FFF2-40B4-BE49-F238E27FC236}">
-                <a16:creationId xmlns:a16="http://schemas.microsoft.com/office/drawing/2014/main" id="{DF053CFD-830D-482C-9C41-3DABBFC37B46}"/>
+          <p:cNvPr id="62" name="Grafik 61">
+            <a:extLst>
+              <a:ext uri="{FF2B5EF4-FFF2-40B4-BE49-F238E27FC236}">
+                <a16:creationId xmlns:a16="http://schemas.microsoft.com/office/drawing/2014/main" id="{F0D201B8-943D-4A47-ABB1-4BF39B067E8D}"/>
               </a:ext>
             </a:extLst>
           </p:cNvPr>
@@ -16532,20 +16289,110 @@
         </p:blipFill>
         <p:spPr>
           <a:xfrm>
-            <a:off x="2982500" y="94993"/>
-            <a:ext cx="281939" cy="375918"/>
+            <a:off x="728585" y="94993"/>
+            <a:ext cx="469898" cy="375918"/>
           </a:xfrm>
           <a:prstGeom prst="rect">
             <a:avLst/>
           </a:prstGeom>
         </p:spPr>
       </p:pic>
+      <p:sp>
+        <p:nvSpPr>
+          <p:cNvPr id="65" name="Textfeld 64">
+            <a:extLst>
+              <a:ext uri="{FF2B5EF4-FFF2-40B4-BE49-F238E27FC236}">
+                <a16:creationId xmlns:a16="http://schemas.microsoft.com/office/drawing/2014/main" id="{ECCF88BE-1316-4D2F-A6DB-2C9FE9040A62}"/>
+              </a:ext>
+            </a:extLst>
+          </p:cNvPr>
+          <p:cNvSpPr txBox="1"/>
+          <p:nvPr/>
+        </p:nvSpPr>
+        <p:spPr>
+          <a:xfrm>
+            <a:off x="700060" y="498781"/>
+            <a:ext cx="671884" cy="253916"/>
+          </a:xfrm>
+          <a:prstGeom prst="rect">
+            <a:avLst/>
+          </a:prstGeom>
+          <a:noFill/>
+        </p:spPr>
+        <p:txBody>
+          <a:bodyPr wrap="square" rtlCol="0">
+            <a:spAutoFit/>
+          </a:bodyPr>
+          <a:lstStyle/>
+          <a:p>
+            <a:r>
+              <a:rPr lang="de-CH" sz="750" dirty="0"/>
+              <a:t>Mieter</a:t>
+            </a:r>
+            <a:br>
+              <a:rPr lang="de-CH" sz="750" dirty="0"/>
+            </a:br>
+            <a:r>
+              <a:rPr lang="de-CH" sz="300" dirty="0"/>
+              <a:t>user-tag</a:t>
+            </a:r>
+            <a:endParaRPr lang="de-CH" sz="750" dirty="0"/>
+          </a:p>
+        </p:txBody>
+      </p:sp>
+      <p:sp>
+        <p:nvSpPr>
+          <p:cNvPr id="66" name="Textfeld 65">
+            <a:extLst>
+              <a:ext uri="{FF2B5EF4-FFF2-40B4-BE49-F238E27FC236}">
+                <a16:creationId xmlns:a16="http://schemas.microsoft.com/office/drawing/2014/main" id="{7C2A1224-9653-4FEB-B039-573344A3E401}"/>
+              </a:ext>
+            </a:extLst>
+          </p:cNvPr>
+          <p:cNvSpPr txBox="1"/>
+          <p:nvPr/>
+        </p:nvSpPr>
+        <p:spPr>
+          <a:xfrm>
+            <a:off x="1958463" y="484959"/>
+            <a:ext cx="728821" cy="265457"/>
+          </a:xfrm>
+          <a:prstGeom prst="rect">
+            <a:avLst/>
+          </a:prstGeom>
+          <a:noFill/>
+        </p:spPr>
+        <p:txBody>
+          <a:bodyPr wrap="square" rtlCol="0">
+            <a:spAutoFit/>
+          </a:bodyPr>
+          <a:lstStyle/>
+          <a:p>
+            <a:r>
+              <a:rPr lang="de-CH" sz="750" dirty="0"/>
+              <a:t>Mietverträge</a:t>
+            </a:r>
+            <a:br>
+              <a:rPr lang="de-CH" sz="750" dirty="0"/>
+            </a:br>
+            <a:r>
+              <a:rPr lang="de-CH" sz="375" dirty="0"/>
+              <a:t>file-</a:t>
+            </a:r>
+            <a:r>
+              <a:rPr lang="de-CH" sz="375" dirty="0" err="1"/>
+              <a:t>contract</a:t>
+            </a:r>
+            <a:endParaRPr lang="de-CH" sz="750" dirty="0"/>
+          </a:p>
+        </p:txBody>
+      </p:sp>
       <p:pic>
         <p:nvPicPr>
-          <p:cNvPr id="62" name="Grafik 61">
-            <a:extLst>
-              <a:ext uri="{FF2B5EF4-FFF2-40B4-BE49-F238E27FC236}">
-                <a16:creationId xmlns:a16="http://schemas.microsoft.com/office/drawing/2014/main" id="{F0D201B8-943D-4A47-ABB1-4BF39B067E8D}"/>
+          <p:cNvPr id="70" name="Grafik 69">
+            <a:extLst>
+              <a:ext uri="{FF2B5EF4-FFF2-40B4-BE49-F238E27FC236}">
+                <a16:creationId xmlns:a16="http://schemas.microsoft.com/office/drawing/2014/main" id="{C796C772-CFBF-4DD2-ADC2-9C1E2F552336}"/>
               </a:ext>
             </a:extLst>
           </p:cNvPr>
@@ -16571,8 +16418,8 @@
         </p:blipFill>
         <p:spPr>
           <a:xfrm>
-            <a:off x="1572188" y="94993"/>
-            <a:ext cx="469898" cy="375918"/>
+            <a:off x="2789747" y="94992"/>
+            <a:ext cx="281939" cy="375918"/>
           </a:xfrm>
           <a:prstGeom prst="rect">
             <a:avLst/>
@@ -16581,10 +16428,10 @@
       </p:pic>
       <p:sp>
         <p:nvSpPr>
-          <p:cNvPr id="65" name="Textfeld 64">
-            <a:extLst>
-              <a:ext uri="{FF2B5EF4-FFF2-40B4-BE49-F238E27FC236}">
-                <a16:creationId xmlns:a16="http://schemas.microsoft.com/office/drawing/2014/main" id="{ECCF88BE-1316-4D2F-A6DB-2C9FE9040A62}"/>
+          <p:cNvPr id="71" name="Textfeld 70">
+            <a:extLst>
+              <a:ext uri="{FF2B5EF4-FFF2-40B4-BE49-F238E27FC236}">
+                <a16:creationId xmlns:a16="http://schemas.microsoft.com/office/drawing/2014/main" id="{E63EA9B3-19F9-4DAD-AF96-08B93901E074}"/>
               </a:ext>
             </a:extLst>
           </p:cNvPr>
@@ -16593,8 +16440,8 @@
         </p:nvSpPr>
         <p:spPr>
           <a:xfrm>
-            <a:off x="1543663" y="498781"/>
-            <a:ext cx="671884" cy="253916"/>
+            <a:off x="2659257" y="484958"/>
+            <a:ext cx="728821" cy="253916"/>
           </a:xfrm>
           <a:prstGeom prst="rect">
             <a:avLst/>
@@ -16609,61 +16456,22 @@
           <a:p>
             <a:r>
               <a:rPr lang="de-CH" sz="750" dirty="0"/>
-              <a:t>Mieter</a:t>
+              <a:t>Rechnungen</a:t>
             </a:r>
             <a:br>
               <a:rPr lang="de-CH" sz="750" dirty="0"/>
             </a:br>
             <a:r>
               <a:rPr lang="de-CH" sz="300" dirty="0"/>
-              <a:t>user-tag</a:t>
-            </a:r>
-            <a:endParaRPr lang="de-CH" sz="750" dirty="0"/>
-          </a:p>
-        </p:txBody>
-      </p:sp>
-      <p:sp>
-        <p:nvSpPr>
-          <p:cNvPr id="66" name="Textfeld 65">
-            <a:extLst>
-              <a:ext uri="{FF2B5EF4-FFF2-40B4-BE49-F238E27FC236}">
-                <a16:creationId xmlns:a16="http://schemas.microsoft.com/office/drawing/2014/main" id="{7C2A1224-9653-4FEB-B039-573344A3E401}"/>
-              </a:ext>
-            </a:extLst>
-          </p:cNvPr>
-          <p:cNvSpPr txBox="1"/>
-          <p:nvPr/>
-        </p:nvSpPr>
-        <p:spPr>
-          <a:xfrm>
-            <a:off x="2802066" y="484959"/>
-            <a:ext cx="728821" cy="265457"/>
-          </a:xfrm>
-          <a:prstGeom prst="rect">
-            <a:avLst/>
-          </a:prstGeom>
-          <a:noFill/>
-        </p:spPr>
-        <p:txBody>
-          <a:bodyPr wrap="square" rtlCol="0">
-            <a:spAutoFit/>
-          </a:bodyPr>
-          <a:lstStyle/>
-          <a:p>
-            <a:r>
-              <a:rPr lang="de-CH" sz="750" dirty="0"/>
-              <a:t>Mietverträge</a:t>
-            </a:r>
-            <a:br>
-              <a:rPr lang="de-CH" sz="750" dirty="0"/>
-            </a:br>
-            <a:r>
-              <a:rPr lang="de-CH" sz="375" dirty="0"/>
               <a:t>file-</a:t>
             </a:r>
             <a:r>
-              <a:rPr lang="de-CH" sz="375" dirty="0" err="1"/>
-              <a:t>contract</a:t>
+              <a:rPr lang="de-CH" sz="300" dirty="0" err="1"/>
+              <a:t>invoice</a:t>
+            </a:r>
+            <a:r>
+              <a:rPr lang="de-CH" sz="300" dirty="0"/>
+              <a:t>-dollar</a:t>
             </a:r>
             <a:endParaRPr lang="de-CH" sz="750" dirty="0"/>
           </a:p>
@@ -16671,10 +16479,10 @@
       </p:sp>
       <p:pic>
         <p:nvPicPr>
-          <p:cNvPr id="70" name="Grafik 69">
-            <a:extLst>
-              <a:ext uri="{FF2B5EF4-FFF2-40B4-BE49-F238E27FC236}">
-                <a16:creationId xmlns:a16="http://schemas.microsoft.com/office/drawing/2014/main" id="{C796C772-CFBF-4DD2-ADC2-9C1E2F552336}"/>
+          <p:cNvPr id="73" name="Grafik 72">
+            <a:extLst>
+              <a:ext uri="{FF2B5EF4-FFF2-40B4-BE49-F238E27FC236}">
+                <a16:creationId xmlns:a16="http://schemas.microsoft.com/office/drawing/2014/main" id="{4D4542A2-F0A8-455F-901C-B19369D1F973}"/>
               </a:ext>
             </a:extLst>
           </p:cNvPr>
@@ -16700,8 +16508,8 @@
         </p:blipFill>
         <p:spPr>
           <a:xfrm>
-            <a:off x="3633350" y="94992"/>
-            <a:ext cx="281939" cy="375918"/>
+            <a:off x="1454723" y="67926"/>
+            <a:ext cx="364904" cy="417032"/>
           </a:xfrm>
           <a:prstGeom prst="rect">
             <a:avLst/>
@@ -16710,10 +16518,10 @@
       </p:pic>
       <p:sp>
         <p:nvSpPr>
-          <p:cNvPr id="71" name="Textfeld 70">
-            <a:extLst>
-              <a:ext uri="{FF2B5EF4-FFF2-40B4-BE49-F238E27FC236}">
-                <a16:creationId xmlns:a16="http://schemas.microsoft.com/office/drawing/2014/main" id="{E63EA9B3-19F9-4DAD-AF96-08B93901E074}"/>
+          <p:cNvPr id="74" name="Textfeld 73">
+            <a:extLst>
+              <a:ext uri="{FF2B5EF4-FFF2-40B4-BE49-F238E27FC236}">
+                <a16:creationId xmlns:a16="http://schemas.microsoft.com/office/drawing/2014/main" id="{A3F1D1A0-E7A9-4890-B450-D8145EA558CD}"/>
               </a:ext>
             </a:extLst>
           </p:cNvPr>
@@ -16722,8 +16530,8 @@
         </p:nvSpPr>
         <p:spPr>
           <a:xfrm>
-            <a:off x="3502860" y="484958"/>
-            <a:ext cx="728821" cy="253916"/>
+            <a:off x="1272765" y="484275"/>
+            <a:ext cx="728821" cy="265457"/>
           </a:xfrm>
           <a:prstGeom prst="rect">
             <a:avLst/>
@@ -16738,22 +16546,18 @@
           <a:p>
             <a:r>
               <a:rPr lang="de-CH" sz="750" dirty="0"/>
-              <a:t>Rechnungen</a:t>
+              <a:t>Kreditoren</a:t>
             </a:r>
             <a:br>
               <a:rPr lang="de-CH" sz="750" dirty="0"/>
             </a:br>
             <a:r>
-              <a:rPr lang="de-CH" sz="300" dirty="0"/>
-              <a:t>file-</a:t>
-            </a:r>
-            <a:r>
-              <a:rPr lang="de-CH" sz="300" dirty="0" err="1"/>
-              <a:t>invoice</a:t>
-            </a:r>
-            <a:r>
-              <a:rPr lang="de-CH" sz="300" dirty="0"/>
-              <a:t>-dollar</a:t>
+              <a:rPr lang="de-CH" sz="375" dirty="0"/>
+              <a:t>user-</a:t>
+            </a:r>
+            <a:r>
+              <a:rPr lang="de-CH" sz="375" dirty="0" err="1"/>
+              <a:t>tie</a:t>
             </a:r>
             <a:endParaRPr lang="de-CH" sz="750" dirty="0"/>
           </a:p>
@@ -16761,10 +16565,10 @@
       </p:sp>
       <p:pic>
         <p:nvPicPr>
-          <p:cNvPr id="73" name="Grafik 72">
-            <a:extLst>
-              <a:ext uri="{FF2B5EF4-FFF2-40B4-BE49-F238E27FC236}">
-                <a16:creationId xmlns:a16="http://schemas.microsoft.com/office/drawing/2014/main" id="{4D4542A2-F0A8-455F-901C-B19369D1F973}"/>
+          <p:cNvPr id="4" name="Grafik 3">
+            <a:extLst>
+              <a:ext uri="{FF2B5EF4-FFF2-40B4-BE49-F238E27FC236}">
+                <a16:creationId xmlns:a16="http://schemas.microsoft.com/office/drawing/2014/main" id="{9406529B-509B-42B7-A142-FAE3A1F66B7D}"/>
               </a:ext>
             </a:extLst>
           </p:cNvPr>
@@ -16790,8 +16594,8 @@
         </p:blipFill>
         <p:spPr>
           <a:xfrm>
-            <a:off x="2298326" y="67926"/>
-            <a:ext cx="364904" cy="417032"/>
+            <a:off x="8452339" y="383783"/>
+            <a:ext cx="232311" cy="232311"/>
           </a:xfrm>
           <a:prstGeom prst="rect">
             <a:avLst/>
@@ -16800,10 +16604,10 @@
       </p:pic>
       <p:sp>
         <p:nvSpPr>
-          <p:cNvPr id="74" name="Textfeld 73">
-            <a:extLst>
-              <a:ext uri="{FF2B5EF4-FFF2-40B4-BE49-F238E27FC236}">
-                <a16:creationId xmlns:a16="http://schemas.microsoft.com/office/drawing/2014/main" id="{A3F1D1A0-E7A9-4890-B450-D8145EA558CD}"/>
+          <p:cNvPr id="23" name="Textfeld 22">
+            <a:extLst>
+              <a:ext uri="{FF2B5EF4-FFF2-40B4-BE49-F238E27FC236}">
+                <a16:creationId xmlns:a16="http://schemas.microsoft.com/office/drawing/2014/main" id="{78E7674F-AC57-4480-BF2D-706CEBDBE8BC}"/>
               </a:ext>
             </a:extLst>
           </p:cNvPr>
@@ -16812,8 +16616,8 @@
         </p:nvSpPr>
         <p:spPr>
           <a:xfrm>
-            <a:off x="2116368" y="484275"/>
-            <a:ext cx="728821" cy="265457"/>
+            <a:off x="8368317" y="584435"/>
+            <a:ext cx="523846" cy="138499"/>
           </a:xfrm>
           <a:prstGeom prst="rect">
             <a:avLst/>
@@ -16827,30 +16631,57 @@
           <a:lstStyle/>
           <a:p>
             <a:r>
-              <a:rPr lang="de-CH" sz="750" dirty="0"/>
-              <a:t>Kreditoren</a:t>
-            </a:r>
-            <a:br>
-              <a:rPr lang="de-CH" sz="750" dirty="0"/>
-            </a:br>
-            <a:r>
-              <a:rPr lang="de-CH" sz="375" dirty="0"/>
-              <a:t>user-</a:t>
-            </a:r>
-            <a:r>
-              <a:rPr lang="de-CH" sz="375" dirty="0" err="1"/>
-              <a:t>tie</a:t>
-            </a:r>
-            <a:endParaRPr lang="de-CH" sz="750" dirty="0"/>
+              <a:rPr lang="de-CH" sz="300" dirty="0" err="1"/>
+              <a:t>Sign</a:t>
+            </a:r>
+            <a:r>
+              <a:rPr lang="de-CH" sz="300" dirty="0"/>
+              <a:t>-out-alt</a:t>
+            </a:r>
+          </a:p>
+        </p:txBody>
+      </p:sp>
+      <p:sp>
+        <p:nvSpPr>
+          <p:cNvPr id="30" name="Textfeld 29">
+            <a:extLst>
+              <a:ext uri="{FF2B5EF4-FFF2-40B4-BE49-F238E27FC236}">
+                <a16:creationId xmlns:a16="http://schemas.microsoft.com/office/drawing/2014/main" id="{0B5B28E4-0027-41B1-A093-9ADDFE5393C4}"/>
+              </a:ext>
+            </a:extLst>
+          </p:cNvPr>
+          <p:cNvSpPr txBox="1"/>
+          <p:nvPr/>
+        </p:nvSpPr>
+        <p:spPr>
+          <a:xfrm>
+            <a:off x="4936704" y="1187920"/>
+            <a:ext cx="2041736" cy="300082"/>
+          </a:xfrm>
+          <a:prstGeom prst="rect">
+            <a:avLst/>
+          </a:prstGeom>
+          <a:noFill/>
+        </p:spPr>
+        <p:txBody>
+          <a:bodyPr wrap="square" rtlCol="0">
+            <a:spAutoFit/>
+          </a:bodyPr>
+          <a:lstStyle/>
+          <a:p>
+            <a:r>
+              <a:rPr lang="de-CH" sz="1350" dirty="0"/>
+              <a:t>Konto XY</a:t>
+            </a:r>
           </a:p>
         </p:txBody>
       </p:sp>
       <p:pic>
         <p:nvPicPr>
-          <p:cNvPr id="4" name="Grafik 3">
-            <a:extLst>
-              <a:ext uri="{FF2B5EF4-FFF2-40B4-BE49-F238E27FC236}">
-                <a16:creationId xmlns:a16="http://schemas.microsoft.com/office/drawing/2014/main" id="{9406529B-509B-42B7-A142-FAE3A1F66B7D}"/>
+          <p:cNvPr id="9" name="Grafik 8">
+            <a:extLst>
+              <a:ext uri="{FF2B5EF4-FFF2-40B4-BE49-F238E27FC236}">
+                <a16:creationId xmlns:a16="http://schemas.microsoft.com/office/drawing/2014/main" id="{4A1AB0C7-8F83-489F-83B8-C68A854A2BDC}"/>
               </a:ext>
             </a:extLst>
           </p:cNvPr>
@@ -16876,8 +16707,8 @@
         </p:blipFill>
         <p:spPr>
           <a:xfrm>
-            <a:off x="8452339" y="383783"/>
-            <a:ext cx="232311" cy="232311"/>
+            <a:off x="3496810" y="94993"/>
+            <a:ext cx="430010" cy="344008"/>
           </a:xfrm>
           <a:prstGeom prst="rect">
             <a:avLst/>
@@ -16886,10 +16717,10 @@
       </p:pic>
       <p:sp>
         <p:nvSpPr>
-          <p:cNvPr id="23" name="Textfeld 22">
-            <a:extLst>
-              <a:ext uri="{FF2B5EF4-FFF2-40B4-BE49-F238E27FC236}">
-                <a16:creationId xmlns:a16="http://schemas.microsoft.com/office/drawing/2014/main" id="{78E7674F-AC57-4480-BF2D-706CEBDBE8BC}"/>
+          <p:cNvPr id="35" name="Textfeld 34">
+            <a:extLst>
+              <a:ext uri="{FF2B5EF4-FFF2-40B4-BE49-F238E27FC236}">
+                <a16:creationId xmlns:a16="http://schemas.microsoft.com/office/drawing/2014/main" id="{1998E68F-D869-43FF-9BBA-1A741FC9CC62}"/>
               </a:ext>
             </a:extLst>
           </p:cNvPr>
@@ -16898,8 +16729,8 @@
         </p:nvSpPr>
         <p:spPr>
           <a:xfrm>
-            <a:off x="8368317" y="584435"/>
-            <a:ext cx="523846" cy="138499"/>
+            <a:off x="3491764" y="457477"/>
+            <a:ext cx="601337" cy="253916"/>
           </a:xfrm>
           <a:prstGeom prst="rect">
             <a:avLst/>
@@ -16913,57 +16744,34 @@
           <a:lstStyle/>
           <a:p>
             <a:r>
+              <a:rPr lang="de-CH" sz="750" dirty="0"/>
+              <a:t>Konten</a:t>
+            </a:r>
+            <a:br>
+              <a:rPr lang="de-CH" sz="750" dirty="0"/>
+            </a:br>
+            <a:r>
+              <a:rPr lang="de-CH" sz="300" dirty="0"/>
+              <a:t> </a:t>
+            </a:r>
+            <a:r>
               <a:rPr lang="de-CH" sz="300" dirty="0" err="1"/>
-              <a:t>Sign</a:t>
+              <a:t>money</a:t>
             </a:r>
             <a:r>
               <a:rPr lang="de-CH" sz="300" dirty="0"/>
-              <a:t>-out-alt</a:t>
-            </a:r>
-          </a:p>
-        </p:txBody>
-      </p:sp>
-      <p:sp>
-        <p:nvSpPr>
-          <p:cNvPr id="30" name="Textfeld 29">
-            <a:extLst>
-              <a:ext uri="{FF2B5EF4-FFF2-40B4-BE49-F238E27FC236}">
-                <a16:creationId xmlns:a16="http://schemas.microsoft.com/office/drawing/2014/main" id="{0B5B28E4-0027-41B1-A093-9ADDFE5393C4}"/>
-              </a:ext>
-            </a:extLst>
-          </p:cNvPr>
-          <p:cNvSpPr txBox="1"/>
-          <p:nvPr/>
-        </p:nvSpPr>
-        <p:spPr>
-          <a:xfrm>
-            <a:off x="4936704" y="1187920"/>
-            <a:ext cx="2041736" cy="300082"/>
-          </a:xfrm>
-          <a:prstGeom prst="rect">
-            <a:avLst/>
-          </a:prstGeom>
-          <a:noFill/>
-        </p:spPr>
-        <p:txBody>
-          <a:bodyPr wrap="square" rtlCol="0">
-            <a:spAutoFit/>
-          </a:bodyPr>
-          <a:lstStyle/>
-          <a:p>
-            <a:r>
-              <a:rPr lang="de-CH" sz="1350" dirty="0"/>
-              <a:t>Konto XY</a:t>
-            </a:r>
+              <a:t>-check-alt</a:t>
+            </a:r>
+            <a:endParaRPr lang="de-CH" sz="750" dirty="0"/>
           </a:p>
         </p:txBody>
       </p:sp>
       <p:pic>
         <p:nvPicPr>
-          <p:cNvPr id="9" name="Grafik 8">
-            <a:extLst>
-              <a:ext uri="{FF2B5EF4-FFF2-40B4-BE49-F238E27FC236}">
-                <a16:creationId xmlns:a16="http://schemas.microsoft.com/office/drawing/2014/main" id="{4A1AB0C7-8F83-489F-83B8-C68A854A2BDC}"/>
+          <p:cNvPr id="24" name="Grafik 23">
+            <a:extLst>
+              <a:ext uri="{FF2B5EF4-FFF2-40B4-BE49-F238E27FC236}">
+                <a16:creationId xmlns:a16="http://schemas.microsoft.com/office/drawing/2014/main" id="{F121B337-66DC-4371-97F3-6EC68E01B491}"/>
               </a:ext>
             </a:extLst>
           </p:cNvPr>
@@ -16973,97 +16781,7 @@
           <p:nvPr/>
         </p:nvPicPr>
         <p:blipFill>
-          <a:blip r:embed="rId16">
-            <a:extLst>
-              <a:ext uri="{28A0092B-C50C-407E-A947-70E740481C1C}">
-                <a14:useLocalDpi xmlns:a14="http://schemas.microsoft.com/office/drawing/2010/main" val="0"/>
-              </a:ext>
-              <a:ext uri="{96DAC541-7B7A-43D3-8B79-37D633B846F1}">
-                <asvg:svgBlip xmlns:asvg="http://schemas.microsoft.com/office/drawing/2016/SVG/main" r:embed="rId17"/>
-              </a:ext>
-            </a:extLst>
-          </a:blip>
-          <a:stretch>
-            <a:fillRect/>
-          </a:stretch>
-        </p:blipFill>
-        <p:spPr>
-          <a:xfrm>
-            <a:off x="4340413" y="94993"/>
-            <a:ext cx="430010" cy="344008"/>
-          </a:xfrm>
-          <a:prstGeom prst="rect">
-            <a:avLst/>
-          </a:prstGeom>
-        </p:spPr>
-      </p:pic>
-      <p:sp>
-        <p:nvSpPr>
-          <p:cNvPr id="35" name="Textfeld 34">
-            <a:extLst>
-              <a:ext uri="{FF2B5EF4-FFF2-40B4-BE49-F238E27FC236}">
-                <a16:creationId xmlns:a16="http://schemas.microsoft.com/office/drawing/2014/main" id="{1998E68F-D869-43FF-9BBA-1A741FC9CC62}"/>
-              </a:ext>
-            </a:extLst>
-          </p:cNvPr>
-          <p:cNvSpPr txBox="1"/>
-          <p:nvPr/>
-        </p:nvSpPr>
-        <p:spPr>
-          <a:xfrm>
-            <a:off x="4335367" y="457477"/>
-            <a:ext cx="601337" cy="253916"/>
-          </a:xfrm>
-          <a:prstGeom prst="rect">
-            <a:avLst/>
-          </a:prstGeom>
-          <a:noFill/>
-        </p:spPr>
-        <p:txBody>
-          <a:bodyPr wrap="square" rtlCol="0">
-            <a:spAutoFit/>
-          </a:bodyPr>
-          <a:lstStyle/>
-          <a:p>
-            <a:r>
-              <a:rPr lang="de-CH" sz="750" dirty="0"/>
-              <a:t>Konten</a:t>
-            </a:r>
-            <a:br>
-              <a:rPr lang="de-CH" sz="750" dirty="0"/>
-            </a:br>
-            <a:r>
-              <a:rPr lang="de-CH" sz="300" dirty="0"/>
-              <a:t> </a:t>
-            </a:r>
-            <a:r>
-              <a:rPr lang="de-CH" sz="300" dirty="0" err="1"/>
-              <a:t>money</a:t>
-            </a:r>
-            <a:r>
-              <a:rPr lang="de-CH" sz="300" dirty="0"/>
-              <a:t>-check-alt</a:t>
-            </a:r>
-            <a:endParaRPr lang="de-CH" sz="750" dirty="0"/>
-          </a:p>
-        </p:txBody>
-      </p:sp>
-      <p:pic>
-        <p:nvPicPr>
-          <p:cNvPr id="24" name="Grafik 23">
-            <a:extLst>
-              <a:ext uri="{FF2B5EF4-FFF2-40B4-BE49-F238E27FC236}">
-                <a16:creationId xmlns:a16="http://schemas.microsoft.com/office/drawing/2014/main" id="{F121B337-66DC-4371-97F3-6EC68E01B491}"/>
-              </a:ext>
-            </a:extLst>
-          </p:cNvPr>
-          <p:cNvPicPr>
-            <a:picLocks noChangeAspect="1"/>
-          </p:cNvPicPr>
-          <p:nvPr/>
-        </p:nvPicPr>
-        <p:blipFill>
-          <a:blip r:embed="rId18"/>
+          <a:blip r:embed="rId16"/>
           <a:stretch>
             <a:fillRect/>
           </a:stretch>

--- a/docs/GUI-Design.pptx
+++ b/docs/GUI-Design.pptx
@@ -8,12 +8,13 @@
     <p:sldId id="258" r:id="rId2"/>
     <p:sldId id="259" r:id="rId3"/>
     <p:sldId id="260" r:id="rId4"/>
-    <p:sldId id="261" r:id="rId5"/>
-    <p:sldId id="263" r:id="rId6"/>
-    <p:sldId id="265" r:id="rId7"/>
-    <p:sldId id="266" r:id="rId8"/>
-    <p:sldId id="267" r:id="rId9"/>
-    <p:sldId id="268" r:id="rId10"/>
+    <p:sldId id="269" r:id="rId5"/>
+    <p:sldId id="261" r:id="rId6"/>
+    <p:sldId id="263" r:id="rId7"/>
+    <p:sldId id="265" r:id="rId8"/>
+    <p:sldId id="266" r:id="rId9"/>
+    <p:sldId id="267" r:id="rId10"/>
+    <p:sldId id="268" r:id="rId11"/>
   </p:sldIdLst>
   <p:sldSz cx="9144000" cy="6858000" type="screen4x3"/>
   <p:notesSz cx="6858000" cy="9144000"/>
@@ -120,10 +121,22 @@
 </p:presentation>
 </file>
 
+<file path=ppt/commentAuthors.xml><?xml version="1.0" encoding="utf-8"?>
+<p:cmAuthorLst xmlns:a="http://schemas.openxmlformats.org/drawingml/2006/main" xmlns:r="http://schemas.openxmlformats.org/officeDocument/2006/relationships" xmlns:p="http://schemas.openxmlformats.org/presentationml/2006/main">
+  <p:cmAuthor id="1" name="Michael Neuhaus" initials="MN" lastIdx="1" clrIdx="0">
+    <p:extLst>
+      <p:ext uri="{19B8F6BF-5375-455C-9EA6-DF929625EA0E}">
+        <p15:presenceInfo xmlns:p15="http://schemas.microsoft.com/office/powerpoint/2012/main" userId="Michael Neuhaus" providerId="None"/>
+      </p:ext>
+    </p:extLst>
+  </p:cmAuthor>
+</p:cmAuthorLst>
+</file>
+
 <file path=ppt/revisionInfo.xml><?xml version="1.0" encoding="utf-8"?>
 <p1510:revInfo xmlns:a="http://schemas.openxmlformats.org/drawingml/2006/main" xmlns:r="http://schemas.openxmlformats.org/officeDocument/2006/relationships" xmlns:p1510="http://schemas.microsoft.com/office/powerpoint/2015/10/main">
   <p1510:revLst>
-    <p1510:client id="{21F8B5DC-EEBF-4057-AF5A-A6A231887572}" v="114" dt="2022-03-30T20:23:05.814"/>
+    <p1510:client id="{21F8B5DC-EEBF-4057-AF5A-A6A231887572}" v="121" dt="2022-04-12T18:22:54.992"/>
   </p1510:revLst>
 </p1510:revInfo>
 </file>
@@ -133,7 +146,7 @@
   <pc:docChgLst>
     <pc:chgData name="Michael Neuhaus" userId="c40c4f6d-4879-45f0-ab21-9527e4a3c0bd" providerId="ADAL" clId="{21F8B5DC-EEBF-4057-AF5A-A6A231887572}"/>
     <pc:docChg chg="undo custSel addSld delSld modSld sldOrd modMainMaster">
-      <pc:chgData name="Michael Neuhaus" userId="c40c4f6d-4879-45f0-ab21-9527e4a3c0bd" providerId="ADAL" clId="{21F8B5DC-EEBF-4057-AF5A-A6A231887572}" dt="2022-04-12T08:19:55.425" v="2037" actId="6549"/>
+      <pc:chgData name="Michael Neuhaus" userId="c40c4f6d-4879-45f0-ab21-9527e4a3c0bd" providerId="ADAL" clId="{21F8B5DC-EEBF-4057-AF5A-A6A231887572}" dt="2022-04-13T21:29:59.237" v="2214" actId="1076"/>
       <pc:docMkLst>
         <pc:docMk/>
       </pc:docMkLst>
@@ -2802,6 +2815,165 @@
             <pc:docMk/>
             <pc:sldMk cId="3948979849" sldId="268"/>
             <ac:picMk id="73" creationId="{4D4542A2-F0A8-455F-901C-B19369D1F973}"/>
+          </ac:picMkLst>
+        </pc:picChg>
+      </pc:sldChg>
+      <pc:sldChg chg="addSp delSp modSp add mod addCm delCm">
+        <pc:chgData name="Michael Neuhaus" userId="c40c4f6d-4879-45f0-ab21-9527e4a3c0bd" providerId="ADAL" clId="{21F8B5DC-EEBF-4057-AF5A-A6A231887572}" dt="2022-04-13T21:29:59.237" v="2214" actId="1076"/>
+        <pc:sldMkLst>
+          <pc:docMk/>
+          <pc:sldMk cId="3012564211" sldId="269"/>
+        </pc:sldMkLst>
+        <pc:spChg chg="add mod">
+          <ac:chgData name="Michael Neuhaus" userId="c40c4f6d-4879-45f0-ab21-9527e4a3c0bd" providerId="ADAL" clId="{21F8B5DC-EEBF-4057-AF5A-A6A231887572}" dt="2022-04-12T18:21:08.814" v="2120" actId="1076"/>
+          <ac:spMkLst>
+            <pc:docMk/>
+            <pc:sldMk cId="3012564211" sldId="269"/>
+            <ac:spMk id="3" creationId="{80F2ED38-0C42-4A85-ACEB-3E141D97587F}"/>
+          </ac:spMkLst>
+        </pc:spChg>
+        <pc:spChg chg="mod">
+          <ac:chgData name="Michael Neuhaus" userId="c40c4f6d-4879-45f0-ab21-9527e4a3c0bd" providerId="ADAL" clId="{21F8B5DC-EEBF-4057-AF5A-A6A231887572}" dt="2022-04-12T18:19:47.285" v="2063" actId="20577"/>
+          <ac:spMkLst>
+            <pc:docMk/>
+            <pc:sldMk cId="3012564211" sldId="269"/>
+            <ac:spMk id="6" creationId="{BB39516C-A284-418F-869A-0F11623F22DD}"/>
+          </ac:spMkLst>
+        </pc:spChg>
+        <pc:spChg chg="del mod">
+          <ac:chgData name="Michael Neuhaus" userId="c40c4f6d-4879-45f0-ab21-9527e4a3c0bd" providerId="ADAL" clId="{21F8B5DC-EEBF-4057-AF5A-A6A231887572}" dt="2022-04-12T18:20:17.976" v="2078" actId="478"/>
+          <ac:spMkLst>
+            <pc:docMk/>
+            <pc:sldMk cId="3012564211" sldId="269"/>
+            <ac:spMk id="28" creationId="{E645B5A8-520B-4ECE-A20B-E662A94CDC5F}"/>
+          </ac:spMkLst>
+        </pc:spChg>
+        <pc:spChg chg="add mod">
+          <ac:chgData name="Michael Neuhaus" userId="c40c4f6d-4879-45f0-ab21-9527e4a3c0bd" providerId="ADAL" clId="{21F8B5DC-EEBF-4057-AF5A-A6A231887572}" dt="2022-04-13T21:29:53.212" v="2212" actId="1076"/>
+          <ac:spMkLst>
+            <pc:docMk/>
+            <pc:sldMk cId="3012564211" sldId="269"/>
+            <ac:spMk id="31" creationId="{10B9E831-622E-492A-B6BC-03314935EE4D}"/>
+          </ac:spMkLst>
+        </pc:spChg>
+        <pc:spChg chg="add mod">
+          <ac:chgData name="Michael Neuhaus" userId="c40c4f6d-4879-45f0-ab21-9527e4a3c0bd" providerId="ADAL" clId="{21F8B5DC-EEBF-4057-AF5A-A6A231887572}" dt="2022-04-12T18:21:39.828" v="2161" actId="20577"/>
+          <ac:spMkLst>
+            <pc:docMk/>
+            <pc:sldMk cId="3012564211" sldId="269"/>
+            <ac:spMk id="32" creationId="{9AAF0F07-6153-4870-9F05-015CB288F74F}"/>
+          </ac:spMkLst>
+        </pc:spChg>
+        <pc:spChg chg="add mod">
+          <ac:chgData name="Michael Neuhaus" userId="c40c4f6d-4879-45f0-ab21-9527e4a3c0bd" providerId="ADAL" clId="{21F8B5DC-EEBF-4057-AF5A-A6A231887572}" dt="2022-04-13T21:29:59.237" v="2214" actId="1076"/>
+          <ac:spMkLst>
+            <pc:docMk/>
+            <pc:sldMk cId="3012564211" sldId="269"/>
+            <ac:spMk id="33" creationId="{9C277292-8BAA-4D7D-9F6B-F523AAD44A78}"/>
+          </ac:spMkLst>
+        </pc:spChg>
+        <pc:spChg chg="add mod">
+          <ac:chgData name="Michael Neuhaus" userId="c40c4f6d-4879-45f0-ab21-9527e4a3c0bd" providerId="ADAL" clId="{21F8B5DC-EEBF-4057-AF5A-A6A231887572}" dt="2022-04-12T18:23:22.472" v="2209" actId="20577"/>
+          <ac:spMkLst>
+            <pc:docMk/>
+            <pc:sldMk cId="3012564211" sldId="269"/>
+            <ac:spMk id="35" creationId="{CBAC7CE4-CB15-4CEC-B16B-8D0C38797A16}"/>
+          </ac:spMkLst>
+        </pc:spChg>
+        <pc:spChg chg="add del mod">
+          <ac:chgData name="Michael Neuhaus" userId="c40c4f6d-4879-45f0-ab21-9527e4a3c0bd" providerId="ADAL" clId="{21F8B5DC-EEBF-4057-AF5A-A6A231887572}" dt="2022-04-12T18:23:11.202" v="2190" actId="478"/>
+          <ac:spMkLst>
+            <pc:docMk/>
+            <pc:sldMk cId="3012564211" sldId="269"/>
+            <ac:spMk id="36" creationId="{11BC7FAF-3AF7-493F-8536-F341B215D295}"/>
+          </ac:spMkLst>
+        </pc:spChg>
+        <pc:spChg chg="add del mod">
+          <ac:chgData name="Michael Neuhaus" userId="c40c4f6d-4879-45f0-ab21-9527e4a3c0bd" providerId="ADAL" clId="{21F8B5DC-EEBF-4057-AF5A-A6A231887572}" dt="2022-04-12T18:23:11.950" v="2191" actId="478"/>
+          <ac:spMkLst>
+            <pc:docMk/>
+            <pc:sldMk cId="3012564211" sldId="269"/>
+            <ac:spMk id="37" creationId="{C61A54BE-F5A8-458C-819E-61681011CDC3}"/>
+          </ac:spMkLst>
+        </pc:spChg>
+        <pc:spChg chg="add mod">
+          <ac:chgData name="Michael Neuhaus" userId="c40c4f6d-4879-45f0-ab21-9527e4a3c0bd" providerId="ADAL" clId="{21F8B5DC-EEBF-4057-AF5A-A6A231887572}" dt="2022-04-12T18:22:54.992" v="2189"/>
+          <ac:spMkLst>
+            <pc:docMk/>
+            <pc:sldMk cId="3012564211" sldId="269"/>
+            <ac:spMk id="38" creationId="{5E9BB272-87A1-4264-B6BF-F20415D9FFA1}"/>
+          </ac:spMkLst>
+        </pc:spChg>
+        <pc:spChg chg="del">
+          <ac:chgData name="Michael Neuhaus" userId="c40c4f6d-4879-45f0-ab21-9527e4a3c0bd" providerId="ADAL" clId="{21F8B5DC-EEBF-4057-AF5A-A6A231887572}" dt="2022-04-12T18:19:56.448" v="2066" actId="478"/>
+          <ac:spMkLst>
+            <pc:docMk/>
+            <pc:sldMk cId="3012564211" sldId="269"/>
+            <ac:spMk id="41" creationId="{B6A0F6EE-5638-4367-B734-61C253F9F110}"/>
+          </ac:spMkLst>
+        </pc:spChg>
+        <pc:spChg chg="del mod">
+          <ac:chgData name="Michael Neuhaus" userId="c40c4f6d-4879-45f0-ab21-9527e4a3c0bd" providerId="ADAL" clId="{21F8B5DC-EEBF-4057-AF5A-A6A231887572}" dt="2022-04-12T18:20:17.175" v="2077" actId="478"/>
+          <ac:spMkLst>
+            <pc:docMk/>
+            <pc:sldMk cId="3012564211" sldId="269"/>
+            <ac:spMk id="42" creationId="{F2EB4480-A16F-437C-AD9A-5BFDF100C53F}"/>
+          </ac:spMkLst>
+        </pc:spChg>
+        <pc:spChg chg="del">
+          <ac:chgData name="Michael Neuhaus" userId="c40c4f6d-4879-45f0-ab21-9527e4a3c0bd" providerId="ADAL" clId="{21F8B5DC-EEBF-4057-AF5A-A6A231887572}" dt="2022-04-12T18:19:57.290" v="2067" actId="478"/>
+          <ac:spMkLst>
+            <pc:docMk/>
+            <pc:sldMk cId="3012564211" sldId="269"/>
+            <ac:spMk id="43" creationId="{147F78D3-9793-46B9-97C9-BA58C7000789}"/>
+          </ac:spMkLst>
+        </pc:spChg>
+        <pc:spChg chg="del">
+          <ac:chgData name="Michael Neuhaus" userId="c40c4f6d-4879-45f0-ab21-9527e4a3c0bd" providerId="ADAL" clId="{21F8B5DC-EEBF-4057-AF5A-A6A231887572}" dt="2022-04-12T18:19:58.980" v="2069" actId="478"/>
+          <ac:spMkLst>
+            <pc:docMk/>
+            <pc:sldMk cId="3012564211" sldId="269"/>
+            <ac:spMk id="44" creationId="{497B4034-74EF-4C8B-9CC7-5A52583DE3F3}"/>
+          </ac:spMkLst>
+        </pc:spChg>
+        <pc:spChg chg="del">
+          <ac:chgData name="Michael Neuhaus" userId="c40c4f6d-4879-45f0-ab21-9527e4a3c0bd" providerId="ADAL" clId="{21F8B5DC-EEBF-4057-AF5A-A6A231887572}" dt="2022-04-12T18:19:58.412" v="2068" actId="478"/>
+          <ac:spMkLst>
+            <pc:docMk/>
+            <pc:sldMk cId="3012564211" sldId="269"/>
+            <ac:spMk id="45" creationId="{385540F6-0191-45B2-8A48-A863270BB3AB}"/>
+          </ac:spMkLst>
+        </pc:spChg>
+        <pc:spChg chg="del">
+          <ac:chgData name="Michael Neuhaus" userId="c40c4f6d-4879-45f0-ab21-9527e4a3c0bd" providerId="ADAL" clId="{21F8B5DC-EEBF-4057-AF5A-A6A231887572}" dt="2022-04-12T18:19:59.531" v="2070" actId="478"/>
+          <ac:spMkLst>
+            <pc:docMk/>
+            <pc:sldMk cId="3012564211" sldId="269"/>
+            <ac:spMk id="46" creationId="{39A9E2D7-408A-47E1-A761-4A8D1D04553B}"/>
+          </ac:spMkLst>
+        </pc:spChg>
+        <pc:spChg chg="del">
+          <ac:chgData name="Michael Neuhaus" userId="c40c4f6d-4879-45f0-ab21-9527e4a3c0bd" providerId="ADAL" clId="{21F8B5DC-EEBF-4057-AF5A-A6A231887572}" dt="2022-04-12T18:19:52.759" v="2065" actId="478"/>
+          <ac:spMkLst>
+            <pc:docMk/>
+            <pc:sldMk cId="3012564211" sldId="269"/>
+            <ac:spMk id="76" creationId="{E3EFBB6C-0D85-4681-B33C-228C6CACE1F6}"/>
+          </ac:spMkLst>
+        </pc:spChg>
+        <pc:spChg chg="del">
+          <ac:chgData name="Michael Neuhaus" userId="c40c4f6d-4879-45f0-ab21-9527e4a3c0bd" providerId="ADAL" clId="{21F8B5DC-EEBF-4057-AF5A-A6A231887572}" dt="2022-04-12T18:19:50.430" v="2064" actId="478"/>
+          <ac:spMkLst>
+            <pc:docMk/>
+            <pc:sldMk cId="3012564211" sldId="269"/>
+            <ac:spMk id="77" creationId="{AF3E2F22-E500-4DA4-BED8-40CDDEAEBA96}"/>
+          </ac:spMkLst>
+        </pc:spChg>
+        <pc:picChg chg="add mod">
+          <ac:chgData name="Michael Neuhaus" userId="c40c4f6d-4879-45f0-ab21-9527e4a3c0bd" providerId="ADAL" clId="{21F8B5DC-EEBF-4057-AF5A-A6A231887572}" dt="2022-04-12T18:22:47.746" v="2188"/>
+          <ac:picMkLst>
+            <pc:docMk/>
+            <pc:sldMk cId="3012564211" sldId="269"/>
+            <ac:picMk id="34" creationId="{9CC0FC6A-11DA-4ECD-800A-1C65FCD5BDC8}"/>
           </ac:picMkLst>
         </pc:picChg>
       </pc:sldChg>
@@ -3215,7 +3387,7 @@
           <a:p>
             <a:fld id="{CA891704-1070-4DA0-AF41-BAD92E35CE8D}" type="datetimeFigureOut">
               <a:rPr lang="de-CH" smtClean="0"/>
-              <a:t>12.04.2022</a:t>
+              <a:t>13.04.2022</a:t>
             </a:fld>
             <a:endParaRPr lang="de-CH"/>
           </a:p>
@@ -3385,7 +3557,7 @@
           <a:p>
             <a:fld id="{CA891704-1070-4DA0-AF41-BAD92E35CE8D}" type="datetimeFigureOut">
               <a:rPr lang="de-CH" smtClean="0"/>
-              <a:t>12.04.2022</a:t>
+              <a:t>13.04.2022</a:t>
             </a:fld>
             <a:endParaRPr lang="de-CH"/>
           </a:p>
@@ -3565,7 +3737,7 @@
           <a:p>
             <a:fld id="{CA891704-1070-4DA0-AF41-BAD92E35CE8D}" type="datetimeFigureOut">
               <a:rPr lang="de-CH" smtClean="0"/>
-              <a:t>12.04.2022</a:t>
+              <a:t>13.04.2022</a:t>
             </a:fld>
             <a:endParaRPr lang="de-CH"/>
           </a:p>
@@ -3735,7 +3907,7 @@
           <a:p>
             <a:fld id="{CA891704-1070-4DA0-AF41-BAD92E35CE8D}" type="datetimeFigureOut">
               <a:rPr lang="de-CH" smtClean="0"/>
-              <a:t>12.04.2022</a:t>
+              <a:t>13.04.2022</a:t>
             </a:fld>
             <a:endParaRPr lang="de-CH"/>
           </a:p>
@@ -3979,7 +4151,7 @@
           <a:p>
             <a:fld id="{CA891704-1070-4DA0-AF41-BAD92E35CE8D}" type="datetimeFigureOut">
               <a:rPr lang="de-CH" smtClean="0"/>
-              <a:t>12.04.2022</a:t>
+              <a:t>13.04.2022</a:t>
             </a:fld>
             <a:endParaRPr lang="de-CH"/>
           </a:p>
@@ -4211,7 +4383,7 @@
           <a:p>
             <a:fld id="{CA891704-1070-4DA0-AF41-BAD92E35CE8D}" type="datetimeFigureOut">
               <a:rPr lang="de-CH" smtClean="0"/>
-              <a:t>12.04.2022</a:t>
+              <a:t>13.04.2022</a:t>
             </a:fld>
             <a:endParaRPr lang="de-CH"/>
           </a:p>
@@ -4578,7 +4750,7 @@
           <a:p>
             <a:fld id="{CA891704-1070-4DA0-AF41-BAD92E35CE8D}" type="datetimeFigureOut">
               <a:rPr lang="de-CH" smtClean="0"/>
-              <a:t>12.04.2022</a:t>
+              <a:t>13.04.2022</a:t>
             </a:fld>
             <a:endParaRPr lang="de-CH"/>
           </a:p>
@@ -4696,7 +4868,7 @@
           <a:p>
             <a:fld id="{CA891704-1070-4DA0-AF41-BAD92E35CE8D}" type="datetimeFigureOut">
               <a:rPr lang="de-CH" smtClean="0"/>
-              <a:t>12.04.2022</a:t>
+              <a:t>13.04.2022</a:t>
             </a:fld>
             <a:endParaRPr lang="de-CH"/>
           </a:p>
@@ -4791,7 +4963,7 @@
           <a:p>
             <a:fld id="{CA891704-1070-4DA0-AF41-BAD92E35CE8D}" type="datetimeFigureOut">
               <a:rPr lang="de-CH" smtClean="0"/>
-              <a:t>12.04.2022</a:t>
+              <a:t>13.04.2022</a:t>
             </a:fld>
             <a:endParaRPr lang="de-CH"/>
           </a:p>
@@ -5068,7 +5240,7 @@
           <a:p>
             <a:fld id="{CA891704-1070-4DA0-AF41-BAD92E35CE8D}" type="datetimeFigureOut">
               <a:rPr lang="de-CH" smtClean="0"/>
-              <a:t>12.04.2022</a:t>
+              <a:t>13.04.2022</a:t>
             </a:fld>
             <a:endParaRPr lang="de-CH"/>
           </a:p>
@@ -5325,7 +5497,7 @@
           <a:p>
             <a:fld id="{CA891704-1070-4DA0-AF41-BAD92E35CE8D}" type="datetimeFigureOut">
               <a:rPr lang="de-CH" smtClean="0"/>
-              <a:t>12.04.2022</a:t>
+              <a:t>13.04.2022</a:t>
             </a:fld>
             <a:endParaRPr lang="de-CH"/>
           </a:p>
@@ -5538,7 +5710,7 @@
           <a:p>
             <a:fld id="{CA891704-1070-4DA0-AF41-BAD92E35CE8D}" type="datetimeFigureOut">
               <a:rPr lang="de-CH" smtClean="0"/>
-              <a:t>12.04.2022</a:t>
+              <a:t>13.04.2022</a:t>
             </a:fld>
             <a:endParaRPr lang="de-CH"/>
           </a:p>
@@ -6977,6 +7149,988 @@
 </p:sld>
 </file>
 
+<file path=ppt/slides/slide10.xml><?xml version="1.0" encoding="utf-8"?>
+<p:sld xmlns:a="http://schemas.openxmlformats.org/drawingml/2006/main" xmlns:r="http://schemas.openxmlformats.org/officeDocument/2006/relationships" xmlns:p="http://schemas.openxmlformats.org/presentationml/2006/main">
+  <p:cSld>
+    <p:spTree>
+      <p:nvGrpSpPr>
+        <p:cNvPr id="1" name=""/>
+        <p:cNvGrpSpPr/>
+        <p:nvPr/>
+      </p:nvGrpSpPr>
+      <p:grpSpPr>
+        <a:xfrm>
+          <a:off x="0" y="0"/>
+          <a:ext cx="0" cy="0"/>
+          <a:chOff x="0" y="0"/>
+          <a:chExt cx="0" cy="0"/>
+        </a:xfrm>
+      </p:grpSpPr>
+      <p:sp>
+        <p:nvSpPr>
+          <p:cNvPr id="2" name="Textfeld 1">
+            <a:extLst>
+              <a:ext uri="{FF2B5EF4-FFF2-40B4-BE49-F238E27FC236}">
+                <a16:creationId xmlns:a16="http://schemas.microsoft.com/office/drawing/2014/main" id="{79D76DF4-5EB2-4D19-AA0C-EF305E9D5AD5}"/>
+              </a:ext>
+            </a:extLst>
+          </p:cNvPr>
+          <p:cNvSpPr txBox="1"/>
+          <p:nvPr/>
+        </p:nvSpPr>
+        <p:spPr>
+          <a:xfrm>
+            <a:off x="30626" y="0"/>
+            <a:ext cx="9144000" cy="784830"/>
+          </a:xfrm>
+          <a:prstGeom prst="rect">
+            <a:avLst/>
+          </a:prstGeom>
+          <a:solidFill>
+            <a:schemeClr val="bg1">
+              <a:lumMod val="95000"/>
+            </a:schemeClr>
+          </a:solidFill>
+          <a:effectLst>
+            <a:outerShdw blurRad="50800" dist="38100" dir="2700000" algn="tl" rotWithShape="0">
+              <a:prstClr val="black">
+                <a:alpha val="40000"/>
+              </a:prstClr>
+            </a:outerShdw>
+          </a:effectLst>
+        </p:spPr>
+        <p:txBody>
+          <a:bodyPr wrap="square" rtlCol="0">
+            <a:spAutoFit/>
+          </a:bodyPr>
+          <a:lstStyle/>
+          <a:p>
+            <a:endParaRPr lang="de-CH" sz="4500" dirty="0"/>
+          </a:p>
+        </p:txBody>
+      </p:sp>
+      <p:sp>
+        <p:nvSpPr>
+          <p:cNvPr id="5" name="Textfeld 4">
+            <a:extLst>
+              <a:ext uri="{FF2B5EF4-FFF2-40B4-BE49-F238E27FC236}">
+                <a16:creationId xmlns:a16="http://schemas.microsoft.com/office/drawing/2014/main" id="{0C4E161B-806C-CC4A-8D3A-E9327C8D6DFB}"/>
+              </a:ext>
+            </a:extLst>
+          </p:cNvPr>
+          <p:cNvSpPr txBox="1"/>
+          <p:nvPr/>
+        </p:nvSpPr>
+        <p:spPr>
+          <a:xfrm>
+            <a:off x="8887120" y="18797"/>
+            <a:ext cx="256880" cy="300082"/>
+          </a:xfrm>
+          <a:prstGeom prst="rect">
+            <a:avLst/>
+          </a:prstGeom>
+          <a:noFill/>
+          <a:ln>
+            <a:noFill/>
+          </a:ln>
+        </p:spPr>
+        <p:txBody>
+          <a:bodyPr wrap="square" rtlCol="0">
+            <a:spAutoFit/>
+          </a:bodyPr>
+          <a:lstStyle/>
+          <a:p>
+            <a:r>
+              <a:rPr lang="de-DE" sz="1350" dirty="0"/>
+              <a:t>X</a:t>
+            </a:r>
+          </a:p>
+        </p:txBody>
+      </p:sp>
+      <p:sp>
+        <p:nvSpPr>
+          <p:cNvPr id="7" name="Textfeld 6">
+            <a:extLst>
+              <a:ext uri="{FF2B5EF4-FFF2-40B4-BE49-F238E27FC236}">
+                <a16:creationId xmlns:a16="http://schemas.microsoft.com/office/drawing/2014/main" id="{86D3570E-730D-734D-BAB1-E0611E613305}"/>
+              </a:ext>
+            </a:extLst>
+          </p:cNvPr>
+          <p:cNvSpPr txBox="1"/>
+          <p:nvPr/>
+        </p:nvSpPr>
+        <p:spPr>
+          <a:xfrm>
+            <a:off x="8373360" y="18797"/>
+            <a:ext cx="256880" cy="300082"/>
+          </a:xfrm>
+          <a:prstGeom prst="rect">
+            <a:avLst/>
+          </a:prstGeom>
+          <a:noFill/>
+          <a:ln>
+            <a:noFill/>
+          </a:ln>
+        </p:spPr>
+        <p:txBody>
+          <a:bodyPr wrap="square" rtlCol="0">
+            <a:spAutoFit/>
+          </a:bodyPr>
+          <a:lstStyle/>
+          <a:p>
+            <a:r>
+              <a:rPr lang="de-DE" sz="1350"/>
+              <a:t>_</a:t>
+            </a:r>
+          </a:p>
+        </p:txBody>
+      </p:sp>
+      <p:sp>
+        <p:nvSpPr>
+          <p:cNvPr id="8" name="Rechteck 7">
+            <a:extLst>
+              <a:ext uri="{FF2B5EF4-FFF2-40B4-BE49-F238E27FC236}">
+                <a16:creationId xmlns:a16="http://schemas.microsoft.com/office/drawing/2014/main" id="{FB701751-FD63-514B-8569-F3D2A6C90226}"/>
+              </a:ext>
+            </a:extLst>
+          </p:cNvPr>
+          <p:cNvSpPr/>
+          <p:nvPr/>
+        </p:nvSpPr>
+        <p:spPr>
+          <a:xfrm>
+            <a:off x="8654986" y="82428"/>
+            <a:ext cx="207389" cy="213368"/>
+          </a:xfrm>
+          <a:prstGeom prst="rect">
+            <a:avLst/>
+          </a:prstGeom>
+          <a:noFill/>
+        </p:spPr>
+        <p:style>
+          <a:lnRef idx="2">
+            <a:schemeClr val="accent1">
+              <a:shade val="50000"/>
+            </a:schemeClr>
+          </a:lnRef>
+          <a:fillRef idx="1">
+            <a:schemeClr val="accent1"/>
+          </a:fillRef>
+          <a:effectRef idx="0">
+            <a:schemeClr val="accent1"/>
+          </a:effectRef>
+          <a:fontRef idx="minor">
+            <a:schemeClr val="lt1"/>
+          </a:fontRef>
+        </p:style>
+        <p:txBody>
+          <a:bodyPr rtlCol="0" anchor="ctr"/>
+          <a:lstStyle/>
+          <a:p>
+            <a:pPr algn="ctr"/>
+            <a:endParaRPr lang="de-DE" sz="1350"/>
+          </a:p>
+        </p:txBody>
+      </p:sp>
+      <p:pic>
+        <p:nvPicPr>
+          <p:cNvPr id="34" name="Grafik 33">
+            <a:extLst>
+              <a:ext uri="{FF2B5EF4-FFF2-40B4-BE49-F238E27FC236}">
+                <a16:creationId xmlns:a16="http://schemas.microsoft.com/office/drawing/2014/main" id="{FDFC208C-E010-4A66-89C5-F9DAA24AFA0B}"/>
+              </a:ext>
+            </a:extLst>
+          </p:cNvPr>
+          <p:cNvPicPr>
+            <a:picLocks noChangeAspect="1"/>
+          </p:cNvPicPr>
+          <p:nvPr/>
+        </p:nvPicPr>
+        <p:blipFill>
+          <a:blip r:embed="rId2">
+            <a:extLst>
+              <a:ext uri="{28A0092B-C50C-407E-A947-70E740481C1C}">
+                <a14:useLocalDpi xmlns:a14="http://schemas.microsoft.com/office/drawing/2010/main" val="0"/>
+              </a:ext>
+              <a:ext uri="{96DAC541-7B7A-43D3-8B79-37D633B846F1}">
+                <asvg:svgBlip xmlns:asvg="http://schemas.microsoft.com/office/drawing/2016/SVG/main" r:embed="rId3"/>
+              </a:ext>
+            </a:extLst>
+          </a:blip>
+          <a:stretch>
+            <a:fillRect/>
+          </a:stretch>
+        </p:blipFill>
+        <p:spPr>
+          <a:xfrm>
+            <a:off x="256591" y="94992"/>
+            <a:ext cx="283151" cy="377534"/>
+          </a:xfrm>
+          <a:prstGeom prst="rect">
+            <a:avLst/>
+          </a:prstGeom>
+        </p:spPr>
+      </p:pic>
+      <p:sp>
+        <p:nvSpPr>
+          <p:cNvPr id="57" name="Textfeld 56">
+            <a:extLst>
+              <a:ext uri="{FF2B5EF4-FFF2-40B4-BE49-F238E27FC236}">
+                <a16:creationId xmlns:a16="http://schemas.microsoft.com/office/drawing/2014/main" id="{4B2952E7-70FC-44FE-A94C-81EF62FF2DFC}"/>
+              </a:ext>
+            </a:extLst>
+          </p:cNvPr>
+          <p:cNvSpPr txBox="1"/>
+          <p:nvPr/>
+        </p:nvSpPr>
+        <p:spPr>
+          <a:xfrm>
+            <a:off x="102713" y="484959"/>
+            <a:ext cx="740156" cy="265457"/>
+          </a:xfrm>
+          <a:prstGeom prst="rect">
+            <a:avLst/>
+          </a:prstGeom>
+          <a:noFill/>
+        </p:spPr>
+        <p:txBody>
+          <a:bodyPr wrap="square" rtlCol="0">
+            <a:spAutoFit/>
+          </a:bodyPr>
+          <a:lstStyle/>
+          <a:p>
+            <a:r>
+              <a:rPr lang="de-CH" sz="750" dirty="0"/>
+              <a:t>Liegenschaft</a:t>
+            </a:r>
+            <a:br>
+              <a:rPr lang="de-CH" sz="750" dirty="0"/>
+            </a:br>
+            <a:r>
+              <a:rPr lang="de-CH" sz="375" dirty="0" err="1"/>
+              <a:t>building</a:t>
+            </a:r>
+            <a:r>
+              <a:rPr lang="de-CH" sz="375" dirty="0"/>
+              <a:t> (fa6)</a:t>
+            </a:r>
+            <a:endParaRPr lang="de-CH" sz="750" dirty="0"/>
+          </a:p>
+        </p:txBody>
+      </p:sp>
+      <p:pic>
+        <p:nvPicPr>
+          <p:cNvPr id="60" name="Grafik 59">
+            <a:extLst>
+              <a:ext uri="{FF2B5EF4-FFF2-40B4-BE49-F238E27FC236}">
+                <a16:creationId xmlns:a16="http://schemas.microsoft.com/office/drawing/2014/main" id="{DF053CFD-830D-482C-9C41-3DABBFC37B46}"/>
+              </a:ext>
+            </a:extLst>
+          </p:cNvPr>
+          <p:cNvPicPr>
+            <a:picLocks noChangeAspect="1"/>
+          </p:cNvPicPr>
+          <p:nvPr/>
+        </p:nvPicPr>
+        <p:blipFill>
+          <a:blip r:embed="rId4">
+            <a:extLst>
+              <a:ext uri="{28A0092B-C50C-407E-A947-70E740481C1C}">
+                <a14:useLocalDpi xmlns:a14="http://schemas.microsoft.com/office/drawing/2010/main" val="0"/>
+              </a:ext>
+              <a:ext uri="{96DAC541-7B7A-43D3-8B79-37D633B846F1}">
+                <asvg:svgBlip xmlns:asvg="http://schemas.microsoft.com/office/drawing/2016/SVG/main" r:embed="rId5"/>
+              </a:ext>
+            </a:extLst>
+          </a:blip>
+          <a:stretch>
+            <a:fillRect/>
+          </a:stretch>
+        </p:blipFill>
+        <p:spPr>
+          <a:xfrm>
+            <a:off x="2138897" y="94993"/>
+            <a:ext cx="281939" cy="375918"/>
+          </a:xfrm>
+          <a:prstGeom prst="rect">
+            <a:avLst/>
+          </a:prstGeom>
+        </p:spPr>
+      </p:pic>
+      <p:pic>
+        <p:nvPicPr>
+          <p:cNvPr id="62" name="Grafik 61">
+            <a:extLst>
+              <a:ext uri="{FF2B5EF4-FFF2-40B4-BE49-F238E27FC236}">
+                <a16:creationId xmlns:a16="http://schemas.microsoft.com/office/drawing/2014/main" id="{F0D201B8-943D-4A47-ABB1-4BF39B067E8D}"/>
+              </a:ext>
+            </a:extLst>
+          </p:cNvPr>
+          <p:cNvPicPr>
+            <a:picLocks noChangeAspect="1"/>
+          </p:cNvPicPr>
+          <p:nvPr/>
+        </p:nvPicPr>
+        <p:blipFill>
+          <a:blip r:embed="rId6">
+            <a:extLst>
+              <a:ext uri="{28A0092B-C50C-407E-A947-70E740481C1C}">
+                <a14:useLocalDpi xmlns:a14="http://schemas.microsoft.com/office/drawing/2010/main" val="0"/>
+              </a:ext>
+              <a:ext uri="{96DAC541-7B7A-43D3-8B79-37D633B846F1}">
+                <asvg:svgBlip xmlns:asvg="http://schemas.microsoft.com/office/drawing/2016/SVG/main" r:embed="rId7"/>
+              </a:ext>
+            </a:extLst>
+          </a:blip>
+          <a:stretch>
+            <a:fillRect/>
+          </a:stretch>
+        </p:blipFill>
+        <p:spPr>
+          <a:xfrm>
+            <a:off x="728585" y="94993"/>
+            <a:ext cx="469898" cy="375918"/>
+          </a:xfrm>
+          <a:prstGeom prst="rect">
+            <a:avLst/>
+          </a:prstGeom>
+        </p:spPr>
+      </p:pic>
+      <p:sp>
+        <p:nvSpPr>
+          <p:cNvPr id="65" name="Textfeld 64">
+            <a:extLst>
+              <a:ext uri="{FF2B5EF4-FFF2-40B4-BE49-F238E27FC236}">
+                <a16:creationId xmlns:a16="http://schemas.microsoft.com/office/drawing/2014/main" id="{ECCF88BE-1316-4D2F-A6DB-2C9FE9040A62}"/>
+              </a:ext>
+            </a:extLst>
+          </p:cNvPr>
+          <p:cNvSpPr txBox="1"/>
+          <p:nvPr/>
+        </p:nvSpPr>
+        <p:spPr>
+          <a:xfrm>
+            <a:off x="700060" y="498781"/>
+            <a:ext cx="671884" cy="253916"/>
+          </a:xfrm>
+          <a:prstGeom prst="rect">
+            <a:avLst/>
+          </a:prstGeom>
+          <a:noFill/>
+        </p:spPr>
+        <p:txBody>
+          <a:bodyPr wrap="square" rtlCol="0">
+            <a:spAutoFit/>
+          </a:bodyPr>
+          <a:lstStyle/>
+          <a:p>
+            <a:r>
+              <a:rPr lang="de-CH" sz="750" dirty="0"/>
+              <a:t>Mieter</a:t>
+            </a:r>
+            <a:br>
+              <a:rPr lang="de-CH" sz="750" dirty="0"/>
+            </a:br>
+            <a:r>
+              <a:rPr lang="de-CH" sz="300" dirty="0"/>
+              <a:t>user-tag</a:t>
+            </a:r>
+            <a:endParaRPr lang="de-CH" sz="750" dirty="0"/>
+          </a:p>
+        </p:txBody>
+      </p:sp>
+      <p:sp>
+        <p:nvSpPr>
+          <p:cNvPr id="66" name="Textfeld 65">
+            <a:extLst>
+              <a:ext uri="{FF2B5EF4-FFF2-40B4-BE49-F238E27FC236}">
+                <a16:creationId xmlns:a16="http://schemas.microsoft.com/office/drawing/2014/main" id="{7C2A1224-9653-4FEB-B039-573344A3E401}"/>
+              </a:ext>
+            </a:extLst>
+          </p:cNvPr>
+          <p:cNvSpPr txBox="1"/>
+          <p:nvPr/>
+        </p:nvSpPr>
+        <p:spPr>
+          <a:xfrm>
+            <a:off x="1958463" y="484959"/>
+            <a:ext cx="728821" cy="265457"/>
+          </a:xfrm>
+          <a:prstGeom prst="rect">
+            <a:avLst/>
+          </a:prstGeom>
+          <a:noFill/>
+        </p:spPr>
+        <p:txBody>
+          <a:bodyPr wrap="square" rtlCol="0">
+            <a:spAutoFit/>
+          </a:bodyPr>
+          <a:lstStyle/>
+          <a:p>
+            <a:r>
+              <a:rPr lang="de-CH" sz="750" dirty="0"/>
+              <a:t>Mietverträge</a:t>
+            </a:r>
+            <a:br>
+              <a:rPr lang="de-CH" sz="750" dirty="0"/>
+            </a:br>
+            <a:r>
+              <a:rPr lang="de-CH" sz="375" dirty="0"/>
+              <a:t>file-</a:t>
+            </a:r>
+            <a:r>
+              <a:rPr lang="de-CH" sz="375" dirty="0" err="1"/>
+              <a:t>contract</a:t>
+            </a:r>
+            <a:endParaRPr lang="de-CH" sz="750" dirty="0"/>
+          </a:p>
+        </p:txBody>
+      </p:sp>
+      <p:pic>
+        <p:nvPicPr>
+          <p:cNvPr id="70" name="Grafik 69">
+            <a:extLst>
+              <a:ext uri="{FF2B5EF4-FFF2-40B4-BE49-F238E27FC236}">
+                <a16:creationId xmlns:a16="http://schemas.microsoft.com/office/drawing/2014/main" id="{C796C772-CFBF-4DD2-ADC2-9C1E2F552336}"/>
+              </a:ext>
+            </a:extLst>
+          </p:cNvPr>
+          <p:cNvPicPr>
+            <a:picLocks noChangeAspect="1"/>
+          </p:cNvPicPr>
+          <p:nvPr/>
+        </p:nvPicPr>
+        <p:blipFill>
+          <a:blip r:embed="rId8">
+            <a:extLst>
+              <a:ext uri="{28A0092B-C50C-407E-A947-70E740481C1C}">
+                <a14:useLocalDpi xmlns:a14="http://schemas.microsoft.com/office/drawing/2010/main" val="0"/>
+              </a:ext>
+              <a:ext uri="{96DAC541-7B7A-43D3-8B79-37D633B846F1}">
+                <asvg:svgBlip xmlns:asvg="http://schemas.microsoft.com/office/drawing/2016/SVG/main" r:embed="rId9"/>
+              </a:ext>
+            </a:extLst>
+          </a:blip>
+          <a:stretch>
+            <a:fillRect/>
+          </a:stretch>
+        </p:blipFill>
+        <p:spPr>
+          <a:xfrm>
+            <a:off x="2789747" y="94992"/>
+            <a:ext cx="281939" cy="375918"/>
+          </a:xfrm>
+          <a:prstGeom prst="rect">
+            <a:avLst/>
+          </a:prstGeom>
+        </p:spPr>
+      </p:pic>
+      <p:sp>
+        <p:nvSpPr>
+          <p:cNvPr id="71" name="Textfeld 70">
+            <a:extLst>
+              <a:ext uri="{FF2B5EF4-FFF2-40B4-BE49-F238E27FC236}">
+                <a16:creationId xmlns:a16="http://schemas.microsoft.com/office/drawing/2014/main" id="{E63EA9B3-19F9-4DAD-AF96-08B93901E074}"/>
+              </a:ext>
+            </a:extLst>
+          </p:cNvPr>
+          <p:cNvSpPr txBox="1"/>
+          <p:nvPr/>
+        </p:nvSpPr>
+        <p:spPr>
+          <a:xfrm>
+            <a:off x="2659257" y="484958"/>
+            <a:ext cx="728821" cy="253916"/>
+          </a:xfrm>
+          <a:prstGeom prst="rect">
+            <a:avLst/>
+          </a:prstGeom>
+          <a:noFill/>
+        </p:spPr>
+        <p:txBody>
+          <a:bodyPr wrap="square" rtlCol="0">
+            <a:spAutoFit/>
+          </a:bodyPr>
+          <a:lstStyle/>
+          <a:p>
+            <a:r>
+              <a:rPr lang="de-CH" sz="750" dirty="0"/>
+              <a:t>Rechnungen</a:t>
+            </a:r>
+            <a:br>
+              <a:rPr lang="de-CH" sz="750" dirty="0"/>
+            </a:br>
+            <a:r>
+              <a:rPr lang="de-CH" sz="300" dirty="0"/>
+              <a:t>file-</a:t>
+            </a:r>
+            <a:r>
+              <a:rPr lang="de-CH" sz="300" dirty="0" err="1"/>
+              <a:t>invoice</a:t>
+            </a:r>
+            <a:r>
+              <a:rPr lang="de-CH" sz="300" dirty="0"/>
+              <a:t>-dollar</a:t>
+            </a:r>
+            <a:endParaRPr lang="de-CH" sz="750" dirty="0"/>
+          </a:p>
+        </p:txBody>
+      </p:sp>
+      <p:pic>
+        <p:nvPicPr>
+          <p:cNvPr id="73" name="Grafik 72">
+            <a:extLst>
+              <a:ext uri="{FF2B5EF4-FFF2-40B4-BE49-F238E27FC236}">
+                <a16:creationId xmlns:a16="http://schemas.microsoft.com/office/drawing/2014/main" id="{4D4542A2-F0A8-455F-901C-B19369D1F973}"/>
+              </a:ext>
+            </a:extLst>
+          </p:cNvPr>
+          <p:cNvPicPr>
+            <a:picLocks noChangeAspect="1"/>
+          </p:cNvPicPr>
+          <p:nvPr/>
+        </p:nvPicPr>
+        <p:blipFill>
+          <a:blip r:embed="rId10">
+            <a:extLst>
+              <a:ext uri="{28A0092B-C50C-407E-A947-70E740481C1C}">
+                <a14:useLocalDpi xmlns:a14="http://schemas.microsoft.com/office/drawing/2010/main" val="0"/>
+              </a:ext>
+              <a:ext uri="{96DAC541-7B7A-43D3-8B79-37D633B846F1}">
+                <asvg:svgBlip xmlns:asvg="http://schemas.microsoft.com/office/drawing/2016/SVG/main" r:embed="rId11"/>
+              </a:ext>
+            </a:extLst>
+          </a:blip>
+          <a:stretch>
+            <a:fillRect/>
+          </a:stretch>
+        </p:blipFill>
+        <p:spPr>
+          <a:xfrm>
+            <a:off x="1454723" y="67926"/>
+            <a:ext cx="364904" cy="417032"/>
+          </a:xfrm>
+          <a:prstGeom prst="rect">
+            <a:avLst/>
+          </a:prstGeom>
+        </p:spPr>
+      </p:pic>
+      <p:sp>
+        <p:nvSpPr>
+          <p:cNvPr id="74" name="Textfeld 73">
+            <a:extLst>
+              <a:ext uri="{FF2B5EF4-FFF2-40B4-BE49-F238E27FC236}">
+                <a16:creationId xmlns:a16="http://schemas.microsoft.com/office/drawing/2014/main" id="{A3F1D1A0-E7A9-4890-B450-D8145EA558CD}"/>
+              </a:ext>
+            </a:extLst>
+          </p:cNvPr>
+          <p:cNvSpPr txBox="1"/>
+          <p:nvPr/>
+        </p:nvSpPr>
+        <p:spPr>
+          <a:xfrm>
+            <a:off x="1272765" y="484275"/>
+            <a:ext cx="728821" cy="265457"/>
+          </a:xfrm>
+          <a:prstGeom prst="rect">
+            <a:avLst/>
+          </a:prstGeom>
+          <a:noFill/>
+        </p:spPr>
+        <p:txBody>
+          <a:bodyPr wrap="square" rtlCol="0">
+            <a:spAutoFit/>
+          </a:bodyPr>
+          <a:lstStyle/>
+          <a:p>
+            <a:r>
+              <a:rPr lang="de-CH" sz="750" dirty="0"/>
+              <a:t>Kreditoren</a:t>
+            </a:r>
+            <a:br>
+              <a:rPr lang="de-CH" sz="750" dirty="0"/>
+            </a:br>
+            <a:r>
+              <a:rPr lang="de-CH" sz="375" dirty="0"/>
+              <a:t>user-</a:t>
+            </a:r>
+            <a:r>
+              <a:rPr lang="de-CH" sz="375" dirty="0" err="1"/>
+              <a:t>tie</a:t>
+            </a:r>
+            <a:endParaRPr lang="de-CH" sz="750" dirty="0"/>
+          </a:p>
+        </p:txBody>
+      </p:sp>
+      <p:pic>
+        <p:nvPicPr>
+          <p:cNvPr id="4" name="Grafik 3">
+            <a:extLst>
+              <a:ext uri="{FF2B5EF4-FFF2-40B4-BE49-F238E27FC236}">
+                <a16:creationId xmlns:a16="http://schemas.microsoft.com/office/drawing/2014/main" id="{9406529B-509B-42B7-A142-FAE3A1F66B7D}"/>
+              </a:ext>
+            </a:extLst>
+          </p:cNvPr>
+          <p:cNvPicPr>
+            <a:picLocks noChangeAspect="1"/>
+          </p:cNvPicPr>
+          <p:nvPr/>
+        </p:nvPicPr>
+        <p:blipFill>
+          <a:blip r:embed="rId12">
+            <a:extLst>
+              <a:ext uri="{28A0092B-C50C-407E-A947-70E740481C1C}">
+                <a14:useLocalDpi xmlns:a14="http://schemas.microsoft.com/office/drawing/2010/main" val="0"/>
+              </a:ext>
+              <a:ext uri="{96DAC541-7B7A-43D3-8B79-37D633B846F1}">
+                <asvg:svgBlip xmlns:asvg="http://schemas.microsoft.com/office/drawing/2016/SVG/main" r:embed="rId13"/>
+              </a:ext>
+            </a:extLst>
+          </a:blip>
+          <a:stretch>
+            <a:fillRect/>
+          </a:stretch>
+        </p:blipFill>
+        <p:spPr>
+          <a:xfrm>
+            <a:off x="8452339" y="383783"/>
+            <a:ext cx="232311" cy="232311"/>
+          </a:xfrm>
+          <a:prstGeom prst="rect">
+            <a:avLst/>
+          </a:prstGeom>
+        </p:spPr>
+      </p:pic>
+      <p:sp>
+        <p:nvSpPr>
+          <p:cNvPr id="23" name="Textfeld 22">
+            <a:extLst>
+              <a:ext uri="{FF2B5EF4-FFF2-40B4-BE49-F238E27FC236}">
+                <a16:creationId xmlns:a16="http://schemas.microsoft.com/office/drawing/2014/main" id="{78E7674F-AC57-4480-BF2D-706CEBDBE8BC}"/>
+              </a:ext>
+            </a:extLst>
+          </p:cNvPr>
+          <p:cNvSpPr txBox="1"/>
+          <p:nvPr/>
+        </p:nvSpPr>
+        <p:spPr>
+          <a:xfrm>
+            <a:off x="8368317" y="584435"/>
+            <a:ext cx="523846" cy="138499"/>
+          </a:xfrm>
+          <a:prstGeom prst="rect">
+            <a:avLst/>
+          </a:prstGeom>
+          <a:noFill/>
+        </p:spPr>
+        <p:txBody>
+          <a:bodyPr wrap="square" rtlCol="0">
+            <a:spAutoFit/>
+          </a:bodyPr>
+          <a:lstStyle/>
+          <a:p>
+            <a:r>
+              <a:rPr lang="de-CH" sz="300" dirty="0" err="1"/>
+              <a:t>Sign</a:t>
+            </a:r>
+            <a:r>
+              <a:rPr lang="de-CH" sz="300" dirty="0"/>
+              <a:t>-out-alt</a:t>
+            </a:r>
+          </a:p>
+        </p:txBody>
+      </p:sp>
+      <p:sp>
+        <p:nvSpPr>
+          <p:cNvPr id="30" name="Textfeld 29">
+            <a:extLst>
+              <a:ext uri="{FF2B5EF4-FFF2-40B4-BE49-F238E27FC236}">
+                <a16:creationId xmlns:a16="http://schemas.microsoft.com/office/drawing/2014/main" id="{0B5B28E4-0027-41B1-A093-9ADDFE5393C4}"/>
+              </a:ext>
+            </a:extLst>
+          </p:cNvPr>
+          <p:cNvSpPr txBox="1"/>
+          <p:nvPr/>
+        </p:nvSpPr>
+        <p:spPr>
+          <a:xfrm>
+            <a:off x="4936704" y="1187920"/>
+            <a:ext cx="2041736" cy="300082"/>
+          </a:xfrm>
+          <a:prstGeom prst="rect">
+            <a:avLst/>
+          </a:prstGeom>
+          <a:noFill/>
+        </p:spPr>
+        <p:txBody>
+          <a:bodyPr wrap="square" rtlCol="0">
+            <a:spAutoFit/>
+          </a:bodyPr>
+          <a:lstStyle/>
+          <a:p>
+            <a:r>
+              <a:rPr lang="de-CH" sz="1350" dirty="0"/>
+              <a:t>Konto XY</a:t>
+            </a:r>
+          </a:p>
+        </p:txBody>
+      </p:sp>
+      <p:pic>
+        <p:nvPicPr>
+          <p:cNvPr id="9" name="Grafik 8">
+            <a:extLst>
+              <a:ext uri="{FF2B5EF4-FFF2-40B4-BE49-F238E27FC236}">
+                <a16:creationId xmlns:a16="http://schemas.microsoft.com/office/drawing/2014/main" id="{4A1AB0C7-8F83-489F-83B8-C68A854A2BDC}"/>
+              </a:ext>
+            </a:extLst>
+          </p:cNvPr>
+          <p:cNvPicPr>
+            <a:picLocks noChangeAspect="1"/>
+          </p:cNvPicPr>
+          <p:nvPr/>
+        </p:nvPicPr>
+        <p:blipFill>
+          <a:blip r:embed="rId14">
+            <a:extLst>
+              <a:ext uri="{28A0092B-C50C-407E-A947-70E740481C1C}">
+                <a14:useLocalDpi xmlns:a14="http://schemas.microsoft.com/office/drawing/2010/main" val="0"/>
+              </a:ext>
+              <a:ext uri="{96DAC541-7B7A-43D3-8B79-37D633B846F1}">
+                <asvg:svgBlip xmlns:asvg="http://schemas.microsoft.com/office/drawing/2016/SVG/main" r:embed="rId15"/>
+              </a:ext>
+            </a:extLst>
+          </a:blip>
+          <a:stretch>
+            <a:fillRect/>
+          </a:stretch>
+        </p:blipFill>
+        <p:spPr>
+          <a:xfrm>
+            <a:off x="3496810" y="94993"/>
+            <a:ext cx="430010" cy="344008"/>
+          </a:xfrm>
+          <a:prstGeom prst="rect">
+            <a:avLst/>
+          </a:prstGeom>
+        </p:spPr>
+      </p:pic>
+      <p:sp>
+        <p:nvSpPr>
+          <p:cNvPr id="35" name="Textfeld 34">
+            <a:extLst>
+              <a:ext uri="{FF2B5EF4-FFF2-40B4-BE49-F238E27FC236}">
+                <a16:creationId xmlns:a16="http://schemas.microsoft.com/office/drawing/2014/main" id="{1998E68F-D869-43FF-9BBA-1A741FC9CC62}"/>
+              </a:ext>
+            </a:extLst>
+          </p:cNvPr>
+          <p:cNvSpPr txBox="1"/>
+          <p:nvPr/>
+        </p:nvSpPr>
+        <p:spPr>
+          <a:xfrm>
+            <a:off x="3491764" y="457477"/>
+            <a:ext cx="601337" cy="253916"/>
+          </a:xfrm>
+          <a:prstGeom prst="rect">
+            <a:avLst/>
+          </a:prstGeom>
+          <a:noFill/>
+        </p:spPr>
+        <p:txBody>
+          <a:bodyPr wrap="square" rtlCol="0">
+            <a:spAutoFit/>
+          </a:bodyPr>
+          <a:lstStyle/>
+          <a:p>
+            <a:r>
+              <a:rPr lang="de-CH" sz="750" dirty="0"/>
+              <a:t>Konten</a:t>
+            </a:r>
+            <a:br>
+              <a:rPr lang="de-CH" sz="750" dirty="0"/>
+            </a:br>
+            <a:r>
+              <a:rPr lang="de-CH" sz="300" dirty="0"/>
+              <a:t> </a:t>
+            </a:r>
+            <a:r>
+              <a:rPr lang="de-CH" sz="300" dirty="0" err="1"/>
+              <a:t>money</a:t>
+            </a:r>
+            <a:r>
+              <a:rPr lang="de-CH" sz="300" dirty="0"/>
+              <a:t>-check-alt</a:t>
+            </a:r>
+            <a:endParaRPr lang="de-CH" sz="750" dirty="0"/>
+          </a:p>
+        </p:txBody>
+      </p:sp>
+      <p:pic>
+        <p:nvPicPr>
+          <p:cNvPr id="24" name="Grafik 23">
+            <a:extLst>
+              <a:ext uri="{FF2B5EF4-FFF2-40B4-BE49-F238E27FC236}">
+                <a16:creationId xmlns:a16="http://schemas.microsoft.com/office/drawing/2014/main" id="{F121B337-66DC-4371-97F3-6EC68E01B491}"/>
+              </a:ext>
+            </a:extLst>
+          </p:cNvPr>
+          <p:cNvPicPr>
+            <a:picLocks noChangeAspect="1"/>
+          </p:cNvPicPr>
+          <p:nvPr/>
+        </p:nvPicPr>
+        <p:blipFill>
+          <a:blip r:embed="rId16"/>
+          <a:stretch>
+            <a:fillRect/>
+          </a:stretch>
+        </p:blipFill>
+        <p:spPr>
+          <a:xfrm>
+            <a:off x="-94" y="784830"/>
+            <a:ext cx="1685925" cy="5867400"/>
+          </a:xfrm>
+          <a:prstGeom prst="rect">
+            <a:avLst/>
+          </a:prstGeom>
+        </p:spPr>
+      </p:pic>
+      <p:sp>
+        <p:nvSpPr>
+          <p:cNvPr id="27" name="Textfeld 26">
+            <a:extLst>
+              <a:ext uri="{FF2B5EF4-FFF2-40B4-BE49-F238E27FC236}">
+                <a16:creationId xmlns:a16="http://schemas.microsoft.com/office/drawing/2014/main" id="{8E8D169A-BC7C-44A6-B126-7707269E1D9C}"/>
+              </a:ext>
+            </a:extLst>
+          </p:cNvPr>
+          <p:cNvSpPr txBox="1"/>
+          <p:nvPr/>
+        </p:nvSpPr>
+        <p:spPr>
+          <a:xfrm>
+            <a:off x="37416" y="1729417"/>
+            <a:ext cx="1534772" cy="300082"/>
+          </a:xfrm>
+          <a:prstGeom prst="rect">
+            <a:avLst/>
+          </a:prstGeom>
+          <a:solidFill>
+            <a:schemeClr val="bg2"/>
+          </a:solidFill>
+          <a:effectLst>
+            <a:outerShdw blurRad="50800" dist="38100" dir="2700000" algn="tl" rotWithShape="0">
+              <a:prstClr val="black">
+                <a:alpha val="40000"/>
+              </a:prstClr>
+            </a:outerShdw>
+          </a:effectLst>
+        </p:spPr>
+        <p:txBody>
+          <a:bodyPr wrap="square" rtlCol="0">
+            <a:spAutoFit/>
+          </a:bodyPr>
+          <a:lstStyle/>
+          <a:p>
+            <a:r>
+              <a:rPr lang="de-CH" sz="1350" dirty="0"/>
+              <a:t>Zahlung verbuchen</a:t>
+            </a:r>
+          </a:p>
+        </p:txBody>
+      </p:sp>
+      <p:sp>
+        <p:nvSpPr>
+          <p:cNvPr id="29" name="Textfeld 28">
+            <a:extLst>
+              <a:ext uri="{FF2B5EF4-FFF2-40B4-BE49-F238E27FC236}">
+                <a16:creationId xmlns:a16="http://schemas.microsoft.com/office/drawing/2014/main" id="{A03FAD2A-C634-4D1E-9536-4A5B7009D658}"/>
+              </a:ext>
+            </a:extLst>
+          </p:cNvPr>
+          <p:cNvSpPr txBox="1"/>
+          <p:nvPr/>
+        </p:nvSpPr>
+        <p:spPr>
+          <a:xfrm>
+            <a:off x="4936704" y="1943570"/>
+            <a:ext cx="2041736" cy="507831"/>
+          </a:xfrm>
+          <a:prstGeom prst="rect">
+            <a:avLst/>
+          </a:prstGeom>
+          <a:noFill/>
+        </p:spPr>
+        <p:txBody>
+          <a:bodyPr wrap="square" rtlCol="0">
+            <a:spAutoFit/>
+          </a:bodyPr>
+          <a:lstStyle/>
+          <a:p>
+            <a:r>
+              <a:rPr lang="de-CH" sz="1350" dirty="0"/>
+              <a:t>Neue Zahlung verbuchen, Daten eingeben</a:t>
+            </a:r>
+          </a:p>
+        </p:txBody>
+      </p:sp>
+      <p:sp>
+        <p:nvSpPr>
+          <p:cNvPr id="32" name="Textfeld 31">
+            <a:extLst>
+              <a:ext uri="{FF2B5EF4-FFF2-40B4-BE49-F238E27FC236}">
+                <a16:creationId xmlns:a16="http://schemas.microsoft.com/office/drawing/2014/main" id="{B4BBD773-5F44-4746-A1A2-59237F7C21AE}"/>
+              </a:ext>
+            </a:extLst>
+          </p:cNvPr>
+          <p:cNvSpPr txBox="1"/>
+          <p:nvPr/>
+        </p:nvSpPr>
+        <p:spPr>
+          <a:xfrm>
+            <a:off x="7223908" y="6042772"/>
+            <a:ext cx="1534772" cy="300082"/>
+          </a:xfrm>
+          <a:prstGeom prst="rect">
+            <a:avLst/>
+          </a:prstGeom>
+          <a:solidFill>
+            <a:schemeClr val="bg2"/>
+          </a:solidFill>
+          <a:effectLst>
+            <a:outerShdw blurRad="50800" dist="38100" dir="2700000" algn="tl" rotWithShape="0">
+              <a:prstClr val="black">
+                <a:alpha val="40000"/>
+              </a:prstClr>
+            </a:outerShdw>
+          </a:effectLst>
+        </p:spPr>
+        <p:txBody>
+          <a:bodyPr wrap="square" rtlCol="0">
+            <a:spAutoFit/>
+          </a:bodyPr>
+          <a:lstStyle/>
+          <a:p>
+            <a:r>
+              <a:rPr lang="de-CH" sz="1350" dirty="0"/>
+              <a:t>Speichern</a:t>
+            </a:r>
+          </a:p>
+        </p:txBody>
+      </p:sp>
+    </p:spTree>
+    <p:extLst>
+      <p:ext uri="{BB962C8B-B14F-4D97-AF65-F5344CB8AC3E}">
+        <p14:creationId xmlns:p14="http://schemas.microsoft.com/office/powerpoint/2010/main" val="3948979849"/>
+      </p:ext>
+    </p:extLst>
+  </p:cSld>
+  <p:clrMapOvr>
+    <a:masterClrMapping/>
+  </p:clrMapOvr>
+</p:sld>
+</file>
+
 <file path=ppt/slides/slide2.xml><?xml version="1.0" encoding="utf-8"?>
 <p:sld xmlns:a="http://schemas.openxmlformats.org/drawingml/2006/main" xmlns:r="http://schemas.openxmlformats.org/officeDocument/2006/relationships" xmlns:p="http://schemas.openxmlformats.org/presentationml/2006/main">
   <p:cSld>
@@ -10852,7 +12006,7 @@
         </p:nvSpPr>
         <p:spPr>
           <a:xfrm>
-            <a:off x="30626" y="0"/>
+            <a:off x="0" y="0"/>
             <a:ext cx="9144000" cy="784830"/>
           </a:xfrm>
           <a:prstGeom prst="rect">
@@ -11006,10 +12160,10 @@
       </p:sp>
       <p:pic>
         <p:nvPicPr>
-          <p:cNvPr id="34" name="Grafik 33">
-            <a:extLst>
-              <a:ext uri="{FF2B5EF4-FFF2-40B4-BE49-F238E27FC236}">
-                <a16:creationId xmlns:a16="http://schemas.microsoft.com/office/drawing/2014/main" id="{FDFC208C-E010-4A66-89C5-F9DAA24AFA0B}"/>
+          <p:cNvPr id="4" name="Grafik 3">
+            <a:extLst>
+              <a:ext uri="{FF2B5EF4-FFF2-40B4-BE49-F238E27FC236}">
+                <a16:creationId xmlns:a16="http://schemas.microsoft.com/office/drawing/2014/main" id="{9406529B-509B-42B7-A142-FAE3A1F66B7D}"/>
               </a:ext>
             </a:extLst>
           </p:cNvPr>
@@ -11035,8 +12189,8 @@
         </p:blipFill>
         <p:spPr>
           <a:xfrm>
-            <a:off x="256591" y="94992"/>
-            <a:ext cx="283151" cy="377534"/>
+            <a:off x="8452339" y="383783"/>
+            <a:ext cx="232311" cy="232311"/>
           </a:xfrm>
           <a:prstGeom prst="rect">
             <a:avLst/>
@@ -11045,10 +12199,10 @@
       </p:pic>
       <p:sp>
         <p:nvSpPr>
-          <p:cNvPr id="57" name="Textfeld 56">
-            <a:extLst>
-              <a:ext uri="{FF2B5EF4-FFF2-40B4-BE49-F238E27FC236}">
-                <a16:creationId xmlns:a16="http://schemas.microsoft.com/office/drawing/2014/main" id="{4B2952E7-70FC-44FE-A94C-81EF62FF2DFC}"/>
+          <p:cNvPr id="23" name="Textfeld 22">
+            <a:extLst>
+              <a:ext uri="{FF2B5EF4-FFF2-40B4-BE49-F238E27FC236}">
+                <a16:creationId xmlns:a16="http://schemas.microsoft.com/office/drawing/2014/main" id="{78E7674F-AC57-4480-BF2D-706CEBDBE8BC}"/>
               </a:ext>
             </a:extLst>
           </p:cNvPr>
@@ -11057,8 +12211,8 @@
         </p:nvSpPr>
         <p:spPr>
           <a:xfrm>
-            <a:off x="102713" y="484959"/>
-            <a:ext cx="740156" cy="265457"/>
+            <a:off x="8368317" y="584435"/>
+            <a:ext cx="523846" cy="138499"/>
           </a:xfrm>
           <a:prstGeom prst="rect">
             <a:avLst/>
@@ -11072,30 +12226,57 @@
           <a:lstStyle/>
           <a:p>
             <a:r>
-              <a:rPr lang="de-CH" sz="750" dirty="0"/>
-              <a:t>Liegenschaft</a:t>
-            </a:r>
-            <a:br>
-              <a:rPr lang="de-CH" sz="750" dirty="0"/>
-            </a:br>
-            <a:r>
-              <a:rPr lang="de-CH" sz="375" dirty="0" err="1"/>
-              <a:t>building</a:t>
-            </a:r>
-            <a:r>
-              <a:rPr lang="de-CH" sz="375" dirty="0"/>
-              <a:t> (fa6)</a:t>
-            </a:r>
-            <a:endParaRPr lang="de-CH" sz="750" dirty="0"/>
+              <a:rPr lang="de-CH" sz="300" dirty="0" err="1"/>
+              <a:t>Sign</a:t>
+            </a:r>
+            <a:r>
+              <a:rPr lang="de-CH" sz="300" dirty="0"/>
+              <a:t>-out-alt</a:t>
+            </a:r>
+          </a:p>
+        </p:txBody>
+      </p:sp>
+      <p:sp>
+        <p:nvSpPr>
+          <p:cNvPr id="6" name="Textfeld 5">
+            <a:extLst>
+              <a:ext uri="{FF2B5EF4-FFF2-40B4-BE49-F238E27FC236}">
+                <a16:creationId xmlns:a16="http://schemas.microsoft.com/office/drawing/2014/main" id="{BB39516C-A284-418F-869A-0F11623F22DD}"/>
+              </a:ext>
+            </a:extLst>
+          </p:cNvPr>
+          <p:cNvSpPr txBox="1"/>
+          <p:nvPr/>
+        </p:nvSpPr>
+        <p:spPr>
+          <a:xfrm>
+            <a:off x="2347740" y="985482"/>
+            <a:ext cx="2041736" cy="300082"/>
+          </a:xfrm>
+          <a:prstGeom prst="rect">
+            <a:avLst/>
+          </a:prstGeom>
+          <a:noFill/>
+        </p:spPr>
+        <p:txBody>
+          <a:bodyPr wrap="square" rtlCol="0">
+            <a:spAutoFit/>
+          </a:bodyPr>
+          <a:lstStyle/>
+          <a:p>
+            <a:r>
+              <a:rPr lang="de-CH" sz="1350" dirty="0"/>
+              <a:t>Detailansicht Objekt XY</a:t>
+            </a:r>
           </a:p>
         </p:txBody>
       </p:sp>
       <p:pic>
         <p:nvPicPr>
-          <p:cNvPr id="60" name="Grafik 59">
-            <a:extLst>
-              <a:ext uri="{FF2B5EF4-FFF2-40B4-BE49-F238E27FC236}">
-                <a16:creationId xmlns:a16="http://schemas.microsoft.com/office/drawing/2014/main" id="{DF053CFD-830D-482C-9C41-3DABBFC37B46}"/>
+          <p:cNvPr id="47" name="Grafik 46">
+            <a:extLst>
+              <a:ext uri="{FF2B5EF4-FFF2-40B4-BE49-F238E27FC236}">
+                <a16:creationId xmlns:a16="http://schemas.microsoft.com/office/drawing/2014/main" id="{ADA2240E-2066-4445-8851-F8BA816261C8}"/>
               </a:ext>
             </a:extLst>
           </p:cNvPr>
@@ -11121,20 +12302,67 @@
         </p:blipFill>
         <p:spPr>
           <a:xfrm>
-            <a:off x="2103502" y="94993"/>
-            <a:ext cx="281939" cy="375918"/>
+            <a:off x="256591" y="94992"/>
+            <a:ext cx="283151" cy="377534"/>
           </a:xfrm>
           <a:prstGeom prst="rect">
             <a:avLst/>
           </a:prstGeom>
         </p:spPr>
       </p:pic>
+      <p:sp>
+        <p:nvSpPr>
+          <p:cNvPr id="49" name="Textfeld 48">
+            <a:extLst>
+              <a:ext uri="{FF2B5EF4-FFF2-40B4-BE49-F238E27FC236}">
+                <a16:creationId xmlns:a16="http://schemas.microsoft.com/office/drawing/2014/main" id="{9A619729-E896-4AEF-9963-C7611D83F8C2}"/>
+              </a:ext>
+            </a:extLst>
+          </p:cNvPr>
+          <p:cNvSpPr txBox="1"/>
+          <p:nvPr/>
+        </p:nvSpPr>
+        <p:spPr>
+          <a:xfrm>
+            <a:off x="102713" y="484959"/>
+            <a:ext cx="740156" cy="265457"/>
+          </a:xfrm>
+          <a:prstGeom prst="rect">
+            <a:avLst/>
+          </a:prstGeom>
+          <a:noFill/>
+        </p:spPr>
+        <p:txBody>
+          <a:bodyPr wrap="square" rtlCol="0">
+            <a:spAutoFit/>
+          </a:bodyPr>
+          <a:lstStyle/>
+          <a:p>
+            <a:r>
+              <a:rPr lang="de-CH" sz="750" dirty="0"/>
+              <a:t>Liegenschaft</a:t>
+            </a:r>
+            <a:br>
+              <a:rPr lang="de-CH" sz="750" dirty="0"/>
+            </a:br>
+            <a:r>
+              <a:rPr lang="de-CH" sz="375" dirty="0" err="1"/>
+              <a:t>building</a:t>
+            </a:r>
+            <a:r>
+              <a:rPr lang="de-CH" sz="375" dirty="0"/>
+              <a:t> (fa6)</a:t>
+            </a:r>
+            <a:endParaRPr lang="de-CH" sz="750" dirty="0"/>
+          </a:p>
+        </p:txBody>
+      </p:sp>
       <p:pic>
         <p:nvPicPr>
-          <p:cNvPr id="62" name="Grafik 61">
-            <a:extLst>
-              <a:ext uri="{FF2B5EF4-FFF2-40B4-BE49-F238E27FC236}">
-                <a16:creationId xmlns:a16="http://schemas.microsoft.com/office/drawing/2014/main" id="{F0D201B8-943D-4A47-ABB1-4BF39B067E8D}"/>
+          <p:cNvPr id="51" name="Grafik 50">
+            <a:extLst>
+              <a:ext uri="{FF2B5EF4-FFF2-40B4-BE49-F238E27FC236}">
+                <a16:creationId xmlns:a16="http://schemas.microsoft.com/office/drawing/2014/main" id="{70756D5D-7571-44DC-B81B-FD8158FC7F6C}"/>
               </a:ext>
             </a:extLst>
           </p:cNvPr>
@@ -11160,110 +12388,20 @@
         </p:blipFill>
         <p:spPr>
           <a:xfrm>
-            <a:off x="693190" y="94993"/>
-            <a:ext cx="469898" cy="375918"/>
+            <a:off x="2150697" y="94993"/>
+            <a:ext cx="281939" cy="375918"/>
           </a:xfrm>
           <a:prstGeom prst="rect">
             <a:avLst/>
           </a:prstGeom>
         </p:spPr>
       </p:pic>
-      <p:sp>
-        <p:nvSpPr>
-          <p:cNvPr id="65" name="Textfeld 64">
-            <a:extLst>
-              <a:ext uri="{FF2B5EF4-FFF2-40B4-BE49-F238E27FC236}">
-                <a16:creationId xmlns:a16="http://schemas.microsoft.com/office/drawing/2014/main" id="{ECCF88BE-1316-4D2F-A6DB-2C9FE9040A62}"/>
-              </a:ext>
-            </a:extLst>
-          </p:cNvPr>
-          <p:cNvSpPr txBox="1"/>
-          <p:nvPr/>
-        </p:nvSpPr>
-        <p:spPr>
-          <a:xfrm>
-            <a:off x="664665" y="498781"/>
-            <a:ext cx="671884" cy="253916"/>
-          </a:xfrm>
-          <a:prstGeom prst="rect">
-            <a:avLst/>
-          </a:prstGeom>
-          <a:noFill/>
-        </p:spPr>
-        <p:txBody>
-          <a:bodyPr wrap="square" rtlCol="0">
-            <a:spAutoFit/>
-          </a:bodyPr>
-          <a:lstStyle/>
-          <a:p>
-            <a:r>
-              <a:rPr lang="de-CH" sz="750" dirty="0"/>
-              <a:t>Mieter</a:t>
-            </a:r>
-            <a:br>
-              <a:rPr lang="de-CH" sz="750" dirty="0"/>
-            </a:br>
-            <a:r>
-              <a:rPr lang="de-CH" sz="300" dirty="0"/>
-              <a:t>user-tag</a:t>
-            </a:r>
-            <a:endParaRPr lang="de-CH" sz="750" dirty="0"/>
-          </a:p>
-        </p:txBody>
-      </p:sp>
-      <p:sp>
-        <p:nvSpPr>
-          <p:cNvPr id="66" name="Textfeld 65">
-            <a:extLst>
-              <a:ext uri="{FF2B5EF4-FFF2-40B4-BE49-F238E27FC236}">
-                <a16:creationId xmlns:a16="http://schemas.microsoft.com/office/drawing/2014/main" id="{7C2A1224-9653-4FEB-B039-573344A3E401}"/>
-              </a:ext>
-            </a:extLst>
-          </p:cNvPr>
-          <p:cNvSpPr txBox="1"/>
-          <p:nvPr/>
-        </p:nvSpPr>
-        <p:spPr>
-          <a:xfrm>
-            <a:off x="1923068" y="484959"/>
-            <a:ext cx="728821" cy="265457"/>
-          </a:xfrm>
-          <a:prstGeom prst="rect">
-            <a:avLst/>
-          </a:prstGeom>
-          <a:noFill/>
-        </p:spPr>
-        <p:txBody>
-          <a:bodyPr wrap="square" rtlCol="0">
-            <a:spAutoFit/>
-          </a:bodyPr>
-          <a:lstStyle/>
-          <a:p>
-            <a:r>
-              <a:rPr lang="de-CH" sz="750" dirty="0"/>
-              <a:t>Mietverträge</a:t>
-            </a:r>
-            <a:br>
-              <a:rPr lang="de-CH" sz="750" dirty="0"/>
-            </a:br>
-            <a:r>
-              <a:rPr lang="de-CH" sz="375" dirty="0"/>
-              <a:t>file-</a:t>
-            </a:r>
-            <a:r>
-              <a:rPr lang="de-CH" sz="375" dirty="0" err="1"/>
-              <a:t>contract</a:t>
-            </a:r>
-            <a:endParaRPr lang="de-CH" sz="750" dirty="0"/>
-          </a:p>
-        </p:txBody>
-      </p:sp>
       <p:pic>
         <p:nvPicPr>
-          <p:cNvPr id="70" name="Grafik 69">
-            <a:extLst>
-              <a:ext uri="{FF2B5EF4-FFF2-40B4-BE49-F238E27FC236}">
-                <a16:creationId xmlns:a16="http://schemas.microsoft.com/office/drawing/2014/main" id="{C796C772-CFBF-4DD2-ADC2-9C1E2F552336}"/>
+          <p:cNvPr id="52" name="Grafik 51">
+            <a:extLst>
+              <a:ext uri="{FF2B5EF4-FFF2-40B4-BE49-F238E27FC236}">
+                <a16:creationId xmlns:a16="http://schemas.microsoft.com/office/drawing/2014/main" id="{4CA5BF02-3014-4567-98A3-72AC9FE17010}"/>
               </a:ext>
             </a:extLst>
           </p:cNvPr>
@@ -11289,8 +12427,8 @@
         </p:blipFill>
         <p:spPr>
           <a:xfrm>
-            <a:off x="2754352" y="94992"/>
-            <a:ext cx="281939" cy="375918"/>
+            <a:off x="740385" y="94993"/>
+            <a:ext cx="469898" cy="375918"/>
           </a:xfrm>
           <a:prstGeom prst="rect">
             <a:avLst/>
@@ -11299,10 +12437,10 @@
       </p:pic>
       <p:sp>
         <p:nvSpPr>
-          <p:cNvPr id="71" name="Textfeld 70">
-            <a:extLst>
-              <a:ext uri="{FF2B5EF4-FFF2-40B4-BE49-F238E27FC236}">
-                <a16:creationId xmlns:a16="http://schemas.microsoft.com/office/drawing/2014/main" id="{E63EA9B3-19F9-4DAD-AF96-08B93901E074}"/>
+          <p:cNvPr id="53" name="Textfeld 52">
+            <a:extLst>
+              <a:ext uri="{FF2B5EF4-FFF2-40B4-BE49-F238E27FC236}">
+                <a16:creationId xmlns:a16="http://schemas.microsoft.com/office/drawing/2014/main" id="{47421006-A801-43A7-9AA9-98728412D9FD}"/>
               </a:ext>
             </a:extLst>
           </p:cNvPr>
@@ -11311,8 +12449,8 @@
         </p:nvSpPr>
         <p:spPr>
           <a:xfrm>
-            <a:off x="2623862" y="484958"/>
-            <a:ext cx="728821" cy="253916"/>
+            <a:off x="711860" y="498781"/>
+            <a:ext cx="671884" cy="253916"/>
           </a:xfrm>
           <a:prstGeom prst="rect">
             <a:avLst/>
@@ -11327,22 +12465,61 @@
           <a:p>
             <a:r>
               <a:rPr lang="de-CH" sz="750" dirty="0"/>
-              <a:t>Rechnungen</a:t>
+              <a:t>Mieter</a:t>
             </a:r>
             <a:br>
               <a:rPr lang="de-CH" sz="750" dirty="0"/>
             </a:br>
             <a:r>
               <a:rPr lang="de-CH" sz="300" dirty="0"/>
+              <a:t>user-tag</a:t>
+            </a:r>
+            <a:endParaRPr lang="de-CH" sz="750" dirty="0"/>
+          </a:p>
+        </p:txBody>
+      </p:sp>
+      <p:sp>
+        <p:nvSpPr>
+          <p:cNvPr id="54" name="Textfeld 53">
+            <a:extLst>
+              <a:ext uri="{FF2B5EF4-FFF2-40B4-BE49-F238E27FC236}">
+                <a16:creationId xmlns:a16="http://schemas.microsoft.com/office/drawing/2014/main" id="{5DA829F4-A905-4935-8F85-5610E2275AD5}"/>
+              </a:ext>
+            </a:extLst>
+          </p:cNvPr>
+          <p:cNvSpPr txBox="1"/>
+          <p:nvPr/>
+        </p:nvSpPr>
+        <p:spPr>
+          <a:xfrm>
+            <a:off x="1970263" y="484959"/>
+            <a:ext cx="728821" cy="265457"/>
+          </a:xfrm>
+          <a:prstGeom prst="rect">
+            <a:avLst/>
+          </a:prstGeom>
+          <a:noFill/>
+        </p:spPr>
+        <p:txBody>
+          <a:bodyPr wrap="square" rtlCol="0">
+            <a:spAutoFit/>
+          </a:bodyPr>
+          <a:lstStyle/>
+          <a:p>
+            <a:r>
+              <a:rPr lang="de-CH" sz="750" dirty="0"/>
+              <a:t>Mietverträge</a:t>
+            </a:r>
+            <a:br>
+              <a:rPr lang="de-CH" sz="750" dirty="0"/>
+            </a:br>
+            <a:r>
+              <a:rPr lang="de-CH" sz="375" dirty="0"/>
               <a:t>file-</a:t>
             </a:r>
             <a:r>
-              <a:rPr lang="de-CH" sz="300" dirty="0" err="1"/>
-              <a:t>invoice</a:t>
-            </a:r>
-            <a:r>
-              <a:rPr lang="de-CH" sz="300" dirty="0"/>
-              <a:t>-dollar</a:t>
+              <a:rPr lang="de-CH" sz="375" dirty="0" err="1"/>
+              <a:t>contract</a:t>
             </a:r>
             <a:endParaRPr lang="de-CH" sz="750" dirty="0"/>
           </a:p>
@@ -11350,10 +12527,10 @@
       </p:sp>
       <p:pic>
         <p:nvPicPr>
-          <p:cNvPr id="73" name="Grafik 72">
-            <a:extLst>
-              <a:ext uri="{FF2B5EF4-FFF2-40B4-BE49-F238E27FC236}">
-                <a16:creationId xmlns:a16="http://schemas.microsoft.com/office/drawing/2014/main" id="{4D4542A2-F0A8-455F-901C-B19369D1F973}"/>
+          <p:cNvPr id="55" name="Grafik 54">
+            <a:extLst>
+              <a:ext uri="{FF2B5EF4-FFF2-40B4-BE49-F238E27FC236}">
+                <a16:creationId xmlns:a16="http://schemas.microsoft.com/office/drawing/2014/main" id="{31BE9391-06BA-4379-A2BF-C77CCCB47200}"/>
               </a:ext>
             </a:extLst>
           </p:cNvPr>
@@ -11379,8 +12556,8 @@
         </p:blipFill>
         <p:spPr>
           <a:xfrm>
-            <a:off x="1419328" y="67926"/>
-            <a:ext cx="364904" cy="417032"/>
+            <a:off x="2801547" y="94992"/>
+            <a:ext cx="281939" cy="375918"/>
           </a:xfrm>
           <a:prstGeom prst="rect">
             <a:avLst/>
@@ -11389,10 +12566,10 @@
       </p:pic>
       <p:sp>
         <p:nvSpPr>
-          <p:cNvPr id="74" name="Textfeld 73">
-            <a:extLst>
-              <a:ext uri="{FF2B5EF4-FFF2-40B4-BE49-F238E27FC236}">
-                <a16:creationId xmlns:a16="http://schemas.microsoft.com/office/drawing/2014/main" id="{A3F1D1A0-E7A9-4890-B450-D8145EA558CD}"/>
+          <p:cNvPr id="59" name="Textfeld 58">
+            <a:extLst>
+              <a:ext uri="{FF2B5EF4-FFF2-40B4-BE49-F238E27FC236}">
+                <a16:creationId xmlns:a16="http://schemas.microsoft.com/office/drawing/2014/main" id="{DF08F27E-1BC4-44B0-9D9A-8896DCBA22C4}"/>
               </a:ext>
             </a:extLst>
           </p:cNvPr>
@@ -11401,8 +12578,8 @@
         </p:nvSpPr>
         <p:spPr>
           <a:xfrm>
-            <a:off x="1237370" y="484275"/>
-            <a:ext cx="728821" cy="265457"/>
+            <a:off x="2671057" y="484958"/>
+            <a:ext cx="728821" cy="253916"/>
           </a:xfrm>
           <a:prstGeom prst="rect">
             <a:avLst/>
@@ -11417,18 +12594,22 @@
           <a:p>
             <a:r>
               <a:rPr lang="de-CH" sz="750" dirty="0"/>
-              <a:t>Kreditoren</a:t>
+              <a:t>Rechnungen</a:t>
             </a:r>
             <a:br>
               <a:rPr lang="de-CH" sz="750" dirty="0"/>
             </a:br>
             <a:r>
-              <a:rPr lang="de-CH" sz="375" dirty="0"/>
-              <a:t>user-</a:t>
-            </a:r>
-            <a:r>
-              <a:rPr lang="de-CH" sz="375" dirty="0" err="1"/>
-              <a:t>tie</a:t>
+              <a:rPr lang="de-CH" sz="300" dirty="0"/>
+              <a:t>file-</a:t>
+            </a:r>
+            <a:r>
+              <a:rPr lang="de-CH" sz="300" dirty="0" err="1"/>
+              <a:t>invoice</a:t>
+            </a:r>
+            <a:r>
+              <a:rPr lang="de-CH" sz="300" dirty="0"/>
+              <a:t>-dollar</a:t>
             </a:r>
             <a:endParaRPr lang="de-CH" sz="750" dirty="0"/>
           </a:p>
@@ -11436,10 +12617,10 @@
       </p:sp>
       <p:pic>
         <p:nvPicPr>
-          <p:cNvPr id="4" name="Grafik 3">
-            <a:extLst>
-              <a:ext uri="{FF2B5EF4-FFF2-40B4-BE49-F238E27FC236}">
-                <a16:creationId xmlns:a16="http://schemas.microsoft.com/office/drawing/2014/main" id="{9406529B-509B-42B7-A142-FAE3A1F66B7D}"/>
+          <p:cNvPr id="61" name="Grafik 60">
+            <a:extLst>
+              <a:ext uri="{FF2B5EF4-FFF2-40B4-BE49-F238E27FC236}">
+                <a16:creationId xmlns:a16="http://schemas.microsoft.com/office/drawing/2014/main" id="{109E75F7-6A2E-4D79-96E6-0173A98CB36B}"/>
               </a:ext>
             </a:extLst>
           </p:cNvPr>
@@ -11465,8 +12646,8 @@
         </p:blipFill>
         <p:spPr>
           <a:xfrm>
-            <a:off x="8452339" y="383783"/>
-            <a:ext cx="232311" cy="232311"/>
+            <a:off x="1466523" y="67926"/>
+            <a:ext cx="364904" cy="417032"/>
           </a:xfrm>
           <a:prstGeom prst="rect">
             <a:avLst/>
@@ -11475,10 +12656,10 @@
       </p:pic>
       <p:sp>
         <p:nvSpPr>
-          <p:cNvPr id="23" name="Textfeld 22">
-            <a:extLst>
-              <a:ext uri="{FF2B5EF4-FFF2-40B4-BE49-F238E27FC236}">
-                <a16:creationId xmlns:a16="http://schemas.microsoft.com/office/drawing/2014/main" id="{78E7674F-AC57-4480-BF2D-706CEBDBE8BC}"/>
+          <p:cNvPr id="63" name="Textfeld 62">
+            <a:extLst>
+              <a:ext uri="{FF2B5EF4-FFF2-40B4-BE49-F238E27FC236}">
+                <a16:creationId xmlns:a16="http://schemas.microsoft.com/office/drawing/2014/main" id="{9E5D18D5-B763-4F0B-BB29-27E78AB1EC71}"/>
               </a:ext>
             </a:extLst>
           </p:cNvPr>
@@ -11487,8 +12668,8 @@
         </p:nvSpPr>
         <p:spPr>
           <a:xfrm>
-            <a:off x="8368317" y="584435"/>
-            <a:ext cx="523846" cy="138499"/>
+            <a:off x="1284565" y="484275"/>
+            <a:ext cx="728821" cy="265457"/>
           </a:xfrm>
           <a:prstGeom prst="rect">
             <a:avLst/>
@@ -11502,22 +12683,30 @@
           <a:lstStyle/>
           <a:p>
             <a:r>
-              <a:rPr lang="de-CH" sz="300" dirty="0" err="1"/>
-              <a:t>Sign</a:t>
-            </a:r>
-            <a:r>
-              <a:rPr lang="de-CH" sz="300" dirty="0"/>
-              <a:t>-out-alt</a:t>
-            </a:r>
-          </a:p>
-        </p:txBody>
-      </p:sp>
-      <p:sp>
-        <p:nvSpPr>
-          <p:cNvPr id="30" name="Textfeld 29">
-            <a:extLst>
-              <a:ext uri="{FF2B5EF4-FFF2-40B4-BE49-F238E27FC236}">
-                <a16:creationId xmlns:a16="http://schemas.microsoft.com/office/drawing/2014/main" id="{0B5B28E4-0027-41B1-A093-9ADDFE5393C4}"/>
+              <a:rPr lang="de-CH" sz="750" dirty="0"/>
+              <a:t>Kreditoren</a:t>
+            </a:r>
+            <a:br>
+              <a:rPr lang="de-CH" sz="750" dirty="0"/>
+            </a:br>
+            <a:r>
+              <a:rPr lang="de-CH" sz="375" dirty="0"/>
+              <a:t>user-</a:t>
+            </a:r>
+            <a:r>
+              <a:rPr lang="de-CH" sz="375" dirty="0" err="1"/>
+              <a:t>tie</a:t>
+            </a:r>
+            <a:endParaRPr lang="de-CH" sz="750" dirty="0"/>
+          </a:p>
+        </p:txBody>
+      </p:sp>
+      <p:sp>
+        <p:nvSpPr>
+          <p:cNvPr id="67" name="Textfeld 66">
+            <a:extLst>
+              <a:ext uri="{FF2B5EF4-FFF2-40B4-BE49-F238E27FC236}">
+                <a16:creationId xmlns:a16="http://schemas.microsoft.com/office/drawing/2014/main" id="{587CA191-A260-452C-8A88-60190034BD61}"/>
               </a:ext>
             </a:extLst>
           </p:cNvPr>
@@ -11526,8 +12715,8 @@
         </p:nvSpPr>
         <p:spPr>
           <a:xfrm>
-            <a:off x="4231681" y="942225"/>
-            <a:ext cx="2041736" cy="715581"/>
+            <a:off x="3431701" y="484957"/>
+            <a:ext cx="601337" cy="253916"/>
           </a:xfrm>
           <a:prstGeom prst="rect">
             <a:avLst/>
@@ -11541,24 +12730,34 @@
           <a:lstStyle/>
           <a:p>
             <a:r>
-              <a:rPr lang="de-CH" sz="1350" dirty="0"/>
-              <a:t>Mieter</a:t>
-            </a:r>
-          </a:p>
-          <a:p>
-            <a:r>
-              <a:rPr lang="de-CH" sz="1350" dirty="0"/>
-              <a:t>(Daten zum Mieter werden angezeigt)</a:t>
-            </a:r>
+              <a:rPr lang="de-CH" sz="750" dirty="0"/>
+              <a:t>Konten</a:t>
+            </a:r>
+            <a:br>
+              <a:rPr lang="de-CH" sz="750" dirty="0"/>
+            </a:br>
+            <a:r>
+              <a:rPr lang="de-CH" sz="300" dirty="0"/>
+              <a:t> </a:t>
+            </a:r>
+            <a:r>
+              <a:rPr lang="de-CH" sz="300" dirty="0" err="1"/>
+              <a:t>money</a:t>
+            </a:r>
+            <a:r>
+              <a:rPr lang="de-CH" sz="300" dirty="0"/>
+              <a:t>-check-alt</a:t>
+            </a:r>
+            <a:endParaRPr lang="de-CH" sz="750" dirty="0"/>
           </a:p>
         </p:txBody>
       </p:sp>
       <p:pic>
         <p:nvPicPr>
-          <p:cNvPr id="9" name="Grafik 8">
-            <a:extLst>
-              <a:ext uri="{FF2B5EF4-FFF2-40B4-BE49-F238E27FC236}">
-                <a16:creationId xmlns:a16="http://schemas.microsoft.com/office/drawing/2014/main" id="{4A1AB0C7-8F83-489F-83B8-C68A854A2BDC}"/>
+          <p:cNvPr id="69" name="Grafik 68">
+            <a:extLst>
+              <a:ext uri="{FF2B5EF4-FFF2-40B4-BE49-F238E27FC236}">
+                <a16:creationId xmlns:a16="http://schemas.microsoft.com/office/drawing/2014/main" id="{A0B26C23-207D-4AAD-8EF1-3718B09C3D8B}"/>
               </a:ext>
             </a:extLst>
           </p:cNvPr>
@@ -11584,7 +12783,7 @@
         </p:blipFill>
         <p:spPr>
           <a:xfrm>
-            <a:off x="3461415" y="94993"/>
+            <a:off x="3508610" y="94993"/>
             <a:ext cx="430010" cy="344008"/>
           </a:xfrm>
           <a:prstGeom prst="rect">
@@ -11594,10 +12793,10 @@
       </p:pic>
       <p:sp>
         <p:nvSpPr>
-          <p:cNvPr id="35" name="Textfeld 34">
-            <a:extLst>
-              <a:ext uri="{FF2B5EF4-FFF2-40B4-BE49-F238E27FC236}">
-                <a16:creationId xmlns:a16="http://schemas.microsoft.com/office/drawing/2014/main" id="{1998E68F-D869-43FF-9BBA-1A741FC9CC62}"/>
+          <p:cNvPr id="3" name="Textfeld 2">
+            <a:extLst>
+              <a:ext uri="{FF2B5EF4-FFF2-40B4-BE49-F238E27FC236}">
+                <a16:creationId xmlns:a16="http://schemas.microsoft.com/office/drawing/2014/main" id="{80F2ED38-0C42-4A85-ACEB-3E141D97587F}"/>
               </a:ext>
             </a:extLst>
           </p:cNvPr>
@@ -11606,8 +12805,8 @@
         </p:nvSpPr>
         <p:spPr>
           <a:xfrm>
-            <a:off x="3456369" y="457477"/>
-            <a:ext cx="601337" cy="253916"/>
+            <a:off x="6649918" y="1369265"/>
+            <a:ext cx="2365642" cy="369332"/>
           </a:xfrm>
           <a:prstGeom prst="rect">
             <a:avLst/>
@@ -11621,34 +12820,123 @@
           <a:lstStyle/>
           <a:p>
             <a:r>
-              <a:rPr lang="de-CH" sz="750" dirty="0"/>
-              <a:t>Konten</a:t>
-            </a:r>
-            <a:br>
-              <a:rPr lang="de-CH" sz="750" dirty="0"/>
-            </a:br>
-            <a:r>
-              <a:rPr lang="de-CH" sz="300" dirty="0"/>
-              <a:t> </a:t>
-            </a:r>
-            <a:r>
-              <a:rPr lang="de-CH" sz="300" dirty="0" err="1"/>
-              <a:t>money</a:t>
-            </a:r>
-            <a:r>
-              <a:rPr lang="de-CH" sz="300" dirty="0"/>
-              <a:t>-check-alt</a:t>
-            </a:r>
-            <a:endParaRPr lang="de-CH" sz="750" dirty="0"/>
+              <a:rPr lang="de-CH" dirty="0"/>
+              <a:t>Liste der Mietverträge</a:t>
+            </a:r>
+          </a:p>
+        </p:txBody>
+      </p:sp>
+      <p:sp>
+        <p:nvSpPr>
+          <p:cNvPr id="31" name="Textfeld 30">
+            <a:extLst>
+              <a:ext uri="{FF2B5EF4-FFF2-40B4-BE49-F238E27FC236}">
+                <a16:creationId xmlns:a16="http://schemas.microsoft.com/office/drawing/2014/main" id="{10B9E831-622E-492A-B6BC-03314935EE4D}"/>
+              </a:ext>
+            </a:extLst>
+          </p:cNvPr>
+          <p:cNvSpPr txBox="1"/>
+          <p:nvPr/>
+        </p:nvSpPr>
+        <p:spPr>
+          <a:xfrm>
+            <a:off x="1885207" y="4274836"/>
+            <a:ext cx="2365642" cy="369332"/>
+          </a:xfrm>
+          <a:prstGeom prst="rect">
+            <a:avLst/>
+          </a:prstGeom>
+          <a:noFill/>
+        </p:spPr>
+        <p:txBody>
+          <a:bodyPr wrap="square" rtlCol="0">
+            <a:spAutoFit/>
+          </a:bodyPr>
+          <a:lstStyle/>
+          <a:p>
+            <a:r>
+              <a:rPr lang="de-CH" dirty="0"/>
+              <a:t>Liste der Rechnungen</a:t>
+            </a:r>
+          </a:p>
+        </p:txBody>
+      </p:sp>
+      <p:sp>
+        <p:nvSpPr>
+          <p:cNvPr id="32" name="Textfeld 31">
+            <a:extLst>
+              <a:ext uri="{FF2B5EF4-FFF2-40B4-BE49-F238E27FC236}">
+                <a16:creationId xmlns:a16="http://schemas.microsoft.com/office/drawing/2014/main" id="{9AAF0F07-6153-4870-9F05-015CB288F74F}"/>
+              </a:ext>
+            </a:extLst>
+          </p:cNvPr>
+          <p:cNvSpPr txBox="1"/>
+          <p:nvPr/>
+        </p:nvSpPr>
+        <p:spPr>
+          <a:xfrm>
+            <a:off x="2131724" y="1369265"/>
+            <a:ext cx="2365642" cy="646331"/>
+          </a:xfrm>
+          <a:prstGeom prst="rect">
+            <a:avLst/>
+          </a:prstGeom>
+          <a:noFill/>
+        </p:spPr>
+        <p:txBody>
+          <a:bodyPr wrap="square" rtlCol="0">
+            <a:spAutoFit/>
+          </a:bodyPr>
+          <a:lstStyle/>
+          <a:p>
+            <a:r>
+              <a:rPr lang="de-CH" dirty="0"/>
+              <a:t>Informationen zum Objekt</a:t>
+            </a:r>
+          </a:p>
+        </p:txBody>
+      </p:sp>
+      <p:sp>
+        <p:nvSpPr>
+          <p:cNvPr id="33" name="Textfeld 32">
+            <a:extLst>
+              <a:ext uri="{FF2B5EF4-FFF2-40B4-BE49-F238E27FC236}">
+                <a16:creationId xmlns:a16="http://schemas.microsoft.com/office/drawing/2014/main" id="{9C277292-8BAA-4D7D-9F6B-F523AAD44A78}"/>
+              </a:ext>
+            </a:extLst>
+          </p:cNvPr>
+          <p:cNvSpPr txBox="1"/>
+          <p:nvPr/>
+        </p:nvSpPr>
+        <p:spPr>
+          <a:xfrm>
+            <a:off x="4284276" y="1369265"/>
+            <a:ext cx="2365642" cy="646331"/>
+          </a:xfrm>
+          <a:prstGeom prst="rect">
+            <a:avLst/>
+          </a:prstGeom>
+          <a:noFill/>
+        </p:spPr>
+        <p:txBody>
+          <a:bodyPr wrap="square" rtlCol="0">
+            <a:spAutoFit/>
+          </a:bodyPr>
+          <a:lstStyle/>
+          <a:p>
+            <a:r>
+              <a:rPr lang="de-CH" dirty="0"/>
+              <a:t>Informationen zum aktiven Mieter</a:t>
+            </a:r>
           </a:p>
         </p:txBody>
       </p:sp>
       <p:pic>
         <p:nvPicPr>
-          <p:cNvPr id="16" name="Grafik 15">
-            <a:extLst>
-              <a:ext uri="{FF2B5EF4-FFF2-40B4-BE49-F238E27FC236}">
-                <a16:creationId xmlns:a16="http://schemas.microsoft.com/office/drawing/2014/main" id="{BC4D453C-7DC2-43D7-B59D-A1E9C1C79273}"/>
+          <p:cNvPr id="34" name="Grafik 33">
+            <a:extLst>
+              <a:ext uri="{FF2B5EF4-FFF2-40B4-BE49-F238E27FC236}">
+                <a16:creationId xmlns:a16="http://schemas.microsoft.com/office/drawing/2014/main" id="{9CC0FC6A-11DA-4ECD-800A-1C65FCD5BDC8}"/>
               </a:ext>
             </a:extLst>
           </p:cNvPr>
@@ -11675,10 +12963,10 @@
       </p:pic>
       <p:sp>
         <p:nvSpPr>
-          <p:cNvPr id="47" name="Textfeld 46">
-            <a:extLst>
-              <a:ext uri="{FF2B5EF4-FFF2-40B4-BE49-F238E27FC236}">
-                <a16:creationId xmlns:a16="http://schemas.microsoft.com/office/drawing/2014/main" id="{5A2EC15F-F2FC-47D6-8F18-46549C8A6915}"/>
+          <p:cNvPr id="35" name="Textfeld 34">
+            <a:extLst>
+              <a:ext uri="{FF2B5EF4-FFF2-40B4-BE49-F238E27FC236}">
+                <a16:creationId xmlns:a16="http://schemas.microsoft.com/office/drawing/2014/main" id="{CBAC7CE4-CB15-4CEC-B16B-8D0C38797A16}"/>
               </a:ext>
             </a:extLst>
           </p:cNvPr>
@@ -11712,17 +13000,17 @@
           <a:p>
             <a:r>
               <a:rPr lang="de-CH" sz="1350" dirty="0"/>
-              <a:t>Rechnungen</a:t>
-            </a:r>
-          </a:p>
-        </p:txBody>
-      </p:sp>
-      <p:sp>
-        <p:nvSpPr>
-          <p:cNvPr id="48" name="Textfeld 47">
-            <a:extLst>
-              <a:ext uri="{FF2B5EF4-FFF2-40B4-BE49-F238E27FC236}">
-                <a16:creationId xmlns:a16="http://schemas.microsoft.com/office/drawing/2014/main" id="{45820D6B-B4DC-4FF6-A670-4D9B44CAEFDA}"/>
+              <a:t>Rechnung erstellen</a:t>
+            </a:r>
+          </a:p>
+        </p:txBody>
+      </p:sp>
+      <p:sp>
+        <p:nvSpPr>
+          <p:cNvPr id="38" name="Textfeld 37">
+            <a:extLst>
+              <a:ext uri="{FF2B5EF4-FFF2-40B4-BE49-F238E27FC236}">
+                <a16:creationId xmlns:a16="http://schemas.microsoft.com/office/drawing/2014/main" id="{5E9BB272-87A1-4264-B6BF-F20415D9FFA1}"/>
               </a:ext>
             </a:extLst>
           </p:cNvPr>
@@ -11731,7 +13019,7 @@
         </p:nvSpPr>
         <p:spPr>
           <a:xfrm>
-            <a:off x="30626" y="1992386"/>
+            <a:off x="75483" y="941112"/>
             <a:ext cx="1534772" cy="300082"/>
           </a:xfrm>
           <a:prstGeom prst="rect">
@@ -11756,139 +13044,7 @@
           <a:p>
             <a:r>
               <a:rPr lang="de-CH" sz="1350" dirty="0"/>
-              <a:t>Objekte</a:t>
-            </a:r>
-          </a:p>
-        </p:txBody>
-      </p:sp>
-      <p:sp>
-        <p:nvSpPr>
-          <p:cNvPr id="49" name="Textfeld 48">
-            <a:extLst>
-              <a:ext uri="{FF2B5EF4-FFF2-40B4-BE49-F238E27FC236}">
-                <a16:creationId xmlns:a16="http://schemas.microsoft.com/office/drawing/2014/main" id="{910EB472-E846-4209-90AF-30EBA26BD889}"/>
-              </a:ext>
-            </a:extLst>
-          </p:cNvPr>
-          <p:cNvSpPr txBox="1"/>
-          <p:nvPr/>
-        </p:nvSpPr>
-        <p:spPr>
-          <a:xfrm>
-            <a:off x="37416" y="2366479"/>
-            <a:ext cx="1534772" cy="300082"/>
-          </a:xfrm>
-          <a:prstGeom prst="rect">
-            <a:avLst/>
-          </a:prstGeom>
-          <a:solidFill>
-            <a:schemeClr val="bg2"/>
-          </a:solidFill>
-          <a:effectLst>
-            <a:outerShdw blurRad="50800" dist="38100" dir="2700000" algn="tl" rotWithShape="0">
-              <a:prstClr val="black">
-                <a:alpha val="40000"/>
-              </a:prstClr>
-            </a:outerShdw>
-          </a:effectLst>
-        </p:spPr>
-        <p:txBody>
-          <a:bodyPr wrap="square" rtlCol="0">
-            <a:spAutoFit/>
-          </a:bodyPr>
-          <a:lstStyle/>
-          <a:p>
-            <a:r>
-              <a:rPr lang="de-CH" sz="1350" dirty="0"/>
-              <a:t>Mietverträge</a:t>
-            </a:r>
-          </a:p>
-        </p:txBody>
-      </p:sp>
-      <p:sp>
-        <p:nvSpPr>
-          <p:cNvPr id="50" name="Textfeld 49">
-            <a:extLst>
-              <a:ext uri="{FF2B5EF4-FFF2-40B4-BE49-F238E27FC236}">
-                <a16:creationId xmlns:a16="http://schemas.microsoft.com/office/drawing/2014/main" id="{4128D636-10F5-4430-8D32-4E69B4847BF0}"/>
-              </a:ext>
-            </a:extLst>
-          </p:cNvPr>
-          <p:cNvSpPr txBox="1"/>
-          <p:nvPr/>
-        </p:nvSpPr>
-        <p:spPr>
-          <a:xfrm>
-            <a:off x="75483" y="941112"/>
-            <a:ext cx="1534772" cy="300082"/>
-          </a:xfrm>
-          <a:prstGeom prst="rect">
-            <a:avLst/>
-          </a:prstGeom>
-          <a:solidFill>
-            <a:schemeClr val="bg2"/>
-          </a:solidFill>
-          <a:effectLst>
-            <a:outerShdw blurRad="50800" dist="38100" dir="2700000" algn="tl" rotWithShape="0">
-              <a:prstClr val="black">
-                <a:alpha val="40000"/>
-              </a:prstClr>
-            </a:outerShdw>
-          </a:effectLst>
-        </p:spPr>
-        <p:txBody>
-          <a:bodyPr wrap="square" rtlCol="0">
-            <a:spAutoFit/>
-          </a:bodyPr>
-          <a:lstStyle/>
-          <a:p>
-            <a:r>
-              <a:rPr lang="de-CH" sz="1350" dirty="0"/>
               <a:t>Neuer Mieter</a:t>
-            </a:r>
-          </a:p>
-        </p:txBody>
-      </p:sp>
-      <p:sp>
-        <p:nvSpPr>
-          <p:cNvPr id="51" name="Textfeld 50">
-            <a:extLst>
-              <a:ext uri="{FF2B5EF4-FFF2-40B4-BE49-F238E27FC236}">
-                <a16:creationId xmlns:a16="http://schemas.microsoft.com/office/drawing/2014/main" id="{D37FD960-4EA6-4FB4-8F15-B3D13CCD0D10}"/>
-              </a:ext>
-            </a:extLst>
-          </p:cNvPr>
-          <p:cNvSpPr txBox="1"/>
-          <p:nvPr/>
-        </p:nvSpPr>
-        <p:spPr>
-          <a:xfrm>
-            <a:off x="5128736" y="5834693"/>
-            <a:ext cx="1534772" cy="300082"/>
-          </a:xfrm>
-          <a:prstGeom prst="rect">
-            <a:avLst/>
-          </a:prstGeom>
-          <a:solidFill>
-            <a:schemeClr val="bg2"/>
-          </a:solidFill>
-          <a:effectLst>
-            <a:outerShdw blurRad="50800" dist="38100" dir="2700000" algn="tl" rotWithShape="0">
-              <a:prstClr val="black">
-                <a:alpha val="40000"/>
-              </a:prstClr>
-            </a:outerShdw>
-          </a:effectLst>
-        </p:spPr>
-        <p:txBody>
-          <a:bodyPr wrap="square" rtlCol="0">
-            <a:spAutoFit/>
-          </a:bodyPr>
-          <a:lstStyle/>
-          <a:p>
-            <a:r>
-              <a:rPr lang="de-CH" sz="1350" dirty="0"/>
-              <a:t>Speichern</a:t>
             </a:r>
           </a:p>
         </p:txBody>
@@ -11896,7 +13052,7 @@
     </p:spTree>
     <p:extLst>
       <p:ext uri="{BB962C8B-B14F-4D97-AF65-F5344CB8AC3E}">
-        <p14:creationId xmlns:p14="http://schemas.microsoft.com/office/powerpoint/2010/main" val="3971751406"/>
+        <p14:creationId xmlns:p14="http://schemas.microsoft.com/office/powerpoint/2010/main" val="3012564211"/>
       </p:ext>
     </p:extLst>
   </p:cSld>
@@ -12206,7 +13362,7 @@
         </p:blipFill>
         <p:spPr>
           <a:xfrm>
-            <a:off x="2138897" y="94993"/>
+            <a:off x="2103502" y="94993"/>
             <a:ext cx="281939" cy="375918"/>
           </a:xfrm>
           <a:prstGeom prst="rect">
@@ -12245,7 +13401,7 @@
         </p:blipFill>
         <p:spPr>
           <a:xfrm>
-            <a:off x="728585" y="94993"/>
+            <a:off x="693190" y="94993"/>
             <a:ext cx="469898" cy="375918"/>
           </a:xfrm>
           <a:prstGeom prst="rect">
@@ -12267,7 +13423,7 @@
         </p:nvSpPr>
         <p:spPr>
           <a:xfrm>
-            <a:off x="700060" y="498781"/>
+            <a:off x="664665" y="498781"/>
             <a:ext cx="671884" cy="253916"/>
           </a:xfrm>
           <a:prstGeom prst="rect">
@@ -12310,7 +13466,7 @@
         </p:nvSpPr>
         <p:spPr>
           <a:xfrm>
-            <a:off x="1958463" y="484959"/>
+            <a:off x="1923068" y="484959"/>
             <a:ext cx="728821" cy="265457"/>
           </a:xfrm>
           <a:prstGeom prst="rect">
@@ -12374,7 +13530,7 @@
         </p:blipFill>
         <p:spPr>
           <a:xfrm>
-            <a:off x="2789747" y="94992"/>
+            <a:off x="2754352" y="94992"/>
             <a:ext cx="281939" cy="375918"/>
           </a:xfrm>
           <a:prstGeom prst="rect">
@@ -12396,7 +13552,7 @@
         </p:nvSpPr>
         <p:spPr>
           <a:xfrm>
-            <a:off x="2659257" y="484958"/>
+            <a:off x="2623862" y="484958"/>
             <a:ext cx="728821" cy="253916"/>
           </a:xfrm>
           <a:prstGeom prst="rect">
@@ -12464,7 +13620,7 @@
         </p:blipFill>
         <p:spPr>
           <a:xfrm>
-            <a:off x="1454723" y="67926"/>
+            <a:off x="1419328" y="67926"/>
             <a:ext cx="364904" cy="417032"/>
           </a:xfrm>
           <a:prstGeom prst="rect">
@@ -12486,7 +13642,7 @@
         </p:nvSpPr>
         <p:spPr>
           <a:xfrm>
-            <a:off x="1272765" y="484275"/>
+            <a:off x="1237370" y="484275"/>
             <a:ext cx="728821" cy="265457"/>
           </a:xfrm>
           <a:prstGeom prst="rect">
@@ -12597,6 +13753,47 @@
           </a:p>
         </p:txBody>
       </p:sp>
+      <p:sp>
+        <p:nvSpPr>
+          <p:cNvPr id="30" name="Textfeld 29">
+            <a:extLst>
+              <a:ext uri="{FF2B5EF4-FFF2-40B4-BE49-F238E27FC236}">
+                <a16:creationId xmlns:a16="http://schemas.microsoft.com/office/drawing/2014/main" id="{0B5B28E4-0027-41B1-A093-9ADDFE5393C4}"/>
+              </a:ext>
+            </a:extLst>
+          </p:cNvPr>
+          <p:cNvSpPr txBox="1"/>
+          <p:nvPr/>
+        </p:nvSpPr>
+        <p:spPr>
+          <a:xfrm>
+            <a:off x="4231681" y="942225"/>
+            <a:ext cx="2041736" cy="715581"/>
+          </a:xfrm>
+          <a:prstGeom prst="rect">
+            <a:avLst/>
+          </a:prstGeom>
+          <a:noFill/>
+        </p:spPr>
+        <p:txBody>
+          <a:bodyPr wrap="square" rtlCol="0">
+            <a:spAutoFit/>
+          </a:bodyPr>
+          <a:lstStyle/>
+          <a:p>
+            <a:r>
+              <a:rPr lang="de-CH" sz="1350" dirty="0"/>
+              <a:t>Mieter</a:t>
+            </a:r>
+          </a:p>
+          <a:p>
+            <a:r>
+              <a:rPr lang="de-CH" sz="1350" dirty="0"/>
+              <a:t>(Daten zum Mieter werden angezeigt)</a:t>
+            </a:r>
+          </a:p>
+        </p:txBody>
+      </p:sp>
       <p:pic>
         <p:nvPicPr>
           <p:cNvPr id="9" name="Grafik 8">
@@ -12628,7 +13825,7 @@
         </p:blipFill>
         <p:spPr>
           <a:xfrm>
-            <a:off x="3496810" y="94993"/>
+            <a:off x="3461415" y="94993"/>
             <a:ext cx="430010" cy="344008"/>
           </a:xfrm>
           <a:prstGeom prst="rect">
@@ -12650,7 +13847,7 @@
         </p:nvSpPr>
         <p:spPr>
           <a:xfrm>
-            <a:off x="3491764" y="457477"/>
+            <a:off x="3456369" y="457477"/>
             <a:ext cx="601337" cy="253916"/>
           </a:xfrm>
           <a:prstGeom prst="rect">
@@ -12689,10 +13886,10 @@
       </p:sp>
       <p:pic>
         <p:nvPicPr>
-          <p:cNvPr id="24" name="Grafik 23">
-            <a:extLst>
-              <a:ext uri="{FF2B5EF4-FFF2-40B4-BE49-F238E27FC236}">
-                <a16:creationId xmlns:a16="http://schemas.microsoft.com/office/drawing/2014/main" id="{13458F70-B950-465F-AA13-D7F28DBBF027}"/>
+          <p:cNvPr id="16" name="Grafik 15">
+            <a:extLst>
+              <a:ext uri="{FF2B5EF4-FFF2-40B4-BE49-F238E27FC236}">
+                <a16:creationId xmlns:a16="http://schemas.microsoft.com/office/drawing/2014/main" id="{BC4D453C-7DC2-43D7-B59D-A1E9C1C79273}"/>
               </a:ext>
             </a:extLst>
           </p:cNvPr>
@@ -12709,7 +13906,7 @@
         </p:blipFill>
         <p:spPr>
           <a:xfrm>
-            <a:off x="-94" y="784830"/>
+            <a:off x="37416" y="778286"/>
             <a:ext cx="1685925" cy="5867400"/>
           </a:xfrm>
           <a:prstGeom prst="rect">
@@ -12719,10 +13916,10 @@
       </p:pic>
       <p:sp>
         <p:nvSpPr>
-          <p:cNvPr id="25" name="Textfeld 24">
-            <a:extLst>
-              <a:ext uri="{FF2B5EF4-FFF2-40B4-BE49-F238E27FC236}">
-                <a16:creationId xmlns:a16="http://schemas.microsoft.com/office/drawing/2014/main" id="{3BD73E36-8853-45E7-899A-1832E59B310A}"/>
+          <p:cNvPr id="47" name="Textfeld 46">
+            <a:extLst>
+              <a:ext uri="{FF2B5EF4-FFF2-40B4-BE49-F238E27FC236}">
+                <a16:creationId xmlns:a16="http://schemas.microsoft.com/office/drawing/2014/main" id="{5A2EC15F-F2FC-47D6-8F18-46549C8A6915}"/>
               </a:ext>
             </a:extLst>
           </p:cNvPr>
@@ -12763,10 +13960,10 @@
       </p:sp>
       <p:sp>
         <p:nvSpPr>
-          <p:cNvPr id="28" name="Textfeld 27">
-            <a:extLst>
-              <a:ext uri="{FF2B5EF4-FFF2-40B4-BE49-F238E27FC236}">
-                <a16:creationId xmlns:a16="http://schemas.microsoft.com/office/drawing/2014/main" id="{1910DFB9-59CC-47F2-AB1C-CF93E0D6EECC}"/>
+          <p:cNvPr id="48" name="Textfeld 47">
+            <a:extLst>
+              <a:ext uri="{FF2B5EF4-FFF2-40B4-BE49-F238E27FC236}">
+                <a16:creationId xmlns:a16="http://schemas.microsoft.com/office/drawing/2014/main" id="{45820D6B-B4DC-4FF6-A670-4D9B44CAEFDA}"/>
               </a:ext>
             </a:extLst>
           </p:cNvPr>
@@ -12775,7 +13972,7 @@
         </p:nvSpPr>
         <p:spPr>
           <a:xfrm>
-            <a:off x="75483" y="941112"/>
+            <a:off x="30626" y="1992386"/>
             <a:ext cx="1534772" cy="300082"/>
           </a:xfrm>
           <a:prstGeom prst="rect">
@@ -12800,17 +13997,17 @@
           <a:p>
             <a:r>
               <a:rPr lang="de-CH" sz="1350" dirty="0"/>
-              <a:t>Neuer Kreditor</a:t>
-            </a:r>
-          </a:p>
-        </p:txBody>
-      </p:sp>
-      <p:sp>
-        <p:nvSpPr>
-          <p:cNvPr id="29" name="Textfeld 28">
-            <a:extLst>
-              <a:ext uri="{FF2B5EF4-FFF2-40B4-BE49-F238E27FC236}">
-                <a16:creationId xmlns:a16="http://schemas.microsoft.com/office/drawing/2014/main" id="{280378B4-A5EE-47EF-A1FC-9C59141C4504}"/>
+              <a:t>Objekte</a:t>
+            </a:r>
+          </a:p>
+        </p:txBody>
+      </p:sp>
+      <p:sp>
+        <p:nvSpPr>
+          <p:cNvPr id="49" name="Textfeld 48">
+            <a:extLst>
+              <a:ext uri="{FF2B5EF4-FFF2-40B4-BE49-F238E27FC236}">
+                <a16:creationId xmlns:a16="http://schemas.microsoft.com/office/drawing/2014/main" id="{910EB472-E846-4209-90AF-30EBA26BD889}"/>
               </a:ext>
             </a:extLst>
           </p:cNvPr>
@@ -12819,48 +14016,7 @@
         </p:nvSpPr>
         <p:spPr>
           <a:xfrm>
-            <a:off x="4231681" y="942225"/>
-            <a:ext cx="2041736" cy="715581"/>
-          </a:xfrm>
-          <a:prstGeom prst="rect">
-            <a:avLst/>
-          </a:prstGeom>
-          <a:noFill/>
-        </p:spPr>
-        <p:txBody>
-          <a:bodyPr wrap="square" rtlCol="0">
-            <a:spAutoFit/>
-          </a:bodyPr>
-          <a:lstStyle/>
-          <a:p>
-            <a:r>
-              <a:rPr lang="de-CH" sz="1350" dirty="0"/>
-              <a:t>Kreditor</a:t>
-            </a:r>
-          </a:p>
-          <a:p>
-            <a:r>
-              <a:rPr lang="de-CH" sz="1350" dirty="0"/>
-              <a:t>(Daten zum Kreditor werden angezeigt)</a:t>
-            </a:r>
-          </a:p>
-        </p:txBody>
-      </p:sp>
-      <p:sp>
-        <p:nvSpPr>
-          <p:cNvPr id="31" name="Textfeld 30">
-            <a:extLst>
-              <a:ext uri="{FF2B5EF4-FFF2-40B4-BE49-F238E27FC236}">
-                <a16:creationId xmlns:a16="http://schemas.microsoft.com/office/drawing/2014/main" id="{643F0A65-6E0E-49A5-A178-6B1F33B35051}"/>
-              </a:ext>
-            </a:extLst>
-          </p:cNvPr>
-          <p:cNvSpPr txBox="1"/>
-          <p:nvPr/>
-        </p:nvSpPr>
-        <p:spPr>
-          <a:xfrm>
-            <a:off x="5128736" y="5834693"/>
+            <a:off x="37416" y="2366479"/>
             <a:ext cx="1534772" cy="300082"/>
           </a:xfrm>
           <a:prstGeom prst="rect">
@@ -12885,17 +14041,17 @@
           <a:p>
             <a:r>
               <a:rPr lang="de-CH" sz="1350" dirty="0"/>
-              <a:t>Speichern</a:t>
-            </a:r>
-          </a:p>
-        </p:txBody>
-      </p:sp>
-      <p:sp>
-        <p:nvSpPr>
-          <p:cNvPr id="32" name="Textfeld 31">
-            <a:extLst>
-              <a:ext uri="{FF2B5EF4-FFF2-40B4-BE49-F238E27FC236}">
-                <a16:creationId xmlns:a16="http://schemas.microsoft.com/office/drawing/2014/main" id="{F44D1926-7244-45A3-9497-840423FE7659}"/>
+              <a:t>Mietverträge</a:t>
+            </a:r>
+          </a:p>
+        </p:txBody>
+      </p:sp>
+      <p:sp>
+        <p:nvSpPr>
+          <p:cNvPr id="50" name="Textfeld 49">
+            <a:extLst>
+              <a:ext uri="{FF2B5EF4-FFF2-40B4-BE49-F238E27FC236}">
+                <a16:creationId xmlns:a16="http://schemas.microsoft.com/office/drawing/2014/main" id="{4128D636-10F5-4430-8D32-4E69B4847BF0}"/>
               </a:ext>
             </a:extLst>
           </p:cNvPr>
@@ -12904,7 +14060,7 @@
         </p:nvSpPr>
         <p:spPr>
           <a:xfrm>
-            <a:off x="74136" y="2113432"/>
+            <a:off x="75483" y="941112"/>
             <a:ext cx="1534772" cy="300082"/>
           </a:xfrm>
           <a:prstGeom prst="rect">
@@ -12929,7 +14085,51 @@
           <a:p>
             <a:r>
               <a:rPr lang="de-CH" sz="1350" dirty="0"/>
-              <a:t>Mahnung erstellen</a:t>
+              <a:t>Neuer Mieter</a:t>
+            </a:r>
+          </a:p>
+        </p:txBody>
+      </p:sp>
+      <p:sp>
+        <p:nvSpPr>
+          <p:cNvPr id="51" name="Textfeld 50">
+            <a:extLst>
+              <a:ext uri="{FF2B5EF4-FFF2-40B4-BE49-F238E27FC236}">
+                <a16:creationId xmlns:a16="http://schemas.microsoft.com/office/drawing/2014/main" id="{D37FD960-4EA6-4FB4-8F15-B3D13CCD0D10}"/>
+              </a:ext>
+            </a:extLst>
+          </p:cNvPr>
+          <p:cNvSpPr txBox="1"/>
+          <p:nvPr/>
+        </p:nvSpPr>
+        <p:spPr>
+          <a:xfrm>
+            <a:off x="5128736" y="5834693"/>
+            <a:ext cx="1534772" cy="300082"/>
+          </a:xfrm>
+          <a:prstGeom prst="rect">
+            <a:avLst/>
+          </a:prstGeom>
+          <a:solidFill>
+            <a:schemeClr val="bg2"/>
+          </a:solidFill>
+          <a:effectLst>
+            <a:outerShdw blurRad="50800" dist="38100" dir="2700000" algn="tl" rotWithShape="0">
+              <a:prstClr val="black">
+                <a:alpha val="40000"/>
+              </a:prstClr>
+            </a:outerShdw>
+          </a:effectLst>
+        </p:spPr>
+        <p:txBody>
+          <a:bodyPr wrap="square" rtlCol="0">
+            <a:spAutoFit/>
+          </a:bodyPr>
+          <a:lstStyle/>
+          <a:p>
+            <a:r>
+              <a:rPr lang="de-CH" sz="1350" dirty="0"/>
+              <a:t>Speichern</a:t>
             </a:r>
           </a:p>
         </p:txBody>
@@ -12937,7 +14137,7 @@
     </p:spTree>
     <p:extLst>
       <p:ext uri="{BB962C8B-B14F-4D97-AF65-F5344CB8AC3E}">
-        <p14:creationId xmlns:p14="http://schemas.microsoft.com/office/powerpoint/2010/main" val="1679045900"/>
+        <p14:creationId xmlns:p14="http://schemas.microsoft.com/office/powerpoint/2010/main" val="3971751406"/>
       </p:ext>
     </p:extLst>
   </p:cSld>
@@ -13247,7 +14447,7 @@
         </p:blipFill>
         <p:spPr>
           <a:xfrm>
-            <a:off x="2121197" y="94993"/>
+            <a:off x="2138897" y="94993"/>
             <a:ext cx="281939" cy="375918"/>
           </a:xfrm>
           <a:prstGeom prst="rect">
@@ -13286,7 +14486,7 @@
         </p:blipFill>
         <p:spPr>
           <a:xfrm>
-            <a:off x="710885" y="94993"/>
+            <a:off x="728585" y="94993"/>
             <a:ext cx="469898" cy="375918"/>
           </a:xfrm>
           <a:prstGeom prst="rect">
@@ -13308,7 +14508,7 @@
         </p:nvSpPr>
         <p:spPr>
           <a:xfrm>
-            <a:off x="682360" y="498781"/>
+            <a:off x="700060" y="498781"/>
             <a:ext cx="671884" cy="253916"/>
           </a:xfrm>
           <a:prstGeom prst="rect">
@@ -13351,7 +14551,7 @@
         </p:nvSpPr>
         <p:spPr>
           <a:xfrm>
-            <a:off x="1940763" y="484959"/>
+            <a:off x="1958463" y="484959"/>
             <a:ext cx="728821" cy="265457"/>
           </a:xfrm>
           <a:prstGeom prst="rect">
@@ -13415,7 +14615,7 @@
         </p:blipFill>
         <p:spPr>
           <a:xfrm>
-            <a:off x="2772047" y="94992"/>
+            <a:off x="2789747" y="94992"/>
             <a:ext cx="281939" cy="375918"/>
           </a:xfrm>
           <a:prstGeom prst="rect">
@@ -13437,7 +14637,7 @@
         </p:nvSpPr>
         <p:spPr>
           <a:xfrm>
-            <a:off x="2641557" y="484958"/>
+            <a:off x="2659257" y="484958"/>
             <a:ext cx="728821" cy="253916"/>
           </a:xfrm>
           <a:prstGeom prst="rect">
@@ -13505,7 +14705,7 @@
         </p:blipFill>
         <p:spPr>
           <a:xfrm>
-            <a:off x="1437023" y="67926"/>
+            <a:off x="1454723" y="67926"/>
             <a:ext cx="364904" cy="417032"/>
           </a:xfrm>
           <a:prstGeom prst="rect">
@@ -13527,7 +14727,7 @@
         </p:nvSpPr>
         <p:spPr>
           <a:xfrm>
-            <a:off x="1255065" y="484275"/>
+            <a:off x="1272765" y="484275"/>
             <a:ext cx="728821" cy="265457"/>
           </a:xfrm>
           <a:prstGeom prst="rect">
@@ -13638,41 +14838,6 @@
           </a:p>
         </p:txBody>
       </p:sp>
-      <p:sp>
-        <p:nvSpPr>
-          <p:cNvPr id="30" name="Textfeld 29">
-            <a:extLst>
-              <a:ext uri="{FF2B5EF4-FFF2-40B4-BE49-F238E27FC236}">
-                <a16:creationId xmlns:a16="http://schemas.microsoft.com/office/drawing/2014/main" id="{0B5B28E4-0027-41B1-A093-9ADDFE5393C4}"/>
-              </a:ext>
-            </a:extLst>
-          </p:cNvPr>
-          <p:cNvSpPr txBox="1"/>
-          <p:nvPr/>
-        </p:nvSpPr>
-        <p:spPr>
-          <a:xfrm>
-            <a:off x="4409360" y="1018829"/>
-            <a:ext cx="2041736" cy="300082"/>
-          </a:xfrm>
-          <a:prstGeom prst="rect">
-            <a:avLst/>
-          </a:prstGeom>
-          <a:noFill/>
-        </p:spPr>
-        <p:txBody>
-          <a:bodyPr wrap="square" rtlCol="0">
-            <a:spAutoFit/>
-          </a:bodyPr>
-          <a:lstStyle/>
-          <a:p>
-            <a:r>
-              <a:rPr lang="de-CH" sz="1350" dirty="0"/>
-              <a:t>Mietverträge</a:t>
-            </a:r>
-          </a:p>
-        </p:txBody>
-      </p:sp>
       <p:pic>
         <p:nvPicPr>
           <p:cNvPr id="9" name="Grafik 8">
@@ -13704,7 +14869,7 @@
         </p:blipFill>
         <p:spPr>
           <a:xfrm>
-            <a:off x="3479110" y="94993"/>
+            <a:off x="3496810" y="94993"/>
             <a:ext cx="430010" cy="344008"/>
           </a:xfrm>
           <a:prstGeom prst="rect">
@@ -13726,7 +14891,7 @@
         </p:nvSpPr>
         <p:spPr>
           <a:xfrm>
-            <a:off x="3474064" y="457477"/>
+            <a:off x="3491764" y="457477"/>
             <a:ext cx="601337" cy="253916"/>
           </a:xfrm>
           <a:prstGeom prst="rect">
@@ -13765,10 +14930,10 @@
       </p:sp>
       <p:pic>
         <p:nvPicPr>
-          <p:cNvPr id="29" name="Grafik 28">
-            <a:extLst>
-              <a:ext uri="{FF2B5EF4-FFF2-40B4-BE49-F238E27FC236}">
-                <a16:creationId xmlns:a16="http://schemas.microsoft.com/office/drawing/2014/main" id="{E7058714-5A9D-40C4-9F43-FEC6392446DB}"/>
+          <p:cNvPr id="24" name="Grafik 23">
+            <a:extLst>
+              <a:ext uri="{FF2B5EF4-FFF2-40B4-BE49-F238E27FC236}">
+                <a16:creationId xmlns:a16="http://schemas.microsoft.com/office/drawing/2014/main" id="{13458F70-B950-465F-AA13-D7F28DBBF027}"/>
               </a:ext>
             </a:extLst>
           </p:cNvPr>
@@ -13795,10 +14960,10 @@
       </p:pic>
       <p:sp>
         <p:nvSpPr>
-          <p:cNvPr id="31" name="Textfeld 30">
-            <a:extLst>
-              <a:ext uri="{FF2B5EF4-FFF2-40B4-BE49-F238E27FC236}">
-                <a16:creationId xmlns:a16="http://schemas.microsoft.com/office/drawing/2014/main" id="{F315F7FE-8A4C-49DF-AB58-870DA6891EC4}"/>
+          <p:cNvPr id="25" name="Textfeld 24">
+            <a:extLst>
+              <a:ext uri="{FF2B5EF4-FFF2-40B4-BE49-F238E27FC236}">
+                <a16:creationId xmlns:a16="http://schemas.microsoft.com/office/drawing/2014/main" id="{3BD73E36-8853-45E7-899A-1832E59B310A}"/>
               </a:ext>
             </a:extLst>
           </p:cNvPr>
@@ -13807,7 +14972,7 @@
         </p:nvSpPr>
         <p:spPr>
           <a:xfrm>
-            <a:off x="42060" y="2029499"/>
+            <a:off x="74136" y="1618293"/>
             <a:ext cx="1534772" cy="300082"/>
           </a:xfrm>
           <a:prstGeom prst="rect">
@@ -13839,10 +15004,10 @@
       </p:sp>
       <p:sp>
         <p:nvSpPr>
-          <p:cNvPr id="32" name="Textfeld 31">
-            <a:extLst>
-              <a:ext uri="{FF2B5EF4-FFF2-40B4-BE49-F238E27FC236}">
-                <a16:creationId xmlns:a16="http://schemas.microsoft.com/office/drawing/2014/main" id="{390E48DD-B074-40E8-85D1-4B9FD20D280C}"/>
+          <p:cNvPr id="28" name="Textfeld 27">
+            <a:extLst>
+              <a:ext uri="{FF2B5EF4-FFF2-40B4-BE49-F238E27FC236}">
+                <a16:creationId xmlns:a16="http://schemas.microsoft.com/office/drawing/2014/main" id="{1910DFB9-59CC-47F2-AB1C-CF93E0D6EECC}"/>
               </a:ext>
             </a:extLst>
           </p:cNvPr>
@@ -13851,7 +15016,7 @@
         </p:nvSpPr>
         <p:spPr>
           <a:xfrm>
-            <a:off x="30626" y="944587"/>
+            <a:off x="75483" y="941112"/>
             <a:ext cx="1534772" cy="300082"/>
           </a:xfrm>
           <a:prstGeom prst="rect">
@@ -13876,17 +15041,17 @@
           <a:p>
             <a:r>
               <a:rPr lang="de-CH" sz="1350" dirty="0"/>
-              <a:t>Neuer Mietvertrag</a:t>
-            </a:r>
-          </a:p>
-        </p:txBody>
-      </p:sp>
-      <p:sp>
-        <p:nvSpPr>
-          <p:cNvPr id="33" name="Textfeld 32">
-            <a:extLst>
-              <a:ext uri="{FF2B5EF4-FFF2-40B4-BE49-F238E27FC236}">
-                <a16:creationId xmlns:a16="http://schemas.microsoft.com/office/drawing/2014/main" id="{A8CEBBC0-5FE9-4F0F-B4A3-6A97A76BFE50}"/>
+              <a:t>Neuer Kreditor</a:t>
+            </a:r>
+          </a:p>
+        </p:txBody>
+      </p:sp>
+      <p:sp>
+        <p:nvSpPr>
+          <p:cNvPr id="29" name="Textfeld 28">
+            <a:extLst>
+              <a:ext uri="{FF2B5EF4-FFF2-40B4-BE49-F238E27FC236}">
+                <a16:creationId xmlns:a16="http://schemas.microsoft.com/office/drawing/2014/main" id="{280378B4-A5EE-47EF-A1FC-9C59141C4504}"/>
               </a:ext>
             </a:extLst>
           </p:cNvPr>
@@ -13895,7 +15060,48 @@
         </p:nvSpPr>
         <p:spPr>
           <a:xfrm>
-            <a:off x="42060" y="1602391"/>
+            <a:off x="4231681" y="942225"/>
+            <a:ext cx="2041736" cy="715581"/>
+          </a:xfrm>
+          <a:prstGeom prst="rect">
+            <a:avLst/>
+          </a:prstGeom>
+          <a:noFill/>
+        </p:spPr>
+        <p:txBody>
+          <a:bodyPr wrap="square" rtlCol="0">
+            <a:spAutoFit/>
+          </a:bodyPr>
+          <a:lstStyle/>
+          <a:p>
+            <a:r>
+              <a:rPr lang="de-CH" sz="1350" dirty="0"/>
+              <a:t>Kreditor</a:t>
+            </a:r>
+          </a:p>
+          <a:p>
+            <a:r>
+              <a:rPr lang="de-CH" sz="1350" dirty="0"/>
+              <a:t>(Daten zum Kreditor werden angezeigt)</a:t>
+            </a:r>
+          </a:p>
+        </p:txBody>
+      </p:sp>
+      <p:sp>
+        <p:nvSpPr>
+          <p:cNvPr id="31" name="Textfeld 30">
+            <a:extLst>
+              <a:ext uri="{FF2B5EF4-FFF2-40B4-BE49-F238E27FC236}">
+                <a16:creationId xmlns:a16="http://schemas.microsoft.com/office/drawing/2014/main" id="{643F0A65-6E0E-49A5-A178-6B1F33B35051}"/>
+              </a:ext>
+            </a:extLst>
+          </p:cNvPr>
+          <p:cNvSpPr txBox="1"/>
+          <p:nvPr/>
+        </p:nvSpPr>
+        <p:spPr>
+          <a:xfrm>
+            <a:off x="5128736" y="5834693"/>
             <a:ext cx="1534772" cy="300082"/>
           </a:xfrm>
           <a:prstGeom prst="rect">
@@ -13920,17 +15126,17 @@
           <a:p>
             <a:r>
               <a:rPr lang="de-CH" sz="1350" dirty="0"/>
-              <a:t>Mahnung erstellen</a:t>
-            </a:r>
-          </a:p>
-        </p:txBody>
-      </p:sp>
-      <p:sp>
-        <p:nvSpPr>
-          <p:cNvPr id="24" name="Textfeld 23">
-            <a:extLst>
-              <a:ext uri="{FF2B5EF4-FFF2-40B4-BE49-F238E27FC236}">
-                <a16:creationId xmlns:a16="http://schemas.microsoft.com/office/drawing/2014/main" id="{62430D41-DBE9-4E02-85B4-CDAFDEA9C08B}"/>
+              <a:t>Speichern</a:t>
+            </a:r>
+          </a:p>
+        </p:txBody>
+      </p:sp>
+      <p:sp>
+        <p:nvSpPr>
+          <p:cNvPr id="32" name="Textfeld 31">
+            <a:extLst>
+              <a:ext uri="{FF2B5EF4-FFF2-40B4-BE49-F238E27FC236}">
+                <a16:creationId xmlns:a16="http://schemas.microsoft.com/office/drawing/2014/main" id="{F44D1926-7244-45A3-9497-840423FE7659}"/>
               </a:ext>
             </a:extLst>
           </p:cNvPr>
@@ -13939,7 +15145,7 @@
         </p:nvSpPr>
         <p:spPr>
           <a:xfrm>
-            <a:off x="7223908" y="6042772"/>
+            <a:off x="74136" y="2113432"/>
             <a:ext cx="1534772" cy="300082"/>
           </a:xfrm>
           <a:prstGeom prst="rect">
@@ -13964,7 +15170,7 @@
           <a:p>
             <a:r>
               <a:rPr lang="de-CH" sz="1350" dirty="0"/>
-              <a:t>Speichern</a:t>
+              <a:t>Mahnung erstellen</a:t>
             </a:r>
           </a:p>
         </p:txBody>
@@ -13972,7 +15178,7 @@
     </p:spTree>
     <p:extLst>
       <p:ext uri="{BB962C8B-B14F-4D97-AF65-F5344CB8AC3E}">
-        <p14:creationId xmlns:p14="http://schemas.microsoft.com/office/powerpoint/2010/main" val="380938355"/>
+        <p14:creationId xmlns:p14="http://schemas.microsoft.com/office/powerpoint/2010/main" val="1679045900"/>
       </p:ext>
     </p:extLst>
   </p:cSld>
@@ -14282,7 +15488,7 @@
         </p:blipFill>
         <p:spPr>
           <a:xfrm>
-            <a:off x="2121195" y="94993"/>
+            <a:off x="2121197" y="94993"/>
             <a:ext cx="281939" cy="375918"/>
           </a:xfrm>
           <a:prstGeom prst="rect">
@@ -14321,7 +15527,7 @@
         </p:blipFill>
         <p:spPr>
           <a:xfrm>
-            <a:off x="710883" y="94993"/>
+            <a:off x="710885" y="94993"/>
             <a:ext cx="469898" cy="375918"/>
           </a:xfrm>
           <a:prstGeom prst="rect">
@@ -14343,7 +15549,7 @@
         </p:nvSpPr>
         <p:spPr>
           <a:xfrm>
-            <a:off x="682358" y="498781"/>
+            <a:off x="682360" y="498781"/>
             <a:ext cx="671884" cy="253916"/>
           </a:xfrm>
           <a:prstGeom prst="rect">
@@ -14386,7 +15592,7 @@
         </p:nvSpPr>
         <p:spPr>
           <a:xfrm>
-            <a:off x="1940761" y="484959"/>
+            <a:off x="1940763" y="484959"/>
             <a:ext cx="728821" cy="265457"/>
           </a:xfrm>
           <a:prstGeom prst="rect">
@@ -14450,7 +15656,7 @@
         </p:blipFill>
         <p:spPr>
           <a:xfrm>
-            <a:off x="2772045" y="94992"/>
+            <a:off x="2772047" y="94992"/>
             <a:ext cx="281939" cy="375918"/>
           </a:xfrm>
           <a:prstGeom prst="rect">
@@ -14472,7 +15678,7 @@
         </p:nvSpPr>
         <p:spPr>
           <a:xfrm>
-            <a:off x="2641555" y="484958"/>
+            <a:off x="2641557" y="484958"/>
             <a:ext cx="728821" cy="253916"/>
           </a:xfrm>
           <a:prstGeom prst="rect">
@@ -14540,7 +15746,7 @@
         </p:blipFill>
         <p:spPr>
           <a:xfrm>
-            <a:off x="1437021" y="67926"/>
+            <a:off x="1437023" y="67926"/>
             <a:ext cx="364904" cy="417032"/>
           </a:xfrm>
           <a:prstGeom prst="rect">
@@ -14562,7 +15768,7 @@
         </p:nvSpPr>
         <p:spPr>
           <a:xfrm>
-            <a:off x="1255063" y="484275"/>
+            <a:off x="1255065" y="484275"/>
             <a:ext cx="728821" cy="265457"/>
           </a:xfrm>
           <a:prstGeom prst="rect">
@@ -14687,7 +15893,7 @@
         </p:nvSpPr>
         <p:spPr>
           <a:xfrm>
-            <a:off x="4636035" y="1092266"/>
+            <a:off x="4409360" y="1018829"/>
             <a:ext cx="2041736" cy="300082"/>
           </a:xfrm>
           <a:prstGeom prst="rect">
@@ -14703,7 +15909,7 @@
           <a:p>
             <a:r>
               <a:rPr lang="de-CH" sz="1350" dirty="0"/>
-              <a:t>Rechnungen</a:t>
+              <a:t>Mietverträge</a:t>
             </a:r>
           </a:p>
         </p:txBody>
@@ -14739,7 +15945,7 @@
         </p:blipFill>
         <p:spPr>
           <a:xfrm>
-            <a:off x="3479108" y="94993"/>
+            <a:off x="3479110" y="94993"/>
             <a:ext cx="430010" cy="344008"/>
           </a:xfrm>
           <a:prstGeom prst="rect">
@@ -14761,7 +15967,7 @@
         </p:nvSpPr>
         <p:spPr>
           <a:xfrm>
-            <a:off x="3474062" y="457477"/>
+            <a:off x="3474064" y="457477"/>
             <a:ext cx="601337" cy="253916"/>
           </a:xfrm>
           <a:prstGeom prst="rect">
@@ -14800,10 +16006,10 @@
       </p:sp>
       <p:pic>
         <p:nvPicPr>
-          <p:cNvPr id="24" name="Grafik 23">
-            <a:extLst>
-              <a:ext uri="{FF2B5EF4-FFF2-40B4-BE49-F238E27FC236}">
-                <a16:creationId xmlns:a16="http://schemas.microsoft.com/office/drawing/2014/main" id="{73C1D568-3DAD-47E6-ABA2-CE4CEBAC9EEA}"/>
+          <p:cNvPr id="29" name="Grafik 28">
+            <a:extLst>
+              <a:ext uri="{FF2B5EF4-FFF2-40B4-BE49-F238E27FC236}">
+                <a16:creationId xmlns:a16="http://schemas.microsoft.com/office/drawing/2014/main" id="{E7058714-5A9D-40C4-9F43-FEC6392446DB}"/>
               </a:ext>
             </a:extLst>
           </p:cNvPr>
@@ -14830,10 +16036,10 @@
       </p:pic>
       <p:sp>
         <p:nvSpPr>
-          <p:cNvPr id="26" name="Textfeld 25">
-            <a:extLst>
-              <a:ext uri="{FF2B5EF4-FFF2-40B4-BE49-F238E27FC236}">
-                <a16:creationId xmlns:a16="http://schemas.microsoft.com/office/drawing/2014/main" id="{EBD68964-F06C-4AE3-85A6-7CF0E494DD89}"/>
+          <p:cNvPr id="31" name="Textfeld 30">
+            <a:extLst>
+              <a:ext uri="{FF2B5EF4-FFF2-40B4-BE49-F238E27FC236}">
+                <a16:creationId xmlns:a16="http://schemas.microsoft.com/office/drawing/2014/main" id="{F315F7FE-8A4C-49DF-AB58-870DA6891EC4}"/>
               </a:ext>
             </a:extLst>
           </p:cNvPr>
@@ -14842,7 +16048,7 @@
         </p:nvSpPr>
         <p:spPr>
           <a:xfrm>
-            <a:off x="30626" y="944587"/>
+            <a:off x="42060" y="2029499"/>
             <a:ext cx="1534772" cy="300082"/>
           </a:xfrm>
           <a:prstGeom prst="rect">
@@ -14867,17 +16073,17 @@
           <a:p>
             <a:r>
               <a:rPr lang="de-CH" sz="1350" dirty="0"/>
-              <a:t>Neue Rechnung</a:t>
-            </a:r>
-          </a:p>
-        </p:txBody>
-      </p:sp>
-      <p:sp>
-        <p:nvSpPr>
-          <p:cNvPr id="27" name="Textfeld 26">
-            <a:extLst>
-              <a:ext uri="{FF2B5EF4-FFF2-40B4-BE49-F238E27FC236}">
-                <a16:creationId xmlns:a16="http://schemas.microsoft.com/office/drawing/2014/main" id="{305EFC4D-AFB3-4D73-9A63-4A5B70885037}"/>
+              <a:t>Rechnungen</a:t>
+            </a:r>
+          </a:p>
+        </p:txBody>
+      </p:sp>
+      <p:sp>
+        <p:nvSpPr>
+          <p:cNvPr id="32" name="Textfeld 31">
+            <a:extLst>
+              <a:ext uri="{FF2B5EF4-FFF2-40B4-BE49-F238E27FC236}">
+                <a16:creationId xmlns:a16="http://schemas.microsoft.com/office/drawing/2014/main" id="{390E48DD-B074-40E8-85D1-4B9FD20D280C}"/>
               </a:ext>
             </a:extLst>
           </p:cNvPr>
@@ -14886,7 +16092,7 @@
         </p:nvSpPr>
         <p:spPr>
           <a:xfrm>
-            <a:off x="42060" y="1602391"/>
+            <a:off x="30626" y="944587"/>
             <a:ext cx="1534772" cy="300082"/>
           </a:xfrm>
           <a:prstGeom prst="rect">
@@ -14911,7 +16117,95 @@
           <a:p>
             <a:r>
               <a:rPr lang="de-CH" sz="1350" dirty="0"/>
+              <a:t>Neuer Mietvertrag</a:t>
+            </a:r>
+          </a:p>
+        </p:txBody>
+      </p:sp>
+      <p:sp>
+        <p:nvSpPr>
+          <p:cNvPr id="33" name="Textfeld 32">
+            <a:extLst>
+              <a:ext uri="{FF2B5EF4-FFF2-40B4-BE49-F238E27FC236}">
+                <a16:creationId xmlns:a16="http://schemas.microsoft.com/office/drawing/2014/main" id="{A8CEBBC0-5FE9-4F0F-B4A3-6A97A76BFE50}"/>
+              </a:ext>
+            </a:extLst>
+          </p:cNvPr>
+          <p:cNvSpPr txBox="1"/>
+          <p:nvPr/>
+        </p:nvSpPr>
+        <p:spPr>
+          <a:xfrm>
+            <a:off x="42060" y="1602391"/>
+            <a:ext cx="1534772" cy="300082"/>
+          </a:xfrm>
+          <a:prstGeom prst="rect">
+            <a:avLst/>
+          </a:prstGeom>
+          <a:solidFill>
+            <a:schemeClr val="bg2"/>
+          </a:solidFill>
+          <a:effectLst>
+            <a:outerShdw blurRad="50800" dist="38100" dir="2700000" algn="tl" rotWithShape="0">
+              <a:prstClr val="black">
+                <a:alpha val="40000"/>
+              </a:prstClr>
+            </a:outerShdw>
+          </a:effectLst>
+        </p:spPr>
+        <p:txBody>
+          <a:bodyPr wrap="square" rtlCol="0">
+            <a:spAutoFit/>
+          </a:bodyPr>
+          <a:lstStyle/>
+          <a:p>
+            <a:r>
+              <a:rPr lang="de-CH" sz="1350" dirty="0"/>
               <a:t>Mahnung erstellen</a:t>
+            </a:r>
+          </a:p>
+        </p:txBody>
+      </p:sp>
+      <p:sp>
+        <p:nvSpPr>
+          <p:cNvPr id="24" name="Textfeld 23">
+            <a:extLst>
+              <a:ext uri="{FF2B5EF4-FFF2-40B4-BE49-F238E27FC236}">
+                <a16:creationId xmlns:a16="http://schemas.microsoft.com/office/drawing/2014/main" id="{62430D41-DBE9-4E02-85B4-CDAFDEA9C08B}"/>
+              </a:ext>
+            </a:extLst>
+          </p:cNvPr>
+          <p:cNvSpPr txBox="1"/>
+          <p:nvPr/>
+        </p:nvSpPr>
+        <p:spPr>
+          <a:xfrm>
+            <a:off x="7223908" y="6042772"/>
+            <a:ext cx="1534772" cy="300082"/>
+          </a:xfrm>
+          <a:prstGeom prst="rect">
+            <a:avLst/>
+          </a:prstGeom>
+          <a:solidFill>
+            <a:schemeClr val="bg2"/>
+          </a:solidFill>
+          <a:effectLst>
+            <a:outerShdw blurRad="50800" dist="38100" dir="2700000" algn="tl" rotWithShape="0">
+              <a:prstClr val="black">
+                <a:alpha val="40000"/>
+              </a:prstClr>
+            </a:outerShdw>
+          </a:effectLst>
+        </p:spPr>
+        <p:txBody>
+          <a:bodyPr wrap="square" rtlCol="0">
+            <a:spAutoFit/>
+          </a:bodyPr>
+          <a:lstStyle/>
+          <a:p>
+            <a:r>
+              <a:rPr lang="de-CH" sz="1350" dirty="0"/>
+              <a:t>Speichern</a:t>
             </a:r>
           </a:p>
         </p:txBody>
@@ -14919,7 +16213,7 @@
     </p:spTree>
     <p:extLst>
       <p:ext uri="{BB962C8B-B14F-4D97-AF65-F5344CB8AC3E}">
-        <p14:creationId xmlns:p14="http://schemas.microsoft.com/office/powerpoint/2010/main" val="1015326068"/>
+        <p14:creationId xmlns:p14="http://schemas.microsoft.com/office/powerpoint/2010/main" val="380938355"/>
       </p:ext>
     </p:extLst>
   </p:cSld>
@@ -15229,7 +16523,7 @@
         </p:blipFill>
         <p:spPr>
           <a:xfrm>
-            <a:off x="2144797" y="94993"/>
+            <a:off x="2121195" y="94993"/>
             <a:ext cx="281939" cy="375918"/>
           </a:xfrm>
           <a:prstGeom prst="rect">
@@ -15268,7 +16562,7 @@
         </p:blipFill>
         <p:spPr>
           <a:xfrm>
-            <a:off x="734485" y="94993"/>
+            <a:off x="710883" y="94993"/>
             <a:ext cx="469898" cy="375918"/>
           </a:xfrm>
           <a:prstGeom prst="rect">
@@ -15290,7 +16584,7 @@
         </p:nvSpPr>
         <p:spPr>
           <a:xfrm>
-            <a:off x="705960" y="498781"/>
+            <a:off x="682358" y="498781"/>
             <a:ext cx="671884" cy="253916"/>
           </a:xfrm>
           <a:prstGeom prst="rect">
@@ -15333,7 +16627,7 @@
         </p:nvSpPr>
         <p:spPr>
           <a:xfrm>
-            <a:off x="1964363" y="484959"/>
+            <a:off x="1940761" y="484959"/>
             <a:ext cx="728821" cy="265457"/>
           </a:xfrm>
           <a:prstGeom prst="rect">
@@ -15397,7 +16691,7 @@
         </p:blipFill>
         <p:spPr>
           <a:xfrm>
-            <a:off x="2795647" y="94992"/>
+            <a:off x="2772045" y="94992"/>
             <a:ext cx="281939" cy="375918"/>
           </a:xfrm>
           <a:prstGeom prst="rect">
@@ -15419,7 +16713,7 @@
         </p:nvSpPr>
         <p:spPr>
           <a:xfrm>
-            <a:off x="2665157" y="484958"/>
+            <a:off x="2641555" y="484958"/>
             <a:ext cx="728821" cy="253916"/>
           </a:xfrm>
           <a:prstGeom prst="rect">
@@ -15487,7 +16781,7 @@
         </p:blipFill>
         <p:spPr>
           <a:xfrm>
-            <a:off x="1460623" y="67926"/>
+            <a:off x="1437021" y="67926"/>
             <a:ext cx="364904" cy="417032"/>
           </a:xfrm>
           <a:prstGeom prst="rect">
@@ -15509,7 +16803,7 @@
         </p:nvSpPr>
         <p:spPr>
           <a:xfrm>
-            <a:off x="1278665" y="484275"/>
+            <a:off x="1255063" y="484275"/>
             <a:ext cx="728821" cy="265457"/>
           </a:xfrm>
           <a:prstGeom prst="rect">
@@ -15634,7 +16928,7 @@
         </p:nvSpPr>
         <p:spPr>
           <a:xfrm>
-            <a:off x="4936704" y="1168870"/>
+            <a:off x="4636035" y="1092266"/>
             <a:ext cx="2041736" cy="300082"/>
           </a:xfrm>
           <a:prstGeom prst="rect">
@@ -15650,7 +16944,7 @@
           <a:p>
             <a:r>
               <a:rPr lang="de-CH" sz="1350" dirty="0"/>
-              <a:t>Konten</a:t>
+              <a:t>Rechnungen</a:t>
             </a:r>
           </a:p>
         </p:txBody>
@@ -15686,7 +16980,7 @@
         </p:blipFill>
         <p:spPr>
           <a:xfrm>
-            <a:off x="3502710" y="94993"/>
+            <a:off x="3479108" y="94993"/>
             <a:ext cx="430010" cy="344008"/>
           </a:xfrm>
           <a:prstGeom prst="rect">
@@ -15708,7 +17002,7 @@
         </p:nvSpPr>
         <p:spPr>
           <a:xfrm>
-            <a:off x="3497664" y="457477"/>
+            <a:off x="3474062" y="457477"/>
             <a:ext cx="601337" cy="253916"/>
           </a:xfrm>
           <a:prstGeom prst="rect">
@@ -15750,7 +17044,7 @@
           <p:cNvPr id="24" name="Grafik 23">
             <a:extLst>
               <a:ext uri="{FF2B5EF4-FFF2-40B4-BE49-F238E27FC236}">
-                <a16:creationId xmlns:a16="http://schemas.microsoft.com/office/drawing/2014/main" id="{F121B337-66DC-4371-97F3-6EC68E01B491}"/>
+                <a16:creationId xmlns:a16="http://schemas.microsoft.com/office/drawing/2014/main" id="{73C1D568-3DAD-47E6-ABA2-CE4CEBAC9EEA}"/>
               </a:ext>
             </a:extLst>
           </p:cNvPr>
@@ -15777,10 +17071,10 @@
       </p:pic>
       <p:sp>
         <p:nvSpPr>
-          <p:cNvPr id="25" name="Textfeld 24">
-            <a:extLst>
-              <a:ext uri="{FF2B5EF4-FFF2-40B4-BE49-F238E27FC236}">
-                <a16:creationId xmlns:a16="http://schemas.microsoft.com/office/drawing/2014/main" id="{B2B8AC30-F7A0-4543-8D89-C1B2AA077417}"/>
+          <p:cNvPr id="26" name="Textfeld 25">
+            <a:extLst>
+              <a:ext uri="{FF2B5EF4-FFF2-40B4-BE49-F238E27FC236}">
+                <a16:creationId xmlns:a16="http://schemas.microsoft.com/office/drawing/2014/main" id="{EBD68964-F06C-4AE3-85A6-7CF0E494DD89}"/>
               </a:ext>
             </a:extLst>
           </p:cNvPr>
@@ -15814,125 +17108,51 @@
           <a:p>
             <a:r>
               <a:rPr lang="de-CH" sz="1350" dirty="0"/>
-              <a:t>Neues Konto</a:t>
-            </a:r>
-          </a:p>
-        </p:txBody>
-      </p:sp>
-      <p:sp>
-        <p:nvSpPr>
-          <p:cNvPr id="28" name="Rechteck 27">
-            <a:extLst>
-              <a:ext uri="{FF2B5EF4-FFF2-40B4-BE49-F238E27FC236}">
-                <a16:creationId xmlns:a16="http://schemas.microsoft.com/office/drawing/2014/main" id="{7E541742-5993-4BBD-B913-8FB4A3E1C5ED}"/>
-              </a:ext>
-            </a:extLst>
-          </p:cNvPr>
-          <p:cNvSpPr/>
-          <p:nvPr/>
-        </p:nvSpPr>
-        <p:spPr>
-          <a:xfrm>
-            <a:off x="4936704" y="1891314"/>
-            <a:ext cx="1429907" cy="1224395"/>
-          </a:xfrm>
-          <a:prstGeom prst="rect">
-            <a:avLst/>
-          </a:prstGeom>
-          <a:ln>
-            <a:solidFill>
-              <a:schemeClr val="tx1"/>
-            </a:solidFill>
-          </a:ln>
-        </p:spPr>
-        <p:style>
-          <a:lnRef idx="2">
-            <a:schemeClr val="accent6"/>
-          </a:lnRef>
-          <a:fillRef idx="1">
-            <a:schemeClr val="lt1"/>
-          </a:fillRef>
-          <a:effectRef idx="0">
-            <a:schemeClr val="accent6"/>
-          </a:effectRef>
-          <a:fontRef idx="minor">
-            <a:schemeClr val="dk1"/>
-          </a:fontRef>
-        </p:style>
-        <p:txBody>
-          <a:bodyPr rtlCol="0" anchor="ctr"/>
-          <a:lstStyle/>
-          <a:p>
-            <a:pPr algn="ctr"/>
-            <a:r>
-              <a:rPr lang="de-DE" sz="1200" dirty="0"/>
-              <a:t>Konto 1</a:t>
-            </a:r>
-          </a:p>
-          <a:p>
-            <a:pPr algn="ctr"/>
-            <a:r>
-              <a:rPr lang="de-DE" sz="1200" dirty="0"/>
-              <a:t>Kontonummer</a:t>
-            </a:r>
-          </a:p>
-        </p:txBody>
-      </p:sp>
-      <p:sp>
-        <p:nvSpPr>
-          <p:cNvPr id="31" name="Rechteck 30">
-            <a:extLst>
-              <a:ext uri="{FF2B5EF4-FFF2-40B4-BE49-F238E27FC236}">
-                <a16:creationId xmlns:a16="http://schemas.microsoft.com/office/drawing/2014/main" id="{515F3675-4B55-4C85-9E14-3086C3BB3902}"/>
-              </a:ext>
-            </a:extLst>
-          </p:cNvPr>
-          <p:cNvSpPr/>
-          <p:nvPr/>
-        </p:nvSpPr>
-        <p:spPr>
-          <a:xfrm>
-            <a:off x="4936704" y="3429000"/>
-            <a:ext cx="1429907" cy="1224395"/>
-          </a:xfrm>
-          <a:prstGeom prst="rect">
-            <a:avLst/>
-          </a:prstGeom>
-          <a:ln>
-            <a:solidFill>
-              <a:schemeClr val="tx1"/>
-            </a:solidFill>
-          </a:ln>
-        </p:spPr>
-        <p:style>
-          <a:lnRef idx="2">
-            <a:schemeClr val="accent6"/>
-          </a:lnRef>
-          <a:fillRef idx="1">
-            <a:schemeClr val="lt1"/>
-          </a:fillRef>
-          <a:effectRef idx="0">
-            <a:schemeClr val="accent6"/>
-          </a:effectRef>
-          <a:fontRef idx="minor">
-            <a:schemeClr val="dk1"/>
-          </a:fontRef>
-        </p:style>
-        <p:txBody>
-          <a:bodyPr rtlCol="0" anchor="ctr"/>
-          <a:lstStyle/>
-          <a:p>
-            <a:pPr algn="ctr"/>
-            <a:r>
-              <a:rPr lang="de-DE" sz="1200" dirty="0"/>
-              <a:t>Konto 2</a:t>
-            </a:r>
-          </a:p>
-          <a:p>
-            <a:pPr algn="ctr"/>
-            <a:r>
-              <a:rPr lang="de-DE" sz="1200" dirty="0"/>
-              <a:t>Kontonummer</a:t>
+              <a:t>Neue Rechnung</a:t>
+            </a:r>
+          </a:p>
+        </p:txBody>
+      </p:sp>
+      <p:sp>
+        <p:nvSpPr>
+          <p:cNvPr id="27" name="Textfeld 26">
+            <a:extLst>
+              <a:ext uri="{FF2B5EF4-FFF2-40B4-BE49-F238E27FC236}">
+                <a16:creationId xmlns:a16="http://schemas.microsoft.com/office/drawing/2014/main" id="{305EFC4D-AFB3-4D73-9A63-4A5B70885037}"/>
+              </a:ext>
+            </a:extLst>
+          </p:cNvPr>
+          <p:cNvSpPr txBox="1"/>
+          <p:nvPr/>
+        </p:nvSpPr>
+        <p:spPr>
+          <a:xfrm>
+            <a:off x="42060" y="1602391"/>
+            <a:ext cx="1534772" cy="300082"/>
+          </a:xfrm>
+          <a:prstGeom prst="rect">
+            <a:avLst/>
+          </a:prstGeom>
+          <a:solidFill>
+            <a:schemeClr val="bg2"/>
+          </a:solidFill>
+          <a:effectLst>
+            <a:outerShdw blurRad="50800" dist="38100" dir="2700000" algn="tl" rotWithShape="0">
+              <a:prstClr val="black">
+                <a:alpha val="40000"/>
+              </a:prstClr>
+            </a:outerShdw>
+          </a:effectLst>
+        </p:spPr>
+        <p:txBody>
+          <a:bodyPr wrap="square" rtlCol="0">
+            <a:spAutoFit/>
+          </a:bodyPr>
+          <a:lstStyle/>
+          <a:p>
+            <a:r>
+              <a:rPr lang="de-CH" sz="1350" dirty="0"/>
+              <a:t>Mahnung erstellen</a:t>
             </a:r>
           </a:p>
         </p:txBody>
@@ -15940,7 +17160,7 @@
     </p:spTree>
     <p:extLst>
       <p:ext uri="{BB962C8B-B14F-4D97-AF65-F5344CB8AC3E}">
-        <p14:creationId xmlns:p14="http://schemas.microsoft.com/office/powerpoint/2010/main" val="1457593655"/>
+        <p14:creationId xmlns:p14="http://schemas.microsoft.com/office/powerpoint/2010/main" val="1015326068"/>
       </p:ext>
     </p:extLst>
   </p:cSld>
@@ -16250,7 +17470,7 @@
         </p:blipFill>
         <p:spPr>
           <a:xfrm>
-            <a:off x="2138897" y="94993"/>
+            <a:off x="2144797" y="94993"/>
             <a:ext cx="281939" cy="375918"/>
           </a:xfrm>
           <a:prstGeom prst="rect">
@@ -16289,7 +17509,7 @@
         </p:blipFill>
         <p:spPr>
           <a:xfrm>
-            <a:off x="728585" y="94993"/>
+            <a:off x="734485" y="94993"/>
             <a:ext cx="469898" cy="375918"/>
           </a:xfrm>
           <a:prstGeom prst="rect">
@@ -16311,7 +17531,7 @@
         </p:nvSpPr>
         <p:spPr>
           <a:xfrm>
-            <a:off x="700060" y="498781"/>
+            <a:off x="705960" y="498781"/>
             <a:ext cx="671884" cy="253916"/>
           </a:xfrm>
           <a:prstGeom prst="rect">
@@ -16354,7 +17574,7 @@
         </p:nvSpPr>
         <p:spPr>
           <a:xfrm>
-            <a:off x="1958463" y="484959"/>
+            <a:off x="1964363" y="484959"/>
             <a:ext cx="728821" cy="265457"/>
           </a:xfrm>
           <a:prstGeom prst="rect">
@@ -16418,7 +17638,7 @@
         </p:blipFill>
         <p:spPr>
           <a:xfrm>
-            <a:off x="2789747" y="94992"/>
+            <a:off x="2795647" y="94992"/>
             <a:ext cx="281939" cy="375918"/>
           </a:xfrm>
           <a:prstGeom prst="rect">
@@ -16440,7 +17660,7 @@
         </p:nvSpPr>
         <p:spPr>
           <a:xfrm>
-            <a:off x="2659257" y="484958"/>
+            <a:off x="2665157" y="484958"/>
             <a:ext cx="728821" cy="253916"/>
           </a:xfrm>
           <a:prstGeom prst="rect">
@@ -16508,7 +17728,7 @@
         </p:blipFill>
         <p:spPr>
           <a:xfrm>
-            <a:off x="1454723" y="67926"/>
+            <a:off x="1460623" y="67926"/>
             <a:ext cx="364904" cy="417032"/>
           </a:xfrm>
           <a:prstGeom prst="rect">
@@ -16530,7 +17750,7 @@
         </p:nvSpPr>
         <p:spPr>
           <a:xfrm>
-            <a:off x="1272765" y="484275"/>
+            <a:off x="1278665" y="484275"/>
             <a:ext cx="728821" cy="265457"/>
           </a:xfrm>
           <a:prstGeom prst="rect">
@@ -16655,7 +17875,7 @@
         </p:nvSpPr>
         <p:spPr>
           <a:xfrm>
-            <a:off x="4936704" y="1187920"/>
+            <a:off x="4936704" y="1168870"/>
             <a:ext cx="2041736" cy="300082"/>
           </a:xfrm>
           <a:prstGeom prst="rect">
@@ -16671,7 +17891,7 @@
           <a:p>
             <a:r>
               <a:rPr lang="de-CH" sz="1350" dirty="0"/>
-              <a:t>Konto XY</a:t>
+              <a:t>Konten</a:t>
             </a:r>
           </a:p>
         </p:txBody>
@@ -16707,7 +17927,7 @@
         </p:blipFill>
         <p:spPr>
           <a:xfrm>
-            <a:off x="3496810" y="94993"/>
+            <a:off x="3502710" y="94993"/>
             <a:ext cx="430010" cy="344008"/>
           </a:xfrm>
           <a:prstGeom prst="rect">
@@ -16729,7 +17949,7 @@
         </p:nvSpPr>
         <p:spPr>
           <a:xfrm>
-            <a:off x="3491764" y="457477"/>
+            <a:off x="3497664" y="457477"/>
             <a:ext cx="601337" cy="253916"/>
           </a:xfrm>
           <a:prstGeom prst="rect">
@@ -16798,10 +18018,10 @@
       </p:pic>
       <p:sp>
         <p:nvSpPr>
-          <p:cNvPr id="27" name="Textfeld 26">
-            <a:extLst>
-              <a:ext uri="{FF2B5EF4-FFF2-40B4-BE49-F238E27FC236}">
-                <a16:creationId xmlns:a16="http://schemas.microsoft.com/office/drawing/2014/main" id="{8E8D169A-BC7C-44A6-B126-7707269E1D9C}"/>
+          <p:cNvPr id="25" name="Textfeld 24">
+            <a:extLst>
+              <a:ext uri="{FF2B5EF4-FFF2-40B4-BE49-F238E27FC236}">
+                <a16:creationId xmlns:a16="http://schemas.microsoft.com/office/drawing/2014/main" id="{B2B8AC30-F7A0-4543-8D89-C1B2AA077417}"/>
               </a:ext>
             </a:extLst>
           </p:cNvPr>
@@ -16810,7 +18030,7 @@
         </p:nvSpPr>
         <p:spPr>
           <a:xfrm>
-            <a:off x="37416" y="1729417"/>
+            <a:off x="30626" y="944587"/>
             <a:ext cx="1534772" cy="300082"/>
           </a:xfrm>
           <a:prstGeom prst="rect">
@@ -16835,86 +18055,125 @@
           <a:p>
             <a:r>
               <a:rPr lang="de-CH" sz="1350" dirty="0"/>
-              <a:t>Zahlung verbuchen</a:t>
-            </a:r>
-          </a:p>
-        </p:txBody>
-      </p:sp>
-      <p:sp>
-        <p:nvSpPr>
-          <p:cNvPr id="29" name="Textfeld 28">
-            <a:extLst>
-              <a:ext uri="{FF2B5EF4-FFF2-40B4-BE49-F238E27FC236}">
-                <a16:creationId xmlns:a16="http://schemas.microsoft.com/office/drawing/2014/main" id="{A03FAD2A-C634-4D1E-9536-4A5B7009D658}"/>
-              </a:ext>
-            </a:extLst>
-          </p:cNvPr>
-          <p:cNvSpPr txBox="1"/>
-          <p:nvPr/>
-        </p:nvSpPr>
-        <p:spPr>
-          <a:xfrm>
-            <a:off x="4936704" y="1943570"/>
-            <a:ext cx="2041736" cy="507831"/>
-          </a:xfrm>
-          <a:prstGeom prst="rect">
-            <a:avLst/>
-          </a:prstGeom>
-          <a:noFill/>
-        </p:spPr>
-        <p:txBody>
-          <a:bodyPr wrap="square" rtlCol="0">
-            <a:spAutoFit/>
-          </a:bodyPr>
-          <a:lstStyle/>
-          <a:p>
-            <a:r>
-              <a:rPr lang="de-CH" sz="1350" dirty="0"/>
-              <a:t>Neue Zahlung verbuchen, Daten eingeben</a:t>
-            </a:r>
-          </a:p>
-        </p:txBody>
-      </p:sp>
-      <p:sp>
-        <p:nvSpPr>
-          <p:cNvPr id="32" name="Textfeld 31">
-            <a:extLst>
-              <a:ext uri="{FF2B5EF4-FFF2-40B4-BE49-F238E27FC236}">
-                <a16:creationId xmlns:a16="http://schemas.microsoft.com/office/drawing/2014/main" id="{B4BBD773-5F44-4746-A1A2-59237F7C21AE}"/>
-              </a:ext>
-            </a:extLst>
-          </p:cNvPr>
-          <p:cNvSpPr txBox="1"/>
-          <p:nvPr/>
-        </p:nvSpPr>
-        <p:spPr>
-          <a:xfrm>
-            <a:off x="7223908" y="6042772"/>
-            <a:ext cx="1534772" cy="300082"/>
-          </a:xfrm>
-          <a:prstGeom prst="rect">
-            <a:avLst/>
-          </a:prstGeom>
-          <a:solidFill>
-            <a:schemeClr val="bg2"/>
-          </a:solidFill>
-          <a:effectLst>
-            <a:outerShdw blurRad="50800" dist="38100" dir="2700000" algn="tl" rotWithShape="0">
-              <a:prstClr val="black">
-                <a:alpha val="40000"/>
-              </a:prstClr>
-            </a:outerShdw>
-          </a:effectLst>
-        </p:spPr>
-        <p:txBody>
-          <a:bodyPr wrap="square" rtlCol="0">
-            <a:spAutoFit/>
-          </a:bodyPr>
-          <a:lstStyle/>
-          <a:p>
-            <a:r>
-              <a:rPr lang="de-CH" sz="1350" dirty="0"/>
-              <a:t>Speichern</a:t>
+              <a:t>Neues Konto</a:t>
+            </a:r>
+          </a:p>
+        </p:txBody>
+      </p:sp>
+      <p:sp>
+        <p:nvSpPr>
+          <p:cNvPr id="28" name="Rechteck 27">
+            <a:extLst>
+              <a:ext uri="{FF2B5EF4-FFF2-40B4-BE49-F238E27FC236}">
+                <a16:creationId xmlns:a16="http://schemas.microsoft.com/office/drawing/2014/main" id="{7E541742-5993-4BBD-B913-8FB4A3E1C5ED}"/>
+              </a:ext>
+            </a:extLst>
+          </p:cNvPr>
+          <p:cNvSpPr/>
+          <p:nvPr/>
+        </p:nvSpPr>
+        <p:spPr>
+          <a:xfrm>
+            <a:off x="4936704" y="1891314"/>
+            <a:ext cx="1429907" cy="1224395"/>
+          </a:xfrm>
+          <a:prstGeom prst="rect">
+            <a:avLst/>
+          </a:prstGeom>
+          <a:ln>
+            <a:solidFill>
+              <a:schemeClr val="tx1"/>
+            </a:solidFill>
+          </a:ln>
+        </p:spPr>
+        <p:style>
+          <a:lnRef idx="2">
+            <a:schemeClr val="accent6"/>
+          </a:lnRef>
+          <a:fillRef idx="1">
+            <a:schemeClr val="lt1"/>
+          </a:fillRef>
+          <a:effectRef idx="0">
+            <a:schemeClr val="accent6"/>
+          </a:effectRef>
+          <a:fontRef idx="minor">
+            <a:schemeClr val="dk1"/>
+          </a:fontRef>
+        </p:style>
+        <p:txBody>
+          <a:bodyPr rtlCol="0" anchor="ctr"/>
+          <a:lstStyle/>
+          <a:p>
+            <a:pPr algn="ctr"/>
+            <a:r>
+              <a:rPr lang="de-DE" sz="1200" dirty="0"/>
+              <a:t>Konto 1</a:t>
+            </a:r>
+          </a:p>
+          <a:p>
+            <a:pPr algn="ctr"/>
+            <a:r>
+              <a:rPr lang="de-DE" sz="1200" dirty="0"/>
+              <a:t>Kontonummer</a:t>
+            </a:r>
+          </a:p>
+        </p:txBody>
+      </p:sp>
+      <p:sp>
+        <p:nvSpPr>
+          <p:cNvPr id="31" name="Rechteck 30">
+            <a:extLst>
+              <a:ext uri="{FF2B5EF4-FFF2-40B4-BE49-F238E27FC236}">
+                <a16:creationId xmlns:a16="http://schemas.microsoft.com/office/drawing/2014/main" id="{515F3675-4B55-4C85-9E14-3086C3BB3902}"/>
+              </a:ext>
+            </a:extLst>
+          </p:cNvPr>
+          <p:cNvSpPr/>
+          <p:nvPr/>
+        </p:nvSpPr>
+        <p:spPr>
+          <a:xfrm>
+            <a:off x="4936704" y="3429000"/>
+            <a:ext cx="1429907" cy="1224395"/>
+          </a:xfrm>
+          <a:prstGeom prst="rect">
+            <a:avLst/>
+          </a:prstGeom>
+          <a:ln>
+            <a:solidFill>
+              <a:schemeClr val="tx1"/>
+            </a:solidFill>
+          </a:ln>
+        </p:spPr>
+        <p:style>
+          <a:lnRef idx="2">
+            <a:schemeClr val="accent6"/>
+          </a:lnRef>
+          <a:fillRef idx="1">
+            <a:schemeClr val="lt1"/>
+          </a:fillRef>
+          <a:effectRef idx="0">
+            <a:schemeClr val="accent6"/>
+          </a:effectRef>
+          <a:fontRef idx="minor">
+            <a:schemeClr val="dk1"/>
+          </a:fontRef>
+        </p:style>
+        <p:txBody>
+          <a:bodyPr rtlCol="0" anchor="ctr"/>
+          <a:lstStyle/>
+          <a:p>
+            <a:pPr algn="ctr"/>
+            <a:r>
+              <a:rPr lang="de-DE" sz="1200" dirty="0"/>
+              <a:t>Konto 2</a:t>
+            </a:r>
+          </a:p>
+          <a:p>
+            <a:pPr algn="ctr"/>
+            <a:r>
+              <a:rPr lang="de-DE" sz="1200" dirty="0"/>
+              <a:t>Kontonummer</a:t>
             </a:r>
           </a:p>
         </p:txBody>
@@ -16922,7 +18181,7 @@
     </p:spTree>
     <p:extLst>
       <p:ext uri="{BB962C8B-B14F-4D97-AF65-F5344CB8AC3E}">
-        <p14:creationId xmlns:p14="http://schemas.microsoft.com/office/powerpoint/2010/main" val="3948979849"/>
+        <p14:creationId xmlns:p14="http://schemas.microsoft.com/office/powerpoint/2010/main" val="1457593655"/>
       </p:ext>
     </p:extLst>
   </p:cSld>

--- a/docs/GUI-Design.pptx
+++ b/docs/GUI-Design.pptx
@@ -136,7 +136,7 @@
 <file path=ppt/revisionInfo.xml><?xml version="1.0" encoding="utf-8"?>
 <p1510:revInfo xmlns:a="http://schemas.openxmlformats.org/drawingml/2006/main" xmlns:r="http://schemas.openxmlformats.org/officeDocument/2006/relationships" xmlns:p1510="http://schemas.microsoft.com/office/powerpoint/2015/10/main">
   <p1510:revLst>
-    <p1510:client id="{21F8B5DC-EEBF-4057-AF5A-A6A231887572}" v="121" dt="2022-04-12T18:22:54.992"/>
+    <p1510:client id="{21F8B5DC-EEBF-4057-AF5A-A6A231887572}" v="122" dt="2022-04-16T09:32:25.778"/>
   </p1510:revLst>
 </p1510:revInfo>
 </file>
@@ -146,7 +146,7 @@
   <pc:docChgLst>
     <pc:chgData name="Michael Neuhaus" userId="c40c4f6d-4879-45f0-ab21-9527e4a3c0bd" providerId="ADAL" clId="{21F8B5DC-EEBF-4057-AF5A-A6A231887572}"/>
     <pc:docChg chg="undo custSel addSld delSld modSld sldOrd modMainMaster">
-      <pc:chgData name="Michael Neuhaus" userId="c40c4f6d-4879-45f0-ab21-9527e4a3c0bd" providerId="ADAL" clId="{21F8B5DC-EEBF-4057-AF5A-A6A231887572}" dt="2022-04-13T21:29:59.237" v="2214" actId="1076"/>
+      <pc:chgData name="Michael Neuhaus" userId="c40c4f6d-4879-45f0-ab21-9527e4a3c0bd" providerId="ADAL" clId="{21F8B5DC-EEBF-4057-AF5A-A6A231887572}" dt="2022-04-16T22:06:39.536" v="2264" actId="20577"/>
       <pc:docMkLst>
         <pc:docMk/>
       </pc:docMkLst>
@@ -1667,7 +1667,7 @@
         </pc:picChg>
       </pc:sldChg>
       <pc:sldChg chg="addSp delSp modSp add mod">
-        <pc:chgData name="Michael Neuhaus" userId="c40c4f6d-4879-45f0-ab21-9527e4a3c0bd" providerId="ADAL" clId="{21F8B5DC-EEBF-4057-AF5A-A6A231887572}" dt="2022-04-11T17:52:52.708" v="1825" actId="1037"/>
+        <pc:chgData name="Michael Neuhaus" userId="c40c4f6d-4879-45f0-ab21-9527e4a3c0bd" providerId="ADAL" clId="{21F8B5DC-EEBF-4057-AF5A-A6A231887572}" dt="2022-04-16T16:09:38.462" v="2249" actId="478"/>
         <pc:sldMkLst>
           <pc:docMk/>
           <pc:sldMk cId="3971751406" sldId="261"/>
@@ -1712,6 +1712,14 @@
             <ac:spMk id="14" creationId="{B469F73B-A00D-4788-BDD6-1CE02993DD06}"/>
           </ac:spMkLst>
         </pc:spChg>
+        <pc:spChg chg="add mod">
+          <ac:chgData name="Michael Neuhaus" userId="c40c4f6d-4879-45f0-ab21-9527e4a3c0bd" providerId="ADAL" clId="{21F8B5DC-EEBF-4057-AF5A-A6A231887572}" dt="2022-04-16T09:32:46.167" v="2248" actId="1076"/>
+          <ac:spMkLst>
+            <pc:docMk/>
+            <pc:sldMk cId="3971751406" sldId="261"/>
+            <ac:spMk id="27" creationId="{7878F974-B0CB-41C0-8E65-5DE6F6445B6B}"/>
+          </ac:spMkLst>
+        </pc:spChg>
         <pc:spChg chg="del">
           <ac:chgData name="Michael Neuhaus" userId="c40c4f6d-4879-45f0-ab21-9527e4a3c0bd" providerId="ADAL" clId="{21F8B5DC-EEBF-4057-AF5A-A6A231887572}" dt="2022-03-30T10:17:27.273" v="910" actId="478"/>
           <ac:spMkLst>
@@ -1729,7 +1737,7 @@
           </ac:spMkLst>
         </pc:spChg>
         <pc:spChg chg="add mod">
-          <ac:chgData name="Michael Neuhaus" userId="c40c4f6d-4879-45f0-ab21-9527e4a3c0bd" providerId="ADAL" clId="{21F8B5DC-EEBF-4057-AF5A-A6A231887572}" dt="2022-03-30T19:40:18.069" v="1248" actId="20577"/>
+          <ac:chgData name="Michael Neuhaus" userId="c40c4f6d-4879-45f0-ab21-9527e4a3c0bd" providerId="ADAL" clId="{21F8B5DC-EEBF-4057-AF5A-A6A231887572}" dt="2022-04-16T09:32:22.050" v="2215" actId="1076"/>
           <ac:spMkLst>
             <pc:docMk/>
             <pc:sldMk cId="3971751406" sldId="261"/>
@@ -1824,8 +1832,8 @@
             <ac:spMk id="48" creationId="{45820D6B-B4DC-4FF6-A670-4D9B44CAEFDA}"/>
           </ac:spMkLst>
         </pc:spChg>
-        <pc:spChg chg="add mod">
-          <ac:chgData name="Michael Neuhaus" userId="c40c4f6d-4879-45f0-ab21-9527e4a3c0bd" providerId="ADAL" clId="{21F8B5DC-EEBF-4057-AF5A-A6A231887572}" dt="2022-03-30T19:43:54.025" v="1348" actId="1076"/>
+        <pc:spChg chg="add del mod">
+          <ac:chgData name="Michael Neuhaus" userId="c40c4f6d-4879-45f0-ab21-9527e4a3c0bd" providerId="ADAL" clId="{21F8B5DC-EEBF-4057-AF5A-A6A231887572}" dt="2022-04-16T16:09:38.462" v="2249" actId="478"/>
           <ac:spMkLst>
             <pc:docMk/>
             <pc:sldMk cId="3971751406" sldId="261"/>
@@ -2819,7 +2827,7 @@
         </pc:picChg>
       </pc:sldChg>
       <pc:sldChg chg="addSp delSp modSp add mod addCm delCm">
-        <pc:chgData name="Michael Neuhaus" userId="c40c4f6d-4879-45f0-ab21-9527e4a3c0bd" providerId="ADAL" clId="{21F8B5DC-EEBF-4057-AF5A-A6A231887572}" dt="2022-04-13T21:29:59.237" v="2214" actId="1076"/>
+        <pc:chgData name="Michael Neuhaus" userId="c40c4f6d-4879-45f0-ab21-9527e4a3c0bd" providerId="ADAL" clId="{21F8B5DC-EEBF-4057-AF5A-A6A231887572}" dt="2022-04-16T22:06:39.536" v="2264" actId="20577"/>
         <pc:sldMkLst>
           <pc:docMk/>
           <pc:sldMk cId="3012564211" sldId="269"/>
@@ -2897,7 +2905,7 @@
           </ac:spMkLst>
         </pc:spChg>
         <pc:spChg chg="add mod">
-          <ac:chgData name="Michael Neuhaus" userId="c40c4f6d-4879-45f0-ab21-9527e4a3c0bd" providerId="ADAL" clId="{21F8B5DC-EEBF-4057-AF5A-A6A231887572}" dt="2022-04-12T18:22:54.992" v="2189"/>
+          <ac:chgData name="Michael Neuhaus" userId="c40c4f6d-4879-45f0-ab21-9527e4a3c0bd" providerId="ADAL" clId="{21F8B5DC-EEBF-4057-AF5A-A6A231887572}" dt="2022-04-16T22:06:39.536" v="2264" actId="20577"/>
           <ac:spMkLst>
             <pc:docMk/>
             <pc:sldMk cId="3012564211" sldId="269"/>
@@ -3387,7 +3395,7 @@
           <a:p>
             <a:fld id="{CA891704-1070-4DA0-AF41-BAD92E35CE8D}" type="datetimeFigureOut">
               <a:rPr lang="de-CH" smtClean="0"/>
-              <a:t>13.04.2022</a:t>
+              <a:t>16.04.2022</a:t>
             </a:fld>
             <a:endParaRPr lang="de-CH"/>
           </a:p>
@@ -3557,7 +3565,7 @@
           <a:p>
             <a:fld id="{CA891704-1070-4DA0-AF41-BAD92E35CE8D}" type="datetimeFigureOut">
               <a:rPr lang="de-CH" smtClean="0"/>
-              <a:t>13.04.2022</a:t>
+              <a:t>16.04.2022</a:t>
             </a:fld>
             <a:endParaRPr lang="de-CH"/>
           </a:p>
@@ -3737,7 +3745,7 @@
           <a:p>
             <a:fld id="{CA891704-1070-4DA0-AF41-BAD92E35CE8D}" type="datetimeFigureOut">
               <a:rPr lang="de-CH" smtClean="0"/>
-              <a:t>13.04.2022</a:t>
+              <a:t>16.04.2022</a:t>
             </a:fld>
             <a:endParaRPr lang="de-CH"/>
           </a:p>
@@ -3907,7 +3915,7 @@
           <a:p>
             <a:fld id="{CA891704-1070-4DA0-AF41-BAD92E35CE8D}" type="datetimeFigureOut">
               <a:rPr lang="de-CH" smtClean="0"/>
-              <a:t>13.04.2022</a:t>
+              <a:t>16.04.2022</a:t>
             </a:fld>
             <a:endParaRPr lang="de-CH"/>
           </a:p>
@@ -4151,7 +4159,7 @@
           <a:p>
             <a:fld id="{CA891704-1070-4DA0-AF41-BAD92E35CE8D}" type="datetimeFigureOut">
               <a:rPr lang="de-CH" smtClean="0"/>
-              <a:t>13.04.2022</a:t>
+              <a:t>16.04.2022</a:t>
             </a:fld>
             <a:endParaRPr lang="de-CH"/>
           </a:p>
@@ -4383,7 +4391,7 @@
           <a:p>
             <a:fld id="{CA891704-1070-4DA0-AF41-BAD92E35CE8D}" type="datetimeFigureOut">
               <a:rPr lang="de-CH" smtClean="0"/>
-              <a:t>13.04.2022</a:t>
+              <a:t>16.04.2022</a:t>
             </a:fld>
             <a:endParaRPr lang="de-CH"/>
           </a:p>
@@ -4750,7 +4758,7 @@
           <a:p>
             <a:fld id="{CA891704-1070-4DA0-AF41-BAD92E35CE8D}" type="datetimeFigureOut">
               <a:rPr lang="de-CH" smtClean="0"/>
-              <a:t>13.04.2022</a:t>
+              <a:t>16.04.2022</a:t>
             </a:fld>
             <a:endParaRPr lang="de-CH"/>
           </a:p>
@@ -4868,7 +4876,7 @@
           <a:p>
             <a:fld id="{CA891704-1070-4DA0-AF41-BAD92E35CE8D}" type="datetimeFigureOut">
               <a:rPr lang="de-CH" smtClean="0"/>
-              <a:t>13.04.2022</a:t>
+              <a:t>16.04.2022</a:t>
             </a:fld>
             <a:endParaRPr lang="de-CH"/>
           </a:p>
@@ -4963,7 +4971,7 @@
           <a:p>
             <a:fld id="{CA891704-1070-4DA0-AF41-BAD92E35CE8D}" type="datetimeFigureOut">
               <a:rPr lang="de-CH" smtClean="0"/>
-              <a:t>13.04.2022</a:t>
+              <a:t>16.04.2022</a:t>
             </a:fld>
             <a:endParaRPr lang="de-CH"/>
           </a:p>
@@ -5240,7 +5248,7 @@
           <a:p>
             <a:fld id="{CA891704-1070-4DA0-AF41-BAD92E35CE8D}" type="datetimeFigureOut">
               <a:rPr lang="de-CH" smtClean="0"/>
-              <a:t>13.04.2022</a:t>
+              <a:t>16.04.2022</a:t>
             </a:fld>
             <a:endParaRPr lang="de-CH"/>
           </a:p>
@@ -5497,7 +5505,7 @@
           <a:p>
             <a:fld id="{CA891704-1070-4DA0-AF41-BAD92E35CE8D}" type="datetimeFigureOut">
               <a:rPr lang="de-CH" smtClean="0"/>
-              <a:t>13.04.2022</a:t>
+              <a:t>16.04.2022</a:t>
             </a:fld>
             <a:endParaRPr lang="de-CH"/>
           </a:p>
@@ -5710,7 +5718,7 @@
           <a:p>
             <a:fld id="{CA891704-1070-4DA0-AF41-BAD92E35CE8D}" type="datetimeFigureOut">
               <a:rPr lang="de-CH" smtClean="0"/>
-              <a:t>13.04.2022</a:t>
+              <a:t>16.04.2022</a:t>
             </a:fld>
             <a:endParaRPr lang="de-CH"/>
           </a:p>
@@ -13044,7 +13052,7 @@
           <a:p>
             <a:r>
               <a:rPr lang="de-CH" sz="1350" dirty="0"/>
-              <a:t>Neuer Mieter</a:t>
+              <a:t>Neuer Mietvertrag</a:t>
             </a:r>
           </a:p>
         </p:txBody>
@@ -13767,7 +13775,7 @@
         </p:nvSpPr>
         <p:spPr>
           <a:xfrm>
-            <a:off x="4231681" y="942225"/>
+            <a:off x="2015423" y="1375730"/>
             <a:ext cx="2041736" cy="715581"/>
           </a:xfrm>
           <a:prstGeom prst="rect">
@@ -14004,10 +14012,10 @@
       </p:sp>
       <p:sp>
         <p:nvSpPr>
-          <p:cNvPr id="49" name="Textfeld 48">
-            <a:extLst>
-              <a:ext uri="{FF2B5EF4-FFF2-40B4-BE49-F238E27FC236}">
-                <a16:creationId xmlns:a16="http://schemas.microsoft.com/office/drawing/2014/main" id="{910EB472-E846-4209-90AF-30EBA26BD889}"/>
+          <p:cNvPr id="50" name="Textfeld 49">
+            <a:extLst>
+              <a:ext uri="{FF2B5EF4-FFF2-40B4-BE49-F238E27FC236}">
+                <a16:creationId xmlns:a16="http://schemas.microsoft.com/office/drawing/2014/main" id="{4128D636-10F5-4430-8D32-4E69B4847BF0}"/>
               </a:ext>
             </a:extLst>
           </p:cNvPr>
@@ -14016,7 +14024,7 @@
         </p:nvSpPr>
         <p:spPr>
           <a:xfrm>
-            <a:off x="37416" y="2366479"/>
+            <a:off x="75483" y="941112"/>
             <a:ext cx="1534772" cy="300082"/>
           </a:xfrm>
           <a:prstGeom prst="rect">
@@ -14041,17 +14049,17 @@
           <a:p>
             <a:r>
               <a:rPr lang="de-CH" sz="1350" dirty="0"/>
-              <a:t>Mietverträge</a:t>
-            </a:r>
-          </a:p>
-        </p:txBody>
-      </p:sp>
-      <p:sp>
-        <p:nvSpPr>
-          <p:cNvPr id="50" name="Textfeld 49">
-            <a:extLst>
-              <a:ext uri="{FF2B5EF4-FFF2-40B4-BE49-F238E27FC236}">
-                <a16:creationId xmlns:a16="http://schemas.microsoft.com/office/drawing/2014/main" id="{4128D636-10F5-4430-8D32-4E69B4847BF0}"/>
+              <a:t>Neuer Mieter</a:t>
+            </a:r>
+          </a:p>
+        </p:txBody>
+      </p:sp>
+      <p:sp>
+        <p:nvSpPr>
+          <p:cNvPr id="51" name="Textfeld 50">
+            <a:extLst>
+              <a:ext uri="{FF2B5EF4-FFF2-40B4-BE49-F238E27FC236}">
+                <a16:creationId xmlns:a16="http://schemas.microsoft.com/office/drawing/2014/main" id="{D37FD960-4EA6-4FB4-8F15-B3D13CCD0D10}"/>
               </a:ext>
             </a:extLst>
           </p:cNvPr>
@@ -14060,7 +14068,7 @@
         </p:nvSpPr>
         <p:spPr>
           <a:xfrm>
-            <a:off x="75483" y="941112"/>
+            <a:off x="5128736" y="5834693"/>
             <a:ext cx="1534772" cy="300082"/>
           </a:xfrm>
           <a:prstGeom prst="rect">
@@ -14085,17 +14093,17 @@
           <a:p>
             <a:r>
               <a:rPr lang="de-CH" sz="1350" dirty="0"/>
-              <a:t>Neuer Mieter</a:t>
-            </a:r>
-          </a:p>
-        </p:txBody>
-      </p:sp>
-      <p:sp>
-        <p:nvSpPr>
-          <p:cNvPr id="51" name="Textfeld 50">
-            <a:extLst>
-              <a:ext uri="{FF2B5EF4-FFF2-40B4-BE49-F238E27FC236}">
-                <a16:creationId xmlns:a16="http://schemas.microsoft.com/office/drawing/2014/main" id="{D37FD960-4EA6-4FB4-8F15-B3D13CCD0D10}"/>
+              <a:t>Speichern</a:t>
+            </a:r>
+          </a:p>
+        </p:txBody>
+      </p:sp>
+      <p:sp>
+        <p:nvSpPr>
+          <p:cNvPr id="27" name="Textfeld 26">
+            <a:extLst>
+              <a:ext uri="{FF2B5EF4-FFF2-40B4-BE49-F238E27FC236}">
+                <a16:creationId xmlns:a16="http://schemas.microsoft.com/office/drawing/2014/main" id="{7878F974-B0CB-41C0-8E65-5DE6F6445B6B}"/>
               </a:ext>
             </a:extLst>
           </p:cNvPr>
@@ -14104,22 +14112,13 @@
         </p:nvSpPr>
         <p:spPr>
           <a:xfrm>
-            <a:off x="5128736" y="5834693"/>
-            <a:ext cx="1534772" cy="300082"/>
-          </a:xfrm>
-          <a:prstGeom prst="rect">
-            <a:avLst/>
-          </a:prstGeom>
-          <a:solidFill>
-            <a:schemeClr val="bg2"/>
-          </a:solidFill>
-          <a:effectLst>
-            <a:outerShdw blurRad="50800" dist="38100" dir="2700000" algn="tl" rotWithShape="0">
-              <a:prstClr val="black">
-                <a:alpha val="40000"/>
-              </a:prstClr>
-            </a:outerShdw>
-          </a:effectLst>
+            <a:off x="5506642" y="1375730"/>
+            <a:ext cx="2041736" cy="300082"/>
+          </a:xfrm>
+          <a:prstGeom prst="rect">
+            <a:avLst/>
+          </a:prstGeom>
+          <a:noFill/>
         </p:spPr>
         <p:txBody>
           <a:bodyPr wrap="square" rtlCol="0">
@@ -14129,7 +14128,7 @@
           <a:p>
             <a:r>
               <a:rPr lang="de-CH" sz="1350" dirty="0"/>
-              <a:t>Speichern</a:t>
+              <a:t>Liste aller Mieter</a:t>
             </a:r>
           </a:p>
         </p:txBody>

--- a/docs/GUI-Design.pptx
+++ b/docs/GUI-Design.pptx
@@ -11,10 +11,11 @@
     <p:sldId id="269" r:id="rId5"/>
     <p:sldId id="261" r:id="rId6"/>
     <p:sldId id="263" r:id="rId7"/>
-    <p:sldId id="265" r:id="rId8"/>
-    <p:sldId id="266" r:id="rId9"/>
-    <p:sldId id="267" r:id="rId10"/>
-    <p:sldId id="268" r:id="rId11"/>
+    <p:sldId id="270" r:id="rId8"/>
+    <p:sldId id="265" r:id="rId9"/>
+    <p:sldId id="266" r:id="rId10"/>
+    <p:sldId id="267" r:id="rId11"/>
+    <p:sldId id="268" r:id="rId12"/>
   </p:sldIdLst>
   <p:sldSz cx="9144000" cy="6858000" type="screen4x3"/>
   <p:notesSz cx="6858000" cy="9144000"/>
@@ -136,7 +137,7 @@
 <file path=ppt/revisionInfo.xml><?xml version="1.0" encoding="utf-8"?>
 <p1510:revInfo xmlns:a="http://schemas.openxmlformats.org/drawingml/2006/main" xmlns:r="http://schemas.openxmlformats.org/officeDocument/2006/relationships" xmlns:p1510="http://schemas.microsoft.com/office/powerpoint/2015/10/main">
   <p1510:revLst>
-    <p1510:client id="{21F8B5DC-EEBF-4057-AF5A-A6A231887572}" v="122" dt="2022-04-16T09:32:25.778"/>
+    <p1510:client id="{21F8B5DC-EEBF-4057-AF5A-A6A231887572}" v="136" dt="2022-04-17T19:33:54.800"/>
   </p1510:revLst>
 </p1510:revInfo>
 </file>
@@ -146,7 +147,7 @@
   <pc:docChgLst>
     <pc:chgData name="Michael Neuhaus" userId="c40c4f6d-4879-45f0-ab21-9527e4a3c0bd" providerId="ADAL" clId="{21F8B5DC-EEBF-4057-AF5A-A6A231887572}"/>
     <pc:docChg chg="undo custSel addSld delSld modSld sldOrd modMainMaster">
-      <pc:chgData name="Michael Neuhaus" userId="c40c4f6d-4879-45f0-ab21-9527e4a3c0bd" providerId="ADAL" clId="{21F8B5DC-EEBF-4057-AF5A-A6A231887572}" dt="2022-04-16T22:06:39.536" v="2264" actId="20577"/>
+      <pc:chgData name="Michael Neuhaus" userId="c40c4f6d-4879-45f0-ab21-9527e4a3c0bd" providerId="ADAL" clId="{21F8B5DC-EEBF-4057-AF5A-A6A231887572}" dt="2022-04-17T19:34:44.153" v="2467" actId="20577"/>
       <pc:docMkLst>
         <pc:docMk/>
       </pc:docMkLst>
@@ -1244,7 +1245,7 @@
         </pc:picChg>
       </pc:sldChg>
       <pc:sldChg chg="addSp delSp modSp add mod">
-        <pc:chgData name="Michael Neuhaus" userId="c40c4f6d-4879-45f0-ab21-9527e4a3c0bd" providerId="ADAL" clId="{21F8B5DC-EEBF-4057-AF5A-A6A231887572}" dt="2022-04-12T08:19:55.425" v="2037" actId="6549"/>
+        <pc:chgData name="Michael Neuhaus" userId="c40c4f6d-4879-45f0-ab21-9527e4a3c0bd" providerId="ADAL" clId="{21F8B5DC-EEBF-4057-AF5A-A6A231887572}" dt="2022-04-17T19:31:08.352" v="2350" actId="1076"/>
         <pc:sldMkLst>
           <pc:docMk/>
           <pc:sldMk cId="3011076255" sldId="260"/>
@@ -1279,6 +1280,14 @@
             <pc:docMk/>
             <pc:sldMk cId="3011076255" sldId="260"/>
             <ac:spMk id="29" creationId="{02404200-3900-4C1E-AF30-21C46BBB6480}"/>
+          </ac:spMkLst>
+        </pc:spChg>
+        <pc:spChg chg="add mod">
+          <ac:chgData name="Michael Neuhaus" userId="c40c4f6d-4879-45f0-ab21-9527e4a3c0bd" providerId="ADAL" clId="{21F8B5DC-EEBF-4057-AF5A-A6A231887572}" dt="2022-04-17T19:31:08.352" v="2350" actId="1076"/>
+          <ac:spMkLst>
+            <pc:docMk/>
+            <pc:sldMk cId="3011076255" sldId="260"/>
+            <ac:spMk id="30" creationId="{22FADFDA-A98B-46FC-A77D-84BF59F86FAF}"/>
           </ac:spMkLst>
         </pc:spChg>
         <pc:spChg chg="add del mod">
@@ -1667,7 +1676,7 @@
         </pc:picChg>
       </pc:sldChg>
       <pc:sldChg chg="addSp delSp modSp add mod">
-        <pc:chgData name="Michael Neuhaus" userId="c40c4f6d-4879-45f0-ab21-9527e4a3c0bd" providerId="ADAL" clId="{21F8B5DC-EEBF-4057-AF5A-A6A231887572}" dt="2022-04-16T16:09:38.462" v="2249" actId="478"/>
+        <pc:chgData name="Michael Neuhaus" userId="c40c4f6d-4879-45f0-ab21-9527e4a3c0bd" providerId="ADAL" clId="{21F8B5DC-EEBF-4057-AF5A-A6A231887572}" dt="2022-04-17T19:33:06.956" v="2368" actId="478"/>
         <pc:sldMkLst>
           <pc:docMk/>
           <pc:sldMk cId="3971751406" sldId="261"/>
@@ -1713,13 +1722,21 @@
           </ac:spMkLst>
         </pc:spChg>
         <pc:spChg chg="add mod">
-          <ac:chgData name="Michael Neuhaus" userId="c40c4f6d-4879-45f0-ab21-9527e4a3c0bd" providerId="ADAL" clId="{21F8B5DC-EEBF-4057-AF5A-A6A231887572}" dt="2022-04-16T09:32:46.167" v="2248" actId="1076"/>
+          <ac:chgData name="Michael Neuhaus" userId="c40c4f6d-4879-45f0-ab21-9527e4a3c0bd" providerId="ADAL" clId="{21F8B5DC-EEBF-4057-AF5A-A6A231887572}" dt="2022-04-17T19:29:19.577" v="2267" actId="1076"/>
           <ac:spMkLst>
             <pc:docMk/>
             <pc:sldMk cId="3971751406" sldId="261"/>
             <ac:spMk id="27" creationId="{7878F974-B0CB-41C0-8E65-5DE6F6445B6B}"/>
           </ac:spMkLst>
         </pc:spChg>
+        <pc:spChg chg="add mod">
+          <ac:chgData name="Michael Neuhaus" userId="c40c4f6d-4879-45f0-ab21-9527e4a3c0bd" providerId="ADAL" clId="{21F8B5DC-EEBF-4057-AF5A-A6A231887572}" dt="2022-04-17T19:29:31.514" v="2297" actId="20577"/>
+          <ac:spMkLst>
+            <pc:docMk/>
+            <pc:sldMk cId="3971751406" sldId="261"/>
+            <ac:spMk id="28" creationId="{DC5B6F5C-0334-4E1B-838F-BB187FC01992}"/>
+          </ac:spMkLst>
+        </pc:spChg>
         <pc:spChg chg="del">
           <ac:chgData name="Michael Neuhaus" userId="c40c4f6d-4879-45f0-ab21-9527e4a3c0bd" providerId="ADAL" clId="{21F8B5DC-EEBF-4057-AF5A-A6A231887572}" dt="2022-03-30T10:17:27.273" v="910" actId="478"/>
           <ac:spMkLst>
@@ -1728,6 +1745,14 @@
             <ac:spMk id="28" creationId="{E645B5A8-520B-4ECE-A20B-E662A94CDC5F}"/>
           </ac:spMkLst>
         </pc:spChg>
+        <pc:spChg chg="add mod">
+          <ac:chgData name="Michael Neuhaus" userId="c40c4f6d-4879-45f0-ab21-9527e4a3c0bd" providerId="ADAL" clId="{21F8B5DC-EEBF-4057-AF5A-A6A231887572}" dt="2022-04-17T19:29:42.313" v="2313" actId="20577"/>
+          <ac:spMkLst>
+            <pc:docMk/>
+            <pc:sldMk cId="3971751406" sldId="261"/>
+            <ac:spMk id="29" creationId="{3962A006-FF0E-4592-B71C-D732168BDD10}"/>
+          </ac:spMkLst>
+        </pc:spChg>
         <pc:spChg chg="add del mod">
           <ac:chgData name="Michael Neuhaus" userId="c40c4f6d-4879-45f0-ab21-9527e4a3c0bd" providerId="ADAL" clId="{21F8B5DC-EEBF-4057-AF5A-A6A231887572}" dt="2022-03-30T10:18:22.495" v="999" actId="478"/>
           <ac:spMkLst>
@@ -1745,6 +1770,14 @@
           </ac:spMkLst>
         </pc:spChg>
         <pc:spChg chg="add mod">
+          <ac:chgData name="Michael Neuhaus" userId="c40c4f6d-4879-45f0-ab21-9527e4a3c0bd" providerId="ADAL" clId="{21F8B5DC-EEBF-4057-AF5A-A6A231887572}" dt="2022-04-17T19:31:28.348" v="2352"/>
+          <ac:spMkLst>
+            <pc:docMk/>
+            <pc:sldMk cId="3971751406" sldId="261"/>
+            <ac:spMk id="31" creationId="{4E89E3EE-4AB2-480C-8948-57FE1449AFED}"/>
+          </ac:spMkLst>
+        </pc:spChg>
+        <pc:spChg chg="add mod">
           <ac:chgData name="Michael Neuhaus" userId="c40c4f6d-4879-45f0-ab21-9527e4a3c0bd" providerId="ADAL" clId="{21F8B5DC-EEBF-4057-AF5A-A6A231887572}" dt="2022-04-11T17:52:52.708" v="1825" actId="1037"/>
           <ac:spMkLst>
             <pc:docMk/>
@@ -1824,8 +1857,8 @@
             <ac:spMk id="47" creationId="{5A2EC15F-F2FC-47D6-8F18-46549C8A6915}"/>
           </ac:spMkLst>
         </pc:spChg>
-        <pc:spChg chg="add mod">
-          <ac:chgData name="Michael Neuhaus" userId="c40c4f6d-4879-45f0-ab21-9527e4a3c0bd" providerId="ADAL" clId="{21F8B5DC-EEBF-4057-AF5A-A6A231887572}" dt="2022-03-30T19:43:54.977" v="1349" actId="1076"/>
+        <pc:spChg chg="add del mod">
+          <ac:chgData name="Michael Neuhaus" userId="c40c4f6d-4879-45f0-ab21-9527e4a3c0bd" providerId="ADAL" clId="{21F8B5DC-EEBF-4057-AF5A-A6A231887572}" dt="2022-04-17T19:29:48.176" v="2314" actId="478"/>
           <ac:spMkLst>
             <pc:docMk/>
             <pc:sldMk cId="3971751406" sldId="261"/>
@@ -1848,8 +1881,8 @@
             <ac:spMk id="50" creationId="{4128D636-10F5-4430-8D32-4E69B4847BF0}"/>
           </ac:spMkLst>
         </pc:spChg>
-        <pc:spChg chg="add mod">
-          <ac:chgData name="Michael Neuhaus" userId="c40c4f6d-4879-45f0-ab21-9527e4a3c0bd" providerId="ADAL" clId="{21F8B5DC-EEBF-4057-AF5A-A6A231887572}" dt="2022-03-30T19:45:02.207" v="1397"/>
+        <pc:spChg chg="add del mod">
+          <ac:chgData name="Michael Neuhaus" userId="c40c4f6d-4879-45f0-ab21-9527e4a3c0bd" providerId="ADAL" clId="{21F8B5DC-EEBF-4057-AF5A-A6A231887572}" dt="2022-04-17T19:33:06.956" v="2368" actId="478"/>
           <ac:spMkLst>
             <pc:docMk/>
             <pc:sldMk cId="3971751406" sldId="261"/>
@@ -1913,7 +1946,7 @@
           </ac:picMkLst>
         </pc:picChg>
         <pc:picChg chg="add mod">
-          <ac:chgData name="Michael Neuhaus" userId="c40c4f6d-4879-45f0-ab21-9527e4a3c0bd" providerId="ADAL" clId="{21F8B5DC-EEBF-4057-AF5A-A6A231887572}" dt="2022-03-30T19:42:39.448" v="1302" actId="1076"/>
+          <ac:chgData name="Michael Neuhaus" userId="c40c4f6d-4879-45f0-ab21-9527e4a3c0bd" providerId="ADAL" clId="{21F8B5DC-EEBF-4057-AF5A-A6A231887572}" dt="2022-04-17T19:29:59.995" v="2316" actId="1076"/>
           <ac:picMkLst>
             <pc:docMk/>
             <pc:sldMk cId="3971751406" sldId="261"/>
@@ -1969,7 +2002,7 @@
         </pc:sldMkLst>
       </pc:sldChg>
       <pc:sldChg chg="addSp delSp modSp add mod">
-        <pc:chgData name="Michael Neuhaus" userId="c40c4f6d-4879-45f0-ab21-9527e4a3c0bd" providerId="ADAL" clId="{21F8B5DC-EEBF-4057-AF5A-A6A231887572}" dt="2022-04-11T17:53:01.844" v="1859" actId="1037"/>
+        <pc:chgData name="Michael Neuhaus" userId="c40c4f6d-4879-45f0-ab21-9527e4a3c0bd" providerId="ADAL" clId="{21F8B5DC-EEBF-4057-AF5A-A6A231887572}" dt="2022-04-17T19:33:04.625" v="2367" actId="478"/>
         <pc:sldMkLst>
           <pc:docMk/>
           <pc:sldMk cId="1679045900" sldId="263"/>
@@ -1990,6 +2023,22 @@
             <ac:spMk id="26" creationId="{65DBF40D-E137-40AC-AFC0-4E4B631F7627}"/>
           </ac:spMkLst>
         </pc:spChg>
+        <pc:spChg chg="add mod">
+          <ac:chgData name="Michael Neuhaus" userId="c40c4f6d-4879-45f0-ab21-9527e4a3c0bd" providerId="ADAL" clId="{21F8B5DC-EEBF-4057-AF5A-A6A231887572}" dt="2022-04-17T19:30:17.029" v="2319"/>
+          <ac:spMkLst>
+            <pc:docMk/>
+            <pc:sldMk cId="1679045900" sldId="263"/>
+            <ac:spMk id="26" creationId="{A2BFC150-953F-4141-808F-8558AEDEE7EF}"/>
+          </ac:spMkLst>
+        </pc:spChg>
+        <pc:spChg chg="add del mod">
+          <ac:chgData name="Michael Neuhaus" userId="c40c4f6d-4879-45f0-ab21-9527e4a3c0bd" providerId="ADAL" clId="{21F8B5DC-EEBF-4057-AF5A-A6A231887572}" dt="2022-04-17T19:30:30.206" v="2327" actId="20577"/>
+          <ac:spMkLst>
+            <pc:docMk/>
+            <pc:sldMk cId="1679045900" sldId="263"/>
+            <ac:spMk id="27" creationId="{04113C58-3943-4BAF-BE8B-6DA93B0F2913}"/>
+          </ac:spMkLst>
+        </pc:spChg>
         <pc:spChg chg="add del mod">
           <ac:chgData name="Michael Neuhaus" userId="c40c4f6d-4879-45f0-ab21-9527e4a3c0bd" providerId="ADAL" clId="{21F8B5DC-EEBF-4057-AF5A-A6A231887572}" dt="2022-03-30T19:44:35.348" v="1366" actId="478"/>
           <ac:spMkLst>
@@ -2006,8 +2055,8 @@
             <ac:spMk id="28" creationId="{1910DFB9-59CC-47F2-AB1C-CF93E0D6EECC}"/>
           </ac:spMkLst>
         </pc:spChg>
-        <pc:spChg chg="add mod">
-          <ac:chgData name="Michael Neuhaus" userId="c40c4f6d-4879-45f0-ab21-9527e4a3c0bd" providerId="ADAL" clId="{21F8B5DC-EEBF-4057-AF5A-A6A231887572}" dt="2022-03-30T19:44:50.133" v="1385" actId="20577"/>
+        <pc:spChg chg="add del mod">
+          <ac:chgData name="Michael Neuhaus" userId="c40c4f6d-4879-45f0-ab21-9527e4a3c0bd" providerId="ADAL" clId="{21F8B5DC-EEBF-4057-AF5A-A6A231887572}" dt="2022-04-17T19:30:26.325" v="2324" actId="478"/>
           <ac:spMkLst>
             <pc:docMk/>
             <pc:sldMk cId="1679045900" sldId="263"/>
@@ -2023,7 +2072,15 @@
           </ac:spMkLst>
         </pc:spChg>
         <pc:spChg chg="add mod">
-          <ac:chgData name="Michael Neuhaus" userId="c40c4f6d-4879-45f0-ab21-9527e4a3c0bd" providerId="ADAL" clId="{21F8B5DC-EEBF-4057-AF5A-A6A231887572}" dt="2022-03-30T19:44:58.543" v="1396" actId="20577"/>
+          <ac:chgData name="Michael Neuhaus" userId="c40c4f6d-4879-45f0-ab21-9527e4a3c0bd" providerId="ADAL" clId="{21F8B5DC-EEBF-4057-AF5A-A6A231887572}" dt="2022-04-17T19:30:10.551" v="2317"/>
+          <ac:spMkLst>
+            <pc:docMk/>
+            <pc:sldMk cId="1679045900" sldId="263"/>
+            <ac:spMk id="30" creationId="{DB246A97-30C9-410D-8DBD-7F3EB45D5F9C}"/>
+          </ac:spMkLst>
+        </pc:spChg>
+        <pc:spChg chg="add del mod">
+          <ac:chgData name="Michael Neuhaus" userId="c40c4f6d-4879-45f0-ab21-9527e4a3c0bd" providerId="ADAL" clId="{21F8B5DC-EEBF-4057-AF5A-A6A231887572}" dt="2022-04-17T19:33:04.625" v="2367" actId="478"/>
           <ac:spMkLst>
             <pc:docMk/>
             <pc:sldMk cId="1679045900" sldId="263"/>
@@ -2038,12 +2095,28 @@
             <ac:spMk id="32" creationId="{F44D1926-7244-45A3-9497-840423FE7659}"/>
           </ac:spMkLst>
         </pc:spChg>
+        <pc:spChg chg="add del mod">
+          <ac:chgData name="Michael Neuhaus" userId="c40c4f6d-4879-45f0-ab21-9527e4a3c0bd" providerId="ADAL" clId="{21F8B5DC-EEBF-4057-AF5A-A6A231887572}" dt="2022-04-17T19:30:32.375" v="2328" actId="478"/>
+          <ac:spMkLst>
+            <pc:docMk/>
+            <pc:sldMk cId="1679045900" sldId="263"/>
+            <ac:spMk id="33" creationId="{096FBE67-4832-491D-A9AB-8BA08B762B4C}"/>
+          </ac:spMkLst>
+        </pc:spChg>
         <pc:spChg chg="mod">
           <ac:chgData name="Michael Neuhaus" userId="c40c4f6d-4879-45f0-ab21-9527e4a3c0bd" providerId="ADAL" clId="{21F8B5DC-EEBF-4057-AF5A-A6A231887572}" dt="2022-04-11T17:53:01.844" v="1859" actId="1037"/>
           <ac:spMkLst>
             <pc:docMk/>
             <pc:sldMk cId="1679045900" sldId="263"/>
             <ac:spMk id="35" creationId="{1998E68F-D869-43FF-9BBA-1A741FC9CC62}"/>
+          </ac:spMkLst>
+        </pc:spChg>
+        <pc:spChg chg="add mod">
+          <ac:chgData name="Michael Neuhaus" userId="c40c4f6d-4879-45f0-ab21-9527e4a3c0bd" providerId="ADAL" clId="{21F8B5DC-EEBF-4057-AF5A-A6A231887572}" dt="2022-04-17T19:30:50.728" v="2348" actId="20577"/>
+          <ac:spMkLst>
+            <pc:docMk/>
+            <pc:sldMk cId="1679045900" sldId="263"/>
+            <ac:spMk id="36" creationId="{84B95A00-7F61-44B4-9BD6-DBDD53F4728D}"/>
           </ac:spMkLst>
         </pc:spChg>
         <pc:spChg chg="del mod">
@@ -2175,7 +2248,7 @@
         </pc:picChg>
       </pc:sldChg>
       <pc:sldChg chg="addSp delSp modSp add mod">
-        <pc:chgData name="Michael Neuhaus" userId="c40c4f6d-4879-45f0-ab21-9527e4a3c0bd" providerId="ADAL" clId="{21F8B5DC-EEBF-4057-AF5A-A6A231887572}" dt="2022-04-11T17:53:06.562" v="1888" actId="1037"/>
+        <pc:chgData name="Michael Neuhaus" userId="c40c4f6d-4879-45f0-ab21-9527e4a3c0bd" providerId="ADAL" clId="{21F8B5DC-EEBF-4057-AF5A-A6A231887572}" dt="2022-04-17T19:31:44.326" v="2353"/>
         <pc:sldMkLst>
           <pc:docMk/>
           <pc:sldMk cId="380938355" sldId="265"/>
@@ -2186,6 +2259,14 @@
             <pc:docMk/>
             <pc:sldMk cId="380938355" sldId="265"/>
             <ac:spMk id="24" creationId="{62430D41-DBE9-4E02-85B4-CDAFDEA9C08B}"/>
+          </ac:spMkLst>
+        </pc:spChg>
+        <pc:spChg chg="add mod">
+          <ac:chgData name="Michael Neuhaus" userId="c40c4f6d-4879-45f0-ab21-9527e4a3c0bd" providerId="ADAL" clId="{21F8B5DC-EEBF-4057-AF5A-A6A231887572}" dt="2022-04-17T19:31:44.326" v="2353"/>
+          <ac:spMkLst>
+            <pc:docMk/>
+            <pc:sldMk cId="380938355" sldId="265"/>
+            <ac:spMk id="26" creationId="{C91528FD-AE7D-4669-8FD6-5C9EBB9EB866}"/>
           </ac:spMkLst>
         </pc:spChg>
         <pc:spChg chg="mod">
@@ -2350,11 +2431,19 @@
         </pc:picChg>
       </pc:sldChg>
       <pc:sldChg chg="addSp delSp modSp add mod">
-        <pc:chgData name="Michael Neuhaus" userId="c40c4f6d-4879-45f0-ab21-9527e4a3c0bd" providerId="ADAL" clId="{21F8B5DC-EEBF-4057-AF5A-A6A231887572}" dt="2022-04-11T17:53:15.851" v="1926" actId="1038"/>
+        <pc:chgData name="Michael Neuhaus" userId="c40c4f6d-4879-45f0-ab21-9527e4a3c0bd" providerId="ADAL" clId="{21F8B5DC-EEBF-4057-AF5A-A6A231887572}" dt="2022-04-17T19:31:47.879" v="2354"/>
         <pc:sldMkLst>
           <pc:docMk/>
           <pc:sldMk cId="1015326068" sldId="266"/>
         </pc:sldMkLst>
+        <pc:spChg chg="add mod">
+          <ac:chgData name="Michael Neuhaus" userId="c40c4f6d-4879-45f0-ab21-9527e4a3c0bd" providerId="ADAL" clId="{21F8B5DC-EEBF-4057-AF5A-A6A231887572}" dt="2022-04-17T19:31:47.879" v="2354"/>
+          <ac:spMkLst>
+            <pc:docMk/>
+            <pc:sldMk cId="1015326068" sldId="266"/>
+            <ac:spMk id="25" creationId="{7FEF8261-CF52-4269-8D34-B3895A708879}"/>
+          </ac:spMkLst>
+        </pc:spChg>
         <pc:spChg chg="add del mod">
           <ac:chgData name="Michael Neuhaus" userId="c40c4f6d-4879-45f0-ab21-9527e4a3c0bd" providerId="ADAL" clId="{21F8B5DC-EEBF-4057-AF5A-A6A231887572}" dt="2022-03-30T19:48:44.702" v="1475" actId="478"/>
           <ac:spMkLst>
@@ -2501,7 +2590,7 @@
         </pc:picChg>
       </pc:sldChg>
       <pc:sldChg chg="addSp delSp modSp add mod">
-        <pc:chgData name="Michael Neuhaus" userId="c40c4f6d-4879-45f0-ab21-9527e4a3c0bd" providerId="ADAL" clId="{21F8B5DC-EEBF-4057-AF5A-A6A231887572}" dt="2022-04-11T17:53:22.915" v="1960" actId="1037"/>
+        <pc:chgData name="Michael Neuhaus" userId="c40c4f6d-4879-45f0-ab21-9527e4a3c0bd" providerId="ADAL" clId="{21F8B5DC-EEBF-4057-AF5A-A6A231887572}" dt="2022-04-17T19:31:51.532" v="2355"/>
         <pc:sldMkLst>
           <pc:docMk/>
           <pc:sldMk cId="1457593655" sldId="267"/>
@@ -2520,6 +2609,14 @@
             <pc:docMk/>
             <pc:sldMk cId="1457593655" sldId="267"/>
             <ac:spMk id="26" creationId="{09D116EC-355A-4DC2-8279-539B6CB6AB84}"/>
+          </ac:spMkLst>
+        </pc:spChg>
+        <pc:spChg chg="add mod">
+          <ac:chgData name="Michael Neuhaus" userId="c40c4f6d-4879-45f0-ab21-9527e4a3c0bd" providerId="ADAL" clId="{21F8B5DC-EEBF-4057-AF5A-A6A231887572}" dt="2022-04-17T19:31:51.532" v="2355"/>
+          <ac:spMkLst>
+            <pc:docMk/>
+            <pc:sldMk cId="1457593655" sldId="267"/>
+            <ac:spMk id="26" creationId="{67605AE3-8063-49E3-B4D6-89CDFD064CCA}"/>
           </ac:spMkLst>
         </pc:spChg>
         <pc:spChg chg="add del mod">
@@ -2676,7 +2773,7 @@
         </pc:picChg>
       </pc:sldChg>
       <pc:sldChg chg="addSp delSp modSp add mod">
-        <pc:chgData name="Michael Neuhaus" userId="c40c4f6d-4879-45f0-ab21-9527e4a3c0bd" providerId="ADAL" clId="{21F8B5DC-EEBF-4057-AF5A-A6A231887572}" dt="2022-04-11T17:53:29.947" v="1994" actId="1037"/>
+        <pc:chgData name="Michael Neuhaus" userId="c40c4f6d-4879-45f0-ab21-9527e4a3c0bd" providerId="ADAL" clId="{21F8B5DC-EEBF-4057-AF5A-A6A231887572}" dt="2022-04-17T19:31:53.295" v="2356"/>
         <pc:sldMkLst>
           <pc:docMk/>
           <pc:sldMk cId="3948979849" sldId="268"/>
@@ -2687,6 +2784,14 @@
             <pc:docMk/>
             <pc:sldMk cId="3948979849" sldId="268"/>
             <ac:spMk id="25" creationId="{B2B8AC30-F7A0-4543-8D89-C1B2AA077417}"/>
+          </ac:spMkLst>
+        </pc:spChg>
+        <pc:spChg chg="add mod">
+          <ac:chgData name="Michael Neuhaus" userId="c40c4f6d-4879-45f0-ab21-9527e4a3c0bd" providerId="ADAL" clId="{21F8B5DC-EEBF-4057-AF5A-A6A231887572}" dt="2022-04-17T19:31:53.295" v="2356"/>
+          <ac:spMkLst>
+            <pc:docMk/>
+            <pc:sldMk cId="3948979849" sldId="268"/>
+            <ac:spMk id="25" creationId="{F316AC59-3F81-44FC-B7C2-FAE7EFCD3396}"/>
           </ac:spMkLst>
         </pc:spChg>
         <pc:spChg chg="del">
@@ -2827,7 +2932,7 @@
         </pc:picChg>
       </pc:sldChg>
       <pc:sldChg chg="addSp delSp modSp add mod addCm delCm">
-        <pc:chgData name="Michael Neuhaus" userId="c40c4f6d-4879-45f0-ab21-9527e4a3c0bd" providerId="ADAL" clId="{21F8B5DC-EEBF-4057-AF5A-A6A231887572}" dt="2022-04-16T22:06:39.536" v="2264" actId="20577"/>
+        <pc:chgData name="Michael Neuhaus" userId="c40c4f6d-4879-45f0-ab21-9527e4a3c0bd" providerId="ADAL" clId="{21F8B5DC-EEBF-4057-AF5A-A6A231887572}" dt="2022-04-17T19:31:16.941" v="2351"/>
         <pc:sldMkLst>
           <pc:docMk/>
           <pc:sldMk cId="3012564211" sldId="269"/>
@@ -2848,6 +2953,14 @@
             <ac:spMk id="6" creationId="{BB39516C-A284-418F-869A-0F11623F22DD}"/>
           </ac:spMkLst>
         </pc:spChg>
+        <pc:spChg chg="add mod">
+          <ac:chgData name="Michael Neuhaus" userId="c40c4f6d-4879-45f0-ab21-9527e4a3c0bd" providerId="ADAL" clId="{21F8B5DC-EEBF-4057-AF5A-A6A231887572}" dt="2022-04-17T19:31:16.941" v="2351"/>
+          <ac:spMkLst>
+            <pc:docMk/>
+            <pc:sldMk cId="3012564211" sldId="269"/>
+            <ac:spMk id="28" creationId="{C9DA673C-9881-4456-8EEB-BBCCE6218133}"/>
+          </ac:spMkLst>
+        </pc:spChg>
         <pc:spChg chg="del mod">
           <ac:chgData name="Michael Neuhaus" userId="c40c4f6d-4879-45f0-ab21-9527e4a3c0bd" providerId="ADAL" clId="{21F8B5DC-EEBF-4057-AF5A-A6A231887572}" dt="2022-04-12T18:20:17.976" v="2078" actId="478"/>
           <ac:spMkLst>
@@ -2982,6 +3095,101 @@
             <pc:docMk/>
             <pc:sldMk cId="3012564211" sldId="269"/>
             <ac:picMk id="34" creationId="{9CC0FC6A-11DA-4ECD-800A-1C65FCD5BDC8}"/>
+          </ac:picMkLst>
+        </pc:picChg>
+      </pc:sldChg>
+      <pc:sldChg chg="addSp delSp modSp add mod">
+        <pc:chgData name="Michael Neuhaus" userId="c40c4f6d-4879-45f0-ab21-9527e4a3c0bd" providerId="ADAL" clId="{21F8B5DC-EEBF-4057-AF5A-A6A231887572}" dt="2022-04-17T19:34:44.153" v="2467" actId="20577"/>
+        <pc:sldMkLst>
+          <pc:docMk/>
+          <pc:sldMk cId="933807054" sldId="270"/>
+        </pc:sldMkLst>
+        <pc:spChg chg="del">
+          <ac:chgData name="Michael Neuhaus" userId="c40c4f6d-4879-45f0-ab21-9527e4a3c0bd" providerId="ADAL" clId="{21F8B5DC-EEBF-4057-AF5A-A6A231887572}" dt="2022-04-17T19:32:53.293" v="2359" actId="478"/>
+          <ac:spMkLst>
+            <pc:docMk/>
+            <pc:sldMk cId="933807054" sldId="270"/>
+            <ac:spMk id="25" creationId="{3BD73E36-8853-45E7-899A-1832E59B310A}"/>
+          </ac:spMkLst>
+        </pc:spChg>
+        <pc:spChg chg="del">
+          <ac:chgData name="Michael Neuhaus" userId="c40c4f6d-4879-45f0-ab21-9527e4a3c0bd" providerId="ADAL" clId="{21F8B5DC-EEBF-4057-AF5A-A6A231887572}" dt="2022-04-17T19:32:56.612" v="2362" actId="478"/>
+          <ac:spMkLst>
+            <pc:docMk/>
+            <pc:sldMk cId="933807054" sldId="270"/>
+            <ac:spMk id="26" creationId="{A2BFC150-953F-4141-808F-8558AEDEE7EF}"/>
+          </ac:spMkLst>
+        </pc:spChg>
+        <pc:spChg chg="del mod">
+          <ac:chgData name="Michael Neuhaus" userId="c40c4f6d-4879-45f0-ab21-9527e4a3c0bd" providerId="ADAL" clId="{21F8B5DC-EEBF-4057-AF5A-A6A231887572}" dt="2022-04-17T19:33:00.347" v="2365" actId="478"/>
+          <ac:spMkLst>
+            <pc:docMk/>
+            <pc:sldMk cId="933807054" sldId="270"/>
+            <ac:spMk id="27" creationId="{04113C58-3943-4BAF-BE8B-6DA93B0F2913}"/>
+          </ac:spMkLst>
+        </pc:spChg>
+        <pc:spChg chg="del">
+          <ac:chgData name="Michael Neuhaus" userId="c40c4f6d-4879-45f0-ab21-9527e4a3c0bd" providerId="ADAL" clId="{21F8B5DC-EEBF-4057-AF5A-A6A231887572}" dt="2022-04-17T19:32:52.704" v="2358" actId="478"/>
+          <ac:spMkLst>
+            <pc:docMk/>
+            <pc:sldMk cId="933807054" sldId="270"/>
+            <ac:spMk id="28" creationId="{1910DFB9-59CC-47F2-AB1C-CF93E0D6EECC}"/>
+          </ac:spMkLst>
+        </pc:spChg>
+        <pc:spChg chg="add mod">
+          <ac:chgData name="Michael Neuhaus" userId="c40c4f6d-4879-45f0-ab21-9527e4a3c0bd" providerId="ADAL" clId="{21F8B5DC-EEBF-4057-AF5A-A6A231887572}" dt="2022-04-17T19:34:44.153" v="2467" actId="20577"/>
+          <ac:spMkLst>
+            <pc:docMk/>
+            <pc:sldMk cId="933807054" sldId="270"/>
+            <ac:spMk id="29" creationId="{BB118B66-9E39-4039-8D78-121E69E5C9B4}"/>
+          </ac:spMkLst>
+        </pc:spChg>
+        <pc:spChg chg="del">
+          <ac:chgData name="Michael Neuhaus" userId="c40c4f6d-4879-45f0-ab21-9527e4a3c0bd" providerId="ADAL" clId="{21F8B5DC-EEBF-4057-AF5A-A6A231887572}" dt="2022-04-17T19:33:00.869" v="2366" actId="478"/>
+          <ac:spMkLst>
+            <pc:docMk/>
+            <pc:sldMk cId="933807054" sldId="270"/>
+            <ac:spMk id="30" creationId="{DB246A97-30C9-410D-8DBD-7F3EB45D5F9C}"/>
+          </ac:spMkLst>
+        </pc:spChg>
+        <pc:spChg chg="mod">
+          <ac:chgData name="Michael Neuhaus" userId="c40c4f6d-4879-45f0-ab21-9527e4a3c0bd" providerId="ADAL" clId="{21F8B5DC-EEBF-4057-AF5A-A6A231887572}" dt="2022-04-17T19:32:58.795" v="2363" actId="1076"/>
+          <ac:spMkLst>
+            <pc:docMk/>
+            <pc:sldMk cId="933807054" sldId="270"/>
+            <ac:spMk id="31" creationId="{643F0A65-6E0E-49A5-A178-6B1F33B35051}"/>
+          </ac:spMkLst>
+        </pc:spChg>
+        <pc:spChg chg="del">
+          <ac:chgData name="Michael Neuhaus" userId="c40c4f6d-4879-45f0-ab21-9527e4a3c0bd" providerId="ADAL" clId="{21F8B5DC-EEBF-4057-AF5A-A6A231887572}" dt="2022-04-17T19:32:53.994" v="2360" actId="478"/>
+          <ac:spMkLst>
+            <pc:docMk/>
+            <pc:sldMk cId="933807054" sldId="270"/>
+            <ac:spMk id="32" creationId="{F44D1926-7244-45A3-9497-840423FE7659}"/>
+          </ac:spMkLst>
+        </pc:spChg>
+        <pc:spChg chg="del">
+          <ac:chgData name="Michael Neuhaus" userId="c40c4f6d-4879-45f0-ab21-9527e4a3c0bd" providerId="ADAL" clId="{21F8B5DC-EEBF-4057-AF5A-A6A231887572}" dt="2022-04-17T19:32:54.531" v="2361" actId="478"/>
+          <ac:spMkLst>
+            <pc:docMk/>
+            <pc:sldMk cId="933807054" sldId="270"/>
+            <ac:spMk id="36" creationId="{84B95A00-7F61-44B4-9BD6-DBDD53F4728D}"/>
+          </ac:spMkLst>
+        </pc:spChg>
+        <pc:picChg chg="add mod">
+          <ac:chgData name="Michael Neuhaus" userId="c40c4f6d-4879-45f0-ab21-9527e4a3c0bd" providerId="ADAL" clId="{21F8B5DC-EEBF-4057-AF5A-A6A231887572}" dt="2022-04-17T19:34:03.943" v="2373" actId="1076"/>
+          <ac:picMkLst>
+            <pc:docMk/>
+            <pc:sldMk cId="933807054" sldId="270"/>
+            <ac:picMk id="33" creationId="{A2EBA6BD-875B-4BE6-BADD-BD823C576551}"/>
+          </ac:picMkLst>
+        </pc:picChg>
+        <pc:picChg chg="del">
+          <ac:chgData name="Michael Neuhaus" userId="c40c4f6d-4879-45f0-ab21-9527e4a3c0bd" providerId="ADAL" clId="{21F8B5DC-EEBF-4057-AF5A-A6A231887572}" dt="2022-04-17T19:33:58.908" v="2372" actId="478"/>
+          <ac:picMkLst>
+            <pc:docMk/>
+            <pc:sldMk cId="933807054" sldId="270"/>
+            <ac:picMk id="62" creationId="{F0D201B8-943D-4A47-ABB1-4BF39B067E8D}"/>
           </ac:picMkLst>
         </pc:picChg>
       </pc:sldChg>
@@ -3395,7 +3603,7 @@
           <a:p>
             <a:fld id="{CA891704-1070-4DA0-AF41-BAD92E35CE8D}" type="datetimeFigureOut">
               <a:rPr lang="de-CH" smtClean="0"/>
-              <a:t>16.04.2022</a:t>
+              <a:t>17.04.2022</a:t>
             </a:fld>
             <a:endParaRPr lang="de-CH"/>
           </a:p>
@@ -3565,7 +3773,7 @@
           <a:p>
             <a:fld id="{CA891704-1070-4DA0-AF41-BAD92E35CE8D}" type="datetimeFigureOut">
               <a:rPr lang="de-CH" smtClean="0"/>
-              <a:t>16.04.2022</a:t>
+              <a:t>17.04.2022</a:t>
             </a:fld>
             <a:endParaRPr lang="de-CH"/>
           </a:p>
@@ -3745,7 +3953,7 @@
           <a:p>
             <a:fld id="{CA891704-1070-4DA0-AF41-BAD92E35CE8D}" type="datetimeFigureOut">
               <a:rPr lang="de-CH" smtClean="0"/>
-              <a:t>16.04.2022</a:t>
+              <a:t>17.04.2022</a:t>
             </a:fld>
             <a:endParaRPr lang="de-CH"/>
           </a:p>
@@ -3915,7 +4123,7 @@
           <a:p>
             <a:fld id="{CA891704-1070-4DA0-AF41-BAD92E35CE8D}" type="datetimeFigureOut">
               <a:rPr lang="de-CH" smtClean="0"/>
-              <a:t>16.04.2022</a:t>
+              <a:t>17.04.2022</a:t>
             </a:fld>
             <a:endParaRPr lang="de-CH"/>
           </a:p>
@@ -4159,7 +4367,7 @@
           <a:p>
             <a:fld id="{CA891704-1070-4DA0-AF41-BAD92E35CE8D}" type="datetimeFigureOut">
               <a:rPr lang="de-CH" smtClean="0"/>
-              <a:t>16.04.2022</a:t>
+              <a:t>17.04.2022</a:t>
             </a:fld>
             <a:endParaRPr lang="de-CH"/>
           </a:p>
@@ -4391,7 +4599,7 @@
           <a:p>
             <a:fld id="{CA891704-1070-4DA0-AF41-BAD92E35CE8D}" type="datetimeFigureOut">
               <a:rPr lang="de-CH" smtClean="0"/>
-              <a:t>16.04.2022</a:t>
+              <a:t>17.04.2022</a:t>
             </a:fld>
             <a:endParaRPr lang="de-CH"/>
           </a:p>
@@ -4758,7 +4966,7 @@
           <a:p>
             <a:fld id="{CA891704-1070-4DA0-AF41-BAD92E35CE8D}" type="datetimeFigureOut">
               <a:rPr lang="de-CH" smtClean="0"/>
-              <a:t>16.04.2022</a:t>
+              <a:t>17.04.2022</a:t>
             </a:fld>
             <a:endParaRPr lang="de-CH"/>
           </a:p>
@@ -4876,7 +5084,7 @@
           <a:p>
             <a:fld id="{CA891704-1070-4DA0-AF41-BAD92E35CE8D}" type="datetimeFigureOut">
               <a:rPr lang="de-CH" smtClean="0"/>
-              <a:t>16.04.2022</a:t>
+              <a:t>17.04.2022</a:t>
             </a:fld>
             <a:endParaRPr lang="de-CH"/>
           </a:p>
@@ -4971,7 +5179,7 @@
           <a:p>
             <a:fld id="{CA891704-1070-4DA0-AF41-BAD92E35CE8D}" type="datetimeFigureOut">
               <a:rPr lang="de-CH" smtClean="0"/>
-              <a:t>16.04.2022</a:t>
+              <a:t>17.04.2022</a:t>
             </a:fld>
             <a:endParaRPr lang="de-CH"/>
           </a:p>
@@ -5248,7 +5456,7 @@
           <a:p>
             <a:fld id="{CA891704-1070-4DA0-AF41-BAD92E35CE8D}" type="datetimeFigureOut">
               <a:rPr lang="de-CH" smtClean="0"/>
-              <a:t>16.04.2022</a:t>
+              <a:t>17.04.2022</a:t>
             </a:fld>
             <a:endParaRPr lang="de-CH"/>
           </a:p>
@@ -5505,7 +5713,7 @@
           <a:p>
             <a:fld id="{CA891704-1070-4DA0-AF41-BAD92E35CE8D}" type="datetimeFigureOut">
               <a:rPr lang="de-CH" smtClean="0"/>
-              <a:t>16.04.2022</a:t>
+              <a:t>17.04.2022</a:t>
             </a:fld>
             <a:endParaRPr lang="de-CH"/>
           </a:p>
@@ -5718,7 +5926,7 @@
           <a:p>
             <a:fld id="{CA891704-1070-4DA0-AF41-BAD92E35CE8D}" type="datetimeFigureOut">
               <a:rPr lang="de-CH" smtClean="0"/>
-              <a:t>16.04.2022</a:t>
+              <a:t>17.04.2022</a:t>
             </a:fld>
             <a:endParaRPr lang="de-CH"/>
           </a:p>
@@ -7457,7 +7665,7 @@
         </p:blipFill>
         <p:spPr>
           <a:xfrm>
-            <a:off x="2138897" y="94993"/>
+            <a:off x="2144797" y="94993"/>
             <a:ext cx="281939" cy="375918"/>
           </a:xfrm>
           <a:prstGeom prst="rect">
@@ -7496,7 +7704,7 @@
         </p:blipFill>
         <p:spPr>
           <a:xfrm>
-            <a:off x="728585" y="94993"/>
+            <a:off x="734485" y="94993"/>
             <a:ext cx="469898" cy="375918"/>
           </a:xfrm>
           <a:prstGeom prst="rect">
@@ -7518,7 +7726,7 @@
         </p:nvSpPr>
         <p:spPr>
           <a:xfrm>
-            <a:off x="700060" y="498781"/>
+            <a:off x="705960" y="498781"/>
             <a:ext cx="671884" cy="253916"/>
           </a:xfrm>
           <a:prstGeom prst="rect">
@@ -7561,7 +7769,7 @@
         </p:nvSpPr>
         <p:spPr>
           <a:xfrm>
-            <a:off x="1958463" y="484959"/>
+            <a:off x="1964363" y="484959"/>
             <a:ext cx="728821" cy="265457"/>
           </a:xfrm>
           <a:prstGeom prst="rect">
@@ -7625,7 +7833,7 @@
         </p:blipFill>
         <p:spPr>
           <a:xfrm>
-            <a:off x="2789747" y="94992"/>
+            <a:off x="2795647" y="94992"/>
             <a:ext cx="281939" cy="375918"/>
           </a:xfrm>
           <a:prstGeom prst="rect">
@@ -7647,7 +7855,7 @@
         </p:nvSpPr>
         <p:spPr>
           <a:xfrm>
-            <a:off x="2659257" y="484958"/>
+            <a:off x="2665157" y="484958"/>
             <a:ext cx="728821" cy="253916"/>
           </a:xfrm>
           <a:prstGeom prst="rect">
@@ -7715,7 +7923,7 @@
         </p:blipFill>
         <p:spPr>
           <a:xfrm>
-            <a:off x="1454723" y="67926"/>
+            <a:off x="1460623" y="67926"/>
             <a:ext cx="364904" cy="417032"/>
           </a:xfrm>
           <a:prstGeom prst="rect">
@@ -7737,7 +7945,7 @@
         </p:nvSpPr>
         <p:spPr>
           <a:xfrm>
-            <a:off x="1272765" y="484275"/>
+            <a:off x="1278665" y="484275"/>
             <a:ext cx="728821" cy="265457"/>
           </a:xfrm>
           <a:prstGeom prst="rect">
@@ -7862,7 +8070,7 @@
         </p:nvSpPr>
         <p:spPr>
           <a:xfrm>
-            <a:off x="4936704" y="1187920"/>
+            <a:off x="4936704" y="1168870"/>
             <a:ext cx="2041736" cy="300082"/>
           </a:xfrm>
           <a:prstGeom prst="rect">
@@ -7878,7 +8086,7 @@
           <a:p>
             <a:r>
               <a:rPr lang="de-CH" sz="1350" dirty="0"/>
-              <a:t>Konto XY</a:t>
+              <a:t>Konten</a:t>
             </a:r>
           </a:p>
         </p:txBody>
@@ -7914,7 +8122,7 @@
         </p:blipFill>
         <p:spPr>
           <a:xfrm>
-            <a:off x="3496810" y="94993"/>
+            <a:off x="3502710" y="94993"/>
             <a:ext cx="430010" cy="344008"/>
           </a:xfrm>
           <a:prstGeom prst="rect">
@@ -7936,7 +8144,7 @@
         </p:nvSpPr>
         <p:spPr>
           <a:xfrm>
-            <a:off x="3491764" y="457477"/>
+            <a:off x="3497664" y="457477"/>
             <a:ext cx="601337" cy="253916"/>
           </a:xfrm>
           <a:prstGeom prst="rect">
@@ -8005,10 +8213,10 @@
       </p:pic>
       <p:sp>
         <p:nvSpPr>
-          <p:cNvPr id="27" name="Textfeld 26">
-            <a:extLst>
-              <a:ext uri="{FF2B5EF4-FFF2-40B4-BE49-F238E27FC236}">
-                <a16:creationId xmlns:a16="http://schemas.microsoft.com/office/drawing/2014/main" id="{8E8D169A-BC7C-44A6-B126-7707269E1D9C}"/>
+          <p:cNvPr id="25" name="Textfeld 24">
+            <a:extLst>
+              <a:ext uri="{FF2B5EF4-FFF2-40B4-BE49-F238E27FC236}">
+                <a16:creationId xmlns:a16="http://schemas.microsoft.com/office/drawing/2014/main" id="{B2B8AC30-F7A0-4543-8D89-C1B2AA077417}"/>
               </a:ext>
             </a:extLst>
           </p:cNvPr>
@@ -8017,7 +8225,7 @@
         </p:nvSpPr>
         <p:spPr>
           <a:xfrm>
-            <a:off x="37416" y="1729417"/>
+            <a:off x="30626" y="944587"/>
             <a:ext cx="1534772" cy="300082"/>
           </a:xfrm>
           <a:prstGeom prst="rect">
@@ -8042,17 +8250,135 @@
           <a:p>
             <a:r>
               <a:rPr lang="de-CH" sz="1350" dirty="0"/>
-              <a:t>Zahlung verbuchen</a:t>
-            </a:r>
-          </a:p>
-        </p:txBody>
-      </p:sp>
-      <p:sp>
-        <p:nvSpPr>
-          <p:cNvPr id="29" name="Textfeld 28">
-            <a:extLst>
-              <a:ext uri="{FF2B5EF4-FFF2-40B4-BE49-F238E27FC236}">
-                <a16:creationId xmlns:a16="http://schemas.microsoft.com/office/drawing/2014/main" id="{A03FAD2A-C634-4D1E-9536-4A5B7009D658}"/>
+              <a:t>Neues Konto</a:t>
+            </a:r>
+          </a:p>
+        </p:txBody>
+      </p:sp>
+      <p:sp>
+        <p:nvSpPr>
+          <p:cNvPr id="28" name="Rechteck 27">
+            <a:extLst>
+              <a:ext uri="{FF2B5EF4-FFF2-40B4-BE49-F238E27FC236}">
+                <a16:creationId xmlns:a16="http://schemas.microsoft.com/office/drawing/2014/main" id="{7E541742-5993-4BBD-B913-8FB4A3E1C5ED}"/>
+              </a:ext>
+            </a:extLst>
+          </p:cNvPr>
+          <p:cNvSpPr/>
+          <p:nvPr/>
+        </p:nvSpPr>
+        <p:spPr>
+          <a:xfrm>
+            <a:off x="4936704" y="1891314"/>
+            <a:ext cx="1429907" cy="1224395"/>
+          </a:xfrm>
+          <a:prstGeom prst="rect">
+            <a:avLst/>
+          </a:prstGeom>
+          <a:ln>
+            <a:solidFill>
+              <a:schemeClr val="tx1"/>
+            </a:solidFill>
+          </a:ln>
+        </p:spPr>
+        <p:style>
+          <a:lnRef idx="2">
+            <a:schemeClr val="accent6"/>
+          </a:lnRef>
+          <a:fillRef idx="1">
+            <a:schemeClr val="lt1"/>
+          </a:fillRef>
+          <a:effectRef idx="0">
+            <a:schemeClr val="accent6"/>
+          </a:effectRef>
+          <a:fontRef idx="minor">
+            <a:schemeClr val="dk1"/>
+          </a:fontRef>
+        </p:style>
+        <p:txBody>
+          <a:bodyPr rtlCol="0" anchor="ctr"/>
+          <a:lstStyle/>
+          <a:p>
+            <a:pPr algn="ctr"/>
+            <a:r>
+              <a:rPr lang="de-DE" sz="1200" dirty="0"/>
+              <a:t>Konto 1</a:t>
+            </a:r>
+          </a:p>
+          <a:p>
+            <a:pPr algn="ctr"/>
+            <a:r>
+              <a:rPr lang="de-DE" sz="1200" dirty="0"/>
+              <a:t>Kontonummer</a:t>
+            </a:r>
+          </a:p>
+        </p:txBody>
+      </p:sp>
+      <p:sp>
+        <p:nvSpPr>
+          <p:cNvPr id="31" name="Rechteck 30">
+            <a:extLst>
+              <a:ext uri="{FF2B5EF4-FFF2-40B4-BE49-F238E27FC236}">
+                <a16:creationId xmlns:a16="http://schemas.microsoft.com/office/drawing/2014/main" id="{515F3675-4B55-4C85-9E14-3086C3BB3902}"/>
+              </a:ext>
+            </a:extLst>
+          </p:cNvPr>
+          <p:cNvSpPr/>
+          <p:nvPr/>
+        </p:nvSpPr>
+        <p:spPr>
+          <a:xfrm>
+            <a:off x="4936704" y="3429000"/>
+            <a:ext cx="1429907" cy="1224395"/>
+          </a:xfrm>
+          <a:prstGeom prst="rect">
+            <a:avLst/>
+          </a:prstGeom>
+          <a:ln>
+            <a:solidFill>
+              <a:schemeClr val="tx1"/>
+            </a:solidFill>
+          </a:ln>
+        </p:spPr>
+        <p:style>
+          <a:lnRef idx="2">
+            <a:schemeClr val="accent6"/>
+          </a:lnRef>
+          <a:fillRef idx="1">
+            <a:schemeClr val="lt1"/>
+          </a:fillRef>
+          <a:effectRef idx="0">
+            <a:schemeClr val="accent6"/>
+          </a:effectRef>
+          <a:fontRef idx="minor">
+            <a:schemeClr val="dk1"/>
+          </a:fontRef>
+        </p:style>
+        <p:txBody>
+          <a:bodyPr rtlCol="0" anchor="ctr"/>
+          <a:lstStyle/>
+          <a:p>
+            <a:pPr algn="ctr"/>
+            <a:r>
+              <a:rPr lang="de-DE" sz="1200" dirty="0"/>
+              <a:t>Konto 2</a:t>
+            </a:r>
+          </a:p>
+          <a:p>
+            <a:pPr algn="ctr"/>
+            <a:r>
+              <a:rPr lang="de-DE" sz="1200" dirty="0"/>
+              <a:t>Kontonummer</a:t>
+            </a:r>
+          </a:p>
+        </p:txBody>
+      </p:sp>
+      <p:sp>
+        <p:nvSpPr>
+          <p:cNvPr id="26" name="Textfeld 25">
+            <a:extLst>
+              <a:ext uri="{FF2B5EF4-FFF2-40B4-BE49-F238E27FC236}">
+                <a16:creationId xmlns:a16="http://schemas.microsoft.com/office/drawing/2014/main" id="{67605AE3-8063-49E3-B4D6-89CDFD064CCA}"/>
               </a:ext>
             </a:extLst>
           </p:cNvPr>
@@ -8061,42 +8387,7 @@
         </p:nvSpPr>
         <p:spPr>
           <a:xfrm>
-            <a:off x="4936704" y="1943570"/>
-            <a:ext cx="2041736" cy="507831"/>
-          </a:xfrm>
-          <a:prstGeom prst="rect">
-            <a:avLst/>
-          </a:prstGeom>
-          <a:noFill/>
-        </p:spPr>
-        <p:txBody>
-          <a:bodyPr wrap="square" rtlCol="0">
-            <a:spAutoFit/>
-          </a:bodyPr>
-          <a:lstStyle/>
-          <a:p>
-            <a:r>
-              <a:rPr lang="de-CH" sz="1350" dirty="0"/>
-              <a:t>Neue Zahlung verbuchen, Daten eingeben</a:t>
-            </a:r>
-          </a:p>
-        </p:txBody>
-      </p:sp>
-      <p:sp>
-        <p:nvSpPr>
-          <p:cNvPr id="32" name="Textfeld 31">
-            <a:extLst>
-              <a:ext uri="{FF2B5EF4-FFF2-40B4-BE49-F238E27FC236}">
-                <a16:creationId xmlns:a16="http://schemas.microsoft.com/office/drawing/2014/main" id="{B4BBD773-5F44-4746-A1A2-59237F7C21AE}"/>
-              </a:ext>
-            </a:extLst>
-          </p:cNvPr>
-          <p:cNvSpPr txBox="1"/>
-          <p:nvPr/>
-        </p:nvSpPr>
-        <p:spPr>
-          <a:xfrm>
-            <a:off x="7223908" y="6042772"/>
+            <a:off x="21094" y="2608571"/>
             <a:ext cx="1534772" cy="300082"/>
           </a:xfrm>
           <a:prstGeom prst="rect">
@@ -8121,7 +8412,1033 @@
           <a:p>
             <a:r>
               <a:rPr lang="de-CH" sz="1350" dirty="0"/>
+              <a:t>Bearbeiten</a:t>
+            </a:r>
+          </a:p>
+        </p:txBody>
+      </p:sp>
+    </p:spTree>
+    <p:extLst>
+      <p:ext uri="{BB962C8B-B14F-4D97-AF65-F5344CB8AC3E}">
+        <p14:creationId xmlns:p14="http://schemas.microsoft.com/office/powerpoint/2010/main" val="1457593655"/>
+      </p:ext>
+    </p:extLst>
+  </p:cSld>
+  <p:clrMapOvr>
+    <a:masterClrMapping/>
+  </p:clrMapOvr>
+</p:sld>
+</file>
+
+<file path=ppt/slides/slide11.xml><?xml version="1.0" encoding="utf-8"?>
+<p:sld xmlns:a="http://schemas.openxmlformats.org/drawingml/2006/main" xmlns:r="http://schemas.openxmlformats.org/officeDocument/2006/relationships" xmlns:p="http://schemas.openxmlformats.org/presentationml/2006/main">
+  <p:cSld>
+    <p:spTree>
+      <p:nvGrpSpPr>
+        <p:cNvPr id="1" name=""/>
+        <p:cNvGrpSpPr/>
+        <p:nvPr/>
+      </p:nvGrpSpPr>
+      <p:grpSpPr>
+        <a:xfrm>
+          <a:off x="0" y="0"/>
+          <a:ext cx="0" cy="0"/>
+          <a:chOff x="0" y="0"/>
+          <a:chExt cx="0" cy="0"/>
+        </a:xfrm>
+      </p:grpSpPr>
+      <p:sp>
+        <p:nvSpPr>
+          <p:cNvPr id="2" name="Textfeld 1">
+            <a:extLst>
+              <a:ext uri="{FF2B5EF4-FFF2-40B4-BE49-F238E27FC236}">
+                <a16:creationId xmlns:a16="http://schemas.microsoft.com/office/drawing/2014/main" id="{79D76DF4-5EB2-4D19-AA0C-EF305E9D5AD5}"/>
+              </a:ext>
+            </a:extLst>
+          </p:cNvPr>
+          <p:cNvSpPr txBox="1"/>
+          <p:nvPr/>
+        </p:nvSpPr>
+        <p:spPr>
+          <a:xfrm>
+            <a:off x="30626" y="0"/>
+            <a:ext cx="9144000" cy="784830"/>
+          </a:xfrm>
+          <a:prstGeom prst="rect">
+            <a:avLst/>
+          </a:prstGeom>
+          <a:solidFill>
+            <a:schemeClr val="bg1">
+              <a:lumMod val="95000"/>
+            </a:schemeClr>
+          </a:solidFill>
+          <a:effectLst>
+            <a:outerShdw blurRad="50800" dist="38100" dir="2700000" algn="tl" rotWithShape="0">
+              <a:prstClr val="black">
+                <a:alpha val="40000"/>
+              </a:prstClr>
+            </a:outerShdw>
+          </a:effectLst>
+        </p:spPr>
+        <p:txBody>
+          <a:bodyPr wrap="square" rtlCol="0">
+            <a:spAutoFit/>
+          </a:bodyPr>
+          <a:lstStyle/>
+          <a:p>
+            <a:endParaRPr lang="de-CH" sz="4500" dirty="0"/>
+          </a:p>
+        </p:txBody>
+      </p:sp>
+      <p:sp>
+        <p:nvSpPr>
+          <p:cNvPr id="5" name="Textfeld 4">
+            <a:extLst>
+              <a:ext uri="{FF2B5EF4-FFF2-40B4-BE49-F238E27FC236}">
+                <a16:creationId xmlns:a16="http://schemas.microsoft.com/office/drawing/2014/main" id="{0C4E161B-806C-CC4A-8D3A-E9327C8D6DFB}"/>
+              </a:ext>
+            </a:extLst>
+          </p:cNvPr>
+          <p:cNvSpPr txBox="1"/>
+          <p:nvPr/>
+        </p:nvSpPr>
+        <p:spPr>
+          <a:xfrm>
+            <a:off x="8887120" y="18797"/>
+            <a:ext cx="256880" cy="300082"/>
+          </a:xfrm>
+          <a:prstGeom prst="rect">
+            <a:avLst/>
+          </a:prstGeom>
+          <a:noFill/>
+          <a:ln>
+            <a:noFill/>
+          </a:ln>
+        </p:spPr>
+        <p:txBody>
+          <a:bodyPr wrap="square" rtlCol="0">
+            <a:spAutoFit/>
+          </a:bodyPr>
+          <a:lstStyle/>
+          <a:p>
+            <a:r>
+              <a:rPr lang="de-DE" sz="1350" dirty="0"/>
+              <a:t>X</a:t>
+            </a:r>
+          </a:p>
+        </p:txBody>
+      </p:sp>
+      <p:sp>
+        <p:nvSpPr>
+          <p:cNvPr id="7" name="Textfeld 6">
+            <a:extLst>
+              <a:ext uri="{FF2B5EF4-FFF2-40B4-BE49-F238E27FC236}">
+                <a16:creationId xmlns:a16="http://schemas.microsoft.com/office/drawing/2014/main" id="{86D3570E-730D-734D-BAB1-E0611E613305}"/>
+              </a:ext>
+            </a:extLst>
+          </p:cNvPr>
+          <p:cNvSpPr txBox="1"/>
+          <p:nvPr/>
+        </p:nvSpPr>
+        <p:spPr>
+          <a:xfrm>
+            <a:off x="8373360" y="18797"/>
+            <a:ext cx="256880" cy="300082"/>
+          </a:xfrm>
+          <a:prstGeom prst="rect">
+            <a:avLst/>
+          </a:prstGeom>
+          <a:noFill/>
+          <a:ln>
+            <a:noFill/>
+          </a:ln>
+        </p:spPr>
+        <p:txBody>
+          <a:bodyPr wrap="square" rtlCol="0">
+            <a:spAutoFit/>
+          </a:bodyPr>
+          <a:lstStyle/>
+          <a:p>
+            <a:r>
+              <a:rPr lang="de-DE" sz="1350"/>
+              <a:t>_</a:t>
+            </a:r>
+          </a:p>
+        </p:txBody>
+      </p:sp>
+      <p:sp>
+        <p:nvSpPr>
+          <p:cNvPr id="8" name="Rechteck 7">
+            <a:extLst>
+              <a:ext uri="{FF2B5EF4-FFF2-40B4-BE49-F238E27FC236}">
+                <a16:creationId xmlns:a16="http://schemas.microsoft.com/office/drawing/2014/main" id="{FB701751-FD63-514B-8569-F3D2A6C90226}"/>
+              </a:ext>
+            </a:extLst>
+          </p:cNvPr>
+          <p:cNvSpPr/>
+          <p:nvPr/>
+        </p:nvSpPr>
+        <p:spPr>
+          <a:xfrm>
+            <a:off x="8654986" y="82428"/>
+            <a:ext cx="207389" cy="213368"/>
+          </a:xfrm>
+          <a:prstGeom prst="rect">
+            <a:avLst/>
+          </a:prstGeom>
+          <a:noFill/>
+        </p:spPr>
+        <p:style>
+          <a:lnRef idx="2">
+            <a:schemeClr val="accent1">
+              <a:shade val="50000"/>
+            </a:schemeClr>
+          </a:lnRef>
+          <a:fillRef idx="1">
+            <a:schemeClr val="accent1"/>
+          </a:fillRef>
+          <a:effectRef idx="0">
+            <a:schemeClr val="accent1"/>
+          </a:effectRef>
+          <a:fontRef idx="minor">
+            <a:schemeClr val="lt1"/>
+          </a:fontRef>
+        </p:style>
+        <p:txBody>
+          <a:bodyPr rtlCol="0" anchor="ctr"/>
+          <a:lstStyle/>
+          <a:p>
+            <a:pPr algn="ctr"/>
+            <a:endParaRPr lang="de-DE" sz="1350"/>
+          </a:p>
+        </p:txBody>
+      </p:sp>
+      <p:pic>
+        <p:nvPicPr>
+          <p:cNvPr id="34" name="Grafik 33">
+            <a:extLst>
+              <a:ext uri="{FF2B5EF4-FFF2-40B4-BE49-F238E27FC236}">
+                <a16:creationId xmlns:a16="http://schemas.microsoft.com/office/drawing/2014/main" id="{FDFC208C-E010-4A66-89C5-F9DAA24AFA0B}"/>
+              </a:ext>
+            </a:extLst>
+          </p:cNvPr>
+          <p:cNvPicPr>
+            <a:picLocks noChangeAspect="1"/>
+          </p:cNvPicPr>
+          <p:nvPr/>
+        </p:nvPicPr>
+        <p:blipFill>
+          <a:blip r:embed="rId2">
+            <a:extLst>
+              <a:ext uri="{28A0092B-C50C-407E-A947-70E740481C1C}">
+                <a14:useLocalDpi xmlns:a14="http://schemas.microsoft.com/office/drawing/2010/main" val="0"/>
+              </a:ext>
+              <a:ext uri="{96DAC541-7B7A-43D3-8B79-37D633B846F1}">
+                <asvg:svgBlip xmlns:asvg="http://schemas.microsoft.com/office/drawing/2016/SVG/main" r:embed="rId3"/>
+              </a:ext>
+            </a:extLst>
+          </a:blip>
+          <a:stretch>
+            <a:fillRect/>
+          </a:stretch>
+        </p:blipFill>
+        <p:spPr>
+          <a:xfrm>
+            <a:off x="256591" y="94992"/>
+            <a:ext cx="283151" cy="377534"/>
+          </a:xfrm>
+          <a:prstGeom prst="rect">
+            <a:avLst/>
+          </a:prstGeom>
+        </p:spPr>
+      </p:pic>
+      <p:sp>
+        <p:nvSpPr>
+          <p:cNvPr id="57" name="Textfeld 56">
+            <a:extLst>
+              <a:ext uri="{FF2B5EF4-FFF2-40B4-BE49-F238E27FC236}">
+                <a16:creationId xmlns:a16="http://schemas.microsoft.com/office/drawing/2014/main" id="{4B2952E7-70FC-44FE-A94C-81EF62FF2DFC}"/>
+              </a:ext>
+            </a:extLst>
+          </p:cNvPr>
+          <p:cNvSpPr txBox="1"/>
+          <p:nvPr/>
+        </p:nvSpPr>
+        <p:spPr>
+          <a:xfrm>
+            <a:off x="102713" y="484959"/>
+            <a:ext cx="740156" cy="265457"/>
+          </a:xfrm>
+          <a:prstGeom prst="rect">
+            <a:avLst/>
+          </a:prstGeom>
+          <a:noFill/>
+        </p:spPr>
+        <p:txBody>
+          <a:bodyPr wrap="square" rtlCol="0">
+            <a:spAutoFit/>
+          </a:bodyPr>
+          <a:lstStyle/>
+          <a:p>
+            <a:r>
+              <a:rPr lang="de-CH" sz="750" dirty="0"/>
+              <a:t>Liegenschaft</a:t>
+            </a:r>
+            <a:br>
+              <a:rPr lang="de-CH" sz="750" dirty="0"/>
+            </a:br>
+            <a:r>
+              <a:rPr lang="de-CH" sz="375" dirty="0" err="1"/>
+              <a:t>building</a:t>
+            </a:r>
+            <a:r>
+              <a:rPr lang="de-CH" sz="375" dirty="0"/>
+              <a:t> (fa6)</a:t>
+            </a:r>
+            <a:endParaRPr lang="de-CH" sz="750" dirty="0"/>
+          </a:p>
+        </p:txBody>
+      </p:sp>
+      <p:pic>
+        <p:nvPicPr>
+          <p:cNvPr id="60" name="Grafik 59">
+            <a:extLst>
+              <a:ext uri="{FF2B5EF4-FFF2-40B4-BE49-F238E27FC236}">
+                <a16:creationId xmlns:a16="http://schemas.microsoft.com/office/drawing/2014/main" id="{DF053CFD-830D-482C-9C41-3DABBFC37B46}"/>
+              </a:ext>
+            </a:extLst>
+          </p:cNvPr>
+          <p:cNvPicPr>
+            <a:picLocks noChangeAspect="1"/>
+          </p:cNvPicPr>
+          <p:nvPr/>
+        </p:nvPicPr>
+        <p:blipFill>
+          <a:blip r:embed="rId4">
+            <a:extLst>
+              <a:ext uri="{28A0092B-C50C-407E-A947-70E740481C1C}">
+                <a14:useLocalDpi xmlns:a14="http://schemas.microsoft.com/office/drawing/2010/main" val="0"/>
+              </a:ext>
+              <a:ext uri="{96DAC541-7B7A-43D3-8B79-37D633B846F1}">
+                <asvg:svgBlip xmlns:asvg="http://schemas.microsoft.com/office/drawing/2016/SVG/main" r:embed="rId5"/>
+              </a:ext>
+            </a:extLst>
+          </a:blip>
+          <a:stretch>
+            <a:fillRect/>
+          </a:stretch>
+        </p:blipFill>
+        <p:spPr>
+          <a:xfrm>
+            <a:off x="2138897" y="94993"/>
+            <a:ext cx="281939" cy="375918"/>
+          </a:xfrm>
+          <a:prstGeom prst="rect">
+            <a:avLst/>
+          </a:prstGeom>
+        </p:spPr>
+      </p:pic>
+      <p:pic>
+        <p:nvPicPr>
+          <p:cNvPr id="62" name="Grafik 61">
+            <a:extLst>
+              <a:ext uri="{FF2B5EF4-FFF2-40B4-BE49-F238E27FC236}">
+                <a16:creationId xmlns:a16="http://schemas.microsoft.com/office/drawing/2014/main" id="{F0D201B8-943D-4A47-ABB1-4BF39B067E8D}"/>
+              </a:ext>
+            </a:extLst>
+          </p:cNvPr>
+          <p:cNvPicPr>
+            <a:picLocks noChangeAspect="1"/>
+          </p:cNvPicPr>
+          <p:nvPr/>
+        </p:nvPicPr>
+        <p:blipFill>
+          <a:blip r:embed="rId6">
+            <a:extLst>
+              <a:ext uri="{28A0092B-C50C-407E-A947-70E740481C1C}">
+                <a14:useLocalDpi xmlns:a14="http://schemas.microsoft.com/office/drawing/2010/main" val="0"/>
+              </a:ext>
+              <a:ext uri="{96DAC541-7B7A-43D3-8B79-37D633B846F1}">
+                <asvg:svgBlip xmlns:asvg="http://schemas.microsoft.com/office/drawing/2016/SVG/main" r:embed="rId7"/>
+              </a:ext>
+            </a:extLst>
+          </a:blip>
+          <a:stretch>
+            <a:fillRect/>
+          </a:stretch>
+        </p:blipFill>
+        <p:spPr>
+          <a:xfrm>
+            <a:off x="728585" y="94993"/>
+            <a:ext cx="469898" cy="375918"/>
+          </a:xfrm>
+          <a:prstGeom prst="rect">
+            <a:avLst/>
+          </a:prstGeom>
+        </p:spPr>
+      </p:pic>
+      <p:sp>
+        <p:nvSpPr>
+          <p:cNvPr id="65" name="Textfeld 64">
+            <a:extLst>
+              <a:ext uri="{FF2B5EF4-FFF2-40B4-BE49-F238E27FC236}">
+                <a16:creationId xmlns:a16="http://schemas.microsoft.com/office/drawing/2014/main" id="{ECCF88BE-1316-4D2F-A6DB-2C9FE9040A62}"/>
+              </a:ext>
+            </a:extLst>
+          </p:cNvPr>
+          <p:cNvSpPr txBox="1"/>
+          <p:nvPr/>
+        </p:nvSpPr>
+        <p:spPr>
+          <a:xfrm>
+            <a:off x="700060" y="498781"/>
+            <a:ext cx="671884" cy="253916"/>
+          </a:xfrm>
+          <a:prstGeom prst="rect">
+            <a:avLst/>
+          </a:prstGeom>
+          <a:noFill/>
+        </p:spPr>
+        <p:txBody>
+          <a:bodyPr wrap="square" rtlCol="0">
+            <a:spAutoFit/>
+          </a:bodyPr>
+          <a:lstStyle/>
+          <a:p>
+            <a:r>
+              <a:rPr lang="de-CH" sz="750" dirty="0"/>
+              <a:t>Mieter</a:t>
+            </a:r>
+            <a:br>
+              <a:rPr lang="de-CH" sz="750" dirty="0"/>
+            </a:br>
+            <a:r>
+              <a:rPr lang="de-CH" sz="300" dirty="0"/>
+              <a:t>user-tag</a:t>
+            </a:r>
+            <a:endParaRPr lang="de-CH" sz="750" dirty="0"/>
+          </a:p>
+        </p:txBody>
+      </p:sp>
+      <p:sp>
+        <p:nvSpPr>
+          <p:cNvPr id="66" name="Textfeld 65">
+            <a:extLst>
+              <a:ext uri="{FF2B5EF4-FFF2-40B4-BE49-F238E27FC236}">
+                <a16:creationId xmlns:a16="http://schemas.microsoft.com/office/drawing/2014/main" id="{7C2A1224-9653-4FEB-B039-573344A3E401}"/>
+              </a:ext>
+            </a:extLst>
+          </p:cNvPr>
+          <p:cNvSpPr txBox="1"/>
+          <p:nvPr/>
+        </p:nvSpPr>
+        <p:spPr>
+          <a:xfrm>
+            <a:off x="1958463" y="484959"/>
+            <a:ext cx="728821" cy="265457"/>
+          </a:xfrm>
+          <a:prstGeom prst="rect">
+            <a:avLst/>
+          </a:prstGeom>
+          <a:noFill/>
+        </p:spPr>
+        <p:txBody>
+          <a:bodyPr wrap="square" rtlCol="0">
+            <a:spAutoFit/>
+          </a:bodyPr>
+          <a:lstStyle/>
+          <a:p>
+            <a:r>
+              <a:rPr lang="de-CH" sz="750" dirty="0"/>
+              <a:t>Mietverträge</a:t>
+            </a:r>
+            <a:br>
+              <a:rPr lang="de-CH" sz="750" dirty="0"/>
+            </a:br>
+            <a:r>
+              <a:rPr lang="de-CH" sz="375" dirty="0"/>
+              <a:t>file-</a:t>
+            </a:r>
+            <a:r>
+              <a:rPr lang="de-CH" sz="375" dirty="0" err="1"/>
+              <a:t>contract</a:t>
+            </a:r>
+            <a:endParaRPr lang="de-CH" sz="750" dirty="0"/>
+          </a:p>
+        </p:txBody>
+      </p:sp>
+      <p:pic>
+        <p:nvPicPr>
+          <p:cNvPr id="70" name="Grafik 69">
+            <a:extLst>
+              <a:ext uri="{FF2B5EF4-FFF2-40B4-BE49-F238E27FC236}">
+                <a16:creationId xmlns:a16="http://schemas.microsoft.com/office/drawing/2014/main" id="{C796C772-CFBF-4DD2-ADC2-9C1E2F552336}"/>
+              </a:ext>
+            </a:extLst>
+          </p:cNvPr>
+          <p:cNvPicPr>
+            <a:picLocks noChangeAspect="1"/>
+          </p:cNvPicPr>
+          <p:nvPr/>
+        </p:nvPicPr>
+        <p:blipFill>
+          <a:blip r:embed="rId8">
+            <a:extLst>
+              <a:ext uri="{28A0092B-C50C-407E-A947-70E740481C1C}">
+                <a14:useLocalDpi xmlns:a14="http://schemas.microsoft.com/office/drawing/2010/main" val="0"/>
+              </a:ext>
+              <a:ext uri="{96DAC541-7B7A-43D3-8B79-37D633B846F1}">
+                <asvg:svgBlip xmlns:asvg="http://schemas.microsoft.com/office/drawing/2016/SVG/main" r:embed="rId9"/>
+              </a:ext>
+            </a:extLst>
+          </a:blip>
+          <a:stretch>
+            <a:fillRect/>
+          </a:stretch>
+        </p:blipFill>
+        <p:spPr>
+          <a:xfrm>
+            <a:off x="2789747" y="94992"/>
+            <a:ext cx="281939" cy="375918"/>
+          </a:xfrm>
+          <a:prstGeom prst="rect">
+            <a:avLst/>
+          </a:prstGeom>
+        </p:spPr>
+      </p:pic>
+      <p:sp>
+        <p:nvSpPr>
+          <p:cNvPr id="71" name="Textfeld 70">
+            <a:extLst>
+              <a:ext uri="{FF2B5EF4-FFF2-40B4-BE49-F238E27FC236}">
+                <a16:creationId xmlns:a16="http://schemas.microsoft.com/office/drawing/2014/main" id="{E63EA9B3-19F9-4DAD-AF96-08B93901E074}"/>
+              </a:ext>
+            </a:extLst>
+          </p:cNvPr>
+          <p:cNvSpPr txBox="1"/>
+          <p:nvPr/>
+        </p:nvSpPr>
+        <p:spPr>
+          <a:xfrm>
+            <a:off x="2659257" y="484958"/>
+            <a:ext cx="728821" cy="253916"/>
+          </a:xfrm>
+          <a:prstGeom prst="rect">
+            <a:avLst/>
+          </a:prstGeom>
+          <a:noFill/>
+        </p:spPr>
+        <p:txBody>
+          <a:bodyPr wrap="square" rtlCol="0">
+            <a:spAutoFit/>
+          </a:bodyPr>
+          <a:lstStyle/>
+          <a:p>
+            <a:r>
+              <a:rPr lang="de-CH" sz="750" dirty="0"/>
+              <a:t>Rechnungen</a:t>
+            </a:r>
+            <a:br>
+              <a:rPr lang="de-CH" sz="750" dirty="0"/>
+            </a:br>
+            <a:r>
+              <a:rPr lang="de-CH" sz="300" dirty="0"/>
+              <a:t>file-</a:t>
+            </a:r>
+            <a:r>
+              <a:rPr lang="de-CH" sz="300" dirty="0" err="1"/>
+              <a:t>invoice</a:t>
+            </a:r>
+            <a:r>
+              <a:rPr lang="de-CH" sz="300" dirty="0"/>
+              <a:t>-dollar</a:t>
+            </a:r>
+            <a:endParaRPr lang="de-CH" sz="750" dirty="0"/>
+          </a:p>
+        </p:txBody>
+      </p:sp>
+      <p:pic>
+        <p:nvPicPr>
+          <p:cNvPr id="73" name="Grafik 72">
+            <a:extLst>
+              <a:ext uri="{FF2B5EF4-FFF2-40B4-BE49-F238E27FC236}">
+                <a16:creationId xmlns:a16="http://schemas.microsoft.com/office/drawing/2014/main" id="{4D4542A2-F0A8-455F-901C-B19369D1F973}"/>
+              </a:ext>
+            </a:extLst>
+          </p:cNvPr>
+          <p:cNvPicPr>
+            <a:picLocks noChangeAspect="1"/>
+          </p:cNvPicPr>
+          <p:nvPr/>
+        </p:nvPicPr>
+        <p:blipFill>
+          <a:blip r:embed="rId10">
+            <a:extLst>
+              <a:ext uri="{28A0092B-C50C-407E-A947-70E740481C1C}">
+                <a14:useLocalDpi xmlns:a14="http://schemas.microsoft.com/office/drawing/2010/main" val="0"/>
+              </a:ext>
+              <a:ext uri="{96DAC541-7B7A-43D3-8B79-37D633B846F1}">
+                <asvg:svgBlip xmlns:asvg="http://schemas.microsoft.com/office/drawing/2016/SVG/main" r:embed="rId11"/>
+              </a:ext>
+            </a:extLst>
+          </a:blip>
+          <a:stretch>
+            <a:fillRect/>
+          </a:stretch>
+        </p:blipFill>
+        <p:spPr>
+          <a:xfrm>
+            <a:off x="1454723" y="67926"/>
+            <a:ext cx="364904" cy="417032"/>
+          </a:xfrm>
+          <a:prstGeom prst="rect">
+            <a:avLst/>
+          </a:prstGeom>
+        </p:spPr>
+      </p:pic>
+      <p:sp>
+        <p:nvSpPr>
+          <p:cNvPr id="74" name="Textfeld 73">
+            <a:extLst>
+              <a:ext uri="{FF2B5EF4-FFF2-40B4-BE49-F238E27FC236}">
+                <a16:creationId xmlns:a16="http://schemas.microsoft.com/office/drawing/2014/main" id="{A3F1D1A0-E7A9-4890-B450-D8145EA558CD}"/>
+              </a:ext>
+            </a:extLst>
+          </p:cNvPr>
+          <p:cNvSpPr txBox="1"/>
+          <p:nvPr/>
+        </p:nvSpPr>
+        <p:spPr>
+          <a:xfrm>
+            <a:off x="1272765" y="484275"/>
+            <a:ext cx="728821" cy="265457"/>
+          </a:xfrm>
+          <a:prstGeom prst="rect">
+            <a:avLst/>
+          </a:prstGeom>
+          <a:noFill/>
+        </p:spPr>
+        <p:txBody>
+          <a:bodyPr wrap="square" rtlCol="0">
+            <a:spAutoFit/>
+          </a:bodyPr>
+          <a:lstStyle/>
+          <a:p>
+            <a:r>
+              <a:rPr lang="de-CH" sz="750" dirty="0"/>
+              <a:t>Kreditoren</a:t>
+            </a:r>
+            <a:br>
+              <a:rPr lang="de-CH" sz="750" dirty="0"/>
+            </a:br>
+            <a:r>
+              <a:rPr lang="de-CH" sz="375" dirty="0"/>
+              <a:t>user-</a:t>
+            </a:r>
+            <a:r>
+              <a:rPr lang="de-CH" sz="375" dirty="0" err="1"/>
+              <a:t>tie</a:t>
+            </a:r>
+            <a:endParaRPr lang="de-CH" sz="750" dirty="0"/>
+          </a:p>
+        </p:txBody>
+      </p:sp>
+      <p:pic>
+        <p:nvPicPr>
+          <p:cNvPr id="4" name="Grafik 3">
+            <a:extLst>
+              <a:ext uri="{FF2B5EF4-FFF2-40B4-BE49-F238E27FC236}">
+                <a16:creationId xmlns:a16="http://schemas.microsoft.com/office/drawing/2014/main" id="{9406529B-509B-42B7-A142-FAE3A1F66B7D}"/>
+              </a:ext>
+            </a:extLst>
+          </p:cNvPr>
+          <p:cNvPicPr>
+            <a:picLocks noChangeAspect="1"/>
+          </p:cNvPicPr>
+          <p:nvPr/>
+        </p:nvPicPr>
+        <p:blipFill>
+          <a:blip r:embed="rId12">
+            <a:extLst>
+              <a:ext uri="{28A0092B-C50C-407E-A947-70E740481C1C}">
+                <a14:useLocalDpi xmlns:a14="http://schemas.microsoft.com/office/drawing/2010/main" val="0"/>
+              </a:ext>
+              <a:ext uri="{96DAC541-7B7A-43D3-8B79-37D633B846F1}">
+                <asvg:svgBlip xmlns:asvg="http://schemas.microsoft.com/office/drawing/2016/SVG/main" r:embed="rId13"/>
+              </a:ext>
+            </a:extLst>
+          </a:blip>
+          <a:stretch>
+            <a:fillRect/>
+          </a:stretch>
+        </p:blipFill>
+        <p:spPr>
+          <a:xfrm>
+            <a:off x="8452339" y="383783"/>
+            <a:ext cx="232311" cy="232311"/>
+          </a:xfrm>
+          <a:prstGeom prst="rect">
+            <a:avLst/>
+          </a:prstGeom>
+        </p:spPr>
+      </p:pic>
+      <p:sp>
+        <p:nvSpPr>
+          <p:cNvPr id="23" name="Textfeld 22">
+            <a:extLst>
+              <a:ext uri="{FF2B5EF4-FFF2-40B4-BE49-F238E27FC236}">
+                <a16:creationId xmlns:a16="http://schemas.microsoft.com/office/drawing/2014/main" id="{78E7674F-AC57-4480-BF2D-706CEBDBE8BC}"/>
+              </a:ext>
+            </a:extLst>
+          </p:cNvPr>
+          <p:cNvSpPr txBox="1"/>
+          <p:nvPr/>
+        </p:nvSpPr>
+        <p:spPr>
+          <a:xfrm>
+            <a:off x="8368317" y="584435"/>
+            <a:ext cx="523846" cy="138499"/>
+          </a:xfrm>
+          <a:prstGeom prst="rect">
+            <a:avLst/>
+          </a:prstGeom>
+          <a:noFill/>
+        </p:spPr>
+        <p:txBody>
+          <a:bodyPr wrap="square" rtlCol="0">
+            <a:spAutoFit/>
+          </a:bodyPr>
+          <a:lstStyle/>
+          <a:p>
+            <a:r>
+              <a:rPr lang="de-CH" sz="300" dirty="0" err="1"/>
+              <a:t>Sign</a:t>
+            </a:r>
+            <a:r>
+              <a:rPr lang="de-CH" sz="300" dirty="0"/>
+              <a:t>-out-alt</a:t>
+            </a:r>
+          </a:p>
+        </p:txBody>
+      </p:sp>
+      <p:sp>
+        <p:nvSpPr>
+          <p:cNvPr id="30" name="Textfeld 29">
+            <a:extLst>
+              <a:ext uri="{FF2B5EF4-FFF2-40B4-BE49-F238E27FC236}">
+                <a16:creationId xmlns:a16="http://schemas.microsoft.com/office/drawing/2014/main" id="{0B5B28E4-0027-41B1-A093-9ADDFE5393C4}"/>
+              </a:ext>
+            </a:extLst>
+          </p:cNvPr>
+          <p:cNvSpPr txBox="1"/>
+          <p:nvPr/>
+        </p:nvSpPr>
+        <p:spPr>
+          <a:xfrm>
+            <a:off x="4936704" y="1187920"/>
+            <a:ext cx="2041736" cy="300082"/>
+          </a:xfrm>
+          <a:prstGeom prst="rect">
+            <a:avLst/>
+          </a:prstGeom>
+          <a:noFill/>
+        </p:spPr>
+        <p:txBody>
+          <a:bodyPr wrap="square" rtlCol="0">
+            <a:spAutoFit/>
+          </a:bodyPr>
+          <a:lstStyle/>
+          <a:p>
+            <a:r>
+              <a:rPr lang="de-CH" sz="1350" dirty="0"/>
+              <a:t>Konto XY</a:t>
+            </a:r>
+          </a:p>
+        </p:txBody>
+      </p:sp>
+      <p:pic>
+        <p:nvPicPr>
+          <p:cNvPr id="9" name="Grafik 8">
+            <a:extLst>
+              <a:ext uri="{FF2B5EF4-FFF2-40B4-BE49-F238E27FC236}">
+                <a16:creationId xmlns:a16="http://schemas.microsoft.com/office/drawing/2014/main" id="{4A1AB0C7-8F83-489F-83B8-C68A854A2BDC}"/>
+              </a:ext>
+            </a:extLst>
+          </p:cNvPr>
+          <p:cNvPicPr>
+            <a:picLocks noChangeAspect="1"/>
+          </p:cNvPicPr>
+          <p:nvPr/>
+        </p:nvPicPr>
+        <p:blipFill>
+          <a:blip r:embed="rId14">
+            <a:extLst>
+              <a:ext uri="{28A0092B-C50C-407E-A947-70E740481C1C}">
+                <a14:useLocalDpi xmlns:a14="http://schemas.microsoft.com/office/drawing/2010/main" val="0"/>
+              </a:ext>
+              <a:ext uri="{96DAC541-7B7A-43D3-8B79-37D633B846F1}">
+                <asvg:svgBlip xmlns:asvg="http://schemas.microsoft.com/office/drawing/2016/SVG/main" r:embed="rId15"/>
+              </a:ext>
+            </a:extLst>
+          </a:blip>
+          <a:stretch>
+            <a:fillRect/>
+          </a:stretch>
+        </p:blipFill>
+        <p:spPr>
+          <a:xfrm>
+            <a:off x="3496810" y="94993"/>
+            <a:ext cx="430010" cy="344008"/>
+          </a:xfrm>
+          <a:prstGeom prst="rect">
+            <a:avLst/>
+          </a:prstGeom>
+        </p:spPr>
+      </p:pic>
+      <p:sp>
+        <p:nvSpPr>
+          <p:cNvPr id="35" name="Textfeld 34">
+            <a:extLst>
+              <a:ext uri="{FF2B5EF4-FFF2-40B4-BE49-F238E27FC236}">
+                <a16:creationId xmlns:a16="http://schemas.microsoft.com/office/drawing/2014/main" id="{1998E68F-D869-43FF-9BBA-1A741FC9CC62}"/>
+              </a:ext>
+            </a:extLst>
+          </p:cNvPr>
+          <p:cNvSpPr txBox="1"/>
+          <p:nvPr/>
+        </p:nvSpPr>
+        <p:spPr>
+          <a:xfrm>
+            <a:off x="3491764" y="457477"/>
+            <a:ext cx="601337" cy="253916"/>
+          </a:xfrm>
+          <a:prstGeom prst="rect">
+            <a:avLst/>
+          </a:prstGeom>
+          <a:noFill/>
+        </p:spPr>
+        <p:txBody>
+          <a:bodyPr wrap="square" rtlCol="0">
+            <a:spAutoFit/>
+          </a:bodyPr>
+          <a:lstStyle/>
+          <a:p>
+            <a:r>
+              <a:rPr lang="de-CH" sz="750" dirty="0"/>
+              <a:t>Konten</a:t>
+            </a:r>
+            <a:br>
+              <a:rPr lang="de-CH" sz="750" dirty="0"/>
+            </a:br>
+            <a:r>
+              <a:rPr lang="de-CH" sz="300" dirty="0"/>
+              <a:t> </a:t>
+            </a:r>
+            <a:r>
+              <a:rPr lang="de-CH" sz="300" dirty="0" err="1"/>
+              <a:t>money</a:t>
+            </a:r>
+            <a:r>
+              <a:rPr lang="de-CH" sz="300" dirty="0"/>
+              <a:t>-check-alt</a:t>
+            </a:r>
+            <a:endParaRPr lang="de-CH" sz="750" dirty="0"/>
+          </a:p>
+        </p:txBody>
+      </p:sp>
+      <p:pic>
+        <p:nvPicPr>
+          <p:cNvPr id="24" name="Grafik 23">
+            <a:extLst>
+              <a:ext uri="{FF2B5EF4-FFF2-40B4-BE49-F238E27FC236}">
+                <a16:creationId xmlns:a16="http://schemas.microsoft.com/office/drawing/2014/main" id="{F121B337-66DC-4371-97F3-6EC68E01B491}"/>
+              </a:ext>
+            </a:extLst>
+          </p:cNvPr>
+          <p:cNvPicPr>
+            <a:picLocks noChangeAspect="1"/>
+          </p:cNvPicPr>
+          <p:nvPr/>
+        </p:nvPicPr>
+        <p:blipFill>
+          <a:blip r:embed="rId16"/>
+          <a:stretch>
+            <a:fillRect/>
+          </a:stretch>
+        </p:blipFill>
+        <p:spPr>
+          <a:xfrm>
+            <a:off x="-94" y="784830"/>
+            <a:ext cx="1685925" cy="5867400"/>
+          </a:xfrm>
+          <a:prstGeom prst="rect">
+            <a:avLst/>
+          </a:prstGeom>
+        </p:spPr>
+      </p:pic>
+      <p:sp>
+        <p:nvSpPr>
+          <p:cNvPr id="27" name="Textfeld 26">
+            <a:extLst>
+              <a:ext uri="{FF2B5EF4-FFF2-40B4-BE49-F238E27FC236}">
+                <a16:creationId xmlns:a16="http://schemas.microsoft.com/office/drawing/2014/main" id="{8E8D169A-BC7C-44A6-B126-7707269E1D9C}"/>
+              </a:ext>
+            </a:extLst>
+          </p:cNvPr>
+          <p:cNvSpPr txBox="1"/>
+          <p:nvPr/>
+        </p:nvSpPr>
+        <p:spPr>
+          <a:xfrm>
+            <a:off x="37416" y="1729417"/>
+            <a:ext cx="1534772" cy="300082"/>
+          </a:xfrm>
+          <a:prstGeom prst="rect">
+            <a:avLst/>
+          </a:prstGeom>
+          <a:solidFill>
+            <a:schemeClr val="bg2"/>
+          </a:solidFill>
+          <a:effectLst>
+            <a:outerShdw blurRad="50800" dist="38100" dir="2700000" algn="tl" rotWithShape="0">
+              <a:prstClr val="black">
+                <a:alpha val="40000"/>
+              </a:prstClr>
+            </a:outerShdw>
+          </a:effectLst>
+        </p:spPr>
+        <p:txBody>
+          <a:bodyPr wrap="square" rtlCol="0">
+            <a:spAutoFit/>
+          </a:bodyPr>
+          <a:lstStyle/>
+          <a:p>
+            <a:r>
+              <a:rPr lang="de-CH" sz="1350" dirty="0"/>
+              <a:t>Zahlung verbuchen</a:t>
+            </a:r>
+          </a:p>
+        </p:txBody>
+      </p:sp>
+      <p:sp>
+        <p:nvSpPr>
+          <p:cNvPr id="29" name="Textfeld 28">
+            <a:extLst>
+              <a:ext uri="{FF2B5EF4-FFF2-40B4-BE49-F238E27FC236}">
+                <a16:creationId xmlns:a16="http://schemas.microsoft.com/office/drawing/2014/main" id="{A03FAD2A-C634-4D1E-9536-4A5B7009D658}"/>
+              </a:ext>
+            </a:extLst>
+          </p:cNvPr>
+          <p:cNvSpPr txBox="1"/>
+          <p:nvPr/>
+        </p:nvSpPr>
+        <p:spPr>
+          <a:xfrm>
+            <a:off x="4936704" y="1943570"/>
+            <a:ext cx="2041736" cy="507831"/>
+          </a:xfrm>
+          <a:prstGeom prst="rect">
+            <a:avLst/>
+          </a:prstGeom>
+          <a:noFill/>
+        </p:spPr>
+        <p:txBody>
+          <a:bodyPr wrap="square" rtlCol="0">
+            <a:spAutoFit/>
+          </a:bodyPr>
+          <a:lstStyle/>
+          <a:p>
+            <a:r>
+              <a:rPr lang="de-CH" sz="1350" dirty="0"/>
+              <a:t>Neue Zahlung verbuchen, Daten eingeben</a:t>
+            </a:r>
+          </a:p>
+        </p:txBody>
+      </p:sp>
+      <p:sp>
+        <p:nvSpPr>
+          <p:cNvPr id="32" name="Textfeld 31">
+            <a:extLst>
+              <a:ext uri="{FF2B5EF4-FFF2-40B4-BE49-F238E27FC236}">
+                <a16:creationId xmlns:a16="http://schemas.microsoft.com/office/drawing/2014/main" id="{B4BBD773-5F44-4746-A1A2-59237F7C21AE}"/>
+              </a:ext>
+            </a:extLst>
+          </p:cNvPr>
+          <p:cNvSpPr txBox="1"/>
+          <p:nvPr/>
+        </p:nvSpPr>
+        <p:spPr>
+          <a:xfrm>
+            <a:off x="7223908" y="6042772"/>
+            <a:ext cx="1534772" cy="300082"/>
+          </a:xfrm>
+          <a:prstGeom prst="rect">
+            <a:avLst/>
+          </a:prstGeom>
+          <a:solidFill>
+            <a:schemeClr val="bg2"/>
+          </a:solidFill>
+          <a:effectLst>
+            <a:outerShdw blurRad="50800" dist="38100" dir="2700000" algn="tl" rotWithShape="0">
+              <a:prstClr val="black">
+                <a:alpha val="40000"/>
+              </a:prstClr>
+            </a:outerShdw>
+          </a:effectLst>
+        </p:spPr>
+        <p:txBody>
+          <a:bodyPr wrap="square" rtlCol="0">
+            <a:spAutoFit/>
+          </a:bodyPr>
+          <a:lstStyle/>
+          <a:p>
+            <a:r>
+              <a:rPr lang="de-CH" sz="1350" dirty="0"/>
               <a:t>Speichern</a:t>
+            </a:r>
+          </a:p>
+        </p:txBody>
+      </p:sp>
+      <p:sp>
+        <p:nvSpPr>
+          <p:cNvPr id="25" name="Textfeld 24">
+            <a:extLst>
+              <a:ext uri="{FF2B5EF4-FFF2-40B4-BE49-F238E27FC236}">
+                <a16:creationId xmlns:a16="http://schemas.microsoft.com/office/drawing/2014/main" id="{F316AC59-3F81-44FC-B7C2-FAE7EFCD3396}"/>
+              </a:ext>
+            </a:extLst>
+          </p:cNvPr>
+          <p:cNvSpPr txBox="1"/>
+          <p:nvPr/>
+        </p:nvSpPr>
+        <p:spPr>
+          <a:xfrm>
+            <a:off x="21094" y="2608571"/>
+            <a:ext cx="1534772" cy="300082"/>
+          </a:xfrm>
+          <a:prstGeom prst="rect">
+            <a:avLst/>
+          </a:prstGeom>
+          <a:solidFill>
+            <a:schemeClr val="bg2"/>
+          </a:solidFill>
+          <a:effectLst>
+            <a:outerShdw blurRad="50800" dist="38100" dir="2700000" algn="tl" rotWithShape="0">
+              <a:prstClr val="black">
+                <a:alpha val="40000"/>
+              </a:prstClr>
+            </a:outerShdw>
+          </a:effectLst>
+        </p:spPr>
+        <p:txBody>
+          <a:bodyPr wrap="square" rtlCol="0">
+            <a:spAutoFit/>
+          </a:bodyPr>
+          <a:lstStyle/>
+          <a:p>
+            <a:r>
+              <a:rPr lang="de-CH" sz="1350" dirty="0"/>
+              <a:t>Bearbeiten</a:t>
             </a:r>
           </a:p>
         </p:txBody>
@@ -11970,6 +13287,50 @@
           </a:p>
         </p:txBody>
       </p:sp>
+      <p:sp>
+        <p:nvSpPr>
+          <p:cNvPr id="30" name="Textfeld 29">
+            <a:extLst>
+              <a:ext uri="{FF2B5EF4-FFF2-40B4-BE49-F238E27FC236}">
+                <a16:creationId xmlns:a16="http://schemas.microsoft.com/office/drawing/2014/main" id="{22FADFDA-A98B-46FC-A77D-84BF59F86FAF}"/>
+              </a:ext>
+            </a:extLst>
+          </p:cNvPr>
+          <p:cNvSpPr txBox="1"/>
+          <p:nvPr/>
+        </p:nvSpPr>
+        <p:spPr>
+          <a:xfrm>
+            <a:off x="75483" y="1860163"/>
+            <a:ext cx="1534772" cy="300082"/>
+          </a:xfrm>
+          <a:prstGeom prst="rect">
+            <a:avLst/>
+          </a:prstGeom>
+          <a:solidFill>
+            <a:schemeClr val="bg2"/>
+          </a:solidFill>
+          <a:effectLst>
+            <a:outerShdw blurRad="50800" dist="38100" dir="2700000" algn="tl" rotWithShape="0">
+              <a:prstClr val="black">
+                <a:alpha val="40000"/>
+              </a:prstClr>
+            </a:outerShdw>
+          </a:effectLst>
+        </p:spPr>
+        <p:txBody>
+          <a:bodyPr wrap="square" rtlCol="0">
+            <a:spAutoFit/>
+          </a:bodyPr>
+          <a:lstStyle/>
+          <a:p>
+            <a:r>
+              <a:rPr lang="de-CH" sz="1350" dirty="0"/>
+              <a:t>Bearbeiten</a:t>
+            </a:r>
+          </a:p>
+        </p:txBody>
+      </p:sp>
     </p:spTree>
     <p:extLst>
       <p:ext uri="{BB962C8B-B14F-4D97-AF65-F5344CB8AC3E}">
@@ -13057,6 +14418,50 @@
           </a:p>
         </p:txBody>
       </p:sp>
+      <p:sp>
+        <p:nvSpPr>
+          <p:cNvPr id="28" name="Textfeld 27">
+            <a:extLst>
+              <a:ext uri="{FF2B5EF4-FFF2-40B4-BE49-F238E27FC236}">
+                <a16:creationId xmlns:a16="http://schemas.microsoft.com/office/drawing/2014/main" id="{C9DA673C-9881-4456-8EEB-BBCCE6218133}"/>
+              </a:ext>
+            </a:extLst>
+          </p:cNvPr>
+          <p:cNvSpPr txBox="1"/>
+          <p:nvPr/>
+        </p:nvSpPr>
+        <p:spPr>
+          <a:xfrm>
+            <a:off x="21094" y="2608571"/>
+            <a:ext cx="1534772" cy="300082"/>
+          </a:xfrm>
+          <a:prstGeom prst="rect">
+            <a:avLst/>
+          </a:prstGeom>
+          <a:solidFill>
+            <a:schemeClr val="bg2"/>
+          </a:solidFill>
+          <a:effectLst>
+            <a:outerShdw blurRad="50800" dist="38100" dir="2700000" algn="tl" rotWithShape="0">
+              <a:prstClr val="black">
+                <a:alpha val="40000"/>
+              </a:prstClr>
+            </a:outerShdw>
+          </a:effectLst>
+        </p:spPr>
+        <p:txBody>
+          <a:bodyPr wrap="square" rtlCol="0">
+            <a:spAutoFit/>
+          </a:bodyPr>
+          <a:lstStyle/>
+          <a:p>
+            <a:r>
+              <a:rPr lang="de-CH" sz="1350" dirty="0"/>
+              <a:t>Bearbeiten</a:t>
+            </a:r>
+          </a:p>
+        </p:txBody>
+      </p:sp>
     </p:spTree>
     <p:extLst>
       <p:ext uri="{BB962C8B-B14F-4D97-AF65-F5344CB8AC3E}">
@@ -13968,10 +15373,10 @@
       </p:sp>
       <p:sp>
         <p:nvSpPr>
-          <p:cNvPr id="48" name="Textfeld 47">
-            <a:extLst>
-              <a:ext uri="{FF2B5EF4-FFF2-40B4-BE49-F238E27FC236}">
-                <a16:creationId xmlns:a16="http://schemas.microsoft.com/office/drawing/2014/main" id="{45820D6B-B4DC-4FF6-A670-4D9B44CAEFDA}"/>
+          <p:cNvPr id="50" name="Textfeld 49">
+            <a:extLst>
+              <a:ext uri="{FF2B5EF4-FFF2-40B4-BE49-F238E27FC236}">
+                <a16:creationId xmlns:a16="http://schemas.microsoft.com/office/drawing/2014/main" id="{4128D636-10F5-4430-8D32-4E69B4847BF0}"/>
               </a:ext>
             </a:extLst>
           </p:cNvPr>
@@ -13980,7 +15385,7 @@
         </p:nvSpPr>
         <p:spPr>
           <a:xfrm>
-            <a:off x="30626" y="1992386"/>
+            <a:off x="75483" y="941112"/>
             <a:ext cx="1534772" cy="300082"/>
           </a:xfrm>
           <a:prstGeom prst="rect">
@@ -14005,17 +15410,17 @@
           <a:p>
             <a:r>
               <a:rPr lang="de-CH" sz="1350" dirty="0"/>
-              <a:t>Objekte</a:t>
-            </a:r>
-          </a:p>
-        </p:txBody>
-      </p:sp>
-      <p:sp>
-        <p:nvSpPr>
-          <p:cNvPr id="50" name="Textfeld 49">
-            <a:extLst>
-              <a:ext uri="{FF2B5EF4-FFF2-40B4-BE49-F238E27FC236}">
-                <a16:creationId xmlns:a16="http://schemas.microsoft.com/office/drawing/2014/main" id="{4128D636-10F5-4430-8D32-4E69B4847BF0}"/>
+              <a:t>Neuer Mieter</a:t>
+            </a:r>
+          </a:p>
+        </p:txBody>
+      </p:sp>
+      <p:sp>
+        <p:nvSpPr>
+          <p:cNvPr id="27" name="Textfeld 26">
+            <a:extLst>
+              <a:ext uri="{FF2B5EF4-FFF2-40B4-BE49-F238E27FC236}">
+                <a16:creationId xmlns:a16="http://schemas.microsoft.com/office/drawing/2014/main" id="{7878F974-B0CB-41C0-8E65-5DE6F6445B6B}"/>
               </a:ext>
             </a:extLst>
           </p:cNvPr>
@@ -14024,7 +15429,112 @@
         </p:nvSpPr>
         <p:spPr>
           <a:xfrm>
-            <a:off x="75483" y="941112"/>
+            <a:off x="4107868" y="1373933"/>
+            <a:ext cx="2041736" cy="300082"/>
+          </a:xfrm>
+          <a:prstGeom prst="rect">
+            <a:avLst/>
+          </a:prstGeom>
+          <a:noFill/>
+        </p:spPr>
+        <p:txBody>
+          <a:bodyPr wrap="square" rtlCol="0">
+            <a:spAutoFit/>
+          </a:bodyPr>
+          <a:lstStyle/>
+          <a:p>
+            <a:r>
+              <a:rPr lang="de-CH" sz="1350" dirty="0"/>
+              <a:t>Liste aller Mieter</a:t>
+            </a:r>
+          </a:p>
+        </p:txBody>
+      </p:sp>
+      <p:sp>
+        <p:nvSpPr>
+          <p:cNvPr id="28" name="Textfeld 27">
+            <a:extLst>
+              <a:ext uri="{FF2B5EF4-FFF2-40B4-BE49-F238E27FC236}">
+                <a16:creationId xmlns:a16="http://schemas.microsoft.com/office/drawing/2014/main" id="{DC5B6F5C-0334-4E1B-838F-BB187FC01992}"/>
+              </a:ext>
+            </a:extLst>
+          </p:cNvPr>
+          <p:cNvSpPr txBox="1"/>
+          <p:nvPr/>
+        </p:nvSpPr>
+        <p:spPr>
+          <a:xfrm>
+            <a:off x="6642914" y="1381297"/>
+            <a:ext cx="2041736" cy="300082"/>
+          </a:xfrm>
+          <a:prstGeom prst="rect">
+            <a:avLst/>
+          </a:prstGeom>
+          <a:noFill/>
+        </p:spPr>
+        <p:txBody>
+          <a:bodyPr wrap="square" rtlCol="0">
+            <a:spAutoFit/>
+          </a:bodyPr>
+          <a:lstStyle/>
+          <a:p>
+            <a:r>
+              <a:rPr lang="de-CH" sz="1350" dirty="0"/>
+              <a:t>Rechnungen</a:t>
+            </a:r>
+          </a:p>
+        </p:txBody>
+      </p:sp>
+      <p:sp>
+        <p:nvSpPr>
+          <p:cNvPr id="29" name="Textfeld 28">
+            <a:extLst>
+              <a:ext uri="{FF2B5EF4-FFF2-40B4-BE49-F238E27FC236}">
+                <a16:creationId xmlns:a16="http://schemas.microsoft.com/office/drawing/2014/main" id="{3962A006-FF0E-4592-B71C-D732168BDD10}"/>
+              </a:ext>
+            </a:extLst>
+          </p:cNvPr>
+          <p:cNvSpPr txBox="1"/>
+          <p:nvPr/>
+        </p:nvSpPr>
+        <p:spPr>
+          <a:xfrm>
+            <a:off x="1923068" y="3773558"/>
+            <a:ext cx="2041736" cy="300082"/>
+          </a:xfrm>
+          <a:prstGeom prst="rect">
+            <a:avLst/>
+          </a:prstGeom>
+          <a:noFill/>
+        </p:spPr>
+        <p:txBody>
+          <a:bodyPr wrap="square" rtlCol="0">
+            <a:spAutoFit/>
+          </a:bodyPr>
+          <a:lstStyle/>
+          <a:p>
+            <a:r>
+              <a:rPr lang="de-CH" sz="1350" dirty="0"/>
+              <a:t>Mietverträge</a:t>
+            </a:r>
+          </a:p>
+        </p:txBody>
+      </p:sp>
+      <p:sp>
+        <p:nvSpPr>
+          <p:cNvPr id="31" name="Textfeld 30">
+            <a:extLst>
+              <a:ext uri="{FF2B5EF4-FFF2-40B4-BE49-F238E27FC236}">
+                <a16:creationId xmlns:a16="http://schemas.microsoft.com/office/drawing/2014/main" id="{4E89E3EE-4AB2-480C-8948-57FE1449AFED}"/>
+              </a:ext>
+            </a:extLst>
+          </p:cNvPr>
+          <p:cNvSpPr txBox="1"/>
+          <p:nvPr/>
+        </p:nvSpPr>
+        <p:spPr>
+          <a:xfrm>
+            <a:off x="21094" y="2608571"/>
             <a:ext cx="1534772" cy="300082"/>
           </a:xfrm>
           <a:prstGeom prst="rect">
@@ -14049,86 +15559,7 @@
           <a:p>
             <a:r>
               <a:rPr lang="de-CH" sz="1350" dirty="0"/>
-              <a:t>Neuer Mieter</a:t>
-            </a:r>
-          </a:p>
-        </p:txBody>
-      </p:sp>
-      <p:sp>
-        <p:nvSpPr>
-          <p:cNvPr id="51" name="Textfeld 50">
-            <a:extLst>
-              <a:ext uri="{FF2B5EF4-FFF2-40B4-BE49-F238E27FC236}">
-                <a16:creationId xmlns:a16="http://schemas.microsoft.com/office/drawing/2014/main" id="{D37FD960-4EA6-4FB4-8F15-B3D13CCD0D10}"/>
-              </a:ext>
-            </a:extLst>
-          </p:cNvPr>
-          <p:cNvSpPr txBox="1"/>
-          <p:nvPr/>
-        </p:nvSpPr>
-        <p:spPr>
-          <a:xfrm>
-            <a:off x="5128736" y="5834693"/>
-            <a:ext cx="1534772" cy="300082"/>
-          </a:xfrm>
-          <a:prstGeom prst="rect">
-            <a:avLst/>
-          </a:prstGeom>
-          <a:solidFill>
-            <a:schemeClr val="bg2"/>
-          </a:solidFill>
-          <a:effectLst>
-            <a:outerShdw blurRad="50800" dist="38100" dir="2700000" algn="tl" rotWithShape="0">
-              <a:prstClr val="black">
-                <a:alpha val="40000"/>
-              </a:prstClr>
-            </a:outerShdw>
-          </a:effectLst>
-        </p:spPr>
-        <p:txBody>
-          <a:bodyPr wrap="square" rtlCol="0">
-            <a:spAutoFit/>
-          </a:bodyPr>
-          <a:lstStyle/>
-          <a:p>
-            <a:r>
-              <a:rPr lang="de-CH" sz="1350" dirty="0"/>
-              <a:t>Speichern</a:t>
-            </a:r>
-          </a:p>
-        </p:txBody>
-      </p:sp>
-      <p:sp>
-        <p:nvSpPr>
-          <p:cNvPr id="27" name="Textfeld 26">
-            <a:extLst>
-              <a:ext uri="{FF2B5EF4-FFF2-40B4-BE49-F238E27FC236}">
-                <a16:creationId xmlns:a16="http://schemas.microsoft.com/office/drawing/2014/main" id="{7878F974-B0CB-41C0-8E65-5DE6F6445B6B}"/>
-              </a:ext>
-            </a:extLst>
-          </p:cNvPr>
-          <p:cNvSpPr txBox="1"/>
-          <p:nvPr/>
-        </p:nvSpPr>
-        <p:spPr>
-          <a:xfrm>
-            <a:off x="5506642" y="1375730"/>
-            <a:ext cx="2041736" cy="300082"/>
-          </a:xfrm>
-          <a:prstGeom prst="rect">
-            <a:avLst/>
-          </a:prstGeom>
-          <a:noFill/>
-        </p:spPr>
-        <p:txBody>
-          <a:bodyPr wrap="square" rtlCol="0">
-            <a:spAutoFit/>
-          </a:bodyPr>
-          <a:lstStyle/>
-          <a:p>
-            <a:r>
-              <a:rPr lang="de-CH" sz="1350" dirty="0"/>
-              <a:t>Liste aller Mieter</a:t>
+              <a:t>Bearbeiten</a:t>
             </a:r>
           </a:p>
         </p:txBody>
@@ -15047,10 +16478,10 @@
       </p:sp>
       <p:sp>
         <p:nvSpPr>
-          <p:cNvPr id="29" name="Textfeld 28">
-            <a:extLst>
-              <a:ext uri="{FF2B5EF4-FFF2-40B4-BE49-F238E27FC236}">
-                <a16:creationId xmlns:a16="http://schemas.microsoft.com/office/drawing/2014/main" id="{280378B4-A5EE-47EF-A1FC-9C59141C4504}"/>
+          <p:cNvPr id="32" name="Textfeld 31">
+            <a:extLst>
+              <a:ext uri="{FF2B5EF4-FFF2-40B4-BE49-F238E27FC236}">
+                <a16:creationId xmlns:a16="http://schemas.microsoft.com/office/drawing/2014/main" id="{F44D1926-7244-45A3-9497-840423FE7659}"/>
               </a:ext>
             </a:extLst>
           </p:cNvPr>
@@ -15059,48 +16490,7 @@
         </p:nvSpPr>
         <p:spPr>
           <a:xfrm>
-            <a:off x="4231681" y="942225"/>
-            <a:ext cx="2041736" cy="715581"/>
-          </a:xfrm>
-          <a:prstGeom prst="rect">
-            <a:avLst/>
-          </a:prstGeom>
-          <a:noFill/>
-        </p:spPr>
-        <p:txBody>
-          <a:bodyPr wrap="square" rtlCol="0">
-            <a:spAutoFit/>
-          </a:bodyPr>
-          <a:lstStyle/>
-          <a:p>
-            <a:r>
-              <a:rPr lang="de-CH" sz="1350" dirty="0"/>
-              <a:t>Kreditor</a:t>
-            </a:r>
-          </a:p>
-          <a:p>
-            <a:r>
-              <a:rPr lang="de-CH" sz="1350" dirty="0"/>
-              <a:t>(Daten zum Kreditor werden angezeigt)</a:t>
-            </a:r>
-          </a:p>
-        </p:txBody>
-      </p:sp>
-      <p:sp>
-        <p:nvSpPr>
-          <p:cNvPr id="31" name="Textfeld 30">
-            <a:extLst>
-              <a:ext uri="{FF2B5EF4-FFF2-40B4-BE49-F238E27FC236}">
-                <a16:creationId xmlns:a16="http://schemas.microsoft.com/office/drawing/2014/main" id="{643F0A65-6E0E-49A5-A178-6B1F33B35051}"/>
-              </a:ext>
-            </a:extLst>
-          </p:cNvPr>
-          <p:cNvSpPr txBox="1"/>
-          <p:nvPr/>
-        </p:nvSpPr>
-        <p:spPr>
-          <a:xfrm>
-            <a:off x="5128736" y="5834693"/>
+            <a:off x="74136" y="2113432"/>
             <a:ext cx="1534772" cy="300082"/>
           </a:xfrm>
           <a:prstGeom prst="rect">
@@ -15125,17 +16515,17 @@
           <a:p>
             <a:r>
               <a:rPr lang="de-CH" sz="1350" dirty="0"/>
-              <a:t>Speichern</a:t>
-            </a:r>
-          </a:p>
-        </p:txBody>
-      </p:sp>
-      <p:sp>
-        <p:nvSpPr>
-          <p:cNvPr id="32" name="Textfeld 31">
-            <a:extLst>
-              <a:ext uri="{FF2B5EF4-FFF2-40B4-BE49-F238E27FC236}">
-                <a16:creationId xmlns:a16="http://schemas.microsoft.com/office/drawing/2014/main" id="{F44D1926-7244-45A3-9497-840423FE7659}"/>
+              <a:t>Mahnung erstellen</a:t>
+            </a:r>
+          </a:p>
+        </p:txBody>
+      </p:sp>
+      <p:sp>
+        <p:nvSpPr>
+          <p:cNvPr id="26" name="Textfeld 25">
+            <a:extLst>
+              <a:ext uri="{FF2B5EF4-FFF2-40B4-BE49-F238E27FC236}">
+                <a16:creationId xmlns:a16="http://schemas.microsoft.com/office/drawing/2014/main" id="{A2BFC150-953F-4141-808F-8558AEDEE7EF}"/>
               </a:ext>
             </a:extLst>
           </p:cNvPr>
@@ -15144,7 +16534,118 @@
         </p:nvSpPr>
         <p:spPr>
           <a:xfrm>
-            <a:off x="74136" y="2113432"/>
+            <a:off x="2015423" y="1375730"/>
+            <a:ext cx="2041736" cy="715581"/>
+          </a:xfrm>
+          <a:prstGeom prst="rect">
+            <a:avLst/>
+          </a:prstGeom>
+          <a:noFill/>
+        </p:spPr>
+        <p:txBody>
+          <a:bodyPr wrap="square" rtlCol="0">
+            <a:spAutoFit/>
+          </a:bodyPr>
+          <a:lstStyle/>
+          <a:p>
+            <a:r>
+              <a:rPr lang="de-CH" sz="1350" dirty="0"/>
+              <a:t>Kreditor</a:t>
+            </a:r>
+          </a:p>
+          <a:p>
+            <a:r>
+              <a:rPr lang="de-CH" sz="1350" dirty="0"/>
+              <a:t>(Daten zum Kreditor werden angezeigt)</a:t>
+            </a:r>
+          </a:p>
+        </p:txBody>
+      </p:sp>
+      <p:sp>
+        <p:nvSpPr>
+          <p:cNvPr id="27" name="Textfeld 26">
+            <a:extLst>
+              <a:ext uri="{FF2B5EF4-FFF2-40B4-BE49-F238E27FC236}">
+                <a16:creationId xmlns:a16="http://schemas.microsoft.com/office/drawing/2014/main" id="{04113C58-3943-4BAF-BE8B-6DA93B0F2913}"/>
+              </a:ext>
+            </a:extLst>
+          </p:cNvPr>
+          <p:cNvSpPr txBox="1"/>
+          <p:nvPr/>
+        </p:nvSpPr>
+        <p:spPr>
+          <a:xfrm>
+            <a:off x="4107868" y="1373933"/>
+            <a:ext cx="2041736" cy="300082"/>
+          </a:xfrm>
+          <a:prstGeom prst="rect">
+            <a:avLst/>
+          </a:prstGeom>
+          <a:noFill/>
+        </p:spPr>
+        <p:txBody>
+          <a:bodyPr wrap="square" rtlCol="0">
+            <a:spAutoFit/>
+          </a:bodyPr>
+          <a:lstStyle/>
+          <a:p>
+            <a:r>
+              <a:rPr lang="de-CH" sz="1350" dirty="0"/>
+              <a:t>Liste aller Kreditoren</a:t>
+            </a:r>
+          </a:p>
+        </p:txBody>
+      </p:sp>
+      <p:sp>
+        <p:nvSpPr>
+          <p:cNvPr id="30" name="Textfeld 29">
+            <a:extLst>
+              <a:ext uri="{FF2B5EF4-FFF2-40B4-BE49-F238E27FC236}">
+                <a16:creationId xmlns:a16="http://schemas.microsoft.com/office/drawing/2014/main" id="{DB246A97-30C9-410D-8DBD-7F3EB45D5F9C}"/>
+              </a:ext>
+            </a:extLst>
+          </p:cNvPr>
+          <p:cNvSpPr txBox="1"/>
+          <p:nvPr/>
+        </p:nvSpPr>
+        <p:spPr>
+          <a:xfrm>
+            <a:off x="6642914" y="1381297"/>
+            <a:ext cx="2041736" cy="300082"/>
+          </a:xfrm>
+          <a:prstGeom prst="rect">
+            <a:avLst/>
+          </a:prstGeom>
+          <a:noFill/>
+        </p:spPr>
+        <p:txBody>
+          <a:bodyPr wrap="square" rtlCol="0">
+            <a:spAutoFit/>
+          </a:bodyPr>
+          <a:lstStyle/>
+          <a:p>
+            <a:r>
+              <a:rPr lang="de-CH" sz="1350" dirty="0"/>
+              <a:t>Rechnungen</a:t>
+            </a:r>
+          </a:p>
+        </p:txBody>
+      </p:sp>
+      <p:sp>
+        <p:nvSpPr>
+          <p:cNvPr id="36" name="Textfeld 35">
+            <a:extLst>
+              <a:ext uri="{FF2B5EF4-FFF2-40B4-BE49-F238E27FC236}">
+                <a16:creationId xmlns:a16="http://schemas.microsoft.com/office/drawing/2014/main" id="{84B95A00-7F61-44B4-9BD6-DBDD53F4728D}"/>
+              </a:ext>
+            </a:extLst>
+          </p:cNvPr>
+          <p:cNvSpPr txBox="1"/>
+          <p:nvPr/>
+        </p:nvSpPr>
+        <p:spPr>
+          <a:xfrm>
+            <a:off x="21094" y="2608571"/>
             <a:ext cx="1534772" cy="300082"/>
           </a:xfrm>
           <a:prstGeom prst="rect">
@@ -15169,7 +16670,7 @@
           <a:p>
             <a:r>
               <a:rPr lang="de-CH" sz="1350" dirty="0"/>
-              <a:t>Mahnung erstellen</a:t>
+              <a:t>Bearbeiten</a:t>
             </a:r>
           </a:p>
         </p:txBody>
@@ -15487,7 +16988,7 @@
         </p:blipFill>
         <p:spPr>
           <a:xfrm>
-            <a:off x="2121197" y="94993"/>
+            <a:off x="2138897" y="94993"/>
             <a:ext cx="281939" cy="375918"/>
           </a:xfrm>
           <a:prstGeom prst="rect">
@@ -15495,12 +16996,102 @@
           </a:prstGeom>
         </p:spPr>
       </p:pic>
+      <p:sp>
+        <p:nvSpPr>
+          <p:cNvPr id="65" name="Textfeld 64">
+            <a:extLst>
+              <a:ext uri="{FF2B5EF4-FFF2-40B4-BE49-F238E27FC236}">
+                <a16:creationId xmlns:a16="http://schemas.microsoft.com/office/drawing/2014/main" id="{ECCF88BE-1316-4D2F-A6DB-2C9FE9040A62}"/>
+              </a:ext>
+            </a:extLst>
+          </p:cNvPr>
+          <p:cNvSpPr txBox="1"/>
+          <p:nvPr/>
+        </p:nvSpPr>
+        <p:spPr>
+          <a:xfrm>
+            <a:off x="700060" y="498781"/>
+            <a:ext cx="671884" cy="253916"/>
+          </a:xfrm>
+          <a:prstGeom prst="rect">
+            <a:avLst/>
+          </a:prstGeom>
+          <a:noFill/>
+        </p:spPr>
+        <p:txBody>
+          <a:bodyPr wrap="square" rtlCol="0">
+            <a:spAutoFit/>
+          </a:bodyPr>
+          <a:lstStyle/>
+          <a:p>
+            <a:r>
+              <a:rPr lang="de-CH" sz="750" dirty="0"/>
+              <a:t>Mieter</a:t>
+            </a:r>
+            <a:br>
+              <a:rPr lang="de-CH" sz="750" dirty="0"/>
+            </a:br>
+            <a:r>
+              <a:rPr lang="de-CH" sz="300" dirty="0"/>
+              <a:t>user-tag</a:t>
+            </a:r>
+            <a:endParaRPr lang="de-CH" sz="750" dirty="0"/>
+          </a:p>
+        </p:txBody>
+      </p:sp>
+      <p:sp>
+        <p:nvSpPr>
+          <p:cNvPr id="66" name="Textfeld 65">
+            <a:extLst>
+              <a:ext uri="{FF2B5EF4-FFF2-40B4-BE49-F238E27FC236}">
+                <a16:creationId xmlns:a16="http://schemas.microsoft.com/office/drawing/2014/main" id="{7C2A1224-9653-4FEB-B039-573344A3E401}"/>
+              </a:ext>
+            </a:extLst>
+          </p:cNvPr>
+          <p:cNvSpPr txBox="1"/>
+          <p:nvPr/>
+        </p:nvSpPr>
+        <p:spPr>
+          <a:xfrm>
+            <a:off x="1958463" y="484959"/>
+            <a:ext cx="728821" cy="265457"/>
+          </a:xfrm>
+          <a:prstGeom prst="rect">
+            <a:avLst/>
+          </a:prstGeom>
+          <a:noFill/>
+        </p:spPr>
+        <p:txBody>
+          <a:bodyPr wrap="square" rtlCol="0">
+            <a:spAutoFit/>
+          </a:bodyPr>
+          <a:lstStyle/>
+          <a:p>
+            <a:r>
+              <a:rPr lang="de-CH" sz="750" dirty="0"/>
+              <a:t>Mietverträge</a:t>
+            </a:r>
+            <a:br>
+              <a:rPr lang="de-CH" sz="750" dirty="0"/>
+            </a:br>
+            <a:r>
+              <a:rPr lang="de-CH" sz="375" dirty="0"/>
+              <a:t>file-</a:t>
+            </a:r>
+            <a:r>
+              <a:rPr lang="de-CH" sz="375" dirty="0" err="1"/>
+              <a:t>contract</a:t>
+            </a:r>
+            <a:endParaRPr lang="de-CH" sz="750" dirty="0"/>
+          </a:p>
+        </p:txBody>
+      </p:sp>
       <p:pic>
         <p:nvPicPr>
-          <p:cNvPr id="62" name="Grafik 61">
-            <a:extLst>
-              <a:ext uri="{FF2B5EF4-FFF2-40B4-BE49-F238E27FC236}">
-                <a16:creationId xmlns:a16="http://schemas.microsoft.com/office/drawing/2014/main" id="{F0D201B8-943D-4A47-ABB1-4BF39B067E8D}"/>
+          <p:cNvPr id="70" name="Grafik 69">
+            <a:extLst>
+              <a:ext uri="{FF2B5EF4-FFF2-40B4-BE49-F238E27FC236}">
+                <a16:creationId xmlns:a16="http://schemas.microsoft.com/office/drawing/2014/main" id="{C796C772-CFBF-4DD2-ADC2-9C1E2F552336}"/>
               </a:ext>
             </a:extLst>
           </p:cNvPr>
@@ -15526,8 +17117,8 @@
         </p:blipFill>
         <p:spPr>
           <a:xfrm>
-            <a:off x="710885" y="94993"/>
-            <a:ext cx="469898" cy="375918"/>
+            <a:off x="2789747" y="94992"/>
+            <a:ext cx="281939" cy="375918"/>
           </a:xfrm>
           <a:prstGeom prst="rect">
             <a:avLst/>
@@ -15536,10 +17127,10 @@
       </p:pic>
       <p:sp>
         <p:nvSpPr>
-          <p:cNvPr id="65" name="Textfeld 64">
-            <a:extLst>
-              <a:ext uri="{FF2B5EF4-FFF2-40B4-BE49-F238E27FC236}">
-                <a16:creationId xmlns:a16="http://schemas.microsoft.com/office/drawing/2014/main" id="{ECCF88BE-1316-4D2F-A6DB-2C9FE9040A62}"/>
+          <p:cNvPr id="71" name="Textfeld 70">
+            <a:extLst>
+              <a:ext uri="{FF2B5EF4-FFF2-40B4-BE49-F238E27FC236}">
+                <a16:creationId xmlns:a16="http://schemas.microsoft.com/office/drawing/2014/main" id="{E63EA9B3-19F9-4DAD-AF96-08B93901E074}"/>
               </a:ext>
             </a:extLst>
           </p:cNvPr>
@@ -15548,8 +17139,8 @@
         </p:nvSpPr>
         <p:spPr>
           <a:xfrm>
-            <a:off x="682360" y="498781"/>
-            <a:ext cx="671884" cy="253916"/>
+            <a:off x="2659257" y="484958"/>
+            <a:ext cx="728821" cy="253916"/>
           </a:xfrm>
           <a:prstGeom prst="rect">
             <a:avLst/>
@@ -15564,61 +17155,22 @@
           <a:p>
             <a:r>
               <a:rPr lang="de-CH" sz="750" dirty="0"/>
-              <a:t>Mieter</a:t>
+              <a:t>Rechnungen</a:t>
             </a:r>
             <a:br>
               <a:rPr lang="de-CH" sz="750" dirty="0"/>
             </a:br>
             <a:r>
               <a:rPr lang="de-CH" sz="300" dirty="0"/>
-              <a:t>user-tag</a:t>
-            </a:r>
-            <a:endParaRPr lang="de-CH" sz="750" dirty="0"/>
-          </a:p>
-        </p:txBody>
-      </p:sp>
-      <p:sp>
-        <p:nvSpPr>
-          <p:cNvPr id="66" name="Textfeld 65">
-            <a:extLst>
-              <a:ext uri="{FF2B5EF4-FFF2-40B4-BE49-F238E27FC236}">
-                <a16:creationId xmlns:a16="http://schemas.microsoft.com/office/drawing/2014/main" id="{7C2A1224-9653-4FEB-B039-573344A3E401}"/>
-              </a:ext>
-            </a:extLst>
-          </p:cNvPr>
-          <p:cNvSpPr txBox="1"/>
-          <p:nvPr/>
-        </p:nvSpPr>
-        <p:spPr>
-          <a:xfrm>
-            <a:off x="1940763" y="484959"/>
-            <a:ext cx="728821" cy="265457"/>
-          </a:xfrm>
-          <a:prstGeom prst="rect">
-            <a:avLst/>
-          </a:prstGeom>
-          <a:noFill/>
-        </p:spPr>
-        <p:txBody>
-          <a:bodyPr wrap="square" rtlCol="0">
-            <a:spAutoFit/>
-          </a:bodyPr>
-          <a:lstStyle/>
-          <a:p>
-            <a:r>
-              <a:rPr lang="de-CH" sz="750" dirty="0"/>
-              <a:t>Mietverträge</a:t>
-            </a:r>
-            <a:br>
-              <a:rPr lang="de-CH" sz="750" dirty="0"/>
-            </a:br>
-            <a:r>
-              <a:rPr lang="de-CH" sz="375" dirty="0"/>
               <a:t>file-</a:t>
             </a:r>
             <a:r>
-              <a:rPr lang="de-CH" sz="375" dirty="0" err="1"/>
-              <a:t>contract</a:t>
+              <a:rPr lang="de-CH" sz="300" dirty="0" err="1"/>
+              <a:t>invoice</a:t>
+            </a:r>
+            <a:r>
+              <a:rPr lang="de-CH" sz="300" dirty="0"/>
+              <a:t>-dollar</a:t>
             </a:r>
             <a:endParaRPr lang="de-CH" sz="750" dirty="0"/>
           </a:p>
@@ -15626,10 +17178,10 @@
       </p:sp>
       <p:pic>
         <p:nvPicPr>
-          <p:cNvPr id="70" name="Grafik 69">
-            <a:extLst>
-              <a:ext uri="{FF2B5EF4-FFF2-40B4-BE49-F238E27FC236}">
-                <a16:creationId xmlns:a16="http://schemas.microsoft.com/office/drawing/2014/main" id="{C796C772-CFBF-4DD2-ADC2-9C1E2F552336}"/>
+          <p:cNvPr id="73" name="Grafik 72">
+            <a:extLst>
+              <a:ext uri="{FF2B5EF4-FFF2-40B4-BE49-F238E27FC236}">
+                <a16:creationId xmlns:a16="http://schemas.microsoft.com/office/drawing/2014/main" id="{4D4542A2-F0A8-455F-901C-B19369D1F973}"/>
               </a:ext>
             </a:extLst>
           </p:cNvPr>
@@ -15655,8 +17207,8 @@
         </p:blipFill>
         <p:spPr>
           <a:xfrm>
-            <a:off x="2772047" y="94992"/>
-            <a:ext cx="281939" cy="375918"/>
+            <a:off x="1454723" y="67926"/>
+            <a:ext cx="364904" cy="417032"/>
           </a:xfrm>
           <a:prstGeom prst="rect">
             <a:avLst/>
@@ -15665,10 +17217,10 @@
       </p:pic>
       <p:sp>
         <p:nvSpPr>
-          <p:cNvPr id="71" name="Textfeld 70">
-            <a:extLst>
-              <a:ext uri="{FF2B5EF4-FFF2-40B4-BE49-F238E27FC236}">
-                <a16:creationId xmlns:a16="http://schemas.microsoft.com/office/drawing/2014/main" id="{E63EA9B3-19F9-4DAD-AF96-08B93901E074}"/>
+          <p:cNvPr id="74" name="Textfeld 73">
+            <a:extLst>
+              <a:ext uri="{FF2B5EF4-FFF2-40B4-BE49-F238E27FC236}">
+                <a16:creationId xmlns:a16="http://schemas.microsoft.com/office/drawing/2014/main" id="{A3F1D1A0-E7A9-4890-B450-D8145EA558CD}"/>
               </a:ext>
             </a:extLst>
           </p:cNvPr>
@@ -15677,8 +17229,8 @@
         </p:nvSpPr>
         <p:spPr>
           <a:xfrm>
-            <a:off x="2641557" y="484958"/>
-            <a:ext cx="728821" cy="253916"/>
+            <a:off x="1272765" y="484275"/>
+            <a:ext cx="728821" cy="265457"/>
           </a:xfrm>
           <a:prstGeom prst="rect">
             <a:avLst/>
@@ -15693,22 +17245,18 @@
           <a:p>
             <a:r>
               <a:rPr lang="de-CH" sz="750" dirty="0"/>
-              <a:t>Rechnungen</a:t>
+              <a:t>Kreditoren</a:t>
             </a:r>
             <a:br>
               <a:rPr lang="de-CH" sz="750" dirty="0"/>
             </a:br>
             <a:r>
-              <a:rPr lang="de-CH" sz="300" dirty="0"/>
-              <a:t>file-</a:t>
-            </a:r>
-            <a:r>
-              <a:rPr lang="de-CH" sz="300" dirty="0" err="1"/>
-              <a:t>invoice</a:t>
-            </a:r>
-            <a:r>
-              <a:rPr lang="de-CH" sz="300" dirty="0"/>
-              <a:t>-dollar</a:t>
+              <a:rPr lang="de-CH" sz="375" dirty="0"/>
+              <a:t>user-</a:t>
+            </a:r>
+            <a:r>
+              <a:rPr lang="de-CH" sz="375" dirty="0" err="1"/>
+              <a:t>tie</a:t>
             </a:r>
             <a:endParaRPr lang="de-CH" sz="750" dirty="0"/>
           </a:p>
@@ -15716,10 +17264,10 @@
       </p:sp>
       <p:pic>
         <p:nvPicPr>
-          <p:cNvPr id="73" name="Grafik 72">
-            <a:extLst>
-              <a:ext uri="{FF2B5EF4-FFF2-40B4-BE49-F238E27FC236}">
-                <a16:creationId xmlns:a16="http://schemas.microsoft.com/office/drawing/2014/main" id="{4D4542A2-F0A8-455F-901C-B19369D1F973}"/>
+          <p:cNvPr id="4" name="Grafik 3">
+            <a:extLst>
+              <a:ext uri="{FF2B5EF4-FFF2-40B4-BE49-F238E27FC236}">
+                <a16:creationId xmlns:a16="http://schemas.microsoft.com/office/drawing/2014/main" id="{9406529B-509B-42B7-A142-FAE3A1F66B7D}"/>
               </a:ext>
             </a:extLst>
           </p:cNvPr>
@@ -15745,8 +17293,8 @@
         </p:blipFill>
         <p:spPr>
           <a:xfrm>
-            <a:off x="1437023" y="67926"/>
-            <a:ext cx="364904" cy="417032"/>
+            <a:off x="8452339" y="383783"/>
+            <a:ext cx="232311" cy="232311"/>
           </a:xfrm>
           <a:prstGeom prst="rect">
             <a:avLst/>
@@ -15755,10 +17303,10 @@
       </p:pic>
       <p:sp>
         <p:nvSpPr>
-          <p:cNvPr id="74" name="Textfeld 73">
-            <a:extLst>
-              <a:ext uri="{FF2B5EF4-FFF2-40B4-BE49-F238E27FC236}">
-                <a16:creationId xmlns:a16="http://schemas.microsoft.com/office/drawing/2014/main" id="{A3F1D1A0-E7A9-4890-B450-D8145EA558CD}"/>
+          <p:cNvPr id="23" name="Textfeld 22">
+            <a:extLst>
+              <a:ext uri="{FF2B5EF4-FFF2-40B4-BE49-F238E27FC236}">
+                <a16:creationId xmlns:a16="http://schemas.microsoft.com/office/drawing/2014/main" id="{78E7674F-AC57-4480-BF2D-706CEBDBE8BC}"/>
               </a:ext>
             </a:extLst>
           </p:cNvPr>
@@ -15767,8 +17315,8 @@
         </p:nvSpPr>
         <p:spPr>
           <a:xfrm>
-            <a:off x="1255065" y="484275"/>
-            <a:ext cx="728821" cy="265457"/>
+            <a:off x="8368317" y="584435"/>
+            <a:ext cx="523846" cy="138499"/>
           </a:xfrm>
           <a:prstGeom prst="rect">
             <a:avLst/>
@@ -15782,30 +17330,22 @@
           <a:lstStyle/>
           <a:p>
             <a:r>
-              <a:rPr lang="de-CH" sz="750" dirty="0"/>
-              <a:t>Kreditoren</a:t>
-            </a:r>
-            <a:br>
-              <a:rPr lang="de-CH" sz="750" dirty="0"/>
-            </a:br>
-            <a:r>
-              <a:rPr lang="de-CH" sz="375" dirty="0"/>
-              <a:t>user-</a:t>
-            </a:r>
-            <a:r>
-              <a:rPr lang="de-CH" sz="375" dirty="0" err="1"/>
-              <a:t>tie</a:t>
-            </a:r>
-            <a:endParaRPr lang="de-CH" sz="750" dirty="0"/>
+              <a:rPr lang="de-CH" sz="300" dirty="0" err="1"/>
+              <a:t>Sign</a:t>
+            </a:r>
+            <a:r>
+              <a:rPr lang="de-CH" sz="300" dirty="0"/>
+              <a:t>-out-alt</a:t>
+            </a:r>
           </a:p>
         </p:txBody>
       </p:sp>
       <p:pic>
         <p:nvPicPr>
-          <p:cNvPr id="4" name="Grafik 3">
-            <a:extLst>
-              <a:ext uri="{FF2B5EF4-FFF2-40B4-BE49-F238E27FC236}">
-                <a16:creationId xmlns:a16="http://schemas.microsoft.com/office/drawing/2014/main" id="{9406529B-509B-42B7-A142-FAE3A1F66B7D}"/>
+          <p:cNvPr id="9" name="Grafik 8">
+            <a:extLst>
+              <a:ext uri="{FF2B5EF4-FFF2-40B4-BE49-F238E27FC236}">
+                <a16:creationId xmlns:a16="http://schemas.microsoft.com/office/drawing/2014/main" id="{4A1AB0C7-8F83-489F-83B8-C68A854A2BDC}"/>
               </a:ext>
             </a:extLst>
           </p:cNvPr>
@@ -15831,8 +17371,8 @@
         </p:blipFill>
         <p:spPr>
           <a:xfrm>
-            <a:off x="8452339" y="383783"/>
-            <a:ext cx="232311" cy="232311"/>
+            <a:off x="3496810" y="94993"/>
+            <a:ext cx="430010" cy="344008"/>
           </a:xfrm>
           <a:prstGeom prst="rect">
             <a:avLst/>
@@ -15841,10 +17381,10 @@
       </p:pic>
       <p:sp>
         <p:nvSpPr>
-          <p:cNvPr id="23" name="Textfeld 22">
-            <a:extLst>
-              <a:ext uri="{FF2B5EF4-FFF2-40B4-BE49-F238E27FC236}">
-                <a16:creationId xmlns:a16="http://schemas.microsoft.com/office/drawing/2014/main" id="{78E7674F-AC57-4480-BF2D-706CEBDBE8BC}"/>
+          <p:cNvPr id="35" name="Textfeld 34">
+            <a:extLst>
+              <a:ext uri="{FF2B5EF4-FFF2-40B4-BE49-F238E27FC236}">
+                <a16:creationId xmlns:a16="http://schemas.microsoft.com/office/drawing/2014/main" id="{1998E68F-D869-43FF-9BBA-1A741FC9CC62}"/>
               </a:ext>
             </a:extLst>
           </p:cNvPr>
@@ -15853,8 +17393,8 @@
         </p:nvSpPr>
         <p:spPr>
           <a:xfrm>
-            <a:off x="8368317" y="584435"/>
-            <a:ext cx="523846" cy="138499"/>
+            <a:off x="3491764" y="457477"/>
+            <a:ext cx="601337" cy="253916"/>
           </a:xfrm>
           <a:prstGeom prst="rect">
             <a:avLst/>
@@ -15868,57 +17408,34 @@
           <a:lstStyle/>
           <a:p>
             <a:r>
+              <a:rPr lang="de-CH" sz="750" dirty="0"/>
+              <a:t>Konten</a:t>
+            </a:r>
+            <a:br>
+              <a:rPr lang="de-CH" sz="750" dirty="0"/>
+            </a:br>
+            <a:r>
+              <a:rPr lang="de-CH" sz="300" dirty="0"/>
+              <a:t> </a:t>
+            </a:r>
+            <a:r>
               <a:rPr lang="de-CH" sz="300" dirty="0" err="1"/>
-              <a:t>Sign</a:t>
+              <a:t>money</a:t>
             </a:r>
             <a:r>
               <a:rPr lang="de-CH" sz="300" dirty="0"/>
-              <a:t>-out-alt</a:t>
-            </a:r>
-          </a:p>
-        </p:txBody>
-      </p:sp>
-      <p:sp>
-        <p:nvSpPr>
-          <p:cNvPr id="30" name="Textfeld 29">
-            <a:extLst>
-              <a:ext uri="{FF2B5EF4-FFF2-40B4-BE49-F238E27FC236}">
-                <a16:creationId xmlns:a16="http://schemas.microsoft.com/office/drawing/2014/main" id="{0B5B28E4-0027-41B1-A093-9ADDFE5393C4}"/>
-              </a:ext>
-            </a:extLst>
-          </p:cNvPr>
-          <p:cNvSpPr txBox="1"/>
-          <p:nvPr/>
-        </p:nvSpPr>
-        <p:spPr>
-          <a:xfrm>
-            <a:off x="4409360" y="1018829"/>
-            <a:ext cx="2041736" cy="300082"/>
-          </a:xfrm>
-          <a:prstGeom prst="rect">
-            <a:avLst/>
-          </a:prstGeom>
-          <a:noFill/>
-        </p:spPr>
-        <p:txBody>
-          <a:bodyPr wrap="square" rtlCol="0">
-            <a:spAutoFit/>
-          </a:bodyPr>
-          <a:lstStyle/>
-          <a:p>
-            <a:r>
-              <a:rPr lang="de-CH" sz="1350" dirty="0"/>
-              <a:t>Mietverträge</a:t>
-            </a:r>
+              <a:t>-check-alt</a:t>
+            </a:r>
+            <a:endParaRPr lang="de-CH" sz="750" dirty="0"/>
           </a:p>
         </p:txBody>
       </p:sp>
       <p:pic>
         <p:nvPicPr>
-          <p:cNvPr id="9" name="Grafik 8">
-            <a:extLst>
-              <a:ext uri="{FF2B5EF4-FFF2-40B4-BE49-F238E27FC236}">
-                <a16:creationId xmlns:a16="http://schemas.microsoft.com/office/drawing/2014/main" id="{4A1AB0C7-8F83-489F-83B8-C68A854A2BDC}"/>
+          <p:cNvPr id="24" name="Grafik 23">
+            <a:extLst>
+              <a:ext uri="{FF2B5EF4-FFF2-40B4-BE49-F238E27FC236}">
+                <a16:creationId xmlns:a16="http://schemas.microsoft.com/office/drawing/2014/main" id="{13458F70-B950-465F-AA13-D7F28DBBF027}"/>
               </a:ext>
             </a:extLst>
           </p:cNvPr>
@@ -15928,103 +17445,13 @@
           <p:nvPr/>
         </p:nvPicPr>
         <p:blipFill>
-          <a:blip r:embed="rId14">
-            <a:extLst>
-              <a:ext uri="{28A0092B-C50C-407E-A947-70E740481C1C}">
-                <a14:useLocalDpi xmlns:a14="http://schemas.microsoft.com/office/drawing/2010/main" val="0"/>
-              </a:ext>
-              <a:ext uri="{96DAC541-7B7A-43D3-8B79-37D633B846F1}">
-                <asvg:svgBlip xmlns:asvg="http://schemas.microsoft.com/office/drawing/2016/SVG/main" r:embed="rId15"/>
-              </a:ext>
-            </a:extLst>
-          </a:blip>
+          <a:blip r:embed="rId14"/>
           <a:stretch>
             <a:fillRect/>
           </a:stretch>
         </p:blipFill>
         <p:spPr>
           <a:xfrm>
-            <a:off x="3479110" y="94993"/>
-            <a:ext cx="430010" cy="344008"/>
-          </a:xfrm>
-          <a:prstGeom prst="rect">
-            <a:avLst/>
-          </a:prstGeom>
-        </p:spPr>
-      </p:pic>
-      <p:sp>
-        <p:nvSpPr>
-          <p:cNvPr id="35" name="Textfeld 34">
-            <a:extLst>
-              <a:ext uri="{FF2B5EF4-FFF2-40B4-BE49-F238E27FC236}">
-                <a16:creationId xmlns:a16="http://schemas.microsoft.com/office/drawing/2014/main" id="{1998E68F-D869-43FF-9BBA-1A741FC9CC62}"/>
-              </a:ext>
-            </a:extLst>
-          </p:cNvPr>
-          <p:cNvSpPr txBox="1"/>
-          <p:nvPr/>
-        </p:nvSpPr>
-        <p:spPr>
-          <a:xfrm>
-            <a:off x="3474064" y="457477"/>
-            <a:ext cx="601337" cy="253916"/>
-          </a:xfrm>
-          <a:prstGeom prst="rect">
-            <a:avLst/>
-          </a:prstGeom>
-          <a:noFill/>
-        </p:spPr>
-        <p:txBody>
-          <a:bodyPr wrap="square" rtlCol="0">
-            <a:spAutoFit/>
-          </a:bodyPr>
-          <a:lstStyle/>
-          <a:p>
-            <a:r>
-              <a:rPr lang="de-CH" sz="750" dirty="0"/>
-              <a:t>Konten</a:t>
-            </a:r>
-            <a:br>
-              <a:rPr lang="de-CH" sz="750" dirty="0"/>
-            </a:br>
-            <a:r>
-              <a:rPr lang="de-CH" sz="300" dirty="0"/>
-              <a:t> </a:t>
-            </a:r>
-            <a:r>
-              <a:rPr lang="de-CH" sz="300" dirty="0" err="1"/>
-              <a:t>money</a:t>
-            </a:r>
-            <a:r>
-              <a:rPr lang="de-CH" sz="300" dirty="0"/>
-              <a:t>-check-alt</a:t>
-            </a:r>
-            <a:endParaRPr lang="de-CH" sz="750" dirty="0"/>
-          </a:p>
-        </p:txBody>
-      </p:sp>
-      <p:pic>
-        <p:nvPicPr>
-          <p:cNvPr id="29" name="Grafik 28">
-            <a:extLst>
-              <a:ext uri="{FF2B5EF4-FFF2-40B4-BE49-F238E27FC236}">
-                <a16:creationId xmlns:a16="http://schemas.microsoft.com/office/drawing/2014/main" id="{E7058714-5A9D-40C4-9F43-FEC6392446DB}"/>
-              </a:ext>
-            </a:extLst>
-          </p:cNvPr>
-          <p:cNvPicPr>
-            <a:picLocks noChangeAspect="1"/>
-          </p:cNvPicPr>
-          <p:nvPr/>
-        </p:nvPicPr>
-        <p:blipFill>
-          <a:blip r:embed="rId16"/>
-          <a:stretch>
-            <a:fillRect/>
-          </a:stretch>
-        </p:blipFill>
-        <p:spPr>
-          <a:xfrm>
             <a:off x="-94" y="784830"/>
             <a:ext cx="1685925" cy="5867400"/>
           </a:xfrm>
@@ -16038,7 +17465,7 @@
           <p:cNvPr id="31" name="Textfeld 30">
             <a:extLst>
               <a:ext uri="{FF2B5EF4-FFF2-40B4-BE49-F238E27FC236}">
-                <a16:creationId xmlns:a16="http://schemas.microsoft.com/office/drawing/2014/main" id="{F315F7FE-8A4C-49DF-AB58-870DA6891EC4}"/>
+                <a16:creationId xmlns:a16="http://schemas.microsoft.com/office/drawing/2014/main" id="{643F0A65-6E0E-49A5-A178-6B1F33B35051}"/>
               </a:ext>
             </a:extLst>
           </p:cNvPr>
@@ -16047,7 +17474,7 @@
         </p:nvSpPr>
         <p:spPr>
           <a:xfrm>
-            <a:off x="42060" y="2029499"/>
+            <a:off x="2001586" y="4853181"/>
             <a:ext cx="1534772" cy="300082"/>
           </a:xfrm>
           <a:prstGeom prst="rect">
@@ -16072,17 +17499,17 @@
           <a:p>
             <a:r>
               <a:rPr lang="de-CH" sz="1350" dirty="0"/>
-              <a:t>Rechnungen</a:t>
-            </a:r>
-          </a:p>
-        </p:txBody>
-      </p:sp>
-      <p:sp>
-        <p:nvSpPr>
-          <p:cNvPr id="32" name="Textfeld 31">
-            <a:extLst>
-              <a:ext uri="{FF2B5EF4-FFF2-40B4-BE49-F238E27FC236}">
-                <a16:creationId xmlns:a16="http://schemas.microsoft.com/office/drawing/2014/main" id="{390E48DD-B074-40E8-85D1-4B9FD20D280C}"/>
+              <a:t>Speichern</a:t>
+            </a:r>
+          </a:p>
+        </p:txBody>
+      </p:sp>
+      <p:sp>
+        <p:nvSpPr>
+          <p:cNvPr id="29" name="Textfeld 28">
+            <a:extLst>
+              <a:ext uri="{FF2B5EF4-FFF2-40B4-BE49-F238E27FC236}">
+                <a16:creationId xmlns:a16="http://schemas.microsoft.com/office/drawing/2014/main" id="{BB118B66-9E39-4039-8D78-121E69E5C9B4}"/>
               </a:ext>
             </a:extLst>
           </p:cNvPr>
@@ -16091,22 +17518,13 @@
         </p:nvSpPr>
         <p:spPr>
           <a:xfrm>
-            <a:off x="30626" y="944587"/>
-            <a:ext cx="1534772" cy="300082"/>
-          </a:xfrm>
-          <a:prstGeom prst="rect">
-            <a:avLst/>
-          </a:prstGeom>
-          <a:solidFill>
-            <a:schemeClr val="bg2"/>
-          </a:solidFill>
-          <a:effectLst>
-            <a:outerShdw blurRad="50800" dist="38100" dir="2700000" algn="tl" rotWithShape="0">
-              <a:prstClr val="black">
-                <a:alpha val="40000"/>
-              </a:prstClr>
-            </a:outerShdw>
-          </a:effectLst>
+            <a:off x="2015423" y="1375730"/>
+            <a:ext cx="2041736" cy="1131079"/>
+          </a:xfrm>
+          <a:prstGeom prst="rect">
+            <a:avLst/>
+          </a:prstGeom>
+          <a:noFill/>
         </p:spPr>
         <p:txBody>
           <a:bodyPr wrap="square" rtlCol="0">
@@ -16116,103 +17534,67 @@
           <a:p>
             <a:r>
               <a:rPr lang="de-CH" sz="1350" dirty="0"/>
-              <a:t>Neuer Mietvertrag</a:t>
-            </a:r>
-          </a:p>
-        </p:txBody>
-      </p:sp>
-      <p:sp>
-        <p:nvSpPr>
-          <p:cNvPr id="33" name="Textfeld 32">
-            <a:extLst>
-              <a:ext uri="{FF2B5EF4-FFF2-40B4-BE49-F238E27FC236}">
-                <a16:creationId xmlns:a16="http://schemas.microsoft.com/office/drawing/2014/main" id="{A8CEBBC0-5FE9-4F0F-B4A3-6A97A76BFE50}"/>
-              </a:ext>
-            </a:extLst>
-          </p:cNvPr>
-          <p:cNvSpPr txBox="1"/>
-          <p:nvPr/>
-        </p:nvSpPr>
-        <p:spPr>
-          <a:xfrm>
-            <a:off x="42060" y="1602391"/>
-            <a:ext cx="1534772" cy="300082"/>
-          </a:xfrm>
-          <a:prstGeom prst="rect">
-            <a:avLst/>
-          </a:prstGeom>
-          <a:solidFill>
-            <a:schemeClr val="bg2"/>
-          </a:solidFill>
-          <a:effectLst>
-            <a:outerShdw blurRad="50800" dist="38100" dir="2700000" algn="tl" rotWithShape="0">
-              <a:prstClr val="black">
-                <a:alpha val="40000"/>
-              </a:prstClr>
-            </a:outerShdw>
-          </a:effectLst>
-        </p:spPr>
-        <p:txBody>
-          <a:bodyPr wrap="square" rtlCol="0">
-            <a:spAutoFit/>
-          </a:bodyPr>
-          <a:lstStyle/>
-          <a:p>
+              <a:t>Personas bearbeiten oder hinzufügen</a:t>
+            </a:r>
+          </a:p>
+          <a:p>
+            <a:endParaRPr lang="de-CH" sz="1350" dirty="0"/>
+          </a:p>
+          <a:p>
+            <a:r>
+              <a:rPr lang="de-CH" sz="1350" dirty="0" err="1"/>
+              <a:t>Editfelder</a:t>
+            </a:r>
             <a:r>
               <a:rPr lang="de-CH" sz="1350" dirty="0"/>
-              <a:t>Mahnung erstellen</a:t>
-            </a:r>
-          </a:p>
-        </p:txBody>
-      </p:sp>
-      <p:sp>
-        <p:nvSpPr>
-          <p:cNvPr id="24" name="Textfeld 23">
-            <a:extLst>
-              <a:ext uri="{FF2B5EF4-FFF2-40B4-BE49-F238E27FC236}">
-                <a16:creationId xmlns:a16="http://schemas.microsoft.com/office/drawing/2014/main" id="{62430D41-DBE9-4E02-85B4-CDAFDEA9C08B}"/>
-              </a:ext>
-            </a:extLst>
-          </p:cNvPr>
-          <p:cNvSpPr txBox="1"/>
-          <p:nvPr/>
-        </p:nvSpPr>
-        <p:spPr>
-          <a:xfrm>
-            <a:off x="7223908" y="6042772"/>
-            <a:ext cx="1534772" cy="300082"/>
-          </a:xfrm>
-          <a:prstGeom prst="rect">
-            <a:avLst/>
-          </a:prstGeom>
-          <a:solidFill>
-            <a:schemeClr val="bg2"/>
-          </a:solidFill>
-          <a:effectLst>
-            <a:outerShdw blurRad="50800" dist="38100" dir="2700000" algn="tl" rotWithShape="0">
-              <a:prstClr val="black">
-                <a:alpha val="40000"/>
-              </a:prstClr>
-            </a:outerShdw>
-          </a:effectLst>
-        </p:spPr>
-        <p:txBody>
-          <a:bodyPr wrap="square" rtlCol="0">
-            <a:spAutoFit/>
-          </a:bodyPr>
-          <a:lstStyle/>
-          <a:p>
-            <a:r>
-              <a:rPr lang="de-CH" sz="1350" dirty="0"/>
-              <a:t>Speichern</a:t>
-            </a:r>
-          </a:p>
-        </p:txBody>
-      </p:sp>
+              <a:t> die benötigt werden, werden angezeigt</a:t>
+            </a:r>
+          </a:p>
+        </p:txBody>
+      </p:sp>
+      <p:pic>
+        <p:nvPicPr>
+          <p:cNvPr id="33" name="Grafik 32">
+            <a:extLst>
+              <a:ext uri="{FF2B5EF4-FFF2-40B4-BE49-F238E27FC236}">
+                <a16:creationId xmlns:a16="http://schemas.microsoft.com/office/drawing/2014/main" id="{A2EBA6BD-875B-4BE6-BADD-BD823C576551}"/>
+              </a:ext>
+            </a:extLst>
+          </p:cNvPr>
+          <p:cNvPicPr>
+            <a:picLocks noChangeAspect="1"/>
+          </p:cNvPicPr>
+          <p:nvPr/>
+        </p:nvPicPr>
+        <p:blipFill>
+          <a:blip r:embed="rId15">
+            <a:extLst>
+              <a:ext uri="{28A0092B-C50C-407E-A947-70E740481C1C}">
+                <a14:useLocalDpi xmlns:a14="http://schemas.microsoft.com/office/drawing/2010/main" val="0"/>
+              </a:ext>
+              <a:ext uri="{96DAC541-7B7A-43D3-8B79-37D633B846F1}">
+                <asvg:svgBlip xmlns:asvg="http://schemas.microsoft.com/office/drawing/2016/SVG/main" r:embed="rId16"/>
+              </a:ext>
+            </a:extLst>
+          </a:blip>
+          <a:stretch>
+            <a:fillRect/>
+          </a:stretch>
+        </p:blipFill>
+        <p:spPr>
+          <a:xfrm>
+            <a:off x="744219" y="120582"/>
+            <a:ext cx="469898" cy="375918"/>
+          </a:xfrm>
+          <a:prstGeom prst="rect">
+            <a:avLst/>
+          </a:prstGeom>
+        </p:spPr>
+      </p:pic>
     </p:spTree>
     <p:extLst>
       <p:ext uri="{BB962C8B-B14F-4D97-AF65-F5344CB8AC3E}">
-        <p14:creationId xmlns:p14="http://schemas.microsoft.com/office/powerpoint/2010/main" val="380938355"/>
+        <p14:creationId xmlns:p14="http://schemas.microsoft.com/office/powerpoint/2010/main" val="933807054"/>
       </p:ext>
     </p:extLst>
   </p:cSld>
@@ -16522,7 +17904,7 @@
         </p:blipFill>
         <p:spPr>
           <a:xfrm>
-            <a:off x="2121195" y="94993"/>
+            <a:off x="2121197" y="94993"/>
             <a:ext cx="281939" cy="375918"/>
           </a:xfrm>
           <a:prstGeom prst="rect">
@@ -16561,7 +17943,7 @@
         </p:blipFill>
         <p:spPr>
           <a:xfrm>
-            <a:off x="710883" y="94993"/>
+            <a:off x="710885" y="94993"/>
             <a:ext cx="469898" cy="375918"/>
           </a:xfrm>
           <a:prstGeom prst="rect">
@@ -16583,7 +17965,7 @@
         </p:nvSpPr>
         <p:spPr>
           <a:xfrm>
-            <a:off x="682358" y="498781"/>
+            <a:off x="682360" y="498781"/>
             <a:ext cx="671884" cy="253916"/>
           </a:xfrm>
           <a:prstGeom prst="rect">
@@ -16626,7 +18008,7 @@
         </p:nvSpPr>
         <p:spPr>
           <a:xfrm>
-            <a:off x="1940761" y="484959"/>
+            <a:off x="1940763" y="484959"/>
             <a:ext cx="728821" cy="265457"/>
           </a:xfrm>
           <a:prstGeom prst="rect">
@@ -16690,7 +18072,7 @@
         </p:blipFill>
         <p:spPr>
           <a:xfrm>
-            <a:off x="2772045" y="94992"/>
+            <a:off x="2772047" y="94992"/>
             <a:ext cx="281939" cy="375918"/>
           </a:xfrm>
           <a:prstGeom prst="rect">
@@ -16712,7 +18094,7 @@
         </p:nvSpPr>
         <p:spPr>
           <a:xfrm>
-            <a:off x="2641555" y="484958"/>
+            <a:off x="2641557" y="484958"/>
             <a:ext cx="728821" cy="253916"/>
           </a:xfrm>
           <a:prstGeom prst="rect">
@@ -16780,7 +18162,7 @@
         </p:blipFill>
         <p:spPr>
           <a:xfrm>
-            <a:off x="1437021" y="67926"/>
+            <a:off x="1437023" y="67926"/>
             <a:ext cx="364904" cy="417032"/>
           </a:xfrm>
           <a:prstGeom prst="rect">
@@ -16802,7 +18184,7 @@
         </p:nvSpPr>
         <p:spPr>
           <a:xfrm>
-            <a:off x="1255063" y="484275"/>
+            <a:off x="1255065" y="484275"/>
             <a:ext cx="728821" cy="265457"/>
           </a:xfrm>
           <a:prstGeom prst="rect">
@@ -16927,7 +18309,7 @@
         </p:nvSpPr>
         <p:spPr>
           <a:xfrm>
-            <a:off x="4636035" y="1092266"/>
+            <a:off x="4409360" y="1018829"/>
             <a:ext cx="2041736" cy="300082"/>
           </a:xfrm>
           <a:prstGeom prst="rect">
@@ -16943,7 +18325,7 @@
           <a:p>
             <a:r>
               <a:rPr lang="de-CH" sz="1350" dirty="0"/>
-              <a:t>Rechnungen</a:t>
+              <a:t>Mietverträge</a:t>
             </a:r>
           </a:p>
         </p:txBody>
@@ -16979,7 +18361,7 @@
         </p:blipFill>
         <p:spPr>
           <a:xfrm>
-            <a:off x="3479108" y="94993"/>
+            <a:off x="3479110" y="94993"/>
             <a:ext cx="430010" cy="344008"/>
           </a:xfrm>
           <a:prstGeom prst="rect">
@@ -17001,7 +18383,7 @@
         </p:nvSpPr>
         <p:spPr>
           <a:xfrm>
-            <a:off x="3474062" y="457477"/>
+            <a:off x="3474064" y="457477"/>
             <a:ext cx="601337" cy="253916"/>
           </a:xfrm>
           <a:prstGeom prst="rect">
@@ -17040,10 +18422,10 @@
       </p:sp>
       <p:pic>
         <p:nvPicPr>
-          <p:cNvPr id="24" name="Grafik 23">
-            <a:extLst>
-              <a:ext uri="{FF2B5EF4-FFF2-40B4-BE49-F238E27FC236}">
-                <a16:creationId xmlns:a16="http://schemas.microsoft.com/office/drawing/2014/main" id="{73C1D568-3DAD-47E6-ABA2-CE4CEBAC9EEA}"/>
+          <p:cNvPr id="29" name="Grafik 28">
+            <a:extLst>
+              <a:ext uri="{FF2B5EF4-FFF2-40B4-BE49-F238E27FC236}">
+                <a16:creationId xmlns:a16="http://schemas.microsoft.com/office/drawing/2014/main" id="{E7058714-5A9D-40C4-9F43-FEC6392446DB}"/>
               </a:ext>
             </a:extLst>
           </p:cNvPr>
@@ -17070,10 +18452,10 @@
       </p:pic>
       <p:sp>
         <p:nvSpPr>
-          <p:cNvPr id="26" name="Textfeld 25">
-            <a:extLst>
-              <a:ext uri="{FF2B5EF4-FFF2-40B4-BE49-F238E27FC236}">
-                <a16:creationId xmlns:a16="http://schemas.microsoft.com/office/drawing/2014/main" id="{EBD68964-F06C-4AE3-85A6-7CF0E494DD89}"/>
+          <p:cNvPr id="31" name="Textfeld 30">
+            <a:extLst>
+              <a:ext uri="{FF2B5EF4-FFF2-40B4-BE49-F238E27FC236}">
+                <a16:creationId xmlns:a16="http://schemas.microsoft.com/office/drawing/2014/main" id="{F315F7FE-8A4C-49DF-AB58-870DA6891EC4}"/>
               </a:ext>
             </a:extLst>
           </p:cNvPr>
@@ -17082,7 +18464,7 @@
         </p:nvSpPr>
         <p:spPr>
           <a:xfrm>
-            <a:off x="30626" y="944587"/>
+            <a:off x="42060" y="2029499"/>
             <a:ext cx="1534772" cy="300082"/>
           </a:xfrm>
           <a:prstGeom prst="rect">
@@ -17107,17 +18489,17 @@
           <a:p>
             <a:r>
               <a:rPr lang="de-CH" sz="1350" dirty="0"/>
-              <a:t>Neue Rechnung</a:t>
-            </a:r>
-          </a:p>
-        </p:txBody>
-      </p:sp>
-      <p:sp>
-        <p:nvSpPr>
-          <p:cNvPr id="27" name="Textfeld 26">
-            <a:extLst>
-              <a:ext uri="{FF2B5EF4-FFF2-40B4-BE49-F238E27FC236}">
-                <a16:creationId xmlns:a16="http://schemas.microsoft.com/office/drawing/2014/main" id="{305EFC4D-AFB3-4D73-9A63-4A5B70885037}"/>
+              <a:t>Rechnungen</a:t>
+            </a:r>
+          </a:p>
+        </p:txBody>
+      </p:sp>
+      <p:sp>
+        <p:nvSpPr>
+          <p:cNvPr id="32" name="Textfeld 31">
+            <a:extLst>
+              <a:ext uri="{FF2B5EF4-FFF2-40B4-BE49-F238E27FC236}">
+                <a16:creationId xmlns:a16="http://schemas.microsoft.com/office/drawing/2014/main" id="{390E48DD-B074-40E8-85D1-4B9FD20D280C}"/>
               </a:ext>
             </a:extLst>
           </p:cNvPr>
@@ -17126,7 +18508,7 @@
         </p:nvSpPr>
         <p:spPr>
           <a:xfrm>
-            <a:off x="42060" y="1602391"/>
+            <a:off x="30626" y="944587"/>
             <a:ext cx="1534772" cy="300082"/>
           </a:xfrm>
           <a:prstGeom prst="rect">
@@ -17151,7 +18533,139 @@
           <a:p>
             <a:r>
               <a:rPr lang="de-CH" sz="1350" dirty="0"/>
+              <a:t>Neuer Mietvertrag</a:t>
+            </a:r>
+          </a:p>
+        </p:txBody>
+      </p:sp>
+      <p:sp>
+        <p:nvSpPr>
+          <p:cNvPr id="33" name="Textfeld 32">
+            <a:extLst>
+              <a:ext uri="{FF2B5EF4-FFF2-40B4-BE49-F238E27FC236}">
+                <a16:creationId xmlns:a16="http://schemas.microsoft.com/office/drawing/2014/main" id="{A8CEBBC0-5FE9-4F0F-B4A3-6A97A76BFE50}"/>
+              </a:ext>
+            </a:extLst>
+          </p:cNvPr>
+          <p:cNvSpPr txBox="1"/>
+          <p:nvPr/>
+        </p:nvSpPr>
+        <p:spPr>
+          <a:xfrm>
+            <a:off x="42060" y="1602391"/>
+            <a:ext cx="1534772" cy="300082"/>
+          </a:xfrm>
+          <a:prstGeom prst="rect">
+            <a:avLst/>
+          </a:prstGeom>
+          <a:solidFill>
+            <a:schemeClr val="bg2"/>
+          </a:solidFill>
+          <a:effectLst>
+            <a:outerShdw blurRad="50800" dist="38100" dir="2700000" algn="tl" rotWithShape="0">
+              <a:prstClr val="black">
+                <a:alpha val="40000"/>
+              </a:prstClr>
+            </a:outerShdw>
+          </a:effectLst>
+        </p:spPr>
+        <p:txBody>
+          <a:bodyPr wrap="square" rtlCol="0">
+            <a:spAutoFit/>
+          </a:bodyPr>
+          <a:lstStyle/>
+          <a:p>
+            <a:r>
+              <a:rPr lang="de-CH" sz="1350" dirty="0"/>
               <a:t>Mahnung erstellen</a:t>
+            </a:r>
+          </a:p>
+        </p:txBody>
+      </p:sp>
+      <p:sp>
+        <p:nvSpPr>
+          <p:cNvPr id="24" name="Textfeld 23">
+            <a:extLst>
+              <a:ext uri="{FF2B5EF4-FFF2-40B4-BE49-F238E27FC236}">
+                <a16:creationId xmlns:a16="http://schemas.microsoft.com/office/drawing/2014/main" id="{62430D41-DBE9-4E02-85B4-CDAFDEA9C08B}"/>
+              </a:ext>
+            </a:extLst>
+          </p:cNvPr>
+          <p:cNvSpPr txBox="1"/>
+          <p:nvPr/>
+        </p:nvSpPr>
+        <p:spPr>
+          <a:xfrm>
+            <a:off x="7223908" y="6042772"/>
+            <a:ext cx="1534772" cy="300082"/>
+          </a:xfrm>
+          <a:prstGeom prst="rect">
+            <a:avLst/>
+          </a:prstGeom>
+          <a:solidFill>
+            <a:schemeClr val="bg2"/>
+          </a:solidFill>
+          <a:effectLst>
+            <a:outerShdw blurRad="50800" dist="38100" dir="2700000" algn="tl" rotWithShape="0">
+              <a:prstClr val="black">
+                <a:alpha val="40000"/>
+              </a:prstClr>
+            </a:outerShdw>
+          </a:effectLst>
+        </p:spPr>
+        <p:txBody>
+          <a:bodyPr wrap="square" rtlCol="0">
+            <a:spAutoFit/>
+          </a:bodyPr>
+          <a:lstStyle/>
+          <a:p>
+            <a:r>
+              <a:rPr lang="de-CH" sz="1350" dirty="0"/>
+              <a:t>Speichern</a:t>
+            </a:r>
+          </a:p>
+        </p:txBody>
+      </p:sp>
+      <p:sp>
+        <p:nvSpPr>
+          <p:cNvPr id="26" name="Textfeld 25">
+            <a:extLst>
+              <a:ext uri="{FF2B5EF4-FFF2-40B4-BE49-F238E27FC236}">
+                <a16:creationId xmlns:a16="http://schemas.microsoft.com/office/drawing/2014/main" id="{C91528FD-AE7D-4669-8FD6-5C9EBB9EB866}"/>
+              </a:ext>
+            </a:extLst>
+          </p:cNvPr>
+          <p:cNvSpPr txBox="1"/>
+          <p:nvPr/>
+        </p:nvSpPr>
+        <p:spPr>
+          <a:xfrm>
+            <a:off x="21094" y="2608571"/>
+            <a:ext cx="1534772" cy="300082"/>
+          </a:xfrm>
+          <a:prstGeom prst="rect">
+            <a:avLst/>
+          </a:prstGeom>
+          <a:solidFill>
+            <a:schemeClr val="bg2"/>
+          </a:solidFill>
+          <a:effectLst>
+            <a:outerShdw blurRad="50800" dist="38100" dir="2700000" algn="tl" rotWithShape="0">
+              <a:prstClr val="black">
+                <a:alpha val="40000"/>
+              </a:prstClr>
+            </a:outerShdw>
+          </a:effectLst>
+        </p:spPr>
+        <p:txBody>
+          <a:bodyPr wrap="square" rtlCol="0">
+            <a:spAutoFit/>
+          </a:bodyPr>
+          <a:lstStyle/>
+          <a:p>
+            <a:r>
+              <a:rPr lang="de-CH" sz="1350" dirty="0"/>
+              <a:t>Bearbeiten</a:t>
             </a:r>
           </a:p>
         </p:txBody>
@@ -17159,7 +18673,7 @@
     </p:spTree>
     <p:extLst>
       <p:ext uri="{BB962C8B-B14F-4D97-AF65-F5344CB8AC3E}">
-        <p14:creationId xmlns:p14="http://schemas.microsoft.com/office/powerpoint/2010/main" val="1015326068"/>
+        <p14:creationId xmlns:p14="http://schemas.microsoft.com/office/powerpoint/2010/main" val="380938355"/>
       </p:ext>
     </p:extLst>
   </p:cSld>
@@ -17469,7 +18983,7 @@
         </p:blipFill>
         <p:spPr>
           <a:xfrm>
-            <a:off x="2144797" y="94993"/>
+            <a:off x="2121195" y="94993"/>
             <a:ext cx="281939" cy="375918"/>
           </a:xfrm>
           <a:prstGeom prst="rect">
@@ -17508,7 +19022,7 @@
         </p:blipFill>
         <p:spPr>
           <a:xfrm>
-            <a:off x="734485" y="94993"/>
+            <a:off x="710883" y="94993"/>
             <a:ext cx="469898" cy="375918"/>
           </a:xfrm>
           <a:prstGeom prst="rect">
@@ -17530,7 +19044,7 @@
         </p:nvSpPr>
         <p:spPr>
           <a:xfrm>
-            <a:off x="705960" y="498781"/>
+            <a:off x="682358" y="498781"/>
             <a:ext cx="671884" cy="253916"/>
           </a:xfrm>
           <a:prstGeom prst="rect">
@@ -17573,7 +19087,7 @@
         </p:nvSpPr>
         <p:spPr>
           <a:xfrm>
-            <a:off x="1964363" y="484959"/>
+            <a:off x="1940761" y="484959"/>
             <a:ext cx="728821" cy="265457"/>
           </a:xfrm>
           <a:prstGeom prst="rect">
@@ -17637,7 +19151,7 @@
         </p:blipFill>
         <p:spPr>
           <a:xfrm>
-            <a:off x="2795647" y="94992"/>
+            <a:off x="2772045" y="94992"/>
             <a:ext cx="281939" cy="375918"/>
           </a:xfrm>
           <a:prstGeom prst="rect">
@@ -17659,7 +19173,7 @@
         </p:nvSpPr>
         <p:spPr>
           <a:xfrm>
-            <a:off x="2665157" y="484958"/>
+            <a:off x="2641555" y="484958"/>
             <a:ext cx="728821" cy="253916"/>
           </a:xfrm>
           <a:prstGeom prst="rect">
@@ -17727,7 +19241,7 @@
         </p:blipFill>
         <p:spPr>
           <a:xfrm>
-            <a:off x="1460623" y="67926"/>
+            <a:off x="1437021" y="67926"/>
             <a:ext cx="364904" cy="417032"/>
           </a:xfrm>
           <a:prstGeom prst="rect">
@@ -17749,7 +19263,7 @@
         </p:nvSpPr>
         <p:spPr>
           <a:xfrm>
-            <a:off x="1278665" y="484275"/>
+            <a:off x="1255063" y="484275"/>
             <a:ext cx="728821" cy="265457"/>
           </a:xfrm>
           <a:prstGeom prst="rect">
@@ -17874,7 +19388,7 @@
         </p:nvSpPr>
         <p:spPr>
           <a:xfrm>
-            <a:off x="4936704" y="1168870"/>
+            <a:off x="4636035" y="1092266"/>
             <a:ext cx="2041736" cy="300082"/>
           </a:xfrm>
           <a:prstGeom prst="rect">
@@ -17890,7 +19404,7 @@
           <a:p>
             <a:r>
               <a:rPr lang="de-CH" sz="1350" dirty="0"/>
-              <a:t>Konten</a:t>
+              <a:t>Rechnungen</a:t>
             </a:r>
           </a:p>
         </p:txBody>
@@ -17926,7 +19440,7 @@
         </p:blipFill>
         <p:spPr>
           <a:xfrm>
-            <a:off x="3502710" y="94993"/>
+            <a:off x="3479108" y="94993"/>
             <a:ext cx="430010" cy="344008"/>
           </a:xfrm>
           <a:prstGeom prst="rect">
@@ -17948,7 +19462,7 @@
         </p:nvSpPr>
         <p:spPr>
           <a:xfrm>
-            <a:off x="3497664" y="457477"/>
+            <a:off x="3474062" y="457477"/>
             <a:ext cx="601337" cy="253916"/>
           </a:xfrm>
           <a:prstGeom prst="rect">
@@ -17990,7 +19504,7 @@
           <p:cNvPr id="24" name="Grafik 23">
             <a:extLst>
               <a:ext uri="{FF2B5EF4-FFF2-40B4-BE49-F238E27FC236}">
-                <a16:creationId xmlns:a16="http://schemas.microsoft.com/office/drawing/2014/main" id="{F121B337-66DC-4371-97F3-6EC68E01B491}"/>
+                <a16:creationId xmlns:a16="http://schemas.microsoft.com/office/drawing/2014/main" id="{73C1D568-3DAD-47E6-ABA2-CE4CEBAC9EEA}"/>
               </a:ext>
             </a:extLst>
           </p:cNvPr>
@@ -18017,10 +19531,10 @@
       </p:pic>
       <p:sp>
         <p:nvSpPr>
-          <p:cNvPr id="25" name="Textfeld 24">
-            <a:extLst>
-              <a:ext uri="{FF2B5EF4-FFF2-40B4-BE49-F238E27FC236}">
-                <a16:creationId xmlns:a16="http://schemas.microsoft.com/office/drawing/2014/main" id="{B2B8AC30-F7A0-4543-8D89-C1B2AA077417}"/>
+          <p:cNvPr id="26" name="Textfeld 25">
+            <a:extLst>
+              <a:ext uri="{FF2B5EF4-FFF2-40B4-BE49-F238E27FC236}">
+                <a16:creationId xmlns:a16="http://schemas.microsoft.com/office/drawing/2014/main" id="{EBD68964-F06C-4AE3-85A6-7CF0E494DD89}"/>
               </a:ext>
             </a:extLst>
           </p:cNvPr>
@@ -18054,125 +19568,95 @@
           <a:p>
             <a:r>
               <a:rPr lang="de-CH" sz="1350" dirty="0"/>
-              <a:t>Neues Konto</a:t>
-            </a:r>
-          </a:p>
-        </p:txBody>
-      </p:sp>
-      <p:sp>
-        <p:nvSpPr>
-          <p:cNvPr id="28" name="Rechteck 27">
-            <a:extLst>
-              <a:ext uri="{FF2B5EF4-FFF2-40B4-BE49-F238E27FC236}">
-                <a16:creationId xmlns:a16="http://schemas.microsoft.com/office/drawing/2014/main" id="{7E541742-5993-4BBD-B913-8FB4A3E1C5ED}"/>
-              </a:ext>
-            </a:extLst>
-          </p:cNvPr>
-          <p:cNvSpPr/>
-          <p:nvPr/>
-        </p:nvSpPr>
-        <p:spPr>
-          <a:xfrm>
-            <a:off x="4936704" y="1891314"/>
-            <a:ext cx="1429907" cy="1224395"/>
-          </a:xfrm>
-          <a:prstGeom prst="rect">
-            <a:avLst/>
-          </a:prstGeom>
-          <a:ln>
-            <a:solidFill>
-              <a:schemeClr val="tx1"/>
-            </a:solidFill>
-          </a:ln>
-        </p:spPr>
-        <p:style>
-          <a:lnRef idx="2">
-            <a:schemeClr val="accent6"/>
-          </a:lnRef>
-          <a:fillRef idx="1">
-            <a:schemeClr val="lt1"/>
-          </a:fillRef>
-          <a:effectRef idx="0">
-            <a:schemeClr val="accent6"/>
-          </a:effectRef>
-          <a:fontRef idx="minor">
-            <a:schemeClr val="dk1"/>
-          </a:fontRef>
-        </p:style>
-        <p:txBody>
-          <a:bodyPr rtlCol="0" anchor="ctr"/>
-          <a:lstStyle/>
-          <a:p>
-            <a:pPr algn="ctr"/>
-            <a:r>
-              <a:rPr lang="de-DE" sz="1200" dirty="0"/>
-              <a:t>Konto 1</a:t>
-            </a:r>
-          </a:p>
-          <a:p>
-            <a:pPr algn="ctr"/>
-            <a:r>
-              <a:rPr lang="de-DE" sz="1200" dirty="0"/>
-              <a:t>Kontonummer</a:t>
-            </a:r>
-          </a:p>
-        </p:txBody>
-      </p:sp>
-      <p:sp>
-        <p:nvSpPr>
-          <p:cNvPr id="31" name="Rechteck 30">
-            <a:extLst>
-              <a:ext uri="{FF2B5EF4-FFF2-40B4-BE49-F238E27FC236}">
-                <a16:creationId xmlns:a16="http://schemas.microsoft.com/office/drawing/2014/main" id="{515F3675-4B55-4C85-9E14-3086C3BB3902}"/>
-              </a:ext>
-            </a:extLst>
-          </p:cNvPr>
-          <p:cNvSpPr/>
-          <p:nvPr/>
-        </p:nvSpPr>
-        <p:spPr>
-          <a:xfrm>
-            <a:off x="4936704" y="3429000"/>
-            <a:ext cx="1429907" cy="1224395"/>
-          </a:xfrm>
-          <a:prstGeom prst="rect">
-            <a:avLst/>
-          </a:prstGeom>
-          <a:ln>
-            <a:solidFill>
-              <a:schemeClr val="tx1"/>
-            </a:solidFill>
-          </a:ln>
-        </p:spPr>
-        <p:style>
-          <a:lnRef idx="2">
-            <a:schemeClr val="accent6"/>
-          </a:lnRef>
-          <a:fillRef idx="1">
-            <a:schemeClr val="lt1"/>
-          </a:fillRef>
-          <a:effectRef idx="0">
-            <a:schemeClr val="accent6"/>
-          </a:effectRef>
-          <a:fontRef idx="minor">
-            <a:schemeClr val="dk1"/>
-          </a:fontRef>
-        </p:style>
-        <p:txBody>
-          <a:bodyPr rtlCol="0" anchor="ctr"/>
-          <a:lstStyle/>
-          <a:p>
-            <a:pPr algn="ctr"/>
-            <a:r>
-              <a:rPr lang="de-DE" sz="1200" dirty="0"/>
-              <a:t>Konto 2</a:t>
-            </a:r>
-          </a:p>
-          <a:p>
-            <a:pPr algn="ctr"/>
-            <a:r>
-              <a:rPr lang="de-DE" sz="1200" dirty="0"/>
-              <a:t>Kontonummer</a:t>
+              <a:t>Neue Rechnung</a:t>
+            </a:r>
+          </a:p>
+        </p:txBody>
+      </p:sp>
+      <p:sp>
+        <p:nvSpPr>
+          <p:cNvPr id="27" name="Textfeld 26">
+            <a:extLst>
+              <a:ext uri="{FF2B5EF4-FFF2-40B4-BE49-F238E27FC236}">
+                <a16:creationId xmlns:a16="http://schemas.microsoft.com/office/drawing/2014/main" id="{305EFC4D-AFB3-4D73-9A63-4A5B70885037}"/>
+              </a:ext>
+            </a:extLst>
+          </p:cNvPr>
+          <p:cNvSpPr txBox="1"/>
+          <p:nvPr/>
+        </p:nvSpPr>
+        <p:spPr>
+          <a:xfrm>
+            <a:off x="42060" y="1602391"/>
+            <a:ext cx="1534772" cy="300082"/>
+          </a:xfrm>
+          <a:prstGeom prst="rect">
+            <a:avLst/>
+          </a:prstGeom>
+          <a:solidFill>
+            <a:schemeClr val="bg2"/>
+          </a:solidFill>
+          <a:effectLst>
+            <a:outerShdw blurRad="50800" dist="38100" dir="2700000" algn="tl" rotWithShape="0">
+              <a:prstClr val="black">
+                <a:alpha val="40000"/>
+              </a:prstClr>
+            </a:outerShdw>
+          </a:effectLst>
+        </p:spPr>
+        <p:txBody>
+          <a:bodyPr wrap="square" rtlCol="0">
+            <a:spAutoFit/>
+          </a:bodyPr>
+          <a:lstStyle/>
+          <a:p>
+            <a:r>
+              <a:rPr lang="de-CH" sz="1350" dirty="0"/>
+              <a:t>Mahnung erstellen</a:t>
+            </a:r>
+          </a:p>
+        </p:txBody>
+      </p:sp>
+      <p:sp>
+        <p:nvSpPr>
+          <p:cNvPr id="25" name="Textfeld 24">
+            <a:extLst>
+              <a:ext uri="{FF2B5EF4-FFF2-40B4-BE49-F238E27FC236}">
+                <a16:creationId xmlns:a16="http://schemas.microsoft.com/office/drawing/2014/main" id="{7FEF8261-CF52-4269-8D34-B3895A708879}"/>
+              </a:ext>
+            </a:extLst>
+          </p:cNvPr>
+          <p:cNvSpPr txBox="1"/>
+          <p:nvPr/>
+        </p:nvSpPr>
+        <p:spPr>
+          <a:xfrm>
+            <a:off x="21094" y="2608571"/>
+            <a:ext cx="1534772" cy="300082"/>
+          </a:xfrm>
+          <a:prstGeom prst="rect">
+            <a:avLst/>
+          </a:prstGeom>
+          <a:solidFill>
+            <a:schemeClr val="bg2"/>
+          </a:solidFill>
+          <a:effectLst>
+            <a:outerShdw blurRad="50800" dist="38100" dir="2700000" algn="tl" rotWithShape="0">
+              <a:prstClr val="black">
+                <a:alpha val="40000"/>
+              </a:prstClr>
+            </a:outerShdw>
+          </a:effectLst>
+        </p:spPr>
+        <p:txBody>
+          <a:bodyPr wrap="square" rtlCol="0">
+            <a:spAutoFit/>
+          </a:bodyPr>
+          <a:lstStyle/>
+          <a:p>
+            <a:r>
+              <a:rPr lang="de-CH" sz="1350" dirty="0"/>
+              <a:t>Bearbeiten</a:t>
             </a:r>
           </a:p>
         </p:txBody>
@@ -18180,7 +19664,7 @@
     </p:spTree>
     <p:extLst>
       <p:ext uri="{BB962C8B-B14F-4D97-AF65-F5344CB8AC3E}">
-        <p14:creationId xmlns:p14="http://schemas.microsoft.com/office/powerpoint/2010/main" val="1457593655"/>
+        <p14:creationId xmlns:p14="http://schemas.microsoft.com/office/powerpoint/2010/main" val="1015326068"/>
       </p:ext>
     </p:extLst>
   </p:cSld>

--- a/docs/GUI-Design.pptx
+++ b/docs/GUI-Design.pptx
@@ -137,7 +137,7 @@
 <file path=ppt/revisionInfo.xml><?xml version="1.0" encoding="utf-8"?>
 <p1510:revInfo xmlns:a="http://schemas.openxmlformats.org/drawingml/2006/main" xmlns:r="http://schemas.openxmlformats.org/officeDocument/2006/relationships" xmlns:p1510="http://schemas.microsoft.com/office/powerpoint/2015/10/main">
   <p1510:revLst>
-    <p1510:client id="{21F8B5DC-EEBF-4057-AF5A-A6A231887572}" v="136" dt="2022-04-17T19:33:54.800"/>
+    <p1510:client id="{21F8B5DC-EEBF-4057-AF5A-A6A231887572}" v="137" dt="2022-04-24T08:59:40.420"/>
   </p1510:revLst>
 </p1510:revInfo>
 </file>
@@ -147,7 +147,7 @@
   <pc:docChgLst>
     <pc:chgData name="Michael Neuhaus" userId="c40c4f6d-4879-45f0-ab21-9527e4a3c0bd" providerId="ADAL" clId="{21F8B5DC-EEBF-4057-AF5A-A6A231887572}"/>
     <pc:docChg chg="undo custSel addSld delSld modSld sldOrd modMainMaster">
-      <pc:chgData name="Michael Neuhaus" userId="c40c4f6d-4879-45f0-ab21-9527e4a3c0bd" providerId="ADAL" clId="{21F8B5DC-EEBF-4057-AF5A-A6A231887572}" dt="2022-04-17T19:34:44.153" v="2467" actId="20577"/>
+      <pc:chgData name="Michael Neuhaus" userId="c40c4f6d-4879-45f0-ab21-9527e4a3c0bd" providerId="ADAL" clId="{21F8B5DC-EEBF-4057-AF5A-A6A231887572}" dt="2022-04-24T09:00:00.910" v="2538" actId="20577"/>
       <pc:docMkLst>
         <pc:docMk/>
       </pc:docMkLst>
@@ -2590,7 +2590,7 @@
         </pc:picChg>
       </pc:sldChg>
       <pc:sldChg chg="addSp delSp modSp add mod">
-        <pc:chgData name="Michael Neuhaus" userId="c40c4f6d-4879-45f0-ab21-9527e4a3c0bd" providerId="ADAL" clId="{21F8B5DC-EEBF-4057-AF5A-A6A231887572}" dt="2022-04-17T19:31:51.532" v="2355"/>
+        <pc:chgData name="Michael Neuhaus" userId="c40c4f6d-4879-45f0-ab21-9527e4a3c0bd" providerId="ADAL" clId="{21F8B5DC-EEBF-4057-AF5A-A6A231887572}" dt="2022-04-24T09:00:00.910" v="2538" actId="20577"/>
         <pc:sldMkLst>
           <pc:docMk/>
           <pc:sldMk cId="1457593655" sldId="267"/>
@@ -2628,7 +2628,15 @@
           </ac:spMkLst>
         </pc:spChg>
         <pc:spChg chg="add mod">
-          <ac:chgData name="Michael Neuhaus" userId="c40c4f6d-4879-45f0-ab21-9527e4a3c0bd" providerId="ADAL" clId="{21F8B5DC-EEBF-4057-AF5A-A6A231887572}" dt="2022-03-30T19:50:53.408" v="1602" actId="1076"/>
+          <ac:chgData name="Michael Neuhaus" userId="c40c4f6d-4879-45f0-ab21-9527e4a3c0bd" providerId="ADAL" clId="{21F8B5DC-EEBF-4057-AF5A-A6A231887572}" dt="2022-04-24T09:00:00.910" v="2538" actId="20577"/>
+          <ac:spMkLst>
+            <pc:docMk/>
+            <pc:sldMk cId="1457593655" sldId="267"/>
+            <ac:spMk id="27" creationId="{C717D831-6D8A-41FB-8666-F29F4D59B7F3}"/>
+          </ac:spMkLst>
+        </pc:spChg>
+        <pc:spChg chg="add del mod">
+          <ac:chgData name="Michael Neuhaus" userId="c40c4f6d-4879-45f0-ab21-9527e4a3c0bd" providerId="ADAL" clId="{21F8B5DC-EEBF-4057-AF5A-A6A231887572}" dt="2022-04-24T08:59:28.550" v="2470" actId="478"/>
           <ac:spMkLst>
             <pc:docMk/>
             <pc:sldMk cId="1457593655" sldId="267"/>
@@ -2644,15 +2652,15 @@
           </ac:spMkLst>
         </pc:spChg>
         <pc:spChg chg="mod">
-          <ac:chgData name="Michael Neuhaus" userId="c40c4f6d-4879-45f0-ab21-9527e4a3c0bd" providerId="ADAL" clId="{21F8B5DC-EEBF-4057-AF5A-A6A231887572}" dt="2022-03-30T19:51:07.288" v="1607" actId="1076"/>
+          <ac:chgData name="Michael Neuhaus" userId="c40c4f6d-4879-45f0-ab21-9527e4a3c0bd" providerId="ADAL" clId="{21F8B5DC-EEBF-4057-AF5A-A6A231887572}" dt="2022-04-24T08:59:35.798" v="2481" actId="20577"/>
           <ac:spMkLst>
             <pc:docMk/>
             <pc:sldMk cId="1457593655" sldId="267"/>
             <ac:spMk id="30" creationId="{0B5B28E4-0027-41B1-A093-9ADDFE5393C4}"/>
           </ac:spMkLst>
         </pc:spChg>
-        <pc:spChg chg="add mod">
-          <ac:chgData name="Michael Neuhaus" userId="c40c4f6d-4879-45f0-ab21-9527e4a3c0bd" providerId="ADAL" clId="{21F8B5DC-EEBF-4057-AF5A-A6A231887572}" dt="2022-03-30T19:51:00.260" v="1606" actId="20577"/>
+        <pc:spChg chg="add del mod">
+          <ac:chgData name="Michael Neuhaus" userId="c40c4f6d-4879-45f0-ab21-9527e4a3c0bd" providerId="ADAL" clId="{21F8B5DC-EEBF-4057-AF5A-A6A231887572}" dt="2022-04-24T08:59:27.409" v="2469" actId="478"/>
           <ac:spMkLst>
             <pc:docMk/>
             <pc:sldMk cId="1457593655" sldId="267"/>
@@ -3603,7 +3611,7 @@
           <a:p>
             <a:fld id="{CA891704-1070-4DA0-AF41-BAD92E35CE8D}" type="datetimeFigureOut">
               <a:rPr lang="de-CH" smtClean="0"/>
-              <a:t>17.04.2022</a:t>
+              <a:t>24.04.2022</a:t>
             </a:fld>
             <a:endParaRPr lang="de-CH"/>
           </a:p>
@@ -3773,7 +3781,7 @@
           <a:p>
             <a:fld id="{CA891704-1070-4DA0-AF41-BAD92E35CE8D}" type="datetimeFigureOut">
               <a:rPr lang="de-CH" smtClean="0"/>
-              <a:t>17.04.2022</a:t>
+              <a:t>24.04.2022</a:t>
             </a:fld>
             <a:endParaRPr lang="de-CH"/>
           </a:p>
@@ -3953,7 +3961,7 @@
           <a:p>
             <a:fld id="{CA891704-1070-4DA0-AF41-BAD92E35CE8D}" type="datetimeFigureOut">
               <a:rPr lang="de-CH" smtClean="0"/>
-              <a:t>17.04.2022</a:t>
+              <a:t>24.04.2022</a:t>
             </a:fld>
             <a:endParaRPr lang="de-CH"/>
           </a:p>
@@ -4123,7 +4131,7 @@
           <a:p>
             <a:fld id="{CA891704-1070-4DA0-AF41-BAD92E35CE8D}" type="datetimeFigureOut">
               <a:rPr lang="de-CH" smtClean="0"/>
-              <a:t>17.04.2022</a:t>
+              <a:t>24.04.2022</a:t>
             </a:fld>
             <a:endParaRPr lang="de-CH"/>
           </a:p>
@@ -4367,7 +4375,7 @@
           <a:p>
             <a:fld id="{CA891704-1070-4DA0-AF41-BAD92E35CE8D}" type="datetimeFigureOut">
               <a:rPr lang="de-CH" smtClean="0"/>
-              <a:t>17.04.2022</a:t>
+              <a:t>24.04.2022</a:t>
             </a:fld>
             <a:endParaRPr lang="de-CH"/>
           </a:p>
@@ -4599,7 +4607,7 @@
           <a:p>
             <a:fld id="{CA891704-1070-4DA0-AF41-BAD92E35CE8D}" type="datetimeFigureOut">
               <a:rPr lang="de-CH" smtClean="0"/>
-              <a:t>17.04.2022</a:t>
+              <a:t>24.04.2022</a:t>
             </a:fld>
             <a:endParaRPr lang="de-CH"/>
           </a:p>
@@ -4966,7 +4974,7 @@
           <a:p>
             <a:fld id="{CA891704-1070-4DA0-AF41-BAD92E35CE8D}" type="datetimeFigureOut">
               <a:rPr lang="de-CH" smtClean="0"/>
-              <a:t>17.04.2022</a:t>
+              <a:t>24.04.2022</a:t>
             </a:fld>
             <a:endParaRPr lang="de-CH"/>
           </a:p>
@@ -5084,7 +5092,7 @@
           <a:p>
             <a:fld id="{CA891704-1070-4DA0-AF41-BAD92E35CE8D}" type="datetimeFigureOut">
               <a:rPr lang="de-CH" smtClean="0"/>
-              <a:t>17.04.2022</a:t>
+              <a:t>24.04.2022</a:t>
             </a:fld>
             <a:endParaRPr lang="de-CH"/>
           </a:p>
@@ -5179,7 +5187,7 @@
           <a:p>
             <a:fld id="{CA891704-1070-4DA0-AF41-BAD92E35CE8D}" type="datetimeFigureOut">
               <a:rPr lang="de-CH" smtClean="0"/>
-              <a:t>17.04.2022</a:t>
+              <a:t>24.04.2022</a:t>
             </a:fld>
             <a:endParaRPr lang="de-CH"/>
           </a:p>
@@ -5456,7 +5464,7 @@
           <a:p>
             <a:fld id="{CA891704-1070-4DA0-AF41-BAD92E35CE8D}" type="datetimeFigureOut">
               <a:rPr lang="de-CH" smtClean="0"/>
-              <a:t>17.04.2022</a:t>
+              <a:t>24.04.2022</a:t>
             </a:fld>
             <a:endParaRPr lang="de-CH"/>
           </a:p>
@@ -5713,7 +5721,7 @@
           <a:p>
             <a:fld id="{CA891704-1070-4DA0-AF41-BAD92E35CE8D}" type="datetimeFigureOut">
               <a:rPr lang="de-CH" smtClean="0"/>
-              <a:t>17.04.2022</a:t>
+              <a:t>24.04.2022</a:t>
             </a:fld>
             <a:endParaRPr lang="de-CH"/>
           </a:p>
@@ -5926,7 +5934,7 @@
           <a:p>
             <a:fld id="{CA891704-1070-4DA0-AF41-BAD92E35CE8D}" type="datetimeFigureOut">
               <a:rPr lang="de-CH" smtClean="0"/>
-              <a:t>17.04.2022</a:t>
+              <a:t>24.04.2022</a:t>
             </a:fld>
             <a:endParaRPr lang="de-CH"/>
           </a:p>
@@ -8070,7 +8078,7 @@
         </p:nvSpPr>
         <p:spPr>
           <a:xfrm>
-            <a:off x="4936704" y="1168870"/>
+            <a:off x="2008699" y="1395373"/>
             <a:ext cx="2041736" cy="300082"/>
           </a:xfrm>
           <a:prstGeom prst="rect">
@@ -8086,7 +8094,7 @@
           <a:p>
             <a:r>
               <a:rPr lang="de-CH" sz="1350" dirty="0"/>
-              <a:t>Konten</a:t>
+              <a:t>Liste der Konten</a:t>
             </a:r>
           </a:p>
         </p:txBody>
@@ -8257,124 +8265,6 @@
       </p:sp>
       <p:sp>
         <p:nvSpPr>
-          <p:cNvPr id="28" name="Rechteck 27">
-            <a:extLst>
-              <a:ext uri="{FF2B5EF4-FFF2-40B4-BE49-F238E27FC236}">
-                <a16:creationId xmlns:a16="http://schemas.microsoft.com/office/drawing/2014/main" id="{7E541742-5993-4BBD-B913-8FB4A3E1C5ED}"/>
-              </a:ext>
-            </a:extLst>
-          </p:cNvPr>
-          <p:cNvSpPr/>
-          <p:nvPr/>
-        </p:nvSpPr>
-        <p:spPr>
-          <a:xfrm>
-            <a:off x="4936704" y="1891314"/>
-            <a:ext cx="1429907" cy="1224395"/>
-          </a:xfrm>
-          <a:prstGeom prst="rect">
-            <a:avLst/>
-          </a:prstGeom>
-          <a:ln>
-            <a:solidFill>
-              <a:schemeClr val="tx1"/>
-            </a:solidFill>
-          </a:ln>
-        </p:spPr>
-        <p:style>
-          <a:lnRef idx="2">
-            <a:schemeClr val="accent6"/>
-          </a:lnRef>
-          <a:fillRef idx="1">
-            <a:schemeClr val="lt1"/>
-          </a:fillRef>
-          <a:effectRef idx="0">
-            <a:schemeClr val="accent6"/>
-          </a:effectRef>
-          <a:fontRef idx="minor">
-            <a:schemeClr val="dk1"/>
-          </a:fontRef>
-        </p:style>
-        <p:txBody>
-          <a:bodyPr rtlCol="0" anchor="ctr"/>
-          <a:lstStyle/>
-          <a:p>
-            <a:pPr algn="ctr"/>
-            <a:r>
-              <a:rPr lang="de-DE" sz="1200" dirty="0"/>
-              <a:t>Konto 1</a:t>
-            </a:r>
-          </a:p>
-          <a:p>
-            <a:pPr algn="ctr"/>
-            <a:r>
-              <a:rPr lang="de-DE" sz="1200" dirty="0"/>
-              <a:t>Kontonummer</a:t>
-            </a:r>
-          </a:p>
-        </p:txBody>
-      </p:sp>
-      <p:sp>
-        <p:nvSpPr>
-          <p:cNvPr id="31" name="Rechteck 30">
-            <a:extLst>
-              <a:ext uri="{FF2B5EF4-FFF2-40B4-BE49-F238E27FC236}">
-                <a16:creationId xmlns:a16="http://schemas.microsoft.com/office/drawing/2014/main" id="{515F3675-4B55-4C85-9E14-3086C3BB3902}"/>
-              </a:ext>
-            </a:extLst>
-          </p:cNvPr>
-          <p:cNvSpPr/>
-          <p:nvPr/>
-        </p:nvSpPr>
-        <p:spPr>
-          <a:xfrm>
-            <a:off x="4936704" y="3429000"/>
-            <a:ext cx="1429907" cy="1224395"/>
-          </a:xfrm>
-          <a:prstGeom prst="rect">
-            <a:avLst/>
-          </a:prstGeom>
-          <a:ln>
-            <a:solidFill>
-              <a:schemeClr val="tx1"/>
-            </a:solidFill>
-          </a:ln>
-        </p:spPr>
-        <p:style>
-          <a:lnRef idx="2">
-            <a:schemeClr val="accent6"/>
-          </a:lnRef>
-          <a:fillRef idx="1">
-            <a:schemeClr val="lt1"/>
-          </a:fillRef>
-          <a:effectRef idx="0">
-            <a:schemeClr val="accent6"/>
-          </a:effectRef>
-          <a:fontRef idx="minor">
-            <a:schemeClr val="dk1"/>
-          </a:fontRef>
-        </p:style>
-        <p:txBody>
-          <a:bodyPr rtlCol="0" anchor="ctr"/>
-          <a:lstStyle/>
-          <a:p>
-            <a:pPr algn="ctr"/>
-            <a:r>
-              <a:rPr lang="de-DE" sz="1200" dirty="0"/>
-              <a:t>Konto 2</a:t>
-            </a:r>
-          </a:p>
-          <a:p>
-            <a:pPr algn="ctr"/>
-            <a:r>
-              <a:rPr lang="de-DE" sz="1200" dirty="0"/>
-              <a:t>Kontonummer</a:t>
-            </a:r>
-          </a:p>
-        </p:txBody>
-      </p:sp>
-      <p:sp>
-        <p:nvSpPr>
           <p:cNvPr id="26" name="Textfeld 25">
             <a:extLst>
               <a:ext uri="{FF2B5EF4-FFF2-40B4-BE49-F238E27FC236}">
@@ -8414,6 +8304,46 @@
               <a:rPr lang="de-CH" sz="1350" dirty="0"/>
               <a:t>Bearbeiten</a:t>
             </a:r>
+          </a:p>
+        </p:txBody>
+      </p:sp>
+      <p:sp>
+        <p:nvSpPr>
+          <p:cNvPr id="27" name="Textfeld 26">
+            <a:extLst>
+              <a:ext uri="{FF2B5EF4-FFF2-40B4-BE49-F238E27FC236}">
+                <a16:creationId xmlns:a16="http://schemas.microsoft.com/office/drawing/2014/main" id="{C717D831-6D8A-41FB-8666-F29F4D59B7F3}"/>
+              </a:ext>
+            </a:extLst>
+          </p:cNvPr>
+          <p:cNvSpPr txBox="1"/>
+          <p:nvPr/>
+        </p:nvSpPr>
+        <p:spPr>
+          <a:xfrm>
+            <a:off x="5197914" y="1395373"/>
+            <a:ext cx="2041736" cy="507831"/>
+          </a:xfrm>
+          <a:prstGeom prst="rect">
+            <a:avLst/>
+          </a:prstGeom>
+          <a:noFill/>
+        </p:spPr>
+        <p:txBody>
+          <a:bodyPr wrap="square" rtlCol="0">
+            <a:spAutoFit/>
+          </a:bodyPr>
+          <a:lstStyle/>
+          <a:p>
+            <a:r>
+              <a:rPr lang="de-CH" sz="1350" dirty="0"/>
+              <a:t>Einnahmen/Ausgaben für </a:t>
+            </a:r>
+            <a:r>
+              <a:rPr lang="de-CH" sz="1350"/>
+              <a:t>ausgewähltes Konto</a:t>
+            </a:r>
+            <a:endParaRPr lang="de-CH" sz="1350" dirty="0"/>
           </a:p>
         </p:txBody>
       </p:sp>

--- a/docs/GUI-Design.pptx
+++ b/docs/GUI-Design.pptx
@@ -147,7 +147,7 @@
   <pc:docChgLst>
     <pc:chgData name="Michael Neuhaus" userId="c40c4f6d-4879-45f0-ab21-9527e4a3c0bd" providerId="ADAL" clId="{21F8B5DC-EEBF-4057-AF5A-A6A231887572}"/>
     <pc:docChg chg="undo custSel addSld delSld modSld sldOrd modMainMaster">
-      <pc:chgData name="Michael Neuhaus" userId="c40c4f6d-4879-45f0-ab21-9527e4a3c0bd" providerId="ADAL" clId="{21F8B5DC-EEBF-4057-AF5A-A6A231887572}" dt="2022-04-24T09:00:00.910" v="2538" actId="20577"/>
+      <pc:chgData name="Michael Neuhaus" userId="c40c4f6d-4879-45f0-ab21-9527e4a3c0bd" providerId="ADAL" clId="{21F8B5DC-EEBF-4057-AF5A-A6A231887572}" dt="2022-04-25T14:58:06.202" v="2561" actId="313"/>
       <pc:docMkLst>
         <pc:docMk/>
       </pc:docMkLst>
@@ -3107,7 +3107,7 @@
         </pc:picChg>
       </pc:sldChg>
       <pc:sldChg chg="addSp delSp modSp add mod">
-        <pc:chgData name="Michael Neuhaus" userId="c40c4f6d-4879-45f0-ab21-9527e4a3c0bd" providerId="ADAL" clId="{21F8B5DC-EEBF-4057-AF5A-A6A231887572}" dt="2022-04-17T19:34:44.153" v="2467" actId="20577"/>
+        <pc:chgData name="Michael Neuhaus" userId="c40c4f6d-4879-45f0-ab21-9527e4a3c0bd" providerId="ADAL" clId="{21F8B5DC-EEBF-4057-AF5A-A6A231887572}" dt="2022-04-25T14:58:06.202" v="2561" actId="313"/>
         <pc:sldMkLst>
           <pc:docMk/>
           <pc:sldMk cId="933807054" sldId="270"/>
@@ -3145,7 +3145,7 @@
           </ac:spMkLst>
         </pc:spChg>
         <pc:spChg chg="add mod">
-          <ac:chgData name="Michael Neuhaus" userId="c40c4f6d-4879-45f0-ab21-9527e4a3c0bd" providerId="ADAL" clId="{21F8B5DC-EEBF-4057-AF5A-A6A231887572}" dt="2022-04-17T19:34:44.153" v="2467" actId="20577"/>
+          <ac:chgData name="Michael Neuhaus" userId="c40c4f6d-4879-45f0-ab21-9527e4a3c0bd" providerId="ADAL" clId="{21F8B5DC-EEBF-4057-AF5A-A6A231887572}" dt="2022-04-25T14:58:06.202" v="2561" actId="313"/>
           <ac:spMkLst>
             <pc:docMk/>
             <pc:sldMk cId="933807054" sldId="270"/>
@@ -3611,7 +3611,7 @@
           <a:p>
             <a:fld id="{CA891704-1070-4DA0-AF41-BAD92E35CE8D}" type="datetimeFigureOut">
               <a:rPr lang="de-CH" smtClean="0"/>
-              <a:t>24.04.2022</a:t>
+              <a:t>25.04.2022</a:t>
             </a:fld>
             <a:endParaRPr lang="de-CH"/>
           </a:p>
@@ -3781,7 +3781,7 @@
           <a:p>
             <a:fld id="{CA891704-1070-4DA0-AF41-BAD92E35CE8D}" type="datetimeFigureOut">
               <a:rPr lang="de-CH" smtClean="0"/>
-              <a:t>24.04.2022</a:t>
+              <a:t>25.04.2022</a:t>
             </a:fld>
             <a:endParaRPr lang="de-CH"/>
           </a:p>
@@ -3961,7 +3961,7 @@
           <a:p>
             <a:fld id="{CA891704-1070-4DA0-AF41-BAD92E35CE8D}" type="datetimeFigureOut">
               <a:rPr lang="de-CH" smtClean="0"/>
-              <a:t>24.04.2022</a:t>
+              <a:t>25.04.2022</a:t>
             </a:fld>
             <a:endParaRPr lang="de-CH"/>
           </a:p>
@@ -4131,7 +4131,7 @@
           <a:p>
             <a:fld id="{CA891704-1070-4DA0-AF41-BAD92E35CE8D}" type="datetimeFigureOut">
               <a:rPr lang="de-CH" smtClean="0"/>
-              <a:t>24.04.2022</a:t>
+              <a:t>25.04.2022</a:t>
             </a:fld>
             <a:endParaRPr lang="de-CH"/>
           </a:p>
@@ -4375,7 +4375,7 @@
           <a:p>
             <a:fld id="{CA891704-1070-4DA0-AF41-BAD92E35CE8D}" type="datetimeFigureOut">
               <a:rPr lang="de-CH" smtClean="0"/>
-              <a:t>24.04.2022</a:t>
+              <a:t>25.04.2022</a:t>
             </a:fld>
             <a:endParaRPr lang="de-CH"/>
           </a:p>
@@ -4607,7 +4607,7 @@
           <a:p>
             <a:fld id="{CA891704-1070-4DA0-AF41-BAD92E35CE8D}" type="datetimeFigureOut">
               <a:rPr lang="de-CH" smtClean="0"/>
-              <a:t>24.04.2022</a:t>
+              <a:t>25.04.2022</a:t>
             </a:fld>
             <a:endParaRPr lang="de-CH"/>
           </a:p>
@@ -4974,7 +4974,7 @@
           <a:p>
             <a:fld id="{CA891704-1070-4DA0-AF41-BAD92E35CE8D}" type="datetimeFigureOut">
               <a:rPr lang="de-CH" smtClean="0"/>
-              <a:t>24.04.2022</a:t>
+              <a:t>25.04.2022</a:t>
             </a:fld>
             <a:endParaRPr lang="de-CH"/>
           </a:p>
@@ -5092,7 +5092,7 @@
           <a:p>
             <a:fld id="{CA891704-1070-4DA0-AF41-BAD92E35CE8D}" type="datetimeFigureOut">
               <a:rPr lang="de-CH" smtClean="0"/>
-              <a:t>24.04.2022</a:t>
+              <a:t>25.04.2022</a:t>
             </a:fld>
             <a:endParaRPr lang="de-CH"/>
           </a:p>
@@ -5187,7 +5187,7 @@
           <a:p>
             <a:fld id="{CA891704-1070-4DA0-AF41-BAD92E35CE8D}" type="datetimeFigureOut">
               <a:rPr lang="de-CH" smtClean="0"/>
-              <a:t>24.04.2022</a:t>
+              <a:t>25.04.2022</a:t>
             </a:fld>
             <a:endParaRPr lang="de-CH"/>
           </a:p>
@@ -5464,7 +5464,7 @@
           <a:p>
             <a:fld id="{CA891704-1070-4DA0-AF41-BAD92E35CE8D}" type="datetimeFigureOut">
               <a:rPr lang="de-CH" smtClean="0"/>
-              <a:t>24.04.2022</a:t>
+              <a:t>25.04.2022</a:t>
             </a:fld>
             <a:endParaRPr lang="de-CH"/>
           </a:p>
@@ -5721,7 +5721,7 @@
           <a:p>
             <a:fld id="{CA891704-1070-4DA0-AF41-BAD92E35CE8D}" type="datetimeFigureOut">
               <a:rPr lang="de-CH" smtClean="0"/>
-              <a:t>24.04.2022</a:t>
+              <a:t>25.04.2022</a:t>
             </a:fld>
             <a:endParaRPr lang="de-CH"/>
           </a:p>
@@ -5934,7 +5934,7 @@
           <a:p>
             <a:fld id="{CA891704-1070-4DA0-AF41-BAD92E35CE8D}" type="datetimeFigureOut">
               <a:rPr lang="de-CH" smtClean="0"/>
-              <a:t>24.04.2022</a:t>
+              <a:t>25.04.2022</a:t>
             </a:fld>
             <a:endParaRPr lang="de-CH"/>
           </a:p>
@@ -17449,7 +17449,7 @@
         <p:spPr>
           <a:xfrm>
             <a:off x="2015423" y="1375730"/>
-            <a:ext cx="2041736" cy="1131079"/>
+            <a:ext cx="2041736" cy="1338828"/>
           </a:xfrm>
           <a:prstGeom prst="rect">
             <a:avLst/>
@@ -17464,7 +17464,7 @@
           <a:p>
             <a:r>
               <a:rPr lang="de-CH" sz="1350" dirty="0"/>
-              <a:t>Personas bearbeiten oder hinzufügen</a:t>
+              <a:t>Mieter oder Kreditor bearbeiten oder hinzufügen</a:t>
             </a:r>
           </a:p>
           <a:p>
@@ -17472,12 +17472,8 @@
           </a:p>
           <a:p>
             <a:r>
-              <a:rPr lang="de-CH" sz="1350" dirty="0" err="1"/>
-              <a:t>Editfelder</a:t>
-            </a:r>
-            <a:r>
               <a:rPr lang="de-CH" sz="1350" dirty="0"/>
-              <a:t> die benötigt werden, werden angezeigt</a:t>
+              <a:t>Edit Felder die benötigt werden, werden angezeigt</a:t>
             </a:r>
           </a:p>
         </p:txBody>

--- a/docs/GUI-Design.pptx
+++ b/docs/GUI-Design.pptx
@@ -13,9 +13,10 @@
     <p:sldId id="263" r:id="rId7"/>
     <p:sldId id="270" r:id="rId8"/>
     <p:sldId id="265" r:id="rId9"/>
-    <p:sldId id="266" r:id="rId10"/>
-    <p:sldId id="267" r:id="rId11"/>
-    <p:sldId id="268" r:id="rId12"/>
+    <p:sldId id="271" r:id="rId10"/>
+    <p:sldId id="266" r:id="rId11"/>
+    <p:sldId id="267" r:id="rId12"/>
+    <p:sldId id="268" r:id="rId13"/>
   </p:sldIdLst>
   <p:sldSz cx="9144000" cy="6858000" type="screen4x3"/>
   <p:notesSz cx="6858000" cy="9144000"/>
@@ -137,7 +138,7 @@
 <file path=ppt/revisionInfo.xml><?xml version="1.0" encoding="utf-8"?>
 <p1510:revInfo xmlns:a="http://schemas.openxmlformats.org/drawingml/2006/main" xmlns:r="http://schemas.openxmlformats.org/officeDocument/2006/relationships" xmlns:p1510="http://schemas.microsoft.com/office/powerpoint/2015/10/main">
   <p1510:revLst>
-    <p1510:client id="{21F8B5DC-EEBF-4057-AF5A-A6A231887572}" v="137" dt="2022-04-24T08:59:40.420"/>
+    <p1510:client id="{21F8B5DC-EEBF-4057-AF5A-A6A231887572}" v="148" dt="2022-04-29T20:19:59.823"/>
   </p1510:revLst>
 </p1510:revInfo>
 </file>
@@ -147,7 +148,7 @@
   <pc:docChgLst>
     <pc:chgData name="Michael Neuhaus" userId="c40c4f6d-4879-45f0-ab21-9527e4a3c0bd" providerId="ADAL" clId="{21F8B5DC-EEBF-4057-AF5A-A6A231887572}"/>
     <pc:docChg chg="undo custSel addSld delSld modSld sldOrd modMainMaster">
-      <pc:chgData name="Michael Neuhaus" userId="c40c4f6d-4879-45f0-ab21-9527e4a3c0bd" providerId="ADAL" clId="{21F8B5DC-EEBF-4057-AF5A-A6A231887572}" dt="2022-04-25T14:58:06.202" v="2561" actId="313"/>
+      <pc:chgData name="Michael Neuhaus" userId="c40c4f6d-4879-45f0-ab21-9527e4a3c0bd" providerId="ADAL" clId="{21F8B5DC-EEBF-4057-AF5A-A6A231887572}" dt="2022-04-29T20:20:18.091" v="2972" actId="20577"/>
       <pc:docMkLst>
         <pc:docMk/>
       </pc:docMkLst>
@@ -1245,7 +1246,7 @@
         </pc:picChg>
       </pc:sldChg>
       <pc:sldChg chg="addSp delSp modSp add mod">
-        <pc:chgData name="Michael Neuhaus" userId="c40c4f6d-4879-45f0-ab21-9527e4a3c0bd" providerId="ADAL" clId="{21F8B5DC-EEBF-4057-AF5A-A6A231887572}" dt="2022-04-17T19:31:08.352" v="2350" actId="1076"/>
+        <pc:chgData name="Michael Neuhaus" userId="c40c4f6d-4879-45f0-ab21-9527e4a3c0bd" providerId="ADAL" clId="{21F8B5DC-EEBF-4057-AF5A-A6A231887572}" dt="2022-04-29T20:13:25.555" v="2623" actId="20577"/>
         <pc:sldMkLst>
           <pc:docMk/>
           <pc:sldMk cId="3011076255" sldId="260"/>
@@ -1306,12 +1307,28 @@
             <ac:spMk id="31" creationId="{3773C808-30B9-4A19-9F87-14E0FF612A32}"/>
           </ac:spMkLst>
         </pc:spChg>
+        <pc:spChg chg="add mod">
+          <ac:chgData name="Michael Neuhaus" userId="c40c4f6d-4879-45f0-ab21-9527e4a3c0bd" providerId="ADAL" clId="{21F8B5DC-EEBF-4057-AF5A-A6A231887572}" dt="2022-04-29T20:13:03.747" v="2602" actId="20577"/>
+          <ac:spMkLst>
+            <pc:docMk/>
+            <pc:sldMk cId="3011076255" sldId="260"/>
+            <ac:spMk id="31" creationId="{79307EF8-E77C-4FA9-B254-E069C30A89FC}"/>
+          </ac:spMkLst>
+        </pc:spChg>
         <pc:spChg chg="del">
           <ac:chgData name="Michael Neuhaus" userId="c40c4f6d-4879-45f0-ab21-9527e4a3c0bd" providerId="ADAL" clId="{21F8B5DC-EEBF-4057-AF5A-A6A231887572}" dt="2022-03-30T10:07:42.823" v="701" actId="478"/>
           <ac:spMkLst>
             <pc:docMk/>
             <pc:sldMk cId="3011076255" sldId="260"/>
             <ac:spMk id="32" creationId="{942D27F7-2DB4-4762-B358-414ECA5D536F}"/>
+          </ac:spMkLst>
+        </pc:spChg>
+        <pc:spChg chg="add mod">
+          <ac:chgData name="Michael Neuhaus" userId="c40c4f6d-4879-45f0-ab21-9527e4a3c0bd" providerId="ADAL" clId="{21F8B5DC-EEBF-4057-AF5A-A6A231887572}" dt="2022-04-29T20:13:25.555" v="2623" actId="20577"/>
+          <ac:spMkLst>
+            <pc:docMk/>
+            <pc:sldMk cId="3011076255" sldId="260"/>
+            <ac:spMk id="32" creationId="{B3B9331E-F9E3-4EF7-A143-FFB4EFBE043E}"/>
           </ac:spMkLst>
         </pc:spChg>
         <pc:spChg chg="del">
@@ -1676,7 +1693,7 @@
         </pc:picChg>
       </pc:sldChg>
       <pc:sldChg chg="addSp delSp modSp add mod">
-        <pc:chgData name="Michael Neuhaus" userId="c40c4f6d-4879-45f0-ab21-9527e4a3c0bd" providerId="ADAL" clId="{21F8B5DC-EEBF-4057-AF5A-A6A231887572}" dt="2022-04-17T19:33:06.956" v="2368" actId="478"/>
+        <pc:chgData name="Michael Neuhaus" userId="c40c4f6d-4879-45f0-ab21-9527e4a3c0bd" providerId="ADAL" clId="{21F8B5DC-EEBF-4057-AF5A-A6A231887572}" dt="2022-04-29T20:14:03.858" v="2627" actId="1076"/>
         <pc:sldMkLst>
           <pc:docMk/>
           <pc:sldMk cId="3971751406" sldId="261"/>
@@ -1770,7 +1787,7 @@
           </ac:spMkLst>
         </pc:spChg>
         <pc:spChg chg="add mod">
-          <ac:chgData name="Michael Neuhaus" userId="c40c4f6d-4879-45f0-ab21-9527e4a3c0bd" providerId="ADAL" clId="{21F8B5DC-EEBF-4057-AF5A-A6A231887572}" dt="2022-04-17T19:31:28.348" v="2352"/>
+          <ac:chgData name="Michael Neuhaus" userId="c40c4f6d-4879-45f0-ab21-9527e4a3c0bd" providerId="ADAL" clId="{21F8B5DC-EEBF-4057-AF5A-A6A231887572}" dt="2022-04-29T20:14:03.858" v="2627" actId="1076"/>
           <ac:spMkLst>
             <pc:docMk/>
             <pc:sldMk cId="3971751406" sldId="261"/>
@@ -1849,8 +1866,8 @@
             <ac:spMk id="46" creationId="{39A9E2D7-408A-47E1-A761-4A8D1D04553B}"/>
           </ac:spMkLst>
         </pc:spChg>
-        <pc:spChg chg="add mod">
-          <ac:chgData name="Michael Neuhaus" userId="c40c4f6d-4879-45f0-ab21-9527e4a3c0bd" providerId="ADAL" clId="{21F8B5DC-EEBF-4057-AF5A-A6A231887572}" dt="2022-03-30T19:43:56.129" v="1350" actId="1076"/>
+        <pc:spChg chg="add del mod">
+          <ac:chgData name="Michael Neuhaus" userId="c40c4f6d-4879-45f0-ab21-9527e4a3c0bd" providerId="ADAL" clId="{21F8B5DC-EEBF-4057-AF5A-A6A231887572}" dt="2022-04-29T20:13:59.916" v="2626" actId="478"/>
           <ac:spMkLst>
             <pc:docMk/>
             <pc:sldMk cId="3971751406" sldId="261"/>
@@ -2002,13 +2019,13 @@
         </pc:sldMkLst>
       </pc:sldChg>
       <pc:sldChg chg="addSp delSp modSp add mod">
-        <pc:chgData name="Michael Neuhaus" userId="c40c4f6d-4879-45f0-ab21-9527e4a3c0bd" providerId="ADAL" clId="{21F8B5DC-EEBF-4057-AF5A-A6A231887572}" dt="2022-04-17T19:33:04.625" v="2367" actId="478"/>
+        <pc:chgData name="Michael Neuhaus" userId="c40c4f6d-4879-45f0-ab21-9527e4a3c0bd" providerId="ADAL" clId="{21F8B5DC-EEBF-4057-AF5A-A6A231887572}" dt="2022-04-29T20:14:21.125" v="2631" actId="1076"/>
         <pc:sldMkLst>
           <pc:docMk/>
           <pc:sldMk cId="1679045900" sldId="263"/>
         </pc:sldMkLst>
-        <pc:spChg chg="add mod">
-          <ac:chgData name="Michael Neuhaus" userId="c40c4f6d-4879-45f0-ab21-9527e4a3c0bd" providerId="ADAL" clId="{21F8B5DC-EEBF-4057-AF5A-A6A231887572}" dt="2022-03-30T19:44:25.831" v="1356"/>
+        <pc:spChg chg="add del mod">
+          <ac:chgData name="Michael Neuhaus" userId="c40c4f6d-4879-45f0-ab21-9527e4a3c0bd" providerId="ADAL" clId="{21F8B5DC-EEBF-4057-AF5A-A6A231887572}" dt="2022-04-29T20:14:11.219" v="2628" actId="478"/>
           <ac:spMkLst>
             <pc:docMk/>
             <pc:sldMk cId="1679045900" sldId="263"/>
@@ -2088,7 +2105,7 @@
           </ac:spMkLst>
         </pc:spChg>
         <pc:spChg chg="add mod">
-          <ac:chgData name="Michael Neuhaus" userId="c40c4f6d-4879-45f0-ab21-9527e4a3c0bd" providerId="ADAL" clId="{21F8B5DC-EEBF-4057-AF5A-A6A231887572}" dt="2022-03-30T19:47:51.329" v="1456" actId="1076"/>
+          <ac:chgData name="Michael Neuhaus" userId="c40c4f6d-4879-45f0-ab21-9527e4a3c0bd" providerId="ADAL" clId="{21F8B5DC-EEBF-4057-AF5A-A6A231887572}" dt="2022-04-29T20:14:21.125" v="2631" actId="1076"/>
           <ac:spMkLst>
             <pc:docMk/>
             <pc:sldMk cId="1679045900" sldId="263"/>
@@ -2112,7 +2129,7 @@
           </ac:spMkLst>
         </pc:spChg>
         <pc:spChg chg="add mod">
-          <ac:chgData name="Michael Neuhaus" userId="c40c4f6d-4879-45f0-ab21-9527e4a3c0bd" providerId="ADAL" clId="{21F8B5DC-EEBF-4057-AF5A-A6A231887572}" dt="2022-04-17T19:30:50.728" v="2348" actId="20577"/>
+          <ac:chgData name="Michael Neuhaus" userId="c40c4f6d-4879-45f0-ab21-9527e4a3c0bd" providerId="ADAL" clId="{21F8B5DC-EEBF-4057-AF5A-A6A231887572}" dt="2022-04-29T20:14:18.376" v="2630" actId="1076"/>
           <ac:spMkLst>
             <pc:docMk/>
             <pc:sldMk cId="1679045900" sldId="263"/>
@@ -2248,13 +2265,13 @@
         </pc:picChg>
       </pc:sldChg>
       <pc:sldChg chg="addSp delSp modSp add mod">
-        <pc:chgData name="Michael Neuhaus" userId="c40c4f6d-4879-45f0-ab21-9527e4a3c0bd" providerId="ADAL" clId="{21F8B5DC-EEBF-4057-AF5A-A6A231887572}" dt="2022-04-17T19:31:44.326" v="2353"/>
+        <pc:chgData name="Michael Neuhaus" userId="c40c4f6d-4879-45f0-ab21-9527e4a3c0bd" providerId="ADAL" clId="{21F8B5DC-EEBF-4057-AF5A-A6A231887572}" dt="2022-04-29T20:17:35.305" v="2757" actId="1076"/>
         <pc:sldMkLst>
           <pc:docMk/>
           <pc:sldMk cId="380938355" sldId="265"/>
         </pc:sldMkLst>
-        <pc:spChg chg="add mod ord">
-          <ac:chgData name="Michael Neuhaus" userId="c40c4f6d-4879-45f0-ab21-9527e4a3c0bd" providerId="ADAL" clId="{21F8B5DC-EEBF-4057-AF5A-A6A231887572}" dt="2022-03-30T19:47:21.062" v="1453" actId="1076"/>
+        <pc:spChg chg="add del mod ord">
+          <ac:chgData name="Michael Neuhaus" userId="c40c4f6d-4879-45f0-ab21-9527e4a3c0bd" providerId="ADAL" clId="{21F8B5DC-EEBF-4057-AF5A-A6A231887572}" dt="2022-04-29T20:17:32.186" v="2756" actId="478"/>
           <ac:spMkLst>
             <pc:docMk/>
             <pc:sldMk cId="380938355" sldId="265"/>
@@ -2262,7 +2279,7 @@
           </ac:spMkLst>
         </pc:spChg>
         <pc:spChg chg="add mod">
-          <ac:chgData name="Michael Neuhaus" userId="c40c4f6d-4879-45f0-ab21-9527e4a3c0bd" providerId="ADAL" clId="{21F8B5DC-EEBF-4057-AF5A-A6A231887572}" dt="2022-04-17T19:31:44.326" v="2353"/>
+          <ac:chgData name="Michael Neuhaus" userId="c40c4f6d-4879-45f0-ab21-9527e4a3c0bd" providerId="ADAL" clId="{21F8B5DC-EEBF-4057-AF5A-A6A231887572}" dt="2022-04-29T20:15:08.618" v="2635" actId="1076"/>
           <ac:spMkLst>
             <pc:docMk/>
             <pc:sldMk cId="380938355" sldId="265"/>
@@ -2270,15 +2287,15 @@
           </ac:spMkLst>
         </pc:spChg>
         <pc:spChg chg="mod">
-          <ac:chgData name="Michael Neuhaus" userId="c40c4f6d-4879-45f0-ab21-9527e4a3c0bd" providerId="ADAL" clId="{21F8B5DC-EEBF-4057-AF5A-A6A231887572}" dt="2022-03-30T19:47:31.470" v="1454" actId="1076"/>
+          <ac:chgData name="Michael Neuhaus" userId="c40c4f6d-4879-45f0-ab21-9527e4a3c0bd" providerId="ADAL" clId="{21F8B5DC-EEBF-4057-AF5A-A6A231887572}" dt="2022-04-29T20:17:35.305" v="2757" actId="1076"/>
           <ac:spMkLst>
             <pc:docMk/>
             <pc:sldMk cId="380938355" sldId="265"/>
             <ac:spMk id="30" creationId="{0B5B28E4-0027-41B1-A093-9ADDFE5393C4}"/>
           </ac:spMkLst>
         </pc:spChg>
-        <pc:spChg chg="add mod">
-          <ac:chgData name="Michael Neuhaus" userId="c40c4f6d-4879-45f0-ab21-9527e4a3c0bd" providerId="ADAL" clId="{21F8B5DC-EEBF-4057-AF5A-A6A231887572}" dt="2022-03-30T19:46:55.490" v="1423" actId="1076"/>
+        <pc:spChg chg="add del mod">
+          <ac:chgData name="Michael Neuhaus" userId="c40c4f6d-4879-45f0-ab21-9527e4a3c0bd" providerId="ADAL" clId="{21F8B5DC-EEBF-4057-AF5A-A6A231887572}" dt="2022-04-29T20:15:05.923" v="2633" actId="478"/>
           <ac:spMkLst>
             <pc:docMk/>
             <pc:sldMk cId="380938355" sldId="265"/>
@@ -2293,8 +2310,8 @@
             <ac:spMk id="32" creationId="{390E48DD-B074-40E8-85D1-4B9FD20D280C}"/>
           </ac:spMkLst>
         </pc:spChg>
-        <pc:spChg chg="add mod">
-          <ac:chgData name="Michael Neuhaus" userId="c40c4f6d-4879-45f0-ab21-9527e4a3c0bd" providerId="ADAL" clId="{21F8B5DC-EEBF-4057-AF5A-A6A231887572}" dt="2022-03-30T19:47:04.866" v="1448" actId="20577"/>
+        <pc:spChg chg="add del mod">
+          <ac:chgData name="Michael Neuhaus" userId="c40c4f6d-4879-45f0-ab21-9527e4a3c0bd" providerId="ADAL" clId="{21F8B5DC-EEBF-4057-AF5A-A6A231887572}" dt="2022-04-29T20:15:06.599" v="2634" actId="478"/>
           <ac:spMkLst>
             <pc:docMk/>
             <pc:sldMk cId="380938355" sldId="265"/>
@@ -2431,13 +2448,13 @@
         </pc:picChg>
       </pc:sldChg>
       <pc:sldChg chg="addSp delSp modSp add mod">
-        <pc:chgData name="Michael Neuhaus" userId="c40c4f6d-4879-45f0-ab21-9527e4a3c0bd" providerId="ADAL" clId="{21F8B5DC-EEBF-4057-AF5A-A6A231887572}" dt="2022-04-17T19:31:47.879" v="2354"/>
+        <pc:chgData name="Michael Neuhaus" userId="c40c4f6d-4879-45f0-ab21-9527e4a3c0bd" providerId="ADAL" clId="{21F8B5DC-EEBF-4057-AF5A-A6A231887572}" dt="2022-04-29T20:20:18.091" v="2972" actId="20577"/>
         <pc:sldMkLst>
           <pc:docMk/>
           <pc:sldMk cId="1015326068" sldId="266"/>
         </pc:sldMkLst>
         <pc:spChg chg="add mod">
-          <ac:chgData name="Michael Neuhaus" userId="c40c4f6d-4879-45f0-ab21-9527e4a3c0bd" providerId="ADAL" clId="{21F8B5DC-EEBF-4057-AF5A-A6A231887572}" dt="2022-04-17T19:31:47.879" v="2354"/>
+          <ac:chgData name="Michael Neuhaus" userId="c40c4f6d-4879-45f0-ab21-9527e4a3c0bd" providerId="ADAL" clId="{21F8B5DC-EEBF-4057-AF5A-A6A231887572}" dt="2022-04-29T20:15:19.705" v="2637" actId="1076"/>
           <ac:spMkLst>
             <pc:docMk/>
             <pc:sldMk cId="1015326068" sldId="266"/>
@@ -2461,15 +2478,31 @@
           </ac:spMkLst>
         </pc:spChg>
         <pc:spChg chg="add mod">
-          <ac:chgData name="Michael Neuhaus" userId="c40c4f6d-4879-45f0-ab21-9527e4a3c0bd" providerId="ADAL" clId="{21F8B5DC-EEBF-4057-AF5A-A6A231887572}" dt="2022-03-30T19:48:14.054" v="1458"/>
+          <ac:chgData name="Michael Neuhaus" userId="c40c4f6d-4879-45f0-ab21-9527e4a3c0bd" providerId="ADAL" clId="{21F8B5DC-EEBF-4057-AF5A-A6A231887572}" dt="2022-04-29T20:15:23.046" v="2638" actId="1076"/>
           <ac:spMkLst>
             <pc:docMk/>
             <pc:sldMk cId="1015326068" sldId="266"/>
             <ac:spMk id="27" creationId="{305EFC4D-AFB3-4D73-9A63-4A5B70885037}"/>
           </ac:spMkLst>
         </pc:spChg>
+        <pc:spChg chg="add mod">
+          <ac:chgData name="Michael Neuhaus" userId="c40c4f6d-4879-45f0-ab21-9527e4a3c0bd" providerId="ADAL" clId="{21F8B5DC-EEBF-4057-AF5A-A6A231887572}" dt="2022-04-29T20:19:55.241" v="2931" actId="14100"/>
+          <ac:spMkLst>
+            <pc:docMk/>
+            <pc:sldMk cId="1015326068" sldId="266"/>
+            <ac:spMk id="28" creationId="{3AB69540-F1DA-470E-BB70-3BB860F25DCB}"/>
+          </ac:spMkLst>
+        </pc:spChg>
+        <pc:spChg chg="add mod">
+          <ac:chgData name="Michael Neuhaus" userId="c40c4f6d-4879-45f0-ab21-9527e4a3c0bd" providerId="ADAL" clId="{21F8B5DC-EEBF-4057-AF5A-A6A231887572}" dt="2022-04-29T20:20:18.091" v="2972" actId="20577"/>
+          <ac:spMkLst>
+            <pc:docMk/>
+            <pc:sldMk cId="1015326068" sldId="266"/>
+            <ac:spMk id="29" creationId="{38D4DC02-4CDB-45CF-9B71-DD77E9E1A60B}"/>
+          </ac:spMkLst>
+        </pc:spChg>
         <pc:spChg chg="mod">
-          <ac:chgData name="Michael Neuhaus" userId="c40c4f6d-4879-45f0-ab21-9527e4a3c0bd" providerId="ADAL" clId="{21F8B5DC-EEBF-4057-AF5A-A6A231887572}" dt="2022-03-30T19:48:41.424" v="1474" actId="1076"/>
+          <ac:chgData name="Michael Neuhaus" userId="c40c4f6d-4879-45f0-ab21-9527e4a3c0bd" providerId="ADAL" clId="{21F8B5DC-EEBF-4057-AF5A-A6A231887572}" dt="2022-04-29T20:19:33.697" v="2882" actId="113"/>
           <ac:spMkLst>
             <pc:docMk/>
             <pc:sldMk cId="1015326068" sldId="266"/>
@@ -2590,7 +2623,7 @@
         </pc:picChg>
       </pc:sldChg>
       <pc:sldChg chg="addSp delSp modSp add mod">
-        <pc:chgData name="Michael Neuhaus" userId="c40c4f6d-4879-45f0-ab21-9527e4a3c0bd" providerId="ADAL" clId="{21F8B5DC-EEBF-4057-AF5A-A6A231887572}" dt="2022-04-24T09:00:00.910" v="2538" actId="20577"/>
+        <pc:chgData name="Michael Neuhaus" userId="c40c4f6d-4879-45f0-ab21-9527e4a3c0bd" providerId="ADAL" clId="{21F8B5DC-EEBF-4057-AF5A-A6A231887572}" dt="2022-04-29T20:16:13.536" v="2674" actId="20577"/>
         <pc:sldMkLst>
           <pc:docMk/>
           <pc:sldMk cId="1457593655" sldId="267"/>
@@ -2612,7 +2645,7 @@
           </ac:spMkLst>
         </pc:spChg>
         <pc:spChg chg="add mod">
-          <ac:chgData name="Michael Neuhaus" userId="c40c4f6d-4879-45f0-ab21-9527e4a3c0bd" providerId="ADAL" clId="{21F8B5DC-EEBF-4057-AF5A-A6A231887572}" dt="2022-04-17T19:31:51.532" v="2355"/>
+          <ac:chgData name="Michael Neuhaus" userId="c40c4f6d-4879-45f0-ab21-9527e4a3c0bd" providerId="ADAL" clId="{21F8B5DC-EEBF-4057-AF5A-A6A231887572}" dt="2022-04-29T20:16:13.536" v="2674" actId="20577"/>
           <ac:spMkLst>
             <pc:docMk/>
             <pc:sldMk cId="1457593655" sldId="267"/>
@@ -2633,6 +2666,14 @@
             <pc:docMk/>
             <pc:sldMk cId="1457593655" sldId="267"/>
             <ac:spMk id="27" creationId="{C717D831-6D8A-41FB-8666-F29F4D59B7F3}"/>
+          </ac:spMkLst>
+        </pc:spChg>
+        <pc:spChg chg="add mod">
+          <ac:chgData name="Michael Neuhaus" userId="c40c4f6d-4879-45f0-ab21-9527e4a3c0bd" providerId="ADAL" clId="{21F8B5DC-EEBF-4057-AF5A-A6A231887572}" dt="2022-04-29T20:15:46.469" v="2660" actId="20577"/>
+          <ac:spMkLst>
+            <pc:docMk/>
+            <pc:sldMk cId="1457593655" sldId="267"/>
+            <ac:spMk id="28" creationId="{64414745-6184-4160-BF78-9D35A3B0FC54}"/>
           </ac:spMkLst>
         </pc:spChg>
         <pc:spChg chg="add del mod">
@@ -2781,7 +2822,7 @@
         </pc:picChg>
       </pc:sldChg>
       <pc:sldChg chg="addSp delSp modSp add mod">
-        <pc:chgData name="Michael Neuhaus" userId="c40c4f6d-4879-45f0-ab21-9527e4a3c0bd" providerId="ADAL" clId="{21F8B5DC-EEBF-4057-AF5A-A6A231887572}" dt="2022-04-17T19:31:53.295" v="2356"/>
+        <pc:chgData name="Michael Neuhaus" userId="c40c4f6d-4879-45f0-ab21-9527e4a3c0bd" providerId="ADAL" clId="{21F8B5DC-EEBF-4057-AF5A-A6A231887572}" dt="2022-04-29T20:17:15.857" v="2754" actId="1076"/>
         <pc:sldMkLst>
           <pc:docMk/>
           <pc:sldMk cId="3948979849" sldId="268"/>
@@ -2794,14 +2835,22 @@
             <ac:spMk id="25" creationId="{B2B8AC30-F7A0-4543-8D89-C1B2AA077417}"/>
           </ac:spMkLst>
         </pc:spChg>
-        <pc:spChg chg="add mod">
-          <ac:chgData name="Michael Neuhaus" userId="c40c4f6d-4879-45f0-ab21-9527e4a3c0bd" providerId="ADAL" clId="{21F8B5DC-EEBF-4057-AF5A-A6A231887572}" dt="2022-04-17T19:31:53.295" v="2356"/>
+        <pc:spChg chg="add del mod">
+          <ac:chgData name="Michael Neuhaus" userId="c40c4f6d-4879-45f0-ab21-9527e4a3c0bd" providerId="ADAL" clId="{21F8B5DC-EEBF-4057-AF5A-A6A231887572}" dt="2022-04-29T20:16:20.427" v="2675" actId="478"/>
           <ac:spMkLst>
             <pc:docMk/>
             <pc:sldMk cId="3948979849" sldId="268"/>
             <ac:spMk id="25" creationId="{F316AC59-3F81-44FC-B7C2-FAE7EFCD3396}"/>
           </ac:spMkLst>
         </pc:spChg>
+        <pc:spChg chg="del mod">
+          <ac:chgData name="Michael Neuhaus" userId="c40c4f6d-4879-45f0-ab21-9527e4a3c0bd" providerId="ADAL" clId="{21F8B5DC-EEBF-4057-AF5A-A6A231887572}" dt="2022-04-29T20:16:24.219" v="2676" actId="478"/>
+          <ac:spMkLst>
+            <pc:docMk/>
+            <pc:sldMk cId="3948979849" sldId="268"/>
+            <ac:spMk id="27" creationId="{8E8D169A-BC7C-44A6-B126-7707269E1D9C}"/>
+          </ac:spMkLst>
+        </pc:spChg>
         <pc:spChg chg="del">
           <ac:chgData name="Michael Neuhaus" userId="c40c4f6d-4879-45f0-ab21-9527e4a3c0bd" providerId="ADAL" clId="{21F8B5DC-EEBF-4057-AF5A-A6A231887572}" dt="2022-03-30T19:51:33.579" v="1624" actId="478"/>
           <ac:spMkLst>
@@ -2811,7 +2860,7 @@
           </ac:spMkLst>
         </pc:spChg>
         <pc:spChg chg="add mod">
-          <ac:chgData name="Michael Neuhaus" userId="c40c4f6d-4879-45f0-ab21-9527e4a3c0bd" providerId="ADAL" clId="{21F8B5DC-EEBF-4057-AF5A-A6A231887572}" dt="2022-03-30T19:51:50.475" v="1671" actId="20577"/>
+          <ac:chgData name="Michael Neuhaus" userId="c40c4f6d-4879-45f0-ab21-9527e4a3c0bd" providerId="ADAL" clId="{21F8B5DC-EEBF-4057-AF5A-A6A231887572}" dt="2022-04-29T20:17:11.070" v="2753" actId="14100"/>
           <ac:spMkLst>
             <pc:docMk/>
             <pc:sldMk cId="3948979849" sldId="268"/>
@@ -2819,7 +2868,7 @@
           </ac:spMkLst>
         </pc:spChg>
         <pc:spChg chg="mod">
-          <ac:chgData name="Michael Neuhaus" userId="c40c4f6d-4879-45f0-ab21-9527e4a3c0bd" providerId="ADAL" clId="{21F8B5DC-EEBF-4057-AF5A-A6A231887572}" dt="2022-03-30T19:51:34.730" v="1625" actId="1076"/>
+          <ac:chgData name="Michael Neuhaus" userId="c40c4f6d-4879-45f0-ab21-9527e4a3c0bd" providerId="ADAL" clId="{21F8B5DC-EEBF-4057-AF5A-A6A231887572}" dt="2022-04-29T20:16:49.167" v="2715" actId="14100"/>
           <ac:spMkLst>
             <pc:docMk/>
             <pc:sldMk cId="3948979849" sldId="268"/>
@@ -2835,7 +2884,7 @@
           </ac:spMkLst>
         </pc:spChg>
         <pc:spChg chg="add mod">
-          <ac:chgData name="Michael Neuhaus" userId="c40c4f6d-4879-45f0-ab21-9527e4a3c0bd" providerId="ADAL" clId="{21F8B5DC-EEBF-4057-AF5A-A6A231887572}" dt="2022-03-30T19:51:55.036" v="1672"/>
+          <ac:chgData name="Michael Neuhaus" userId="c40c4f6d-4879-45f0-ab21-9527e4a3c0bd" providerId="ADAL" clId="{21F8B5DC-EEBF-4057-AF5A-A6A231887572}" dt="2022-04-29T20:17:15.857" v="2754" actId="1076"/>
           <ac:spMkLst>
             <pc:docMk/>
             <pc:sldMk cId="3948979849" sldId="268"/>
@@ -2940,7 +2989,7 @@
         </pc:picChg>
       </pc:sldChg>
       <pc:sldChg chg="addSp delSp modSp add mod addCm delCm">
-        <pc:chgData name="Michael Neuhaus" userId="c40c4f6d-4879-45f0-ab21-9527e4a3c0bd" providerId="ADAL" clId="{21F8B5DC-EEBF-4057-AF5A-A6A231887572}" dt="2022-04-17T19:31:16.941" v="2351"/>
+        <pc:chgData name="Michael Neuhaus" userId="c40c4f6d-4879-45f0-ab21-9527e4a3c0bd" providerId="ADAL" clId="{21F8B5DC-EEBF-4057-AF5A-A6A231887572}" dt="2022-04-29T20:13:49.833" v="2625" actId="1076"/>
         <pc:sldMkLst>
           <pc:docMk/>
           <pc:sldMk cId="3012564211" sldId="269"/>
@@ -2962,7 +3011,7 @@
           </ac:spMkLst>
         </pc:spChg>
         <pc:spChg chg="add mod">
-          <ac:chgData name="Michael Neuhaus" userId="c40c4f6d-4879-45f0-ab21-9527e4a3c0bd" providerId="ADAL" clId="{21F8B5DC-EEBF-4057-AF5A-A6A231887572}" dt="2022-04-17T19:31:16.941" v="2351"/>
+          <ac:chgData name="Michael Neuhaus" userId="c40c4f6d-4879-45f0-ab21-9527e4a3c0bd" providerId="ADAL" clId="{21F8B5DC-EEBF-4057-AF5A-A6A231887572}" dt="2022-04-29T20:13:49.833" v="2625" actId="1076"/>
           <ac:spMkLst>
             <pc:docMk/>
             <pc:sldMk cId="3012564211" sldId="269"/>
@@ -3001,8 +3050,8 @@
             <ac:spMk id="33" creationId="{9C277292-8BAA-4D7D-9F6B-F523AAD44A78}"/>
           </ac:spMkLst>
         </pc:spChg>
-        <pc:spChg chg="add mod">
-          <ac:chgData name="Michael Neuhaus" userId="c40c4f6d-4879-45f0-ab21-9527e4a3c0bd" providerId="ADAL" clId="{21F8B5DC-EEBF-4057-AF5A-A6A231887572}" dt="2022-04-12T18:23:22.472" v="2209" actId="20577"/>
+        <pc:spChg chg="add del mod">
+          <ac:chgData name="Michael Neuhaus" userId="c40c4f6d-4879-45f0-ab21-9527e4a3c0bd" providerId="ADAL" clId="{21F8B5DC-EEBF-4057-AF5A-A6A231887572}" dt="2022-04-29T20:13:46.276" v="2624" actId="478"/>
           <ac:spMkLst>
             <pc:docMk/>
             <pc:sldMk cId="3012564211" sldId="269"/>
@@ -3200,6 +3249,77 @@
             <ac:picMk id="62" creationId="{F0D201B8-943D-4A47-ABB1-4BF39B067E8D}"/>
           </ac:picMkLst>
         </pc:picChg>
+      </pc:sldChg>
+      <pc:sldChg chg="addSp delSp modSp add mod">
+        <pc:chgData name="Michael Neuhaus" userId="c40c4f6d-4879-45f0-ab21-9527e4a3c0bd" providerId="ADAL" clId="{21F8B5DC-EEBF-4057-AF5A-A6A231887572}" dt="2022-04-29T20:19:24.774" v="2880" actId="113"/>
+        <pc:sldMkLst>
+          <pc:docMk/>
+          <pc:sldMk cId="1885236" sldId="271"/>
+        </pc:sldMkLst>
+        <pc:spChg chg="add mod">
+          <ac:chgData name="Michael Neuhaus" userId="c40c4f6d-4879-45f0-ab21-9527e4a3c0bd" providerId="ADAL" clId="{21F8B5DC-EEBF-4057-AF5A-A6A231887572}" dt="2022-04-29T20:18:18.980" v="2805" actId="20577"/>
+          <ac:spMkLst>
+            <pc:docMk/>
+            <pc:sldMk cId="1885236" sldId="271"/>
+            <ac:spMk id="24" creationId="{EAFFC433-57E0-4A7F-8923-8216E9827C51}"/>
+          </ac:spMkLst>
+        </pc:spChg>
+        <pc:spChg chg="add mod">
+          <ac:chgData name="Michael Neuhaus" userId="c40c4f6d-4879-45f0-ab21-9527e4a3c0bd" providerId="ADAL" clId="{21F8B5DC-EEBF-4057-AF5A-A6A231887572}" dt="2022-04-29T20:18:41.674" v="2829" actId="1076"/>
+          <ac:spMkLst>
+            <pc:docMk/>
+            <pc:sldMk cId="1885236" sldId="271"/>
+            <ac:spMk id="25" creationId="{0C74606A-2B43-42F9-AB58-982974547D9C}"/>
+          </ac:spMkLst>
+        </pc:spChg>
+        <pc:spChg chg="del">
+          <ac:chgData name="Michael Neuhaus" userId="c40c4f6d-4879-45f0-ab21-9527e4a3c0bd" providerId="ADAL" clId="{21F8B5DC-EEBF-4057-AF5A-A6A231887572}" dt="2022-04-29T20:17:48.857" v="2759" actId="478"/>
+          <ac:spMkLst>
+            <pc:docMk/>
+            <pc:sldMk cId="1885236" sldId="271"/>
+            <ac:spMk id="26" creationId="{C91528FD-AE7D-4669-8FD6-5C9EBB9EB866}"/>
+          </ac:spMkLst>
+        </pc:spChg>
+        <pc:spChg chg="add mod">
+          <ac:chgData name="Michael Neuhaus" userId="c40c4f6d-4879-45f0-ab21-9527e4a3c0bd" providerId="ADAL" clId="{21F8B5DC-EEBF-4057-AF5A-A6A231887572}" dt="2022-04-29T20:18:45.729" v="2830" actId="1076"/>
+          <ac:spMkLst>
+            <pc:docMk/>
+            <pc:sldMk cId="1885236" sldId="271"/>
+            <ac:spMk id="27" creationId="{9372C1AB-EB04-4562-8EF3-1A211482F4A4}"/>
+          </ac:spMkLst>
+        </pc:spChg>
+        <pc:spChg chg="add mod">
+          <ac:chgData name="Michael Neuhaus" userId="c40c4f6d-4879-45f0-ab21-9527e4a3c0bd" providerId="ADAL" clId="{21F8B5DC-EEBF-4057-AF5A-A6A231887572}" dt="2022-04-29T20:19:02.260" v="2861" actId="20577"/>
+          <ac:spMkLst>
+            <pc:docMk/>
+            <pc:sldMk cId="1885236" sldId="271"/>
+            <ac:spMk id="28" creationId="{F58F02AD-EBA4-42E5-978D-2BEDFE4BD3DC}"/>
+          </ac:spMkLst>
+        </pc:spChg>
+        <pc:spChg chg="mod">
+          <ac:chgData name="Michael Neuhaus" userId="c40c4f6d-4879-45f0-ab21-9527e4a3c0bd" providerId="ADAL" clId="{21F8B5DC-EEBF-4057-AF5A-A6A231887572}" dt="2022-04-29T20:19:24.774" v="2880" actId="113"/>
+          <ac:spMkLst>
+            <pc:docMk/>
+            <pc:sldMk cId="1885236" sldId="271"/>
+            <ac:spMk id="30" creationId="{0B5B28E4-0027-41B1-A093-9ADDFE5393C4}"/>
+          </ac:spMkLst>
+        </pc:spChg>
+        <pc:spChg chg="add mod">
+          <ac:chgData name="Michael Neuhaus" userId="c40c4f6d-4879-45f0-ab21-9527e4a3c0bd" providerId="ADAL" clId="{21F8B5DC-EEBF-4057-AF5A-A6A231887572}" dt="2022-04-29T20:19:13.541" v="2877" actId="20577"/>
+          <ac:spMkLst>
+            <pc:docMk/>
+            <pc:sldMk cId="1885236" sldId="271"/>
+            <ac:spMk id="31" creationId="{0B255DDB-AABE-4F33-B329-1C1946E1FE20}"/>
+          </ac:spMkLst>
+        </pc:spChg>
+        <pc:spChg chg="del mod">
+          <ac:chgData name="Michael Neuhaus" userId="c40c4f6d-4879-45f0-ab21-9527e4a3c0bd" providerId="ADAL" clId="{21F8B5DC-EEBF-4057-AF5A-A6A231887572}" dt="2022-04-29T20:17:50" v="2761" actId="478"/>
+          <ac:spMkLst>
+            <pc:docMk/>
+            <pc:sldMk cId="1885236" sldId="271"/>
+            <ac:spMk id="32" creationId="{390E48DD-B074-40E8-85D1-4B9FD20D280C}"/>
+          </ac:spMkLst>
+        </pc:spChg>
       </pc:sldChg>
       <pc:sldMasterChg chg="modSp modSldLayout">
         <pc:chgData name="Michael Neuhaus" userId="c40c4f6d-4879-45f0-ab21-9527e4a3c0bd" providerId="ADAL" clId="{21F8B5DC-EEBF-4057-AF5A-A6A231887572}" dt="2022-03-29T20:21:45.363" v="679"/>
@@ -3611,7 +3731,7 @@
           <a:p>
             <a:fld id="{CA891704-1070-4DA0-AF41-BAD92E35CE8D}" type="datetimeFigureOut">
               <a:rPr lang="de-CH" smtClean="0"/>
-              <a:t>25.04.2022</a:t>
+              <a:t>29.04.2022</a:t>
             </a:fld>
             <a:endParaRPr lang="de-CH"/>
           </a:p>
@@ -3781,7 +3901,7 @@
           <a:p>
             <a:fld id="{CA891704-1070-4DA0-AF41-BAD92E35CE8D}" type="datetimeFigureOut">
               <a:rPr lang="de-CH" smtClean="0"/>
-              <a:t>25.04.2022</a:t>
+              <a:t>29.04.2022</a:t>
             </a:fld>
             <a:endParaRPr lang="de-CH"/>
           </a:p>
@@ -3961,7 +4081,7 @@
           <a:p>
             <a:fld id="{CA891704-1070-4DA0-AF41-BAD92E35CE8D}" type="datetimeFigureOut">
               <a:rPr lang="de-CH" smtClean="0"/>
-              <a:t>25.04.2022</a:t>
+              <a:t>29.04.2022</a:t>
             </a:fld>
             <a:endParaRPr lang="de-CH"/>
           </a:p>
@@ -4131,7 +4251,7 @@
           <a:p>
             <a:fld id="{CA891704-1070-4DA0-AF41-BAD92E35CE8D}" type="datetimeFigureOut">
               <a:rPr lang="de-CH" smtClean="0"/>
-              <a:t>25.04.2022</a:t>
+              <a:t>29.04.2022</a:t>
             </a:fld>
             <a:endParaRPr lang="de-CH"/>
           </a:p>
@@ -4375,7 +4495,7 @@
           <a:p>
             <a:fld id="{CA891704-1070-4DA0-AF41-BAD92E35CE8D}" type="datetimeFigureOut">
               <a:rPr lang="de-CH" smtClean="0"/>
-              <a:t>25.04.2022</a:t>
+              <a:t>29.04.2022</a:t>
             </a:fld>
             <a:endParaRPr lang="de-CH"/>
           </a:p>
@@ -4607,7 +4727,7 @@
           <a:p>
             <a:fld id="{CA891704-1070-4DA0-AF41-BAD92E35CE8D}" type="datetimeFigureOut">
               <a:rPr lang="de-CH" smtClean="0"/>
-              <a:t>25.04.2022</a:t>
+              <a:t>29.04.2022</a:t>
             </a:fld>
             <a:endParaRPr lang="de-CH"/>
           </a:p>
@@ -4974,7 +5094,7 @@
           <a:p>
             <a:fld id="{CA891704-1070-4DA0-AF41-BAD92E35CE8D}" type="datetimeFigureOut">
               <a:rPr lang="de-CH" smtClean="0"/>
-              <a:t>25.04.2022</a:t>
+              <a:t>29.04.2022</a:t>
             </a:fld>
             <a:endParaRPr lang="de-CH"/>
           </a:p>
@@ -5092,7 +5212,7 @@
           <a:p>
             <a:fld id="{CA891704-1070-4DA0-AF41-BAD92E35CE8D}" type="datetimeFigureOut">
               <a:rPr lang="de-CH" smtClean="0"/>
-              <a:t>25.04.2022</a:t>
+              <a:t>29.04.2022</a:t>
             </a:fld>
             <a:endParaRPr lang="de-CH"/>
           </a:p>
@@ -5187,7 +5307,7 @@
           <a:p>
             <a:fld id="{CA891704-1070-4DA0-AF41-BAD92E35CE8D}" type="datetimeFigureOut">
               <a:rPr lang="de-CH" smtClean="0"/>
-              <a:t>25.04.2022</a:t>
+              <a:t>29.04.2022</a:t>
             </a:fld>
             <a:endParaRPr lang="de-CH"/>
           </a:p>
@@ -5464,7 +5584,7 @@
           <a:p>
             <a:fld id="{CA891704-1070-4DA0-AF41-BAD92E35CE8D}" type="datetimeFigureOut">
               <a:rPr lang="de-CH" smtClean="0"/>
-              <a:t>25.04.2022</a:t>
+              <a:t>29.04.2022</a:t>
             </a:fld>
             <a:endParaRPr lang="de-CH"/>
           </a:p>
@@ -5721,7 +5841,7 @@
           <a:p>
             <a:fld id="{CA891704-1070-4DA0-AF41-BAD92E35CE8D}" type="datetimeFigureOut">
               <a:rPr lang="de-CH" smtClean="0"/>
-              <a:t>25.04.2022</a:t>
+              <a:t>29.04.2022</a:t>
             </a:fld>
             <a:endParaRPr lang="de-CH"/>
           </a:p>
@@ -5934,7 +6054,7 @@
           <a:p>
             <a:fld id="{CA891704-1070-4DA0-AF41-BAD92E35CE8D}" type="datetimeFigureOut">
               <a:rPr lang="de-CH" smtClean="0"/>
-              <a:t>25.04.2022</a:t>
+              <a:t>29.04.2022</a:t>
             </a:fld>
             <a:endParaRPr lang="de-CH"/>
           </a:p>
@@ -7673,7 +7793,7 @@
         </p:blipFill>
         <p:spPr>
           <a:xfrm>
-            <a:off x="2144797" y="94993"/>
+            <a:off x="2121195" y="94993"/>
             <a:ext cx="281939" cy="375918"/>
           </a:xfrm>
           <a:prstGeom prst="rect">
@@ -7712,7 +7832,7 @@
         </p:blipFill>
         <p:spPr>
           <a:xfrm>
-            <a:off x="734485" y="94993"/>
+            <a:off x="710883" y="94993"/>
             <a:ext cx="469898" cy="375918"/>
           </a:xfrm>
           <a:prstGeom prst="rect">
@@ -7734,7 +7854,7 @@
         </p:nvSpPr>
         <p:spPr>
           <a:xfrm>
-            <a:off x="705960" y="498781"/>
+            <a:off x="682358" y="498781"/>
             <a:ext cx="671884" cy="253916"/>
           </a:xfrm>
           <a:prstGeom prst="rect">
@@ -7777,7 +7897,7 @@
         </p:nvSpPr>
         <p:spPr>
           <a:xfrm>
-            <a:off x="1964363" y="484959"/>
+            <a:off x="1940761" y="484959"/>
             <a:ext cx="728821" cy="265457"/>
           </a:xfrm>
           <a:prstGeom prst="rect">
@@ -7841,7 +7961,7 @@
         </p:blipFill>
         <p:spPr>
           <a:xfrm>
-            <a:off x="2795647" y="94992"/>
+            <a:off x="2772045" y="94992"/>
             <a:ext cx="281939" cy="375918"/>
           </a:xfrm>
           <a:prstGeom prst="rect">
@@ -7863,7 +7983,7 @@
         </p:nvSpPr>
         <p:spPr>
           <a:xfrm>
-            <a:off x="2665157" y="484958"/>
+            <a:off x="2641555" y="484958"/>
             <a:ext cx="728821" cy="253916"/>
           </a:xfrm>
           <a:prstGeom prst="rect">
@@ -7931,7 +8051,7 @@
         </p:blipFill>
         <p:spPr>
           <a:xfrm>
-            <a:off x="1460623" y="67926"/>
+            <a:off x="1437021" y="67926"/>
             <a:ext cx="364904" cy="417032"/>
           </a:xfrm>
           <a:prstGeom prst="rect">
@@ -7953,7 +8073,7 @@
         </p:nvSpPr>
         <p:spPr>
           <a:xfrm>
-            <a:off x="1278665" y="484275"/>
+            <a:off x="1255063" y="484275"/>
             <a:ext cx="728821" cy="265457"/>
           </a:xfrm>
           <a:prstGeom prst="rect">
@@ -8078,7 +8198,7 @@
         </p:nvSpPr>
         <p:spPr>
           <a:xfrm>
-            <a:off x="2008699" y="1395373"/>
+            <a:off x="2033116" y="1016040"/>
             <a:ext cx="2041736" cy="300082"/>
           </a:xfrm>
           <a:prstGeom prst="rect">
@@ -8093,8 +8213,8 @@
           <a:lstStyle/>
           <a:p>
             <a:r>
-              <a:rPr lang="de-CH" sz="1350" dirty="0"/>
-              <a:t>Liste der Konten</a:t>
+              <a:rPr lang="de-CH" sz="1350" b="1" dirty="0"/>
+              <a:t>Rechnungen</a:t>
             </a:r>
           </a:p>
         </p:txBody>
@@ -8130,7 +8250,7 @@
         </p:blipFill>
         <p:spPr>
           <a:xfrm>
-            <a:off x="3502710" y="94993"/>
+            <a:off x="3479108" y="94993"/>
             <a:ext cx="430010" cy="344008"/>
           </a:xfrm>
           <a:prstGeom prst="rect">
@@ -8152,7 +8272,7 @@
         </p:nvSpPr>
         <p:spPr>
           <a:xfrm>
-            <a:off x="3497664" y="457477"/>
+            <a:off x="3474062" y="457477"/>
             <a:ext cx="601337" cy="253916"/>
           </a:xfrm>
           <a:prstGeom prst="rect">
@@ -8194,7 +8314,7 @@
           <p:cNvPr id="24" name="Grafik 23">
             <a:extLst>
               <a:ext uri="{FF2B5EF4-FFF2-40B4-BE49-F238E27FC236}">
-                <a16:creationId xmlns:a16="http://schemas.microsoft.com/office/drawing/2014/main" id="{F121B337-66DC-4371-97F3-6EC68E01B491}"/>
+                <a16:creationId xmlns:a16="http://schemas.microsoft.com/office/drawing/2014/main" id="{73C1D568-3DAD-47E6-ABA2-CE4CEBAC9EEA}"/>
               </a:ext>
             </a:extLst>
           </p:cNvPr>
@@ -8221,10 +8341,10 @@
       </p:pic>
       <p:sp>
         <p:nvSpPr>
-          <p:cNvPr id="25" name="Textfeld 24">
-            <a:extLst>
-              <a:ext uri="{FF2B5EF4-FFF2-40B4-BE49-F238E27FC236}">
-                <a16:creationId xmlns:a16="http://schemas.microsoft.com/office/drawing/2014/main" id="{B2B8AC30-F7A0-4543-8D89-C1B2AA077417}"/>
+          <p:cNvPr id="26" name="Textfeld 25">
+            <a:extLst>
+              <a:ext uri="{FF2B5EF4-FFF2-40B4-BE49-F238E27FC236}">
+                <a16:creationId xmlns:a16="http://schemas.microsoft.com/office/drawing/2014/main" id="{EBD68964-F06C-4AE3-85A6-7CF0E494DD89}"/>
               </a:ext>
             </a:extLst>
           </p:cNvPr>
@@ -8258,17 +8378,17 @@
           <a:p>
             <a:r>
               <a:rPr lang="de-CH" sz="1350" dirty="0"/>
-              <a:t>Neues Konto</a:t>
-            </a:r>
-          </a:p>
-        </p:txBody>
-      </p:sp>
-      <p:sp>
-        <p:nvSpPr>
-          <p:cNvPr id="26" name="Textfeld 25">
-            <a:extLst>
-              <a:ext uri="{FF2B5EF4-FFF2-40B4-BE49-F238E27FC236}">
-                <a16:creationId xmlns:a16="http://schemas.microsoft.com/office/drawing/2014/main" id="{67605AE3-8063-49E3-B4D6-89CDFD064CCA}"/>
+              <a:t>Neue Rechnung</a:t>
+            </a:r>
+          </a:p>
+        </p:txBody>
+      </p:sp>
+      <p:sp>
+        <p:nvSpPr>
+          <p:cNvPr id="27" name="Textfeld 26">
+            <a:extLst>
+              <a:ext uri="{FF2B5EF4-FFF2-40B4-BE49-F238E27FC236}">
+                <a16:creationId xmlns:a16="http://schemas.microsoft.com/office/drawing/2014/main" id="{305EFC4D-AFB3-4D73-9A63-4A5B70885037}"/>
               </a:ext>
             </a:extLst>
           </p:cNvPr>
@@ -8277,7 +8397,7 @@
         </p:nvSpPr>
         <p:spPr>
           <a:xfrm>
-            <a:off x="21094" y="2608571"/>
+            <a:off x="30626" y="1879458"/>
             <a:ext cx="1534772" cy="300082"/>
           </a:xfrm>
           <a:prstGeom prst="rect">
@@ -8302,17 +8422,17 @@
           <a:p>
             <a:r>
               <a:rPr lang="de-CH" sz="1350" dirty="0"/>
-              <a:t>Bearbeiten</a:t>
-            </a:r>
-          </a:p>
-        </p:txBody>
-      </p:sp>
-      <p:sp>
-        <p:nvSpPr>
-          <p:cNvPr id="27" name="Textfeld 26">
-            <a:extLst>
-              <a:ext uri="{FF2B5EF4-FFF2-40B4-BE49-F238E27FC236}">
-                <a16:creationId xmlns:a16="http://schemas.microsoft.com/office/drawing/2014/main" id="{C717D831-6D8A-41FB-8666-F29F4D59B7F3}"/>
+              <a:t>Mahnung erstellen</a:t>
+            </a:r>
+          </a:p>
+        </p:txBody>
+      </p:sp>
+      <p:sp>
+        <p:nvSpPr>
+          <p:cNvPr id="25" name="Textfeld 24">
+            <a:extLst>
+              <a:ext uri="{FF2B5EF4-FFF2-40B4-BE49-F238E27FC236}">
+                <a16:creationId xmlns:a16="http://schemas.microsoft.com/office/drawing/2014/main" id="{7FEF8261-CF52-4269-8D34-B3895A708879}"/>
               </a:ext>
             </a:extLst>
           </p:cNvPr>
@@ -8321,13 +8441,22 @@
         </p:nvSpPr>
         <p:spPr>
           <a:xfrm>
-            <a:off x="5197914" y="1395373"/>
-            <a:ext cx="2041736" cy="507831"/>
-          </a:xfrm>
-          <a:prstGeom prst="rect">
-            <a:avLst/>
-          </a:prstGeom>
-          <a:noFill/>
+            <a:off x="30626" y="1445566"/>
+            <a:ext cx="1534772" cy="300082"/>
+          </a:xfrm>
+          <a:prstGeom prst="rect">
+            <a:avLst/>
+          </a:prstGeom>
+          <a:solidFill>
+            <a:schemeClr val="bg2"/>
+          </a:solidFill>
+          <a:effectLst>
+            <a:outerShdw blurRad="50800" dist="38100" dir="2700000" algn="tl" rotWithShape="0">
+              <a:prstClr val="black">
+                <a:alpha val="40000"/>
+              </a:prstClr>
+            </a:outerShdw>
+          </a:effectLst>
         </p:spPr>
         <p:txBody>
           <a:bodyPr wrap="square" rtlCol="0">
@@ -8337,20 +8466,85 @@
           <a:p>
             <a:r>
               <a:rPr lang="de-CH" sz="1350" dirty="0"/>
-              <a:t>Einnahmen/Ausgaben für </a:t>
-            </a:r>
-            <a:r>
-              <a:rPr lang="de-CH" sz="1350"/>
-              <a:t>ausgewähltes Konto</a:t>
-            </a:r>
-            <a:endParaRPr lang="de-CH" sz="1350" dirty="0"/>
+              <a:t>Bearbeiten</a:t>
+            </a:r>
+          </a:p>
+        </p:txBody>
+      </p:sp>
+      <p:sp>
+        <p:nvSpPr>
+          <p:cNvPr id="28" name="Textfeld 27">
+            <a:extLst>
+              <a:ext uri="{FF2B5EF4-FFF2-40B4-BE49-F238E27FC236}">
+                <a16:creationId xmlns:a16="http://schemas.microsoft.com/office/drawing/2014/main" id="{3AB69540-F1DA-470E-BB70-3BB860F25DCB}"/>
+              </a:ext>
+            </a:extLst>
+          </p:cNvPr>
+          <p:cNvSpPr txBox="1"/>
+          <p:nvPr/>
+        </p:nvSpPr>
+        <p:spPr>
+          <a:xfrm>
+            <a:off x="2033116" y="1547332"/>
+            <a:ext cx="2774858" cy="300082"/>
+          </a:xfrm>
+          <a:prstGeom prst="rect">
+            <a:avLst/>
+          </a:prstGeom>
+          <a:noFill/>
+        </p:spPr>
+        <p:txBody>
+          <a:bodyPr wrap="square" rtlCol="0">
+            <a:spAutoFit/>
+          </a:bodyPr>
+          <a:lstStyle/>
+          <a:p>
+            <a:r>
+              <a:rPr lang="de-CH" sz="1350" dirty="0"/>
+              <a:t>Rechnungen in einer Liste Darstellen</a:t>
+            </a:r>
+          </a:p>
+        </p:txBody>
+      </p:sp>
+      <p:sp>
+        <p:nvSpPr>
+          <p:cNvPr id="29" name="Textfeld 28">
+            <a:extLst>
+              <a:ext uri="{FF2B5EF4-FFF2-40B4-BE49-F238E27FC236}">
+                <a16:creationId xmlns:a16="http://schemas.microsoft.com/office/drawing/2014/main" id="{38D4DC02-4CDB-45CF-9B71-DD77E9E1A60B}"/>
+              </a:ext>
+            </a:extLst>
+          </p:cNvPr>
+          <p:cNvSpPr txBox="1"/>
+          <p:nvPr/>
+        </p:nvSpPr>
+        <p:spPr>
+          <a:xfrm>
+            <a:off x="5459658" y="1547332"/>
+            <a:ext cx="2774858" cy="507831"/>
+          </a:xfrm>
+          <a:prstGeom prst="rect">
+            <a:avLst/>
+          </a:prstGeom>
+          <a:noFill/>
+        </p:spPr>
+        <p:txBody>
+          <a:bodyPr wrap="square" rtlCol="0">
+            <a:spAutoFit/>
+          </a:bodyPr>
+          <a:lstStyle/>
+          <a:p>
+            <a:r>
+              <a:rPr lang="de-CH" sz="1350" dirty="0"/>
+              <a:t>Rechnungspositionen zu Rechnung in Liste Darstellen</a:t>
+            </a:r>
           </a:p>
         </p:txBody>
       </p:sp>
     </p:spTree>
     <p:extLst>
       <p:ext uri="{BB962C8B-B14F-4D97-AF65-F5344CB8AC3E}">
-        <p14:creationId xmlns:p14="http://schemas.microsoft.com/office/powerpoint/2010/main" val="1457593655"/>
+        <p14:creationId xmlns:p14="http://schemas.microsoft.com/office/powerpoint/2010/main" val="1015326068"/>
       </p:ext>
     </p:extLst>
   </p:cSld>
@@ -8660,7 +8854,7 @@
         </p:blipFill>
         <p:spPr>
           <a:xfrm>
-            <a:off x="2138897" y="94993"/>
+            <a:off x="2144797" y="94993"/>
             <a:ext cx="281939" cy="375918"/>
           </a:xfrm>
           <a:prstGeom prst="rect">
@@ -8699,7 +8893,7 @@
         </p:blipFill>
         <p:spPr>
           <a:xfrm>
-            <a:off x="728585" y="94993"/>
+            <a:off x="734485" y="94993"/>
             <a:ext cx="469898" cy="375918"/>
           </a:xfrm>
           <a:prstGeom prst="rect">
@@ -8721,7 +8915,7 @@
         </p:nvSpPr>
         <p:spPr>
           <a:xfrm>
-            <a:off x="700060" y="498781"/>
+            <a:off x="705960" y="498781"/>
             <a:ext cx="671884" cy="253916"/>
           </a:xfrm>
           <a:prstGeom prst="rect">
@@ -8764,7 +8958,7 @@
         </p:nvSpPr>
         <p:spPr>
           <a:xfrm>
-            <a:off x="1958463" y="484959"/>
+            <a:off x="1964363" y="484959"/>
             <a:ext cx="728821" cy="265457"/>
           </a:xfrm>
           <a:prstGeom prst="rect">
@@ -8828,7 +9022,7 @@
         </p:blipFill>
         <p:spPr>
           <a:xfrm>
-            <a:off x="2789747" y="94992"/>
+            <a:off x="2795647" y="94992"/>
             <a:ext cx="281939" cy="375918"/>
           </a:xfrm>
           <a:prstGeom prst="rect">
@@ -8850,7 +9044,7 @@
         </p:nvSpPr>
         <p:spPr>
           <a:xfrm>
-            <a:off x="2659257" y="484958"/>
+            <a:off x="2665157" y="484958"/>
             <a:ext cx="728821" cy="253916"/>
           </a:xfrm>
           <a:prstGeom prst="rect">
@@ -8918,7 +9112,7 @@
         </p:blipFill>
         <p:spPr>
           <a:xfrm>
-            <a:off x="1454723" y="67926"/>
+            <a:off x="1460623" y="67926"/>
             <a:ext cx="364904" cy="417032"/>
           </a:xfrm>
           <a:prstGeom prst="rect">
@@ -8940,7 +9134,7 @@
         </p:nvSpPr>
         <p:spPr>
           <a:xfrm>
-            <a:off x="1272765" y="484275"/>
+            <a:off x="1278665" y="484275"/>
             <a:ext cx="728821" cy="265457"/>
           </a:xfrm>
           <a:prstGeom prst="rect">
@@ -9065,7 +9259,7 @@
         </p:nvSpPr>
         <p:spPr>
           <a:xfrm>
-            <a:off x="4936704" y="1187920"/>
+            <a:off x="2008699" y="1395373"/>
             <a:ext cx="2041736" cy="300082"/>
           </a:xfrm>
           <a:prstGeom prst="rect">
@@ -9081,7 +9275,7 @@
           <a:p>
             <a:r>
               <a:rPr lang="de-CH" sz="1350" dirty="0"/>
-              <a:t>Konto XY</a:t>
+              <a:t>Liste der Konten</a:t>
             </a:r>
           </a:p>
         </p:txBody>
@@ -9117,7 +9311,7 @@
         </p:blipFill>
         <p:spPr>
           <a:xfrm>
-            <a:off x="3496810" y="94993"/>
+            <a:off x="3502710" y="94993"/>
             <a:ext cx="430010" cy="344008"/>
           </a:xfrm>
           <a:prstGeom prst="rect">
@@ -9139,7 +9333,7 @@
         </p:nvSpPr>
         <p:spPr>
           <a:xfrm>
-            <a:off x="3491764" y="457477"/>
+            <a:off x="3497664" y="457477"/>
             <a:ext cx="601337" cy="253916"/>
           </a:xfrm>
           <a:prstGeom prst="rect">
@@ -9208,10 +9402,10 @@
       </p:pic>
       <p:sp>
         <p:nvSpPr>
-          <p:cNvPr id="27" name="Textfeld 26">
-            <a:extLst>
-              <a:ext uri="{FF2B5EF4-FFF2-40B4-BE49-F238E27FC236}">
-                <a16:creationId xmlns:a16="http://schemas.microsoft.com/office/drawing/2014/main" id="{8E8D169A-BC7C-44A6-B126-7707269E1D9C}"/>
+          <p:cNvPr id="25" name="Textfeld 24">
+            <a:extLst>
+              <a:ext uri="{FF2B5EF4-FFF2-40B4-BE49-F238E27FC236}">
+                <a16:creationId xmlns:a16="http://schemas.microsoft.com/office/drawing/2014/main" id="{B2B8AC30-F7A0-4543-8D89-C1B2AA077417}"/>
               </a:ext>
             </a:extLst>
           </p:cNvPr>
@@ -9220,7 +9414,7 @@
         </p:nvSpPr>
         <p:spPr>
           <a:xfrm>
-            <a:off x="37416" y="1729417"/>
+            <a:off x="30626" y="944587"/>
             <a:ext cx="1534772" cy="300082"/>
           </a:xfrm>
           <a:prstGeom prst="rect">
@@ -9245,17 +9439,17 @@
           <a:p>
             <a:r>
               <a:rPr lang="de-CH" sz="1350" dirty="0"/>
-              <a:t>Zahlung verbuchen</a:t>
-            </a:r>
-          </a:p>
-        </p:txBody>
-      </p:sp>
-      <p:sp>
-        <p:nvSpPr>
-          <p:cNvPr id="29" name="Textfeld 28">
-            <a:extLst>
-              <a:ext uri="{FF2B5EF4-FFF2-40B4-BE49-F238E27FC236}">
-                <a16:creationId xmlns:a16="http://schemas.microsoft.com/office/drawing/2014/main" id="{A03FAD2A-C634-4D1E-9536-4A5B7009D658}"/>
+              <a:t>Neues Konto</a:t>
+            </a:r>
+          </a:p>
+        </p:txBody>
+      </p:sp>
+      <p:sp>
+        <p:nvSpPr>
+          <p:cNvPr id="26" name="Textfeld 25">
+            <a:extLst>
+              <a:ext uri="{FF2B5EF4-FFF2-40B4-BE49-F238E27FC236}">
+                <a16:creationId xmlns:a16="http://schemas.microsoft.com/office/drawing/2014/main" id="{67605AE3-8063-49E3-B4D6-89CDFD064CCA}"/>
               </a:ext>
             </a:extLst>
           </p:cNvPr>
@@ -9264,42 +9458,7 @@
         </p:nvSpPr>
         <p:spPr>
           <a:xfrm>
-            <a:off x="4936704" y="1943570"/>
-            <a:ext cx="2041736" cy="507831"/>
-          </a:xfrm>
-          <a:prstGeom prst="rect">
-            <a:avLst/>
-          </a:prstGeom>
-          <a:noFill/>
-        </p:spPr>
-        <p:txBody>
-          <a:bodyPr wrap="square" rtlCol="0">
-            <a:spAutoFit/>
-          </a:bodyPr>
-          <a:lstStyle/>
-          <a:p>
-            <a:r>
-              <a:rPr lang="de-CH" sz="1350" dirty="0"/>
-              <a:t>Neue Zahlung verbuchen, Daten eingeben</a:t>
-            </a:r>
-          </a:p>
-        </p:txBody>
-      </p:sp>
-      <p:sp>
-        <p:nvSpPr>
-          <p:cNvPr id="32" name="Textfeld 31">
-            <a:extLst>
-              <a:ext uri="{FF2B5EF4-FFF2-40B4-BE49-F238E27FC236}">
-                <a16:creationId xmlns:a16="http://schemas.microsoft.com/office/drawing/2014/main" id="{B4BBD773-5F44-4746-A1A2-59237F7C21AE}"/>
-              </a:ext>
-            </a:extLst>
-          </p:cNvPr>
-          <p:cNvSpPr txBox="1"/>
-          <p:nvPr/>
-        </p:nvSpPr>
-        <p:spPr>
-          <a:xfrm>
-            <a:off x="7223908" y="6042772"/>
+            <a:off x="30626" y="1499247"/>
             <a:ext cx="1534772" cy="300082"/>
           </a:xfrm>
           <a:prstGeom prst="rect">
@@ -9324,17 +9483,17 @@
           <a:p>
             <a:r>
               <a:rPr lang="de-CH" sz="1350" dirty="0"/>
-              <a:t>Speichern</a:t>
-            </a:r>
-          </a:p>
-        </p:txBody>
-      </p:sp>
-      <p:sp>
-        <p:nvSpPr>
-          <p:cNvPr id="25" name="Textfeld 24">
-            <a:extLst>
-              <a:ext uri="{FF2B5EF4-FFF2-40B4-BE49-F238E27FC236}">
-                <a16:creationId xmlns:a16="http://schemas.microsoft.com/office/drawing/2014/main" id="{F316AC59-3F81-44FC-B7C2-FAE7EFCD3396}"/>
+              <a:t>Konto Bearbeiten</a:t>
+            </a:r>
+          </a:p>
+        </p:txBody>
+      </p:sp>
+      <p:sp>
+        <p:nvSpPr>
+          <p:cNvPr id="27" name="Textfeld 26">
+            <a:extLst>
+              <a:ext uri="{FF2B5EF4-FFF2-40B4-BE49-F238E27FC236}">
+                <a16:creationId xmlns:a16="http://schemas.microsoft.com/office/drawing/2014/main" id="{C717D831-6D8A-41FB-8666-F29F4D59B7F3}"/>
               </a:ext>
             </a:extLst>
           </p:cNvPr>
@@ -9343,7 +9502,47 @@
         </p:nvSpPr>
         <p:spPr>
           <a:xfrm>
-            <a:off x="21094" y="2608571"/>
+            <a:off x="5197914" y="1395373"/>
+            <a:ext cx="2041736" cy="507831"/>
+          </a:xfrm>
+          <a:prstGeom prst="rect">
+            <a:avLst/>
+          </a:prstGeom>
+          <a:noFill/>
+        </p:spPr>
+        <p:txBody>
+          <a:bodyPr wrap="square" rtlCol="0">
+            <a:spAutoFit/>
+          </a:bodyPr>
+          <a:lstStyle/>
+          <a:p>
+            <a:r>
+              <a:rPr lang="de-CH" sz="1350" dirty="0"/>
+              <a:t>Einnahmen/Ausgaben für </a:t>
+            </a:r>
+            <a:r>
+              <a:rPr lang="de-CH" sz="1350"/>
+              <a:t>ausgewähltes Konto</a:t>
+            </a:r>
+            <a:endParaRPr lang="de-CH" sz="1350" dirty="0"/>
+          </a:p>
+        </p:txBody>
+      </p:sp>
+      <p:sp>
+        <p:nvSpPr>
+          <p:cNvPr id="28" name="Textfeld 27">
+            <a:extLst>
+              <a:ext uri="{FF2B5EF4-FFF2-40B4-BE49-F238E27FC236}">
+                <a16:creationId xmlns:a16="http://schemas.microsoft.com/office/drawing/2014/main" id="{64414745-6184-4160-BF78-9D35A3B0FC54}"/>
+              </a:ext>
+            </a:extLst>
+          </p:cNvPr>
+          <p:cNvSpPr txBox="1"/>
+          <p:nvPr/>
+        </p:nvSpPr>
+        <p:spPr>
+          <a:xfrm>
+            <a:off x="30626" y="2026262"/>
             <a:ext cx="1534772" cy="300082"/>
           </a:xfrm>
           <a:prstGeom prst="rect">
@@ -9368,7 +9567,951 @@
           <a:p>
             <a:r>
               <a:rPr lang="de-CH" sz="1350" dirty="0"/>
-              <a:t>Bearbeiten</a:t>
+              <a:t>Zahlung verbuchen</a:t>
+            </a:r>
+          </a:p>
+        </p:txBody>
+      </p:sp>
+    </p:spTree>
+    <p:extLst>
+      <p:ext uri="{BB962C8B-B14F-4D97-AF65-F5344CB8AC3E}">
+        <p14:creationId xmlns:p14="http://schemas.microsoft.com/office/powerpoint/2010/main" val="1457593655"/>
+      </p:ext>
+    </p:extLst>
+  </p:cSld>
+  <p:clrMapOvr>
+    <a:masterClrMapping/>
+  </p:clrMapOvr>
+</p:sld>
+</file>
+
+<file path=ppt/slides/slide12.xml><?xml version="1.0" encoding="utf-8"?>
+<p:sld xmlns:a="http://schemas.openxmlformats.org/drawingml/2006/main" xmlns:r="http://schemas.openxmlformats.org/officeDocument/2006/relationships" xmlns:p="http://schemas.openxmlformats.org/presentationml/2006/main">
+  <p:cSld>
+    <p:spTree>
+      <p:nvGrpSpPr>
+        <p:cNvPr id="1" name=""/>
+        <p:cNvGrpSpPr/>
+        <p:nvPr/>
+      </p:nvGrpSpPr>
+      <p:grpSpPr>
+        <a:xfrm>
+          <a:off x="0" y="0"/>
+          <a:ext cx="0" cy="0"/>
+          <a:chOff x="0" y="0"/>
+          <a:chExt cx="0" cy="0"/>
+        </a:xfrm>
+      </p:grpSpPr>
+      <p:sp>
+        <p:nvSpPr>
+          <p:cNvPr id="2" name="Textfeld 1">
+            <a:extLst>
+              <a:ext uri="{FF2B5EF4-FFF2-40B4-BE49-F238E27FC236}">
+                <a16:creationId xmlns:a16="http://schemas.microsoft.com/office/drawing/2014/main" id="{79D76DF4-5EB2-4D19-AA0C-EF305E9D5AD5}"/>
+              </a:ext>
+            </a:extLst>
+          </p:cNvPr>
+          <p:cNvSpPr txBox="1"/>
+          <p:nvPr/>
+        </p:nvSpPr>
+        <p:spPr>
+          <a:xfrm>
+            <a:off x="30626" y="0"/>
+            <a:ext cx="9144000" cy="784830"/>
+          </a:xfrm>
+          <a:prstGeom prst="rect">
+            <a:avLst/>
+          </a:prstGeom>
+          <a:solidFill>
+            <a:schemeClr val="bg1">
+              <a:lumMod val="95000"/>
+            </a:schemeClr>
+          </a:solidFill>
+          <a:effectLst>
+            <a:outerShdw blurRad="50800" dist="38100" dir="2700000" algn="tl" rotWithShape="0">
+              <a:prstClr val="black">
+                <a:alpha val="40000"/>
+              </a:prstClr>
+            </a:outerShdw>
+          </a:effectLst>
+        </p:spPr>
+        <p:txBody>
+          <a:bodyPr wrap="square" rtlCol="0">
+            <a:spAutoFit/>
+          </a:bodyPr>
+          <a:lstStyle/>
+          <a:p>
+            <a:endParaRPr lang="de-CH" sz="4500" dirty="0"/>
+          </a:p>
+        </p:txBody>
+      </p:sp>
+      <p:sp>
+        <p:nvSpPr>
+          <p:cNvPr id="5" name="Textfeld 4">
+            <a:extLst>
+              <a:ext uri="{FF2B5EF4-FFF2-40B4-BE49-F238E27FC236}">
+                <a16:creationId xmlns:a16="http://schemas.microsoft.com/office/drawing/2014/main" id="{0C4E161B-806C-CC4A-8D3A-E9327C8D6DFB}"/>
+              </a:ext>
+            </a:extLst>
+          </p:cNvPr>
+          <p:cNvSpPr txBox="1"/>
+          <p:nvPr/>
+        </p:nvSpPr>
+        <p:spPr>
+          <a:xfrm>
+            <a:off x="8887120" y="18797"/>
+            <a:ext cx="256880" cy="300082"/>
+          </a:xfrm>
+          <a:prstGeom prst="rect">
+            <a:avLst/>
+          </a:prstGeom>
+          <a:noFill/>
+          <a:ln>
+            <a:noFill/>
+          </a:ln>
+        </p:spPr>
+        <p:txBody>
+          <a:bodyPr wrap="square" rtlCol="0">
+            <a:spAutoFit/>
+          </a:bodyPr>
+          <a:lstStyle/>
+          <a:p>
+            <a:r>
+              <a:rPr lang="de-DE" sz="1350" dirty="0"/>
+              <a:t>X</a:t>
+            </a:r>
+          </a:p>
+        </p:txBody>
+      </p:sp>
+      <p:sp>
+        <p:nvSpPr>
+          <p:cNvPr id="7" name="Textfeld 6">
+            <a:extLst>
+              <a:ext uri="{FF2B5EF4-FFF2-40B4-BE49-F238E27FC236}">
+                <a16:creationId xmlns:a16="http://schemas.microsoft.com/office/drawing/2014/main" id="{86D3570E-730D-734D-BAB1-E0611E613305}"/>
+              </a:ext>
+            </a:extLst>
+          </p:cNvPr>
+          <p:cNvSpPr txBox="1"/>
+          <p:nvPr/>
+        </p:nvSpPr>
+        <p:spPr>
+          <a:xfrm>
+            <a:off x="8373360" y="18797"/>
+            <a:ext cx="256880" cy="300082"/>
+          </a:xfrm>
+          <a:prstGeom prst="rect">
+            <a:avLst/>
+          </a:prstGeom>
+          <a:noFill/>
+          <a:ln>
+            <a:noFill/>
+          </a:ln>
+        </p:spPr>
+        <p:txBody>
+          <a:bodyPr wrap="square" rtlCol="0">
+            <a:spAutoFit/>
+          </a:bodyPr>
+          <a:lstStyle/>
+          <a:p>
+            <a:r>
+              <a:rPr lang="de-DE" sz="1350"/>
+              <a:t>_</a:t>
+            </a:r>
+          </a:p>
+        </p:txBody>
+      </p:sp>
+      <p:sp>
+        <p:nvSpPr>
+          <p:cNvPr id="8" name="Rechteck 7">
+            <a:extLst>
+              <a:ext uri="{FF2B5EF4-FFF2-40B4-BE49-F238E27FC236}">
+                <a16:creationId xmlns:a16="http://schemas.microsoft.com/office/drawing/2014/main" id="{FB701751-FD63-514B-8569-F3D2A6C90226}"/>
+              </a:ext>
+            </a:extLst>
+          </p:cNvPr>
+          <p:cNvSpPr/>
+          <p:nvPr/>
+        </p:nvSpPr>
+        <p:spPr>
+          <a:xfrm>
+            <a:off x="8654986" y="82428"/>
+            <a:ext cx="207389" cy="213368"/>
+          </a:xfrm>
+          <a:prstGeom prst="rect">
+            <a:avLst/>
+          </a:prstGeom>
+          <a:noFill/>
+        </p:spPr>
+        <p:style>
+          <a:lnRef idx="2">
+            <a:schemeClr val="accent1">
+              <a:shade val="50000"/>
+            </a:schemeClr>
+          </a:lnRef>
+          <a:fillRef idx="1">
+            <a:schemeClr val="accent1"/>
+          </a:fillRef>
+          <a:effectRef idx="0">
+            <a:schemeClr val="accent1"/>
+          </a:effectRef>
+          <a:fontRef idx="minor">
+            <a:schemeClr val="lt1"/>
+          </a:fontRef>
+        </p:style>
+        <p:txBody>
+          <a:bodyPr rtlCol="0" anchor="ctr"/>
+          <a:lstStyle/>
+          <a:p>
+            <a:pPr algn="ctr"/>
+            <a:endParaRPr lang="de-DE" sz="1350"/>
+          </a:p>
+        </p:txBody>
+      </p:sp>
+      <p:pic>
+        <p:nvPicPr>
+          <p:cNvPr id="34" name="Grafik 33">
+            <a:extLst>
+              <a:ext uri="{FF2B5EF4-FFF2-40B4-BE49-F238E27FC236}">
+                <a16:creationId xmlns:a16="http://schemas.microsoft.com/office/drawing/2014/main" id="{FDFC208C-E010-4A66-89C5-F9DAA24AFA0B}"/>
+              </a:ext>
+            </a:extLst>
+          </p:cNvPr>
+          <p:cNvPicPr>
+            <a:picLocks noChangeAspect="1"/>
+          </p:cNvPicPr>
+          <p:nvPr/>
+        </p:nvPicPr>
+        <p:blipFill>
+          <a:blip r:embed="rId2">
+            <a:extLst>
+              <a:ext uri="{28A0092B-C50C-407E-A947-70E740481C1C}">
+                <a14:useLocalDpi xmlns:a14="http://schemas.microsoft.com/office/drawing/2010/main" val="0"/>
+              </a:ext>
+              <a:ext uri="{96DAC541-7B7A-43D3-8B79-37D633B846F1}">
+                <asvg:svgBlip xmlns:asvg="http://schemas.microsoft.com/office/drawing/2016/SVG/main" r:embed="rId3"/>
+              </a:ext>
+            </a:extLst>
+          </a:blip>
+          <a:stretch>
+            <a:fillRect/>
+          </a:stretch>
+        </p:blipFill>
+        <p:spPr>
+          <a:xfrm>
+            <a:off x="256591" y="94992"/>
+            <a:ext cx="283151" cy="377534"/>
+          </a:xfrm>
+          <a:prstGeom prst="rect">
+            <a:avLst/>
+          </a:prstGeom>
+        </p:spPr>
+      </p:pic>
+      <p:sp>
+        <p:nvSpPr>
+          <p:cNvPr id="57" name="Textfeld 56">
+            <a:extLst>
+              <a:ext uri="{FF2B5EF4-FFF2-40B4-BE49-F238E27FC236}">
+                <a16:creationId xmlns:a16="http://schemas.microsoft.com/office/drawing/2014/main" id="{4B2952E7-70FC-44FE-A94C-81EF62FF2DFC}"/>
+              </a:ext>
+            </a:extLst>
+          </p:cNvPr>
+          <p:cNvSpPr txBox="1"/>
+          <p:nvPr/>
+        </p:nvSpPr>
+        <p:spPr>
+          <a:xfrm>
+            <a:off x="102713" y="484959"/>
+            <a:ext cx="740156" cy="265457"/>
+          </a:xfrm>
+          <a:prstGeom prst="rect">
+            <a:avLst/>
+          </a:prstGeom>
+          <a:noFill/>
+        </p:spPr>
+        <p:txBody>
+          <a:bodyPr wrap="square" rtlCol="0">
+            <a:spAutoFit/>
+          </a:bodyPr>
+          <a:lstStyle/>
+          <a:p>
+            <a:r>
+              <a:rPr lang="de-CH" sz="750" dirty="0"/>
+              <a:t>Liegenschaft</a:t>
+            </a:r>
+            <a:br>
+              <a:rPr lang="de-CH" sz="750" dirty="0"/>
+            </a:br>
+            <a:r>
+              <a:rPr lang="de-CH" sz="375" dirty="0" err="1"/>
+              <a:t>building</a:t>
+            </a:r>
+            <a:r>
+              <a:rPr lang="de-CH" sz="375" dirty="0"/>
+              <a:t> (fa6)</a:t>
+            </a:r>
+            <a:endParaRPr lang="de-CH" sz="750" dirty="0"/>
+          </a:p>
+        </p:txBody>
+      </p:sp>
+      <p:pic>
+        <p:nvPicPr>
+          <p:cNvPr id="60" name="Grafik 59">
+            <a:extLst>
+              <a:ext uri="{FF2B5EF4-FFF2-40B4-BE49-F238E27FC236}">
+                <a16:creationId xmlns:a16="http://schemas.microsoft.com/office/drawing/2014/main" id="{DF053CFD-830D-482C-9C41-3DABBFC37B46}"/>
+              </a:ext>
+            </a:extLst>
+          </p:cNvPr>
+          <p:cNvPicPr>
+            <a:picLocks noChangeAspect="1"/>
+          </p:cNvPicPr>
+          <p:nvPr/>
+        </p:nvPicPr>
+        <p:blipFill>
+          <a:blip r:embed="rId4">
+            <a:extLst>
+              <a:ext uri="{28A0092B-C50C-407E-A947-70E740481C1C}">
+                <a14:useLocalDpi xmlns:a14="http://schemas.microsoft.com/office/drawing/2010/main" val="0"/>
+              </a:ext>
+              <a:ext uri="{96DAC541-7B7A-43D3-8B79-37D633B846F1}">
+                <asvg:svgBlip xmlns:asvg="http://schemas.microsoft.com/office/drawing/2016/SVG/main" r:embed="rId5"/>
+              </a:ext>
+            </a:extLst>
+          </a:blip>
+          <a:stretch>
+            <a:fillRect/>
+          </a:stretch>
+        </p:blipFill>
+        <p:spPr>
+          <a:xfrm>
+            <a:off x="2138897" y="94993"/>
+            <a:ext cx="281939" cy="375918"/>
+          </a:xfrm>
+          <a:prstGeom prst="rect">
+            <a:avLst/>
+          </a:prstGeom>
+        </p:spPr>
+      </p:pic>
+      <p:pic>
+        <p:nvPicPr>
+          <p:cNvPr id="62" name="Grafik 61">
+            <a:extLst>
+              <a:ext uri="{FF2B5EF4-FFF2-40B4-BE49-F238E27FC236}">
+                <a16:creationId xmlns:a16="http://schemas.microsoft.com/office/drawing/2014/main" id="{F0D201B8-943D-4A47-ABB1-4BF39B067E8D}"/>
+              </a:ext>
+            </a:extLst>
+          </p:cNvPr>
+          <p:cNvPicPr>
+            <a:picLocks noChangeAspect="1"/>
+          </p:cNvPicPr>
+          <p:nvPr/>
+        </p:nvPicPr>
+        <p:blipFill>
+          <a:blip r:embed="rId6">
+            <a:extLst>
+              <a:ext uri="{28A0092B-C50C-407E-A947-70E740481C1C}">
+                <a14:useLocalDpi xmlns:a14="http://schemas.microsoft.com/office/drawing/2010/main" val="0"/>
+              </a:ext>
+              <a:ext uri="{96DAC541-7B7A-43D3-8B79-37D633B846F1}">
+                <asvg:svgBlip xmlns:asvg="http://schemas.microsoft.com/office/drawing/2016/SVG/main" r:embed="rId7"/>
+              </a:ext>
+            </a:extLst>
+          </a:blip>
+          <a:stretch>
+            <a:fillRect/>
+          </a:stretch>
+        </p:blipFill>
+        <p:spPr>
+          <a:xfrm>
+            <a:off x="728585" y="94993"/>
+            <a:ext cx="469898" cy="375918"/>
+          </a:xfrm>
+          <a:prstGeom prst="rect">
+            <a:avLst/>
+          </a:prstGeom>
+        </p:spPr>
+      </p:pic>
+      <p:sp>
+        <p:nvSpPr>
+          <p:cNvPr id="65" name="Textfeld 64">
+            <a:extLst>
+              <a:ext uri="{FF2B5EF4-FFF2-40B4-BE49-F238E27FC236}">
+                <a16:creationId xmlns:a16="http://schemas.microsoft.com/office/drawing/2014/main" id="{ECCF88BE-1316-4D2F-A6DB-2C9FE9040A62}"/>
+              </a:ext>
+            </a:extLst>
+          </p:cNvPr>
+          <p:cNvSpPr txBox="1"/>
+          <p:nvPr/>
+        </p:nvSpPr>
+        <p:spPr>
+          <a:xfrm>
+            <a:off x="700060" y="498781"/>
+            <a:ext cx="671884" cy="253916"/>
+          </a:xfrm>
+          <a:prstGeom prst="rect">
+            <a:avLst/>
+          </a:prstGeom>
+          <a:noFill/>
+        </p:spPr>
+        <p:txBody>
+          <a:bodyPr wrap="square" rtlCol="0">
+            <a:spAutoFit/>
+          </a:bodyPr>
+          <a:lstStyle/>
+          <a:p>
+            <a:r>
+              <a:rPr lang="de-CH" sz="750" dirty="0"/>
+              <a:t>Mieter</a:t>
+            </a:r>
+            <a:br>
+              <a:rPr lang="de-CH" sz="750" dirty="0"/>
+            </a:br>
+            <a:r>
+              <a:rPr lang="de-CH" sz="300" dirty="0"/>
+              <a:t>user-tag</a:t>
+            </a:r>
+            <a:endParaRPr lang="de-CH" sz="750" dirty="0"/>
+          </a:p>
+        </p:txBody>
+      </p:sp>
+      <p:sp>
+        <p:nvSpPr>
+          <p:cNvPr id="66" name="Textfeld 65">
+            <a:extLst>
+              <a:ext uri="{FF2B5EF4-FFF2-40B4-BE49-F238E27FC236}">
+                <a16:creationId xmlns:a16="http://schemas.microsoft.com/office/drawing/2014/main" id="{7C2A1224-9653-4FEB-B039-573344A3E401}"/>
+              </a:ext>
+            </a:extLst>
+          </p:cNvPr>
+          <p:cNvSpPr txBox="1"/>
+          <p:nvPr/>
+        </p:nvSpPr>
+        <p:spPr>
+          <a:xfrm>
+            <a:off x="1958463" y="484959"/>
+            <a:ext cx="728821" cy="265457"/>
+          </a:xfrm>
+          <a:prstGeom prst="rect">
+            <a:avLst/>
+          </a:prstGeom>
+          <a:noFill/>
+        </p:spPr>
+        <p:txBody>
+          <a:bodyPr wrap="square" rtlCol="0">
+            <a:spAutoFit/>
+          </a:bodyPr>
+          <a:lstStyle/>
+          <a:p>
+            <a:r>
+              <a:rPr lang="de-CH" sz="750" dirty="0"/>
+              <a:t>Mietverträge</a:t>
+            </a:r>
+            <a:br>
+              <a:rPr lang="de-CH" sz="750" dirty="0"/>
+            </a:br>
+            <a:r>
+              <a:rPr lang="de-CH" sz="375" dirty="0"/>
+              <a:t>file-</a:t>
+            </a:r>
+            <a:r>
+              <a:rPr lang="de-CH" sz="375" dirty="0" err="1"/>
+              <a:t>contract</a:t>
+            </a:r>
+            <a:endParaRPr lang="de-CH" sz="750" dirty="0"/>
+          </a:p>
+        </p:txBody>
+      </p:sp>
+      <p:pic>
+        <p:nvPicPr>
+          <p:cNvPr id="70" name="Grafik 69">
+            <a:extLst>
+              <a:ext uri="{FF2B5EF4-FFF2-40B4-BE49-F238E27FC236}">
+                <a16:creationId xmlns:a16="http://schemas.microsoft.com/office/drawing/2014/main" id="{C796C772-CFBF-4DD2-ADC2-9C1E2F552336}"/>
+              </a:ext>
+            </a:extLst>
+          </p:cNvPr>
+          <p:cNvPicPr>
+            <a:picLocks noChangeAspect="1"/>
+          </p:cNvPicPr>
+          <p:nvPr/>
+        </p:nvPicPr>
+        <p:blipFill>
+          <a:blip r:embed="rId8">
+            <a:extLst>
+              <a:ext uri="{28A0092B-C50C-407E-A947-70E740481C1C}">
+                <a14:useLocalDpi xmlns:a14="http://schemas.microsoft.com/office/drawing/2010/main" val="0"/>
+              </a:ext>
+              <a:ext uri="{96DAC541-7B7A-43D3-8B79-37D633B846F1}">
+                <asvg:svgBlip xmlns:asvg="http://schemas.microsoft.com/office/drawing/2016/SVG/main" r:embed="rId9"/>
+              </a:ext>
+            </a:extLst>
+          </a:blip>
+          <a:stretch>
+            <a:fillRect/>
+          </a:stretch>
+        </p:blipFill>
+        <p:spPr>
+          <a:xfrm>
+            <a:off x="2789747" y="94992"/>
+            <a:ext cx="281939" cy="375918"/>
+          </a:xfrm>
+          <a:prstGeom prst="rect">
+            <a:avLst/>
+          </a:prstGeom>
+        </p:spPr>
+      </p:pic>
+      <p:sp>
+        <p:nvSpPr>
+          <p:cNvPr id="71" name="Textfeld 70">
+            <a:extLst>
+              <a:ext uri="{FF2B5EF4-FFF2-40B4-BE49-F238E27FC236}">
+                <a16:creationId xmlns:a16="http://schemas.microsoft.com/office/drawing/2014/main" id="{E63EA9B3-19F9-4DAD-AF96-08B93901E074}"/>
+              </a:ext>
+            </a:extLst>
+          </p:cNvPr>
+          <p:cNvSpPr txBox="1"/>
+          <p:nvPr/>
+        </p:nvSpPr>
+        <p:spPr>
+          <a:xfrm>
+            <a:off x="2659257" y="484958"/>
+            <a:ext cx="728821" cy="253916"/>
+          </a:xfrm>
+          <a:prstGeom prst="rect">
+            <a:avLst/>
+          </a:prstGeom>
+          <a:noFill/>
+        </p:spPr>
+        <p:txBody>
+          <a:bodyPr wrap="square" rtlCol="0">
+            <a:spAutoFit/>
+          </a:bodyPr>
+          <a:lstStyle/>
+          <a:p>
+            <a:r>
+              <a:rPr lang="de-CH" sz="750" dirty="0"/>
+              <a:t>Rechnungen</a:t>
+            </a:r>
+            <a:br>
+              <a:rPr lang="de-CH" sz="750" dirty="0"/>
+            </a:br>
+            <a:r>
+              <a:rPr lang="de-CH" sz="300" dirty="0"/>
+              <a:t>file-</a:t>
+            </a:r>
+            <a:r>
+              <a:rPr lang="de-CH" sz="300" dirty="0" err="1"/>
+              <a:t>invoice</a:t>
+            </a:r>
+            <a:r>
+              <a:rPr lang="de-CH" sz="300" dirty="0"/>
+              <a:t>-dollar</a:t>
+            </a:r>
+            <a:endParaRPr lang="de-CH" sz="750" dirty="0"/>
+          </a:p>
+        </p:txBody>
+      </p:sp>
+      <p:pic>
+        <p:nvPicPr>
+          <p:cNvPr id="73" name="Grafik 72">
+            <a:extLst>
+              <a:ext uri="{FF2B5EF4-FFF2-40B4-BE49-F238E27FC236}">
+                <a16:creationId xmlns:a16="http://schemas.microsoft.com/office/drawing/2014/main" id="{4D4542A2-F0A8-455F-901C-B19369D1F973}"/>
+              </a:ext>
+            </a:extLst>
+          </p:cNvPr>
+          <p:cNvPicPr>
+            <a:picLocks noChangeAspect="1"/>
+          </p:cNvPicPr>
+          <p:nvPr/>
+        </p:nvPicPr>
+        <p:blipFill>
+          <a:blip r:embed="rId10">
+            <a:extLst>
+              <a:ext uri="{28A0092B-C50C-407E-A947-70E740481C1C}">
+                <a14:useLocalDpi xmlns:a14="http://schemas.microsoft.com/office/drawing/2010/main" val="0"/>
+              </a:ext>
+              <a:ext uri="{96DAC541-7B7A-43D3-8B79-37D633B846F1}">
+                <asvg:svgBlip xmlns:asvg="http://schemas.microsoft.com/office/drawing/2016/SVG/main" r:embed="rId11"/>
+              </a:ext>
+            </a:extLst>
+          </a:blip>
+          <a:stretch>
+            <a:fillRect/>
+          </a:stretch>
+        </p:blipFill>
+        <p:spPr>
+          <a:xfrm>
+            <a:off x="1454723" y="67926"/>
+            <a:ext cx="364904" cy="417032"/>
+          </a:xfrm>
+          <a:prstGeom prst="rect">
+            <a:avLst/>
+          </a:prstGeom>
+        </p:spPr>
+      </p:pic>
+      <p:sp>
+        <p:nvSpPr>
+          <p:cNvPr id="74" name="Textfeld 73">
+            <a:extLst>
+              <a:ext uri="{FF2B5EF4-FFF2-40B4-BE49-F238E27FC236}">
+                <a16:creationId xmlns:a16="http://schemas.microsoft.com/office/drawing/2014/main" id="{A3F1D1A0-E7A9-4890-B450-D8145EA558CD}"/>
+              </a:ext>
+            </a:extLst>
+          </p:cNvPr>
+          <p:cNvSpPr txBox="1"/>
+          <p:nvPr/>
+        </p:nvSpPr>
+        <p:spPr>
+          <a:xfrm>
+            <a:off x="1272765" y="484275"/>
+            <a:ext cx="728821" cy="265457"/>
+          </a:xfrm>
+          <a:prstGeom prst="rect">
+            <a:avLst/>
+          </a:prstGeom>
+          <a:noFill/>
+        </p:spPr>
+        <p:txBody>
+          <a:bodyPr wrap="square" rtlCol="0">
+            <a:spAutoFit/>
+          </a:bodyPr>
+          <a:lstStyle/>
+          <a:p>
+            <a:r>
+              <a:rPr lang="de-CH" sz="750" dirty="0"/>
+              <a:t>Kreditoren</a:t>
+            </a:r>
+            <a:br>
+              <a:rPr lang="de-CH" sz="750" dirty="0"/>
+            </a:br>
+            <a:r>
+              <a:rPr lang="de-CH" sz="375" dirty="0"/>
+              <a:t>user-</a:t>
+            </a:r>
+            <a:r>
+              <a:rPr lang="de-CH" sz="375" dirty="0" err="1"/>
+              <a:t>tie</a:t>
+            </a:r>
+            <a:endParaRPr lang="de-CH" sz="750" dirty="0"/>
+          </a:p>
+        </p:txBody>
+      </p:sp>
+      <p:pic>
+        <p:nvPicPr>
+          <p:cNvPr id="4" name="Grafik 3">
+            <a:extLst>
+              <a:ext uri="{FF2B5EF4-FFF2-40B4-BE49-F238E27FC236}">
+                <a16:creationId xmlns:a16="http://schemas.microsoft.com/office/drawing/2014/main" id="{9406529B-509B-42B7-A142-FAE3A1F66B7D}"/>
+              </a:ext>
+            </a:extLst>
+          </p:cNvPr>
+          <p:cNvPicPr>
+            <a:picLocks noChangeAspect="1"/>
+          </p:cNvPicPr>
+          <p:nvPr/>
+        </p:nvPicPr>
+        <p:blipFill>
+          <a:blip r:embed="rId12">
+            <a:extLst>
+              <a:ext uri="{28A0092B-C50C-407E-A947-70E740481C1C}">
+                <a14:useLocalDpi xmlns:a14="http://schemas.microsoft.com/office/drawing/2010/main" val="0"/>
+              </a:ext>
+              <a:ext uri="{96DAC541-7B7A-43D3-8B79-37D633B846F1}">
+                <asvg:svgBlip xmlns:asvg="http://schemas.microsoft.com/office/drawing/2016/SVG/main" r:embed="rId13"/>
+              </a:ext>
+            </a:extLst>
+          </a:blip>
+          <a:stretch>
+            <a:fillRect/>
+          </a:stretch>
+        </p:blipFill>
+        <p:spPr>
+          <a:xfrm>
+            <a:off x="8452339" y="383783"/>
+            <a:ext cx="232311" cy="232311"/>
+          </a:xfrm>
+          <a:prstGeom prst="rect">
+            <a:avLst/>
+          </a:prstGeom>
+        </p:spPr>
+      </p:pic>
+      <p:sp>
+        <p:nvSpPr>
+          <p:cNvPr id="23" name="Textfeld 22">
+            <a:extLst>
+              <a:ext uri="{FF2B5EF4-FFF2-40B4-BE49-F238E27FC236}">
+                <a16:creationId xmlns:a16="http://schemas.microsoft.com/office/drawing/2014/main" id="{78E7674F-AC57-4480-BF2D-706CEBDBE8BC}"/>
+              </a:ext>
+            </a:extLst>
+          </p:cNvPr>
+          <p:cNvSpPr txBox="1"/>
+          <p:nvPr/>
+        </p:nvSpPr>
+        <p:spPr>
+          <a:xfrm>
+            <a:off x="8368317" y="584435"/>
+            <a:ext cx="523846" cy="138499"/>
+          </a:xfrm>
+          <a:prstGeom prst="rect">
+            <a:avLst/>
+          </a:prstGeom>
+          <a:noFill/>
+        </p:spPr>
+        <p:txBody>
+          <a:bodyPr wrap="square" rtlCol="0">
+            <a:spAutoFit/>
+          </a:bodyPr>
+          <a:lstStyle/>
+          <a:p>
+            <a:r>
+              <a:rPr lang="de-CH" sz="300" dirty="0" err="1"/>
+              <a:t>Sign</a:t>
+            </a:r>
+            <a:r>
+              <a:rPr lang="de-CH" sz="300" dirty="0"/>
+              <a:t>-out-alt</a:t>
+            </a:r>
+          </a:p>
+        </p:txBody>
+      </p:sp>
+      <p:sp>
+        <p:nvSpPr>
+          <p:cNvPr id="30" name="Textfeld 29">
+            <a:extLst>
+              <a:ext uri="{FF2B5EF4-FFF2-40B4-BE49-F238E27FC236}">
+                <a16:creationId xmlns:a16="http://schemas.microsoft.com/office/drawing/2014/main" id="{0B5B28E4-0027-41B1-A093-9ADDFE5393C4}"/>
+              </a:ext>
+            </a:extLst>
+          </p:cNvPr>
+          <p:cNvSpPr txBox="1"/>
+          <p:nvPr/>
+        </p:nvSpPr>
+        <p:spPr>
+          <a:xfrm>
+            <a:off x="1909848" y="1016040"/>
+            <a:ext cx="3134100" cy="300082"/>
+          </a:xfrm>
+          <a:prstGeom prst="rect">
+            <a:avLst/>
+          </a:prstGeom>
+          <a:noFill/>
+        </p:spPr>
+        <p:txBody>
+          <a:bodyPr wrap="square" rtlCol="0">
+            <a:spAutoFit/>
+          </a:bodyPr>
+          <a:lstStyle/>
+          <a:p>
+            <a:r>
+              <a:rPr lang="de-CH" sz="1350" dirty="0"/>
+              <a:t>Neue Zahlung auf Konto XY verbuchen</a:t>
+            </a:r>
+          </a:p>
+        </p:txBody>
+      </p:sp>
+      <p:pic>
+        <p:nvPicPr>
+          <p:cNvPr id="9" name="Grafik 8">
+            <a:extLst>
+              <a:ext uri="{FF2B5EF4-FFF2-40B4-BE49-F238E27FC236}">
+                <a16:creationId xmlns:a16="http://schemas.microsoft.com/office/drawing/2014/main" id="{4A1AB0C7-8F83-489F-83B8-C68A854A2BDC}"/>
+              </a:ext>
+            </a:extLst>
+          </p:cNvPr>
+          <p:cNvPicPr>
+            <a:picLocks noChangeAspect="1"/>
+          </p:cNvPicPr>
+          <p:nvPr/>
+        </p:nvPicPr>
+        <p:blipFill>
+          <a:blip r:embed="rId14">
+            <a:extLst>
+              <a:ext uri="{28A0092B-C50C-407E-A947-70E740481C1C}">
+                <a14:useLocalDpi xmlns:a14="http://schemas.microsoft.com/office/drawing/2010/main" val="0"/>
+              </a:ext>
+              <a:ext uri="{96DAC541-7B7A-43D3-8B79-37D633B846F1}">
+                <asvg:svgBlip xmlns:asvg="http://schemas.microsoft.com/office/drawing/2016/SVG/main" r:embed="rId15"/>
+              </a:ext>
+            </a:extLst>
+          </a:blip>
+          <a:stretch>
+            <a:fillRect/>
+          </a:stretch>
+        </p:blipFill>
+        <p:spPr>
+          <a:xfrm>
+            <a:off x="3496810" y="94993"/>
+            <a:ext cx="430010" cy="344008"/>
+          </a:xfrm>
+          <a:prstGeom prst="rect">
+            <a:avLst/>
+          </a:prstGeom>
+        </p:spPr>
+      </p:pic>
+      <p:sp>
+        <p:nvSpPr>
+          <p:cNvPr id="35" name="Textfeld 34">
+            <a:extLst>
+              <a:ext uri="{FF2B5EF4-FFF2-40B4-BE49-F238E27FC236}">
+                <a16:creationId xmlns:a16="http://schemas.microsoft.com/office/drawing/2014/main" id="{1998E68F-D869-43FF-9BBA-1A741FC9CC62}"/>
+              </a:ext>
+            </a:extLst>
+          </p:cNvPr>
+          <p:cNvSpPr txBox="1"/>
+          <p:nvPr/>
+        </p:nvSpPr>
+        <p:spPr>
+          <a:xfrm>
+            <a:off x="3491764" y="457477"/>
+            <a:ext cx="601337" cy="253916"/>
+          </a:xfrm>
+          <a:prstGeom prst="rect">
+            <a:avLst/>
+          </a:prstGeom>
+          <a:noFill/>
+        </p:spPr>
+        <p:txBody>
+          <a:bodyPr wrap="square" rtlCol="0">
+            <a:spAutoFit/>
+          </a:bodyPr>
+          <a:lstStyle/>
+          <a:p>
+            <a:r>
+              <a:rPr lang="de-CH" sz="750" dirty="0"/>
+              <a:t>Konten</a:t>
+            </a:r>
+            <a:br>
+              <a:rPr lang="de-CH" sz="750" dirty="0"/>
+            </a:br>
+            <a:r>
+              <a:rPr lang="de-CH" sz="300" dirty="0"/>
+              <a:t> </a:t>
+            </a:r>
+            <a:r>
+              <a:rPr lang="de-CH" sz="300" dirty="0" err="1"/>
+              <a:t>money</a:t>
+            </a:r>
+            <a:r>
+              <a:rPr lang="de-CH" sz="300" dirty="0"/>
+              <a:t>-check-alt</a:t>
+            </a:r>
+            <a:endParaRPr lang="de-CH" sz="750" dirty="0"/>
+          </a:p>
+        </p:txBody>
+      </p:sp>
+      <p:pic>
+        <p:nvPicPr>
+          <p:cNvPr id="24" name="Grafik 23">
+            <a:extLst>
+              <a:ext uri="{FF2B5EF4-FFF2-40B4-BE49-F238E27FC236}">
+                <a16:creationId xmlns:a16="http://schemas.microsoft.com/office/drawing/2014/main" id="{F121B337-66DC-4371-97F3-6EC68E01B491}"/>
+              </a:ext>
+            </a:extLst>
+          </p:cNvPr>
+          <p:cNvPicPr>
+            <a:picLocks noChangeAspect="1"/>
+          </p:cNvPicPr>
+          <p:nvPr/>
+        </p:nvPicPr>
+        <p:blipFill>
+          <a:blip r:embed="rId16"/>
+          <a:stretch>
+            <a:fillRect/>
+          </a:stretch>
+        </p:blipFill>
+        <p:spPr>
+          <a:xfrm>
+            <a:off x="-94" y="784830"/>
+            <a:ext cx="1685925" cy="5867400"/>
+          </a:xfrm>
+          <a:prstGeom prst="rect">
+            <a:avLst/>
+          </a:prstGeom>
+        </p:spPr>
+      </p:pic>
+      <p:sp>
+        <p:nvSpPr>
+          <p:cNvPr id="29" name="Textfeld 28">
+            <a:extLst>
+              <a:ext uri="{FF2B5EF4-FFF2-40B4-BE49-F238E27FC236}">
+                <a16:creationId xmlns:a16="http://schemas.microsoft.com/office/drawing/2014/main" id="{A03FAD2A-C634-4D1E-9536-4A5B7009D658}"/>
+              </a:ext>
+            </a:extLst>
+          </p:cNvPr>
+          <p:cNvSpPr txBox="1"/>
+          <p:nvPr/>
+        </p:nvSpPr>
+        <p:spPr>
+          <a:xfrm>
+            <a:off x="1958463" y="1547332"/>
+            <a:ext cx="2654832" cy="507831"/>
+          </a:xfrm>
+          <a:prstGeom prst="rect">
+            <a:avLst/>
+          </a:prstGeom>
+          <a:noFill/>
+        </p:spPr>
+        <p:txBody>
+          <a:bodyPr wrap="square" rtlCol="0">
+            <a:spAutoFit/>
+          </a:bodyPr>
+          <a:lstStyle/>
+          <a:p>
+            <a:r>
+              <a:rPr lang="de-CH" sz="1350" dirty="0"/>
+              <a:t>Eingabefelder für </a:t>
+            </a:r>
+          </a:p>
+          <a:p>
+            <a:r>
+              <a:rPr lang="de-CH" sz="1350" dirty="0"/>
+              <a:t>Daten</a:t>
+            </a:r>
+          </a:p>
+        </p:txBody>
+      </p:sp>
+      <p:sp>
+        <p:nvSpPr>
+          <p:cNvPr id="32" name="Textfeld 31">
+            <a:extLst>
+              <a:ext uri="{FF2B5EF4-FFF2-40B4-BE49-F238E27FC236}">
+                <a16:creationId xmlns:a16="http://schemas.microsoft.com/office/drawing/2014/main" id="{B4BBD773-5F44-4746-A1A2-59237F7C21AE}"/>
+              </a:ext>
+            </a:extLst>
+          </p:cNvPr>
+          <p:cNvSpPr txBox="1"/>
+          <p:nvPr/>
+        </p:nvSpPr>
+        <p:spPr>
+          <a:xfrm>
+            <a:off x="1994250" y="3523748"/>
+            <a:ext cx="1534772" cy="300082"/>
+          </a:xfrm>
+          <a:prstGeom prst="rect">
+            <a:avLst/>
+          </a:prstGeom>
+          <a:solidFill>
+            <a:schemeClr val="bg2"/>
+          </a:solidFill>
+          <a:effectLst>
+            <a:outerShdw blurRad="50800" dist="38100" dir="2700000" algn="tl" rotWithShape="0">
+              <a:prstClr val="black">
+                <a:alpha val="40000"/>
+              </a:prstClr>
+            </a:outerShdw>
+          </a:effectLst>
+        </p:spPr>
+        <p:txBody>
+          <a:bodyPr wrap="square" rtlCol="0">
+            <a:spAutoFit/>
+          </a:bodyPr>
+          <a:lstStyle/>
+          <a:p>
+            <a:r>
+              <a:rPr lang="de-CH" sz="1350" dirty="0"/>
+              <a:t>Speichern</a:t>
             </a:r>
           </a:p>
         </p:txBody>
@@ -13261,6 +14404,94 @@
           </a:p>
         </p:txBody>
       </p:sp>
+      <p:sp>
+        <p:nvSpPr>
+          <p:cNvPr id="31" name="Textfeld 30">
+            <a:extLst>
+              <a:ext uri="{FF2B5EF4-FFF2-40B4-BE49-F238E27FC236}">
+                <a16:creationId xmlns:a16="http://schemas.microsoft.com/office/drawing/2014/main" id="{79307EF8-E77C-4FA9-B254-E069C30A89FC}"/>
+              </a:ext>
+            </a:extLst>
+          </p:cNvPr>
+          <p:cNvSpPr txBox="1"/>
+          <p:nvPr/>
+        </p:nvSpPr>
+        <p:spPr>
+          <a:xfrm>
+            <a:off x="75483" y="2418605"/>
+            <a:ext cx="1534772" cy="507831"/>
+          </a:xfrm>
+          <a:prstGeom prst="rect">
+            <a:avLst/>
+          </a:prstGeom>
+          <a:solidFill>
+            <a:schemeClr val="bg2"/>
+          </a:solidFill>
+          <a:effectLst>
+            <a:outerShdw blurRad="50800" dist="38100" dir="2700000" algn="tl" rotWithShape="0">
+              <a:prstClr val="black">
+                <a:alpha val="40000"/>
+              </a:prstClr>
+            </a:outerShdw>
+          </a:effectLst>
+        </p:spPr>
+        <p:txBody>
+          <a:bodyPr wrap="square" rtlCol="0">
+            <a:spAutoFit/>
+          </a:bodyPr>
+          <a:lstStyle/>
+          <a:p>
+            <a:r>
+              <a:rPr lang="de-CH" sz="1350" dirty="0"/>
+              <a:t>Hauswart bearbeiten</a:t>
+            </a:r>
+          </a:p>
+        </p:txBody>
+      </p:sp>
+      <p:sp>
+        <p:nvSpPr>
+          <p:cNvPr id="32" name="Textfeld 31">
+            <a:extLst>
+              <a:ext uri="{FF2B5EF4-FFF2-40B4-BE49-F238E27FC236}">
+                <a16:creationId xmlns:a16="http://schemas.microsoft.com/office/drawing/2014/main" id="{B3B9331E-F9E3-4EF7-A143-FFB4EFBE043E}"/>
+              </a:ext>
+            </a:extLst>
+          </p:cNvPr>
+          <p:cNvSpPr txBox="1"/>
+          <p:nvPr/>
+        </p:nvSpPr>
+        <p:spPr>
+          <a:xfrm>
+            <a:off x="102713" y="3235578"/>
+            <a:ext cx="1534772" cy="300082"/>
+          </a:xfrm>
+          <a:prstGeom prst="rect">
+            <a:avLst/>
+          </a:prstGeom>
+          <a:solidFill>
+            <a:schemeClr val="bg2"/>
+          </a:solidFill>
+          <a:effectLst>
+            <a:outerShdw blurRad="50800" dist="38100" dir="2700000" algn="tl" rotWithShape="0">
+              <a:prstClr val="black">
+                <a:alpha val="40000"/>
+              </a:prstClr>
+            </a:outerShdw>
+          </a:effectLst>
+        </p:spPr>
+        <p:txBody>
+          <a:bodyPr wrap="square" rtlCol="0">
+            <a:spAutoFit/>
+          </a:bodyPr>
+          <a:lstStyle/>
+          <a:p>
+            <a:r>
+              <a:rPr lang="de-CH" sz="1350" dirty="0"/>
+              <a:t>Neuer Hauswart</a:t>
+            </a:r>
+          </a:p>
+        </p:txBody>
+      </p:sp>
     </p:spTree>
     <p:extLst>
       <p:ext uri="{BB962C8B-B14F-4D97-AF65-F5344CB8AC3E}">
@@ -14262,10 +15493,10 @@
       </p:pic>
       <p:sp>
         <p:nvSpPr>
-          <p:cNvPr id="35" name="Textfeld 34">
-            <a:extLst>
-              <a:ext uri="{FF2B5EF4-FFF2-40B4-BE49-F238E27FC236}">
-                <a16:creationId xmlns:a16="http://schemas.microsoft.com/office/drawing/2014/main" id="{CBAC7CE4-CB15-4CEC-B16B-8D0C38797A16}"/>
+          <p:cNvPr id="38" name="Textfeld 37">
+            <a:extLst>
+              <a:ext uri="{FF2B5EF4-FFF2-40B4-BE49-F238E27FC236}">
+                <a16:creationId xmlns:a16="http://schemas.microsoft.com/office/drawing/2014/main" id="{5E9BB272-87A1-4264-B6BF-F20415D9FFA1}"/>
               </a:ext>
             </a:extLst>
           </p:cNvPr>
@@ -14274,7 +15505,7 @@
         </p:nvSpPr>
         <p:spPr>
           <a:xfrm>
-            <a:off x="74136" y="1618293"/>
+            <a:off x="75483" y="941112"/>
             <a:ext cx="1534772" cy="300082"/>
           </a:xfrm>
           <a:prstGeom prst="rect">
@@ -14299,17 +15530,17 @@
           <a:p>
             <a:r>
               <a:rPr lang="de-CH" sz="1350" dirty="0"/>
-              <a:t>Rechnung erstellen</a:t>
-            </a:r>
-          </a:p>
-        </p:txBody>
-      </p:sp>
-      <p:sp>
-        <p:nvSpPr>
-          <p:cNvPr id="38" name="Textfeld 37">
-            <a:extLst>
-              <a:ext uri="{FF2B5EF4-FFF2-40B4-BE49-F238E27FC236}">
-                <a16:creationId xmlns:a16="http://schemas.microsoft.com/office/drawing/2014/main" id="{5E9BB272-87A1-4264-B6BF-F20415D9FFA1}"/>
+              <a:t>Neuer Mietvertrag</a:t>
+            </a:r>
+          </a:p>
+        </p:txBody>
+      </p:sp>
+      <p:sp>
+        <p:nvSpPr>
+          <p:cNvPr id="28" name="Textfeld 27">
+            <a:extLst>
+              <a:ext uri="{FF2B5EF4-FFF2-40B4-BE49-F238E27FC236}">
+                <a16:creationId xmlns:a16="http://schemas.microsoft.com/office/drawing/2014/main" id="{C9DA673C-9881-4456-8EEB-BBCCE6218133}"/>
               </a:ext>
             </a:extLst>
           </p:cNvPr>
@@ -14318,51 +15549,7 @@
         </p:nvSpPr>
         <p:spPr>
           <a:xfrm>
-            <a:off x="75483" y="941112"/>
-            <a:ext cx="1534772" cy="300082"/>
-          </a:xfrm>
-          <a:prstGeom prst="rect">
-            <a:avLst/>
-          </a:prstGeom>
-          <a:solidFill>
-            <a:schemeClr val="bg2"/>
-          </a:solidFill>
-          <a:effectLst>
-            <a:outerShdw blurRad="50800" dist="38100" dir="2700000" algn="tl" rotWithShape="0">
-              <a:prstClr val="black">
-                <a:alpha val="40000"/>
-              </a:prstClr>
-            </a:outerShdw>
-          </a:effectLst>
-        </p:spPr>
-        <p:txBody>
-          <a:bodyPr wrap="square" rtlCol="0">
-            <a:spAutoFit/>
-          </a:bodyPr>
-          <a:lstStyle/>
-          <a:p>
-            <a:r>
-              <a:rPr lang="de-CH" sz="1350" dirty="0"/>
-              <a:t>Neuer Mietvertrag</a:t>
-            </a:r>
-          </a:p>
-        </p:txBody>
-      </p:sp>
-      <p:sp>
-        <p:nvSpPr>
-          <p:cNvPr id="28" name="Textfeld 27">
-            <a:extLst>
-              <a:ext uri="{FF2B5EF4-FFF2-40B4-BE49-F238E27FC236}">
-                <a16:creationId xmlns:a16="http://schemas.microsoft.com/office/drawing/2014/main" id="{C9DA673C-9881-4456-8EEB-BBCCE6218133}"/>
-              </a:ext>
-            </a:extLst>
-          </p:cNvPr>
-          <p:cNvSpPr txBox="1"/>
-          <p:nvPr/>
-        </p:nvSpPr>
-        <p:spPr>
-          <a:xfrm>
-            <a:off x="21094" y="2608571"/>
+            <a:off x="37416" y="1563116"/>
             <a:ext cx="1534772" cy="300082"/>
           </a:xfrm>
           <a:prstGeom prst="rect">
@@ -15259,10 +16446,10 @@
       </p:pic>
       <p:sp>
         <p:nvSpPr>
-          <p:cNvPr id="47" name="Textfeld 46">
-            <a:extLst>
-              <a:ext uri="{FF2B5EF4-FFF2-40B4-BE49-F238E27FC236}">
-                <a16:creationId xmlns:a16="http://schemas.microsoft.com/office/drawing/2014/main" id="{5A2EC15F-F2FC-47D6-8F18-46549C8A6915}"/>
+          <p:cNvPr id="50" name="Textfeld 49">
+            <a:extLst>
+              <a:ext uri="{FF2B5EF4-FFF2-40B4-BE49-F238E27FC236}">
+                <a16:creationId xmlns:a16="http://schemas.microsoft.com/office/drawing/2014/main" id="{4128D636-10F5-4430-8D32-4E69B4847BF0}"/>
               </a:ext>
             </a:extLst>
           </p:cNvPr>
@@ -15271,7 +16458,7 @@
         </p:nvSpPr>
         <p:spPr>
           <a:xfrm>
-            <a:off x="74136" y="1618293"/>
+            <a:off x="75483" y="941112"/>
             <a:ext cx="1534772" cy="300082"/>
           </a:xfrm>
           <a:prstGeom prst="rect">
@@ -15296,17 +16483,17 @@
           <a:p>
             <a:r>
               <a:rPr lang="de-CH" sz="1350" dirty="0"/>
-              <a:t>Rechnungen</a:t>
-            </a:r>
-          </a:p>
-        </p:txBody>
-      </p:sp>
-      <p:sp>
-        <p:nvSpPr>
-          <p:cNvPr id="50" name="Textfeld 49">
-            <a:extLst>
-              <a:ext uri="{FF2B5EF4-FFF2-40B4-BE49-F238E27FC236}">
-                <a16:creationId xmlns:a16="http://schemas.microsoft.com/office/drawing/2014/main" id="{4128D636-10F5-4430-8D32-4E69B4847BF0}"/>
+              <a:t>Neuer Mieter</a:t>
+            </a:r>
+          </a:p>
+        </p:txBody>
+      </p:sp>
+      <p:sp>
+        <p:nvSpPr>
+          <p:cNvPr id="27" name="Textfeld 26">
+            <a:extLst>
+              <a:ext uri="{FF2B5EF4-FFF2-40B4-BE49-F238E27FC236}">
+                <a16:creationId xmlns:a16="http://schemas.microsoft.com/office/drawing/2014/main" id="{7878F974-B0CB-41C0-8E65-5DE6F6445B6B}"/>
               </a:ext>
             </a:extLst>
           </p:cNvPr>
@@ -15315,22 +16502,13 @@
         </p:nvSpPr>
         <p:spPr>
           <a:xfrm>
-            <a:off x="75483" y="941112"/>
-            <a:ext cx="1534772" cy="300082"/>
-          </a:xfrm>
-          <a:prstGeom prst="rect">
-            <a:avLst/>
-          </a:prstGeom>
-          <a:solidFill>
-            <a:schemeClr val="bg2"/>
-          </a:solidFill>
-          <a:effectLst>
-            <a:outerShdw blurRad="50800" dist="38100" dir="2700000" algn="tl" rotWithShape="0">
-              <a:prstClr val="black">
-                <a:alpha val="40000"/>
-              </a:prstClr>
-            </a:outerShdw>
-          </a:effectLst>
+            <a:off x="4107868" y="1373933"/>
+            <a:ext cx="2041736" cy="300082"/>
+          </a:xfrm>
+          <a:prstGeom prst="rect">
+            <a:avLst/>
+          </a:prstGeom>
+          <a:noFill/>
         </p:spPr>
         <p:txBody>
           <a:bodyPr wrap="square" rtlCol="0">
@@ -15340,17 +16518,17 @@
           <a:p>
             <a:r>
               <a:rPr lang="de-CH" sz="1350" dirty="0"/>
-              <a:t>Neuer Mieter</a:t>
-            </a:r>
-          </a:p>
-        </p:txBody>
-      </p:sp>
-      <p:sp>
-        <p:nvSpPr>
-          <p:cNvPr id="27" name="Textfeld 26">
-            <a:extLst>
-              <a:ext uri="{FF2B5EF4-FFF2-40B4-BE49-F238E27FC236}">
-                <a16:creationId xmlns:a16="http://schemas.microsoft.com/office/drawing/2014/main" id="{7878F974-B0CB-41C0-8E65-5DE6F6445B6B}"/>
+              <a:t>Liste aller Mieter</a:t>
+            </a:r>
+          </a:p>
+        </p:txBody>
+      </p:sp>
+      <p:sp>
+        <p:nvSpPr>
+          <p:cNvPr id="28" name="Textfeld 27">
+            <a:extLst>
+              <a:ext uri="{FF2B5EF4-FFF2-40B4-BE49-F238E27FC236}">
+                <a16:creationId xmlns:a16="http://schemas.microsoft.com/office/drawing/2014/main" id="{DC5B6F5C-0334-4E1B-838F-BB187FC01992}"/>
               </a:ext>
             </a:extLst>
           </p:cNvPr>
@@ -15359,7 +16537,7 @@
         </p:nvSpPr>
         <p:spPr>
           <a:xfrm>
-            <a:off x="4107868" y="1373933"/>
+            <a:off x="6642914" y="1381297"/>
             <a:ext cx="2041736" cy="300082"/>
           </a:xfrm>
           <a:prstGeom prst="rect">
@@ -15375,17 +16553,17 @@
           <a:p>
             <a:r>
               <a:rPr lang="de-CH" sz="1350" dirty="0"/>
-              <a:t>Liste aller Mieter</a:t>
-            </a:r>
-          </a:p>
-        </p:txBody>
-      </p:sp>
-      <p:sp>
-        <p:nvSpPr>
-          <p:cNvPr id="28" name="Textfeld 27">
-            <a:extLst>
-              <a:ext uri="{FF2B5EF4-FFF2-40B4-BE49-F238E27FC236}">
-                <a16:creationId xmlns:a16="http://schemas.microsoft.com/office/drawing/2014/main" id="{DC5B6F5C-0334-4E1B-838F-BB187FC01992}"/>
+              <a:t>Rechnungen</a:t>
+            </a:r>
+          </a:p>
+        </p:txBody>
+      </p:sp>
+      <p:sp>
+        <p:nvSpPr>
+          <p:cNvPr id="29" name="Textfeld 28">
+            <a:extLst>
+              <a:ext uri="{FF2B5EF4-FFF2-40B4-BE49-F238E27FC236}">
+                <a16:creationId xmlns:a16="http://schemas.microsoft.com/office/drawing/2014/main" id="{3962A006-FF0E-4592-B71C-D732168BDD10}"/>
               </a:ext>
             </a:extLst>
           </p:cNvPr>
@@ -15394,7 +16572,7 @@
         </p:nvSpPr>
         <p:spPr>
           <a:xfrm>
-            <a:off x="6642914" y="1381297"/>
+            <a:off x="1923068" y="3773558"/>
             <a:ext cx="2041736" cy="300082"/>
           </a:xfrm>
           <a:prstGeom prst="rect">
@@ -15410,17 +16588,17 @@
           <a:p>
             <a:r>
               <a:rPr lang="de-CH" sz="1350" dirty="0"/>
-              <a:t>Rechnungen</a:t>
-            </a:r>
-          </a:p>
-        </p:txBody>
-      </p:sp>
-      <p:sp>
-        <p:nvSpPr>
-          <p:cNvPr id="29" name="Textfeld 28">
-            <a:extLst>
-              <a:ext uri="{FF2B5EF4-FFF2-40B4-BE49-F238E27FC236}">
-                <a16:creationId xmlns:a16="http://schemas.microsoft.com/office/drawing/2014/main" id="{3962A006-FF0E-4592-B71C-D732168BDD10}"/>
+              <a:t>Mietverträge</a:t>
+            </a:r>
+          </a:p>
+        </p:txBody>
+      </p:sp>
+      <p:sp>
+        <p:nvSpPr>
+          <p:cNvPr id="31" name="Textfeld 30">
+            <a:extLst>
+              <a:ext uri="{FF2B5EF4-FFF2-40B4-BE49-F238E27FC236}">
+                <a16:creationId xmlns:a16="http://schemas.microsoft.com/office/drawing/2014/main" id="{4E89E3EE-4AB2-480C-8948-57FE1449AFED}"/>
               </a:ext>
             </a:extLst>
           </p:cNvPr>
@@ -15429,42 +16607,7 @@
         </p:nvSpPr>
         <p:spPr>
           <a:xfrm>
-            <a:off x="1923068" y="3773558"/>
-            <a:ext cx="2041736" cy="300082"/>
-          </a:xfrm>
-          <a:prstGeom prst="rect">
-            <a:avLst/>
-          </a:prstGeom>
-          <a:noFill/>
-        </p:spPr>
-        <p:txBody>
-          <a:bodyPr wrap="square" rtlCol="0">
-            <a:spAutoFit/>
-          </a:bodyPr>
-          <a:lstStyle/>
-          <a:p>
-            <a:r>
-              <a:rPr lang="de-CH" sz="1350" dirty="0"/>
-              <a:t>Mietverträge</a:t>
-            </a:r>
-          </a:p>
-        </p:txBody>
-      </p:sp>
-      <p:sp>
-        <p:nvSpPr>
-          <p:cNvPr id="31" name="Textfeld 30">
-            <a:extLst>
-              <a:ext uri="{FF2B5EF4-FFF2-40B4-BE49-F238E27FC236}">
-                <a16:creationId xmlns:a16="http://schemas.microsoft.com/office/drawing/2014/main" id="{4E89E3EE-4AB2-480C-8948-57FE1449AFED}"/>
-              </a:ext>
-            </a:extLst>
-          </p:cNvPr>
-          <p:cNvSpPr txBox="1"/>
-          <p:nvPr/>
-        </p:nvSpPr>
-        <p:spPr>
-          <a:xfrm>
-            <a:off x="21094" y="2608571"/>
+            <a:off x="75483" y="1433438"/>
             <a:ext cx="1534772" cy="300082"/>
           </a:xfrm>
           <a:prstGeom prst="rect">
@@ -16320,10 +17463,10 @@
       </p:pic>
       <p:sp>
         <p:nvSpPr>
-          <p:cNvPr id="25" name="Textfeld 24">
-            <a:extLst>
-              <a:ext uri="{FF2B5EF4-FFF2-40B4-BE49-F238E27FC236}">
-                <a16:creationId xmlns:a16="http://schemas.microsoft.com/office/drawing/2014/main" id="{3BD73E36-8853-45E7-899A-1832E59B310A}"/>
+          <p:cNvPr id="28" name="Textfeld 27">
+            <a:extLst>
+              <a:ext uri="{FF2B5EF4-FFF2-40B4-BE49-F238E27FC236}">
+                <a16:creationId xmlns:a16="http://schemas.microsoft.com/office/drawing/2014/main" id="{1910DFB9-59CC-47F2-AB1C-CF93E0D6EECC}"/>
               </a:ext>
             </a:extLst>
           </p:cNvPr>
@@ -16332,7 +17475,7 @@
         </p:nvSpPr>
         <p:spPr>
           <a:xfrm>
-            <a:off x="74136" y="1618293"/>
+            <a:off x="75483" y="941112"/>
             <a:ext cx="1534772" cy="300082"/>
           </a:xfrm>
           <a:prstGeom prst="rect">
@@ -16357,17 +17500,17 @@
           <a:p>
             <a:r>
               <a:rPr lang="de-CH" sz="1350" dirty="0"/>
-              <a:t>Rechnungen</a:t>
-            </a:r>
-          </a:p>
-        </p:txBody>
-      </p:sp>
-      <p:sp>
-        <p:nvSpPr>
-          <p:cNvPr id="28" name="Textfeld 27">
-            <a:extLst>
-              <a:ext uri="{FF2B5EF4-FFF2-40B4-BE49-F238E27FC236}">
-                <a16:creationId xmlns:a16="http://schemas.microsoft.com/office/drawing/2014/main" id="{1910DFB9-59CC-47F2-AB1C-CF93E0D6EECC}"/>
+              <a:t>Neuer Kreditor</a:t>
+            </a:r>
+          </a:p>
+        </p:txBody>
+      </p:sp>
+      <p:sp>
+        <p:nvSpPr>
+          <p:cNvPr id="32" name="Textfeld 31">
+            <a:extLst>
+              <a:ext uri="{FF2B5EF4-FFF2-40B4-BE49-F238E27FC236}">
+                <a16:creationId xmlns:a16="http://schemas.microsoft.com/office/drawing/2014/main" id="{F44D1926-7244-45A3-9497-840423FE7659}"/>
               </a:ext>
             </a:extLst>
           </p:cNvPr>
@@ -16376,7 +17519,7 @@
         </p:nvSpPr>
         <p:spPr>
           <a:xfrm>
-            <a:off x="75483" y="941112"/>
+            <a:off x="61267" y="1875983"/>
             <a:ext cx="1534772" cy="300082"/>
           </a:xfrm>
           <a:prstGeom prst="rect">
@@ -16401,17 +17544,17 @@
           <a:p>
             <a:r>
               <a:rPr lang="de-CH" sz="1350" dirty="0"/>
-              <a:t>Neuer Kreditor</a:t>
-            </a:r>
-          </a:p>
-        </p:txBody>
-      </p:sp>
-      <p:sp>
-        <p:nvSpPr>
-          <p:cNvPr id="32" name="Textfeld 31">
-            <a:extLst>
-              <a:ext uri="{FF2B5EF4-FFF2-40B4-BE49-F238E27FC236}">
-                <a16:creationId xmlns:a16="http://schemas.microsoft.com/office/drawing/2014/main" id="{F44D1926-7244-45A3-9497-840423FE7659}"/>
+              <a:t>Mahnung erstellen</a:t>
+            </a:r>
+          </a:p>
+        </p:txBody>
+      </p:sp>
+      <p:sp>
+        <p:nvSpPr>
+          <p:cNvPr id="26" name="Textfeld 25">
+            <a:extLst>
+              <a:ext uri="{FF2B5EF4-FFF2-40B4-BE49-F238E27FC236}">
+                <a16:creationId xmlns:a16="http://schemas.microsoft.com/office/drawing/2014/main" id="{A2BFC150-953F-4141-808F-8558AEDEE7EF}"/>
               </a:ext>
             </a:extLst>
           </p:cNvPr>
@@ -16420,22 +17563,13 @@
         </p:nvSpPr>
         <p:spPr>
           <a:xfrm>
-            <a:off x="74136" y="2113432"/>
-            <a:ext cx="1534772" cy="300082"/>
-          </a:xfrm>
-          <a:prstGeom prst="rect">
-            <a:avLst/>
-          </a:prstGeom>
-          <a:solidFill>
-            <a:schemeClr val="bg2"/>
-          </a:solidFill>
-          <a:effectLst>
-            <a:outerShdw blurRad="50800" dist="38100" dir="2700000" algn="tl" rotWithShape="0">
-              <a:prstClr val="black">
-                <a:alpha val="40000"/>
-              </a:prstClr>
-            </a:outerShdw>
-          </a:effectLst>
+            <a:off x="2015423" y="1375730"/>
+            <a:ext cx="2041736" cy="715581"/>
+          </a:xfrm>
+          <a:prstGeom prst="rect">
+            <a:avLst/>
+          </a:prstGeom>
+          <a:noFill/>
         </p:spPr>
         <p:txBody>
           <a:bodyPr wrap="square" rtlCol="0">
@@ -16445,17 +17579,23 @@
           <a:p>
             <a:r>
               <a:rPr lang="de-CH" sz="1350" dirty="0"/>
-              <a:t>Mahnung erstellen</a:t>
-            </a:r>
-          </a:p>
-        </p:txBody>
-      </p:sp>
-      <p:sp>
-        <p:nvSpPr>
-          <p:cNvPr id="26" name="Textfeld 25">
-            <a:extLst>
-              <a:ext uri="{FF2B5EF4-FFF2-40B4-BE49-F238E27FC236}">
-                <a16:creationId xmlns:a16="http://schemas.microsoft.com/office/drawing/2014/main" id="{A2BFC150-953F-4141-808F-8558AEDEE7EF}"/>
+              <a:t>Kreditor</a:t>
+            </a:r>
+          </a:p>
+          <a:p>
+            <a:r>
+              <a:rPr lang="de-CH" sz="1350" dirty="0"/>
+              <a:t>(Daten zum Kreditor werden angezeigt)</a:t>
+            </a:r>
+          </a:p>
+        </p:txBody>
+      </p:sp>
+      <p:sp>
+        <p:nvSpPr>
+          <p:cNvPr id="27" name="Textfeld 26">
+            <a:extLst>
+              <a:ext uri="{FF2B5EF4-FFF2-40B4-BE49-F238E27FC236}">
+                <a16:creationId xmlns:a16="http://schemas.microsoft.com/office/drawing/2014/main" id="{04113C58-3943-4BAF-BE8B-6DA93B0F2913}"/>
               </a:ext>
             </a:extLst>
           </p:cNvPr>
@@ -16464,8 +17604,8 @@
         </p:nvSpPr>
         <p:spPr>
           <a:xfrm>
-            <a:off x="2015423" y="1375730"/>
-            <a:ext cx="2041736" cy="715581"/>
+            <a:off x="4107868" y="1373933"/>
+            <a:ext cx="2041736" cy="300082"/>
           </a:xfrm>
           <a:prstGeom prst="rect">
             <a:avLst/>
@@ -16480,23 +17620,17 @@
           <a:p>
             <a:r>
               <a:rPr lang="de-CH" sz="1350" dirty="0"/>
-              <a:t>Kreditor</a:t>
-            </a:r>
-          </a:p>
-          <a:p>
-            <a:r>
-              <a:rPr lang="de-CH" sz="1350" dirty="0"/>
-              <a:t>(Daten zum Kreditor werden angezeigt)</a:t>
-            </a:r>
-          </a:p>
-        </p:txBody>
-      </p:sp>
-      <p:sp>
-        <p:nvSpPr>
-          <p:cNvPr id="27" name="Textfeld 26">
-            <a:extLst>
-              <a:ext uri="{FF2B5EF4-FFF2-40B4-BE49-F238E27FC236}">
-                <a16:creationId xmlns:a16="http://schemas.microsoft.com/office/drawing/2014/main" id="{04113C58-3943-4BAF-BE8B-6DA93B0F2913}"/>
+              <a:t>Liste aller Kreditoren</a:t>
+            </a:r>
+          </a:p>
+        </p:txBody>
+      </p:sp>
+      <p:sp>
+        <p:nvSpPr>
+          <p:cNvPr id="30" name="Textfeld 29">
+            <a:extLst>
+              <a:ext uri="{FF2B5EF4-FFF2-40B4-BE49-F238E27FC236}">
+                <a16:creationId xmlns:a16="http://schemas.microsoft.com/office/drawing/2014/main" id="{DB246A97-30C9-410D-8DBD-7F3EB45D5F9C}"/>
               </a:ext>
             </a:extLst>
           </p:cNvPr>
@@ -16505,7 +17639,7 @@
         </p:nvSpPr>
         <p:spPr>
           <a:xfrm>
-            <a:off x="4107868" y="1373933"/>
+            <a:off x="6642914" y="1381297"/>
             <a:ext cx="2041736" cy="300082"/>
           </a:xfrm>
           <a:prstGeom prst="rect">
@@ -16521,17 +17655,17 @@
           <a:p>
             <a:r>
               <a:rPr lang="de-CH" sz="1350" dirty="0"/>
-              <a:t>Liste aller Kreditoren</a:t>
-            </a:r>
-          </a:p>
-        </p:txBody>
-      </p:sp>
-      <p:sp>
-        <p:nvSpPr>
-          <p:cNvPr id="30" name="Textfeld 29">
-            <a:extLst>
-              <a:ext uri="{FF2B5EF4-FFF2-40B4-BE49-F238E27FC236}">
-                <a16:creationId xmlns:a16="http://schemas.microsoft.com/office/drawing/2014/main" id="{DB246A97-30C9-410D-8DBD-7F3EB45D5F9C}"/>
+              <a:t>Rechnungen</a:t>
+            </a:r>
+          </a:p>
+        </p:txBody>
+      </p:sp>
+      <p:sp>
+        <p:nvSpPr>
+          <p:cNvPr id="36" name="Textfeld 35">
+            <a:extLst>
+              <a:ext uri="{FF2B5EF4-FFF2-40B4-BE49-F238E27FC236}">
+                <a16:creationId xmlns:a16="http://schemas.microsoft.com/office/drawing/2014/main" id="{84B95A00-7F61-44B4-9BD6-DBDD53F4728D}"/>
               </a:ext>
             </a:extLst>
           </p:cNvPr>
@@ -16540,42 +17674,7 @@
         </p:nvSpPr>
         <p:spPr>
           <a:xfrm>
-            <a:off x="6642914" y="1381297"/>
-            <a:ext cx="2041736" cy="300082"/>
-          </a:xfrm>
-          <a:prstGeom prst="rect">
-            <a:avLst/>
-          </a:prstGeom>
-          <a:noFill/>
-        </p:spPr>
-        <p:txBody>
-          <a:bodyPr wrap="square" rtlCol="0">
-            <a:spAutoFit/>
-          </a:bodyPr>
-          <a:lstStyle/>
-          <a:p>
-            <a:r>
-              <a:rPr lang="de-CH" sz="1350" dirty="0"/>
-              <a:t>Rechnungen</a:t>
-            </a:r>
-          </a:p>
-        </p:txBody>
-      </p:sp>
-      <p:sp>
-        <p:nvSpPr>
-          <p:cNvPr id="36" name="Textfeld 35">
-            <a:extLst>
-              <a:ext uri="{FF2B5EF4-FFF2-40B4-BE49-F238E27FC236}">
-                <a16:creationId xmlns:a16="http://schemas.microsoft.com/office/drawing/2014/main" id="{84B95A00-7F61-44B4-9BD6-DBDD53F4728D}"/>
-              </a:ext>
-            </a:extLst>
-          </p:cNvPr>
-          <p:cNvSpPr txBox="1"/>
-          <p:nvPr/>
-        </p:nvSpPr>
-        <p:spPr>
-          <a:xfrm>
-            <a:off x="21094" y="2608571"/>
+            <a:off x="30626" y="1397476"/>
             <a:ext cx="1534772" cy="300082"/>
           </a:xfrm>
           <a:prstGeom prst="rect">
@@ -18235,7 +19334,7 @@
         </p:nvSpPr>
         <p:spPr>
           <a:xfrm>
-            <a:off x="4409360" y="1018829"/>
+            <a:off x="1940763" y="1016040"/>
             <a:ext cx="2041736" cy="300082"/>
           </a:xfrm>
           <a:prstGeom prst="rect">
@@ -18378,10 +19477,10 @@
       </p:pic>
       <p:sp>
         <p:nvSpPr>
-          <p:cNvPr id="31" name="Textfeld 30">
-            <a:extLst>
-              <a:ext uri="{FF2B5EF4-FFF2-40B4-BE49-F238E27FC236}">
-                <a16:creationId xmlns:a16="http://schemas.microsoft.com/office/drawing/2014/main" id="{F315F7FE-8A4C-49DF-AB58-870DA6891EC4}"/>
+          <p:cNvPr id="32" name="Textfeld 31">
+            <a:extLst>
+              <a:ext uri="{FF2B5EF4-FFF2-40B4-BE49-F238E27FC236}">
+                <a16:creationId xmlns:a16="http://schemas.microsoft.com/office/drawing/2014/main" id="{390E48DD-B074-40E8-85D1-4B9FD20D280C}"/>
               </a:ext>
             </a:extLst>
           </p:cNvPr>
@@ -18390,7 +19489,7 @@
         </p:nvSpPr>
         <p:spPr>
           <a:xfrm>
-            <a:off x="42060" y="2029499"/>
+            <a:off x="30626" y="944587"/>
             <a:ext cx="1534772" cy="300082"/>
           </a:xfrm>
           <a:prstGeom prst="rect">
@@ -18415,17 +19514,17 @@
           <a:p>
             <a:r>
               <a:rPr lang="de-CH" sz="1350" dirty="0"/>
-              <a:t>Rechnungen</a:t>
-            </a:r>
-          </a:p>
-        </p:txBody>
-      </p:sp>
-      <p:sp>
-        <p:nvSpPr>
-          <p:cNvPr id="32" name="Textfeld 31">
-            <a:extLst>
-              <a:ext uri="{FF2B5EF4-FFF2-40B4-BE49-F238E27FC236}">
-                <a16:creationId xmlns:a16="http://schemas.microsoft.com/office/drawing/2014/main" id="{390E48DD-B074-40E8-85D1-4B9FD20D280C}"/>
+              <a:t>Neuer Mietvertrag</a:t>
+            </a:r>
+          </a:p>
+        </p:txBody>
+      </p:sp>
+      <p:sp>
+        <p:nvSpPr>
+          <p:cNvPr id="26" name="Textfeld 25">
+            <a:extLst>
+              <a:ext uri="{FF2B5EF4-FFF2-40B4-BE49-F238E27FC236}">
+                <a16:creationId xmlns:a16="http://schemas.microsoft.com/office/drawing/2014/main" id="{C91528FD-AE7D-4669-8FD6-5C9EBB9EB866}"/>
               </a:ext>
             </a:extLst>
           </p:cNvPr>
@@ -18434,139 +19533,7 @@
         </p:nvSpPr>
         <p:spPr>
           <a:xfrm>
-            <a:off x="30626" y="944587"/>
-            <a:ext cx="1534772" cy="300082"/>
-          </a:xfrm>
-          <a:prstGeom prst="rect">
-            <a:avLst/>
-          </a:prstGeom>
-          <a:solidFill>
-            <a:schemeClr val="bg2"/>
-          </a:solidFill>
-          <a:effectLst>
-            <a:outerShdw blurRad="50800" dist="38100" dir="2700000" algn="tl" rotWithShape="0">
-              <a:prstClr val="black">
-                <a:alpha val="40000"/>
-              </a:prstClr>
-            </a:outerShdw>
-          </a:effectLst>
-        </p:spPr>
-        <p:txBody>
-          <a:bodyPr wrap="square" rtlCol="0">
-            <a:spAutoFit/>
-          </a:bodyPr>
-          <a:lstStyle/>
-          <a:p>
-            <a:r>
-              <a:rPr lang="de-CH" sz="1350" dirty="0"/>
-              <a:t>Neuer Mietvertrag</a:t>
-            </a:r>
-          </a:p>
-        </p:txBody>
-      </p:sp>
-      <p:sp>
-        <p:nvSpPr>
-          <p:cNvPr id="33" name="Textfeld 32">
-            <a:extLst>
-              <a:ext uri="{FF2B5EF4-FFF2-40B4-BE49-F238E27FC236}">
-                <a16:creationId xmlns:a16="http://schemas.microsoft.com/office/drawing/2014/main" id="{A8CEBBC0-5FE9-4F0F-B4A3-6A97A76BFE50}"/>
-              </a:ext>
-            </a:extLst>
-          </p:cNvPr>
-          <p:cNvSpPr txBox="1"/>
-          <p:nvPr/>
-        </p:nvSpPr>
-        <p:spPr>
-          <a:xfrm>
-            <a:off x="42060" y="1602391"/>
-            <a:ext cx="1534772" cy="300082"/>
-          </a:xfrm>
-          <a:prstGeom prst="rect">
-            <a:avLst/>
-          </a:prstGeom>
-          <a:solidFill>
-            <a:schemeClr val="bg2"/>
-          </a:solidFill>
-          <a:effectLst>
-            <a:outerShdw blurRad="50800" dist="38100" dir="2700000" algn="tl" rotWithShape="0">
-              <a:prstClr val="black">
-                <a:alpha val="40000"/>
-              </a:prstClr>
-            </a:outerShdw>
-          </a:effectLst>
-        </p:spPr>
-        <p:txBody>
-          <a:bodyPr wrap="square" rtlCol="0">
-            <a:spAutoFit/>
-          </a:bodyPr>
-          <a:lstStyle/>
-          <a:p>
-            <a:r>
-              <a:rPr lang="de-CH" sz="1350" dirty="0"/>
-              <a:t>Mahnung erstellen</a:t>
-            </a:r>
-          </a:p>
-        </p:txBody>
-      </p:sp>
-      <p:sp>
-        <p:nvSpPr>
-          <p:cNvPr id="24" name="Textfeld 23">
-            <a:extLst>
-              <a:ext uri="{FF2B5EF4-FFF2-40B4-BE49-F238E27FC236}">
-                <a16:creationId xmlns:a16="http://schemas.microsoft.com/office/drawing/2014/main" id="{62430D41-DBE9-4E02-85B4-CDAFDEA9C08B}"/>
-              </a:ext>
-            </a:extLst>
-          </p:cNvPr>
-          <p:cNvSpPr txBox="1"/>
-          <p:nvPr/>
-        </p:nvSpPr>
-        <p:spPr>
-          <a:xfrm>
-            <a:off x="7223908" y="6042772"/>
-            <a:ext cx="1534772" cy="300082"/>
-          </a:xfrm>
-          <a:prstGeom prst="rect">
-            <a:avLst/>
-          </a:prstGeom>
-          <a:solidFill>
-            <a:schemeClr val="bg2"/>
-          </a:solidFill>
-          <a:effectLst>
-            <a:outerShdw blurRad="50800" dist="38100" dir="2700000" algn="tl" rotWithShape="0">
-              <a:prstClr val="black">
-                <a:alpha val="40000"/>
-              </a:prstClr>
-            </a:outerShdw>
-          </a:effectLst>
-        </p:spPr>
-        <p:txBody>
-          <a:bodyPr wrap="square" rtlCol="0">
-            <a:spAutoFit/>
-          </a:bodyPr>
-          <a:lstStyle/>
-          <a:p>
-            <a:r>
-              <a:rPr lang="de-CH" sz="1350" dirty="0"/>
-              <a:t>Speichern</a:t>
-            </a:r>
-          </a:p>
-        </p:txBody>
-      </p:sp>
-      <p:sp>
-        <p:nvSpPr>
-          <p:cNvPr id="26" name="Textfeld 25">
-            <a:extLst>
-              <a:ext uri="{FF2B5EF4-FFF2-40B4-BE49-F238E27FC236}">
-                <a16:creationId xmlns:a16="http://schemas.microsoft.com/office/drawing/2014/main" id="{C91528FD-AE7D-4669-8FD6-5C9EBB9EB866}"/>
-              </a:ext>
-            </a:extLst>
-          </p:cNvPr>
-          <p:cNvSpPr txBox="1"/>
-          <p:nvPr/>
-        </p:nvSpPr>
-        <p:spPr>
-          <a:xfrm>
-            <a:off x="21094" y="2608571"/>
+            <a:off x="30626" y="1419619"/>
             <a:ext cx="1534772" cy="300082"/>
           </a:xfrm>
           <a:prstGeom prst="rect">
@@ -18909,7 +19876,7 @@
         </p:blipFill>
         <p:spPr>
           <a:xfrm>
-            <a:off x="2121195" y="94993"/>
+            <a:off x="2121197" y="94993"/>
             <a:ext cx="281939" cy="375918"/>
           </a:xfrm>
           <a:prstGeom prst="rect">
@@ -18948,7 +19915,7 @@
         </p:blipFill>
         <p:spPr>
           <a:xfrm>
-            <a:off x="710883" y="94993"/>
+            <a:off x="710885" y="94993"/>
             <a:ext cx="469898" cy="375918"/>
           </a:xfrm>
           <a:prstGeom prst="rect">
@@ -18970,7 +19937,7 @@
         </p:nvSpPr>
         <p:spPr>
           <a:xfrm>
-            <a:off x="682358" y="498781"/>
+            <a:off x="682360" y="498781"/>
             <a:ext cx="671884" cy="253916"/>
           </a:xfrm>
           <a:prstGeom prst="rect">
@@ -19013,7 +19980,7 @@
         </p:nvSpPr>
         <p:spPr>
           <a:xfrm>
-            <a:off x="1940761" y="484959"/>
+            <a:off x="1940763" y="484959"/>
             <a:ext cx="728821" cy="265457"/>
           </a:xfrm>
           <a:prstGeom prst="rect">
@@ -19077,7 +20044,7 @@
         </p:blipFill>
         <p:spPr>
           <a:xfrm>
-            <a:off x="2772045" y="94992"/>
+            <a:off x="2772047" y="94992"/>
             <a:ext cx="281939" cy="375918"/>
           </a:xfrm>
           <a:prstGeom prst="rect">
@@ -19099,7 +20066,7 @@
         </p:nvSpPr>
         <p:spPr>
           <a:xfrm>
-            <a:off x="2641555" y="484958"/>
+            <a:off x="2641557" y="484958"/>
             <a:ext cx="728821" cy="253916"/>
           </a:xfrm>
           <a:prstGeom prst="rect">
@@ -19167,7 +20134,7 @@
         </p:blipFill>
         <p:spPr>
           <a:xfrm>
-            <a:off x="1437021" y="67926"/>
+            <a:off x="1437023" y="67926"/>
             <a:ext cx="364904" cy="417032"/>
           </a:xfrm>
           <a:prstGeom prst="rect">
@@ -19189,7 +20156,7 @@
         </p:nvSpPr>
         <p:spPr>
           <a:xfrm>
-            <a:off x="1255063" y="484275"/>
+            <a:off x="1255065" y="484275"/>
             <a:ext cx="728821" cy="265457"/>
           </a:xfrm>
           <a:prstGeom prst="rect">
@@ -19314,7 +20281,7 @@
         </p:nvSpPr>
         <p:spPr>
           <a:xfrm>
-            <a:off x="4636035" y="1092266"/>
+            <a:off x="1940763" y="1016040"/>
             <a:ext cx="2041736" cy="300082"/>
           </a:xfrm>
           <a:prstGeom prst="rect">
@@ -19329,8 +20296,8 @@
           <a:lstStyle/>
           <a:p>
             <a:r>
-              <a:rPr lang="de-CH" sz="1350" dirty="0"/>
-              <a:t>Rechnungen</a:t>
+              <a:rPr lang="de-CH" sz="1350" b="1" dirty="0"/>
+              <a:t>Mietvertrag bearbeiten</a:t>
             </a:r>
           </a:p>
         </p:txBody>
@@ -19366,7 +20333,7 @@
         </p:blipFill>
         <p:spPr>
           <a:xfrm>
-            <a:off x="3479108" y="94993"/>
+            <a:off x="3479110" y="94993"/>
             <a:ext cx="430010" cy="344008"/>
           </a:xfrm>
           <a:prstGeom prst="rect">
@@ -19388,7 +20355,7 @@
         </p:nvSpPr>
         <p:spPr>
           <a:xfrm>
-            <a:off x="3474062" y="457477"/>
+            <a:off x="3474064" y="457477"/>
             <a:ext cx="601337" cy="253916"/>
           </a:xfrm>
           <a:prstGeom prst="rect">
@@ -19427,10 +20394,10 @@
       </p:sp>
       <p:pic>
         <p:nvPicPr>
-          <p:cNvPr id="24" name="Grafik 23">
-            <a:extLst>
-              <a:ext uri="{FF2B5EF4-FFF2-40B4-BE49-F238E27FC236}">
-                <a16:creationId xmlns:a16="http://schemas.microsoft.com/office/drawing/2014/main" id="{73C1D568-3DAD-47E6-ABA2-CE4CEBAC9EEA}"/>
+          <p:cNvPr id="29" name="Grafik 28">
+            <a:extLst>
+              <a:ext uri="{FF2B5EF4-FFF2-40B4-BE49-F238E27FC236}">
+                <a16:creationId xmlns:a16="http://schemas.microsoft.com/office/drawing/2014/main" id="{E7058714-5A9D-40C4-9F43-FEC6392446DB}"/>
               </a:ext>
             </a:extLst>
           </p:cNvPr>
@@ -19457,10 +20424,10 @@
       </p:pic>
       <p:sp>
         <p:nvSpPr>
-          <p:cNvPr id="26" name="Textfeld 25">
-            <a:extLst>
-              <a:ext uri="{FF2B5EF4-FFF2-40B4-BE49-F238E27FC236}">
-                <a16:creationId xmlns:a16="http://schemas.microsoft.com/office/drawing/2014/main" id="{EBD68964-F06C-4AE3-85A6-7CF0E494DD89}"/>
+          <p:cNvPr id="24" name="Textfeld 23">
+            <a:extLst>
+              <a:ext uri="{FF2B5EF4-FFF2-40B4-BE49-F238E27FC236}">
+                <a16:creationId xmlns:a16="http://schemas.microsoft.com/office/drawing/2014/main" id="{EAFFC433-57E0-4A7F-8923-8216E9827C51}"/>
               </a:ext>
             </a:extLst>
           </p:cNvPr>
@@ -19469,22 +20436,13 @@
         </p:nvSpPr>
         <p:spPr>
           <a:xfrm>
-            <a:off x="30626" y="944587"/>
-            <a:ext cx="1534772" cy="300082"/>
-          </a:xfrm>
-          <a:prstGeom prst="rect">
-            <a:avLst/>
-          </a:prstGeom>
-          <a:solidFill>
-            <a:schemeClr val="bg2"/>
-          </a:solidFill>
-          <a:effectLst>
-            <a:outerShdw blurRad="50800" dist="38100" dir="2700000" algn="tl" rotWithShape="0">
-              <a:prstClr val="black">
-                <a:alpha val="40000"/>
-              </a:prstClr>
-            </a:outerShdw>
-          </a:effectLst>
+            <a:off x="1983886" y="1705282"/>
+            <a:ext cx="2041736" cy="300082"/>
+          </a:xfrm>
+          <a:prstGeom prst="rect">
+            <a:avLst/>
+          </a:prstGeom>
+          <a:noFill/>
         </p:spPr>
         <p:txBody>
           <a:bodyPr wrap="square" rtlCol="0">
@@ -19494,17 +20452,17 @@
           <a:p>
             <a:r>
               <a:rPr lang="de-CH" sz="1350" dirty="0"/>
-              <a:t>Neue Rechnung</a:t>
-            </a:r>
-          </a:p>
-        </p:txBody>
-      </p:sp>
-      <p:sp>
-        <p:nvSpPr>
-          <p:cNvPr id="27" name="Textfeld 26">
-            <a:extLst>
-              <a:ext uri="{FF2B5EF4-FFF2-40B4-BE49-F238E27FC236}">
-                <a16:creationId xmlns:a16="http://schemas.microsoft.com/office/drawing/2014/main" id="{305EFC4D-AFB3-4D73-9A63-4A5B70885037}"/>
+              <a:t>Mieter auswählen</a:t>
+            </a:r>
+          </a:p>
+        </p:txBody>
+      </p:sp>
+      <p:sp>
+        <p:nvSpPr>
+          <p:cNvPr id="25" name="Textfeld 24">
+            <a:extLst>
+              <a:ext uri="{FF2B5EF4-FFF2-40B4-BE49-F238E27FC236}">
+                <a16:creationId xmlns:a16="http://schemas.microsoft.com/office/drawing/2014/main" id="{0C74606A-2B43-42F9-AB58-982974547D9C}"/>
               </a:ext>
             </a:extLst>
           </p:cNvPr>
@@ -19513,22 +20471,13 @@
         </p:nvSpPr>
         <p:spPr>
           <a:xfrm>
-            <a:off x="42060" y="1602391"/>
-            <a:ext cx="1534772" cy="300082"/>
-          </a:xfrm>
-          <a:prstGeom prst="rect">
-            <a:avLst/>
-          </a:prstGeom>
-          <a:solidFill>
-            <a:schemeClr val="bg2"/>
-          </a:solidFill>
-          <a:effectLst>
-            <a:outerShdw blurRad="50800" dist="38100" dir="2700000" algn="tl" rotWithShape="0">
-              <a:prstClr val="black">
-                <a:alpha val="40000"/>
-              </a:prstClr>
-            </a:outerShdw>
-          </a:effectLst>
+            <a:off x="1983886" y="2066157"/>
+            <a:ext cx="2041736" cy="300082"/>
+          </a:xfrm>
+          <a:prstGeom prst="rect">
+            <a:avLst/>
+          </a:prstGeom>
+          <a:noFill/>
         </p:spPr>
         <p:txBody>
           <a:bodyPr wrap="square" rtlCol="0">
@@ -19538,17 +20487,17 @@
           <a:p>
             <a:r>
               <a:rPr lang="de-CH" sz="1350" dirty="0"/>
-              <a:t>Mahnung erstellen</a:t>
-            </a:r>
-          </a:p>
-        </p:txBody>
-      </p:sp>
-      <p:sp>
-        <p:nvSpPr>
-          <p:cNvPr id="25" name="Textfeld 24">
-            <a:extLst>
-              <a:ext uri="{FF2B5EF4-FFF2-40B4-BE49-F238E27FC236}">
-                <a16:creationId xmlns:a16="http://schemas.microsoft.com/office/drawing/2014/main" id="{7FEF8261-CF52-4269-8D34-B3895A708879}"/>
+              <a:t>Liegenschaft auswählen</a:t>
+            </a:r>
+          </a:p>
+        </p:txBody>
+      </p:sp>
+      <p:sp>
+        <p:nvSpPr>
+          <p:cNvPr id="27" name="Textfeld 26">
+            <a:extLst>
+              <a:ext uri="{FF2B5EF4-FFF2-40B4-BE49-F238E27FC236}">
+                <a16:creationId xmlns:a16="http://schemas.microsoft.com/office/drawing/2014/main" id="{9372C1AB-EB04-4562-8EF3-1A211482F4A4}"/>
               </a:ext>
             </a:extLst>
           </p:cNvPr>
@@ -19557,22 +20506,13 @@
         </p:nvSpPr>
         <p:spPr>
           <a:xfrm>
-            <a:off x="21094" y="2608571"/>
-            <a:ext cx="1534772" cy="300082"/>
-          </a:xfrm>
-          <a:prstGeom prst="rect">
-            <a:avLst/>
-          </a:prstGeom>
-          <a:solidFill>
-            <a:schemeClr val="bg2"/>
-          </a:solidFill>
-          <a:effectLst>
-            <a:outerShdw blurRad="50800" dist="38100" dir="2700000" algn="tl" rotWithShape="0">
-              <a:prstClr val="black">
-                <a:alpha val="40000"/>
-              </a:prstClr>
-            </a:outerShdw>
-          </a:effectLst>
+            <a:off x="1983886" y="2394524"/>
+            <a:ext cx="2041736" cy="300082"/>
+          </a:xfrm>
+          <a:prstGeom prst="rect">
+            <a:avLst/>
+          </a:prstGeom>
+          <a:noFill/>
         </p:spPr>
         <p:txBody>
           <a:bodyPr wrap="square" rtlCol="0">
@@ -19582,7 +20522,77 @@
           <a:p>
             <a:r>
               <a:rPr lang="de-CH" sz="1350" dirty="0"/>
-              <a:t>Bearbeiten</a:t>
+              <a:t>Objekt auswählen</a:t>
+            </a:r>
+          </a:p>
+        </p:txBody>
+      </p:sp>
+      <p:sp>
+        <p:nvSpPr>
+          <p:cNvPr id="28" name="Textfeld 27">
+            <a:extLst>
+              <a:ext uri="{FF2B5EF4-FFF2-40B4-BE49-F238E27FC236}">
+                <a16:creationId xmlns:a16="http://schemas.microsoft.com/office/drawing/2014/main" id="{F58F02AD-EBA4-42E5-978D-2BEDFE4BD3DC}"/>
+              </a:ext>
+            </a:extLst>
+          </p:cNvPr>
+          <p:cNvSpPr txBox="1"/>
+          <p:nvPr/>
+        </p:nvSpPr>
+        <p:spPr>
+          <a:xfrm>
+            <a:off x="1983886" y="2775775"/>
+            <a:ext cx="2041736" cy="300082"/>
+          </a:xfrm>
+          <a:prstGeom prst="rect">
+            <a:avLst/>
+          </a:prstGeom>
+          <a:noFill/>
+        </p:spPr>
+        <p:txBody>
+          <a:bodyPr wrap="square" rtlCol="0">
+            <a:spAutoFit/>
+          </a:bodyPr>
+          <a:lstStyle/>
+          <a:p>
+            <a:r>
+              <a:rPr lang="de-CH" sz="1350" dirty="0"/>
+              <a:t>Datum auswählen</a:t>
+            </a:r>
+          </a:p>
+        </p:txBody>
+      </p:sp>
+      <p:sp>
+        <p:nvSpPr>
+          <p:cNvPr id="31" name="Textfeld 30">
+            <a:extLst>
+              <a:ext uri="{FF2B5EF4-FFF2-40B4-BE49-F238E27FC236}">
+                <a16:creationId xmlns:a16="http://schemas.microsoft.com/office/drawing/2014/main" id="{0B255DDB-AABE-4F33-B329-1C1946E1FE20}"/>
+              </a:ext>
+            </a:extLst>
+          </p:cNvPr>
+          <p:cNvSpPr txBox="1"/>
+          <p:nvPr/>
+        </p:nvSpPr>
+        <p:spPr>
+          <a:xfrm>
+            <a:off x="1940763" y="3199545"/>
+            <a:ext cx="2041736" cy="300082"/>
+          </a:xfrm>
+          <a:prstGeom prst="rect">
+            <a:avLst/>
+          </a:prstGeom>
+          <a:noFill/>
+        </p:spPr>
+        <p:txBody>
+          <a:bodyPr wrap="square" rtlCol="0">
+            <a:spAutoFit/>
+          </a:bodyPr>
+          <a:lstStyle/>
+          <a:p>
+            <a:r>
+              <a:rPr lang="de-CH" sz="1350" dirty="0"/>
+              <a:t>Miete eintragen</a:t>
             </a:r>
           </a:p>
         </p:txBody>
@@ -19590,7 +20600,7 @@
     </p:spTree>
     <p:extLst>
       <p:ext uri="{BB962C8B-B14F-4D97-AF65-F5344CB8AC3E}">
-        <p14:creationId xmlns:p14="http://schemas.microsoft.com/office/powerpoint/2010/main" val="1015326068"/>
+        <p14:creationId xmlns:p14="http://schemas.microsoft.com/office/powerpoint/2010/main" val="1885236"/>
       </p:ext>
     </p:extLst>
   </p:cSld>

--- a/docs/GUI-Design.pptx
+++ b/docs/GUI-Design.pptx
@@ -138,7 +138,7 @@
 <file path=ppt/revisionInfo.xml><?xml version="1.0" encoding="utf-8"?>
 <p1510:revInfo xmlns:a="http://schemas.openxmlformats.org/drawingml/2006/main" xmlns:r="http://schemas.openxmlformats.org/officeDocument/2006/relationships" xmlns:p1510="http://schemas.microsoft.com/office/powerpoint/2015/10/main">
   <p1510:revLst>
-    <p1510:client id="{21F8B5DC-EEBF-4057-AF5A-A6A231887572}" v="148" dt="2022-04-29T20:19:59.823"/>
+    <p1510:client id="{21F8B5DC-EEBF-4057-AF5A-A6A231887572}" v="154" dt="2022-05-07T19:04:11.774"/>
   </p1510:revLst>
 </p1510:revInfo>
 </file>
@@ -148,12 +148,12 @@
   <pc:docChgLst>
     <pc:chgData name="Michael Neuhaus" userId="c40c4f6d-4879-45f0-ab21-9527e4a3c0bd" providerId="ADAL" clId="{21F8B5DC-EEBF-4057-AF5A-A6A231887572}"/>
     <pc:docChg chg="undo custSel addSld delSld modSld sldOrd modMainMaster">
-      <pc:chgData name="Michael Neuhaus" userId="c40c4f6d-4879-45f0-ab21-9527e4a3c0bd" providerId="ADAL" clId="{21F8B5DC-EEBF-4057-AF5A-A6A231887572}" dt="2022-04-29T20:20:18.091" v="2972" actId="20577"/>
+      <pc:chgData name="Michael Neuhaus" userId="c40c4f6d-4879-45f0-ab21-9527e4a3c0bd" providerId="ADAL" clId="{21F8B5DC-EEBF-4057-AF5A-A6A231887572}" dt="2022-05-07T19:04:11.774" v="2986"/>
       <pc:docMkLst>
         <pc:docMk/>
       </pc:docMkLst>
       <pc:sldChg chg="addSp delSp modSp mod">
-        <pc:chgData name="Michael Neuhaus" userId="c40c4f6d-4879-45f0-ab21-9527e4a3c0bd" providerId="ADAL" clId="{21F8B5DC-EEBF-4057-AF5A-A6A231887572}" dt="2022-04-11T17:53:45.462" v="2030" actId="1038"/>
+        <pc:chgData name="Michael Neuhaus" userId="c40c4f6d-4879-45f0-ab21-9527e4a3c0bd" providerId="ADAL" clId="{21F8B5DC-EEBF-4057-AF5A-A6A231887572}" dt="2022-05-07T19:04:11.774" v="2986"/>
         <pc:sldMkLst>
           <pc:docMk/>
           <pc:sldMk cId="2892530923" sldId="258"/>
@@ -223,7 +223,7 @@
           </ac:spMkLst>
         </pc:spChg>
         <pc:spChg chg="add mod">
-          <ac:chgData name="Michael Neuhaus" userId="c40c4f6d-4879-45f0-ab21-9527e4a3c0bd" providerId="ADAL" clId="{21F8B5DC-EEBF-4057-AF5A-A6A231887572}" dt="2022-03-30T19:28:26.217" v="1050" actId="207"/>
+          <ac:chgData name="Michael Neuhaus" userId="c40c4f6d-4879-45f0-ab21-9527e4a3c0bd" providerId="ADAL" clId="{21F8B5DC-EEBF-4057-AF5A-A6A231887572}" dt="2022-05-07T19:02:18.682" v="2981"/>
           <ac:spMkLst>
             <pc:docMk/>
             <pc:sldMk cId="2892530923" sldId="258"/>
@@ -239,7 +239,7 @@
           </ac:spMkLst>
         </pc:spChg>
         <pc:spChg chg="add mod">
-          <ac:chgData name="Michael Neuhaus" userId="c40c4f6d-4879-45f0-ab21-9527e4a3c0bd" providerId="ADAL" clId="{21F8B5DC-EEBF-4057-AF5A-A6A231887572}" dt="2022-04-11T17:53:45.462" v="2030" actId="1038"/>
+          <ac:chgData name="Michael Neuhaus" userId="c40c4f6d-4879-45f0-ab21-9527e4a3c0bd" providerId="ADAL" clId="{21F8B5DC-EEBF-4057-AF5A-A6A231887572}" dt="2022-05-07T19:02:42.691" v="2982"/>
           <ac:spMkLst>
             <pc:docMk/>
             <pc:sldMk cId="2892530923" sldId="258"/>
@@ -247,7 +247,7 @@
           </ac:spMkLst>
         </pc:spChg>
         <pc:spChg chg="add mod">
-          <ac:chgData name="Michael Neuhaus" userId="c40c4f6d-4879-45f0-ab21-9527e4a3c0bd" providerId="ADAL" clId="{21F8B5DC-EEBF-4057-AF5A-A6A231887572}" dt="2022-04-11T17:53:45.462" v="2030" actId="1038"/>
+          <ac:chgData name="Michael Neuhaus" userId="c40c4f6d-4879-45f0-ab21-9527e4a3c0bd" providerId="ADAL" clId="{21F8B5DC-EEBF-4057-AF5A-A6A231887572}" dt="2022-05-07T19:03:19.199" v="2984"/>
           <ac:spMkLst>
             <pc:docMk/>
             <pc:sldMk cId="2892530923" sldId="258"/>
@@ -255,7 +255,7 @@
           </ac:spMkLst>
         </pc:spChg>
         <pc:spChg chg="add mod">
-          <ac:chgData name="Michael Neuhaus" userId="c40c4f6d-4879-45f0-ab21-9527e4a3c0bd" providerId="ADAL" clId="{21F8B5DC-EEBF-4057-AF5A-A6A231887572}" dt="2022-04-11T17:53:45.462" v="2030" actId="1038"/>
+          <ac:chgData name="Michael Neuhaus" userId="c40c4f6d-4879-45f0-ab21-9527e4a3c0bd" providerId="ADAL" clId="{21F8B5DC-EEBF-4057-AF5A-A6A231887572}" dt="2022-05-07T19:03:41.772" v="2985"/>
           <ac:spMkLst>
             <pc:docMk/>
             <pc:sldMk cId="2892530923" sldId="258"/>
@@ -263,7 +263,7 @@
           </ac:spMkLst>
         </pc:spChg>
         <pc:spChg chg="add mod">
-          <ac:chgData name="Michael Neuhaus" userId="c40c4f6d-4879-45f0-ab21-9527e4a3c0bd" providerId="ADAL" clId="{21F8B5DC-EEBF-4057-AF5A-A6A231887572}" dt="2022-04-11T17:53:45.462" v="2030" actId="1038"/>
+          <ac:chgData name="Michael Neuhaus" userId="c40c4f6d-4879-45f0-ab21-9527e4a3c0bd" providerId="ADAL" clId="{21F8B5DC-EEBF-4057-AF5A-A6A231887572}" dt="2022-05-07T19:03:03.725" v="2983"/>
           <ac:spMkLst>
             <pc:docMk/>
             <pc:sldMk cId="2892530923" sldId="258"/>
@@ -287,7 +287,7 @@
           </ac:spMkLst>
         </pc:spChg>
         <pc:spChg chg="add mod">
-          <ac:chgData name="Michael Neuhaus" userId="c40c4f6d-4879-45f0-ab21-9527e4a3c0bd" providerId="ADAL" clId="{21F8B5DC-EEBF-4057-AF5A-A6A231887572}" dt="2022-04-11T17:53:45.462" v="2030" actId="1038"/>
+          <ac:chgData name="Michael Neuhaus" userId="c40c4f6d-4879-45f0-ab21-9527e4a3c0bd" providerId="ADAL" clId="{21F8B5DC-EEBF-4057-AF5A-A6A231887572}" dt="2022-05-07T19:04:11.774" v="2986"/>
           <ac:spMkLst>
             <pc:docMk/>
             <pc:sldMk cId="2892530923" sldId="258"/>
@@ -504,7 +504,7 @@
         </pc:picChg>
       </pc:sldChg>
       <pc:sldChg chg="addSp delSp modSp add mod">
-        <pc:chgData name="Michael Neuhaus" userId="c40c4f6d-4879-45f0-ab21-9527e4a3c0bd" providerId="ADAL" clId="{21F8B5DC-EEBF-4057-AF5A-A6A231887572}" dt="2022-04-11T17:52:35.243" v="1739" actId="1038"/>
+        <pc:chgData name="Michael Neuhaus" userId="c40c4f6d-4879-45f0-ab21-9527e4a3c0bd" providerId="ADAL" clId="{21F8B5DC-EEBF-4057-AF5A-A6A231887572}" dt="2022-05-07T19:04:11.774" v="2986"/>
         <pc:sldMkLst>
           <pc:docMk/>
           <pc:sldMk cId="3390002917" sldId="259"/>
@@ -742,7 +742,7 @@
           </ac:spMkLst>
         </pc:spChg>
         <pc:spChg chg="add mod">
-          <ac:chgData name="Michael Neuhaus" userId="c40c4f6d-4879-45f0-ab21-9527e4a3c0bd" providerId="ADAL" clId="{21F8B5DC-EEBF-4057-AF5A-A6A231887572}" dt="2022-03-30T19:28:00.319" v="1046"/>
+          <ac:chgData name="Michael Neuhaus" userId="c40c4f6d-4879-45f0-ab21-9527e4a3c0bd" providerId="ADAL" clId="{21F8B5DC-EEBF-4057-AF5A-A6A231887572}" dt="2022-05-07T19:02:18.682" v="2981"/>
           <ac:spMkLst>
             <pc:docMk/>
             <pc:sldMk cId="3390002917" sldId="259"/>
@@ -758,7 +758,7 @@
           </ac:spMkLst>
         </pc:spChg>
         <pc:spChg chg="add mod">
-          <ac:chgData name="Michael Neuhaus" userId="c40c4f6d-4879-45f0-ab21-9527e4a3c0bd" providerId="ADAL" clId="{21F8B5DC-EEBF-4057-AF5A-A6A231887572}" dt="2022-04-11T17:52:35.243" v="1739" actId="1038"/>
+          <ac:chgData name="Michael Neuhaus" userId="c40c4f6d-4879-45f0-ab21-9527e4a3c0bd" providerId="ADAL" clId="{21F8B5DC-EEBF-4057-AF5A-A6A231887572}" dt="2022-05-07T19:02:42.691" v="2982"/>
           <ac:spMkLst>
             <pc:docMk/>
             <pc:sldMk cId="3390002917" sldId="259"/>
@@ -782,7 +782,7 @@
           </ac:spMkLst>
         </pc:spChg>
         <pc:spChg chg="add mod">
-          <ac:chgData name="Michael Neuhaus" userId="c40c4f6d-4879-45f0-ab21-9527e4a3c0bd" providerId="ADAL" clId="{21F8B5DC-EEBF-4057-AF5A-A6A231887572}" dt="2022-04-11T17:52:35.243" v="1739" actId="1038"/>
+          <ac:chgData name="Michael Neuhaus" userId="c40c4f6d-4879-45f0-ab21-9527e4a3c0bd" providerId="ADAL" clId="{21F8B5DC-EEBF-4057-AF5A-A6A231887572}" dt="2022-05-07T19:03:19.199" v="2984"/>
           <ac:spMkLst>
             <pc:docMk/>
             <pc:sldMk cId="3390002917" sldId="259"/>
@@ -790,7 +790,7 @@
           </ac:spMkLst>
         </pc:spChg>
         <pc:spChg chg="add mod">
-          <ac:chgData name="Michael Neuhaus" userId="c40c4f6d-4879-45f0-ab21-9527e4a3c0bd" providerId="ADAL" clId="{21F8B5DC-EEBF-4057-AF5A-A6A231887572}" dt="2022-04-11T17:52:35.243" v="1739" actId="1038"/>
+          <ac:chgData name="Michael Neuhaus" userId="c40c4f6d-4879-45f0-ab21-9527e4a3c0bd" providerId="ADAL" clId="{21F8B5DC-EEBF-4057-AF5A-A6A231887572}" dt="2022-05-07T19:03:41.772" v="2985"/>
           <ac:spMkLst>
             <pc:docMk/>
             <pc:sldMk cId="3390002917" sldId="259"/>
@@ -814,7 +814,7 @@
           </ac:spMkLst>
         </pc:spChg>
         <pc:spChg chg="add mod">
-          <ac:chgData name="Michael Neuhaus" userId="c40c4f6d-4879-45f0-ab21-9527e4a3c0bd" providerId="ADAL" clId="{21F8B5DC-EEBF-4057-AF5A-A6A231887572}" dt="2022-04-11T17:52:35.243" v="1739" actId="1038"/>
+          <ac:chgData name="Michael Neuhaus" userId="c40c4f6d-4879-45f0-ab21-9527e4a3c0bd" providerId="ADAL" clId="{21F8B5DC-EEBF-4057-AF5A-A6A231887572}" dt="2022-05-07T19:03:03.725" v="2983"/>
           <ac:spMkLst>
             <pc:docMk/>
             <pc:sldMk cId="3390002917" sldId="259"/>
@@ -822,7 +822,7 @@
           </ac:spMkLst>
         </pc:spChg>
         <pc:spChg chg="add mod">
-          <ac:chgData name="Michael Neuhaus" userId="c40c4f6d-4879-45f0-ab21-9527e4a3c0bd" providerId="ADAL" clId="{21F8B5DC-EEBF-4057-AF5A-A6A231887572}" dt="2022-04-11T17:52:35.243" v="1739" actId="1038"/>
+          <ac:chgData name="Michael Neuhaus" userId="c40c4f6d-4879-45f0-ab21-9527e4a3c0bd" providerId="ADAL" clId="{21F8B5DC-EEBF-4057-AF5A-A6A231887572}" dt="2022-05-07T19:04:11.774" v="2986"/>
           <ac:spMkLst>
             <pc:docMk/>
             <pc:sldMk cId="3390002917" sldId="259"/>
@@ -1246,7 +1246,7 @@
         </pc:picChg>
       </pc:sldChg>
       <pc:sldChg chg="addSp delSp modSp add mod">
-        <pc:chgData name="Michael Neuhaus" userId="c40c4f6d-4879-45f0-ab21-9527e4a3c0bd" providerId="ADAL" clId="{21F8B5DC-EEBF-4057-AF5A-A6A231887572}" dt="2022-04-29T20:13:25.555" v="2623" actId="20577"/>
+        <pc:chgData name="Michael Neuhaus" userId="c40c4f6d-4879-45f0-ab21-9527e4a3c0bd" providerId="ADAL" clId="{21F8B5DC-EEBF-4057-AF5A-A6A231887572}" dt="2022-05-07T19:04:11.774" v="2986"/>
         <pc:sldMkLst>
           <pc:docMk/>
           <pc:sldMk cId="3011076255" sldId="260"/>
@@ -1436,7 +1436,7 @@
           </ac:spMkLst>
         </pc:spChg>
         <pc:spChg chg="add mod">
-          <ac:chgData name="Michael Neuhaus" userId="c40c4f6d-4879-45f0-ab21-9527e4a3c0bd" providerId="ADAL" clId="{21F8B5DC-EEBF-4057-AF5A-A6A231887572}" dt="2022-03-30T19:27:52.588" v="1042"/>
+          <ac:chgData name="Michael Neuhaus" userId="c40c4f6d-4879-45f0-ab21-9527e4a3c0bd" providerId="ADAL" clId="{21F8B5DC-EEBF-4057-AF5A-A6A231887572}" dt="2022-05-07T19:02:18.682" v="2981"/>
           <ac:spMkLst>
             <pc:docMk/>
             <pc:sldMk cId="3011076255" sldId="260"/>
@@ -1452,7 +1452,7 @@
           </ac:spMkLst>
         </pc:spChg>
         <pc:spChg chg="add mod">
-          <ac:chgData name="Michael Neuhaus" userId="c40c4f6d-4879-45f0-ab21-9527e4a3c0bd" providerId="ADAL" clId="{21F8B5DC-EEBF-4057-AF5A-A6A231887572}" dt="2022-04-11T17:52:44.347" v="1778" actId="1037"/>
+          <ac:chgData name="Michael Neuhaus" userId="c40c4f6d-4879-45f0-ab21-9527e4a3c0bd" providerId="ADAL" clId="{21F8B5DC-EEBF-4057-AF5A-A6A231887572}" dt="2022-05-07T19:02:42.691" v="2982"/>
           <ac:spMkLst>
             <pc:docMk/>
             <pc:sldMk cId="3011076255" sldId="260"/>
@@ -1460,7 +1460,7 @@
           </ac:spMkLst>
         </pc:spChg>
         <pc:spChg chg="add mod">
-          <ac:chgData name="Michael Neuhaus" userId="c40c4f6d-4879-45f0-ab21-9527e4a3c0bd" providerId="ADAL" clId="{21F8B5DC-EEBF-4057-AF5A-A6A231887572}" dt="2022-04-11T17:52:44.347" v="1778" actId="1037"/>
+          <ac:chgData name="Michael Neuhaus" userId="c40c4f6d-4879-45f0-ab21-9527e4a3c0bd" providerId="ADAL" clId="{21F8B5DC-EEBF-4057-AF5A-A6A231887572}" dt="2022-05-07T19:03:19.199" v="2984"/>
           <ac:spMkLst>
             <pc:docMk/>
             <pc:sldMk cId="3011076255" sldId="260"/>
@@ -1484,7 +1484,7 @@
           </ac:spMkLst>
         </pc:spChg>
         <pc:spChg chg="add mod">
-          <ac:chgData name="Michael Neuhaus" userId="c40c4f6d-4879-45f0-ab21-9527e4a3c0bd" providerId="ADAL" clId="{21F8B5DC-EEBF-4057-AF5A-A6A231887572}" dt="2022-04-11T17:52:44.347" v="1778" actId="1037"/>
+          <ac:chgData name="Michael Neuhaus" userId="c40c4f6d-4879-45f0-ab21-9527e4a3c0bd" providerId="ADAL" clId="{21F8B5DC-EEBF-4057-AF5A-A6A231887572}" dt="2022-05-07T19:03:41.772" v="2985"/>
           <ac:spMkLst>
             <pc:docMk/>
             <pc:sldMk cId="3011076255" sldId="260"/>
@@ -1492,7 +1492,7 @@
           </ac:spMkLst>
         </pc:spChg>
         <pc:spChg chg="add mod">
-          <ac:chgData name="Michael Neuhaus" userId="c40c4f6d-4879-45f0-ab21-9527e4a3c0bd" providerId="ADAL" clId="{21F8B5DC-EEBF-4057-AF5A-A6A231887572}" dt="2022-04-11T17:52:44.347" v="1778" actId="1037"/>
+          <ac:chgData name="Michael Neuhaus" userId="c40c4f6d-4879-45f0-ab21-9527e4a3c0bd" providerId="ADAL" clId="{21F8B5DC-EEBF-4057-AF5A-A6A231887572}" dt="2022-05-07T19:03:03.725" v="2983"/>
           <ac:spMkLst>
             <pc:docMk/>
             <pc:sldMk cId="3011076255" sldId="260"/>
@@ -1516,7 +1516,7 @@
           </ac:spMkLst>
         </pc:spChg>
         <pc:spChg chg="add mod">
-          <ac:chgData name="Michael Neuhaus" userId="c40c4f6d-4879-45f0-ab21-9527e4a3c0bd" providerId="ADAL" clId="{21F8B5DC-EEBF-4057-AF5A-A6A231887572}" dt="2022-04-11T17:52:44.347" v="1778" actId="1037"/>
+          <ac:chgData name="Michael Neuhaus" userId="c40c4f6d-4879-45f0-ab21-9527e4a3c0bd" providerId="ADAL" clId="{21F8B5DC-EEBF-4057-AF5A-A6A231887572}" dt="2022-05-07T19:04:11.774" v="2986"/>
           <ac:spMkLst>
             <pc:docMk/>
             <pc:sldMk cId="3011076255" sldId="260"/>
@@ -1693,7 +1693,7 @@
         </pc:picChg>
       </pc:sldChg>
       <pc:sldChg chg="addSp delSp modSp add mod">
-        <pc:chgData name="Michael Neuhaus" userId="c40c4f6d-4879-45f0-ab21-9527e4a3c0bd" providerId="ADAL" clId="{21F8B5DC-EEBF-4057-AF5A-A6A231887572}" dt="2022-04-29T20:14:03.858" v="2627" actId="1076"/>
+        <pc:chgData name="Michael Neuhaus" userId="c40c4f6d-4879-45f0-ab21-9527e4a3c0bd" providerId="ADAL" clId="{21F8B5DC-EEBF-4057-AF5A-A6A231887572}" dt="2022-05-07T19:04:11.774" v="2986"/>
         <pc:sldMkLst>
           <pc:docMk/>
           <pc:sldMk cId="3971751406" sldId="261"/>
@@ -1795,7 +1795,7 @@
           </ac:spMkLst>
         </pc:spChg>
         <pc:spChg chg="add mod">
-          <ac:chgData name="Michael Neuhaus" userId="c40c4f6d-4879-45f0-ab21-9527e4a3c0bd" providerId="ADAL" clId="{21F8B5DC-EEBF-4057-AF5A-A6A231887572}" dt="2022-04-11T17:52:52.708" v="1825" actId="1037"/>
+          <ac:chgData name="Michael Neuhaus" userId="c40c4f6d-4879-45f0-ab21-9527e4a3c0bd" providerId="ADAL" clId="{21F8B5DC-EEBF-4057-AF5A-A6A231887572}" dt="2022-05-07T19:04:11.774" v="2986"/>
           <ac:spMkLst>
             <pc:docMk/>
             <pc:sldMk cId="3971751406" sldId="261"/>
@@ -1906,6 +1906,14 @@
             <ac:spMk id="51" creationId="{D37FD960-4EA6-4FB4-8F15-B3D13CCD0D10}"/>
           </ac:spMkLst>
         </pc:spChg>
+        <pc:spChg chg="mod">
+          <ac:chgData name="Michael Neuhaus" userId="c40c4f6d-4879-45f0-ab21-9527e4a3c0bd" providerId="ADAL" clId="{21F8B5DC-EEBF-4057-AF5A-A6A231887572}" dt="2022-05-07T19:02:18.682" v="2981"/>
+          <ac:spMkLst>
+            <pc:docMk/>
+            <pc:sldMk cId="3971751406" sldId="261"/>
+            <ac:spMk id="57" creationId="{4B2952E7-70FC-44FE-A94C-81EF62FF2DFC}"/>
+          </ac:spMkLst>
+        </pc:spChg>
         <pc:spChg chg="del">
           <ac:chgData name="Michael Neuhaus" userId="c40c4f6d-4879-45f0-ab21-9527e4a3c0bd" providerId="ADAL" clId="{21F8B5DC-EEBF-4057-AF5A-A6A231887572}" dt="2022-04-11T17:52:02.685" v="1696" actId="478"/>
           <ac:spMkLst>
@@ -1915,7 +1923,7 @@
           </ac:spMkLst>
         </pc:spChg>
         <pc:spChg chg="mod">
-          <ac:chgData name="Michael Neuhaus" userId="c40c4f6d-4879-45f0-ab21-9527e4a3c0bd" providerId="ADAL" clId="{21F8B5DC-EEBF-4057-AF5A-A6A231887572}" dt="2022-04-11T17:52:52.708" v="1825" actId="1037"/>
+          <ac:chgData name="Michael Neuhaus" userId="c40c4f6d-4879-45f0-ab21-9527e4a3c0bd" providerId="ADAL" clId="{21F8B5DC-EEBF-4057-AF5A-A6A231887572}" dt="2022-05-07T19:02:42.691" v="2982"/>
           <ac:spMkLst>
             <pc:docMk/>
             <pc:sldMk cId="3971751406" sldId="261"/>
@@ -1923,7 +1931,7 @@
           </ac:spMkLst>
         </pc:spChg>
         <pc:spChg chg="mod">
-          <ac:chgData name="Michael Neuhaus" userId="c40c4f6d-4879-45f0-ab21-9527e4a3c0bd" providerId="ADAL" clId="{21F8B5DC-EEBF-4057-AF5A-A6A231887572}" dt="2022-04-11T17:52:52.708" v="1825" actId="1037"/>
+          <ac:chgData name="Michael Neuhaus" userId="c40c4f6d-4879-45f0-ab21-9527e4a3c0bd" providerId="ADAL" clId="{21F8B5DC-EEBF-4057-AF5A-A6A231887572}" dt="2022-05-07T19:03:19.199" v="2984"/>
           <ac:spMkLst>
             <pc:docMk/>
             <pc:sldMk cId="3971751406" sldId="261"/>
@@ -1931,7 +1939,7 @@
           </ac:spMkLst>
         </pc:spChg>
         <pc:spChg chg="mod">
-          <ac:chgData name="Michael Neuhaus" userId="c40c4f6d-4879-45f0-ab21-9527e4a3c0bd" providerId="ADAL" clId="{21F8B5DC-EEBF-4057-AF5A-A6A231887572}" dt="2022-04-11T17:52:52.708" v="1825" actId="1037"/>
+          <ac:chgData name="Michael Neuhaus" userId="c40c4f6d-4879-45f0-ab21-9527e4a3c0bd" providerId="ADAL" clId="{21F8B5DC-EEBF-4057-AF5A-A6A231887572}" dt="2022-05-07T19:03:41.772" v="2985"/>
           <ac:spMkLst>
             <pc:docMk/>
             <pc:sldMk cId="3971751406" sldId="261"/>
@@ -1939,7 +1947,7 @@
           </ac:spMkLst>
         </pc:spChg>
         <pc:spChg chg="mod">
-          <ac:chgData name="Michael Neuhaus" userId="c40c4f6d-4879-45f0-ab21-9527e4a3c0bd" providerId="ADAL" clId="{21F8B5DC-EEBF-4057-AF5A-A6A231887572}" dt="2022-04-11T17:52:52.708" v="1825" actId="1037"/>
+          <ac:chgData name="Michael Neuhaus" userId="c40c4f6d-4879-45f0-ab21-9527e4a3c0bd" providerId="ADAL" clId="{21F8B5DC-EEBF-4057-AF5A-A6A231887572}" dt="2022-05-07T19:03:03.725" v="2983"/>
           <ac:spMkLst>
             <pc:docMk/>
             <pc:sldMk cId="3971751406" sldId="261"/>
@@ -2019,7 +2027,7 @@
         </pc:sldMkLst>
       </pc:sldChg>
       <pc:sldChg chg="addSp delSp modSp add mod">
-        <pc:chgData name="Michael Neuhaus" userId="c40c4f6d-4879-45f0-ab21-9527e4a3c0bd" providerId="ADAL" clId="{21F8B5DC-EEBF-4057-AF5A-A6A231887572}" dt="2022-04-29T20:14:21.125" v="2631" actId="1076"/>
+        <pc:chgData name="Michael Neuhaus" userId="c40c4f6d-4879-45f0-ab21-9527e4a3c0bd" providerId="ADAL" clId="{21F8B5DC-EEBF-4057-AF5A-A6A231887572}" dt="2022-05-07T19:04:11.774" v="2986"/>
         <pc:sldMkLst>
           <pc:docMk/>
           <pc:sldMk cId="1679045900" sldId="263"/>
@@ -2121,7 +2129,7 @@
           </ac:spMkLst>
         </pc:spChg>
         <pc:spChg chg="mod">
-          <ac:chgData name="Michael Neuhaus" userId="c40c4f6d-4879-45f0-ab21-9527e4a3c0bd" providerId="ADAL" clId="{21F8B5DC-EEBF-4057-AF5A-A6A231887572}" dt="2022-04-11T17:53:01.844" v="1859" actId="1037"/>
+          <ac:chgData name="Michael Neuhaus" userId="c40c4f6d-4879-45f0-ab21-9527e4a3c0bd" providerId="ADAL" clId="{21F8B5DC-EEBF-4057-AF5A-A6A231887572}" dt="2022-05-07T19:04:11.774" v="2986"/>
           <ac:spMkLst>
             <pc:docMk/>
             <pc:sldMk cId="1679045900" sldId="263"/>
@@ -2144,6 +2152,14 @@
             <ac:spMk id="38" creationId="{C38C8A94-4A18-4B67-8324-0BCFC2E6C49C}"/>
           </ac:spMkLst>
         </pc:spChg>
+        <pc:spChg chg="mod">
+          <ac:chgData name="Michael Neuhaus" userId="c40c4f6d-4879-45f0-ab21-9527e4a3c0bd" providerId="ADAL" clId="{21F8B5DC-EEBF-4057-AF5A-A6A231887572}" dt="2022-05-07T19:02:18.682" v="2981"/>
+          <ac:spMkLst>
+            <pc:docMk/>
+            <pc:sldMk cId="1679045900" sldId="263"/>
+            <ac:spMk id="57" creationId="{4B2952E7-70FC-44FE-A94C-81EF62FF2DFC}"/>
+          </ac:spMkLst>
+        </pc:spChg>
         <pc:spChg chg="del">
           <ac:chgData name="Michael Neuhaus" userId="c40c4f6d-4879-45f0-ab21-9527e4a3c0bd" providerId="ADAL" clId="{21F8B5DC-EEBF-4057-AF5A-A6A231887572}" dt="2022-04-11T17:52:06.885" v="1697" actId="478"/>
           <ac:spMkLst>
@@ -2153,7 +2169,7 @@
           </ac:spMkLst>
         </pc:spChg>
         <pc:spChg chg="mod">
-          <ac:chgData name="Michael Neuhaus" userId="c40c4f6d-4879-45f0-ab21-9527e4a3c0bd" providerId="ADAL" clId="{21F8B5DC-EEBF-4057-AF5A-A6A231887572}" dt="2022-04-11T17:53:01.844" v="1859" actId="1037"/>
+          <ac:chgData name="Michael Neuhaus" userId="c40c4f6d-4879-45f0-ab21-9527e4a3c0bd" providerId="ADAL" clId="{21F8B5DC-EEBF-4057-AF5A-A6A231887572}" dt="2022-05-07T19:02:42.691" v="2982"/>
           <ac:spMkLst>
             <pc:docMk/>
             <pc:sldMk cId="1679045900" sldId="263"/>
@@ -2161,7 +2177,7 @@
           </ac:spMkLst>
         </pc:spChg>
         <pc:spChg chg="mod">
-          <ac:chgData name="Michael Neuhaus" userId="c40c4f6d-4879-45f0-ab21-9527e4a3c0bd" providerId="ADAL" clId="{21F8B5DC-EEBF-4057-AF5A-A6A231887572}" dt="2022-04-11T17:53:01.844" v="1859" actId="1037"/>
+          <ac:chgData name="Michael Neuhaus" userId="c40c4f6d-4879-45f0-ab21-9527e4a3c0bd" providerId="ADAL" clId="{21F8B5DC-EEBF-4057-AF5A-A6A231887572}" dt="2022-05-07T19:03:19.199" v="2984"/>
           <ac:spMkLst>
             <pc:docMk/>
             <pc:sldMk cId="1679045900" sldId="263"/>
@@ -2169,7 +2185,7 @@
           </ac:spMkLst>
         </pc:spChg>
         <pc:spChg chg="mod">
-          <ac:chgData name="Michael Neuhaus" userId="c40c4f6d-4879-45f0-ab21-9527e4a3c0bd" providerId="ADAL" clId="{21F8B5DC-EEBF-4057-AF5A-A6A231887572}" dt="2022-04-11T17:53:01.844" v="1859" actId="1037"/>
+          <ac:chgData name="Michael Neuhaus" userId="c40c4f6d-4879-45f0-ab21-9527e4a3c0bd" providerId="ADAL" clId="{21F8B5DC-EEBF-4057-AF5A-A6A231887572}" dt="2022-05-07T19:03:41.772" v="2985"/>
           <ac:spMkLst>
             <pc:docMk/>
             <pc:sldMk cId="1679045900" sldId="263"/>
@@ -2177,7 +2193,7 @@
           </ac:spMkLst>
         </pc:spChg>
         <pc:spChg chg="mod">
-          <ac:chgData name="Michael Neuhaus" userId="c40c4f6d-4879-45f0-ab21-9527e4a3c0bd" providerId="ADAL" clId="{21F8B5DC-EEBF-4057-AF5A-A6A231887572}" dt="2022-04-11T17:53:01.844" v="1859" actId="1037"/>
+          <ac:chgData name="Michael Neuhaus" userId="c40c4f6d-4879-45f0-ab21-9527e4a3c0bd" providerId="ADAL" clId="{21F8B5DC-EEBF-4057-AF5A-A6A231887572}" dt="2022-05-07T19:03:03.725" v="2983"/>
           <ac:spMkLst>
             <pc:docMk/>
             <pc:sldMk cId="1679045900" sldId="263"/>
@@ -2265,7 +2281,7 @@
         </pc:picChg>
       </pc:sldChg>
       <pc:sldChg chg="addSp delSp modSp add mod">
-        <pc:chgData name="Michael Neuhaus" userId="c40c4f6d-4879-45f0-ab21-9527e4a3c0bd" providerId="ADAL" clId="{21F8B5DC-EEBF-4057-AF5A-A6A231887572}" dt="2022-04-29T20:17:35.305" v="2757" actId="1076"/>
+        <pc:chgData name="Michael Neuhaus" userId="c40c4f6d-4879-45f0-ab21-9527e4a3c0bd" providerId="ADAL" clId="{21F8B5DC-EEBF-4057-AF5A-A6A231887572}" dt="2022-05-07T19:04:11.774" v="2986"/>
         <pc:sldMkLst>
           <pc:docMk/>
           <pc:sldMk cId="380938355" sldId="265"/>
@@ -2319,7 +2335,7 @@
           </ac:spMkLst>
         </pc:spChg>
         <pc:spChg chg="mod">
-          <ac:chgData name="Michael Neuhaus" userId="c40c4f6d-4879-45f0-ab21-9527e4a3c0bd" providerId="ADAL" clId="{21F8B5DC-EEBF-4057-AF5A-A6A231887572}" dt="2022-04-11T17:53:06.562" v="1888" actId="1037"/>
+          <ac:chgData name="Michael Neuhaus" userId="c40c4f6d-4879-45f0-ab21-9527e4a3c0bd" providerId="ADAL" clId="{21F8B5DC-EEBF-4057-AF5A-A6A231887572}" dt="2022-05-07T19:04:11.774" v="2986"/>
           <ac:spMkLst>
             <pc:docMk/>
             <pc:sldMk cId="380938355" sldId="265"/>
@@ -2334,6 +2350,14 @@
             <ac:spMk id="38" creationId="{C38C8A94-4A18-4B67-8324-0BCFC2E6C49C}"/>
           </ac:spMkLst>
         </pc:spChg>
+        <pc:spChg chg="mod">
+          <ac:chgData name="Michael Neuhaus" userId="c40c4f6d-4879-45f0-ab21-9527e4a3c0bd" providerId="ADAL" clId="{21F8B5DC-EEBF-4057-AF5A-A6A231887572}" dt="2022-05-07T19:02:18.682" v="2981"/>
+          <ac:spMkLst>
+            <pc:docMk/>
+            <pc:sldMk cId="380938355" sldId="265"/>
+            <ac:spMk id="57" creationId="{4B2952E7-70FC-44FE-A94C-81EF62FF2DFC}"/>
+          </ac:spMkLst>
+        </pc:spChg>
         <pc:spChg chg="del">
           <ac:chgData name="Michael Neuhaus" userId="c40c4f6d-4879-45f0-ab21-9527e4a3c0bd" providerId="ADAL" clId="{21F8B5DC-EEBF-4057-AF5A-A6A231887572}" dt="2022-04-11T17:52:13.395" v="1699" actId="478"/>
           <ac:spMkLst>
@@ -2343,7 +2367,7 @@
           </ac:spMkLst>
         </pc:spChg>
         <pc:spChg chg="mod">
-          <ac:chgData name="Michael Neuhaus" userId="c40c4f6d-4879-45f0-ab21-9527e4a3c0bd" providerId="ADAL" clId="{21F8B5DC-EEBF-4057-AF5A-A6A231887572}" dt="2022-04-11T17:53:06.562" v="1888" actId="1037"/>
+          <ac:chgData name="Michael Neuhaus" userId="c40c4f6d-4879-45f0-ab21-9527e4a3c0bd" providerId="ADAL" clId="{21F8B5DC-EEBF-4057-AF5A-A6A231887572}" dt="2022-05-07T19:02:42.691" v="2982"/>
           <ac:spMkLst>
             <pc:docMk/>
             <pc:sldMk cId="380938355" sldId="265"/>
@@ -2351,7 +2375,7 @@
           </ac:spMkLst>
         </pc:spChg>
         <pc:spChg chg="mod">
-          <ac:chgData name="Michael Neuhaus" userId="c40c4f6d-4879-45f0-ab21-9527e4a3c0bd" providerId="ADAL" clId="{21F8B5DC-EEBF-4057-AF5A-A6A231887572}" dt="2022-04-11T17:53:06.562" v="1888" actId="1037"/>
+          <ac:chgData name="Michael Neuhaus" userId="c40c4f6d-4879-45f0-ab21-9527e4a3c0bd" providerId="ADAL" clId="{21F8B5DC-EEBF-4057-AF5A-A6A231887572}" dt="2022-05-07T19:03:19.199" v="2984"/>
           <ac:spMkLst>
             <pc:docMk/>
             <pc:sldMk cId="380938355" sldId="265"/>
@@ -2359,7 +2383,7 @@
           </ac:spMkLst>
         </pc:spChg>
         <pc:spChg chg="mod">
-          <ac:chgData name="Michael Neuhaus" userId="c40c4f6d-4879-45f0-ab21-9527e4a3c0bd" providerId="ADAL" clId="{21F8B5DC-EEBF-4057-AF5A-A6A231887572}" dt="2022-04-11T17:53:06.562" v="1888" actId="1037"/>
+          <ac:chgData name="Michael Neuhaus" userId="c40c4f6d-4879-45f0-ab21-9527e4a3c0bd" providerId="ADAL" clId="{21F8B5DC-EEBF-4057-AF5A-A6A231887572}" dt="2022-05-07T19:03:41.772" v="2985"/>
           <ac:spMkLst>
             <pc:docMk/>
             <pc:sldMk cId="380938355" sldId="265"/>
@@ -2367,7 +2391,7 @@
           </ac:spMkLst>
         </pc:spChg>
         <pc:spChg chg="mod">
-          <ac:chgData name="Michael Neuhaus" userId="c40c4f6d-4879-45f0-ab21-9527e4a3c0bd" providerId="ADAL" clId="{21F8B5DC-EEBF-4057-AF5A-A6A231887572}" dt="2022-04-11T17:53:06.562" v="1888" actId="1037"/>
+          <ac:chgData name="Michael Neuhaus" userId="c40c4f6d-4879-45f0-ab21-9527e4a3c0bd" providerId="ADAL" clId="{21F8B5DC-EEBF-4057-AF5A-A6A231887572}" dt="2022-05-07T19:03:03.725" v="2983"/>
           <ac:spMkLst>
             <pc:docMk/>
             <pc:sldMk cId="380938355" sldId="265"/>
@@ -2448,7 +2472,7 @@
         </pc:picChg>
       </pc:sldChg>
       <pc:sldChg chg="addSp delSp modSp add mod">
-        <pc:chgData name="Michael Neuhaus" userId="c40c4f6d-4879-45f0-ab21-9527e4a3c0bd" providerId="ADAL" clId="{21F8B5DC-EEBF-4057-AF5A-A6A231887572}" dt="2022-04-29T20:20:18.091" v="2972" actId="20577"/>
+        <pc:chgData name="Michael Neuhaus" userId="c40c4f6d-4879-45f0-ab21-9527e4a3c0bd" providerId="ADAL" clId="{21F8B5DC-EEBF-4057-AF5A-A6A231887572}" dt="2022-05-07T19:04:11.774" v="2986"/>
         <pc:sldMkLst>
           <pc:docMk/>
           <pc:sldMk cId="1015326068" sldId="266"/>
@@ -2510,7 +2534,7 @@
           </ac:spMkLst>
         </pc:spChg>
         <pc:spChg chg="mod">
-          <ac:chgData name="Michael Neuhaus" userId="c40c4f6d-4879-45f0-ab21-9527e4a3c0bd" providerId="ADAL" clId="{21F8B5DC-EEBF-4057-AF5A-A6A231887572}" dt="2022-04-11T17:53:15.851" v="1926" actId="1038"/>
+          <ac:chgData name="Michael Neuhaus" userId="c40c4f6d-4879-45f0-ab21-9527e4a3c0bd" providerId="ADAL" clId="{21F8B5DC-EEBF-4057-AF5A-A6A231887572}" dt="2022-05-07T19:04:11.774" v="2986"/>
           <ac:spMkLst>
             <pc:docMk/>
             <pc:sldMk cId="1015326068" sldId="266"/>
@@ -2525,6 +2549,14 @@
             <ac:spMk id="38" creationId="{C38C8A94-4A18-4B67-8324-0BCFC2E6C49C}"/>
           </ac:spMkLst>
         </pc:spChg>
+        <pc:spChg chg="mod">
+          <ac:chgData name="Michael Neuhaus" userId="c40c4f6d-4879-45f0-ab21-9527e4a3c0bd" providerId="ADAL" clId="{21F8B5DC-EEBF-4057-AF5A-A6A231887572}" dt="2022-05-07T19:02:18.682" v="2981"/>
+          <ac:spMkLst>
+            <pc:docMk/>
+            <pc:sldMk cId="1015326068" sldId="266"/>
+            <ac:spMk id="57" creationId="{4B2952E7-70FC-44FE-A94C-81EF62FF2DFC}"/>
+          </ac:spMkLst>
+        </pc:spChg>
         <pc:spChg chg="del">
           <ac:chgData name="Michael Neuhaus" userId="c40c4f6d-4879-45f0-ab21-9527e4a3c0bd" providerId="ADAL" clId="{21F8B5DC-EEBF-4057-AF5A-A6A231887572}" dt="2022-04-11T17:52:10.720" v="1698" actId="478"/>
           <ac:spMkLst>
@@ -2534,7 +2566,7 @@
           </ac:spMkLst>
         </pc:spChg>
         <pc:spChg chg="mod">
-          <ac:chgData name="Michael Neuhaus" userId="c40c4f6d-4879-45f0-ab21-9527e4a3c0bd" providerId="ADAL" clId="{21F8B5DC-EEBF-4057-AF5A-A6A231887572}" dt="2022-04-11T17:53:15.851" v="1926" actId="1038"/>
+          <ac:chgData name="Michael Neuhaus" userId="c40c4f6d-4879-45f0-ab21-9527e4a3c0bd" providerId="ADAL" clId="{21F8B5DC-EEBF-4057-AF5A-A6A231887572}" dt="2022-05-07T19:02:42.691" v="2982"/>
           <ac:spMkLst>
             <pc:docMk/>
             <pc:sldMk cId="1015326068" sldId="266"/>
@@ -2542,7 +2574,7 @@
           </ac:spMkLst>
         </pc:spChg>
         <pc:spChg chg="mod">
-          <ac:chgData name="Michael Neuhaus" userId="c40c4f6d-4879-45f0-ab21-9527e4a3c0bd" providerId="ADAL" clId="{21F8B5DC-EEBF-4057-AF5A-A6A231887572}" dt="2022-04-11T17:53:15.851" v="1926" actId="1038"/>
+          <ac:chgData name="Michael Neuhaus" userId="c40c4f6d-4879-45f0-ab21-9527e4a3c0bd" providerId="ADAL" clId="{21F8B5DC-EEBF-4057-AF5A-A6A231887572}" dt="2022-05-07T19:03:19.199" v="2984"/>
           <ac:spMkLst>
             <pc:docMk/>
             <pc:sldMk cId="1015326068" sldId="266"/>
@@ -2550,7 +2582,7 @@
           </ac:spMkLst>
         </pc:spChg>
         <pc:spChg chg="mod">
-          <ac:chgData name="Michael Neuhaus" userId="c40c4f6d-4879-45f0-ab21-9527e4a3c0bd" providerId="ADAL" clId="{21F8B5DC-EEBF-4057-AF5A-A6A231887572}" dt="2022-04-11T17:53:15.851" v="1926" actId="1038"/>
+          <ac:chgData name="Michael Neuhaus" userId="c40c4f6d-4879-45f0-ab21-9527e4a3c0bd" providerId="ADAL" clId="{21F8B5DC-EEBF-4057-AF5A-A6A231887572}" dt="2022-05-07T19:03:41.772" v="2985"/>
           <ac:spMkLst>
             <pc:docMk/>
             <pc:sldMk cId="1015326068" sldId="266"/>
@@ -2558,7 +2590,7 @@
           </ac:spMkLst>
         </pc:spChg>
         <pc:spChg chg="mod">
-          <ac:chgData name="Michael Neuhaus" userId="c40c4f6d-4879-45f0-ab21-9527e4a3c0bd" providerId="ADAL" clId="{21F8B5DC-EEBF-4057-AF5A-A6A231887572}" dt="2022-04-11T17:53:15.851" v="1926" actId="1038"/>
+          <ac:chgData name="Michael Neuhaus" userId="c40c4f6d-4879-45f0-ab21-9527e4a3c0bd" providerId="ADAL" clId="{21F8B5DC-EEBF-4057-AF5A-A6A231887572}" dt="2022-05-07T19:03:03.725" v="2983"/>
           <ac:spMkLst>
             <pc:docMk/>
             <pc:sldMk cId="1015326068" sldId="266"/>
@@ -2623,7 +2655,7 @@
         </pc:picChg>
       </pc:sldChg>
       <pc:sldChg chg="addSp delSp modSp add mod">
-        <pc:chgData name="Michael Neuhaus" userId="c40c4f6d-4879-45f0-ab21-9527e4a3c0bd" providerId="ADAL" clId="{21F8B5DC-EEBF-4057-AF5A-A6A231887572}" dt="2022-04-29T20:16:13.536" v="2674" actId="20577"/>
+        <pc:chgData name="Michael Neuhaus" userId="c40c4f6d-4879-45f0-ab21-9527e4a3c0bd" providerId="ADAL" clId="{21F8B5DC-EEBF-4057-AF5A-A6A231887572}" dt="2022-05-07T19:04:11.774" v="2986"/>
         <pc:sldMkLst>
           <pc:docMk/>
           <pc:sldMk cId="1457593655" sldId="267"/>
@@ -2709,7 +2741,7 @@
           </ac:spMkLst>
         </pc:spChg>
         <pc:spChg chg="mod">
-          <ac:chgData name="Michael Neuhaus" userId="c40c4f6d-4879-45f0-ab21-9527e4a3c0bd" providerId="ADAL" clId="{21F8B5DC-EEBF-4057-AF5A-A6A231887572}" dt="2022-04-11T17:53:22.915" v="1960" actId="1037"/>
+          <ac:chgData name="Michael Neuhaus" userId="c40c4f6d-4879-45f0-ab21-9527e4a3c0bd" providerId="ADAL" clId="{21F8B5DC-EEBF-4057-AF5A-A6A231887572}" dt="2022-05-07T19:04:11.774" v="2986"/>
           <ac:spMkLst>
             <pc:docMk/>
             <pc:sldMk cId="1457593655" sldId="267"/>
@@ -2724,6 +2756,14 @@
             <ac:spMk id="38" creationId="{C38C8A94-4A18-4B67-8324-0BCFC2E6C49C}"/>
           </ac:spMkLst>
         </pc:spChg>
+        <pc:spChg chg="mod">
+          <ac:chgData name="Michael Neuhaus" userId="c40c4f6d-4879-45f0-ab21-9527e4a3c0bd" providerId="ADAL" clId="{21F8B5DC-EEBF-4057-AF5A-A6A231887572}" dt="2022-05-07T19:02:18.682" v="2981"/>
+          <ac:spMkLst>
+            <pc:docMk/>
+            <pc:sldMk cId="1457593655" sldId="267"/>
+            <ac:spMk id="57" creationId="{4B2952E7-70FC-44FE-A94C-81EF62FF2DFC}"/>
+          </ac:spMkLst>
+        </pc:spChg>
         <pc:spChg chg="del">
           <ac:chgData name="Michael Neuhaus" userId="c40c4f6d-4879-45f0-ab21-9527e4a3c0bd" providerId="ADAL" clId="{21F8B5DC-EEBF-4057-AF5A-A6A231887572}" dt="2022-04-11T17:52:17.555" v="1700" actId="478"/>
           <ac:spMkLst>
@@ -2733,7 +2773,7 @@
           </ac:spMkLst>
         </pc:spChg>
         <pc:spChg chg="mod">
-          <ac:chgData name="Michael Neuhaus" userId="c40c4f6d-4879-45f0-ab21-9527e4a3c0bd" providerId="ADAL" clId="{21F8B5DC-EEBF-4057-AF5A-A6A231887572}" dt="2022-04-11T17:53:22.915" v="1960" actId="1037"/>
+          <ac:chgData name="Michael Neuhaus" userId="c40c4f6d-4879-45f0-ab21-9527e4a3c0bd" providerId="ADAL" clId="{21F8B5DC-EEBF-4057-AF5A-A6A231887572}" dt="2022-05-07T19:02:42.691" v="2982"/>
           <ac:spMkLst>
             <pc:docMk/>
             <pc:sldMk cId="1457593655" sldId="267"/>
@@ -2741,7 +2781,7 @@
           </ac:spMkLst>
         </pc:spChg>
         <pc:spChg chg="mod">
-          <ac:chgData name="Michael Neuhaus" userId="c40c4f6d-4879-45f0-ab21-9527e4a3c0bd" providerId="ADAL" clId="{21F8B5DC-EEBF-4057-AF5A-A6A231887572}" dt="2022-04-11T17:53:22.915" v="1960" actId="1037"/>
+          <ac:chgData name="Michael Neuhaus" userId="c40c4f6d-4879-45f0-ab21-9527e4a3c0bd" providerId="ADAL" clId="{21F8B5DC-EEBF-4057-AF5A-A6A231887572}" dt="2022-05-07T19:03:19.199" v="2984"/>
           <ac:spMkLst>
             <pc:docMk/>
             <pc:sldMk cId="1457593655" sldId="267"/>
@@ -2749,7 +2789,7 @@
           </ac:spMkLst>
         </pc:spChg>
         <pc:spChg chg="mod">
-          <ac:chgData name="Michael Neuhaus" userId="c40c4f6d-4879-45f0-ab21-9527e4a3c0bd" providerId="ADAL" clId="{21F8B5DC-EEBF-4057-AF5A-A6A231887572}" dt="2022-04-11T17:53:22.915" v="1960" actId="1037"/>
+          <ac:chgData name="Michael Neuhaus" userId="c40c4f6d-4879-45f0-ab21-9527e4a3c0bd" providerId="ADAL" clId="{21F8B5DC-EEBF-4057-AF5A-A6A231887572}" dt="2022-05-07T19:03:41.772" v="2985"/>
           <ac:spMkLst>
             <pc:docMk/>
             <pc:sldMk cId="1457593655" sldId="267"/>
@@ -2757,7 +2797,7 @@
           </ac:spMkLst>
         </pc:spChg>
         <pc:spChg chg="mod">
-          <ac:chgData name="Michael Neuhaus" userId="c40c4f6d-4879-45f0-ab21-9527e4a3c0bd" providerId="ADAL" clId="{21F8B5DC-EEBF-4057-AF5A-A6A231887572}" dt="2022-04-11T17:53:22.915" v="1960" actId="1037"/>
+          <ac:chgData name="Michael Neuhaus" userId="c40c4f6d-4879-45f0-ab21-9527e4a3c0bd" providerId="ADAL" clId="{21F8B5DC-EEBF-4057-AF5A-A6A231887572}" dt="2022-05-07T19:03:03.725" v="2983"/>
           <ac:spMkLst>
             <pc:docMk/>
             <pc:sldMk cId="1457593655" sldId="267"/>
@@ -2822,7 +2862,7 @@
         </pc:picChg>
       </pc:sldChg>
       <pc:sldChg chg="addSp delSp modSp add mod">
-        <pc:chgData name="Michael Neuhaus" userId="c40c4f6d-4879-45f0-ab21-9527e4a3c0bd" providerId="ADAL" clId="{21F8B5DC-EEBF-4057-AF5A-A6A231887572}" dt="2022-04-29T20:17:15.857" v="2754" actId="1076"/>
+        <pc:chgData name="Michael Neuhaus" userId="c40c4f6d-4879-45f0-ab21-9527e4a3c0bd" providerId="ADAL" clId="{21F8B5DC-EEBF-4057-AF5A-A6A231887572}" dt="2022-05-07T19:04:11.774" v="2986"/>
         <pc:sldMkLst>
           <pc:docMk/>
           <pc:sldMk cId="3948979849" sldId="268"/>
@@ -2892,13 +2932,21 @@
           </ac:spMkLst>
         </pc:spChg>
         <pc:spChg chg="mod">
-          <ac:chgData name="Michael Neuhaus" userId="c40c4f6d-4879-45f0-ab21-9527e4a3c0bd" providerId="ADAL" clId="{21F8B5DC-EEBF-4057-AF5A-A6A231887572}" dt="2022-04-11T17:53:29.947" v="1994" actId="1037"/>
+          <ac:chgData name="Michael Neuhaus" userId="c40c4f6d-4879-45f0-ab21-9527e4a3c0bd" providerId="ADAL" clId="{21F8B5DC-EEBF-4057-AF5A-A6A231887572}" dt="2022-05-07T19:04:11.774" v="2986"/>
           <ac:spMkLst>
             <pc:docMk/>
             <pc:sldMk cId="3948979849" sldId="268"/>
             <ac:spMk id="35" creationId="{1998E68F-D869-43FF-9BBA-1A741FC9CC62}"/>
           </ac:spMkLst>
         </pc:spChg>
+        <pc:spChg chg="mod">
+          <ac:chgData name="Michael Neuhaus" userId="c40c4f6d-4879-45f0-ab21-9527e4a3c0bd" providerId="ADAL" clId="{21F8B5DC-EEBF-4057-AF5A-A6A231887572}" dt="2022-05-07T19:02:18.682" v="2981"/>
+          <ac:spMkLst>
+            <pc:docMk/>
+            <pc:sldMk cId="3948979849" sldId="268"/>
+            <ac:spMk id="57" creationId="{4B2952E7-70FC-44FE-A94C-81EF62FF2DFC}"/>
+          </ac:spMkLst>
+        </pc:spChg>
         <pc:spChg chg="del">
           <ac:chgData name="Michael Neuhaus" userId="c40c4f6d-4879-45f0-ab21-9527e4a3c0bd" providerId="ADAL" clId="{21F8B5DC-EEBF-4057-AF5A-A6A231887572}" dt="2022-04-11T17:52:21.027" v="1701" actId="478"/>
           <ac:spMkLst>
@@ -2908,7 +2956,7 @@
           </ac:spMkLst>
         </pc:spChg>
         <pc:spChg chg="mod">
-          <ac:chgData name="Michael Neuhaus" userId="c40c4f6d-4879-45f0-ab21-9527e4a3c0bd" providerId="ADAL" clId="{21F8B5DC-EEBF-4057-AF5A-A6A231887572}" dt="2022-04-11T17:53:29.947" v="1994" actId="1037"/>
+          <ac:chgData name="Michael Neuhaus" userId="c40c4f6d-4879-45f0-ab21-9527e4a3c0bd" providerId="ADAL" clId="{21F8B5DC-EEBF-4057-AF5A-A6A231887572}" dt="2022-05-07T19:02:42.691" v="2982"/>
           <ac:spMkLst>
             <pc:docMk/>
             <pc:sldMk cId="3948979849" sldId="268"/>
@@ -2916,7 +2964,7 @@
           </ac:spMkLst>
         </pc:spChg>
         <pc:spChg chg="mod">
-          <ac:chgData name="Michael Neuhaus" userId="c40c4f6d-4879-45f0-ab21-9527e4a3c0bd" providerId="ADAL" clId="{21F8B5DC-EEBF-4057-AF5A-A6A231887572}" dt="2022-04-11T17:53:29.947" v="1994" actId="1037"/>
+          <ac:chgData name="Michael Neuhaus" userId="c40c4f6d-4879-45f0-ab21-9527e4a3c0bd" providerId="ADAL" clId="{21F8B5DC-EEBF-4057-AF5A-A6A231887572}" dt="2022-05-07T19:03:19.199" v="2984"/>
           <ac:spMkLst>
             <pc:docMk/>
             <pc:sldMk cId="3948979849" sldId="268"/>
@@ -2924,7 +2972,7 @@
           </ac:spMkLst>
         </pc:spChg>
         <pc:spChg chg="mod">
-          <ac:chgData name="Michael Neuhaus" userId="c40c4f6d-4879-45f0-ab21-9527e4a3c0bd" providerId="ADAL" clId="{21F8B5DC-EEBF-4057-AF5A-A6A231887572}" dt="2022-04-11T17:53:29.947" v="1994" actId="1037"/>
+          <ac:chgData name="Michael Neuhaus" userId="c40c4f6d-4879-45f0-ab21-9527e4a3c0bd" providerId="ADAL" clId="{21F8B5DC-EEBF-4057-AF5A-A6A231887572}" dt="2022-05-07T19:03:41.772" v="2985"/>
           <ac:spMkLst>
             <pc:docMk/>
             <pc:sldMk cId="3948979849" sldId="268"/>
@@ -2932,7 +2980,7 @@
           </ac:spMkLst>
         </pc:spChg>
         <pc:spChg chg="mod">
-          <ac:chgData name="Michael Neuhaus" userId="c40c4f6d-4879-45f0-ab21-9527e4a3c0bd" providerId="ADAL" clId="{21F8B5DC-EEBF-4057-AF5A-A6A231887572}" dt="2022-04-11T17:53:29.947" v="1994" actId="1037"/>
+          <ac:chgData name="Michael Neuhaus" userId="c40c4f6d-4879-45f0-ab21-9527e4a3c0bd" providerId="ADAL" clId="{21F8B5DC-EEBF-4057-AF5A-A6A231887572}" dt="2022-05-07T19:03:03.725" v="2983"/>
           <ac:spMkLst>
             <pc:docMk/>
             <pc:sldMk cId="3948979849" sldId="268"/>
@@ -2989,7 +3037,7 @@
         </pc:picChg>
       </pc:sldChg>
       <pc:sldChg chg="addSp delSp modSp add mod addCm delCm">
-        <pc:chgData name="Michael Neuhaus" userId="c40c4f6d-4879-45f0-ab21-9527e4a3c0bd" providerId="ADAL" clId="{21F8B5DC-EEBF-4057-AF5A-A6A231887572}" dt="2022-04-29T20:13:49.833" v="2625" actId="1076"/>
+        <pc:chgData name="Michael Neuhaus" userId="c40c4f6d-4879-45f0-ab21-9527e4a3c0bd" providerId="ADAL" clId="{21F8B5DC-EEBF-4057-AF5A-A6A231887572}" dt="2022-05-07T19:04:11.774" v="2986"/>
         <pc:sldMkLst>
           <pc:docMk/>
           <pc:sldMk cId="3012564211" sldId="269"/>
@@ -3130,6 +3178,54 @@
             <ac:spMk id="46" creationId="{39A9E2D7-408A-47E1-A761-4A8D1D04553B}"/>
           </ac:spMkLst>
         </pc:spChg>
+        <pc:spChg chg="mod">
+          <ac:chgData name="Michael Neuhaus" userId="c40c4f6d-4879-45f0-ab21-9527e4a3c0bd" providerId="ADAL" clId="{21F8B5DC-EEBF-4057-AF5A-A6A231887572}" dt="2022-05-07T19:02:18.682" v="2981"/>
+          <ac:spMkLst>
+            <pc:docMk/>
+            <pc:sldMk cId="3012564211" sldId="269"/>
+            <ac:spMk id="49" creationId="{9A619729-E896-4AEF-9963-C7611D83F8C2}"/>
+          </ac:spMkLst>
+        </pc:spChg>
+        <pc:spChg chg="mod">
+          <ac:chgData name="Michael Neuhaus" userId="c40c4f6d-4879-45f0-ab21-9527e4a3c0bd" providerId="ADAL" clId="{21F8B5DC-EEBF-4057-AF5A-A6A231887572}" dt="2022-05-07T19:02:42.691" v="2982"/>
+          <ac:spMkLst>
+            <pc:docMk/>
+            <pc:sldMk cId="3012564211" sldId="269"/>
+            <ac:spMk id="53" creationId="{47421006-A801-43A7-9AA9-98728412D9FD}"/>
+          </ac:spMkLst>
+        </pc:spChg>
+        <pc:spChg chg="mod">
+          <ac:chgData name="Michael Neuhaus" userId="c40c4f6d-4879-45f0-ab21-9527e4a3c0bd" providerId="ADAL" clId="{21F8B5DC-EEBF-4057-AF5A-A6A231887572}" dt="2022-05-07T19:03:19.199" v="2984"/>
+          <ac:spMkLst>
+            <pc:docMk/>
+            <pc:sldMk cId="3012564211" sldId="269"/>
+            <ac:spMk id="54" creationId="{5DA829F4-A905-4935-8F85-5610E2275AD5}"/>
+          </ac:spMkLst>
+        </pc:spChg>
+        <pc:spChg chg="mod">
+          <ac:chgData name="Michael Neuhaus" userId="c40c4f6d-4879-45f0-ab21-9527e4a3c0bd" providerId="ADAL" clId="{21F8B5DC-EEBF-4057-AF5A-A6A231887572}" dt="2022-05-07T19:03:41.772" v="2985"/>
+          <ac:spMkLst>
+            <pc:docMk/>
+            <pc:sldMk cId="3012564211" sldId="269"/>
+            <ac:spMk id="59" creationId="{DF08F27E-1BC4-44B0-9D9A-8896DCBA22C4}"/>
+          </ac:spMkLst>
+        </pc:spChg>
+        <pc:spChg chg="mod">
+          <ac:chgData name="Michael Neuhaus" userId="c40c4f6d-4879-45f0-ab21-9527e4a3c0bd" providerId="ADAL" clId="{21F8B5DC-EEBF-4057-AF5A-A6A231887572}" dt="2022-05-07T19:03:03.725" v="2983"/>
+          <ac:spMkLst>
+            <pc:docMk/>
+            <pc:sldMk cId="3012564211" sldId="269"/>
+            <ac:spMk id="63" creationId="{9E5D18D5-B763-4F0B-BB29-27E78AB1EC71}"/>
+          </ac:spMkLst>
+        </pc:spChg>
+        <pc:spChg chg="mod">
+          <ac:chgData name="Michael Neuhaus" userId="c40c4f6d-4879-45f0-ab21-9527e4a3c0bd" providerId="ADAL" clId="{21F8B5DC-EEBF-4057-AF5A-A6A231887572}" dt="2022-05-07T19:04:11.774" v="2986"/>
+          <ac:spMkLst>
+            <pc:docMk/>
+            <pc:sldMk cId="3012564211" sldId="269"/>
+            <ac:spMk id="67" creationId="{587CA191-A260-452C-8A88-60190034BD61}"/>
+          </ac:spMkLst>
+        </pc:spChg>
         <pc:spChg chg="del">
           <ac:chgData name="Michael Neuhaus" userId="c40c4f6d-4879-45f0-ab21-9527e4a3c0bd" providerId="ADAL" clId="{21F8B5DC-EEBF-4057-AF5A-A6A231887572}" dt="2022-04-12T18:19:52.759" v="2065" actId="478"/>
           <ac:spMkLst>
@@ -3156,7 +3252,7 @@
         </pc:picChg>
       </pc:sldChg>
       <pc:sldChg chg="addSp delSp modSp add mod">
-        <pc:chgData name="Michael Neuhaus" userId="c40c4f6d-4879-45f0-ab21-9527e4a3c0bd" providerId="ADAL" clId="{21F8B5DC-EEBF-4057-AF5A-A6A231887572}" dt="2022-04-25T14:58:06.202" v="2561" actId="313"/>
+        <pc:chgData name="Michael Neuhaus" userId="c40c4f6d-4879-45f0-ab21-9527e4a3c0bd" providerId="ADAL" clId="{21F8B5DC-EEBF-4057-AF5A-A6A231887572}" dt="2022-05-07T19:04:11.774" v="2986"/>
         <pc:sldMkLst>
           <pc:docMk/>
           <pc:sldMk cId="933807054" sldId="270"/>
@@ -3225,12 +3321,60 @@
             <ac:spMk id="32" creationId="{F44D1926-7244-45A3-9497-840423FE7659}"/>
           </ac:spMkLst>
         </pc:spChg>
+        <pc:spChg chg="mod">
+          <ac:chgData name="Michael Neuhaus" userId="c40c4f6d-4879-45f0-ab21-9527e4a3c0bd" providerId="ADAL" clId="{21F8B5DC-EEBF-4057-AF5A-A6A231887572}" dt="2022-05-07T19:04:11.774" v="2986"/>
+          <ac:spMkLst>
+            <pc:docMk/>
+            <pc:sldMk cId="933807054" sldId="270"/>
+            <ac:spMk id="35" creationId="{1998E68F-D869-43FF-9BBA-1A741FC9CC62}"/>
+          </ac:spMkLst>
+        </pc:spChg>
         <pc:spChg chg="del">
           <ac:chgData name="Michael Neuhaus" userId="c40c4f6d-4879-45f0-ab21-9527e4a3c0bd" providerId="ADAL" clId="{21F8B5DC-EEBF-4057-AF5A-A6A231887572}" dt="2022-04-17T19:32:54.531" v="2361" actId="478"/>
           <ac:spMkLst>
             <pc:docMk/>
             <pc:sldMk cId="933807054" sldId="270"/>
             <ac:spMk id="36" creationId="{84B95A00-7F61-44B4-9BD6-DBDD53F4728D}"/>
+          </ac:spMkLst>
+        </pc:spChg>
+        <pc:spChg chg="mod">
+          <ac:chgData name="Michael Neuhaus" userId="c40c4f6d-4879-45f0-ab21-9527e4a3c0bd" providerId="ADAL" clId="{21F8B5DC-EEBF-4057-AF5A-A6A231887572}" dt="2022-05-07T19:02:18.682" v="2981"/>
+          <ac:spMkLst>
+            <pc:docMk/>
+            <pc:sldMk cId="933807054" sldId="270"/>
+            <ac:spMk id="57" creationId="{4B2952E7-70FC-44FE-A94C-81EF62FF2DFC}"/>
+          </ac:spMkLst>
+        </pc:spChg>
+        <pc:spChg chg="mod">
+          <ac:chgData name="Michael Neuhaus" userId="c40c4f6d-4879-45f0-ab21-9527e4a3c0bd" providerId="ADAL" clId="{21F8B5DC-EEBF-4057-AF5A-A6A231887572}" dt="2022-05-07T19:02:42.691" v="2982"/>
+          <ac:spMkLst>
+            <pc:docMk/>
+            <pc:sldMk cId="933807054" sldId="270"/>
+            <ac:spMk id="65" creationId="{ECCF88BE-1316-4D2F-A6DB-2C9FE9040A62}"/>
+          </ac:spMkLst>
+        </pc:spChg>
+        <pc:spChg chg="mod">
+          <ac:chgData name="Michael Neuhaus" userId="c40c4f6d-4879-45f0-ab21-9527e4a3c0bd" providerId="ADAL" clId="{21F8B5DC-EEBF-4057-AF5A-A6A231887572}" dt="2022-05-07T19:03:19.199" v="2984"/>
+          <ac:spMkLst>
+            <pc:docMk/>
+            <pc:sldMk cId="933807054" sldId="270"/>
+            <ac:spMk id="66" creationId="{7C2A1224-9653-4FEB-B039-573344A3E401}"/>
+          </ac:spMkLst>
+        </pc:spChg>
+        <pc:spChg chg="mod">
+          <ac:chgData name="Michael Neuhaus" userId="c40c4f6d-4879-45f0-ab21-9527e4a3c0bd" providerId="ADAL" clId="{21F8B5DC-EEBF-4057-AF5A-A6A231887572}" dt="2022-05-07T19:03:41.772" v="2985"/>
+          <ac:spMkLst>
+            <pc:docMk/>
+            <pc:sldMk cId="933807054" sldId="270"/>
+            <ac:spMk id="71" creationId="{E63EA9B3-19F9-4DAD-AF96-08B93901E074}"/>
+          </ac:spMkLst>
+        </pc:spChg>
+        <pc:spChg chg="mod">
+          <ac:chgData name="Michael Neuhaus" userId="c40c4f6d-4879-45f0-ab21-9527e4a3c0bd" providerId="ADAL" clId="{21F8B5DC-EEBF-4057-AF5A-A6A231887572}" dt="2022-05-07T19:03:03.725" v="2983"/>
+          <ac:spMkLst>
+            <pc:docMk/>
+            <pc:sldMk cId="933807054" sldId="270"/>
+            <ac:spMk id="74" creationId="{A3F1D1A0-E7A9-4890-B450-D8145EA558CD}"/>
           </ac:spMkLst>
         </pc:spChg>
         <pc:picChg chg="add mod">
@@ -3251,7 +3395,7 @@
         </pc:picChg>
       </pc:sldChg>
       <pc:sldChg chg="addSp delSp modSp add mod">
-        <pc:chgData name="Michael Neuhaus" userId="c40c4f6d-4879-45f0-ab21-9527e4a3c0bd" providerId="ADAL" clId="{21F8B5DC-EEBF-4057-AF5A-A6A231887572}" dt="2022-04-29T20:19:24.774" v="2880" actId="113"/>
+        <pc:chgData name="Michael Neuhaus" userId="c40c4f6d-4879-45f0-ab21-9527e4a3c0bd" providerId="ADAL" clId="{21F8B5DC-EEBF-4057-AF5A-A6A231887572}" dt="2022-05-07T19:04:11.774" v="2986"/>
         <pc:sldMkLst>
           <pc:docMk/>
           <pc:sldMk cId="1885236" sldId="271"/>
@@ -3318,6 +3462,54 @@
             <pc:docMk/>
             <pc:sldMk cId="1885236" sldId="271"/>
             <ac:spMk id="32" creationId="{390E48DD-B074-40E8-85D1-4B9FD20D280C}"/>
+          </ac:spMkLst>
+        </pc:spChg>
+        <pc:spChg chg="mod">
+          <ac:chgData name="Michael Neuhaus" userId="c40c4f6d-4879-45f0-ab21-9527e4a3c0bd" providerId="ADAL" clId="{21F8B5DC-EEBF-4057-AF5A-A6A231887572}" dt="2022-05-07T19:04:11.774" v="2986"/>
+          <ac:spMkLst>
+            <pc:docMk/>
+            <pc:sldMk cId="1885236" sldId="271"/>
+            <ac:spMk id="35" creationId="{1998E68F-D869-43FF-9BBA-1A741FC9CC62}"/>
+          </ac:spMkLst>
+        </pc:spChg>
+        <pc:spChg chg="mod">
+          <ac:chgData name="Michael Neuhaus" userId="c40c4f6d-4879-45f0-ab21-9527e4a3c0bd" providerId="ADAL" clId="{21F8B5DC-EEBF-4057-AF5A-A6A231887572}" dt="2022-05-07T19:02:18.682" v="2981"/>
+          <ac:spMkLst>
+            <pc:docMk/>
+            <pc:sldMk cId="1885236" sldId="271"/>
+            <ac:spMk id="57" creationId="{4B2952E7-70FC-44FE-A94C-81EF62FF2DFC}"/>
+          </ac:spMkLst>
+        </pc:spChg>
+        <pc:spChg chg="mod">
+          <ac:chgData name="Michael Neuhaus" userId="c40c4f6d-4879-45f0-ab21-9527e4a3c0bd" providerId="ADAL" clId="{21F8B5DC-EEBF-4057-AF5A-A6A231887572}" dt="2022-05-07T19:02:42.691" v="2982"/>
+          <ac:spMkLst>
+            <pc:docMk/>
+            <pc:sldMk cId="1885236" sldId="271"/>
+            <ac:spMk id="65" creationId="{ECCF88BE-1316-4D2F-A6DB-2C9FE9040A62}"/>
+          </ac:spMkLst>
+        </pc:spChg>
+        <pc:spChg chg="mod">
+          <ac:chgData name="Michael Neuhaus" userId="c40c4f6d-4879-45f0-ab21-9527e4a3c0bd" providerId="ADAL" clId="{21F8B5DC-EEBF-4057-AF5A-A6A231887572}" dt="2022-05-07T19:03:19.199" v="2984"/>
+          <ac:spMkLst>
+            <pc:docMk/>
+            <pc:sldMk cId="1885236" sldId="271"/>
+            <ac:spMk id="66" creationId="{7C2A1224-9653-4FEB-B039-573344A3E401}"/>
+          </ac:spMkLst>
+        </pc:spChg>
+        <pc:spChg chg="mod">
+          <ac:chgData name="Michael Neuhaus" userId="c40c4f6d-4879-45f0-ab21-9527e4a3c0bd" providerId="ADAL" clId="{21F8B5DC-EEBF-4057-AF5A-A6A231887572}" dt="2022-05-07T19:03:41.772" v="2985"/>
+          <ac:spMkLst>
+            <pc:docMk/>
+            <pc:sldMk cId="1885236" sldId="271"/>
+            <ac:spMk id="71" creationId="{E63EA9B3-19F9-4DAD-AF96-08B93901E074}"/>
+          </ac:spMkLst>
+        </pc:spChg>
+        <pc:spChg chg="mod">
+          <ac:chgData name="Michael Neuhaus" userId="c40c4f6d-4879-45f0-ab21-9527e4a3c0bd" providerId="ADAL" clId="{21F8B5DC-EEBF-4057-AF5A-A6A231887572}" dt="2022-05-07T19:03:03.725" v="2983"/>
+          <ac:spMkLst>
+            <pc:docMk/>
+            <pc:sldMk cId="1885236" sldId="271"/>
+            <ac:spMk id="74" creationId="{A3F1D1A0-E7A9-4890-B450-D8145EA558CD}"/>
           </ac:spMkLst>
         </pc:spChg>
       </pc:sldChg>
@@ -3731,7 +3923,7 @@
           <a:p>
             <a:fld id="{CA891704-1070-4DA0-AF41-BAD92E35CE8D}" type="datetimeFigureOut">
               <a:rPr lang="de-CH" smtClean="0"/>
-              <a:t>29.04.2022</a:t>
+              <a:t>07.05.2022</a:t>
             </a:fld>
             <a:endParaRPr lang="de-CH"/>
           </a:p>
@@ -3901,7 +4093,7 @@
           <a:p>
             <a:fld id="{CA891704-1070-4DA0-AF41-BAD92E35CE8D}" type="datetimeFigureOut">
               <a:rPr lang="de-CH" smtClean="0"/>
-              <a:t>29.04.2022</a:t>
+              <a:t>07.05.2022</a:t>
             </a:fld>
             <a:endParaRPr lang="de-CH"/>
           </a:p>
@@ -4081,7 +4273,7 @@
           <a:p>
             <a:fld id="{CA891704-1070-4DA0-AF41-BAD92E35CE8D}" type="datetimeFigureOut">
               <a:rPr lang="de-CH" smtClean="0"/>
-              <a:t>29.04.2022</a:t>
+              <a:t>07.05.2022</a:t>
             </a:fld>
             <a:endParaRPr lang="de-CH"/>
           </a:p>
@@ -4251,7 +4443,7 @@
           <a:p>
             <a:fld id="{CA891704-1070-4DA0-AF41-BAD92E35CE8D}" type="datetimeFigureOut">
               <a:rPr lang="de-CH" smtClean="0"/>
-              <a:t>29.04.2022</a:t>
+              <a:t>07.05.2022</a:t>
             </a:fld>
             <a:endParaRPr lang="de-CH"/>
           </a:p>
@@ -4495,7 +4687,7 @@
           <a:p>
             <a:fld id="{CA891704-1070-4DA0-AF41-BAD92E35CE8D}" type="datetimeFigureOut">
               <a:rPr lang="de-CH" smtClean="0"/>
-              <a:t>29.04.2022</a:t>
+              <a:t>07.05.2022</a:t>
             </a:fld>
             <a:endParaRPr lang="de-CH"/>
           </a:p>
@@ -4727,7 +4919,7 @@
           <a:p>
             <a:fld id="{CA891704-1070-4DA0-AF41-BAD92E35CE8D}" type="datetimeFigureOut">
               <a:rPr lang="de-CH" smtClean="0"/>
-              <a:t>29.04.2022</a:t>
+              <a:t>07.05.2022</a:t>
             </a:fld>
             <a:endParaRPr lang="de-CH"/>
           </a:p>
@@ -5094,7 +5286,7 @@
           <a:p>
             <a:fld id="{CA891704-1070-4DA0-AF41-BAD92E35CE8D}" type="datetimeFigureOut">
               <a:rPr lang="de-CH" smtClean="0"/>
-              <a:t>29.04.2022</a:t>
+              <a:t>07.05.2022</a:t>
             </a:fld>
             <a:endParaRPr lang="de-CH"/>
           </a:p>
@@ -5212,7 +5404,7 @@
           <a:p>
             <a:fld id="{CA891704-1070-4DA0-AF41-BAD92E35CE8D}" type="datetimeFigureOut">
               <a:rPr lang="de-CH" smtClean="0"/>
-              <a:t>29.04.2022</a:t>
+              <a:t>07.05.2022</a:t>
             </a:fld>
             <a:endParaRPr lang="de-CH"/>
           </a:p>
@@ -5307,7 +5499,7 @@
           <a:p>
             <a:fld id="{CA891704-1070-4DA0-AF41-BAD92E35CE8D}" type="datetimeFigureOut">
               <a:rPr lang="de-CH" smtClean="0"/>
-              <a:t>29.04.2022</a:t>
+              <a:t>07.05.2022</a:t>
             </a:fld>
             <a:endParaRPr lang="de-CH"/>
           </a:p>
@@ -5584,7 +5776,7 @@
           <a:p>
             <a:fld id="{CA891704-1070-4DA0-AF41-BAD92E35CE8D}" type="datetimeFigureOut">
               <a:rPr lang="de-CH" smtClean="0"/>
-              <a:t>29.04.2022</a:t>
+              <a:t>07.05.2022</a:t>
             </a:fld>
             <a:endParaRPr lang="de-CH"/>
           </a:p>
@@ -5841,7 +6033,7 @@
           <a:p>
             <a:fld id="{CA891704-1070-4DA0-AF41-BAD92E35CE8D}" type="datetimeFigureOut">
               <a:rPr lang="de-CH" smtClean="0"/>
-              <a:t>29.04.2022</a:t>
+              <a:t>07.05.2022</a:t>
             </a:fld>
             <a:endParaRPr lang="de-CH"/>
           </a:p>
@@ -6054,7 +6246,7 @@
           <a:p>
             <a:fld id="{CA891704-1070-4DA0-AF41-BAD92E35CE8D}" type="datetimeFigureOut">
               <a:rPr lang="de-CH" smtClean="0"/>
-              <a:t>29.04.2022</a:t>
+              <a:t>07.05.2022</a:t>
             </a:fld>
             <a:endParaRPr lang="de-CH"/>
           </a:p>
@@ -6824,19 +7016,9 @@
                   </a:schemeClr>
                 </a:solidFill>
               </a:rPr>
-              <a:t>building</a:t>
-            </a:r>
-            <a:r>
-              <a:rPr lang="de-CH" sz="375" dirty="0">
-                <a:solidFill>
-                  <a:schemeClr val="bg2">
-                    <a:lumMod val="90000"/>
-                  </a:schemeClr>
-                </a:solidFill>
-              </a:rPr>
-              <a:t> (fa6)</a:t>
-            </a:r>
-            <a:endParaRPr lang="de-CH" sz="750" dirty="0">
+              <a:t>Solid_Building</a:t>
+            </a:r>
+            <a:endParaRPr lang="de-CH" sz="750" b="1" dirty="0">
               <a:solidFill>
                 <a:schemeClr val="bg2">
                   <a:lumMod val="90000"/>
@@ -6972,14 +7154,14 @@
               </a:rPr>
             </a:br>
             <a:r>
-              <a:rPr lang="de-CH" sz="300" dirty="0">
+              <a:rPr lang="de-CH" sz="300" dirty="0" err="1">
                 <a:solidFill>
                   <a:schemeClr val="bg2">
                     <a:lumMod val="90000"/>
                   </a:schemeClr>
                 </a:solidFill>
               </a:rPr>
-              <a:t>user-tag</a:t>
+              <a:t>Solid_userTag</a:t>
             </a:r>
             <a:endParaRPr lang="de-CH" sz="750" dirty="0">
               <a:solidFill>
@@ -7039,16 +7221,6 @@
               </a:rPr>
             </a:br>
             <a:r>
-              <a:rPr lang="de-CH" sz="375" dirty="0">
-                <a:solidFill>
-                  <a:schemeClr val="bg2">
-                    <a:lumMod val="90000"/>
-                  </a:schemeClr>
-                </a:solidFill>
-              </a:rPr>
-              <a:t>file-</a:t>
-            </a:r>
-            <a:r>
               <a:rPr lang="de-CH" sz="375" dirty="0" err="1">
                 <a:solidFill>
                   <a:schemeClr val="bg2">
@@ -7056,7 +7228,7 @@
                   </a:schemeClr>
                 </a:solidFill>
               </a:rPr>
-              <a:t>contract</a:t>
+              <a:t>Solid_FileContract</a:t>
             </a:r>
             <a:endParaRPr lang="de-CH" sz="750" dirty="0">
               <a:solidFill>
@@ -7155,16 +7327,6 @@
               </a:rPr>
             </a:br>
             <a:r>
-              <a:rPr lang="de-CH" sz="300" dirty="0">
-                <a:solidFill>
-                  <a:schemeClr val="bg2">
-                    <a:lumMod val="90000"/>
-                  </a:schemeClr>
-                </a:solidFill>
-              </a:rPr>
-              <a:t>file-</a:t>
-            </a:r>
-            <a:r>
               <a:rPr lang="de-CH" sz="300" dirty="0" err="1">
                 <a:solidFill>
                   <a:schemeClr val="bg2">
@@ -7172,17 +7334,7 @@
                   </a:schemeClr>
                 </a:solidFill>
               </a:rPr>
-              <a:t>invoice</a:t>
-            </a:r>
-            <a:r>
-              <a:rPr lang="de-CH" sz="300" dirty="0">
-                <a:solidFill>
-                  <a:schemeClr val="bg2">
-                    <a:lumMod val="90000"/>
-                  </a:schemeClr>
-                </a:solidFill>
-              </a:rPr>
-              <a:t>-dollar</a:t>
+              <a:t>Solid_FileInvoiceDollar</a:t>
             </a:r>
             <a:endParaRPr lang="de-CH" sz="750" dirty="0">
               <a:solidFill>
@@ -7281,16 +7433,6 @@
               </a:rPr>
             </a:br>
             <a:r>
-              <a:rPr lang="de-CH" sz="375" dirty="0">
-                <a:solidFill>
-                  <a:schemeClr val="bg2">
-                    <a:lumMod val="90000"/>
-                  </a:schemeClr>
-                </a:solidFill>
-              </a:rPr>
-              <a:t>user-</a:t>
-            </a:r>
-            <a:r>
               <a:rPr lang="de-CH" sz="375" dirty="0" err="1">
                 <a:solidFill>
                   <a:schemeClr val="bg2">
@@ -7298,7 +7440,7 @@
                   </a:schemeClr>
                 </a:solidFill>
               </a:rPr>
-              <a:t>tie</a:t>
+              <a:t>Solid_UserTie</a:t>
             </a:r>
             <a:endParaRPr lang="de-CH" sz="750" dirty="0">
               <a:solidFill>
@@ -7414,17 +7556,7 @@
                   </a:schemeClr>
                 </a:solidFill>
               </a:rPr>
-              <a:t>money</a:t>
-            </a:r>
-            <a:r>
-              <a:rPr lang="de-CH" sz="300" dirty="0">
-                <a:solidFill>
-                  <a:schemeClr val="bg2">
-                    <a:lumMod val="90000"/>
-                  </a:schemeClr>
-                </a:solidFill>
-              </a:rPr>
-              <a:t>-check-alt</a:t>
+              <a:t>Solid_MoneyCheckDollar</a:t>
             </a:r>
             <a:endParaRPr lang="de-CH" sz="750" dirty="0">
               <a:solidFill>
@@ -7752,7 +7884,7 @@
             </a:br>
             <a:r>
               <a:rPr lang="de-CH" sz="375" dirty="0" err="1"/>
-              <a:t>building</a:t>
+              <a:t>Solid_Building</a:t>
             </a:r>
             <a:r>
               <a:rPr lang="de-CH" sz="375" dirty="0"/>
@@ -7876,8 +8008,8 @@
               <a:rPr lang="de-CH" sz="750" dirty="0"/>
             </a:br>
             <a:r>
-              <a:rPr lang="de-CH" sz="300" dirty="0"/>
-              <a:t>user-tag</a:t>
+              <a:rPr lang="de-CH" sz="300" dirty="0" err="1"/>
+              <a:t>Solid_userTag</a:t>
             </a:r>
             <a:endParaRPr lang="de-CH" sz="750" dirty="0"/>
           </a:p>
@@ -7919,12 +8051,8 @@
               <a:rPr lang="de-CH" sz="750" dirty="0"/>
             </a:br>
             <a:r>
-              <a:rPr lang="de-CH" sz="375" dirty="0"/>
-              <a:t>file-</a:t>
-            </a:r>
-            <a:r>
               <a:rPr lang="de-CH" sz="375" dirty="0" err="1"/>
-              <a:t>contract</a:t>
+              <a:t>Solid_FileContract</a:t>
             </a:r>
             <a:endParaRPr lang="de-CH" sz="750" dirty="0"/>
           </a:p>
@@ -8005,16 +8133,8 @@
               <a:rPr lang="de-CH" sz="750" dirty="0"/>
             </a:br>
             <a:r>
-              <a:rPr lang="de-CH" sz="300" dirty="0"/>
-              <a:t>file-</a:t>
-            </a:r>
-            <a:r>
               <a:rPr lang="de-CH" sz="300" dirty="0" err="1"/>
-              <a:t>invoice</a:t>
-            </a:r>
-            <a:r>
-              <a:rPr lang="de-CH" sz="300" dirty="0"/>
-              <a:t>-dollar</a:t>
+              <a:t>Solid_FileInvoiceDollar</a:t>
             </a:r>
             <a:endParaRPr lang="de-CH" sz="750" dirty="0"/>
           </a:p>
@@ -8095,12 +8215,8 @@
               <a:rPr lang="de-CH" sz="750" dirty="0"/>
             </a:br>
             <a:r>
-              <a:rPr lang="de-CH" sz="375" dirty="0"/>
-              <a:t>user-</a:t>
-            </a:r>
-            <a:r>
               <a:rPr lang="de-CH" sz="375" dirty="0" err="1"/>
-              <a:t>tie</a:t>
+              <a:t>Solid_UserTie</a:t>
             </a:r>
             <a:endParaRPr lang="de-CH" sz="750" dirty="0"/>
           </a:p>
@@ -8299,11 +8415,7 @@
             </a:r>
             <a:r>
               <a:rPr lang="de-CH" sz="300" dirty="0" err="1"/>
-              <a:t>money</a:t>
-            </a:r>
-            <a:r>
-              <a:rPr lang="de-CH" sz="300" dirty="0"/>
-              <a:t>-check-alt</a:t>
+              <a:t>Solid_MoneyCheckDollar</a:t>
             </a:r>
             <a:endParaRPr lang="de-CH" sz="750" dirty="0"/>
           </a:p>
@@ -8813,7 +8925,7 @@
             </a:br>
             <a:r>
               <a:rPr lang="de-CH" sz="375" dirty="0" err="1"/>
-              <a:t>building</a:t>
+              <a:t>Solid_Building</a:t>
             </a:r>
             <a:r>
               <a:rPr lang="de-CH" sz="375" dirty="0"/>
@@ -8937,8 +9049,8 @@
               <a:rPr lang="de-CH" sz="750" dirty="0"/>
             </a:br>
             <a:r>
-              <a:rPr lang="de-CH" sz="300" dirty="0"/>
-              <a:t>user-tag</a:t>
+              <a:rPr lang="de-CH" sz="300" dirty="0" err="1"/>
+              <a:t>Solid_userTag</a:t>
             </a:r>
             <a:endParaRPr lang="de-CH" sz="750" dirty="0"/>
           </a:p>
@@ -8980,12 +9092,8 @@
               <a:rPr lang="de-CH" sz="750" dirty="0"/>
             </a:br>
             <a:r>
-              <a:rPr lang="de-CH" sz="375" dirty="0"/>
-              <a:t>file-</a:t>
-            </a:r>
-            <a:r>
               <a:rPr lang="de-CH" sz="375" dirty="0" err="1"/>
-              <a:t>contract</a:t>
+              <a:t>Solid_FileContract</a:t>
             </a:r>
             <a:endParaRPr lang="de-CH" sz="750" dirty="0"/>
           </a:p>
@@ -9066,16 +9174,8 @@
               <a:rPr lang="de-CH" sz="750" dirty="0"/>
             </a:br>
             <a:r>
-              <a:rPr lang="de-CH" sz="300" dirty="0"/>
-              <a:t>file-</a:t>
-            </a:r>
-            <a:r>
               <a:rPr lang="de-CH" sz="300" dirty="0" err="1"/>
-              <a:t>invoice</a:t>
-            </a:r>
-            <a:r>
-              <a:rPr lang="de-CH" sz="300" dirty="0"/>
-              <a:t>-dollar</a:t>
+              <a:t>Solid_FileInvoiceDollar</a:t>
             </a:r>
             <a:endParaRPr lang="de-CH" sz="750" dirty="0"/>
           </a:p>
@@ -9156,12 +9256,8 @@
               <a:rPr lang="de-CH" sz="750" dirty="0"/>
             </a:br>
             <a:r>
-              <a:rPr lang="de-CH" sz="375" dirty="0"/>
-              <a:t>user-</a:t>
-            </a:r>
-            <a:r>
               <a:rPr lang="de-CH" sz="375" dirty="0" err="1"/>
-              <a:t>tie</a:t>
+              <a:t>Solid_UserTie</a:t>
             </a:r>
             <a:endParaRPr lang="de-CH" sz="750" dirty="0"/>
           </a:p>
@@ -9360,11 +9456,7 @@
             </a:r>
             <a:r>
               <a:rPr lang="de-CH" sz="300" dirty="0" err="1"/>
-              <a:t>money</a:t>
-            </a:r>
-            <a:r>
-              <a:rPr lang="de-CH" sz="300" dirty="0"/>
-              <a:t>-check-alt</a:t>
+              <a:t>Solid_MoneyCheckDollar</a:t>
             </a:r>
             <a:endParaRPr lang="de-CH" sz="750" dirty="0"/>
           </a:p>
@@ -9844,7 +9936,7 @@
             </a:br>
             <a:r>
               <a:rPr lang="de-CH" sz="375" dirty="0" err="1"/>
-              <a:t>building</a:t>
+              <a:t>Solid_Building</a:t>
             </a:r>
             <a:r>
               <a:rPr lang="de-CH" sz="375" dirty="0"/>
@@ -9968,8 +10060,8 @@
               <a:rPr lang="de-CH" sz="750" dirty="0"/>
             </a:br>
             <a:r>
-              <a:rPr lang="de-CH" sz="300" dirty="0"/>
-              <a:t>user-tag</a:t>
+              <a:rPr lang="de-CH" sz="300" dirty="0" err="1"/>
+              <a:t>Solid_userTag</a:t>
             </a:r>
             <a:endParaRPr lang="de-CH" sz="750" dirty="0"/>
           </a:p>
@@ -10011,12 +10103,8 @@
               <a:rPr lang="de-CH" sz="750" dirty="0"/>
             </a:br>
             <a:r>
-              <a:rPr lang="de-CH" sz="375" dirty="0"/>
-              <a:t>file-</a:t>
-            </a:r>
-            <a:r>
               <a:rPr lang="de-CH" sz="375" dirty="0" err="1"/>
-              <a:t>contract</a:t>
+              <a:t>Solid_FileContract</a:t>
             </a:r>
             <a:endParaRPr lang="de-CH" sz="750" dirty="0"/>
           </a:p>
@@ -10097,16 +10185,8 @@
               <a:rPr lang="de-CH" sz="750" dirty="0"/>
             </a:br>
             <a:r>
-              <a:rPr lang="de-CH" sz="300" dirty="0"/>
-              <a:t>file-</a:t>
-            </a:r>
-            <a:r>
               <a:rPr lang="de-CH" sz="300" dirty="0" err="1"/>
-              <a:t>invoice</a:t>
-            </a:r>
-            <a:r>
-              <a:rPr lang="de-CH" sz="300" dirty="0"/>
-              <a:t>-dollar</a:t>
+              <a:t>Solid_FileInvoiceDollar</a:t>
             </a:r>
             <a:endParaRPr lang="de-CH" sz="750" dirty="0"/>
           </a:p>
@@ -10187,12 +10267,8 @@
               <a:rPr lang="de-CH" sz="750" dirty="0"/>
             </a:br>
             <a:r>
-              <a:rPr lang="de-CH" sz="375" dirty="0"/>
-              <a:t>user-</a:t>
-            </a:r>
-            <a:r>
               <a:rPr lang="de-CH" sz="375" dirty="0" err="1"/>
-              <a:t>tie</a:t>
+              <a:t>Solid_UserTie</a:t>
             </a:r>
             <a:endParaRPr lang="de-CH" sz="750" dirty="0"/>
           </a:p>
@@ -10391,11 +10467,7 @@
             </a:r>
             <a:r>
               <a:rPr lang="de-CH" sz="300" dirty="0" err="1"/>
-              <a:t>money</a:t>
-            </a:r>
-            <a:r>
-              <a:rPr lang="de-CH" sz="300" dirty="0"/>
-              <a:t>-check-alt</a:t>
+              <a:t>Solid_MoneyCheckDollar</a:t>
             </a:r>
             <a:endParaRPr lang="de-CH" sz="750" dirty="0"/>
           </a:p>
@@ -11521,7 +11593,7 @@
             </a:br>
             <a:r>
               <a:rPr lang="de-CH" sz="375" dirty="0" err="1"/>
-              <a:t>building</a:t>
+              <a:t>Solid_Building</a:t>
             </a:r>
             <a:r>
               <a:rPr lang="de-CH" sz="375" dirty="0"/>
@@ -11645,8 +11717,8 @@
               <a:rPr lang="de-CH" sz="750" dirty="0"/>
             </a:br>
             <a:r>
-              <a:rPr lang="de-CH" sz="300" dirty="0"/>
-              <a:t>user-tag</a:t>
+              <a:rPr lang="de-CH" sz="300" dirty="0" err="1"/>
+              <a:t>Solid_userTag</a:t>
             </a:r>
             <a:endParaRPr lang="de-CH" sz="750" dirty="0"/>
           </a:p>
@@ -11688,12 +11760,8 @@
               <a:rPr lang="de-CH" sz="750" dirty="0"/>
             </a:br>
             <a:r>
-              <a:rPr lang="de-CH" sz="375" dirty="0"/>
-              <a:t>file-</a:t>
-            </a:r>
-            <a:r>
               <a:rPr lang="de-CH" sz="375" dirty="0" err="1"/>
-              <a:t>contract</a:t>
+              <a:t>Solid_FileContract</a:t>
             </a:r>
             <a:endParaRPr lang="de-CH" sz="750" dirty="0"/>
           </a:p>
@@ -11774,16 +11842,8 @@
               <a:rPr lang="de-CH" sz="750" dirty="0"/>
             </a:br>
             <a:r>
-              <a:rPr lang="de-CH" sz="300" dirty="0"/>
-              <a:t>file-</a:t>
-            </a:r>
-            <a:r>
               <a:rPr lang="de-CH" sz="300" dirty="0" err="1"/>
-              <a:t>invoice</a:t>
-            </a:r>
-            <a:r>
-              <a:rPr lang="de-CH" sz="300" dirty="0"/>
-              <a:t>-dollar</a:t>
+              <a:t>Solid_FileInvoiceDollar</a:t>
             </a:r>
             <a:endParaRPr lang="de-CH" sz="750" dirty="0"/>
           </a:p>
@@ -11864,12 +11924,8 @@
               <a:rPr lang="de-CH" sz="750" dirty="0"/>
             </a:br>
             <a:r>
-              <a:rPr lang="de-CH" sz="375" dirty="0"/>
-              <a:t>user-</a:t>
-            </a:r>
-            <a:r>
               <a:rPr lang="de-CH" sz="375" dirty="0" err="1"/>
-              <a:t>tie</a:t>
+              <a:t>Solid_UserTie</a:t>
             </a:r>
             <a:endParaRPr lang="de-CH" sz="750" dirty="0"/>
           </a:p>
@@ -11916,11 +11972,7 @@
             </a:r>
             <a:r>
               <a:rPr lang="de-CH" sz="300" dirty="0" err="1"/>
-              <a:t>money</a:t>
-            </a:r>
-            <a:r>
-              <a:rPr lang="de-CH" sz="300" dirty="0"/>
-              <a:t>-check-alt</a:t>
+              <a:t>Solid_MoneyCheckDollar</a:t>
             </a:r>
             <a:endParaRPr lang="de-CH" sz="750" dirty="0"/>
           </a:p>
@@ -13837,7 +13889,7 @@
             </a:br>
             <a:r>
               <a:rPr lang="de-CH" sz="375" dirty="0" err="1"/>
-              <a:t>building</a:t>
+              <a:t>Solid_Building</a:t>
             </a:r>
             <a:r>
               <a:rPr lang="de-CH" sz="375" dirty="0"/>
@@ -13961,8 +14013,8 @@
               <a:rPr lang="de-CH" sz="750" dirty="0"/>
             </a:br>
             <a:r>
-              <a:rPr lang="de-CH" sz="300" dirty="0"/>
-              <a:t>user-tag</a:t>
+              <a:rPr lang="de-CH" sz="300" dirty="0" err="1"/>
+              <a:t>Solid_userTag</a:t>
             </a:r>
             <a:endParaRPr lang="de-CH" sz="750" dirty="0"/>
           </a:p>
@@ -14004,12 +14056,8 @@
               <a:rPr lang="de-CH" sz="750" dirty="0"/>
             </a:br>
             <a:r>
-              <a:rPr lang="de-CH" sz="375" dirty="0"/>
-              <a:t>file-</a:t>
-            </a:r>
-            <a:r>
               <a:rPr lang="de-CH" sz="375" dirty="0" err="1"/>
-              <a:t>contract</a:t>
+              <a:t>Solid_FileContract</a:t>
             </a:r>
             <a:endParaRPr lang="de-CH" sz="750" dirty="0"/>
           </a:p>
@@ -14090,16 +14138,8 @@
               <a:rPr lang="de-CH" sz="750" dirty="0"/>
             </a:br>
             <a:r>
-              <a:rPr lang="de-CH" sz="300" dirty="0"/>
-              <a:t>file-</a:t>
-            </a:r>
-            <a:r>
               <a:rPr lang="de-CH" sz="300" dirty="0" err="1"/>
-              <a:t>invoice</a:t>
-            </a:r>
-            <a:r>
-              <a:rPr lang="de-CH" sz="300" dirty="0"/>
-              <a:t>-dollar</a:t>
+              <a:t>Solid_FileInvoiceDollar</a:t>
             </a:r>
             <a:endParaRPr lang="de-CH" sz="750" dirty="0"/>
           </a:p>
@@ -14180,12 +14220,8 @@
               <a:rPr lang="de-CH" sz="750" dirty="0"/>
             </a:br>
             <a:r>
-              <a:rPr lang="de-CH" sz="375" dirty="0"/>
-              <a:t>user-</a:t>
-            </a:r>
-            <a:r>
               <a:rPr lang="de-CH" sz="375" dirty="0" err="1"/>
-              <a:t>tie</a:t>
+              <a:t>Solid_UserTie</a:t>
             </a:r>
             <a:endParaRPr lang="de-CH" sz="750" dirty="0"/>
           </a:p>
@@ -14232,11 +14268,7 @@
             </a:r>
             <a:r>
               <a:rPr lang="de-CH" sz="300" dirty="0" err="1"/>
-              <a:t>money</a:t>
-            </a:r>
-            <a:r>
-              <a:rPr lang="de-CH" sz="300" dirty="0"/>
-              <a:t>-check-alt</a:t>
+              <a:t>Solid_MoneyCheckDollar</a:t>
             </a:r>
             <a:endParaRPr lang="de-CH" sz="750" dirty="0"/>
           </a:p>
@@ -14877,7 +14909,7 @@
             </a:br>
             <a:r>
               <a:rPr lang="de-CH" sz="375" dirty="0" err="1"/>
-              <a:t>building</a:t>
+              <a:t>Solid_Building</a:t>
             </a:r>
             <a:r>
               <a:rPr lang="de-CH" sz="375" dirty="0"/>
@@ -15001,8 +15033,8 @@
               <a:rPr lang="de-CH" sz="750" dirty="0"/>
             </a:br>
             <a:r>
-              <a:rPr lang="de-CH" sz="300" dirty="0"/>
-              <a:t>user-tag</a:t>
+              <a:rPr lang="de-CH" sz="300" dirty="0" err="1"/>
+              <a:t>Solid_userTag</a:t>
             </a:r>
             <a:endParaRPr lang="de-CH" sz="750" dirty="0"/>
           </a:p>
@@ -15044,12 +15076,8 @@
               <a:rPr lang="de-CH" sz="750" dirty="0"/>
             </a:br>
             <a:r>
-              <a:rPr lang="de-CH" sz="375" dirty="0"/>
-              <a:t>file-</a:t>
-            </a:r>
-            <a:r>
               <a:rPr lang="de-CH" sz="375" dirty="0" err="1"/>
-              <a:t>contract</a:t>
+              <a:t>Solid_FileContract</a:t>
             </a:r>
             <a:endParaRPr lang="de-CH" sz="750" dirty="0"/>
           </a:p>
@@ -15130,16 +15158,8 @@
               <a:rPr lang="de-CH" sz="750" dirty="0"/>
             </a:br>
             <a:r>
-              <a:rPr lang="de-CH" sz="300" dirty="0"/>
-              <a:t>file-</a:t>
-            </a:r>
-            <a:r>
               <a:rPr lang="de-CH" sz="300" dirty="0" err="1"/>
-              <a:t>invoice</a:t>
-            </a:r>
-            <a:r>
-              <a:rPr lang="de-CH" sz="300" dirty="0"/>
-              <a:t>-dollar</a:t>
+              <a:t>Solid_FileInvoiceDollar</a:t>
             </a:r>
             <a:endParaRPr lang="de-CH" sz="750" dirty="0"/>
           </a:p>
@@ -15220,12 +15240,8 @@
               <a:rPr lang="de-CH" sz="750" dirty="0"/>
             </a:br>
             <a:r>
-              <a:rPr lang="de-CH" sz="375" dirty="0"/>
-              <a:t>user-</a:t>
-            </a:r>
-            <a:r>
               <a:rPr lang="de-CH" sz="375" dirty="0" err="1"/>
-              <a:t>tie</a:t>
+              <a:t>Solid_UserTie</a:t>
             </a:r>
             <a:endParaRPr lang="de-CH" sz="750" dirty="0"/>
           </a:p>
@@ -15272,11 +15288,7 @@
             </a:r>
             <a:r>
               <a:rPr lang="de-CH" sz="300" dirty="0" err="1"/>
-              <a:t>money</a:t>
-            </a:r>
-            <a:r>
-              <a:rPr lang="de-CH" sz="300" dirty="0"/>
-              <a:t>-check-alt</a:t>
+              <a:t>Solid_MoneyCheckDollar</a:t>
             </a:r>
             <a:endParaRPr lang="de-CH" sz="750" dirty="0"/>
           </a:p>
@@ -15851,7 +15863,7 @@
             </a:br>
             <a:r>
               <a:rPr lang="de-CH" sz="375" dirty="0" err="1"/>
-              <a:t>building</a:t>
+              <a:t>Solid_Building</a:t>
             </a:r>
             <a:r>
               <a:rPr lang="de-CH" sz="375" dirty="0"/>
@@ -15975,8 +15987,8 @@
               <a:rPr lang="de-CH" sz="750" dirty="0"/>
             </a:br>
             <a:r>
-              <a:rPr lang="de-CH" sz="300" dirty="0"/>
-              <a:t>user-tag</a:t>
+              <a:rPr lang="de-CH" sz="300" dirty="0" err="1"/>
+              <a:t>Solid_userTag</a:t>
             </a:r>
             <a:endParaRPr lang="de-CH" sz="750" dirty="0"/>
           </a:p>
@@ -16018,12 +16030,8 @@
               <a:rPr lang="de-CH" sz="750" dirty="0"/>
             </a:br>
             <a:r>
-              <a:rPr lang="de-CH" sz="375" dirty="0"/>
-              <a:t>file-</a:t>
-            </a:r>
-            <a:r>
               <a:rPr lang="de-CH" sz="375" dirty="0" err="1"/>
-              <a:t>contract</a:t>
+              <a:t>Solid_FileContract</a:t>
             </a:r>
             <a:endParaRPr lang="de-CH" sz="750" dirty="0"/>
           </a:p>
@@ -16104,16 +16112,8 @@
               <a:rPr lang="de-CH" sz="750" dirty="0"/>
             </a:br>
             <a:r>
-              <a:rPr lang="de-CH" sz="300" dirty="0"/>
-              <a:t>file-</a:t>
-            </a:r>
-            <a:r>
               <a:rPr lang="de-CH" sz="300" dirty="0" err="1"/>
-              <a:t>invoice</a:t>
-            </a:r>
-            <a:r>
-              <a:rPr lang="de-CH" sz="300" dirty="0"/>
-              <a:t>-dollar</a:t>
+              <a:t>Solid_FileInvoiceDollar</a:t>
             </a:r>
             <a:endParaRPr lang="de-CH" sz="750" dirty="0"/>
           </a:p>
@@ -16194,12 +16194,8 @@
               <a:rPr lang="de-CH" sz="750" dirty="0"/>
             </a:br>
             <a:r>
-              <a:rPr lang="de-CH" sz="375" dirty="0"/>
-              <a:t>user-</a:t>
-            </a:r>
-            <a:r>
               <a:rPr lang="de-CH" sz="375" dirty="0" err="1"/>
-              <a:t>tie</a:t>
+              <a:t>Solid_UserTie</a:t>
             </a:r>
             <a:endParaRPr lang="de-CH" sz="750" dirty="0"/>
           </a:p>
@@ -16404,11 +16400,7 @@
             </a:r>
             <a:r>
               <a:rPr lang="de-CH" sz="300" dirty="0" err="1"/>
-              <a:t>money</a:t>
-            </a:r>
-            <a:r>
-              <a:rPr lang="de-CH" sz="300" dirty="0"/>
-              <a:t>-check-alt</a:t>
+              <a:t>Solid_MoneyCheckDollar</a:t>
             </a:r>
             <a:endParaRPr lang="de-CH" sz="750" dirty="0"/>
           </a:p>
@@ -16909,7 +16901,7 @@
             </a:br>
             <a:r>
               <a:rPr lang="de-CH" sz="375" dirty="0" err="1"/>
-              <a:t>building</a:t>
+              <a:t>Solid_Building</a:t>
             </a:r>
             <a:r>
               <a:rPr lang="de-CH" sz="375" dirty="0"/>
@@ -17033,8 +17025,8 @@
               <a:rPr lang="de-CH" sz="750" dirty="0"/>
             </a:br>
             <a:r>
-              <a:rPr lang="de-CH" sz="300" dirty="0"/>
-              <a:t>user-tag</a:t>
+              <a:rPr lang="de-CH" sz="300" dirty="0" err="1"/>
+              <a:t>Solid_userTag</a:t>
             </a:r>
             <a:endParaRPr lang="de-CH" sz="750" dirty="0"/>
           </a:p>
@@ -17076,12 +17068,8 @@
               <a:rPr lang="de-CH" sz="750" dirty="0"/>
             </a:br>
             <a:r>
-              <a:rPr lang="de-CH" sz="375" dirty="0"/>
-              <a:t>file-</a:t>
-            </a:r>
-            <a:r>
               <a:rPr lang="de-CH" sz="375" dirty="0" err="1"/>
-              <a:t>contract</a:t>
+              <a:t>Solid_FileContract</a:t>
             </a:r>
             <a:endParaRPr lang="de-CH" sz="750" dirty="0"/>
           </a:p>
@@ -17162,16 +17150,8 @@
               <a:rPr lang="de-CH" sz="750" dirty="0"/>
             </a:br>
             <a:r>
-              <a:rPr lang="de-CH" sz="300" dirty="0"/>
-              <a:t>file-</a:t>
-            </a:r>
-            <a:r>
               <a:rPr lang="de-CH" sz="300" dirty="0" err="1"/>
-              <a:t>invoice</a:t>
-            </a:r>
-            <a:r>
-              <a:rPr lang="de-CH" sz="300" dirty="0"/>
-              <a:t>-dollar</a:t>
+              <a:t>Solid_FileInvoiceDollar</a:t>
             </a:r>
             <a:endParaRPr lang="de-CH" sz="750" dirty="0"/>
           </a:p>
@@ -17252,12 +17232,8 @@
               <a:rPr lang="de-CH" sz="750" dirty="0"/>
             </a:br>
             <a:r>
-              <a:rPr lang="de-CH" sz="375" dirty="0"/>
-              <a:t>user-</a:t>
-            </a:r>
-            <a:r>
               <a:rPr lang="de-CH" sz="375" dirty="0" err="1"/>
-              <a:t>tie</a:t>
+              <a:t>Solid_UserTie</a:t>
             </a:r>
             <a:endParaRPr lang="de-CH" sz="750" dirty="0"/>
           </a:p>
@@ -17421,11 +17397,7 @@
             </a:r>
             <a:r>
               <a:rPr lang="de-CH" sz="300" dirty="0" err="1"/>
-              <a:t>money</a:t>
-            </a:r>
-            <a:r>
-              <a:rPr lang="de-CH" sz="300" dirty="0"/>
-              <a:t>-check-alt</a:t>
+              <a:t>Solid_MoneyCheckDollar</a:t>
             </a:r>
             <a:endParaRPr lang="de-CH" sz="750" dirty="0"/>
           </a:p>
@@ -17976,7 +17948,7 @@
             </a:br>
             <a:r>
               <a:rPr lang="de-CH" sz="375" dirty="0" err="1"/>
-              <a:t>building</a:t>
+              <a:t>Solid_Building</a:t>
             </a:r>
             <a:r>
               <a:rPr lang="de-CH" sz="375" dirty="0"/>
@@ -18061,8 +18033,8 @@
               <a:rPr lang="de-CH" sz="750" dirty="0"/>
             </a:br>
             <a:r>
-              <a:rPr lang="de-CH" sz="300" dirty="0"/>
-              <a:t>user-tag</a:t>
+              <a:rPr lang="de-CH" sz="300" dirty="0" err="1"/>
+              <a:t>Solid_userTag</a:t>
             </a:r>
             <a:endParaRPr lang="de-CH" sz="750" dirty="0"/>
           </a:p>
@@ -18104,12 +18076,8 @@
               <a:rPr lang="de-CH" sz="750" dirty="0"/>
             </a:br>
             <a:r>
-              <a:rPr lang="de-CH" sz="375" dirty="0"/>
-              <a:t>file-</a:t>
-            </a:r>
-            <a:r>
               <a:rPr lang="de-CH" sz="375" dirty="0" err="1"/>
-              <a:t>contract</a:t>
+              <a:t>Solid_FileContract</a:t>
             </a:r>
             <a:endParaRPr lang="de-CH" sz="750" dirty="0"/>
           </a:p>
@@ -18190,16 +18158,8 @@
               <a:rPr lang="de-CH" sz="750" dirty="0"/>
             </a:br>
             <a:r>
-              <a:rPr lang="de-CH" sz="300" dirty="0"/>
-              <a:t>file-</a:t>
-            </a:r>
-            <a:r>
               <a:rPr lang="de-CH" sz="300" dirty="0" err="1"/>
-              <a:t>invoice</a:t>
-            </a:r>
-            <a:r>
-              <a:rPr lang="de-CH" sz="300" dirty="0"/>
-              <a:t>-dollar</a:t>
+              <a:t>Solid_FileInvoiceDollar</a:t>
             </a:r>
             <a:endParaRPr lang="de-CH" sz="750" dirty="0"/>
           </a:p>
@@ -18280,12 +18240,8 @@
               <a:rPr lang="de-CH" sz="750" dirty="0"/>
             </a:br>
             <a:r>
-              <a:rPr lang="de-CH" sz="375" dirty="0"/>
-              <a:t>user-</a:t>
-            </a:r>
-            <a:r>
               <a:rPr lang="de-CH" sz="375" dirty="0" err="1"/>
-              <a:t>tie</a:t>
+              <a:t>Solid_UserTie</a:t>
             </a:r>
             <a:endParaRPr lang="de-CH" sz="750" dirty="0"/>
           </a:p>
@@ -18449,11 +18405,7 @@
             </a:r>
             <a:r>
               <a:rPr lang="de-CH" sz="300" dirty="0" err="1"/>
-              <a:t>money</a:t>
-            </a:r>
-            <a:r>
-              <a:rPr lang="de-CH" sz="300" dirty="0"/>
-              <a:t>-check-alt</a:t>
+              <a:t>Solid_MoneyCheckDollar</a:t>
             </a:r>
             <a:endParaRPr lang="de-CH" sz="750" dirty="0"/>
           </a:p>
@@ -18888,7 +18840,7 @@
             </a:br>
             <a:r>
               <a:rPr lang="de-CH" sz="375" dirty="0" err="1"/>
-              <a:t>building</a:t>
+              <a:t>Solid_Building</a:t>
             </a:r>
             <a:r>
               <a:rPr lang="de-CH" sz="375" dirty="0"/>
@@ -19012,8 +18964,8 @@
               <a:rPr lang="de-CH" sz="750" dirty="0"/>
             </a:br>
             <a:r>
-              <a:rPr lang="de-CH" sz="300" dirty="0"/>
-              <a:t>user-tag</a:t>
+              <a:rPr lang="de-CH" sz="300" dirty="0" err="1"/>
+              <a:t>Solid_userTag</a:t>
             </a:r>
             <a:endParaRPr lang="de-CH" sz="750" dirty="0"/>
           </a:p>
@@ -19055,12 +19007,8 @@
               <a:rPr lang="de-CH" sz="750" dirty="0"/>
             </a:br>
             <a:r>
-              <a:rPr lang="de-CH" sz="375" dirty="0"/>
-              <a:t>file-</a:t>
-            </a:r>
-            <a:r>
               <a:rPr lang="de-CH" sz="375" dirty="0" err="1"/>
-              <a:t>contract</a:t>
+              <a:t>Solid_FileContract</a:t>
             </a:r>
             <a:endParaRPr lang="de-CH" sz="750" dirty="0"/>
           </a:p>
@@ -19141,16 +19089,8 @@
               <a:rPr lang="de-CH" sz="750" dirty="0"/>
             </a:br>
             <a:r>
-              <a:rPr lang="de-CH" sz="300" dirty="0"/>
-              <a:t>file-</a:t>
-            </a:r>
-            <a:r>
               <a:rPr lang="de-CH" sz="300" dirty="0" err="1"/>
-              <a:t>invoice</a:t>
-            </a:r>
-            <a:r>
-              <a:rPr lang="de-CH" sz="300" dirty="0"/>
-              <a:t>-dollar</a:t>
+              <a:t>Solid_FileInvoiceDollar</a:t>
             </a:r>
             <a:endParaRPr lang="de-CH" sz="750" dirty="0"/>
           </a:p>
@@ -19231,12 +19171,8 @@
               <a:rPr lang="de-CH" sz="750" dirty="0"/>
             </a:br>
             <a:r>
-              <a:rPr lang="de-CH" sz="375" dirty="0"/>
-              <a:t>user-</a:t>
-            </a:r>
-            <a:r>
               <a:rPr lang="de-CH" sz="375" dirty="0" err="1"/>
-              <a:t>tie</a:t>
+              <a:t>Solid_UserTie</a:t>
             </a:r>
             <a:endParaRPr lang="de-CH" sz="750" dirty="0"/>
           </a:p>
@@ -19435,11 +19371,7 @@
             </a:r>
             <a:r>
               <a:rPr lang="de-CH" sz="300" dirty="0" err="1"/>
-              <a:t>money</a:t>
-            </a:r>
-            <a:r>
-              <a:rPr lang="de-CH" sz="300" dirty="0"/>
-              <a:t>-check-alt</a:t>
+              <a:t>Solid_MoneyCheckDollar</a:t>
             </a:r>
             <a:endParaRPr lang="de-CH" sz="750" dirty="0"/>
           </a:p>
@@ -19835,7 +19767,7 @@
             </a:br>
             <a:r>
               <a:rPr lang="de-CH" sz="375" dirty="0" err="1"/>
-              <a:t>building</a:t>
+              <a:t>Solid_Building</a:t>
             </a:r>
             <a:r>
               <a:rPr lang="de-CH" sz="375" dirty="0"/>
@@ -19959,8 +19891,8 @@
               <a:rPr lang="de-CH" sz="750" dirty="0"/>
             </a:br>
             <a:r>
-              <a:rPr lang="de-CH" sz="300" dirty="0"/>
-              <a:t>user-tag</a:t>
+              <a:rPr lang="de-CH" sz="300" dirty="0" err="1"/>
+              <a:t>Solid_userTag</a:t>
             </a:r>
             <a:endParaRPr lang="de-CH" sz="750" dirty="0"/>
           </a:p>
@@ -20002,12 +19934,8 @@
               <a:rPr lang="de-CH" sz="750" dirty="0"/>
             </a:br>
             <a:r>
-              <a:rPr lang="de-CH" sz="375" dirty="0"/>
-              <a:t>file-</a:t>
-            </a:r>
-            <a:r>
               <a:rPr lang="de-CH" sz="375" dirty="0" err="1"/>
-              <a:t>contract</a:t>
+              <a:t>Solid_FileContract</a:t>
             </a:r>
             <a:endParaRPr lang="de-CH" sz="750" dirty="0"/>
           </a:p>
@@ -20088,16 +20016,8 @@
               <a:rPr lang="de-CH" sz="750" dirty="0"/>
             </a:br>
             <a:r>
-              <a:rPr lang="de-CH" sz="300" dirty="0"/>
-              <a:t>file-</a:t>
-            </a:r>
-            <a:r>
               <a:rPr lang="de-CH" sz="300" dirty="0" err="1"/>
-              <a:t>invoice</a:t>
-            </a:r>
-            <a:r>
-              <a:rPr lang="de-CH" sz="300" dirty="0"/>
-              <a:t>-dollar</a:t>
+              <a:t>Solid_FileInvoiceDollar</a:t>
             </a:r>
             <a:endParaRPr lang="de-CH" sz="750" dirty="0"/>
           </a:p>
@@ -20178,12 +20098,8 @@
               <a:rPr lang="de-CH" sz="750" dirty="0"/>
             </a:br>
             <a:r>
-              <a:rPr lang="de-CH" sz="375" dirty="0"/>
-              <a:t>user-</a:t>
-            </a:r>
-            <a:r>
               <a:rPr lang="de-CH" sz="375" dirty="0" err="1"/>
-              <a:t>tie</a:t>
+              <a:t>Solid_UserTie</a:t>
             </a:r>
             <a:endParaRPr lang="de-CH" sz="750" dirty="0"/>
           </a:p>
@@ -20382,11 +20298,7 @@
             </a:r>
             <a:r>
               <a:rPr lang="de-CH" sz="300" dirty="0" err="1"/>
-              <a:t>money</a:t>
-            </a:r>
-            <a:r>
-              <a:rPr lang="de-CH" sz="300" dirty="0"/>
-              <a:t>-check-alt</a:t>
+              <a:t>Solid_MoneyCheckDollar</a:t>
             </a:r>
             <a:endParaRPr lang="de-CH" sz="750" dirty="0"/>
           </a:p>
